--- a/2nd_year_int.pptx
+++ b/2nd_year_int.pptx
@@ -6,370 +6,22 @@
     <p:sldMasterId id="2147483661" r:id="rId3"/>
     <p:sldMasterId id="2147483674" r:id="rId4"/>
   </p:sldMasterIdLst>
-  <p:notesMasterIdLst>
-    <p:notesMasterId r:id="rId5"/>
-  </p:notesMasterIdLst>
   <p:sldIdLst>
-    <p:sldId id="256" r:id="rId6"/>
-    <p:sldId id="257" r:id="rId7"/>
-    <p:sldId id="258" r:id="rId8"/>
-    <p:sldId id="259" r:id="rId9"/>
+    <p:sldId id="256" r:id="rId5"/>
+    <p:sldId id="257" r:id="rId6"/>
+    <p:sldId id="258" r:id="rId7"/>
+    <p:sldId id="259" r:id="rId8"/>
+    <p:sldId id="260" r:id="rId9"/>
+    <p:sldId id="261" r:id="rId10"/>
+    <p:sldId id="262" r:id="rId11"/>
+    <p:sldId id="263" r:id="rId12"/>
+    <p:sldId id="264" r:id="rId13"/>
+    <p:sldId id="265" r:id="rId14"/>
+    <p:sldId id="266" r:id="rId15"/>
   </p:sldIdLst>
   <p:sldSz cx="9144000" cy="6858000"/>
   <p:notesSz cx="7559675" cy="10691812"/>
 </p:presentation>
-</file>
-
-<file path=ppt/notesMasters/notesMaster1.xml><?xml version="1.0" encoding="utf-8"?>
-<p:notesMaster xmlns:a="http://schemas.openxmlformats.org/drawingml/2006/main" xmlns:p="http://schemas.openxmlformats.org/presentationml/2006/main" xmlns:r="http://schemas.openxmlformats.org/officeDocument/2006/relationships">
-  <p:cSld>
-    <p:spTree>
-      <p:nvGrpSpPr>
-        <p:cNvPr id="1" name=""/>
-        <p:cNvGrpSpPr/>
-        <p:nvPr/>
-      </p:nvGrpSpPr>
-      <p:grpSpPr>
-        <a:xfrm>
-          <a:off x="0" y="0"/>
-          <a:ext cx="0" cy="0"/>
-          <a:chOff x="0" y="0"/>
-          <a:chExt cx="0" cy="0"/>
-        </a:xfrm>
-      </p:grpSpPr>
-      <p:sp>
-        <p:nvSpPr>
-          <p:cNvPr id="121" name="PlaceHolder 1"/>
-          <p:cNvSpPr>
-            <a:spLocks noGrp="1"/>
-          </p:cNvSpPr>
-          <p:nvPr>
-            <p:ph type="body"/>
-          </p:nvPr>
-        </p:nvSpPr>
-        <p:spPr>
-          <a:xfrm>
-            <a:off x="756000" y="5078520"/>
-            <a:ext cx="6047640" cy="4811040"/>
-          </a:xfrm>
-          <a:prstGeom prst="rect">
-            <a:avLst/>
-          </a:prstGeom>
-        </p:spPr>
-        <p:txBody>
-          <a:bodyPr lIns="0" rIns="0" tIns="0" bIns="0"/>
-          <a:p>
-            <a:r>
-              <a:rPr lang="en-GB" sz="2000">
-                <a:latin typeface="Arial"/>
-              </a:rPr>
-              <a:t>Click to edit the notes format</a:t>
-            </a:r>
-            <a:endParaRPr/>
-          </a:p>
-        </p:txBody>
-      </p:sp>
-      <p:sp>
-        <p:nvSpPr>
-          <p:cNvPr id="122" name="PlaceHolder 2"/>
-          <p:cNvSpPr>
-            <a:spLocks noGrp="1"/>
-          </p:cNvSpPr>
-          <p:nvPr>
-            <p:ph type="hdr"/>
-          </p:nvPr>
-        </p:nvSpPr>
-        <p:spPr>
-          <a:xfrm>
-            <a:off x="0" y="0"/>
-            <a:ext cx="3280680" cy="534240"/>
-          </a:xfrm>
-          <a:prstGeom prst="rect">
-            <a:avLst/>
-          </a:prstGeom>
-        </p:spPr>
-        <p:txBody>
-          <a:bodyPr lIns="0" rIns="0" tIns="0" bIns="0"/>
-          <a:p>
-            <a:r>
-              <a:rPr lang="en-GB" sz="1400">
-                <a:latin typeface="Times New Roman"/>
-              </a:rPr>
-              <a:t>&lt;header&gt;</a:t>
-            </a:r>
-            <a:endParaRPr/>
-          </a:p>
-        </p:txBody>
-      </p:sp>
-      <p:sp>
-        <p:nvSpPr>
-          <p:cNvPr id="123" name="PlaceHolder 3"/>
-          <p:cNvSpPr>
-            <a:spLocks noGrp="1"/>
-          </p:cNvSpPr>
-          <p:nvPr>
-            <p:ph type="dt"/>
-          </p:nvPr>
-        </p:nvSpPr>
-        <p:spPr>
-          <a:xfrm>
-            <a:off x="4278960" y="0"/>
-            <a:ext cx="3280680" cy="534240"/>
-          </a:xfrm>
-          <a:prstGeom prst="rect">
-            <a:avLst/>
-          </a:prstGeom>
-        </p:spPr>
-        <p:txBody>
-          <a:bodyPr lIns="0" rIns="0" tIns="0" bIns="0"/>
-          <a:p>
-            <a:pPr algn="r"/>
-            <a:r>
-              <a:rPr lang="en-GB" sz="1400">
-                <a:latin typeface="Times New Roman"/>
-              </a:rPr>
-              <a:t>&lt;date/time&gt;</a:t>
-            </a:r>
-            <a:endParaRPr/>
-          </a:p>
-        </p:txBody>
-      </p:sp>
-      <p:sp>
-        <p:nvSpPr>
-          <p:cNvPr id="124" name="PlaceHolder 4"/>
-          <p:cNvSpPr>
-            <a:spLocks noGrp="1"/>
-          </p:cNvSpPr>
-          <p:nvPr>
-            <p:ph type="ftr"/>
-          </p:nvPr>
-        </p:nvSpPr>
-        <p:spPr>
-          <a:xfrm>
-            <a:off x="0" y="10157400"/>
-            <a:ext cx="3280680" cy="534240"/>
-          </a:xfrm>
-          <a:prstGeom prst="rect">
-            <a:avLst/>
-          </a:prstGeom>
-        </p:spPr>
-        <p:txBody>
-          <a:bodyPr lIns="0" rIns="0" tIns="0" bIns="0" anchor="b"/>
-          <a:p>
-            <a:r>
-              <a:rPr lang="en-GB" sz="1400">
-                <a:latin typeface="Times New Roman"/>
-              </a:rPr>
-              <a:t>&lt;footer&gt;</a:t>
-            </a:r>
-            <a:endParaRPr/>
-          </a:p>
-        </p:txBody>
-      </p:sp>
-      <p:sp>
-        <p:nvSpPr>
-          <p:cNvPr id="125" name="PlaceHolder 5"/>
-          <p:cNvSpPr>
-            <a:spLocks noGrp="1"/>
-          </p:cNvSpPr>
-          <p:nvPr>
-            <p:ph type="sldNum"/>
-          </p:nvPr>
-        </p:nvSpPr>
-        <p:spPr>
-          <a:xfrm>
-            <a:off x="4278960" y="10157400"/>
-            <a:ext cx="3280680" cy="534240"/>
-          </a:xfrm>
-          <a:prstGeom prst="rect">
-            <a:avLst/>
-          </a:prstGeom>
-        </p:spPr>
-        <p:txBody>
-          <a:bodyPr lIns="0" rIns="0" tIns="0" bIns="0" anchor="b"/>
-          <a:p>
-            <a:pPr algn="r"/>
-            <a:fld id="{42D1FD9E-96A0-4F6B-A61F-1035A8303C41}" type="slidenum">
-              <a:rPr lang="en-GB" sz="1400">
-                <a:latin typeface="Times New Roman"/>
-              </a:rPr>
-              <a:t>&lt;number&gt;</a:t>
-            </a:fld>
-            <a:endParaRPr/>
-          </a:p>
-        </p:txBody>
-      </p:sp>
-    </p:spTree>
-  </p:cSld>
-  <p:clrMap bg1="lt1" bg2="lt2" tx1="dk1" tx2="dk2" accent1="accent1" accent2="accent2" accent3="accent3" accent4="accent4" accent5="accent5" accent6="accent6" hlink="hlink" folHlink="folHlink"/>
-</p:notesMaster>
-</file>
-
-<file path=ppt/notesSlides/notesSlide2.xml><?xml version="1.0" encoding="utf-8"?>
-<p:notes xmlns:a="http://schemas.openxmlformats.org/drawingml/2006/main" xmlns:p="http://schemas.openxmlformats.org/presentationml/2006/main" xmlns:r="http://schemas.openxmlformats.org/officeDocument/2006/relationships">
-  <p:cSld>
-    <p:spTree>
-      <p:nvGrpSpPr>
-        <p:cNvPr id="1" name=""/>
-        <p:cNvGrpSpPr/>
-        <p:nvPr/>
-      </p:nvGrpSpPr>
-      <p:grpSpPr>
-        <a:xfrm>
-          <a:off x="0" y="0"/>
-          <a:ext cx="0" cy="0"/>
-          <a:chOff x="0" y="0"/>
-          <a:chExt cx="0" cy="0"/>
-        </a:xfrm>
-      </p:grpSpPr>
-      <p:sp>
-        <p:nvSpPr>
-          <p:cNvPr id="140" name="CustomShape 1"/>
-          <p:cNvSpPr/>
-          <p:nvPr/>
-        </p:nvSpPr>
-        <p:spPr>
-          <a:xfrm>
-            <a:off x="3884760" y="8685360"/>
-            <a:ext cx="2968560" cy="453960"/>
-          </a:xfrm>
-          <a:prstGeom prst="rect">
-            <a:avLst/>
-          </a:prstGeom>
-          <a:noFill/>
-          <a:ln>
-            <a:noFill/>
-          </a:ln>
-        </p:spPr>
-        <p:txBody>
-          <a:bodyPr lIns="90000" rIns="90000" tIns="46800" bIns="46800" anchor="b"/>
-          <a:p>
-            <a:pPr algn="r">
-              <a:lnSpc>
-                <a:spcPct val="100000"/>
-              </a:lnSpc>
-            </a:pPr>
-            <a:fld id="{0F578FC0-5F91-4839-ADCF-668B34FCA7A4}" type="slidenum">
-              <a:rPr lang="en-GB" sz="1200">
-                <a:solidFill>
-                  <a:srgbClr val="000000"/>
-                </a:solidFill>
-                <a:latin typeface="Calibri"/>
-                <a:ea typeface="Arial"/>
-              </a:rPr>
-              <a:t>&lt;number&gt;</a:t>
-            </a:fld>
-            <a:endParaRPr/>
-          </a:p>
-        </p:txBody>
-      </p:sp>
-      <p:sp>
-        <p:nvSpPr>
-          <p:cNvPr id="141" name="CustomShape 2"/>
-          <p:cNvSpPr/>
-          <p:nvPr/>
-        </p:nvSpPr>
-        <p:spPr>
-          <a:xfrm>
-            <a:off x="685800" y="4343400"/>
-            <a:ext cx="5486400" cy="4114800"/>
-          </a:xfrm>
-          <a:prstGeom prst="rect">
-            <a:avLst/>
-          </a:prstGeom>
-          <a:noFill/>
-          <a:ln>
-            <a:noFill/>
-          </a:ln>
-        </p:spPr>
-      </p:sp>
-      <p:sp>
-        <p:nvSpPr>
-          <p:cNvPr id="142" name="TextShape 3"/>
-          <p:cNvSpPr txBox="1"/>
-          <p:nvPr/>
-        </p:nvSpPr>
-        <p:spPr>
-          <a:xfrm>
-            <a:off x="685440" y="4343040"/>
-            <a:ext cx="5483160" cy="4111560"/>
-          </a:xfrm>
-          <a:prstGeom prst="rect">
-            <a:avLst/>
-          </a:prstGeom>
-        </p:spPr>
-        <p:txBody>
-          <a:bodyPr lIns="0" rIns="0" tIns="0" bIns="0"/>
-          <a:p>
-            <a:pPr/>
-            <a:r>
-              <a:rPr lang="en-GB" sz="1200">
-                <a:latin typeface="Times New Roman"/>
-                <a:ea typeface="宋体"/>
-              </a:rPr>
-              <a:t>describing the goal by explaining the topic! </a:t>
-            </a:r>
-            <a:endParaRPr/>
-          </a:p>
-          <a:p>
-            <a:pPr/>
-            <a:r>
-              <a:rPr lang="en-GB" sz="1200">
-                <a:latin typeface="Times New Roman"/>
-                <a:ea typeface="宋体"/>
-              </a:rPr>
-              <a:t>three highlighted words.</a:t>
-            </a:r>
-            <a:endParaRPr/>
-          </a:p>
-          <a:p>
-            <a:pPr/>
-            <a:r>
-              <a:rPr lang="en-GB" sz="1200">
-                <a:latin typeface="Times New Roman"/>
-                <a:ea typeface="宋体"/>
-              </a:rPr>
-              <a:t>understand the brain = modelling the brain</a:t>
-            </a:r>
-            <a:endParaRPr/>
-          </a:p>
-          <a:p>
-            <a:pPr/>
-            <a:r>
-              <a:rPr lang="en-GB" sz="1200">
-                <a:solidFill>
-                  <a:srgbClr val="1c1c1c"/>
-                </a:solidFill>
-                <a:latin typeface="Times New Roman"/>
-                <a:ea typeface="宋体"/>
-              </a:rPr>
-              <a:t>mimicking the activity</a:t>
-            </a:r>
-            <a:endParaRPr/>
-          </a:p>
-          <a:p>
-            <a:pPr/>
-            <a:r>
-              <a:rPr lang="en-GB" sz="1200">
-                <a:solidFill>
-                  <a:srgbClr val="1c1c1c"/>
-                </a:solidFill>
-                <a:latin typeface="Times New Roman"/>
-                <a:ea typeface="宋体"/>
-              </a:rPr>
-              <a:t>buiding the same structure</a:t>
-            </a:r>
-            <a:endParaRPr/>
-          </a:p>
-          <a:p>
-            <a:pPr/>
-            <a:endParaRPr/>
-          </a:p>
-        </p:txBody>
-      </p:sp>
-    </p:spTree>
-  </p:cSld>
-</p:notes>
 </file>
 
 <file path=ppt/slideLayouts/slideLayout1.xml><?xml version="1.0" encoding="utf-8"?>
@@ -413,7 +65,7 @@
       </p:grpSpPr>
       <p:sp>
         <p:nvSpPr>
-          <p:cNvPr id="28" name="PlaceHolder 1"/>
+          <p:cNvPr id="25" name="PlaceHolder 1"/>
           <p:cNvSpPr>
             <a:spLocks noGrp="1"/>
           </p:cNvSpPr>
@@ -423,8 +75,8 @@
         </p:nvSpPr>
         <p:spPr>
           <a:xfrm>
-            <a:off x="405720" y="1268640"/>
-            <a:ext cx="5842800" cy="1143000"/>
+            <a:off x="457200" y="273600"/>
+            <a:ext cx="8229240" cy="1145160"/>
           </a:xfrm>
           <a:prstGeom prst="rect">
             <a:avLst/>
@@ -433,13 +85,14 @@
         <p:txBody>
           <a:bodyPr lIns="0" rIns="0" tIns="0" bIns="0" anchor="ctr"/>
           <a:p>
-            <a:endParaRPr/>
-          </a:p>
-        </p:txBody>
-      </p:sp>
-      <p:sp>
-        <p:nvSpPr>
-          <p:cNvPr id="29" name="PlaceHolder 2"/>
+            <a:pPr algn="ctr"/>
+            <a:endParaRPr/>
+          </a:p>
+        </p:txBody>
+      </p:sp>
+      <p:sp>
+        <p:nvSpPr>
+          <p:cNvPr id="26" name="PlaceHolder 2"/>
           <p:cNvSpPr>
             <a:spLocks noGrp="1"/>
           </p:cNvSpPr>
@@ -449,8 +102,8 @@
         </p:nvSpPr>
         <p:spPr>
           <a:xfrm>
-            <a:off x="395640" y="2493000"/>
-            <a:ext cx="8229240" cy="1732680"/>
+            <a:off x="457200" y="1604520"/>
+            <a:ext cx="8229240" cy="1896840"/>
           </a:xfrm>
           <a:prstGeom prst="rect">
             <a:avLst/>
@@ -465,7 +118,7 @@
       </p:sp>
       <p:sp>
         <p:nvSpPr>
-          <p:cNvPr id="30" name="PlaceHolder 3"/>
+          <p:cNvPr id="27" name="PlaceHolder 3"/>
           <p:cNvSpPr>
             <a:spLocks noGrp="1"/>
           </p:cNvSpPr>
@@ -475,8 +128,8 @@
         </p:nvSpPr>
         <p:spPr>
           <a:xfrm>
-            <a:off x="395640" y="4390560"/>
-            <a:ext cx="8229240" cy="1732680"/>
+            <a:off x="457200" y="3682080"/>
+            <a:ext cx="8229240" cy="1896840"/>
           </a:xfrm>
           <a:prstGeom prst="rect">
             <a:avLst/>
@@ -513,7 +166,7 @@
       </p:grpSpPr>
       <p:sp>
         <p:nvSpPr>
-          <p:cNvPr id="31" name="PlaceHolder 1"/>
+          <p:cNvPr id="28" name="PlaceHolder 1"/>
           <p:cNvSpPr>
             <a:spLocks noGrp="1"/>
           </p:cNvSpPr>
@@ -523,8 +176,8 @@
         </p:nvSpPr>
         <p:spPr>
           <a:xfrm>
-            <a:off x="405720" y="1268640"/>
-            <a:ext cx="5842800" cy="1143000"/>
+            <a:off x="457200" y="273600"/>
+            <a:ext cx="8229240" cy="1145160"/>
           </a:xfrm>
           <a:prstGeom prst="rect">
             <a:avLst/>
@@ -533,13 +186,14 @@
         <p:txBody>
           <a:bodyPr lIns="0" rIns="0" tIns="0" bIns="0" anchor="ctr"/>
           <a:p>
-            <a:endParaRPr/>
-          </a:p>
-        </p:txBody>
-      </p:sp>
-      <p:sp>
-        <p:nvSpPr>
-          <p:cNvPr id="32" name="PlaceHolder 2"/>
+            <a:pPr algn="ctr"/>
+            <a:endParaRPr/>
+          </a:p>
+        </p:txBody>
+      </p:sp>
+      <p:sp>
+        <p:nvSpPr>
+          <p:cNvPr id="29" name="PlaceHolder 2"/>
           <p:cNvSpPr>
             <a:spLocks noGrp="1"/>
           </p:cNvSpPr>
@@ -549,8 +203,8 @@
         </p:nvSpPr>
         <p:spPr>
           <a:xfrm>
-            <a:off x="395640" y="2493000"/>
-            <a:ext cx="4015800" cy="1732680"/>
+            <a:off x="457200" y="1604520"/>
+            <a:ext cx="4015800" cy="1896840"/>
           </a:xfrm>
           <a:prstGeom prst="rect">
             <a:avLst/>
@@ -565,7 +219,7 @@
       </p:sp>
       <p:sp>
         <p:nvSpPr>
-          <p:cNvPr id="33" name="PlaceHolder 3"/>
+          <p:cNvPr id="30" name="PlaceHolder 3"/>
           <p:cNvSpPr>
             <a:spLocks noGrp="1"/>
           </p:cNvSpPr>
@@ -575,8 +229,8 @@
         </p:nvSpPr>
         <p:spPr>
           <a:xfrm>
-            <a:off x="4612680" y="2493000"/>
-            <a:ext cx="4015800" cy="1732680"/>
+            <a:off x="4674240" y="1604520"/>
+            <a:ext cx="4015800" cy="1896840"/>
           </a:xfrm>
           <a:prstGeom prst="rect">
             <a:avLst/>
@@ -591,7 +245,7 @@
       </p:sp>
       <p:sp>
         <p:nvSpPr>
-          <p:cNvPr id="34" name="PlaceHolder 4"/>
+          <p:cNvPr id="31" name="PlaceHolder 4"/>
           <p:cNvSpPr>
             <a:spLocks noGrp="1"/>
           </p:cNvSpPr>
@@ -601,8 +255,8 @@
         </p:nvSpPr>
         <p:spPr>
           <a:xfrm>
-            <a:off x="4612680" y="4390560"/>
-            <a:ext cx="4015800" cy="1732680"/>
+            <a:off x="4674240" y="3682080"/>
+            <a:ext cx="4015800" cy="1896840"/>
           </a:xfrm>
           <a:prstGeom prst="rect">
             <a:avLst/>
@@ -617,7 +271,7 @@
       </p:sp>
       <p:sp>
         <p:nvSpPr>
-          <p:cNvPr id="35" name="PlaceHolder 5"/>
+          <p:cNvPr id="32" name="PlaceHolder 5"/>
           <p:cNvSpPr>
             <a:spLocks noGrp="1"/>
           </p:cNvSpPr>
@@ -627,8 +281,8 @@
         </p:nvSpPr>
         <p:spPr>
           <a:xfrm>
-            <a:off x="395640" y="4390560"/>
-            <a:ext cx="4015800" cy="1732680"/>
+            <a:off x="457200" y="3682080"/>
+            <a:ext cx="4015800" cy="1896840"/>
           </a:xfrm>
           <a:prstGeom prst="rect">
             <a:avLst/>
@@ -665,7 +319,7 @@
       </p:grpSpPr>
       <p:sp>
         <p:nvSpPr>
-          <p:cNvPr id="36" name="PlaceHolder 1"/>
+          <p:cNvPr id="33" name="PlaceHolder 1"/>
           <p:cNvSpPr>
             <a:spLocks noGrp="1"/>
           </p:cNvSpPr>
@@ -675,8 +329,8 @@
         </p:nvSpPr>
         <p:spPr>
           <a:xfrm>
-            <a:off x="405720" y="1268640"/>
-            <a:ext cx="5842800" cy="1143000"/>
+            <a:off x="457200" y="273600"/>
+            <a:ext cx="8229240" cy="1145160"/>
           </a:xfrm>
           <a:prstGeom prst="rect">
             <a:avLst/>
@@ -685,13 +339,14 @@
         <p:txBody>
           <a:bodyPr lIns="0" rIns="0" tIns="0" bIns="0" anchor="ctr"/>
           <a:p>
-            <a:endParaRPr/>
-          </a:p>
-        </p:txBody>
-      </p:sp>
-      <p:sp>
-        <p:nvSpPr>
-          <p:cNvPr id="37" name="PlaceHolder 2"/>
+            <a:pPr algn="ctr"/>
+            <a:endParaRPr/>
+          </a:p>
+        </p:txBody>
+      </p:sp>
+      <p:sp>
+        <p:nvSpPr>
+          <p:cNvPr id="34" name="PlaceHolder 2"/>
           <p:cNvSpPr>
             <a:spLocks noGrp="1"/>
           </p:cNvSpPr>
@@ -701,8 +356,8 @@
         </p:nvSpPr>
         <p:spPr>
           <a:xfrm>
-            <a:off x="395640" y="2493000"/>
-            <a:ext cx="8229240" cy="3632760"/>
+            <a:off x="457200" y="1604520"/>
+            <a:ext cx="8229240" cy="3977280"/>
           </a:xfrm>
           <a:prstGeom prst="rect">
             <a:avLst/>
@@ -717,7 +372,7 @@
       </p:sp>
       <p:sp>
         <p:nvSpPr>
-          <p:cNvPr id="38" name="PlaceHolder 3"/>
+          <p:cNvPr id="35" name="PlaceHolder 3"/>
           <p:cNvSpPr>
             <a:spLocks noGrp="1"/>
           </p:cNvSpPr>
@@ -727,8 +382,8 @@
         </p:nvSpPr>
         <p:spPr>
           <a:xfrm>
-            <a:off x="395640" y="2493000"/>
-            <a:ext cx="8229240" cy="3632760"/>
+            <a:off x="457200" y="1604520"/>
+            <a:ext cx="8229240" cy="3977280"/>
           </a:xfrm>
           <a:prstGeom prst="rect">
             <a:avLst/>
@@ -743,7 +398,7 @@
       </p:sp>
       <p:pic>
         <p:nvPicPr>
-          <p:cNvPr id="39" name="" descr=""/>
+          <p:cNvPr id="36" name="" descr=""/>
           <p:cNvPicPr/>
           <p:nvPr/>
         </p:nvPicPr>
@@ -755,8 +410,8 @@
         </p:blipFill>
         <p:spPr>
           <a:xfrm>
-            <a:off x="2233440" y="2492640"/>
-            <a:ext cx="4552920" cy="3632760"/>
+            <a:off x="2079000" y="1604520"/>
+            <a:ext cx="4984920" cy="3977280"/>
           </a:xfrm>
           <a:prstGeom prst="rect">
             <a:avLst/>
@@ -768,7 +423,7 @@
       </p:pic>
       <p:pic>
         <p:nvPicPr>
-          <p:cNvPr id="40" name="" descr=""/>
+          <p:cNvPr id="37" name="" descr=""/>
           <p:cNvPicPr/>
           <p:nvPr/>
         </p:nvPicPr>
@@ -780,8 +435,8 @@
         </p:blipFill>
         <p:spPr>
           <a:xfrm>
-            <a:off x="2233440" y="2492640"/>
-            <a:ext cx="4552920" cy="3632760"/>
+            <a:off x="2079000" y="1604520"/>
+            <a:ext cx="4984920" cy="3977280"/>
           </a:xfrm>
           <a:prstGeom prst="rect">
             <a:avLst/>
@@ -837,7 +492,7 @@
       </p:grpSpPr>
       <p:sp>
         <p:nvSpPr>
-          <p:cNvPr id="48" name="PlaceHolder 1"/>
+          <p:cNvPr id="40" name="PlaceHolder 1"/>
           <p:cNvSpPr>
             <a:spLocks noGrp="1"/>
           </p:cNvSpPr>
@@ -847,8 +502,8 @@
         </p:nvSpPr>
         <p:spPr>
           <a:xfrm>
-            <a:off x="405720" y="1268640"/>
-            <a:ext cx="5842800" cy="1143000"/>
+            <a:off x="457200" y="273600"/>
+            <a:ext cx="8229240" cy="1145160"/>
           </a:xfrm>
           <a:prstGeom prst="rect">
             <a:avLst/>
@@ -857,13 +512,14 @@
         <p:txBody>
           <a:bodyPr lIns="0" rIns="0" tIns="0" bIns="0" anchor="ctr"/>
           <a:p>
-            <a:endParaRPr/>
-          </a:p>
-        </p:txBody>
-      </p:sp>
-      <p:sp>
-        <p:nvSpPr>
-          <p:cNvPr id="49" name="PlaceHolder 2"/>
+            <a:pPr algn="ctr"/>
+            <a:endParaRPr/>
+          </a:p>
+        </p:txBody>
+      </p:sp>
+      <p:sp>
+        <p:nvSpPr>
+          <p:cNvPr id="41" name="PlaceHolder 2"/>
           <p:cNvSpPr>
             <a:spLocks noGrp="1"/>
           </p:cNvSpPr>
@@ -873,8 +529,8 @@
         </p:nvSpPr>
         <p:spPr>
           <a:xfrm>
-            <a:off x="395640" y="2493000"/>
-            <a:ext cx="8229240" cy="3633120"/>
+            <a:off x="457200" y="1604520"/>
+            <a:ext cx="8229240" cy="3977640"/>
           </a:xfrm>
           <a:prstGeom prst="rect">
             <a:avLst/>
@@ -912,7 +568,7 @@
       </p:grpSpPr>
       <p:sp>
         <p:nvSpPr>
-          <p:cNvPr id="50" name="PlaceHolder 1"/>
+          <p:cNvPr id="42" name="PlaceHolder 1"/>
           <p:cNvSpPr>
             <a:spLocks noGrp="1"/>
           </p:cNvSpPr>
@@ -922,8 +578,8 @@
         </p:nvSpPr>
         <p:spPr>
           <a:xfrm>
-            <a:off x="405720" y="1268640"/>
-            <a:ext cx="5842800" cy="1143000"/>
+            <a:off x="457200" y="273600"/>
+            <a:ext cx="8229240" cy="1145160"/>
           </a:xfrm>
           <a:prstGeom prst="rect">
             <a:avLst/>
@@ -932,13 +588,14 @@
         <p:txBody>
           <a:bodyPr lIns="0" rIns="0" tIns="0" bIns="0" anchor="ctr"/>
           <a:p>
-            <a:endParaRPr/>
-          </a:p>
-        </p:txBody>
-      </p:sp>
-      <p:sp>
-        <p:nvSpPr>
-          <p:cNvPr id="51" name="PlaceHolder 2"/>
+            <a:pPr algn="ctr"/>
+            <a:endParaRPr/>
+          </a:p>
+        </p:txBody>
+      </p:sp>
+      <p:sp>
+        <p:nvSpPr>
+          <p:cNvPr id="43" name="PlaceHolder 2"/>
           <p:cNvSpPr>
             <a:spLocks noGrp="1"/>
           </p:cNvSpPr>
@@ -948,8 +605,8 @@
         </p:nvSpPr>
         <p:spPr>
           <a:xfrm>
-            <a:off x="395640" y="2493000"/>
-            <a:ext cx="8229240" cy="3632760"/>
+            <a:off x="457200" y="1604520"/>
+            <a:ext cx="8229240" cy="3977280"/>
           </a:xfrm>
           <a:prstGeom prst="rect">
             <a:avLst/>
@@ -986,7 +643,7 @@
       </p:grpSpPr>
       <p:sp>
         <p:nvSpPr>
-          <p:cNvPr id="52" name="PlaceHolder 1"/>
+          <p:cNvPr id="44" name="PlaceHolder 1"/>
           <p:cNvSpPr>
             <a:spLocks noGrp="1"/>
           </p:cNvSpPr>
@@ -996,8 +653,8 @@
         </p:nvSpPr>
         <p:spPr>
           <a:xfrm>
-            <a:off x="405720" y="1268640"/>
-            <a:ext cx="5842800" cy="1143000"/>
+            <a:off x="457200" y="273600"/>
+            <a:ext cx="8229240" cy="1145160"/>
           </a:xfrm>
           <a:prstGeom prst="rect">
             <a:avLst/>
@@ -1006,13 +663,14 @@
         <p:txBody>
           <a:bodyPr lIns="0" rIns="0" tIns="0" bIns="0" anchor="ctr"/>
           <a:p>
-            <a:endParaRPr/>
-          </a:p>
-        </p:txBody>
-      </p:sp>
-      <p:sp>
-        <p:nvSpPr>
-          <p:cNvPr id="53" name="PlaceHolder 2"/>
+            <a:pPr algn="ctr"/>
+            <a:endParaRPr/>
+          </a:p>
+        </p:txBody>
+      </p:sp>
+      <p:sp>
+        <p:nvSpPr>
+          <p:cNvPr id="45" name="PlaceHolder 2"/>
           <p:cNvSpPr>
             <a:spLocks noGrp="1"/>
           </p:cNvSpPr>
@@ -1022,8 +680,8 @@
         </p:nvSpPr>
         <p:spPr>
           <a:xfrm>
-            <a:off x="395640" y="2493000"/>
-            <a:ext cx="4015800" cy="3632760"/>
+            <a:off x="457200" y="1604520"/>
+            <a:ext cx="4015800" cy="3977280"/>
           </a:xfrm>
           <a:prstGeom prst="rect">
             <a:avLst/>
@@ -1038,7 +696,7 @@
       </p:sp>
       <p:sp>
         <p:nvSpPr>
-          <p:cNvPr id="54" name="PlaceHolder 3"/>
+          <p:cNvPr id="46" name="PlaceHolder 3"/>
           <p:cNvSpPr>
             <a:spLocks noGrp="1"/>
           </p:cNvSpPr>
@@ -1048,8 +706,8 @@
         </p:nvSpPr>
         <p:spPr>
           <a:xfrm>
-            <a:off x="4612680" y="2493000"/>
-            <a:ext cx="4015800" cy="3632760"/>
+            <a:off x="4674240" y="1604520"/>
+            <a:ext cx="4015800" cy="3977280"/>
           </a:xfrm>
           <a:prstGeom prst="rect">
             <a:avLst/>
@@ -1086,7 +744,7 @@
       </p:grpSpPr>
       <p:sp>
         <p:nvSpPr>
-          <p:cNvPr id="55" name="PlaceHolder 1"/>
+          <p:cNvPr id="47" name="PlaceHolder 1"/>
           <p:cNvSpPr>
             <a:spLocks noGrp="1"/>
           </p:cNvSpPr>
@@ -1096,8 +754,8 @@
         </p:nvSpPr>
         <p:spPr>
           <a:xfrm>
-            <a:off x="405720" y="1268640"/>
-            <a:ext cx="5842800" cy="1143000"/>
+            <a:off x="457200" y="273600"/>
+            <a:ext cx="8229240" cy="1145160"/>
           </a:xfrm>
           <a:prstGeom prst="rect">
             <a:avLst/>
@@ -1106,6 +764,7 @@
         <p:txBody>
           <a:bodyPr lIns="0" rIns="0" tIns="0" bIns="0" anchor="ctr"/>
           <a:p>
+            <a:pPr algn="ctr"/>
             <a:endParaRPr/>
           </a:p>
         </p:txBody>
@@ -1134,7 +793,7 @@
       </p:grpSpPr>
       <p:sp>
         <p:nvSpPr>
-          <p:cNvPr id="56" name="PlaceHolder 1"/>
+          <p:cNvPr id="48" name="PlaceHolder 1"/>
           <p:cNvSpPr>
             <a:spLocks noGrp="1"/>
           </p:cNvSpPr>
@@ -1144,8 +803,8 @@
         </p:nvSpPr>
         <p:spPr>
           <a:xfrm>
-            <a:off x="405720" y="1268640"/>
-            <a:ext cx="5842800" cy="5298120"/>
+            <a:off x="457200" y="273600"/>
+            <a:ext cx="8229240" cy="5308200"/>
           </a:xfrm>
           <a:prstGeom prst="rect">
             <a:avLst/>
@@ -1183,7 +842,7 @@
       </p:grpSpPr>
       <p:sp>
         <p:nvSpPr>
-          <p:cNvPr id="57" name="PlaceHolder 1"/>
+          <p:cNvPr id="49" name="PlaceHolder 1"/>
           <p:cNvSpPr>
             <a:spLocks noGrp="1"/>
           </p:cNvSpPr>
@@ -1193,8 +852,8 @@
         </p:nvSpPr>
         <p:spPr>
           <a:xfrm>
-            <a:off x="405720" y="1268640"/>
-            <a:ext cx="5842800" cy="1143000"/>
+            <a:off x="457200" y="273600"/>
+            <a:ext cx="8229240" cy="1145160"/>
           </a:xfrm>
           <a:prstGeom prst="rect">
             <a:avLst/>
@@ -1203,13 +862,14 @@
         <p:txBody>
           <a:bodyPr lIns="0" rIns="0" tIns="0" bIns="0" anchor="ctr"/>
           <a:p>
-            <a:endParaRPr/>
-          </a:p>
-        </p:txBody>
-      </p:sp>
-      <p:sp>
-        <p:nvSpPr>
-          <p:cNvPr id="58" name="PlaceHolder 2"/>
+            <a:pPr algn="ctr"/>
+            <a:endParaRPr/>
+          </a:p>
+        </p:txBody>
+      </p:sp>
+      <p:sp>
+        <p:nvSpPr>
+          <p:cNvPr id="50" name="PlaceHolder 2"/>
           <p:cNvSpPr>
             <a:spLocks noGrp="1"/>
           </p:cNvSpPr>
@@ -1219,8 +879,8 @@
         </p:nvSpPr>
         <p:spPr>
           <a:xfrm>
-            <a:off x="395640" y="2493000"/>
-            <a:ext cx="4015800" cy="1732680"/>
+            <a:off x="457200" y="1604520"/>
+            <a:ext cx="4015800" cy="1896840"/>
           </a:xfrm>
           <a:prstGeom prst="rect">
             <a:avLst/>
@@ -1235,7 +895,7 @@
       </p:sp>
       <p:sp>
         <p:nvSpPr>
-          <p:cNvPr id="59" name="PlaceHolder 3"/>
+          <p:cNvPr id="51" name="PlaceHolder 3"/>
           <p:cNvSpPr>
             <a:spLocks noGrp="1"/>
           </p:cNvSpPr>
@@ -1245,8 +905,8 @@
         </p:nvSpPr>
         <p:spPr>
           <a:xfrm>
-            <a:off x="395640" y="4390560"/>
-            <a:ext cx="4015800" cy="1732680"/>
+            <a:off x="457200" y="3682080"/>
+            <a:ext cx="4015800" cy="1896840"/>
           </a:xfrm>
           <a:prstGeom prst="rect">
             <a:avLst/>
@@ -1261,7 +921,7 @@
       </p:sp>
       <p:sp>
         <p:nvSpPr>
-          <p:cNvPr id="60" name="PlaceHolder 4"/>
+          <p:cNvPr id="52" name="PlaceHolder 4"/>
           <p:cNvSpPr>
             <a:spLocks noGrp="1"/>
           </p:cNvSpPr>
@@ -1271,8 +931,8 @@
         </p:nvSpPr>
         <p:spPr>
           <a:xfrm>
-            <a:off x="4612680" y="2493000"/>
-            <a:ext cx="4015800" cy="3632760"/>
+            <a:off x="4674240" y="1604520"/>
+            <a:ext cx="4015800" cy="3977280"/>
           </a:xfrm>
           <a:prstGeom prst="rect">
             <a:avLst/>
@@ -1309,7 +969,7 @@
       </p:grpSpPr>
       <p:sp>
         <p:nvSpPr>
-          <p:cNvPr id="7" name="PlaceHolder 1"/>
+          <p:cNvPr id="4" name="PlaceHolder 1"/>
           <p:cNvSpPr>
             <a:spLocks noGrp="1"/>
           </p:cNvSpPr>
@@ -1319,8 +979,8 @@
         </p:nvSpPr>
         <p:spPr>
           <a:xfrm>
-            <a:off x="405720" y="1268640"/>
-            <a:ext cx="5842800" cy="1143000"/>
+            <a:off x="457200" y="273600"/>
+            <a:ext cx="8229240" cy="1145160"/>
           </a:xfrm>
           <a:prstGeom prst="rect">
             <a:avLst/>
@@ -1329,13 +989,14 @@
         <p:txBody>
           <a:bodyPr lIns="0" rIns="0" tIns="0" bIns="0" anchor="ctr"/>
           <a:p>
-            <a:endParaRPr/>
-          </a:p>
-        </p:txBody>
-      </p:sp>
-      <p:sp>
-        <p:nvSpPr>
-          <p:cNvPr id="8" name="PlaceHolder 2"/>
+            <a:pPr algn="ctr"/>
+            <a:endParaRPr/>
+          </a:p>
+        </p:txBody>
+      </p:sp>
+      <p:sp>
+        <p:nvSpPr>
+          <p:cNvPr id="5" name="PlaceHolder 2"/>
           <p:cNvSpPr>
             <a:spLocks noGrp="1"/>
           </p:cNvSpPr>
@@ -1345,8 +1006,8 @@
         </p:nvSpPr>
         <p:spPr>
           <a:xfrm>
-            <a:off x="395640" y="2493000"/>
-            <a:ext cx="8229240" cy="3633120"/>
+            <a:off x="457200" y="1604520"/>
+            <a:ext cx="8229240" cy="3977640"/>
           </a:xfrm>
           <a:prstGeom prst="rect">
             <a:avLst/>
@@ -1384,7 +1045,7 @@
       </p:grpSpPr>
       <p:sp>
         <p:nvSpPr>
-          <p:cNvPr id="61" name="PlaceHolder 1"/>
+          <p:cNvPr id="53" name="PlaceHolder 1"/>
           <p:cNvSpPr>
             <a:spLocks noGrp="1"/>
           </p:cNvSpPr>
@@ -1394,8 +1055,8 @@
         </p:nvSpPr>
         <p:spPr>
           <a:xfrm>
-            <a:off x="405720" y="1268640"/>
-            <a:ext cx="5842800" cy="1143000"/>
+            <a:off x="457200" y="273600"/>
+            <a:ext cx="8229240" cy="1145160"/>
           </a:xfrm>
           <a:prstGeom prst="rect">
             <a:avLst/>
@@ -1404,13 +1065,14 @@
         <p:txBody>
           <a:bodyPr lIns="0" rIns="0" tIns="0" bIns="0" anchor="ctr"/>
           <a:p>
-            <a:endParaRPr/>
-          </a:p>
-        </p:txBody>
-      </p:sp>
-      <p:sp>
-        <p:nvSpPr>
-          <p:cNvPr id="62" name="PlaceHolder 2"/>
+            <a:pPr algn="ctr"/>
+            <a:endParaRPr/>
+          </a:p>
+        </p:txBody>
+      </p:sp>
+      <p:sp>
+        <p:nvSpPr>
+          <p:cNvPr id="54" name="PlaceHolder 2"/>
           <p:cNvSpPr>
             <a:spLocks noGrp="1"/>
           </p:cNvSpPr>
@@ -1420,8 +1082,8 @@
         </p:nvSpPr>
         <p:spPr>
           <a:xfrm>
-            <a:off x="395640" y="2493000"/>
-            <a:ext cx="4015800" cy="3632760"/>
+            <a:off x="457200" y="1604520"/>
+            <a:ext cx="4015800" cy="3977280"/>
           </a:xfrm>
           <a:prstGeom prst="rect">
             <a:avLst/>
@@ -1436,7 +1098,7 @@
       </p:sp>
       <p:sp>
         <p:nvSpPr>
-          <p:cNvPr id="63" name="PlaceHolder 3"/>
+          <p:cNvPr id="55" name="PlaceHolder 3"/>
           <p:cNvSpPr>
             <a:spLocks noGrp="1"/>
           </p:cNvSpPr>
@@ -1446,8 +1108,8 @@
         </p:nvSpPr>
         <p:spPr>
           <a:xfrm>
-            <a:off x="4612680" y="2493000"/>
-            <a:ext cx="4015800" cy="1732680"/>
+            <a:off x="4674240" y="1604520"/>
+            <a:ext cx="4015800" cy="1896840"/>
           </a:xfrm>
           <a:prstGeom prst="rect">
             <a:avLst/>
@@ -1462,7 +1124,7 @@
       </p:sp>
       <p:sp>
         <p:nvSpPr>
-          <p:cNvPr id="64" name="PlaceHolder 4"/>
+          <p:cNvPr id="56" name="PlaceHolder 4"/>
           <p:cNvSpPr>
             <a:spLocks noGrp="1"/>
           </p:cNvSpPr>
@@ -1472,8 +1134,8 @@
         </p:nvSpPr>
         <p:spPr>
           <a:xfrm>
-            <a:off x="4612680" y="4390560"/>
-            <a:ext cx="4015800" cy="1732680"/>
+            <a:off x="4674240" y="3682080"/>
+            <a:ext cx="4015800" cy="1896840"/>
           </a:xfrm>
           <a:prstGeom prst="rect">
             <a:avLst/>
@@ -1510,7 +1172,7 @@
       </p:grpSpPr>
       <p:sp>
         <p:nvSpPr>
-          <p:cNvPr id="65" name="PlaceHolder 1"/>
+          <p:cNvPr id="57" name="PlaceHolder 1"/>
           <p:cNvSpPr>
             <a:spLocks noGrp="1"/>
           </p:cNvSpPr>
@@ -1520,8 +1182,8 @@
         </p:nvSpPr>
         <p:spPr>
           <a:xfrm>
-            <a:off x="405720" y="1268640"/>
-            <a:ext cx="5842800" cy="1143000"/>
+            <a:off x="457200" y="273600"/>
+            <a:ext cx="8229240" cy="1145160"/>
           </a:xfrm>
           <a:prstGeom prst="rect">
             <a:avLst/>
@@ -1530,13 +1192,14 @@
         <p:txBody>
           <a:bodyPr lIns="0" rIns="0" tIns="0" bIns="0" anchor="ctr"/>
           <a:p>
-            <a:endParaRPr/>
-          </a:p>
-        </p:txBody>
-      </p:sp>
-      <p:sp>
-        <p:nvSpPr>
-          <p:cNvPr id="66" name="PlaceHolder 2"/>
+            <a:pPr algn="ctr"/>
+            <a:endParaRPr/>
+          </a:p>
+        </p:txBody>
+      </p:sp>
+      <p:sp>
+        <p:nvSpPr>
+          <p:cNvPr id="58" name="PlaceHolder 2"/>
           <p:cNvSpPr>
             <a:spLocks noGrp="1"/>
           </p:cNvSpPr>
@@ -1546,8 +1209,8 @@
         </p:nvSpPr>
         <p:spPr>
           <a:xfrm>
-            <a:off x="395640" y="2493000"/>
-            <a:ext cx="4015800" cy="1732680"/>
+            <a:off x="457200" y="1604520"/>
+            <a:ext cx="4015800" cy="1896840"/>
           </a:xfrm>
           <a:prstGeom prst="rect">
             <a:avLst/>
@@ -1562,7 +1225,7 @@
       </p:sp>
       <p:sp>
         <p:nvSpPr>
-          <p:cNvPr id="67" name="PlaceHolder 3"/>
+          <p:cNvPr id="59" name="PlaceHolder 3"/>
           <p:cNvSpPr>
             <a:spLocks noGrp="1"/>
           </p:cNvSpPr>
@@ -1572,8 +1235,8 @@
         </p:nvSpPr>
         <p:spPr>
           <a:xfrm>
-            <a:off x="4612680" y="2493000"/>
-            <a:ext cx="4015800" cy="1732680"/>
+            <a:off x="4674240" y="1604520"/>
+            <a:ext cx="4015800" cy="1896840"/>
           </a:xfrm>
           <a:prstGeom prst="rect">
             <a:avLst/>
@@ -1588,7 +1251,7 @@
       </p:sp>
       <p:sp>
         <p:nvSpPr>
-          <p:cNvPr id="68" name="PlaceHolder 4"/>
+          <p:cNvPr id="60" name="PlaceHolder 4"/>
           <p:cNvSpPr>
             <a:spLocks noGrp="1"/>
           </p:cNvSpPr>
@@ -1598,8 +1261,8 @@
         </p:nvSpPr>
         <p:spPr>
           <a:xfrm>
-            <a:off x="395640" y="4390560"/>
-            <a:ext cx="8229240" cy="1732680"/>
+            <a:off x="457200" y="3682080"/>
+            <a:ext cx="8229240" cy="1896840"/>
           </a:xfrm>
           <a:prstGeom prst="rect">
             <a:avLst/>
@@ -1636,7 +1299,7 @@
       </p:grpSpPr>
       <p:sp>
         <p:nvSpPr>
-          <p:cNvPr id="69" name="PlaceHolder 1"/>
+          <p:cNvPr id="61" name="PlaceHolder 1"/>
           <p:cNvSpPr>
             <a:spLocks noGrp="1"/>
           </p:cNvSpPr>
@@ -1646,8 +1309,8 @@
         </p:nvSpPr>
         <p:spPr>
           <a:xfrm>
-            <a:off x="405720" y="1268640"/>
-            <a:ext cx="5842800" cy="1143000"/>
+            <a:off x="457200" y="273600"/>
+            <a:ext cx="8229240" cy="1145160"/>
           </a:xfrm>
           <a:prstGeom prst="rect">
             <a:avLst/>
@@ -1656,13 +1319,14 @@
         <p:txBody>
           <a:bodyPr lIns="0" rIns="0" tIns="0" bIns="0" anchor="ctr"/>
           <a:p>
-            <a:endParaRPr/>
-          </a:p>
-        </p:txBody>
-      </p:sp>
-      <p:sp>
-        <p:nvSpPr>
-          <p:cNvPr id="70" name="PlaceHolder 2"/>
+            <a:pPr algn="ctr"/>
+            <a:endParaRPr/>
+          </a:p>
+        </p:txBody>
+      </p:sp>
+      <p:sp>
+        <p:nvSpPr>
+          <p:cNvPr id="62" name="PlaceHolder 2"/>
           <p:cNvSpPr>
             <a:spLocks noGrp="1"/>
           </p:cNvSpPr>
@@ -1672,8 +1336,8 @@
         </p:nvSpPr>
         <p:spPr>
           <a:xfrm>
-            <a:off x="395640" y="2493000"/>
-            <a:ext cx="8229240" cy="1732680"/>
+            <a:off x="457200" y="1604520"/>
+            <a:ext cx="8229240" cy="1896840"/>
           </a:xfrm>
           <a:prstGeom prst="rect">
             <a:avLst/>
@@ -1688,7 +1352,7 @@
       </p:sp>
       <p:sp>
         <p:nvSpPr>
-          <p:cNvPr id="71" name="PlaceHolder 3"/>
+          <p:cNvPr id="63" name="PlaceHolder 3"/>
           <p:cNvSpPr>
             <a:spLocks noGrp="1"/>
           </p:cNvSpPr>
@@ -1698,8 +1362,8 @@
         </p:nvSpPr>
         <p:spPr>
           <a:xfrm>
-            <a:off x="395640" y="4390560"/>
-            <a:ext cx="8229240" cy="1732680"/>
+            <a:off x="457200" y="3682080"/>
+            <a:ext cx="8229240" cy="1896840"/>
           </a:xfrm>
           <a:prstGeom prst="rect">
             <a:avLst/>
@@ -1736,7 +1400,7 @@
       </p:grpSpPr>
       <p:sp>
         <p:nvSpPr>
-          <p:cNvPr id="72" name="PlaceHolder 1"/>
+          <p:cNvPr id="64" name="PlaceHolder 1"/>
           <p:cNvSpPr>
             <a:spLocks noGrp="1"/>
           </p:cNvSpPr>
@@ -1746,8 +1410,8 @@
         </p:nvSpPr>
         <p:spPr>
           <a:xfrm>
-            <a:off x="405720" y="1268640"/>
-            <a:ext cx="5842800" cy="1143000"/>
+            <a:off x="457200" y="273600"/>
+            <a:ext cx="8229240" cy="1145160"/>
           </a:xfrm>
           <a:prstGeom prst="rect">
             <a:avLst/>
@@ -1756,13 +1420,14 @@
         <p:txBody>
           <a:bodyPr lIns="0" rIns="0" tIns="0" bIns="0" anchor="ctr"/>
           <a:p>
-            <a:endParaRPr/>
-          </a:p>
-        </p:txBody>
-      </p:sp>
-      <p:sp>
-        <p:nvSpPr>
-          <p:cNvPr id="73" name="PlaceHolder 2"/>
+            <a:pPr algn="ctr"/>
+            <a:endParaRPr/>
+          </a:p>
+        </p:txBody>
+      </p:sp>
+      <p:sp>
+        <p:nvSpPr>
+          <p:cNvPr id="65" name="PlaceHolder 2"/>
           <p:cNvSpPr>
             <a:spLocks noGrp="1"/>
           </p:cNvSpPr>
@@ -1772,8 +1437,8 @@
         </p:nvSpPr>
         <p:spPr>
           <a:xfrm>
-            <a:off x="395640" y="2493000"/>
-            <a:ext cx="4015800" cy="1732680"/>
+            <a:off x="457200" y="1604520"/>
+            <a:ext cx="4015800" cy="1896840"/>
           </a:xfrm>
           <a:prstGeom prst="rect">
             <a:avLst/>
@@ -1788,7 +1453,7 @@
       </p:sp>
       <p:sp>
         <p:nvSpPr>
-          <p:cNvPr id="74" name="PlaceHolder 3"/>
+          <p:cNvPr id="66" name="PlaceHolder 3"/>
           <p:cNvSpPr>
             <a:spLocks noGrp="1"/>
           </p:cNvSpPr>
@@ -1798,8 +1463,8 @@
         </p:nvSpPr>
         <p:spPr>
           <a:xfrm>
-            <a:off x="4612680" y="2493000"/>
-            <a:ext cx="4015800" cy="1732680"/>
+            <a:off x="4674240" y="1604520"/>
+            <a:ext cx="4015800" cy="1896840"/>
           </a:xfrm>
           <a:prstGeom prst="rect">
             <a:avLst/>
@@ -1814,7 +1479,7 @@
       </p:sp>
       <p:sp>
         <p:nvSpPr>
-          <p:cNvPr id="75" name="PlaceHolder 4"/>
+          <p:cNvPr id="67" name="PlaceHolder 4"/>
           <p:cNvSpPr>
             <a:spLocks noGrp="1"/>
           </p:cNvSpPr>
@@ -1824,8 +1489,8 @@
         </p:nvSpPr>
         <p:spPr>
           <a:xfrm>
-            <a:off x="4612680" y="4390560"/>
-            <a:ext cx="4015800" cy="1732680"/>
+            <a:off x="4674240" y="3682080"/>
+            <a:ext cx="4015800" cy="1896840"/>
           </a:xfrm>
           <a:prstGeom prst="rect">
             <a:avLst/>
@@ -1840,7 +1505,7 @@
       </p:sp>
       <p:sp>
         <p:nvSpPr>
-          <p:cNvPr id="76" name="PlaceHolder 5"/>
+          <p:cNvPr id="68" name="PlaceHolder 5"/>
           <p:cNvSpPr>
             <a:spLocks noGrp="1"/>
           </p:cNvSpPr>
@@ -1850,8 +1515,8 @@
         </p:nvSpPr>
         <p:spPr>
           <a:xfrm>
-            <a:off x="395640" y="4390560"/>
-            <a:ext cx="4015800" cy="1732680"/>
+            <a:off x="457200" y="3682080"/>
+            <a:ext cx="4015800" cy="1896840"/>
           </a:xfrm>
           <a:prstGeom prst="rect">
             <a:avLst/>
@@ -1888,7 +1553,7 @@
       </p:grpSpPr>
       <p:sp>
         <p:nvSpPr>
-          <p:cNvPr id="77" name="PlaceHolder 1"/>
+          <p:cNvPr id="69" name="PlaceHolder 1"/>
           <p:cNvSpPr>
             <a:spLocks noGrp="1"/>
           </p:cNvSpPr>
@@ -1898,8 +1563,8 @@
         </p:nvSpPr>
         <p:spPr>
           <a:xfrm>
-            <a:off x="405720" y="1268640"/>
-            <a:ext cx="5842800" cy="1143000"/>
+            <a:off x="457200" y="273600"/>
+            <a:ext cx="8229240" cy="1145160"/>
           </a:xfrm>
           <a:prstGeom prst="rect">
             <a:avLst/>
@@ -1908,13 +1573,14 @@
         <p:txBody>
           <a:bodyPr lIns="0" rIns="0" tIns="0" bIns="0" anchor="ctr"/>
           <a:p>
-            <a:endParaRPr/>
-          </a:p>
-        </p:txBody>
-      </p:sp>
-      <p:sp>
-        <p:nvSpPr>
-          <p:cNvPr id="78" name="PlaceHolder 2"/>
+            <a:pPr algn="ctr"/>
+            <a:endParaRPr/>
+          </a:p>
+        </p:txBody>
+      </p:sp>
+      <p:sp>
+        <p:nvSpPr>
+          <p:cNvPr id="70" name="PlaceHolder 2"/>
           <p:cNvSpPr>
             <a:spLocks noGrp="1"/>
           </p:cNvSpPr>
@@ -1924,8 +1590,8 @@
         </p:nvSpPr>
         <p:spPr>
           <a:xfrm>
-            <a:off x="395640" y="2493000"/>
-            <a:ext cx="8229240" cy="3632760"/>
+            <a:off x="457200" y="1604520"/>
+            <a:ext cx="8229240" cy="3977280"/>
           </a:xfrm>
           <a:prstGeom prst="rect">
             <a:avLst/>
@@ -1940,7 +1606,7 @@
       </p:sp>
       <p:sp>
         <p:nvSpPr>
-          <p:cNvPr id="79" name="PlaceHolder 3"/>
+          <p:cNvPr id="71" name="PlaceHolder 3"/>
           <p:cNvSpPr>
             <a:spLocks noGrp="1"/>
           </p:cNvSpPr>
@@ -1950,8 +1616,8 @@
         </p:nvSpPr>
         <p:spPr>
           <a:xfrm>
-            <a:off x="395640" y="2493000"/>
-            <a:ext cx="8229240" cy="3632760"/>
+            <a:off x="457200" y="1604520"/>
+            <a:ext cx="8229240" cy="3977280"/>
           </a:xfrm>
           <a:prstGeom prst="rect">
             <a:avLst/>
@@ -1966,7 +1632,7 @@
       </p:sp>
       <p:pic>
         <p:nvPicPr>
-          <p:cNvPr id="80" name="" descr=""/>
+          <p:cNvPr id="72" name="" descr=""/>
           <p:cNvPicPr/>
           <p:nvPr/>
         </p:nvPicPr>
@@ -1978,8 +1644,8 @@
         </p:blipFill>
         <p:spPr>
           <a:xfrm>
-            <a:off x="2233440" y="2492640"/>
-            <a:ext cx="4552920" cy="3632760"/>
+            <a:off x="2079000" y="1604520"/>
+            <a:ext cx="4984920" cy="3977280"/>
           </a:xfrm>
           <a:prstGeom prst="rect">
             <a:avLst/>
@@ -1991,7 +1657,7 @@
       </p:pic>
       <p:pic>
         <p:nvPicPr>
-          <p:cNvPr id="81" name="" descr=""/>
+          <p:cNvPr id="73" name="" descr=""/>
           <p:cNvPicPr/>
           <p:nvPr/>
         </p:nvPicPr>
@@ -2003,8 +1669,8 @@
         </p:blipFill>
         <p:spPr>
           <a:xfrm>
-            <a:off x="2233440" y="2492640"/>
-            <a:ext cx="4552920" cy="3632760"/>
+            <a:off x="2079000" y="1604520"/>
+            <a:ext cx="4984920" cy="3977280"/>
           </a:xfrm>
           <a:prstGeom prst="rect">
             <a:avLst/>
@@ -2060,7 +1726,7 @@
       </p:grpSpPr>
       <p:sp>
         <p:nvSpPr>
-          <p:cNvPr id="87" name="PlaceHolder 1"/>
+          <p:cNvPr id="78" name="PlaceHolder 1"/>
           <p:cNvSpPr>
             <a:spLocks noGrp="1"/>
           </p:cNvSpPr>
@@ -2070,8 +1736,8 @@
         </p:nvSpPr>
         <p:spPr>
           <a:xfrm>
-            <a:off x="405720" y="1268640"/>
-            <a:ext cx="5842800" cy="1143000"/>
+            <a:off x="457200" y="273600"/>
+            <a:ext cx="8229240" cy="1145160"/>
           </a:xfrm>
           <a:prstGeom prst="rect">
             <a:avLst/>
@@ -2080,13 +1746,14 @@
         <p:txBody>
           <a:bodyPr lIns="0" rIns="0" tIns="0" bIns="0" anchor="ctr"/>
           <a:p>
-            <a:endParaRPr/>
-          </a:p>
-        </p:txBody>
-      </p:sp>
-      <p:sp>
-        <p:nvSpPr>
-          <p:cNvPr id="88" name="PlaceHolder 2"/>
+            <a:pPr algn="ctr"/>
+            <a:endParaRPr/>
+          </a:p>
+        </p:txBody>
+      </p:sp>
+      <p:sp>
+        <p:nvSpPr>
+          <p:cNvPr id="79" name="PlaceHolder 2"/>
           <p:cNvSpPr>
             <a:spLocks noGrp="1"/>
           </p:cNvSpPr>
@@ -2096,8 +1763,8 @@
         </p:nvSpPr>
         <p:spPr>
           <a:xfrm>
-            <a:off x="395640" y="2493000"/>
-            <a:ext cx="8229240" cy="3633120"/>
+            <a:off x="457200" y="1604520"/>
+            <a:ext cx="8229240" cy="3977640"/>
           </a:xfrm>
           <a:prstGeom prst="rect">
             <a:avLst/>
@@ -2135,7 +1802,7 @@
       </p:grpSpPr>
       <p:sp>
         <p:nvSpPr>
-          <p:cNvPr id="89" name="PlaceHolder 1"/>
+          <p:cNvPr id="80" name="PlaceHolder 1"/>
           <p:cNvSpPr>
             <a:spLocks noGrp="1"/>
           </p:cNvSpPr>
@@ -2145,8 +1812,8 @@
         </p:nvSpPr>
         <p:spPr>
           <a:xfrm>
-            <a:off x="405720" y="1268640"/>
-            <a:ext cx="5842800" cy="1143000"/>
+            <a:off x="457200" y="273600"/>
+            <a:ext cx="8229240" cy="1145160"/>
           </a:xfrm>
           <a:prstGeom prst="rect">
             <a:avLst/>
@@ -2155,13 +1822,14 @@
         <p:txBody>
           <a:bodyPr lIns="0" rIns="0" tIns="0" bIns="0" anchor="ctr"/>
           <a:p>
-            <a:endParaRPr/>
-          </a:p>
-        </p:txBody>
-      </p:sp>
-      <p:sp>
-        <p:nvSpPr>
-          <p:cNvPr id="90" name="PlaceHolder 2"/>
+            <a:pPr algn="ctr"/>
+            <a:endParaRPr/>
+          </a:p>
+        </p:txBody>
+      </p:sp>
+      <p:sp>
+        <p:nvSpPr>
+          <p:cNvPr id="81" name="PlaceHolder 2"/>
           <p:cNvSpPr>
             <a:spLocks noGrp="1"/>
           </p:cNvSpPr>
@@ -2171,8 +1839,8 @@
         </p:nvSpPr>
         <p:spPr>
           <a:xfrm>
-            <a:off x="395640" y="2493000"/>
-            <a:ext cx="8229240" cy="3632760"/>
+            <a:off x="457200" y="1604520"/>
+            <a:ext cx="8229240" cy="3977280"/>
           </a:xfrm>
           <a:prstGeom prst="rect">
             <a:avLst/>
@@ -2209,7 +1877,7 @@
       </p:grpSpPr>
       <p:sp>
         <p:nvSpPr>
-          <p:cNvPr id="91" name="PlaceHolder 1"/>
+          <p:cNvPr id="82" name="PlaceHolder 1"/>
           <p:cNvSpPr>
             <a:spLocks noGrp="1"/>
           </p:cNvSpPr>
@@ -2219,8 +1887,8 @@
         </p:nvSpPr>
         <p:spPr>
           <a:xfrm>
-            <a:off x="405720" y="1268640"/>
-            <a:ext cx="5842800" cy="1143000"/>
+            <a:off x="457200" y="273600"/>
+            <a:ext cx="8229240" cy="1145160"/>
           </a:xfrm>
           <a:prstGeom prst="rect">
             <a:avLst/>
@@ -2229,13 +1897,14 @@
         <p:txBody>
           <a:bodyPr lIns="0" rIns="0" tIns="0" bIns="0" anchor="ctr"/>
           <a:p>
-            <a:endParaRPr/>
-          </a:p>
-        </p:txBody>
-      </p:sp>
-      <p:sp>
-        <p:nvSpPr>
-          <p:cNvPr id="92" name="PlaceHolder 2"/>
+            <a:pPr algn="ctr"/>
+            <a:endParaRPr/>
+          </a:p>
+        </p:txBody>
+      </p:sp>
+      <p:sp>
+        <p:nvSpPr>
+          <p:cNvPr id="83" name="PlaceHolder 2"/>
           <p:cNvSpPr>
             <a:spLocks noGrp="1"/>
           </p:cNvSpPr>
@@ -2245,8 +1914,8 @@
         </p:nvSpPr>
         <p:spPr>
           <a:xfrm>
-            <a:off x="395640" y="2493000"/>
-            <a:ext cx="4015800" cy="3632760"/>
+            <a:off x="457200" y="1604520"/>
+            <a:ext cx="4015800" cy="3977280"/>
           </a:xfrm>
           <a:prstGeom prst="rect">
             <a:avLst/>
@@ -2261,7 +1930,7 @@
       </p:sp>
       <p:sp>
         <p:nvSpPr>
-          <p:cNvPr id="93" name="PlaceHolder 3"/>
+          <p:cNvPr id="84" name="PlaceHolder 3"/>
           <p:cNvSpPr>
             <a:spLocks noGrp="1"/>
           </p:cNvSpPr>
@@ -2271,8 +1940,8 @@
         </p:nvSpPr>
         <p:spPr>
           <a:xfrm>
-            <a:off x="4612680" y="2493000"/>
-            <a:ext cx="4015800" cy="3632760"/>
+            <a:off x="4674240" y="1604520"/>
+            <a:ext cx="4015800" cy="3977280"/>
           </a:xfrm>
           <a:prstGeom prst="rect">
             <a:avLst/>
@@ -2309,7 +1978,7 @@
       </p:grpSpPr>
       <p:sp>
         <p:nvSpPr>
-          <p:cNvPr id="94" name="PlaceHolder 1"/>
+          <p:cNvPr id="85" name="PlaceHolder 1"/>
           <p:cNvSpPr>
             <a:spLocks noGrp="1"/>
           </p:cNvSpPr>
@@ -2319,8 +1988,8 @@
         </p:nvSpPr>
         <p:spPr>
           <a:xfrm>
-            <a:off x="405720" y="1268640"/>
-            <a:ext cx="5842800" cy="1143000"/>
+            <a:off x="457200" y="273600"/>
+            <a:ext cx="8229240" cy="1145160"/>
           </a:xfrm>
           <a:prstGeom prst="rect">
             <a:avLst/>
@@ -2329,6 +1998,7 @@
         <p:txBody>
           <a:bodyPr lIns="0" rIns="0" tIns="0" bIns="0" anchor="ctr"/>
           <a:p>
+            <a:pPr algn="ctr"/>
             <a:endParaRPr/>
           </a:p>
         </p:txBody>
@@ -2357,7 +2027,7 @@
       </p:grpSpPr>
       <p:sp>
         <p:nvSpPr>
-          <p:cNvPr id="9" name="PlaceHolder 1"/>
+          <p:cNvPr id="6" name="PlaceHolder 1"/>
           <p:cNvSpPr>
             <a:spLocks noGrp="1"/>
           </p:cNvSpPr>
@@ -2367,8 +2037,8 @@
         </p:nvSpPr>
         <p:spPr>
           <a:xfrm>
-            <a:off x="405720" y="1268640"/>
-            <a:ext cx="5842800" cy="1143000"/>
+            <a:off x="457200" y="273600"/>
+            <a:ext cx="8229240" cy="1145160"/>
           </a:xfrm>
           <a:prstGeom prst="rect">
             <a:avLst/>
@@ -2377,13 +2047,14 @@
         <p:txBody>
           <a:bodyPr lIns="0" rIns="0" tIns="0" bIns="0" anchor="ctr"/>
           <a:p>
-            <a:endParaRPr/>
-          </a:p>
-        </p:txBody>
-      </p:sp>
-      <p:sp>
-        <p:nvSpPr>
-          <p:cNvPr id="10" name="PlaceHolder 2"/>
+            <a:pPr algn="ctr"/>
+            <a:endParaRPr/>
+          </a:p>
+        </p:txBody>
+      </p:sp>
+      <p:sp>
+        <p:nvSpPr>
+          <p:cNvPr id="7" name="PlaceHolder 2"/>
           <p:cNvSpPr>
             <a:spLocks noGrp="1"/>
           </p:cNvSpPr>
@@ -2393,8 +2064,8 @@
         </p:nvSpPr>
         <p:spPr>
           <a:xfrm>
-            <a:off x="395640" y="2493000"/>
-            <a:ext cx="8229240" cy="3632760"/>
+            <a:off x="457200" y="1604520"/>
+            <a:ext cx="8229240" cy="3977280"/>
           </a:xfrm>
           <a:prstGeom prst="rect">
             <a:avLst/>
@@ -2431,7 +2102,7 @@
       </p:grpSpPr>
       <p:sp>
         <p:nvSpPr>
-          <p:cNvPr id="95" name="PlaceHolder 1"/>
+          <p:cNvPr id="86" name="PlaceHolder 1"/>
           <p:cNvSpPr>
             <a:spLocks noGrp="1"/>
           </p:cNvSpPr>
@@ -2441,8 +2112,8 @@
         </p:nvSpPr>
         <p:spPr>
           <a:xfrm>
-            <a:off x="405720" y="1268640"/>
-            <a:ext cx="5842800" cy="5298120"/>
+            <a:off x="457200" y="273600"/>
+            <a:ext cx="8229240" cy="5308200"/>
           </a:xfrm>
           <a:prstGeom prst="rect">
             <a:avLst/>
@@ -2480,7 +2151,7 @@
       </p:grpSpPr>
       <p:sp>
         <p:nvSpPr>
-          <p:cNvPr id="96" name="PlaceHolder 1"/>
+          <p:cNvPr id="87" name="PlaceHolder 1"/>
           <p:cNvSpPr>
             <a:spLocks noGrp="1"/>
           </p:cNvSpPr>
@@ -2490,8 +2161,8 @@
         </p:nvSpPr>
         <p:spPr>
           <a:xfrm>
-            <a:off x="405720" y="1268640"/>
-            <a:ext cx="5842800" cy="1143000"/>
+            <a:off x="457200" y="273600"/>
+            <a:ext cx="8229240" cy="1145160"/>
           </a:xfrm>
           <a:prstGeom prst="rect">
             <a:avLst/>
@@ -2500,13 +2171,14 @@
         <p:txBody>
           <a:bodyPr lIns="0" rIns="0" tIns="0" bIns="0" anchor="ctr"/>
           <a:p>
-            <a:endParaRPr/>
-          </a:p>
-        </p:txBody>
-      </p:sp>
-      <p:sp>
-        <p:nvSpPr>
-          <p:cNvPr id="97" name="PlaceHolder 2"/>
+            <a:pPr algn="ctr"/>
+            <a:endParaRPr/>
+          </a:p>
+        </p:txBody>
+      </p:sp>
+      <p:sp>
+        <p:nvSpPr>
+          <p:cNvPr id="88" name="PlaceHolder 2"/>
           <p:cNvSpPr>
             <a:spLocks noGrp="1"/>
           </p:cNvSpPr>
@@ -2516,8 +2188,8 @@
         </p:nvSpPr>
         <p:spPr>
           <a:xfrm>
-            <a:off x="395640" y="2493000"/>
-            <a:ext cx="4015800" cy="1732680"/>
+            <a:off x="457200" y="1604520"/>
+            <a:ext cx="4015800" cy="1896840"/>
           </a:xfrm>
           <a:prstGeom prst="rect">
             <a:avLst/>
@@ -2532,7 +2204,7 @@
       </p:sp>
       <p:sp>
         <p:nvSpPr>
-          <p:cNvPr id="98" name="PlaceHolder 3"/>
+          <p:cNvPr id="89" name="PlaceHolder 3"/>
           <p:cNvSpPr>
             <a:spLocks noGrp="1"/>
           </p:cNvSpPr>
@@ -2542,8 +2214,8 @@
         </p:nvSpPr>
         <p:spPr>
           <a:xfrm>
-            <a:off x="395640" y="4390560"/>
-            <a:ext cx="4015800" cy="1732680"/>
+            <a:off x="457200" y="3682080"/>
+            <a:ext cx="4015800" cy="1896840"/>
           </a:xfrm>
           <a:prstGeom prst="rect">
             <a:avLst/>
@@ -2558,7 +2230,7 @@
       </p:sp>
       <p:sp>
         <p:nvSpPr>
-          <p:cNvPr id="99" name="PlaceHolder 4"/>
+          <p:cNvPr id="90" name="PlaceHolder 4"/>
           <p:cNvSpPr>
             <a:spLocks noGrp="1"/>
           </p:cNvSpPr>
@@ -2568,8 +2240,8 @@
         </p:nvSpPr>
         <p:spPr>
           <a:xfrm>
-            <a:off x="4612680" y="2493000"/>
-            <a:ext cx="4015800" cy="3632760"/>
+            <a:off x="4674240" y="1604520"/>
+            <a:ext cx="4015800" cy="3977280"/>
           </a:xfrm>
           <a:prstGeom prst="rect">
             <a:avLst/>
@@ -2606,7 +2278,7 @@
       </p:grpSpPr>
       <p:sp>
         <p:nvSpPr>
-          <p:cNvPr id="100" name="PlaceHolder 1"/>
+          <p:cNvPr id="91" name="PlaceHolder 1"/>
           <p:cNvSpPr>
             <a:spLocks noGrp="1"/>
           </p:cNvSpPr>
@@ -2616,8 +2288,8 @@
         </p:nvSpPr>
         <p:spPr>
           <a:xfrm>
-            <a:off x="405720" y="1268640"/>
-            <a:ext cx="5842800" cy="1143000"/>
+            <a:off x="457200" y="273600"/>
+            <a:ext cx="8229240" cy="1145160"/>
           </a:xfrm>
           <a:prstGeom prst="rect">
             <a:avLst/>
@@ -2626,13 +2298,14 @@
         <p:txBody>
           <a:bodyPr lIns="0" rIns="0" tIns="0" bIns="0" anchor="ctr"/>
           <a:p>
-            <a:endParaRPr/>
-          </a:p>
-        </p:txBody>
-      </p:sp>
-      <p:sp>
-        <p:nvSpPr>
-          <p:cNvPr id="101" name="PlaceHolder 2"/>
+            <a:pPr algn="ctr"/>
+            <a:endParaRPr/>
+          </a:p>
+        </p:txBody>
+      </p:sp>
+      <p:sp>
+        <p:nvSpPr>
+          <p:cNvPr id="92" name="PlaceHolder 2"/>
           <p:cNvSpPr>
             <a:spLocks noGrp="1"/>
           </p:cNvSpPr>
@@ -2642,8 +2315,8 @@
         </p:nvSpPr>
         <p:spPr>
           <a:xfrm>
-            <a:off x="395640" y="2493000"/>
-            <a:ext cx="4015800" cy="3632760"/>
+            <a:off x="457200" y="1604520"/>
+            <a:ext cx="4015800" cy="3977280"/>
           </a:xfrm>
           <a:prstGeom prst="rect">
             <a:avLst/>
@@ -2658,7 +2331,7 @@
       </p:sp>
       <p:sp>
         <p:nvSpPr>
-          <p:cNvPr id="102" name="PlaceHolder 3"/>
+          <p:cNvPr id="93" name="PlaceHolder 3"/>
           <p:cNvSpPr>
             <a:spLocks noGrp="1"/>
           </p:cNvSpPr>
@@ -2668,8 +2341,8 @@
         </p:nvSpPr>
         <p:spPr>
           <a:xfrm>
-            <a:off x="4612680" y="2493000"/>
-            <a:ext cx="4015800" cy="1732680"/>
+            <a:off x="4674240" y="1604520"/>
+            <a:ext cx="4015800" cy="1896840"/>
           </a:xfrm>
           <a:prstGeom prst="rect">
             <a:avLst/>
@@ -2684,7 +2357,7 @@
       </p:sp>
       <p:sp>
         <p:nvSpPr>
-          <p:cNvPr id="103" name="PlaceHolder 4"/>
+          <p:cNvPr id="94" name="PlaceHolder 4"/>
           <p:cNvSpPr>
             <a:spLocks noGrp="1"/>
           </p:cNvSpPr>
@@ -2694,8 +2367,8 @@
         </p:nvSpPr>
         <p:spPr>
           <a:xfrm>
-            <a:off x="4612680" y="4390560"/>
-            <a:ext cx="4015800" cy="1732680"/>
+            <a:off x="4674240" y="3682080"/>
+            <a:ext cx="4015800" cy="1896840"/>
           </a:xfrm>
           <a:prstGeom prst="rect">
             <a:avLst/>
@@ -2732,7 +2405,7 @@
       </p:grpSpPr>
       <p:sp>
         <p:nvSpPr>
-          <p:cNvPr id="104" name="PlaceHolder 1"/>
+          <p:cNvPr id="95" name="PlaceHolder 1"/>
           <p:cNvSpPr>
             <a:spLocks noGrp="1"/>
           </p:cNvSpPr>
@@ -2742,8 +2415,8 @@
         </p:nvSpPr>
         <p:spPr>
           <a:xfrm>
-            <a:off x="405720" y="1268640"/>
-            <a:ext cx="5842800" cy="1143000"/>
+            <a:off x="457200" y="273600"/>
+            <a:ext cx="8229240" cy="1145160"/>
           </a:xfrm>
           <a:prstGeom prst="rect">
             <a:avLst/>
@@ -2752,13 +2425,14 @@
         <p:txBody>
           <a:bodyPr lIns="0" rIns="0" tIns="0" bIns="0" anchor="ctr"/>
           <a:p>
-            <a:endParaRPr/>
-          </a:p>
-        </p:txBody>
-      </p:sp>
-      <p:sp>
-        <p:nvSpPr>
-          <p:cNvPr id="105" name="PlaceHolder 2"/>
+            <a:pPr algn="ctr"/>
+            <a:endParaRPr/>
+          </a:p>
+        </p:txBody>
+      </p:sp>
+      <p:sp>
+        <p:nvSpPr>
+          <p:cNvPr id="96" name="PlaceHolder 2"/>
           <p:cNvSpPr>
             <a:spLocks noGrp="1"/>
           </p:cNvSpPr>
@@ -2768,8 +2442,8 @@
         </p:nvSpPr>
         <p:spPr>
           <a:xfrm>
-            <a:off x="395640" y="2493000"/>
-            <a:ext cx="4015800" cy="1732680"/>
+            <a:off x="457200" y="1604520"/>
+            <a:ext cx="4015800" cy="1896840"/>
           </a:xfrm>
           <a:prstGeom prst="rect">
             <a:avLst/>
@@ -2784,7 +2458,7 @@
       </p:sp>
       <p:sp>
         <p:nvSpPr>
-          <p:cNvPr id="106" name="PlaceHolder 3"/>
+          <p:cNvPr id="97" name="PlaceHolder 3"/>
           <p:cNvSpPr>
             <a:spLocks noGrp="1"/>
           </p:cNvSpPr>
@@ -2794,8 +2468,8 @@
         </p:nvSpPr>
         <p:spPr>
           <a:xfrm>
-            <a:off x="4612680" y="2493000"/>
-            <a:ext cx="4015800" cy="1732680"/>
+            <a:off x="4674240" y="1604520"/>
+            <a:ext cx="4015800" cy="1896840"/>
           </a:xfrm>
           <a:prstGeom prst="rect">
             <a:avLst/>
@@ -2810,7 +2484,7 @@
       </p:sp>
       <p:sp>
         <p:nvSpPr>
-          <p:cNvPr id="107" name="PlaceHolder 4"/>
+          <p:cNvPr id="98" name="PlaceHolder 4"/>
           <p:cNvSpPr>
             <a:spLocks noGrp="1"/>
           </p:cNvSpPr>
@@ -2820,8 +2494,8 @@
         </p:nvSpPr>
         <p:spPr>
           <a:xfrm>
-            <a:off x="395640" y="4390560"/>
-            <a:ext cx="8229240" cy="1732680"/>
+            <a:off x="457200" y="3682080"/>
+            <a:ext cx="8229240" cy="1896840"/>
           </a:xfrm>
           <a:prstGeom prst="rect">
             <a:avLst/>
@@ -2858,7 +2532,7 @@
       </p:grpSpPr>
       <p:sp>
         <p:nvSpPr>
-          <p:cNvPr id="108" name="PlaceHolder 1"/>
+          <p:cNvPr id="99" name="PlaceHolder 1"/>
           <p:cNvSpPr>
             <a:spLocks noGrp="1"/>
           </p:cNvSpPr>
@@ -2868,8 +2542,8 @@
         </p:nvSpPr>
         <p:spPr>
           <a:xfrm>
-            <a:off x="405720" y="1268640"/>
-            <a:ext cx="5842800" cy="1143000"/>
+            <a:off x="457200" y="273600"/>
+            <a:ext cx="8229240" cy="1145160"/>
           </a:xfrm>
           <a:prstGeom prst="rect">
             <a:avLst/>
@@ -2878,13 +2552,14 @@
         <p:txBody>
           <a:bodyPr lIns="0" rIns="0" tIns="0" bIns="0" anchor="ctr"/>
           <a:p>
-            <a:endParaRPr/>
-          </a:p>
-        </p:txBody>
-      </p:sp>
-      <p:sp>
-        <p:nvSpPr>
-          <p:cNvPr id="109" name="PlaceHolder 2"/>
+            <a:pPr algn="ctr"/>
+            <a:endParaRPr/>
+          </a:p>
+        </p:txBody>
+      </p:sp>
+      <p:sp>
+        <p:nvSpPr>
+          <p:cNvPr id="100" name="PlaceHolder 2"/>
           <p:cNvSpPr>
             <a:spLocks noGrp="1"/>
           </p:cNvSpPr>
@@ -2894,8 +2569,8 @@
         </p:nvSpPr>
         <p:spPr>
           <a:xfrm>
-            <a:off x="395640" y="2493000"/>
-            <a:ext cx="8229240" cy="1732680"/>
+            <a:off x="457200" y="1604520"/>
+            <a:ext cx="8229240" cy="1896840"/>
           </a:xfrm>
           <a:prstGeom prst="rect">
             <a:avLst/>
@@ -2910,7 +2585,7 @@
       </p:sp>
       <p:sp>
         <p:nvSpPr>
-          <p:cNvPr id="110" name="PlaceHolder 3"/>
+          <p:cNvPr id="101" name="PlaceHolder 3"/>
           <p:cNvSpPr>
             <a:spLocks noGrp="1"/>
           </p:cNvSpPr>
@@ -2920,8 +2595,8 @@
         </p:nvSpPr>
         <p:spPr>
           <a:xfrm>
-            <a:off x="395640" y="4390560"/>
-            <a:ext cx="8229240" cy="1732680"/>
+            <a:off x="457200" y="3682080"/>
+            <a:ext cx="8229240" cy="1896840"/>
           </a:xfrm>
           <a:prstGeom prst="rect">
             <a:avLst/>
@@ -2958,7 +2633,7 @@
       </p:grpSpPr>
       <p:sp>
         <p:nvSpPr>
-          <p:cNvPr id="111" name="PlaceHolder 1"/>
+          <p:cNvPr id="102" name="PlaceHolder 1"/>
           <p:cNvSpPr>
             <a:spLocks noGrp="1"/>
           </p:cNvSpPr>
@@ -2968,8 +2643,8 @@
         </p:nvSpPr>
         <p:spPr>
           <a:xfrm>
-            <a:off x="405720" y="1268640"/>
-            <a:ext cx="5842800" cy="1143000"/>
+            <a:off x="457200" y="273600"/>
+            <a:ext cx="8229240" cy="1145160"/>
           </a:xfrm>
           <a:prstGeom prst="rect">
             <a:avLst/>
@@ -2978,13 +2653,14 @@
         <p:txBody>
           <a:bodyPr lIns="0" rIns="0" tIns="0" bIns="0" anchor="ctr"/>
           <a:p>
-            <a:endParaRPr/>
-          </a:p>
-        </p:txBody>
-      </p:sp>
-      <p:sp>
-        <p:nvSpPr>
-          <p:cNvPr id="112" name="PlaceHolder 2"/>
+            <a:pPr algn="ctr"/>
+            <a:endParaRPr/>
+          </a:p>
+        </p:txBody>
+      </p:sp>
+      <p:sp>
+        <p:nvSpPr>
+          <p:cNvPr id="103" name="PlaceHolder 2"/>
           <p:cNvSpPr>
             <a:spLocks noGrp="1"/>
           </p:cNvSpPr>
@@ -2994,8 +2670,8 @@
         </p:nvSpPr>
         <p:spPr>
           <a:xfrm>
-            <a:off x="395640" y="2493000"/>
-            <a:ext cx="4015800" cy="1732680"/>
+            <a:off x="457200" y="1604520"/>
+            <a:ext cx="4015800" cy="1896840"/>
           </a:xfrm>
           <a:prstGeom prst="rect">
             <a:avLst/>
@@ -3010,7 +2686,7 @@
       </p:sp>
       <p:sp>
         <p:nvSpPr>
-          <p:cNvPr id="113" name="PlaceHolder 3"/>
+          <p:cNvPr id="104" name="PlaceHolder 3"/>
           <p:cNvSpPr>
             <a:spLocks noGrp="1"/>
           </p:cNvSpPr>
@@ -3020,8 +2696,8 @@
         </p:nvSpPr>
         <p:spPr>
           <a:xfrm>
-            <a:off x="4612680" y="2493000"/>
-            <a:ext cx="4015800" cy="1732680"/>
+            <a:off x="4674240" y="1604520"/>
+            <a:ext cx="4015800" cy="1896840"/>
           </a:xfrm>
           <a:prstGeom prst="rect">
             <a:avLst/>
@@ -3036,7 +2712,7 @@
       </p:sp>
       <p:sp>
         <p:nvSpPr>
-          <p:cNvPr id="114" name="PlaceHolder 4"/>
+          <p:cNvPr id="105" name="PlaceHolder 4"/>
           <p:cNvSpPr>
             <a:spLocks noGrp="1"/>
           </p:cNvSpPr>
@@ -3046,8 +2722,8 @@
         </p:nvSpPr>
         <p:spPr>
           <a:xfrm>
-            <a:off x="4612680" y="4390560"/>
-            <a:ext cx="4015800" cy="1732680"/>
+            <a:off x="4674240" y="3682080"/>
+            <a:ext cx="4015800" cy="1896840"/>
           </a:xfrm>
           <a:prstGeom prst="rect">
             <a:avLst/>
@@ -3062,7 +2738,7 @@
       </p:sp>
       <p:sp>
         <p:nvSpPr>
-          <p:cNvPr id="115" name="PlaceHolder 5"/>
+          <p:cNvPr id="106" name="PlaceHolder 5"/>
           <p:cNvSpPr>
             <a:spLocks noGrp="1"/>
           </p:cNvSpPr>
@@ -3072,8 +2748,8 @@
         </p:nvSpPr>
         <p:spPr>
           <a:xfrm>
-            <a:off x="395640" y="4390560"/>
-            <a:ext cx="4015800" cy="1732680"/>
+            <a:off x="457200" y="3682080"/>
+            <a:ext cx="4015800" cy="1896840"/>
           </a:xfrm>
           <a:prstGeom prst="rect">
             <a:avLst/>
@@ -3110,7 +2786,7 @@
       </p:grpSpPr>
       <p:sp>
         <p:nvSpPr>
-          <p:cNvPr id="116" name="PlaceHolder 1"/>
+          <p:cNvPr id="107" name="PlaceHolder 1"/>
           <p:cNvSpPr>
             <a:spLocks noGrp="1"/>
           </p:cNvSpPr>
@@ -3120,8 +2796,8 @@
         </p:nvSpPr>
         <p:spPr>
           <a:xfrm>
-            <a:off x="405720" y="1268640"/>
-            <a:ext cx="5842800" cy="1143000"/>
+            <a:off x="457200" y="273600"/>
+            <a:ext cx="8229240" cy="1145160"/>
           </a:xfrm>
           <a:prstGeom prst="rect">
             <a:avLst/>
@@ -3130,13 +2806,14 @@
         <p:txBody>
           <a:bodyPr lIns="0" rIns="0" tIns="0" bIns="0" anchor="ctr"/>
           <a:p>
-            <a:endParaRPr/>
-          </a:p>
-        </p:txBody>
-      </p:sp>
-      <p:sp>
-        <p:nvSpPr>
-          <p:cNvPr id="117" name="PlaceHolder 2"/>
+            <a:pPr algn="ctr"/>
+            <a:endParaRPr/>
+          </a:p>
+        </p:txBody>
+      </p:sp>
+      <p:sp>
+        <p:nvSpPr>
+          <p:cNvPr id="108" name="PlaceHolder 2"/>
           <p:cNvSpPr>
             <a:spLocks noGrp="1"/>
           </p:cNvSpPr>
@@ -3146,8 +2823,8 @@
         </p:nvSpPr>
         <p:spPr>
           <a:xfrm>
-            <a:off x="395640" y="2493000"/>
-            <a:ext cx="8229240" cy="3632760"/>
+            <a:off x="457200" y="1604520"/>
+            <a:ext cx="8229240" cy="3977280"/>
           </a:xfrm>
           <a:prstGeom prst="rect">
             <a:avLst/>
@@ -3162,7 +2839,7 @@
       </p:sp>
       <p:sp>
         <p:nvSpPr>
-          <p:cNvPr id="118" name="PlaceHolder 3"/>
+          <p:cNvPr id="109" name="PlaceHolder 3"/>
           <p:cNvSpPr>
             <a:spLocks noGrp="1"/>
           </p:cNvSpPr>
@@ -3172,8 +2849,8 @@
         </p:nvSpPr>
         <p:spPr>
           <a:xfrm>
-            <a:off x="395640" y="2493000"/>
-            <a:ext cx="8229240" cy="3632760"/>
+            <a:off x="457200" y="1604520"/>
+            <a:ext cx="8229240" cy="3977280"/>
           </a:xfrm>
           <a:prstGeom prst="rect">
             <a:avLst/>
@@ -3188,7 +2865,7 @@
       </p:sp>
       <p:pic>
         <p:nvPicPr>
-          <p:cNvPr id="119" name="" descr=""/>
+          <p:cNvPr id="110" name="" descr=""/>
           <p:cNvPicPr/>
           <p:nvPr/>
         </p:nvPicPr>
@@ -3200,8 +2877,8 @@
         </p:blipFill>
         <p:spPr>
           <a:xfrm>
-            <a:off x="2233440" y="2492640"/>
-            <a:ext cx="4552920" cy="3632760"/>
+            <a:off x="2079000" y="1604520"/>
+            <a:ext cx="4984920" cy="3977280"/>
           </a:xfrm>
           <a:prstGeom prst="rect">
             <a:avLst/>
@@ -3213,7 +2890,7 @@
       </p:pic>
       <p:pic>
         <p:nvPicPr>
-          <p:cNvPr id="120" name="" descr=""/>
+          <p:cNvPr id="111" name="" descr=""/>
           <p:cNvPicPr/>
           <p:nvPr/>
         </p:nvPicPr>
@@ -3225,8 +2902,8 @@
         </p:blipFill>
         <p:spPr>
           <a:xfrm>
-            <a:off x="2233440" y="2492640"/>
-            <a:ext cx="4552920" cy="3632760"/>
+            <a:off x="2079000" y="1604520"/>
+            <a:ext cx="4984920" cy="3977280"/>
           </a:xfrm>
           <a:prstGeom prst="rect">
             <a:avLst/>
@@ -3260,7 +2937,7 @@
       </p:grpSpPr>
       <p:sp>
         <p:nvSpPr>
-          <p:cNvPr id="11" name="PlaceHolder 1"/>
+          <p:cNvPr id="8" name="PlaceHolder 1"/>
           <p:cNvSpPr>
             <a:spLocks noGrp="1"/>
           </p:cNvSpPr>
@@ -3270,8 +2947,8 @@
         </p:nvSpPr>
         <p:spPr>
           <a:xfrm>
-            <a:off x="405720" y="1268640"/>
-            <a:ext cx="5842800" cy="1143000"/>
+            <a:off x="457200" y="273600"/>
+            <a:ext cx="8229240" cy="1145160"/>
           </a:xfrm>
           <a:prstGeom prst="rect">
             <a:avLst/>
@@ -3280,13 +2957,14 @@
         <p:txBody>
           <a:bodyPr lIns="0" rIns="0" tIns="0" bIns="0" anchor="ctr"/>
           <a:p>
-            <a:endParaRPr/>
-          </a:p>
-        </p:txBody>
-      </p:sp>
-      <p:sp>
-        <p:nvSpPr>
-          <p:cNvPr id="12" name="PlaceHolder 2"/>
+            <a:pPr algn="ctr"/>
+            <a:endParaRPr/>
+          </a:p>
+        </p:txBody>
+      </p:sp>
+      <p:sp>
+        <p:nvSpPr>
+          <p:cNvPr id="9" name="PlaceHolder 2"/>
           <p:cNvSpPr>
             <a:spLocks noGrp="1"/>
           </p:cNvSpPr>
@@ -3296,8 +2974,8 @@
         </p:nvSpPr>
         <p:spPr>
           <a:xfrm>
-            <a:off x="395640" y="2493000"/>
-            <a:ext cx="4015800" cy="3632760"/>
+            <a:off x="457200" y="1604520"/>
+            <a:ext cx="4015800" cy="3977280"/>
           </a:xfrm>
           <a:prstGeom prst="rect">
             <a:avLst/>
@@ -3312,7 +2990,7 @@
       </p:sp>
       <p:sp>
         <p:nvSpPr>
-          <p:cNvPr id="13" name="PlaceHolder 3"/>
+          <p:cNvPr id="10" name="PlaceHolder 3"/>
           <p:cNvSpPr>
             <a:spLocks noGrp="1"/>
           </p:cNvSpPr>
@@ -3322,8 +3000,8 @@
         </p:nvSpPr>
         <p:spPr>
           <a:xfrm>
-            <a:off x="4612680" y="2493000"/>
-            <a:ext cx="4015800" cy="3632760"/>
+            <a:off x="4674240" y="1604520"/>
+            <a:ext cx="4015800" cy="3977280"/>
           </a:xfrm>
           <a:prstGeom prst="rect">
             <a:avLst/>
@@ -3360,7 +3038,7 @@
       </p:grpSpPr>
       <p:sp>
         <p:nvSpPr>
-          <p:cNvPr id="14" name="PlaceHolder 1"/>
+          <p:cNvPr id="11" name="PlaceHolder 1"/>
           <p:cNvSpPr>
             <a:spLocks noGrp="1"/>
           </p:cNvSpPr>
@@ -3370,8 +3048,8 @@
         </p:nvSpPr>
         <p:spPr>
           <a:xfrm>
-            <a:off x="405720" y="1268640"/>
-            <a:ext cx="5842800" cy="1143000"/>
+            <a:off x="457200" y="273600"/>
+            <a:ext cx="8229240" cy="1145160"/>
           </a:xfrm>
           <a:prstGeom prst="rect">
             <a:avLst/>
@@ -3380,6 +3058,7 @@
         <p:txBody>
           <a:bodyPr lIns="0" rIns="0" tIns="0" bIns="0" anchor="ctr"/>
           <a:p>
+            <a:pPr algn="ctr"/>
             <a:endParaRPr/>
           </a:p>
         </p:txBody>
@@ -3408,7 +3087,7 @@
       </p:grpSpPr>
       <p:sp>
         <p:nvSpPr>
-          <p:cNvPr id="15" name="PlaceHolder 1"/>
+          <p:cNvPr id="12" name="PlaceHolder 1"/>
           <p:cNvSpPr>
             <a:spLocks noGrp="1"/>
           </p:cNvSpPr>
@@ -3418,8 +3097,8 @@
         </p:nvSpPr>
         <p:spPr>
           <a:xfrm>
-            <a:off x="405720" y="1268640"/>
-            <a:ext cx="5842800" cy="5298120"/>
+            <a:off x="457200" y="273600"/>
+            <a:ext cx="8229240" cy="5308200"/>
           </a:xfrm>
           <a:prstGeom prst="rect">
             <a:avLst/>
@@ -3457,7 +3136,7 @@
       </p:grpSpPr>
       <p:sp>
         <p:nvSpPr>
-          <p:cNvPr id="16" name="PlaceHolder 1"/>
+          <p:cNvPr id="13" name="PlaceHolder 1"/>
           <p:cNvSpPr>
             <a:spLocks noGrp="1"/>
           </p:cNvSpPr>
@@ -3467,8 +3146,8 @@
         </p:nvSpPr>
         <p:spPr>
           <a:xfrm>
-            <a:off x="405720" y="1268640"/>
-            <a:ext cx="5842800" cy="1143000"/>
+            <a:off x="457200" y="273600"/>
+            <a:ext cx="8229240" cy="1145160"/>
           </a:xfrm>
           <a:prstGeom prst="rect">
             <a:avLst/>
@@ -3477,13 +3156,14 @@
         <p:txBody>
           <a:bodyPr lIns="0" rIns="0" tIns="0" bIns="0" anchor="ctr"/>
           <a:p>
-            <a:endParaRPr/>
-          </a:p>
-        </p:txBody>
-      </p:sp>
-      <p:sp>
-        <p:nvSpPr>
-          <p:cNvPr id="17" name="PlaceHolder 2"/>
+            <a:pPr algn="ctr"/>
+            <a:endParaRPr/>
+          </a:p>
+        </p:txBody>
+      </p:sp>
+      <p:sp>
+        <p:nvSpPr>
+          <p:cNvPr id="14" name="PlaceHolder 2"/>
           <p:cNvSpPr>
             <a:spLocks noGrp="1"/>
           </p:cNvSpPr>
@@ -3493,8 +3173,8 @@
         </p:nvSpPr>
         <p:spPr>
           <a:xfrm>
-            <a:off x="395640" y="2493000"/>
-            <a:ext cx="4015800" cy="1732680"/>
+            <a:off x="457200" y="1604520"/>
+            <a:ext cx="4015800" cy="1896840"/>
           </a:xfrm>
           <a:prstGeom prst="rect">
             <a:avLst/>
@@ -3509,7 +3189,7 @@
       </p:sp>
       <p:sp>
         <p:nvSpPr>
-          <p:cNvPr id="18" name="PlaceHolder 3"/>
+          <p:cNvPr id="15" name="PlaceHolder 3"/>
           <p:cNvSpPr>
             <a:spLocks noGrp="1"/>
           </p:cNvSpPr>
@@ -3519,8 +3199,8 @@
         </p:nvSpPr>
         <p:spPr>
           <a:xfrm>
-            <a:off x="395640" y="4390560"/>
-            <a:ext cx="4015800" cy="1732680"/>
+            <a:off x="457200" y="3682080"/>
+            <a:ext cx="4015800" cy="1896840"/>
           </a:xfrm>
           <a:prstGeom prst="rect">
             <a:avLst/>
@@ -3535,7 +3215,7 @@
       </p:sp>
       <p:sp>
         <p:nvSpPr>
-          <p:cNvPr id="19" name="PlaceHolder 4"/>
+          <p:cNvPr id="16" name="PlaceHolder 4"/>
           <p:cNvSpPr>
             <a:spLocks noGrp="1"/>
           </p:cNvSpPr>
@@ -3545,8 +3225,8 @@
         </p:nvSpPr>
         <p:spPr>
           <a:xfrm>
-            <a:off x="4612680" y="2493000"/>
-            <a:ext cx="4015800" cy="3632760"/>
+            <a:off x="4674240" y="1604520"/>
+            <a:ext cx="4015800" cy="3977280"/>
           </a:xfrm>
           <a:prstGeom prst="rect">
             <a:avLst/>
@@ -3583,7 +3263,7 @@
       </p:grpSpPr>
       <p:sp>
         <p:nvSpPr>
-          <p:cNvPr id="20" name="PlaceHolder 1"/>
+          <p:cNvPr id="17" name="PlaceHolder 1"/>
           <p:cNvSpPr>
             <a:spLocks noGrp="1"/>
           </p:cNvSpPr>
@@ -3593,8 +3273,8 @@
         </p:nvSpPr>
         <p:spPr>
           <a:xfrm>
-            <a:off x="405720" y="1268640"/>
-            <a:ext cx="5842800" cy="1143000"/>
+            <a:off x="457200" y="273600"/>
+            <a:ext cx="8229240" cy="1145160"/>
           </a:xfrm>
           <a:prstGeom prst="rect">
             <a:avLst/>
@@ -3603,13 +3283,14 @@
         <p:txBody>
           <a:bodyPr lIns="0" rIns="0" tIns="0" bIns="0" anchor="ctr"/>
           <a:p>
-            <a:endParaRPr/>
-          </a:p>
-        </p:txBody>
-      </p:sp>
-      <p:sp>
-        <p:nvSpPr>
-          <p:cNvPr id="21" name="PlaceHolder 2"/>
+            <a:pPr algn="ctr"/>
+            <a:endParaRPr/>
+          </a:p>
+        </p:txBody>
+      </p:sp>
+      <p:sp>
+        <p:nvSpPr>
+          <p:cNvPr id="18" name="PlaceHolder 2"/>
           <p:cNvSpPr>
             <a:spLocks noGrp="1"/>
           </p:cNvSpPr>
@@ -3619,8 +3300,8 @@
         </p:nvSpPr>
         <p:spPr>
           <a:xfrm>
-            <a:off x="395640" y="2493000"/>
-            <a:ext cx="4015800" cy="3632760"/>
+            <a:off x="457200" y="1604520"/>
+            <a:ext cx="4015800" cy="3977280"/>
           </a:xfrm>
           <a:prstGeom prst="rect">
             <a:avLst/>
@@ -3635,7 +3316,7 @@
       </p:sp>
       <p:sp>
         <p:nvSpPr>
-          <p:cNvPr id="22" name="PlaceHolder 3"/>
+          <p:cNvPr id="19" name="PlaceHolder 3"/>
           <p:cNvSpPr>
             <a:spLocks noGrp="1"/>
           </p:cNvSpPr>
@@ -3645,8 +3326,8 @@
         </p:nvSpPr>
         <p:spPr>
           <a:xfrm>
-            <a:off x="4612680" y="2493000"/>
-            <a:ext cx="4015800" cy="1732680"/>
+            <a:off x="4674240" y="1604520"/>
+            <a:ext cx="4015800" cy="1896840"/>
           </a:xfrm>
           <a:prstGeom prst="rect">
             <a:avLst/>
@@ -3661,7 +3342,7 @@
       </p:sp>
       <p:sp>
         <p:nvSpPr>
-          <p:cNvPr id="23" name="PlaceHolder 4"/>
+          <p:cNvPr id="20" name="PlaceHolder 4"/>
           <p:cNvSpPr>
             <a:spLocks noGrp="1"/>
           </p:cNvSpPr>
@@ -3671,8 +3352,8 @@
         </p:nvSpPr>
         <p:spPr>
           <a:xfrm>
-            <a:off x="4612680" y="4390560"/>
-            <a:ext cx="4015800" cy="1732680"/>
+            <a:off x="4674240" y="3682080"/>
+            <a:ext cx="4015800" cy="1896840"/>
           </a:xfrm>
           <a:prstGeom prst="rect">
             <a:avLst/>
@@ -3709,7 +3390,7 @@
       </p:grpSpPr>
       <p:sp>
         <p:nvSpPr>
-          <p:cNvPr id="24" name="PlaceHolder 1"/>
+          <p:cNvPr id="21" name="PlaceHolder 1"/>
           <p:cNvSpPr>
             <a:spLocks noGrp="1"/>
           </p:cNvSpPr>
@@ -3719,8 +3400,8 @@
         </p:nvSpPr>
         <p:spPr>
           <a:xfrm>
-            <a:off x="405720" y="1268640"/>
-            <a:ext cx="5842800" cy="1143000"/>
+            <a:off x="457200" y="273600"/>
+            <a:ext cx="8229240" cy="1145160"/>
           </a:xfrm>
           <a:prstGeom prst="rect">
             <a:avLst/>
@@ -3729,13 +3410,14 @@
         <p:txBody>
           <a:bodyPr lIns="0" rIns="0" tIns="0" bIns="0" anchor="ctr"/>
           <a:p>
-            <a:endParaRPr/>
-          </a:p>
-        </p:txBody>
-      </p:sp>
-      <p:sp>
-        <p:nvSpPr>
-          <p:cNvPr id="25" name="PlaceHolder 2"/>
+            <a:pPr algn="ctr"/>
+            <a:endParaRPr/>
+          </a:p>
+        </p:txBody>
+      </p:sp>
+      <p:sp>
+        <p:nvSpPr>
+          <p:cNvPr id="22" name="PlaceHolder 2"/>
           <p:cNvSpPr>
             <a:spLocks noGrp="1"/>
           </p:cNvSpPr>
@@ -3745,8 +3427,8 @@
         </p:nvSpPr>
         <p:spPr>
           <a:xfrm>
-            <a:off x="395640" y="2493000"/>
-            <a:ext cx="4015800" cy="1732680"/>
+            <a:off x="457200" y="1604520"/>
+            <a:ext cx="4015800" cy="1896840"/>
           </a:xfrm>
           <a:prstGeom prst="rect">
             <a:avLst/>
@@ -3761,7 +3443,7 @@
       </p:sp>
       <p:sp>
         <p:nvSpPr>
-          <p:cNvPr id="26" name="PlaceHolder 3"/>
+          <p:cNvPr id="23" name="PlaceHolder 3"/>
           <p:cNvSpPr>
             <a:spLocks noGrp="1"/>
           </p:cNvSpPr>
@@ -3771,8 +3453,8 @@
         </p:nvSpPr>
         <p:spPr>
           <a:xfrm>
-            <a:off x="4612680" y="2493000"/>
-            <a:ext cx="4015800" cy="1732680"/>
+            <a:off x="4674240" y="1604520"/>
+            <a:ext cx="4015800" cy="1896840"/>
           </a:xfrm>
           <a:prstGeom prst="rect">
             <a:avLst/>
@@ -3787,7 +3469,7 @@
       </p:sp>
       <p:sp>
         <p:nvSpPr>
-          <p:cNvPr id="27" name="PlaceHolder 4"/>
+          <p:cNvPr id="24" name="PlaceHolder 4"/>
           <p:cNvSpPr>
             <a:spLocks noGrp="1"/>
           </p:cNvSpPr>
@@ -3797,8 +3479,8 @@
         </p:nvSpPr>
         <p:spPr>
           <a:xfrm>
-            <a:off x="395640" y="4390560"/>
-            <a:ext cx="8229240" cy="1732680"/>
+            <a:off x="457200" y="3682080"/>
+            <a:ext cx="8229240" cy="1896840"/>
           </a:xfrm>
           <a:prstGeom prst="rect">
             <a:avLst/>
@@ -3855,7 +3537,7 @@
         <p:spPr>
           <a:xfrm>
             <a:off x="523800" y="509760"/>
-            <a:ext cx="1663200" cy="711000"/>
+            <a:ext cx="1662840" cy="710640"/>
           </a:xfrm>
           <a:prstGeom prst="rect">
             <a:avLst/>
@@ -3865,155 +3547,9 @@
           </a:ln>
         </p:spPr>
       </p:pic>
-      <p:sp>
-        <p:nvSpPr>
-          <p:cNvPr id="1" name="PlaceHolder 1"/>
-          <p:cNvSpPr>
-            <a:spLocks noGrp="1"/>
-          </p:cNvSpPr>
-          <p:nvPr>
-            <p:ph type="title"/>
-          </p:nvPr>
-        </p:nvSpPr>
-        <p:spPr>
-          <a:xfrm>
-            <a:off x="467640" y="2130480"/>
-            <a:ext cx="7772040" cy="1469520"/>
-          </a:xfrm>
-          <a:prstGeom prst="rect">
-            <a:avLst/>
-          </a:prstGeom>
-        </p:spPr>
-        <p:txBody>
-          <a:bodyPr anchor="ctr"/>
-          <a:p>
-            <a:pPr>
-              <a:lnSpc>
-                <a:spcPct val="100000"/>
-              </a:lnSpc>
-            </a:pPr>
-            <a:r>
-              <a:rPr b="1" lang="en-US" sz="3200">
-                <a:solidFill>
-                  <a:srgbClr val="000000"/>
-                </a:solidFill>
-                <a:latin typeface="Arial"/>
-              </a:rPr>
-              <a:t>Click to edit the title text formatClick to edit Master title style</a:t>
-            </a:r>
-            <a:endParaRPr/>
-          </a:p>
-        </p:txBody>
-      </p:sp>
-      <p:sp>
-        <p:nvSpPr>
-          <p:cNvPr id="2" name="PlaceHolder 2"/>
-          <p:cNvSpPr>
-            <a:spLocks noGrp="1"/>
-          </p:cNvSpPr>
-          <p:nvPr>
-            <p:ph type="dt"/>
-          </p:nvPr>
-        </p:nvSpPr>
-        <p:spPr>
-          <a:xfrm>
-            <a:off x="457200" y="6356520"/>
-            <a:ext cx="2133360" cy="364680"/>
-          </a:xfrm>
-          <a:prstGeom prst="rect">
-            <a:avLst/>
-          </a:prstGeom>
-        </p:spPr>
-        <p:txBody>
-          <a:bodyPr anchor="ctr"/>
-          <a:p>
-            <a:pPr>
-              <a:lnSpc>
-                <a:spcPct val="100000"/>
-              </a:lnSpc>
-            </a:pPr>
-            <a:r>
-              <a:rPr lang="en-GB" sz="1200">
-                <a:solidFill>
-                  <a:srgbClr val="898989"/>
-                </a:solidFill>
-                <a:latin typeface="Calibri"/>
-              </a:rPr>
-              <a:t>25/11/15</a:t>
-            </a:r>
-            <a:endParaRPr/>
-          </a:p>
-        </p:txBody>
-      </p:sp>
-      <p:sp>
-        <p:nvSpPr>
-          <p:cNvPr id="3" name="PlaceHolder 3"/>
-          <p:cNvSpPr>
-            <a:spLocks noGrp="1"/>
-          </p:cNvSpPr>
-          <p:nvPr>
-            <p:ph type="ftr"/>
-          </p:nvPr>
-        </p:nvSpPr>
-        <p:spPr>
-          <a:xfrm>
-            <a:off x="3124080" y="6356520"/>
-            <a:ext cx="2895120" cy="364680"/>
-          </a:xfrm>
-          <a:prstGeom prst="rect">
-            <a:avLst/>
-          </a:prstGeom>
-        </p:spPr>
-        <p:txBody>
-          <a:bodyPr anchor="ctr"/>
-          <a:p>
-            <a:endParaRPr/>
-          </a:p>
-        </p:txBody>
-      </p:sp>
-      <p:sp>
-        <p:nvSpPr>
-          <p:cNvPr id="4" name="PlaceHolder 4"/>
-          <p:cNvSpPr>
-            <a:spLocks noGrp="1"/>
-          </p:cNvSpPr>
-          <p:nvPr>
-            <p:ph type="sldNum"/>
-          </p:nvPr>
-        </p:nvSpPr>
-        <p:spPr>
-          <a:xfrm>
-            <a:off x="6553080" y="6356520"/>
-            <a:ext cx="2133360" cy="364680"/>
-          </a:xfrm>
-          <a:prstGeom prst="rect">
-            <a:avLst/>
-          </a:prstGeom>
-        </p:spPr>
-        <p:txBody>
-          <a:bodyPr anchor="ctr"/>
-          <a:p>
-            <a:pPr>
-              <a:lnSpc>
-                <a:spcPct val="100000"/>
-              </a:lnSpc>
-            </a:pPr>
-            <a:fld id="{62B3D474-4ADD-4138-8670-1A3738EFDFFA}" type="slidenum">
-              <a:rPr lang="en-GB" sz="1200">
-                <a:solidFill>
-                  <a:srgbClr val="898989"/>
-                </a:solidFill>
-                <a:latin typeface="Calibri"/>
-              </a:rPr>
-              <a:t>&lt;number&gt;</a:t>
-            </a:fld>
-            <a:endParaRPr/>
-          </a:p>
-        </p:txBody>
-      </p:sp>
       <p:pic>
         <p:nvPicPr>
-          <p:cNvPr id="5" name="Picture 5" descr=""/>
+          <p:cNvPr id="1" name="Picture 5" descr=""/>
           <p:cNvPicPr/>
           <p:nvPr/>
         </p:nvPicPr>
@@ -4026,7 +3562,7 @@
         <p:spPr>
           <a:xfrm>
             <a:off x="523800" y="509760"/>
-            <a:ext cx="1663200" cy="711000"/>
+            <a:ext cx="1662840" cy="710640"/>
           </a:xfrm>
           <a:prstGeom prst="rect">
             <a:avLst/>
@@ -4038,7 +3574,39 @@
       </p:pic>
       <p:sp>
         <p:nvSpPr>
-          <p:cNvPr id="6" name="PlaceHolder 5"/>
+          <p:cNvPr id="2" name="PlaceHolder 1"/>
+          <p:cNvSpPr>
+            <a:spLocks noGrp="1"/>
+          </p:cNvSpPr>
+          <p:nvPr>
+            <p:ph type="title"/>
+          </p:nvPr>
+        </p:nvSpPr>
+        <p:spPr>
+          <a:xfrm>
+            <a:off x="405720" y="1268640"/>
+            <a:ext cx="5842440" cy="1142640"/>
+          </a:xfrm>
+          <a:prstGeom prst="rect">
+            <a:avLst/>
+          </a:prstGeom>
+        </p:spPr>
+        <p:txBody>
+          <a:bodyPr lIns="0" rIns="0" tIns="0" bIns="0" anchor="ctr"/>
+          <a:p>
+            <a:r>
+              <a:rPr lang="en-GB">
+                <a:latin typeface="Arial"/>
+              </a:rPr>
+              <a:t>Click to edit the title text format</a:t>
+            </a:r>
+            <a:endParaRPr/>
+          </a:p>
+        </p:txBody>
+      </p:sp>
+      <p:sp>
+        <p:nvSpPr>
+          <p:cNvPr id="3" name="PlaceHolder 2"/>
           <p:cNvSpPr>
             <a:spLocks noGrp="1"/>
           </p:cNvSpPr>
@@ -4064,7 +3632,7 @@
               <a:buChar char=""/>
             </a:pPr>
             <a:r>
-              <a:rPr lang="en-US" sz="2800">
+              <a:rPr lang="en-GB" sz="3200">
                 <a:latin typeface="Arial"/>
               </a:rPr>
               <a:t>Click to edit the outline text format</a:t>
@@ -4078,7 +3646,7 @@
               <a:buChar char=""/>
             </a:pPr>
             <a:r>
-              <a:rPr lang="en-US" sz="2800">
+              <a:rPr lang="en-GB" sz="2800">
                 <a:latin typeface="Arial"/>
               </a:rPr>
               <a:t>Second Outline Level</a:t>
@@ -4092,7 +3660,7 @@
               <a:buChar char=""/>
             </a:pPr>
             <a:r>
-              <a:rPr lang="en-US" sz="2800">
+              <a:rPr lang="en-GB" sz="2400">
                 <a:latin typeface="Arial"/>
               </a:rPr>
               <a:t>Third Outline Level</a:t>
@@ -4106,7 +3674,7 @@
               <a:buChar char=""/>
             </a:pPr>
             <a:r>
-              <a:rPr lang="en-US" sz="2800">
+              <a:rPr lang="en-GB" sz="2000">
                 <a:latin typeface="Arial"/>
               </a:rPr>
               <a:t>Fourth Outline Level</a:t>
@@ -4120,7 +3688,7 @@
               <a:buChar char=""/>
             </a:pPr>
             <a:r>
-              <a:rPr lang="en-US" sz="2000">
+              <a:rPr lang="en-GB" sz="2000">
                 <a:latin typeface="Arial"/>
               </a:rPr>
               <a:t>Fifth Outline Level</a:t>
@@ -4134,7 +3702,7 @@
               <a:buChar char=""/>
             </a:pPr>
             <a:r>
-              <a:rPr lang="en-US" sz="2000">
+              <a:rPr lang="en-GB" sz="2000">
                 <a:latin typeface="Arial"/>
               </a:rPr>
               <a:t>Sixth Outline Level</a:t>
@@ -4148,7 +3716,7 @@
               <a:buChar char=""/>
             </a:pPr>
             <a:r>
-              <a:rPr lang="en-US" sz="2000">
+              <a:rPr lang="en-GB" sz="2000">
                 <a:latin typeface="Arial"/>
               </a:rPr>
               <a:t>Seventh Outline Level</a:t>
@@ -4201,34 +3769,9 @@
           <a:chExt cx="0" cy="0"/>
         </a:xfrm>
       </p:grpSpPr>
-      <p:pic>
-        <p:nvPicPr>
-          <p:cNvPr id="41" name="Picture 5" descr=""/>
-          <p:cNvPicPr/>
-          <p:nvPr/>
-        </p:nvPicPr>
-        <p:blipFill>
-          <a:blip r:embed="rId2"/>
-          <a:stretch>
-            <a:fillRect/>
-          </a:stretch>
-        </p:blipFill>
-        <p:spPr>
-          <a:xfrm>
-            <a:off x="523800" y="509760"/>
-            <a:ext cx="1663200" cy="711000"/>
-          </a:xfrm>
-          <a:prstGeom prst="rect">
-            <a:avLst/>
-          </a:prstGeom>
-          <a:ln w="9360">
-            <a:noFill/>
-          </a:ln>
-        </p:spPr>
-      </p:pic>
-      <p:sp>
-        <p:nvSpPr>
-          <p:cNvPr id="42" name="PlaceHolder 1"/>
+      <p:sp>
+        <p:nvSpPr>
+          <p:cNvPr id="38" name="PlaceHolder 1"/>
           <p:cNvSpPr>
             <a:spLocks noGrp="1"/>
           </p:cNvSpPr>
@@ -4238,29 +3781,22 @@
         </p:nvSpPr>
         <p:spPr>
           <a:xfrm>
-            <a:off x="405720" y="1268640"/>
-            <a:ext cx="5842800" cy="1142640"/>
-          </a:xfrm>
-          <a:prstGeom prst="rect">
-            <a:avLst/>
-          </a:prstGeom>
-        </p:spPr>
-        <p:txBody>
-          <a:bodyPr anchor="ctr"/>
-          <a:p>
-            <a:pPr>
-              <a:lnSpc>
-                <a:spcPct val="100000"/>
-              </a:lnSpc>
-            </a:pPr>
+            <a:off x="457200" y="273600"/>
+            <a:ext cx="8229240" cy="1144800"/>
+          </a:xfrm>
+          <a:prstGeom prst="rect">
+            <a:avLst/>
+          </a:prstGeom>
+        </p:spPr>
+        <p:txBody>
+          <a:bodyPr lIns="0" rIns="0" tIns="0" bIns="0" anchor="ctr"/>
+          <a:p>
+            <a:pPr algn="ctr"/>
             <a:r>
-              <a:rPr b="1" lang="en-US" sz="3200">
-                <a:solidFill>
-                  <a:srgbClr val="000000"/>
-                </a:solidFill>
+              <a:rPr lang="en-GB" sz="4400">
                 <a:latin typeface="Arial"/>
               </a:rPr>
-              <a:t>Click to edit the title text formatClick to edit Master title style</a:t>
+              <a:t>Click to edit the title text format</a:t>
             </a:r>
             <a:endParaRPr/>
           </a:p>
@@ -4268,7 +3804,7 @@
       </p:sp>
       <p:sp>
         <p:nvSpPr>
-          <p:cNvPr id="43" name="PlaceHolder 2"/>
+          <p:cNvPr id="39" name="PlaceHolder 2"/>
           <p:cNvSpPr>
             <a:spLocks noGrp="1"/>
           </p:cNvSpPr>
@@ -4278,15 +3814,15 @@
         </p:nvSpPr>
         <p:spPr>
           <a:xfrm>
-            <a:off x="395640" y="2493000"/>
-            <a:ext cx="8229240" cy="3632760"/>
-          </a:xfrm>
-          <a:prstGeom prst="rect">
-            <a:avLst/>
-          </a:prstGeom>
-        </p:spPr>
-        <p:txBody>
-          <a:bodyPr/>
+            <a:off x="457200" y="1604520"/>
+            <a:ext cx="8229240" cy="3977280"/>
+          </a:xfrm>
+          <a:prstGeom prst="rect">
+            <a:avLst/>
+          </a:prstGeom>
+        </p:spPr>
+        <p:txBody>
+          <a:bodyPr lIns="0" rIns="0" tIns="0" bIns="0"/>
           <a:p>
             <a:pPr>
               <a:buSzPct val="45000"/>
@@ -4294,10 +3830,7 @@
               <a:buChar char=""/>
             </a:pPr>
             <a:r>
-              <a:rPr lang="en-US" sz="2800">
-                <a:solidFill>
-                  <a:srgbClr val="000000"/>
-                </a:solidFill>
+              <a:rPr lang="en-GB" sz="3200">
                 <a:latin typeface="Arial"/>
               </a:rPr>
               <a:t>Click to edit the outline text format</a:t>
@@ -4311,10 +3844,7 @@
               <a:buChar char=""/>
             </a:pPr>
             <a:r>
-              <a:rPr lang="en-US" sz="2800">
-                <a:solidFill>
-                  <a:srgbClr val="000000"/>
-                </a:solidFill>
+              <a:rPr lang="en-GB" sz="2800">
                 <a:latin typeface="Arial"/>
               </a:rPr>
               <a:t>Second Outline Level</a:t>
@@ -4328,10 +3858,7 @@
               <a:buChar char=""/>
             </a:pPr>
             <a:r>
-              <a:rPr lang="en-US" sz="2800">
-                <a:solidFill>
-                  <a:srgbClr val="000000"/>
-                </a:solidFill>
+              <a:rPr lang="en-GB" sz="2400">
                 <a:latin typeface="Arial"/>
               </a:rPr>
               <a:t>Third Outline Level</a:t>
@@ -4345,10 +3872,7 @@
               <a:buChar char=""/>
             </a:pPr>
             <a:r>
-              <a:rPr lang="en-US" sz="2800">
-                <a:solidFill>
-                  <a:srgbClr val="000000"/>
-                </a:solidFill>
+              <a:rPr lang="en-GB" sz="2000">
                 <a:latin typeface="Arial"/>
               </a:rPr>
               <a:t>Fourth Outline Level</a:t>
@@ -4362,10 +3886,7 @@
               <a:buChar char=""/>
             </a:pPr>
             <a:r>
-              <a:rPr lang="en-US" sz="2800">
-                <a:solidFill>
-                  <a:srgbClr val="000000"/>
-                </a:solidFill>
+              <a:rPr lang="en-GB" sz="2000">
                 <a:latin typeface="Arial"/>
               </a:rPr>
               <a:t>Fifth Outline Level</a:t>
@@ -4379,10 +3900,7 @@
               <a:buChar char=""/>
             </a:pPr>
             <a:r>
-              <a:rPr lang="en-US" sz="2800">
-                <a:solidFill>
-                  <a:srgbClr val="000000"/>
-                </a:solidFill>
+              <a:rPr lang="en-GB" sz="2000">
                 <a:latin typeface="Arial"/>
               </a:rPr>
               <a:t>Sixth Outline Level</a:t>
@@ -4390,249 +3908,37 @@
             <a:endParaRPr/>
           </a:p>
           <a:p>
-            <a:pPr>
-              <a:lnSpc>
-                <a:spcPct val="100000"/>
-              </a:lnSpc>
-              <a:buFont typeface="Arial"/>
-              <a:buChar char="•"/>
+            <a:pPr lvl="6">
+              <a:buSzPct val="45000"/>
+              <a:buFont typeface="StarSymbol"/>
+              <a:buChar char=""/>
             </a:pPr>
             <a:r>
-              <a:rPr lang="en-US" sz="2800">
-                <a:solidFill>
-                  <a:srgbClr val="000000"/>
-                </a:solidFill>
+              <a:rPr lang="en-GB" sz="2000">
                 <a:latin typeface="Arial"/>
               </a:rPr>
-              <a:t>Seventh Outline LevelClick to edit Master text styles</a:t>
+              <a:t>Seventh Outline Level</a:t>
             </a:r>
             <a:endParaRPr/>
           </a:p>
-          <a:p>
-            <a:pPr lvl="1">
-              <a:lnSpc>
-                <a:spcPct val="100000"/>
-              </a:lnSpc>
-              <a:buFont typeface="Arial"/>
-              <a:buChar char="–"/>
-            </a:pPr>
-            <a:r>
-              <a:rPr lang="en-US" sz="2400">
-                <a:solidFill>
-                  <a:srgbClr val="000000"/>
-                </a:solidFill>
-                <a:latin typeface="Arial"/>
-              </a:rPr>
-              <a:t>Second level</a:t>
-            </a:r>
-            <a:endParaRPr/>
-          </a:p>
-          <a:p>
-            <a:pPr lvl="2">
-              <a:lnSpc>
-                <a:spcPct val="100000"/>
-              </a:lnSpc>
-              <a:buFont typeface="Arial"/>
-              <a:buChar char="•"/>
-            </a:pPr>
-            <a:r>
-              <a:rPr lang="en-US" sz="2400">
-                <a:solidFill>
-                  <a:srgbClr val="000000"/>
-                </a:solidFill>
-                <a:latin typeface="Arial"/>
-              </a:rPr>
-              <a:t>Third level</a:t>
-            </a:r>
-            <a:endParaRPr/>
-          </a:p>
-          <a:p>
-            <a:pPr lvl="3">
-              <a:lnSpc>
-                <a:spcPct val="100000"/>
-              </a:lnSpc>
-              <a:buFont typeface="Arial"/>
-              <a:buChar char="–"/>
-            </a:pPr>
-            <a:r>
-              <a:rPr lang="en-US" sz="2400">
-                <a:solidFill>
-                  <a:srgbClr val="000000"/>
-                </a:solidFill>
-                <a:latin typeface="Arial"/>
-              </a:rPr>
-              <a:t>Fourth level</a:t>
-            </a:r>
-            <a:endParaRPr/>
-          </a:p>
-          <a:p>
-            <a:pPr lvl="4">
-              <a:lnSpc>
-                <a:spcPct val="100000"/>
-              </a:lnSpc>
-              <a:buFont typeface="Arial"/>
-              <a:buChar char="»"/>
-            </a:pPr>
-            <a:r>
-              <a:rPr lang="en-US" sz="2400">
-                <a:solidFill>
-                  <a:srgbClr val="000000"/>
-                </a:solidFill>
-                <a:latin typeface="Arial"/>
-              </a:rPr>
-              <a:t>Fifth level</a:t>
-            </a:r>
-            <a:endParaRPr/>
-          </a:p>
-        </p:txBody>
-      </p:sp>
-      <p:sp>
-        <p:nvSpPr>
-          <p:cNvPr id="44" name="PlaceHolder 3"/>
-          <p:cNvSpPr>
-            <a:spLocks noGrp="1"/>
-          </p:cNvSpPr>
-          <p:nvPr>
-            <p:ph type="dt"/>
-          </p:nvPr>
-        </p:nvSpPr>
-        <p:spPr>
-          <a:xfrm>
-            <a:off x="457200" y="6356520"/>
-            <a:ext cx="2133360" cy="364680"/>
-          </a:xfrm>
-          <a:prstGeom prst="rect">
-            <a:avLst/>
-          </a:prstGeom>
-        </p:spPr>
-        <p:txBody>
-          <a:bodyPr anchor="ctr"/>
-          <a:p>
-            <a:pPr>
-              <a:lnSpc>
-                <a:spcPct val="100000"/>
-              </a:lnSpc>
-            </a:pPr>
-            <a:r>
-              <a:rPr lang="en-GB" sz="1200">
-                <a:solidFill>
-                  <a:srgbClr val="898989"/>
-                </a:solidFill>
-                <a:latin typeface="Calibri"/>
-              </a:rPr>
-              <a:t>25/11/15</a:t>
-            </a:r>
-            <a:endParaRPr/>
-          </a:p>
-        </p:txBody>
-      </p:sp>
-      <p:sp>
-        <p:nvSpPr>
-          <p:cNvPr id="45" name="PlaceHolder 4"/>
-          <p:cNvSpPr>
-            <a:spLocks noGrp="1"/>
-          </p:cNvSpPr>
-          <p:nvPr>
-            <p:ph type="ftr"/>
-          </p:nvPr>
-        </p:nvSpPr>
-        <p:spPr>
-          <a:xfrm>
-            <a:off x="3124080" y="6356520"/>
-            <a:ext cx="2895120" cy="364680"/>
-          </a:xfrm>
-          <a:prstGeom prst="rect">
-            <a:avLst/>
-          </a:prstGeom>
-        </p:spPr>
-        <p:txBody>
-          <a:bodyPr anchor="ctr"/>
-          <a:p>
-            <a:endParaRPr/>
-          </a:p>
-        </p:txBody>
-      </p:sp>
-      <p:sp>
-        <p:nvSpPr>
-          <p:cNvPr id="46" name="PlaceHolder 5"/>
-          <p:cNvSpPr>
-            <a:spLocks noGrp="1"/>
-          </p:cNvSpPr>
-          <p:nvPr>
-            <p:ph type="sldNum"/>
-          </p:nvPr>
-        </p:nvSpPr>
-        <p:spPr>
-          <a:xfrm>
-            <a:off x="6553080" y="6356520"/>
-            <a:ext cx="2133360" cy="364680"/>
-          </a:xfrm>
-          <a:prstGeom prst="rect">
-            <a:avLst/>
-          </a:prstGeom>
-        </p:spPr>
-        <p:txBody>
-          <a:bodyPr anchor="ctr"/>
-          <a:p>
-            <a:pPr>
-              <a:lnSpc>
-                <a:spcPct val="100000"/>
-              </a:lnSpc>
-            </a:pPr>
-            <a:fld id="{F06EEE90-3132-47C5-B359-FAB702C009AA}" type="slidenum">
-              <a:rPr lang="en-GB" sz="1200">
-                <a:solidFill>
-                  <a:srgbClr val="898989"/>
-                </a:solidFill>
-                <a:latin typeface="Calibri"/>
-              </a:rPr>
-              <a:t>&lt;number&gt;</a:t>
-            </a:fld>
-            <a:endParaRPr/>
-          </a:p>
-        </p:txBody>
-      </p:sp>
-      <p:pic>
-        <p:nvPicPr>
-          <p:cNvPr id="47" name="Picture 5" descr=""/>
-          <p:cNvPicPr/>
-          <p:nvPr/>
-        </p:nvPicPr>
-        <p:blipFill>
-          <a:blip r:embed="rId3"/>
-          <a:stretch>
-            <a:fillRect/>
-          </a:stretch>
-        </p:blipFill>
-        <p:spPr>
-          <a:xfrm>
-            <a:off x="523800" y="509760"/>
-            <a:ext cx="1663200" cy="711000"/>
-          </a:xfrm>
-          <a:prstGeom prst="rect">
-            <a:avLst/>
-          </a:prstGeom>
-          <a:ln w="9360">
-            <a:noFill/>
-          </a:ln>
-        </p:spPr>
-      </p:pic>
+        </p:txBody>
+      </p:sp>
     </p:spTree>
   </p:cSld>
   <p:clrMap bg1="lt1" bg2="lt2" tx1="dk1" tx2="dk2" accent1="accent1" accent2="accent2" accent3="accent3" accent4="accent4" accent5="accent5" accent6="accent6" hlink="hlink" folHlink="folHlink"/>
   <p:sldLayoutIdLst>
-    <p:sldLayoutId id="2147483662" r:id="rId4"/>
-    <p:sldLayoutId id="2147483663" r:id="rId5"/>
-    <p:sldLayoutId id="2147483664" r:id="rId6"/>
-    <p:sldLayoutId id="2147483665" r:id="rId7"/>
-    <p:sldLayoutId id="2147483666" r:id="rId8"/>
-    <p:sldLayoutId id="2147483667" r:id="rId9"/>
-    <p:sldLayoutId id="2147483668" r:id="rId10"/>
-    <p:sldLayoutId id="2147483669" r:id="rId11"/>
-    <p:sldLayoutId id="2147483670" r:id="rId12"/>
-    <p:sldLayoutId id="2147483671" r:id="rId13"/>
-    <p:sldLayoutId id="2147483672" r:id="rId14"/>
-    <p:sldLayoutId id="2147483673" r:id="rId15"/>
+    <p:sldLayoutId id="2147483662" r:id="rId2"/>
+    <p:sldLayoutId id="2147483663" r:id="rId3"/>
+    <p:sldLayoutId id="2147483664" r:id="rId4"/>
+    <p:sldLayoutId id="2147483665" r:id="rId5"/>
+    <p:sldLayoutId id="2147483666" r:id="rId6"/>
+    <p:sldLayoutId id="2147483667" r:id="rId7"/>
+    <p:sldLayoutId id="2147483668" r:id="rId8"/>
+    <p:sldLayoutId id="2147483669" r:id="rId9"/>
+    <p:sldLayoutId id="2147483670" r:id="rId10"/>
+    <p:sldLayoutId id="2147483671" r:id="rId11"/>
+    <p:sldLayoutId id="2147483672" r:id="rId12"/>
+    <p:sldLayoutId id="2147483673" r:id="rId13"/>
   </p:sldLayoutIdLst>
 </p:sldMaster>
 </file>
@@ -4661,9 +3967,59 @@
           <a:chExt cx="0" cy="0"/>
         </a:xfrm>
       </p:grpSpPr>
-      <p:sp>
-        <p:nvSpPr>
-          <p:cNvPr id="82" name="PlaceHolder 1"/>
+      <p:pic>
+        <p:nvPicPr>
+          <p:cNvPr id="74" name="Picture 5" descr=""/>
+          <p:cNvPicPr/>
+          <p:nvPr/>
+        </p:nvPicPr>
+        <p:blipFill>
+          <a:blip r:embed="rId2"/>
+          <a:stretch>
+            <a:fillRect/>
+          </a:stretch>
+        </p:blipFill>
+        <p:spPr>
+          <a:xfrm>
+            <a:off x="523800" y="509760"/>
+            <a:ext cx="1662840" cy="710640"/>
+          </a:xfrm>
+          <a:prstGeom prst="rect">
+            <a:avLst/>
+          </a:prstGeom>
+          <a:ln w="9360">
+            <a:noFill/>
+          </a:ln>
+        </p:spPr>
+      </p:pic>
+      <p:pic>
+        <p:nvPicPr>
+          <p:cNvPr id="75" name="Picture 5" descr=""/>
+          <p:cNvPicPr/>
+          <p:nvPr/>
+        </p:nvPicPr>
+        <p:blipFill>
+          <a:blip r:embed="rId3"/>
+          <a:stretch>
+            <a:fillRect/>
+          </a:stretch>
+        </p:blipFill>
+        <p:spPr>
+          <a:xfrm>
+            <a:off x="523800" y="509760"/>
+            <a:ext cx="1662840" cy="710640"/>
+          </a:xfrm>
+          <a:prstGeom prst="rect">
+            <a:avLst/>
+          </a:prstGeom>
+          <a:ln w="9360">
+            <a:noFill/>
+          </a:ln>
+        </p:spPr>
+      </p:pic>
+      <p:sp>
+        <p:nvSpPr>
+          <p:cNvPr id="76" name="PlaceHolder 1"/>
           <p:cNvSpPr>
             <a:spLocks noGrp="1"/>
           </p:cNvSpPr>
@@ -4681,12 +4037,12 @@
           </a:prstGeom>
         </p:spPr>
         <p:txBody>
-          <a:bodyPr lIns="90000" rIns="90000" tIns="46800" bIns="46800" anchor="ctr"/>
+          <a:bodyPr lIns="0" rIns="0" tIns="0" bIns="0" anchor="ctr"/>
           <a:p>
             <a:pPr algn="ctr"/>
             <a:r>
               <a:rPr lang="en-GB" sz="4400">
-                <a:latin typeface="Calibri"/>
+                <a:latin typeface="Arial"/>
               </a:rPr>
               <a:t>Click to edit the title text format</a:t>
             </a:r>
@@ -4696,7 +4052,7 @@
       </p:sp>
       <p:sp>
         <p:nvSpPr>
-          <p:cNvPr id="83" name="PlaceHolder 2"/>
+          <p:cNvPr id="77" name="PlaceHolder 2"/>
           <p:cNvSpPr>
             <a:spLocks noGrp="1"/>
           </p:cNvSpPr>
@@ -4714,22 +4070,30 @@
           </a:prstGeom>
         </p:spPr>
         <p:txBody>
-          <a:bodyPr lIns="90000" rIns="90000" tIns="46800" bIns="46800"/>
-          <a:p>
-            <a:pPr/>
+          <a:bodyPr lIns="0" rIns="0" tIns="0" bIns="0"/>
+          <a:p>
+            <a:pPr>
+              <a:buSzPct val="45000"/>
+              <a:buFont typeface="StarSymbol"/>
+              <a:buChar char=""/>
+            </a:pPr>
             <a:r>
               <a:rPr lang="en-GB" sz="3200">
-                <a:latin typeface="Calibri"/>
+                <a:latin typeface="Arial"/>
               </a:rPr>
               <a:t>Click to edit the outline text format</a:t>
             </a:r>
             <a:endParaRPr/>
           </a:p>
           <a:p>
-            <a:pPr lvl="1"/>
+            <a:pPr lvl="1">
+              <a:buSzPct val="75000"/>
+              <a:buFont typeface="StarSymbol"/>
+              <a:buChar char=""/>
+            </a:pPr>
             <a:r>
               <a:rPr lang="en-GB" sz="2800">
-                <a:latin typeface="Calibri"/>
+                <a:latin typeface="Arial"/>
               </a:rPr>
               <a:t>Second Outline Level</a:t>
             </a:r>
@@ -4737,163 +4101,72 @@
           </a:p>
           <a:p>
             <a:pPr lvl="2">
-              <a:buFont typeface="Times New Roman"/>
-              <a:buChar char="•"/>
-            </a:pPr>
-            <a:r>
-              <a:rPr lang="en-GB" sz="2400">
-                <a:latin typeface="Calibri"/>
-              </a:rPr>
-              <a:t>Third Outline Level</a:t>
-            </a:r>
-            <a:endParaRPr/>
-          </a:p>
-          <a:p>
-            <a:pPr lvl="3">
-              <a:buFont typeface="Times New Roman"/>
-              <a:buChar char="–"/>
-            </a:pPr>
-            <a:r>
-              <a:rPr lang="en-GB" sz="2000">
-                <a:latin typeface="Calibri"/>
-              </a:rPr>
-              <a:t>Fourth Outline Level</a:t>
-            </a:r>
-            <a:endParaRPr/>
-          </a:p>
-          <a:p>
-            <a:pPr lvl="4">
-              <a:buFont typeface="Times New Roman"/>
-              <a:buChar char="»"/>
-            </a:pPr>
-            <a:r>
-              <a:rPr lang="en-GB" sz="2000">
-                <a:latin typeface="Calibri"/>
-              </a:rPr>
-              <a:t>Fifth Outline Level</a:t>
-            </a:r>
-            <a:endParaRPr/>
-          </a:p>
-          <a:p>
-            <a:pPr lvl="5">
-              <a:buFont typeface="Times New Roman"/>
-              <a:buChar char="»"/>
-            </a:pPr>
-            <a:r>
-              <a:rPr lang="en-GB" sz="2000">
-                <a:latin typeface="Calibri"/>
-              </a:rPr>
-              <a:t>Sixth Outline Level</a:t>
-            </a:r>
-            <a:endParaRPr/>
-          </a:p>
-          <a:p>
-            <a:pPr lvl="6">
-              <a:buFont typeface="Times New Roman"/>
-              <a:buChar char="»"/>
-            </a:pPr>
-            <a:r>
-              <a:rPr lang="en-GB" sz="2000">
-                <a:latin typeface="Calibri"/>
-              </a:rPr>
-              <a:t>Seventh Outline Level</a:t>
-            </a:r>
-            <a:endParaRPr/>
-          </a:p>
-        </p:txBody>
-      </p:sp>
-      <p:sp>
-        <p:nvSpPr>
-          <p:cNvPr id="84" name="PlaceHolder 3"/>
-          <p:cNvSpPr>
-            <a:spLocks noGrp="1"/>
-          </p:cNvSpPr>
-          <p:nvPr>
-            <p:ph type="dt"/>
-          </p:nvPr>
-        </p:nvSpPr>
-        <p:spPr>
-          <a:xfrm>
-            <a:off x="457200" y="6247440"/>
-            <a:ext cx="2130120" cy="472680"/>
-          </a:xfrm>
-          <a:prstGeom prst="rect">
-            <a:avLst/>
-          </a:prstGeom>
-        </p:spPr>
-        <p:txBody>
-          <a:bodyPr lIns="90000" rIns="90000" tIns="46800" bIns="46800" anchor="ctr"/>
-          <a:p>
+              <a:buSzPct val="45000"/>
+              <a:buFont typeface="StarSymbol"/>
+              <a:buChar char=""/>
+            </a:pPr>
             <a:r>
               <a:rPr lang="en-GB" sz="2400">
                 <a:latin typeface="Arial"/>
               </a:rPr>
-              <a:t>&lt;date/time&gt;</a:t>
+              <a:t>Third Outline Level</a:t>
             </a:r>
             <a:endParaRPr/>
           </a:p>
-        </p:txBody>
-      </p:sp>
-      <p:sp>
-        <p:nvSpPr>
-          <p:cNvPr id="85" name="PlaceHolder 4"/>
-          <p:cNvSpPr>
-            <a:spLocks noGrp="1"/>
-          </p:cNvSpPr>
-          <p:nvPr>
-            <p:ph type="ftr"/>
-          </p:nvPr>
-        </p:nvSpPr>
-        <p:spPr>
-          <a:xfrm>
-            <a:off x="3126960" y="6247440"/>
-            <a:ext cx="2898000" cy="472680"/>
-          </a:xfrm>
-          <a:prstGeom prst="rect">
-            <a:avLst/>
-          </a:prstGeom>
-        </p:spPr>
-        <p:txBody>
-          <a:bodyPr lIns="90000" rIns="90000" tIns="46800" bIns="46800" anchor="ctr"/>
-          <a:p>
+          <a:p>
+            <a:pPr lvl="3">
+              <a:buSzPct val="75000"/>
+              <a:buFont typeface="StarSymbol"/>
+              <a:buChar char=""/>
+            </a:pPr>
             <a:r>
-              <a:rPr lang="en-GB" sz="2400">
+              <a:rPr lang="en-GB" sz="2000">
                 <a:latin typeface="Arial"/>
               </a:rPr>
-              <a:t>&lt;footer&gt;</a:t>
+              <a:t>Fourth Outline Level</a:t>
             </a:r>
             <a:endParaRPr/>
           </a:p>
-        </p:txBody>
-      </p:sp>
-      <p:sp>
-        <p:nvSpPr>
-          <p:cNvPr id="86" name="PlaceHolder 5"/>
-          <p:cNvSpPr>
-            <a:spLocks noGrp="1"/>
-          </p:cNvSpPr>
-          <p:nvPr>
-            <p:ph type="sldNum"/>
-          </p:nvPr>
-        </p:nvSpPr>
-        <p:spPr>
-          <a:xfrm>
-            <a:off x="6555960" y="6247440"/>
-            <a:ext cx="2130120" cy="472680"/>
-          </a:xfrm>
-          <a:prstGeom prst="rect">
-            <a:avLst/>
-          </a:prstGeom>
-        </p:spPr>
-        <p:txBody>
-          <a:bodyPr lIns="90000" rIns="90000" tIns="46800" bIns="46800" anchor="ctr"/>
-          <a:p>
-            <a:fld id="{D4D98736-7EB3-4065-99DC-0D9D2D5F7901}" type="slidenum">
-              <a:rPr lang="en-GB" sz="2400">
+          <a:p>
+            <a:pPr lvl="4">
+              <a:buSzPct val="45000"/>
+              <a:buFont typeface="StarSymbol"/>
+              <a:buChar char=""/>
+            </a:pPr>
+            <a:r>
+              <a:rPr lang="en-GB" sz="2000">
                 <a:latin typeface="Arial"/>
               </a:rPr>
-              <a:t>&lt;number&gt;</a:t>
-            </a:fld>
+              <a:t>Fifth Outline Level</a:t>
+            </a:r>
+            <a:endParaRPr/>
+          </a:p>
+          <a:p>
+            <a:pPr lvl="5">
+              <a:buSzPct val="45000"/>
+              <a:buFont typeface="StarSymbol"/>
+              <a:buChar char=""/>
+            </a:pPr>
+            <a:r>
+              <a:rPr lang="en-GB" sz="2000">
+                <a:latin typeface="Arial"/>
+              </a:rPr>
+              <a:t>Sixth Outline Level</a:t>
+            </a:r>
+            <a:endParaRPr/>
+          </a:p>
+          <a:p>
+            <a:pPr lvl="6">
+              <a:buSzPct val="45000"/>
+              <a:buFont typeface="StarSymbol"/>
+              <a:buChar char=""/>
+            </a:pPr>
+            <a:r>
+              <a:rPr lang="en-GB" sz="2000">
+                <a:latin typeface="Arial"/>
+              </a:rPr>
+              <a:t>Seventh Outline Level</a:t>
+            </a:r>
             <a:endParaRPr/>
           </a:p>
         </p:txBody>
@@ -4902,18 +4175,18 @@
   </p:cSld>
   <p:clrMap bg1="lt1" bg2="lt2" tx1="dk1" tx2="dk2" accent1="accent1" accent2="accent2" accent3="accent3" accent4="accent4" accent5="accent5" accent6="accent6" hlink="hlink" folHlink="folHlink"/>
   <p:sldLayoutIdLst>
-    <p:sldLayoutId id="2147483675" r:id="rId2"/>
-    <p:sldLayoutId id="2147483676" r:id="rId3"/>
-    <p:sldLayoutId id="2147483677" r:id="rId4"/>
-    <p:sldLayoutId id="2147483678" r:id="rId5"/>
-    <p:sldLayoutId id="2147483679" r:id="rId6"/>
-    <p:sldLayoutId id="2147483680" r:id="rId7"/>
-    <p:sldLayoutId id="2147483681" r:id="rId8"/>
-    <p:sldLayoutId id="2147483682" r:id="rId9"/>
-    <p:sldLayoutId id="2147483683" r:id="rId10"/>
-    <p:sldLayoutId id="2147483684" r:id="rId11"/>
-    <p:sldLayoutId id="2147483685" r:id="rId12"/>
-    <p:sldLayoutId id="2147483686" r:id="rId13"/>
+    <p:sldLayoutId id="2147483675" r:id="rId4"/>
+    <p:sldLayoutId id="2147483676" r:id="rId5"/>
+    <p:sldLayoutId id="2147483677" r:id="rId6"/>
+    <p:sldLayoutId id="2147483678" r:id="rId7"/>
+    <p:sldLayoutId id="2147483679" r:id="rId8"/>
+    <p:sldLayoutId id="2147483680" r:id="rId9"/>
+    <p:sldLayoutId id="2147483681" r:id="rId10"/>
+    <p:sldLayoutId id="2147483682" r:id="rId11"/>
+    <p:sldLayoutId id="2147483683" r:id="rId12"/>
+    <p:sldLayoutId id="2147483684" r:id="rId13"/>
+    <p:sldLayoutId id="2147483685" r:id="rId14"/>
+    <p:sldLayoutId id="2147483686" r:id="rId15"/>
   </p:sldLayoutIdLst>
 </p:sldMaster>
 </file>
@@ -4937,14 +4210,14 @@
       </p:grpSpPr>
       <p:sp>
         <p:nvSpPr>
-          <p:cNvPr id="126" name="CustomShape 1"/>
+          <p:cNvPr id="112" name="CustomShape 1"/>
           <p:cNvSpPr/>
           <p:nvPr/>
         </p:nvSpPr>
         <p:spPr>
           <a:xfrm>
             <a:off x="406440" y="1625760"/>
-            <a:ext cx="7729560" cy="1003320"/>
+            <a:ext cx="7729200" cy="1002960"/>
           </a:xfrm>
           <a:prstGeom prst="rect">
             <a:avLst/>
@@ -4969,7 +4242,7 @@
                 </a:solidFill>
                 <a:latin typeface="Arial"/>
               </a:rPr>
-              <a:t>Towards the Invariant Object Recognition Using Spiking Neurons</a:t>
+              <a:t>Towards the Robust Object Recognition Using Spiking Neurons</a:t>
             </a:r>
             <a:endParaRPr/>
           </a:p>
@@ -4977,14 +4250,14 @@
       </p:sp>
       <p:sp>
         <p:nvSpPr>
-          <p:cNvPr id="127" name="CustomShape 2"/>
+          <p:cNvPr id="113" name="CustomShape 2"/>
           <p:cNvSpPr/>
           <p:nvPr/>
         </p:nvSpPr>
         <p:spPr>
           <a:xfrm>
             <a:off x="406440" y="4295880"/>
-            <a:ext cx="6821280" cy="1771920"/>
+            <a:ext cx="6820920" cy="1771560"/>
           </a:xfrm>
           <a:prstGeom prst="rect">
             <a:avLst/>
@@ -5068,7 +4341,7 @@
       </p:sp>
       <p:sp>
         <p:nvSpPr>
-          <p:cNvPr id="128" name="Line 3"/>
+          <p:cNvPr id="114" name="Line 3"/>
           <p:cNvSpPr/>
           <p:nvPr/>
         </p:nvSpPr>
@@ -5085,7 +4358,7 @@
               <a:srgbClr val="660066"/>
             </a:solidFill>
             <a:custDash>
-              <a:ds d="71000" sp="213000"/>
+              <a:ds d="5041000000" sp="15123000000"/>
             </a:custDash>
             <a:round/>
           </a:ln>
@@ -5093,7 +4366,7 @@
       </p:sp>
       <p:pic>
         <p:nvPicPr>
-          <p:cNvPr id="129" name="Picture 2" descr=""/>
+          <p:cNvPr id="115" name="Picture 2" descr=""/>
           <p:cNvPicPr/>
           <p:nvPr/>
         </p:nvPicPr>
@@ -5106,7 +4379,7 @@
         <p:spPr>
           <a:xfrm>
             <a:off x="523800" y="509760"/>
-            <a:ext cx="1663200" cy="711000"/>
+            <a:ext cx="1662840" cy="710640"/>
           </a:xfrm>
           <a:prstGeom prst="rect">
             <a:avLst/>
@@ -5148,16 +4421,9 @@
 </p:sld>
 </file>
 
-<file path=ppt/slides/slide2.xml><?xml version="1.0" encoding="utf-8"?>
+<file path=ppt/slides/slide10.xml><?xml version="1.0" encoding="utf-8"?>
 <p:sld xmlns:a="http://schemas.openxmlformats.org/drawingml/2006/main" xmlns:p="http://schemas.openxmlformats.org/presentationml/2006/main" xmlns:r="http://schemas.openxmlformats.org/officeDocument/2006/relationships">
   <p:cSld>
-    <p:bg>
-      <p:bgPr>
-        <a:solidFill>
-          <a:srgbClr val="ffffff"/>
-        </a:solidFill>
-      </p:bgPr>
-    </p:bg>
     <p:spTree>
       <p:nvGrpSpPr>
         <p:cNvPr id="1" name=""/>
@@ -5174,14 +4440,14 @@
       </p:grpSpPr>
       <p:sp>
         <p:nvSpPr>
-          <p:cNvPr id="130" name="CustomShape 1"/>
+          <p:cNvPr id="132" name="CustomShape 1"/>
           <p:cNvSpPr/>
           <p:nvPr/>
         </p:nvSpPr>
         <p:spPr>
           <a:xfrm>
-            <a:off x="2303640" y="576360"/>
-            <a:ext cx="7254720" cy="459720"/>
+            <a:off x="405720" y="1268640"/>
+            <a:ext cx="5842440" cy="1142280"/>
           </a:xfrm>
           <a:prstGeom prst="rect">
             <a:avLst/>
@@ -5192,17 +4458,21 @@
           </a:ln>
         </p:spPr>
         <p:txBody>
-          <a:bodyPr lIns="90000" rIns="90000" tIns="46800" bIns="46800"/>
-          <a:p>
-            <a:pPr/>
+          <a:bodyPr lIns="90000" rIns="90000" tIns="45000" bIns="45000" anchor="ctr"/>
+          <a:p>
+            <a:pPr>
+              <a:lnSpc>
+                <a:spcPct val="100000"/>
+              </a:lnSpc>
+            </a:pPr>
             <a:r>
-              <a:rPr b="1" lang="en-GB" sz="2400">
+              <a:rPr b="1" lang="en-GB" sz="3200">
                 <a:solidFill>
-                  <a:srgbClr val="1c1c1c"/>
+                  <a:srgbClr val="000000"/>
                 </a:solidFill>
                 <a:latin typeface="Arial"/>
               </a:rPr>
-              <a:t>Goals and Motivation</a:t>
+              <a:t>Future Work</a:t>
             </a:r>
             <a:endParaRPr/>
           </a:p>
@@ -5210,14 +4480,14 @@
       </p:sp>
       <p:sp>
         <p:nvSpPr>
-          <p:cNvPr id="131" name="CustomShape 2"/>
+          <p:cNvPr id="133" name="CustomShape 2"/>
           <p:cNvSpPr/>
           <p:nvPr/>
         </p:nvSpPr>
         <p:spPr>
           <a:xfrm>
-            <a:off x="503280" y="1488960"/>
-            <a:ext cx="4932360" cy="1446840"/>
+            <a:off x="395640" y="2493000"/>
+            <a:ext cx="8228880" cy="3632400"/>
           </a:xfrm>
           <a:prstGeom prst="rect">
             <a:avLst/>
@@ -5228,181 +4498,133 @@
           </a:ln>
         </p:spPr>
         <p:txBody>
-          <a:bodyPr lIns="90000" rIns="90000" tIns="46800" bIns="46800"/>
+          <a:bodyPr lIns="90000" rIns="90000" tIns="45000" bIns="45000"/>
           <a:p>
             <a:pPr>
               <a:lnSpc>
-                <a:spcPct val="120000"/>
+                <a:spcPct val="100000"/>
               </a:lnSpc>
+              <a:buFont typeface="Arial"/>
+              <a:buChar char="•"/>
             </a:pPr>
             <a:r>
-              <a:rPr lang="en-GB" sz="2400">
+              <a:rPr lang="en-GB" sz="2800">
                 <a:solidFill>
-                  <a:srgbClr val="1c1c1c"/>
+                  <a:srgbClr val="000000"/>
                 </a:solidFill>
                 <a:latin typeface="Arial"/>
-                <a:ea typeface="Arial"/>
               </a:rPr>
-              <a:t>What is the goal?</a:t>
+              <a:t>Gantt chart</a:t>
             </a:r>
             <a:endParaRPr/>
           </a:p>
           <a:p>
             <a:pPr>
               <a:lnSpc>
-                <a:spcPct val="120000"/>
+                <a:spcPct val="100000"/>
               </a:lnSpc>
+              <a:buFont typeface="Arial"/>
+              <a:buChar char="•"/>
             </a:pPr>
             <a:r>
-              <a:rPr lang="en-GB">
+              <a:rPr lang="en-GB" sz="2800">
                 <a:solidFill>
-                  <a:srgbClr val="1c1c1c"/>
+                  <a:srgbClr val="000000"/>
                 </a:solidFill>
                 <a:latin typeface="Arial"/>
-                <a:ea typeface="Arial"/>
               </a:rPr>
-              <a:t>to build an </a:t>
+              <a:t>Thesis Outline</a:t>
             </a:r>
+            <a:endParaRPr/>
+          </a:p>
+          <a:p>
+            <a:pPr>
+              <a:lnSpc>
+                <a:spcPct val="100000"/>
+              </a:lnSpc>
+              <a:buFont typeface="Arial"/>
+              <a:buChar char="•"/>
+            </a:pPr>
             <a:r>
-              <a:rPr lang="en-GB">
+              <a:rPr lang="en-GB" sz="2800">
                 <a:solidFill>
-                  <a:srgbClr val="ff0000"/>
+                  <a:srgbClr val="000000"/>
                 </a:solidFill>
                 <a:latin typeface="Arial"/>
-                <a:ea typeface="Arial"/>
               </a:rPr>
-              <a:t>object recognition</a:t>
-            </a:r>
-            <a:r>
-              <a:rPr lang="en-GB">
-                <a:solidFill>
-                  <a:srgbClr val="1c1c1c"/>
-                </a:solidFill>
-                <a:latin typeface="Arial"/>
-                <a:ea typeface="Arial"/>
-              </a:rPr>
-              <a:t> system </a:t>
+              <a:t>More work as alternatives</a:t>
             </a:r>
             <a:endParaRPr/>
           </a:p>
           <a:p>
             <a:pPr>
               <a:lnSpc>
-                <a:spcPct val="120000"/>
+                <a:spcPct val="100000"/>
               </a:lnSpc>
             </a:pPr>
-            <a:r>
-              <a:rPr lang="en-GB">
-                <a:solidFill>
-                  <a:srgbClr val="1c1c1c"/>
-                </a:solidFill>
-                <a:latin typeface="Arial"/>
-                <a:ea typeface="Arial"/>
-              </a:rPr>
-              <a:t>with position, scale and view </a:t>
-            </a:r>
-            <a:r>
-              <a:rPr lang="en-GB">
-                <a:solidFill>
-                  <a:srgbClr val="ff0000"/>
-                </a:solidFill>
-                <a:latin typeface="Arial"/>
-                <a:ea typeface="Arial"/>
-              </a:rPr>
-              <a:t>invariance </a:t>
-            </a:r>
-            <a:endParaRPr/>
-          </a:p>
-          <a:p>
-            <a:pPr>
-              <a:lnSpc>
-                <a:spcPct val="120000"/>
-              </a:lnSpc>
-            </a:pPr>
-            <a:r>
-              <a:rPr lang="en-GB">
-                <a:solidFill>
-                  <a:srgbClr val="1c1c1c"/>
-                </a:solidFill>
-                <a:latin typeface="Arial"/>
-                <a:ea typeface="Arial"/>
-              </a:rPr>
-              <a:t>by </a:t>
-            </a:r>
-            <a:r>
-              <a:rPr lang="en-GB">
-                <a:solidFill>
-                  <a:srgbClr val="ff0000"/>
-                </a:solidFill>
-                <a:latin typeface="Arial"/>
-                <a:ea typeface="Arial"/>
-              </a:rPr>
-              <a:t>modelling the brain</a:t>
-            </a:r>
-            <a:endParaRPr/>
-          </a:p>
-        </p:txBody>
-      </p:sp>
-      <p:pic>
-        <p:nvPicPr>
-          <p:cNvPr id="132" name="Picture 3" descr=""/>
-          <p:cNvPicPr/>
-          <p:nvPr/>
-        </p:nvPicPr>
-        <p:blipFill>
-          <a:blip r:embed="rId1"/>
-          <a:stretch>
-            <a:fillRect/>
-          </a:stretch>
-        </p:blipFill>
-        <p:spPr>
-          <a:xfrm>
-            <a:off x="523800" y="509760"/>
-            <a:ext cx="1663920" cy="711000"/>
-          </a:xfrm>
-          <a:prstGeom prst="rect">
-            <a:avLst/>
-          </a:prstGeom>
-          <a:ln>
-            <a:noFill/>
-          </a:ln>
-        </p:spPr>
-      </p:pic>
-      <p:pic>
-        <p:nvPicPr>
-          <p:cNvPr id="133" name="Picture 5" descr="E:\LQ\git\first_year_presentation\cifar-10.png"/>
-          <p:cNvPicPr/>
-          <p:nvPr/>
-        </p:nvPicPr>
-        <p:blipFill>
-          <a:blip r:embed="rId2"/>
-          <a:stretch>
-            <a:fillRect/>
-          </a:stretch>
-        </p:blipFill>
-        <p:spPr>
-          <a:xfrm>
-            <a:off x="5580000" y="1220760"/>
-            <a:ext cx="2551320" cy="2573280"/>
-          </a:xfrm>
-          <a:prstGeom prst="rect">
-            <a:avLst/>
-          </a:prstGeom>
-          <a:ln>
-            <a:noFill/>
-          </a:ln>
-        </p:spPr>
-      </p:pic>
-      <p:sp>
-        <p:nvSpPr>
-          <p:cNvPr id="134" name="CustomShape 3"/>
+            <a:endParaRPr/>
+          </a:p>
+        </p:txBody>
+      </p:sp>
+    </p:spTree>
+  </p:cSld>
+  <p:timing>
+    <p:tnLst>
+      <p:par>
+        <p:cTn id="19" dur="indefinite" restart="never" nodeType="tmRoot">
+          <p:childTnLst>
+            <p:seq>
+              <p:cTn id="20" nodeType="mainSeq"/>
+              <p:prevCondLst>
+                <p:cond delay="0" evt="onPrev">
+                  <p:tgtEl>
+                    <p:sldTgt/>
+                  </p:tgtEl>
+                </p:cond>
+              </p:prevCondLst>
+              <p:nextCondLst>
+                <p:cond delay="0" evt="onNext">
+                  <p:tgtEl>
+                    <p:sldTgt/>
+                  </p:tgtEl>
+                </p:cond>
+              </p:nextCondLst>
+            </p:seq>
+          </p:childTnLst>
+        </p:cTn>
+      </p:par>
+    </p:tnLst>
+  </p:timing>
+</p:sld>
+</file>
+
+<file path=ppt/slides/slide11.xml><?xml version="1.0" encoding="utf-8"?>
+<p:sld xmlns:a="http://schemas.openxmlformats.org/drawingml/2006/main" xmlns:p="http://schemas.openxmlformats.org/presentationml/2006/main" xmlns:r="http://schemas.openxmlformats.org/officeDocument/2006/relationships">
+  <p:cSld>
+    <p:spTree>
+      <p:nvGrpSpPr>
+        <p:cNvPr id="1" name=""/>
+        <p:cNvGrpSpPr/>
+        <p:nvPr/>
+      </p:nvGrpSpPr>
+      <p:grpSpPr>
+        <a:xfrm>
+          <a:off x="0" y="0"/>
+          <a:ext cx="0" cy="0"/>
+          <a:chOff x="0" y="0"/>
+          <a:chExt cx="0" cy="0"/>
+        </a:xfrm>
+      </p:grpSpPr>
+      <p:sp>
+        <p:nvSpPr>
+          <p:cNvPr id="134" name="CustomShape 1"/>
           <p:cNvSpPr/>
           <p:nvPr/>
         </p:nvSpPr>
         <p:spPr>
           <a:xfrm>
-            <a:off x="503280" y="3794040"/>
-            <a:ext cx="4572000" cy="1117800"/>
+            <a:off x="2376000" y="2817720"/>
+            <a:ext cx="3672000" cy="1142280"/>
           </a:xfrm>
           <a:prstGeom prst="rect">
             <a:avLst/>
@@ -5413,88 +4635,236 @@
           </a:ln>
         </p:spPr>
         <p:txBody>
-          <a:bodyPr lIns="90000" rIns="90000" tIns="46800" bIns="46800"/>
+          <a:bodyPr lIns="90000" rIns="90000" tIns="45000" bIns="45000" anchor="ctr"/>
           <a:p>
             <a:pPr>
               <a:lnSpc>
-                <a:spcPct val="120000"/>
+                <a:spcPct val="100000"/>
               </a:lnSpc>
             </a:pPr>
             <a:r>
-              <a:rPr lang="en-GB" sz="2400">
+              <a:rPr b="1" lang="en-GB" sz="3200">
                 <a:solidFill>
-                  <a:srgbClr val="1c1c1c"/>
+                  <a:srgbClr val="000000"/>
                 </a:solidFill>
                 <a:latin typeface="Arial"/>
-                <a:ea typeface="Arial"/>
               </a:rPr>
-              <a:t>Why spiking neurons?</a:t>
+              <a:t>Questions?</a:t>
             </a:r>
             <a:endParaRPr/>
           </a:p>
-          <a:p>
-            <a:pPr>
-              <a:lnSpc>
-                <a:spcPct val="120000"/>
-              </a:lnSpc>
-            </a:pPr>
-            <a:r>
-              <a:rPr lang="en-GB">
-                <a:solidFill>
-                  <a:srgbClr val="1c1c1c"/>
-                </a:solidFill>
-                <a:latin typeface="Arial"/>
-                <a:ea typeface="Arial"/>
-              </a:rPr>
-              <a:t>- biological</a:t>
-            </a:r>
-            <a:endParaRPr/>
-          </a:p>
-          <a:p>
-            <a:pPr>
-              <a:lnSpc>
-                <a:spcPct val="120000"/>
-              </a:lnSpc>
-            </a:pPr>
-            <a:r>
-              <a:rPr lang="en-GB">
-                <a:solidFill>
-                  <a:srgbClr val="1c1c1c"/>
-                </a:solidFill>
-                <a:latin typeface="Arial"/>
-                <a:ea typeface="Arial"/>
-              </a:rPr>
-              <a:t>- energy efficient</a:t>
-            </a:r>
-            <a:endParaRPr/>
-          </a:p>
-        </p:txBody>
-      </p:sp>
-      <p:pic>
-        <p:nvPicPr>
-          <p:cNvPr id="135" name="Picture 6" descr="E:\LQ\git\first_year_presentation\BrainHealth_lecture_series(head-no-background).png"/>
-          <p:cNvPicPr/>
+        </p:txBody>
+      </p:sp>
+      <p:sp>
+        <p:nvSpPr>
+          <p:cNvPr id="135" name="CustomShape 2"/>
+          <p:cNvSpPr/>
           <p:nvPr/>
-        </p:nvPicPr>
-        <p:blipFill>
-          <a:blip r:embed="rId3"/>
-          <a:stretch>
-            <a:fillRect/>
-          </a:stretch>
-        </p:blipFill>
-        <p:spPr>
-          <a:xfrm>
-            <a:off x="6218280" y="4005360"/>
-            <a:ext cx="1913040" cy="2205000"/>
-          </a:xfrm>
-          <a:prstGeom prst="rect">
-            <a:avLst/>
-          </a:prstGeom>
+        </p:nvSpPr>
+        <p:spPr>
+          <a:xfrm>
+            <a:off x="395640" y="2493000"/>
+            <a:ext cx="8228880" cy="3632400"/>
+          </a:xfrm>
+          <a:prstGeom prst="rect">
+            <a:avLst/>
+          </a:prstGeom>
+          <a:noFill/>
           <a:ln>
             <a:noFill/>
           </a:ln>
         </p:spPr>
-      </p:pic>
+        <p:txBody>
+          <a:bodyPr lIns="90000" rIns="90000" tIns="45000" bIns="45000"/>
+          <a:p>
+            <a:pPr>
+              <a:lnSpc>
+                <a:spcPct val="100000"/>
+              </a:lnSpc>
+              <a:buFont typeface="Arial"/>
+              <a:buChar char="•"/>
+            </a:pPr>
+            <a:endParaRPr/>
+          </a:p>
+          <a:p>
+            <a:pPr>
+              <a:lnSpc>
+                <a:spcPct val="100000"/>
+              </a:lnSpc>
+            </a:pPr>
+            <a:endParaRPr/>
+          </a:p>
+        </p:txBody>
+      </p:sp>
+    </p:spTree>
+  </p:cSld>
+  <p:timing>
+    <p:tnLst>
+      <p:par>
+        <p:cTn id="21" dur="indefinite" restart="never" nodeType="tmRoot">
+          <p:childTnLst>
+            <p:seq>
+              <p:cTn id="22" nodeType="mainSeq"/>
+              <p:prevCondLst>
+                <p:cond delay="0" evt="onPrev">
+                  <p:tgtEl>
+                    <p:sldTgt/>
+                  </p:tgtEl>
+                </p:cond>
+              </p:prevCondLst>
+              <p:nextCondLst>
+                <p:cond delay="0" evt="onNext">
+                  <p:tgtEl>
+                    <p:sldTgt/>
+                  </p:tgtEl>
+                </p:cond>
+              </p:nextCondLst>
+            </p:seq>
+          </p:childTnLst>
+        </p:cTn>
+      </p:par>
+    </p:tnLst>
+  </p:timing>
+</p:sld>
+</file>
+
+<file path=ppt/slides/slide2.xml><?xml version="1.0" encoding="utf-8"?>
+<p:sld xmlns:a="http://schemas.openxmlformats.org/drawingml/2006/main" xmlns:p="http://schemas.openxmlformats.org/presentationml/2006/main" xmlns:r="http://schemas.openxmlformats.org/officeDocument/2006/relationships">
+  <p:cSld>
+    <p:spTree>
+      <p:nvGrpSpPr>
+        <p:cNvPr id="1" name=""/>
+        <p:cNvGrpSpPr/>
+        <p:nvPr/>
+      </p:nvGrpSpPr>
+      <p:grpSpPr>
+        <a:xfrm>
+          <a:off x="0" y="0"/>
+          <a:ext cx="0" cy="0"/>
+          <a:chOff x="0" y="0"/>
+          <a:chExt cx="0" cy="0"/>
+        </a:xfrm>
+      </p:grpSpPr>
+      <p:sp>
+        <p:nvSpPr>
+          <p:cNvPr id="116" name="CustomShape 1"/>
+          <p:cNvSpPr/>
+          <p:nvPr/>
+        </p:nvSpPr>
+        <p:spPr>
+          <a:xfrm>
+            <a:off x="405720" y="1268640"/>
+            <a:ext cx="5842440" cy="1142280"/>
+          </a:xfrm>
+          <a:prstGeom prst="rect">
+            <a:avLst/>
+          </a:prstGeom>
+          <a:noFill/>
+          <a:ln>
+            <a:noFill/>
+          </a:ln>
+        </p:spPr>
+        <p:txBody>
+          <a:bodyPr lIns="90000" rIns="90000" tIns="45000" bIns="45000" anchor="ctr"/>
+          <a:p>
+            <a:pPr>
+              <a:lnSpc>
+                <a:spcPct val="100000"/>
+              </a:lnSpc>
+            </a:pPr>
+            <a:r>
+              <a:rPr b="1" lang="en-GB" sz="3200">
+                <a:solidFill>
+                  <a:srgbClr val="000000"/>
+                </a:solidFill>
+                <a:latin typeface="Arial"/>
+              </a:rPr>
+              <a:t>Motivation and Importance</a:t>
+            </a:r>
+            <a:endParaRPr/>
+          </a:p>
+        </p:txBody>
+      </p:sp>
+      <p:sp>
+        <p:nvSpPr>
+          <p:cNvPr id="117" name="CustomShape 2"/>
+          <p:cNvSpPr/>
+          <p:nvPr/>
+        </p:nvSpPr>
+        <p:spPr>
+          <a:xfrm>
+            <a:off x="395640" y="2493000"/>
+            <a:ext cx="8228880" cy="3632400"/>
+          </a:xfrm>
+          <a:prstGeom prst="rect">
+            <a:avLst/>
+          </a:prstGeom>
+          <a:noFill/>
+          <a:ln>
+            <a:noFill/>
+          </a:ln>
+        </p:spPr>
+        <p:txBody>
+          <a:bodyPr lIns="90000" rIns="90000" tIns="45000" bIns="45000"/>
+          <a:p>
+            <a:pPr>
+              <a:lnSpc>
+                <a:spcPct val="100000"/>
+              </a:lnSpc>
+              <a:buFont typeface="Arial"/>
+              <a:buChar char="•"/>
+            </a:pPr>
+            <a:r>
+              <a:rPr lang="en-GB" sz="2800">
+                <a:solidFill>
+                  <a:srgbClr val="000000"/>
+                </a:solidFill>
+                <a:latin typeface="Arial"/>
+              </a:rPr>
+              <a:t>Be uniform in size</a:t>
+            </a:r>
+            <a:endParaRPr/>
+          </a:p>
+          <a:p>
+            <a:pPr>
+              <a:lnSpc>
+                <a:spcPct val="100000"/>
+              </a:lnSpc>
+              <a:buFont typeface="Arial"/>
+              <a:buChar char="•"/>
+            </a:pPr>
+            <a:r>
+              <a:rPr lang="en-GB" sz="2800">
+                <a:solidFill>
+                  <a:srgbClr val="000000"/>
+                </a:solidFill>
+                <a:latin typeface="Arial"/>
+              </a:rPr>
+              <a:t>Compliment the content</a:t>
+            </a:r>
+            <a:endParaRPr/>
+          </a:p>
+          <a:p>
+            <a:pPr>
+              <a:lnSpc>
+                <a:spcPct val="100000"/>
+              </a:lnSpc>
+              <a:buFont typeface="Arial"/>
+              <a:buChar char="•"/>
+            </a:pPr>
+            <a:r>
+              <a:rPr lang="en-GB" sz="2800">
+                <a:solidFill>
+                  <a:srgbClr val="000000"/>
+                </a:solidFill>
+                <a:latin typeface="Arial"/>
+              </a:rPr>
+              <a:t>Not impact on the copy area</a:t>
+            </a:r>
+            <a:endParaRPr/>
+          </a:p>
+        </p:txBody>
+      </p:sp>
     </p:spTree>
   </p:cSld>
   <p:timing>
@@ -5503,7 +4873,7 @@
         <p:cTn id="3" dur="indefinite" restart="never" nodeType="tmRoot">
           <p:childTnLst>
             <p:seq>
-              <p:cTn id="4" dur="indefinite" nodeType="mainSeq"/>
+              <p:cTn id="4" nodeType="mainSeq"/>
               <p:prevCondLst>
                 <p:cond delay="0" evt="onPrev">
                   <p:tgtEl>
@@ -5546,21 +4916,25 @@
       </p:grpSpPr>
       <p:sp>
         <p:nvSpPr>
-          <p:cNvPr id="136" name="TextShape 1"/>
-          <p:cNvSpPr txBox="1"/>
+          <p:cNvPr id="118" name="CustomShape 1"/>
+          <p:cNvSpPr/>
           <p:nvPr/>
         </p:nvSpPr>
         <p:spPr>
           <a:xfrm>
             <a:off x="405720" y="1268640"/>
-            <a:ext cx="5842800" cy="1142640"/>
-          </a:xfrm>
-          <a:prstGeom prst="rect">
-            <a:avLst/>
-          </a:prstGeom>
-        </p:spPr>
-        <p:txBody>
-          <a:bodyPr anchor="ctr"/>
+            <a:ext cx="5842440" cy="1142280"/>
+          </a:xfrm>
+          <a:prstGeom prst="rect">
+            <a:avLst/>
+          </a:prstGeom>
+          <a:noFill/>
+          <a:ln>
+            <a:noFill/>
+          </a:ln>
+        </p:spPr>
+        <p:txBody>
+          <a:bodyPr lIns="90000" rIns="90000" tIns="45000" bIns="45000" anchor="ctr"/>
           <a:p>
             <a:pPr>
               <a:lnSpc>
@@ -5568,13 +4942,13 @@
               </a:lnSpc>
             </a:pPr>
             <a:r>
-              <a:rPr b="1" lang="en-US" sz="3200">
+              <a:rPr b="1" lang="en-GB" sz="3200">
                 <a:solidFill>
                   <a:srgbClr val="000000"/>
                 </a:solidFill>
                 <a:latin typeface="Arial"/>
               </a:rPr>
-              <a:t>Or images should</a:t>
+              <a:t>State-of-the-art</a:t>
             </a:r>
             <a:endParaRPr/>
           </a:p>
@@ -5582,21 +4956,25 @@
       </p:sp>
       <p:sp>
         <p:nvSpPr>
-          <p:cNvPr id="137" name="TextShape 2"/>
-          <p:cNvSpPr txBox="1"/>
+          <p:cNvPr id="119" name="CustomShape 2"/>
+          <p:cNvSpPr/>
           <p:nvPr/>
         </p:nvSpPr>
         <p:spPr>
           <a:xfrm>
             <a:off x="395640" y="2493000"/>
-            <a:ext cx="8229240" cy="3632760"/>
-          </a:xfrm>
-          <a:prstGeom prst="rect">
-            <a:avLst/>
-          </a:prstGeom>
-        </p:spPr>
-        <p:txBody>
-          <a:bodyPr/>
+            <a:ext cx="8228880" cy="3632400"/>
+          </a:xfrm>
+          <a:prstGeom prst="rect">
+            <a:avLst/>
+          </a:prstGeom>
+          <a:noFill/>
+          <a:ln>
+            <a:noFill/>
+          </a:ln>
+        </p:spPr>
+        <p:txBody>
+          <a:bodyPr lIns="90000" rIns="90000" tIns="45000" bIns="45000"/>
           <a:p>
             <a:pPr>
               <a:lnSpc>
@@ -5606,13 +4984,13 @@
               <a:buChar char="•"/>
             </a:pPr>
             <a:r>
-              <a:rPr lang="en-US" sz="2800">
+              <a:rPr lang="en-GB" sz="2800">
                 <a:solidFill>
                   <a:srgbClr val="000000"/>
                 </a:solidFill>
                 <a:latin typeface="Arial"/>
               </a:rPr>
-              <a:t>Be uniform in size</a:t>
+              <a:t>2-Layer STDP</a:t>
             </a:r>
             <a:endParaRPr/>
           </a:p>
@@ -5625,13 +5003,13 @@
               <a:buChar char="•"/>
             </a:pPr>
             <a:r>
-              <a:rPr lang="en-US" sz="2800">
+              <a:rPr lang="en-GB" sz="2800">
                 <a:solidFill>
                   <a:srgbClr val="000000"/>
                 </a:solidFill>
                 <a:latin typeface="Arial"/>
               </a:rPr>
-              <a:t>Compliment the content</a:t>
+              <a:t>Spiking ConvNet (no training)</a:t>
             </a:r>
             <a:endParaRPr/>
           </a:p>
@@ -5644,13 +5022,32 @@
               <a:buChar char="•"/>
             </a:pPr>
             <a:r>
-              <a:rPr lang="en-US" sz="2800">
+              <a:rPr lang="en-GB" sz="2800">
                 <a:solidFill>
                   <a:srgbClr val="000000"/>
                 </a:solidFill>
                 <a:latin typeface="Arial"/>
               </a:rPr>
-              <a:t>Not impact on the copy area</a:t>
+              <a:t>Spiking DBN (trained off line)</a:t>
+            </a:r>
+            <a:endParaRPr/>
+          </a:p>
+          <a:p>
+            <a:pPr>
+              <a:lnSpc>
+                <a:spcPct val="100000"/>
+              </a:lnSpc>
+              <a:buFont typeface="Arial"/>
+              <a:buChar char="•"/>
+            </a:pPr>
+            <a:r>
+              <a:rPr lang="en-GB" sz="2800">
+                <a:solidFill>
+                  <a:srgbClr val="000000"/>
+                </a:solidFill>
+                <a:latin typeface="Arial"/>
+              </a:rPr>
+              <a:t>My exploration</a:t>
             </a:r>
             <a:endParaRPr/>
           </a:p>
@@ -5707,21 +5104,25 @@
       </p:grpSpPr>
       <p:sp>
         <p:nvSpPr>
-          <p:cNvPr id="138" name="TextShape 1"/>
-          <p:cNvSpPr txBox="1"/>
+          <p:cNvPr id="120" name="CustomShape 1"/>
+          <p:cNvSpPr/>
           <p:nvPr/>
         </p:nvSpPr>
         <p:spPr>
           <a:xfrm>
             <a:off x="405720" y="1268640"/>
-            <a:ext cx="5842800" cy="1142640"/>
-          </a:xfrm>
-          <a:prstGeom prst="rect">
-            <a:avLst/>
-          </a:prstGeom>
-        </p:spPr>
-        <p:txBody>
-          <a:bodyPr anchor="ctr"/>
+            <a:ext cx="5842440" cy="1142280"/>
+          </a:xfrm>
+          <a:prstGeom prst="rect">
+            <a:avLst/>
+          </a:prstGeom>
+          <a:noFill/>
+          <a:ln>
+            <a:noFill/>
+          </a:ln>
+        </p:spPr>
+        <p:txBody>
+          <a:bodyPr lIns="90000" rIns="90000" tIns="45000" bIns="45000" anchor="ctr"/>
           <a:p>
             <a:pPr>
               <a:lnSpc>
@@ -5729,13 +5130,13 @@
               </a:lnSpc>
             </a:pPr>
             <a:r>
-              <a:rPr b="1" lang="en-US" sz="3200">
+              <a:rPr b="1" lang="en-GB" sz="3200">
                 <a:solidFill>
                   <a:srgbClr val="000000"/>
                 </a:solidFill>
                 <a:latin typeface="Arial"/>
               </a:rPr>
-              <a:t>Or images should</a:t>
+              <a:t>Problems and Limitations </a:t>
             </a:r>
             <a:endParaRPr/>
           </a:p>
@@ -5743,21 +5144,25 @@
       </p:sp>
       <p:sp>
         <p:nvSpPr>
-          <p:cNvPr id="139" name="TextShape 2"/>
-          <p:cNvSpPr txBox="1"/>
+          <p:cNvPr id="121" name="CustomShape 2"/>
+          <p:cNvSpPr/>
           <p:nvPr/>
         </p:nvSpPr>
         <p:spPr>
           <a:xfrm>
             <a:off x="395640" y="2493000"/>
-            <a:ext cx="5256360" cy="3632760"/>
-          </a:xfrm>
-          <a:prstGeom prst="rect">
-            <a:avLst/>
-          </a:prstGeom>
-        </p:spPr>
-        <p:txBody>
-          <a:bodyPr/>
+            <a:ext cx="8228880" cy="3632400"/>
+          </a:xfrm>
+          <a:prstGeom prst="rect">
+            <a:avLst/>
+          </a:prstGeom>
+          <a:noFill/>
+          <a:ln>
+            <a:noFill/>
+          </a:ln>
+        </p:spPr>
+        <p:txBody>
+          <a:bodyPr lIns="90000" rIns="90000" tIns="45000" bIns="45000"/>
           <a:p>
             <a:pPr>
               <a:lnSpc>
@@ -5767,13 +5172,13 @@
               <a:buChar char="•"/>
             </a:pPr>
             <a:r>
-              <a:rPr lang="en-US" sz="2800">
+              <a:rPr lang="en-GB" sz="2800">
                 <a:solidFill>
                   <a:srgbClr val="000000"/>
                 </a:solidFill>
                 <a:latin typeface="Arial"/>
               </a:rPr>
-              <a:t>Be uniform in size</a:t>
+              <a:t>No database</a:t>
             </a:r>
             <a:endParaRPr/>
           </a:p>
@@ -5786,13 +5191,13 @@
               <a:buChar char="•"/>
             </a:pPr>
             <a:r>
-              <a:rPr lang="en-US" sz="2800">
+              <a:rPr lang="en-GB" sz="2800">
                 <a:solidFill>
                   <a:srgbClr val="000000"/>
                 </a:solidFill>
                 <a:latin typeface="Arial"/>
               </a:rPr>
-              <a:t>Compliment the content</a:t>
+              <a:t>No benchmark</a:t>
             </a:r>
             <a:endParaRPr/>
           </a:p>
@@ -5805,14 +5210,22 @@
               <a:buChar char="•"/>
             </a:pPr>
             <a:r>
-              <a:rPr lang="en-US" sz="2800">
+              <a:rPr lang="en-GB" sz="2800">
                 <a:solidFill>
                   <a:srgbClr val="000000"/>
                 </a:solidFill>
                 <a:latin typeface="Arial"/>
               </a:rPr>
-              <a:t>Not impact on the copy area</a:t>
+              <a:t>No effective training</a:t>
             </a:r>
+            <a:endParaRPr/>
+          </a:p>
+          <a:p>
+            <a:pPr>
+              <a:lnSpc>
+                <a:spcPct val="100000"/>
+              </a:lnSpc>
+            </a:pPr>
             <a:endParaRPr/>
           </a:p>
         </p:txBody>
@@ -5826,6 +5239,940 @@
           <p:childTnLst>
             <p:seq>
               <p:cTn id="8" nodeType="mainSeq"/>
+              <p:prevCondLst>
+                <p:cond delay="0" evt="onPrev">
+                  <p:tgtEl>
+                    <p:sldTgt/>
+                  </p:tgtEl>
+                </p:cond>
+              </p:prevCondLst>
+              <p:nextCondLst>
+                <p:cond delay="0" evt="onNext">
+                  <p:tgtEl>
+                    <p:sldTgt/>
+                  </p:tgtEl>
+                </p:cond>
+              </p:nextCondLst>
+            </p:seq>
+          </p:childTnLst>
+        </p:cTn>
+      </p:par>
+    </p:tnLst>
+  </p:timing>
+</p:sld>
+</file>
+
+<file path=ppt/slides/slide5.xml><?xml version="1.0" encoding="utf-8"?>
+<p:sld xmlns:a="http://schemas.openxmlformats.org/drawingml/2006/main" xmlns:p="http://schemas.openxmlformats.org/presentationml/2006/main" xmlns:r="http://schemas.openxmlformats.org/officeDocument/2006/relationships">
+  <p:cSld>
+    <p:spTree>
+      <p:nvGrpSpPr>
+        <p:cNvPr id="1" name=""/>
+        <p:cNvGrpSpPr/>
+        <p:nvPr/>
+      </p:nvGrpSpPr>
+      <p:grpSpPr>
+        <a:xfrm>
+          <a:off x="0" y="0"/>
+          <a:ext cx="0" cy="0"/>
+          <a:chOff x="0" y="0"/>
+          <a:chExt cx="0" cy="0"/>
+        </a:xfrm>
+      </p:grpSpPr>
+      <p:sp>
+        <p:nvSpPr>
+          <p:cNvPr id="122" name="CustomShape 1"/>
+          <p:cNvSpPr/>
+          <p:nvPr/>
+        </p:nvSpPr>
+        <p:spPr>
+          <a:xfrm>
+            <a:off x="405720" y="1268640"/>
+            <a:ext cx="5842440" cy="1142280"/>
+          </a:xfrm>
+          <a:prstGeom prst="rect">
+            <a:avLst/>
+          </a:prstGeom>
+          <a:noFill/>
+          <a:ln>
+            <a:noFill/>
+          </a:ln>
+        </p:spPr>
+        <p:txBody>
+          <a:bodyPr lIns="90000" rIns="90000" tIns="45000" bIns="45000" anchor="ctr"/>
+          <a:p>
+            <a:pPr>
+              <a:lnSpc>
+                <a:spcPct val="100000"/>
+              </a:lnSpc>
+            </a:pPr>
+            <a:r>
+              <a:rPr b="1" lang="en-GB" sz="3200">
+                <a:solidFill>
+                  <a:srgbClr val="000000"/>
+                </a:solidFill>
+                <a:latin typeface="Arial"/>
+              </a:rPr>
+              <a:t>Preliminary Work </a:t>
+            </a:r>
+            <a:endParaRPr/>
+          </a:p>
+        </p:txBody>
+      </p:sp>
+      <p:sp>
+        <p:nvSpPr>
+          <p:cNvPr id="123" name="CustomShape 2"/>
+          <p:cNvSpPr/>
+          <p:nvPr/>
+        </p:nvSpPr>
+        <p:spPr>
+          <a:xfrm>
+            <a:off x="395640" y="2493000"/>
+            <a:ext cx="8228880" cy="3632400"/>
+          </a:xfrm>
+          <a:prstGeom prst="rect">
+            <a:avLst/>
+          </a:prstGeom>
+          <a:noFill/>
+          <a:ln>
+            <a:noFill/>
+          </a:ln>
+        </p:spPr>
+        <p:txBody>
+          <a:bodyPr lIns="90000" rIns="90000" tIns="45000" bIns="45000"/>
+          <a:p>
+            <a:pPr>
+              <a:lnSpc>
+                <a:spcPct val="100000"/>
+              </a:lnSpc>
+              <a:buFont typeface="Arial"/>
+              <a:buChar char="•"/>
+            </a:pPr>
+            <a:r>
+              <a:rPr lang="en-GB" sz="2800">
+                <a:solidFill>
+                  <a:srgbClr val="000000"/>
+                </a:solidFill>
+                <a:latin typeface="Arial"/>
+              </a:rPr>
+              <a:t>Benchmarking spike-based visual recognition</a:t>
+            </a:r>
+            <a:endParaRPr/>
+          </a:p>
+          <a:p>
+            <a:pPr>
+              <a:lnSpc>
+                <a:spcPct val="100000"/>
+              </a:lnSpc>
+              <a:buFont typeface="Arial"/>
+              <a:buChar char="•"/>
+            </a:pPr>
+            <a:r>
+              <a:rPr lang="en-GB" sz="2800">
+                <a:solidFill>
+                  <a:srgbClr val="000000"/>
+                </a:solidFill>
+                <a:latin typeface="Arial"/>
+              </a:rPr>
+              <a:t>Towards robust image recognition with DBN</a:t>
+            </a:r>
+            <a:endParaRPr/>
+          </a:p>
+          <a:p>
+            <a:pPr>
+              <a:lnSpc>
+                <a:spcPct val="100000"/>
+              </a:lnSpc>
+            </a:pPr>
+            <a:endParaRPr/>
+          </a:p>
+        </p:txBody>
+      </p:sp>
+    </p:spTree>
+  </p:cSld>
+  <p:timing>
+    <p:tnLst>
+      <p:par>
+        <p:cTn id="9" dur="indefinite" restart="never" nodeType="tmRoot">
+          <p:childTnLst>
+            <p:seq>
+              <p:cTn id="10" nodeType="mainSeq"/>
+              <p:prevCondLst>
+                <p:cond delay="0" evt="onPrev">
+                  <p:tgtEl>
+                    <p:sldTgt/>
+                  </p:tgtEl>
+                </p:cond>
+              </p:prevCondLst>
+              <p:nextCondLst>
+                <p:cond delay="0" evt="onNext">
+                  <p:tgtEl>
+                    <p:sldTgt/>
+                  </p:tgtEl>
+                </p:cond>
+              </p:nextCondLst>
+            </p:seq>
+          </p:childTnLst>
+        </p:cTn>
+      </p:par>
+    </p:tnLst>
+  </p:timing>
+</p:sld>
+</file>
+
+<file path=ppt/slides/slide6.xml><?xml version="1.0" encoding="utf-8"?>
+<p:sld xmlns:a="http://schemas.openxmlformats.org/drawingml/2006/main" xmlns:p="http://schemas.openxmlformats.org/presentationml/2006/main" xmlns:r="http://schemas.openxmlformats.org/officeDocument/2006/relationships">
+  <p:cSld>
+    <p:spTree>
+      <p:nvGrpSpPr>
+        <p:cNvPr id="1" name=""/>
+        <p:cNvGrpSpPr/>
+        <p:nvPr/>
+      </p:nvGrpSpPr>
+      <p:grpSpPr>
+        <a:xfrm>
+          <a:off x="0" y="0"/>
+          <a:ext cx="0" cy="0"/>
+          <a:chOff x="0" y="0"/>
+          <a:chExt cx="0" cy="0"/>
+        </a:xfrm>
+      </p:grpSpPr>
+      <p:sp>
+        <p:nvSpPr>
+          <p:cNvPr id="124" name="CustomShape 1"/>
+          <p:cNvSpPr/>
+          <p:nvPr/>
+        </p:nvSpPr>
+        <p:spPr>
+          <a:xfrm>
+            <a:off x="405720" y="1268640"/>
+            <a:ext cx="5842440" cy="1142280"/>
+          </a:xfrm>
+          <a:prstGeom prst="rect">
+            <a:avLst/>
+          </a:prstGeom>
+          <a:noFill/>
+          <a:ln>
+            <a:noFill/>
+          </a:ln>
+        </p:spPr>
+        <p:txBody>
+          <a:bodyPr lIns="90000" rIns="90000" tIns="45000" bIns="45000" anchor="ctr"/>
+          <a:p>
+            <a:pPr>
+              <a:lnSpc>
+                <a:spcPct val="100000"/>
+              </a:lnSpc>
+            </a:pPr>
+            <a:r>
+              <a:rPr b="1" lang="en-GB" sz="3200">
+                <a:solidFill>
+                  <a:srgbClr val="000000"/>
+                </a:solidFill>
+                <a:latin typeface="Arial"/>
+              </a:rPr>
+              <a:t>Methods</a:t>
+            </a:r>
+            <a:endParaRPr/>
+          </a:p>
+        </p:txBody>
+      </p:sp>
+      <p:sp>
+        <p:nvSpPr>
+          <p:cNvPr id="125" name="CustomShape 2"/>
+          <p:cNvSpPr/>
+          <p:nvPr/>
+        </p:nvSpPr>
+        <p:spPr>
+          <a:xfrm>
+            <a:off x="395640" y="2493000"/>
+            <a:ext cx="8228880" cy="3632400"/>
+          </a:xfrm>
+          <a:prstGeom prst="rect">
+            <a:avLst/>
+          </a:prstGeom>
+          <a:noFill/>
+          <a:ln>
+            <a:noFill/>
+          </a:ln>
+        </p:spPr>
+        <p:txBody>
+          <a:bodyPr lIns="90000" rIns="90000" tIns="45000" bIns="45000"/>
+          <a:p>
+            <a:pPr>
+              <a:lnSpc>
+                <a:spcPct val="100000"/>
+              </a:lnSpc>
+              <a:buFont typeface="Arial"/>
+              <a:buChar char="•"/>
+            </a:pPr>
+            <a:r>
+              <a:rPr lang="en-GB" sz="2800">
+                <a:solidFill>
+                  <a:srgbClr val="000000"/>
+                </a:solidFill>
+                <a:latin typeface="Arial"/>
+              </a:rPr>
+              <a:t>Benchmarking spike-based visual recognition</a:t>
+            </a:r>
+            <a:endParaRPr/>
+          </a:p>
+          <a:p>
+            <a:pPr lvl="1">
+              <a:lnSpc>
+                <a:spcPct val="100000"/>
+              </a:lnSpc>
+              <a:buSzPct val="45000"/>
+              <a:buFont typeface="StarSymbol"/>
+              <a:buChar char=""/>
+            </a:pPr>
+            <a:r>
+              <a:rPr lang="en-GB" sz="2800">
+                <a:solidFill>
+                  <a:srgbClr val="000000"/>
+                </a:solidFill>
+                <a:latin typeface="Arial"/>
+              </a:rPr>
+              <a:t>A database</a:t>
+            </a:r>
+            <a:endParaRPr/>
+          </a:p>
+          <a:p>
+            <a:pPr lvl="1">
+              <a:lnSpc>
+                <a:spcPct val="100000"/>
+              </a:lnSpc>
+              <a:buSzPct val="45000"/>
+              <a:buFont typeface="StarSymbol"/>
+              <a:buChar char=""/>
+            </a:pPr>
+            <a:r>
+              <a:rPr lang="en-GB" sz="2800">
+                <a:solidFill>
+                  <a:srgbClr val="000000"/>
+                </a:solidFill>
+                <a:latin typeface="Arial"/>
+              </a:rPr>
+              <a:t>Evaluation Metrics</a:t>
+            </a:r>
+            <a:endParaRPr/>
+          </a:p>
+          <a:p>
+            <a:pPr lvl="1">
+              <a:lnSpc>
+                <a:spcPct val="100000"/>
+              </a:lnSpc>
+              <a:buSzPct val="45000"/>
+              <a:buFont typeface="StarSymbol"/>
+              <a:buChar char=""/>
+            </a:pPr>
+            <a:r>
+              <a:rPr lang="en-GB" sz="2800">
+                <a:solidFill>
+                  <a:srgbClr val="000000"/>
+                </a:solidFill>
+                <a:latin typeface="Arial"/>
+              </a:rPr>
+              <a:t>Case studies</a:t>
+            </a:r>
+            <a:endParaRPr/>
+          </a:p>
+          <a:p>
+            <a:pPr>
+              <a:lnSpc>
+                <a:spcPct val="100000"/>
+              </a:lnSpc>
+            </a:pPr>
+            <a:endParaRPr/>
+          </a:p>
+        </p:txBody>
+      </p:sp>
+    </p:spTree>
+  </p:cSld>
+  <p:timing>
+    <p:tnLst>
+      <p:par>
+        <p:cTn id="11" dur="indefinite" restart="never" nodeType="tmRoot">
+          <p:childTnLst>
+            <p:seq>
+              <p:cTn id="12" nodeType="mainSeq"/>
+              <p:prevCondLst>
+                <p:cond delay="0" evt="onPrev">
+                  <p:tgtEl>
+                    <p:sldTgt/>
+                  </p:tgtEl>
+                </p:cond>
+              </p:prevCondLst>
+              <p:nextCondLst>
+                <p:cond delay="0" evt="onNext">
+                  <p:tgtEl>
+                    <p:sldTgt/>
+                  </p:tgtEl>
+                </p:cond>
+              </p:nextCondLst>
+            </p:seq>
+          </p:childTnLst>
+        </p:cTn>
+      </p:par>
+    </p:tnLst>
+  </p:timing>
+</p:sld>
+</file>
+
+<file path=ppt/slides/slide7.xml><?xml version="1.0" encoding="utf-8"?>
+<p:sld xmlns:a="http://schemas.openxmlformats.org/drawingml/2006/main" xmlns:p="http://schemas.openxmlformats.org/presentationml/2006/main" xmlns:r="http://schemas.openxmlformats.org/officeDocument/2006/relationships">
+  <p:cSld>
+    <p:spTree>
+      <p:nvGrpSpPr>
+        <p:cNvPr id="1" name=""/>
+        <p:cNvGrpSpPr/>
+        <p:nvPr/>
+      </p:nvGrpSpPr>
+      <p:grpSpPr>
+        <a:xfrm>
+          <a:off x="0" y="0"/>
+          <a:ext cx="0" cy="0"/>
+          <a:chOff x="0" y="0"/>
+          <a:chExt cx="0" cy="0"/>
+        </a:xfrm>
+      </p:grpSpPr>
+      <p:sp>
+        <p:nvSpPr>
+          <p:cNvPr id="126" name="CustomShape 1"/>
+          <p:cNvSpPr/>
+          <p:nvPr/>
+        </p:nvSpPr>
+        <p:spPr>
+          <a:xfrm>
+            <a:off x="405720" y="1268640"/>
+            <a:ext cx="5842440" cy="1142280"/>
+          </a:xfrm>
+          <a:prstGeom prst="rect">
+            <a:avLst/>
+          </a:prstGeom>
+          <a:noFill/>
+          <a:ln>
+            <a:noFill/>
+          </a:ln>
+        </p:spPr>
+        <p:txBody>
+          <a:bodyPr lIns="90000" rIns="90000" tIns="45000" bIns="45000" anchor="ctr"/>
+          <a:p>
+            <a:pPr>
+              <a:lnSpc>
+                <a:spcPct val="100000"/>
+              </a:lnSpc>
+            </a:pPr>
+            <a:r>
+              <a:rPr b="1" lang="en-GB" sz="3200">
+                <a:solidFill>
+                  <a:srgbClr val="000000"/>
+                </a:solidFill>
+                <a:latin typeface="Arial"/>
+              </a:rPr>
+              <a:t>Results</a:t>
+            </a:r>
+            <a:endParaRPr/>
+          </a:p>
+        </p:txBody>
+      </p:sp>
+      <p:sp>
+        <p:nvSpPr>
+          <p:cNvPr id="127" name="CustomShape 2"/>
+          <p:cNvSpPr/>
+          <p:nvPr/>
+        </p:nvSpPr>
+        <p:spPr>
+          <a:xfrm>
+            <a:off x="395640" y="2493000"/>
+            <a:ext cx="8228880" cy="3632400"/>
+          </a:xfrm>
+          <a:prstGeom prst="rect">
+            <a:avLst/>
+          </a:prstGeom>
+          <a:noFill/>
+          <a:ln>
+            <a:noFill/>
+          </a:ln>
+        </p:spPr>
+        <p:txBody>
+          <a:bodyPr lIns="90000" rIns="90000" tIns="45000" bIns="45000"/>
+          <a:p>
+            <a:pPr>
+              <a:lnSpc>
+                <a:spcPct val="100000"/>
+              </a:lnSpc>
+              <a:buFont typeface="Arial"/>
+              <a:buChar char="•"/>
+            </a:pPr>
+            <a:r>
+              <a:rPr lang="en-GB" sz="2800">
+                <a:solidFill>
+                  <a:srgbClr val="000000"/>
+                </a:solidFill>
+                <a:latin typeface="Arial"/>
+              </a:rPr>
+              <a:t>Evaluation Tables</a:t>
+            </a:r>
+            <a:endParaRPr/>
+          </a:p>
+          <a:p>
+            <a:pPr lvl="1">
+              <a:lnSpc>
+                <a:spcPct val="100000"/>
+              </a:lnSpc>
+              <a:buSzPct val="45000"/>
+              <a:buFont typeface="StarSymbol"/>
+              <a:buChar char=""/>
+            </a:pPr>
+            <a:r>
+              <a:rPr lang="en-GB" sz="2800">
+                <a:solidFill>
+                  <a:srgbClr val="000000"/>
+                </a:solidFill>
+                <a:latin typeface="Arial"/>
+              </a:rPr>
+              <a:t>Hardware Independent</a:t>
+            </a:r>
+            <a:endParaRPr/>
+          </a:p>
+          <a:p>
+            <a:pPr lvl="1">
+              <a:lnSpc>
+                <a:spcPct val="100000"/>
+              </a:lnSpc>
+              <a:buSzPct val="45000"/>
+              <a:buFont typeface="StarSymbol"/>
+              <a:buChar char=""/>
+            </a:pPr>
+            <a:r>
+              <a:rPr lang="en-GB" sz="2800">
+                <a:solidFill>
+                  <a:srgbClr val="000000"/>
+                </a:solidFill>
+                <a:latin typeface="Arial"/>
+              </a:rPr>
+              <a:t>Hardware Dependant </a:t>
+            </a:r>
+            <a:endParaRPr/>
+          </a:p>
+          <a:p>
+            <a:pPr>
+              <a:lnSpc>
+                <a:spcPct val="100000"/>
+              </a:lnSpc>
+            </a:pPr>
+            <a:endParaRPr/>
+          </a:p>
+        </p:txBody>
+      </p:sp>
+    </p:spTree>
+  </p:cSld>
+  <p:timing>
+    <p:tnLst>
+      <p:par>
+        <p:cTn id="13" dur="indefinite" restart="never" nodeType="tmRoot">
+          <p:childTnLst>
+            <p:seq>
+              <p:cTn id="14" nodeType="mainSeq"/>
+              <p:prevCondLst>
+                <p:cond delay="0" evt="onPrev">
+                  <p:tgtEl>
+                    <p:sldTgt/>
+                  </p:tgtEl>
+                </p:cond>
+              </p:prevCondLst>
+              <p:nextCondLst>
+                <p:cond delay="0" evt="onNext">
+                  <p:tgtEl>
+                    <p:sldTgt/>
+                  </p:tgtEl>
+                </p:cond>
+              </p:nextCondLst>
+            </p:seq>
+          </p:childTnLst>
+        </p:cTn>
+      </p:par>
+    </p:tnLst>
+  </p:timing>
+</p:sld>
+</file>
+
+<file path=ppt/slides/slide8.xml><?xml version="1.0" encoding="utf-8"?>
+<p:sld xmlns:a="http://schemas.openxmlformats.org/drawingml/2006/main" xmlns:p="http://schemas.openxmlformats.org/presentationml/2006/main" xmlns:r="http://schemas.openxmlformats.org/officeDocument/2006/relationships">
+  <p:cSld>
+    <p:spTree>
+      <p:nvGrpSpPr>
+        <p:cNvPr id="1" name=""/>
+        <p:cNvGrpSpPr/>
+        <p:nvPr/>
+      </p:nvGrpSpPr>
+      <p:grpSpPr>
+        <a:xfrm>
+          <a:off x="0" y="0"/>
+          <a:ext cx="0" cy="0"/>
+          <a:chOff x="0" y="0"/>
+          <a:chExt cx="0" cy="0"/>
+        </a:xfrm>
+      </p:grpSpPr>
+      <p:sp>
+        <p:nvSpPr>
+          <p:cNvPr id="128" name="CustomShape 1"/>
+          <p:cNvSpPr/>
+          <p:nvPr/>
+        </p:nvSpPr>
+        <p:spPr>
+          <a:xfrm>
+            <a:off x="405720" y="1268640"/>
+            <a:ext cx="5842440" cy="1142280"/>
+          </a:xfrm>
+          <a:prstGeom prst="rect">
+            <a:avLst/>
+          </a:prstGeom>
+          <a:noFill/>
+          <a:ln>
+            <a:noFill/>
+          </a:ln>
+        </p:spPr>
+        <p:txBody>
+          <a:bodyPr lIns="90000" rIns="90000" tIns="45000" bIns="45000" anchor="ctr"/>
+          <a:p>
+            <a:pPr>
+              <a:lnSpc>
+                <a:spcPct val="100000"/>
+              </a:lnSpc>
+            </a:pPr>
+            <a:r>
+              <a:rPr b="1" lang="en-GB" sz="3200">
+                <a:solidFill>
+                  <a:srgbClr val="000000"/>
+                </a:solidFill>
+                <a:latin typeface="Arial"/>
+              </a:rPr>
+              <a:t>Methods</a:t>
+            </a:r>
+            <a:endParaRPr/>
+          </a:p>
+        </p:txBody>
+      </p:sp>
+      <p:sp>
+        <p:nvSpPr>
+          <p:cNvPr id="129" name="CustomShape 2"/>
+          <p:cNvSpPr/>
+          <p:nvPr/>
+        </p:nvSpPr>
+        <p:spPr>
+          <a:xfrm>
+            <a:off x="395640" y="2493000"/>
+            <a:ext cx="8228880" cy="3632400"/>
+          </a:xfrm>
+          <a:prstGeom prst="rect">
+            <a:avLst/>
+          </a:prstGeom>
+          <a:noFill/>
+          <a:ln>
+            <a:noFill/>
+          </a:ln>
+        </p:spPr>
+        <p:txBody>
+          <a:bodyPr lIns="90000" rIns="90000" tIns="45000" bIns="45000"/>
+          <a:p>
+            <a:pPr>
+              <a:lnSpc>
+                <a:spcPct val="100000"/>
+              </a:lnSpc>
+              <a:buFont typeface="Arial"/>
+              <a:buChar char="•"/>
+            </a:pPr>
+            <a:r>
+              <a:rPr lang="en-GB" sz="2800">
+                <a:solidFill>
+                  <a:srgbClr val="000000"/>
+                </a:solidFill>
+                <a:latin typeface="Arial"/>
+              </a:rPr>
+              <a:t>Spiking Deep Belief Network</a:t>
+            </a:r>
+            <a:endParaRPr/>
+          </a:p>
+          <a:p>
+            <a:pPr lvl="1">
+              <a:lnSpc>
+                <a:spcPct val="100000"/>
+              </a:lnSpc>
+              <a:buSzPct val="45000"/>
+              <a:buFont typeface="StarSymbol"/>
+              <a:buChar char=""/>
+            </a:pPr>
+            <a:r>
+              <a:rPr lang="en-GB" sz="2800">
+                <a:solidFill>
+                  <a:srgbClr val="000000"/>
+                </a:solidFill>
+                <a:latin typeface="Arial"/>
+              </a:rPr>
+              <a:t>Restricted Boltzmann Machine</a:t>
+            </a:r>
+            <a:endParaRPr/>
+          </a:p>
+          <a:p>
+            <a:pPr lvl="1">
+              <a:lnSpc>
+                <a:spcPct val="100000"/>
+              </a:lnSpc>
+              <a:buSzPct val="45000"/>
+              <a:buFont typeface="StarSymbol"/>
+              <a:buChar char=""/>
+            </a:pPr>
+            <a:r>
+              <a:rPr lang="en-GB" sz="2800">
+                <a:solidFill>
+                  <a:srgbClr val="000000"/>
+                </a:solidFill>
+                <a:latin typeface="Arial"/>
+              </a:rPr>
+              <a:t>Deep Belief Net</a:t>
+            </a:r>
+            <a:endParaRPr/>
+          </a:p>
+          <a:p>
+            <a:pPr lvl="1">
+              <a:lnSpc>
+                <a:spcPct val="100000"/>
+              </a:lnSpc>
+              <a:buSzPct val="45000"/>
+              <a:buFont typeface="StarSymbol"/>
+              <a:buChar char=""/>
+            </a:pPr>
+            <a:r>
+              <a:rPr lang="en-GB" sz="2800">
+                <a:solidFill>
+                  <a:srgbClr val="000000"/>
+                </a:solidFill>
+                <a:latin typeface="Arial"/>
+              </a:rPr>
+              <a:t>Future work</a:t>
+            </a:r>
+            <a:endParaRPr/>
+          </a:p>
+          <a:p>
+            <a:pPr lvl="1">
+              <a:lnSpc>
+                <a:spcPct val="100000"/>
+              </a:lnSpc>
+              <a:buSzPct val="45000"/>
+              <a:buFont typeface="StarSymbol"/>
+              <a:buChar char=""/>
+            </a:pPr>
+            <a:r>
+              <a:rPr lang="en-GB" sz="2800">
+                <a:solidFill>
+                  <a:srgbClr val="000000"/>
+                </a:solidFill>
+                <a:latin typeface="Arial"/>
+              </a:rPr>
+              <a:t>Holes in the study</a:t>
+            </a:r>
+            <a:endParaRPr/>
+          </a:p>
+          <a:p>
+            <a:pPr>
+              <a:lnSpc>
+                <a:spcPct val="100000"/>
+              </a:lnSpc>
+            </a:pPr>
+            <a:endParaRPr/>
+          </a:p>
+        </p:txBody>
+      </p:sp>
+    </p:spTree>
+  </p:cSld>
+  <p:timing>
+    <p:tnLst>
+      <p:par>
+        <p:cTn id="15" dur="indefinite" restart="never" nodeType="tmRoot">
+          <p:childTnLst>
+            <p:seq>
+              <p:cTn id="16" nodeType="mainSeq"/>
+              <p:prevCondLst>
+                <p:cond delay="0" evt="onPrev">
+                  <p:tgtEl>
+                    <p:sldTgt/>
+                  </p:tgtEl>
+                </p:cond>
+              </p:prevCondLst>
+              <p:nextCondLst>
+                <p:cond delay="0" evt="onNext">
+                  <p:tgtEl>
+                    <p:sldTgt/>
+                  </p:tgtEl>
+                </p:cond>
+              </p:nextCondLst>
+            </p:seq>
+          </p:childTnLst>
+        </p:cTn>
+      </p:par>
+    </p:tnLst>
+  </p:timing>
+</p:sld>
+</file>
+
+<file path=ppt/slides/slide9.xml><?xml version="1.0" encoding="utf-8"?>
+<p:sld xmlns:a="http://schemas.openxmlformats.org/drawingml/2006/main" xmlns:p="http://schemas.openxmlformats.org/presentationml/2006/main" xmlns:r="http://schemas.openxmlformats.org/officeDocument/2006/relationships">
+  <p:cSld>
+    <p:spTree>
+      <p:nvGrpSpPr>
+        <p:cNvPr id="1" name=""/>
+        <p:cNvGrpSpPr/>
+        <p:nvPr/>
+      </p:nvGrpSpPr>
+      <p:grpSpPr>
+        <a:xfrm>
+          <a:off x="0" y="0"/>
+          <a:ext cx="0" cy="0"/>
+          <a:chOff x="0" y="0"/>
+          <a:chExt cx="0" cy="0"/>
+        </a:xfrm>
+      </p:grpSpPr>
+      <p:sp>
+        <p:nvSpPr>
+          <p:cNvPr id="130" name="CustomShape 1"/>
+          <p:cNvSpPr/>
+          <p:nvPr/>
+        </p:nvSpPr>
+        <p:spPr>
+          <a:xfrm>
+            <a:off x="405720" y="1268640"/>
+            <a:ext cx="5842440" cy="1142280"/>
+          </a:xfrm>
+          <a:prstGeom prst="rect">
+            <a:avLst/>
+          </a:prstGeom>
+          <a:noFill/>
+          <a:ln>
+            <a:noFill/>
+          </a:ln>
+        </p:spPr>
+        <p:txBody>
+          <a:bodyPr lIns="90000" rIns="90000" tIns="45000" bIns="45000" anchor="ctr"/>
+          <a:p>
+            <a:pPr>
+              <a:lnSpc>
+                <a:spcPct val="100000"/>
+              </a:lnSpc>
+            </a:pPr>
+            <a:r>
+              <a:rPr b="1" lang="en-GB" sz="3200">
+                <a:solidFill>
+                  <a:srgbClr val="000000"/>
+                </a:solidFill>
+                <a:latin typeface="Arial"/>
+              </a:rPr>
+              <a:t>Results</a:t>
+            </a:r>
+            <a:endParaRPr/>
+          </a:p>
+        </p:txBody>
+      </p:sp>
+      <p:sp>
+        <p:nvSpPr>
+          <p:cNvPr id="131" name="CustomShape 2"/>
+          <p:cNvSpPr/>
+          <p:nvPr/>
+        </p:nvSpPr>
+        <p:spPr>
+          <a:xfrm>
+            <a:off x="395640" y="2493000"/>
+            <a:ext cx="8228880" cy="3632400"/>
+          </a:xfrm>
+          <a:prstGeom prst="rect">
+            <a:avLst/>
+          </a:prstGeom>
+          <a:noFill/>
+          <a:ln>
+            <a:noFill/>
+          </a:ln>
+        </p:spPr>
+        <p:txBody>
+          <a:bodyPr lIns="90000" rIns="90000" tIns="45000" bIns="45000"/>
+          <a:p>
+            <a:pPr>
+              <a:lnSpc>
+                <a:spcPct val="100000"/>
+              </a:lnSpc>
+              <a:buFont typeface="Arial"/>
+              <a:buChar char="•"/>
+            </a:pPr>
+            <a:r>
+              <a:rPr lang="en-GB" sz="2800">
+                <a:solidFill>
+                  <a:srgbClr val="000000"/>
+                </a:solidFill>
+                <a:latin typeface="Arial"/>
+              </a:rPr>
+              <a:t>Validation on Contrastive Divergence</a:t>
+            </a:r>
+            <a:endParaRPr/>
+          </a:p>
+          <a:p>
+            <a:pPr lvl="1">
+              <a:lnSpc>
+                <a:spcPct val="100000"/>
+              </a:lnSpc>
+              <a:buSzPct val="45000"/>
+              <a:buFont typeface="StarSymbol"/>
+              <a:buChar char=""/>
+            </a:pPr>
+            <a:r>
+              <a:rPr lang="en-GB" sz="2800">
+                <a:solidFill>
+                  <a:srgbClr val="000000"/>
+                </a:solidFill>
+                <a:latin typeface="Arial"/>
+              </a:rPr>
+              <a:t>MNIST test</a:t>
+            </a:r>
+            <a:endParaRPr/>
+          </a:p>
+          <a:p>
+            <a:pPr lvl="1">
+              <a:lnSpc>
+                <a:spcPct val="100000"/>
+              </a:lnSpc>
+              <a:buSzPct val="45000"/>
+              <a:buFont typeface="StarSymbol"/>
+              <a:buChar char=""/>
+            </a:pPr>
+            <a:r>
+              <a:rPr lang="en-GB" sz="2800">
+                <a:solidFill>
+                  <a:srgbClr val="000000"/>
+                </a:solidFill>
+                <a:latin typeface="Arial"/>
+              </a:rPr>
+              <a:t>Normal distribution test</a:t>
+            </a:r>
+            <a:endParaRPr/>
+          </a:p>
+          <a:p>
+            <a:pPr>
+              <a:lnSpc>
+                <a:spcPct val="100000"/>
+              </a:lnSpc>
+            </a:pPr>
+            <a:endParaRPr/>
+          </a:p>
+        </p:txBody>
+      </p:sp>
+    </p:spTree>
+  </p:cSld>
+  <p:timing>
+    <p:tnLst>
+      <p:par>
+        <p:cTn id="17" dur="indefinite" restart="never" nodeType="tmRoot">
+          <p:childTnLst>
+            <p:seq>
+              <p:cTn id="18" nodeType="mainSeq"/>
               <p:prevCondLst>
                 <p:cond delay="0" evt="onPrev">
                   <p:tgtEl>
@@ -6516,227 +6863,4 @@
     </a:fmtScheme>
   </a:themeElements>
 </a:theme>
-</file>
-
-<file path=ppt/theme/theme4.xml><?xml version="1.0" encoding="utf-8"?>
-<a:theme xmlns:a="http://schemas.openxmlformats.org/drawingml/2006/main" name="Office Theme">
-  <a:themeElements>
-    <a:clrScheme name="Office">
-      <a:dk1>
-        <a:sysClr val="windowText" lastClr="000000"/>
-      </a:dk1>
-      <a:lt1>
-        <a:sysClr val="window" lastClr="FFFFFF"/>
-      </a:lt1>
-      <a:dk2>
-        <a:srgbClr val="1F497D"/>
-      </a:dk2>
-      <a:lt2>
-        <a:srgbClr val="EEECE1"/>
-      </a:lt2>
-      <a:accent1>
-        <a:srgbClr val="4F81BD"/>
-      </a:accent1>
-      <a:accent2>
-        <a:srgbClr val="C0504D"/>
-      </a:accent2>
-      <a:accent3>
-        <a:srgbClr val="9BBB59"/>
-      </a:accent3>
-      <a:accent4>
-        <a:srgbClr val="8064A2"/>
-      </a:accent4>
-      <a:accent5>
-        <a:srgbClr val="4BACC6"/>
-      </a:accent5>
-      <a:accent6>
-        <a:srgbClr val="F79646"/>
-      </a:accent6>
-      <a:hlink>
-        <a:srgbClr val="0000FF"/>
-      </a:hlink>
-      <a:folHlink>
-        <a:srgbClr val="800080"/>
-      </a:folHlink>
-    </a:clrScheme>
-    <a:fontScheme name="Office">
-      <a:majorFont>
-        <a:latin typeface="Arial"/>
-        <a:ea typeface="DejaVu Sans"/>
-        <a:cs typeface="DejaVu Sans"/>
-      </a:majorFont>
-      <a:minorFont>
-        <a:latin typeface="Arial"/>
-        <a:ea typeface="DejaVu Sans"/>
-        <a:cs typeface="DejaVu Sans"/>
-      </a:minorFont>
-    </a:fontScheme>
-    <a:fmtScheme name="Office">
-      <a:fillStyleLst>
-        <a:solidFill>
-          <a:schemeClr val="phClr"/>
-        </a:solidFill>
-        <a:gradFill rotWithShape="1">
-          <a:gsLst>
-            <a:gs pos="0">
-              <a:schemeClr val="phClr">
-                <a:tint val="50000"/>
-                <a:satMod val="300000"/>
-              </a:schemeClr>
-            </a:gs>
-            <a:gs pos="35000">
-              <a:schemeClr val="phClr">
-                <a:tint val="37000"/>
-                <a:satMod val="300000"/>
-              </a:schemeClr>
-            </a:gs>
-            <a:gs pos="100000">
-              <a:schemeClr val="phClr">
-                <a:tint val="15000"/>
-                <a:satMod val="350000"/>
-              </a:schemeClr>
-            </a:gs>
-          </a:gsLst>
-          <a:lin ang="16200000" scaled="1"/>
-        </a:gradFill>
-        <a:gradFill rotWithShape="1">
-          <a:gsLst>
-            <a:gs pos="0">
-              <a:schemeClr val="phClr">
-                <a:shade val="51000"/>
-                <a:satMod val="130000"/>
-              </a:schemeClr>
-            </a:gs>
-            <a:gs pos="80000">
-              <a:schemeClr val="phClr">
-                <a:shade val="93000"/>
-                <a:satMod val="130000"/>
-              </a:schemeClr>
-            </a:gs>
-            <a:gs pos="100000">
-              <a:schemeClr val="phClr">
-                <a:shade val="94000"/>
-                <a:satMod val="135000"/>
-              </a:schemeClr>
-            </a:gs>
-          </a:gsLst>
-          <a:lin ang="16200000" scaled="0"/>
-        </a:gradFill>
-      </a:fillStyleLst>
-      <a:lnStyleLst>
-        <a:ln w="9525" cap="flat" cmpd="sng" algn="ctr">
-          <a:solidFill>
-            <a:schemeClr val="phClr">
-              <a:shade val="95000"/>
-              <a:satMod val="105000"/>
-            </a:schemeClr>
-          </a:solidFill>
-          <a:prstDash val="solid"/>
-        </a:ln>
-        <a:ln w="25400" cap="flat" cmpd="sng" algn="ctr">
-          <a:solidFill>
-            <a:schemeClr val="phClr"/>
-          </a:solidFill>
-          <a:prstDash val="solid"/>
-        </a:ln>
-        <a:ln w="38100" cap="flat" cmpd="sng" algn="ctr">
-          <a:solidFill>
-            <a:schemeClr val="phClr"/>
-          </a:solidFill>
-          <a:prstDash val="solid"/>
-        </a:ln>
-      </a:lnStyleLst>
-      <a:effectStyleLst>
-        <a:effectStyle>
-          <a:effectLst>
-            <a:outerShdw blurRad="40000" dist="20000" dir="5400000" rotWithShape="0">
-              <a:srgbClr val="000000">
-                <a:alpha val="38000"/>
-              </a:srgbClr>
-            </a:outerShdw>
-          </a:effectLst>
-        </a:effectStyle>
-        <a:effectStyle>
-          <a:effectLst>
-            <a:outerShdw blurRad="40000" dist="23000" dir="5400000" rotWithShape="0">
-              <a:srgbClr val="000000">
-                <a:alpha val="35000"/>
-              </a:srgbClr>
-            </a:outerShdw>
-          </a:effectLst>
-        </a:effectStyle>
-        <a:effectStyle>
-          <a:effectLst>
-            <a:outerShdw blurRad="40000" dist="23000" dir="5400000" rotWithShape="0">
-              <a:srgbClr val="000000">
-                <a:alpha val="35000"/>
-              </a:srgbClr>
-            </a:outerShdw>
-          </a:effectLst>
-          <a:scene3d>
-            <a:camera prst="orthographicFront">
-              <a:rot lat="0" lon="0" rev="0"/>
-            </a:camera>
-            <a:lightRig rig="threePt" dir="t">
-              <a:rot lat="0" lon="0" rev="1200000"/>
-            </a:lightRig>
-          </a:scene3d>
-          <a:sp3d>
-            <a:bevelT w="63500" h="25400"/>
-          </a:sp3d>
-        </a:effectStyle>
-      </a:effectStyleLst>
-      <a:bgFillStyleLst>
-        <a:solidFill>
-          <a:schemeClr val="phClr"/>
-        </a:solidFill>
-        <a:gradFill rotWithShape="1">
-          <a:gsLst>
-            <a:gs pos="0">
-              <a:schemeClr val="phClr">
-                <a:tint val="40000"/>
-                <a:satMod val="350000"/>
-              </a:schemeClr>
-            </a:gs>
-            <a:gs pos="40000">
-              <a:schemeClr val="phClr">
-                <a:tint val="45000"/>
-                <a:shade val="99000"/>
-                <a:satMod val="350000"/>
-              </a:schemeClr>
-            </a:gs>
-            <a:gs pos="100000">
-              <a:schemeClr val="phClr">
-                <a:shade val="20000"/>
-                <a:satMod val="255000"/>
-              </a:schemeClr>
-            </a:gs>
-          </a:gsLst>
-          <a:path path="circle">
-            <a:fillToRect l="50000" t="-80000" r="50000" b="180000"/>
-          </a:path>
-        </a:gradFill>
-        <a:gradFill rotWithShape="1">
-          <a:gsLst>
-            <a:gs pos="0">
-              <a:schemeClr val="phClr">
-                <a:tint val="80000"/>
-                <a:satMod val="300000"/>
-              </a:schemeClr>
-            </a:gs>
-            <a:gs pos="100000">
-              <a:schemeClr val="phClr">
-                <a:shade val="30000"/>
-                <a:satMod val="200000"/>
-              </a:schemeClr>
-            </a:gs>
-          </a:gsLst>
-          <a:path path="circle">
-            <a:fillToRect l="50000" t="50000" r="50000" b="50000"/>
-          </a:path>
-        </a:gradFill>
-      </a:bgFillStyleLst>
-    </a:fmtScheme>
-  </a:themeElements>
-</a:theme>
 </file>
--- a/2nd_year_int.pptx
+++ b/2nd_year_int.pptx
@@ -1,31 +1,126 @@
 
 <file path=ppt/presentation.xml><?xml version="1.0" encoding="utf-8"?>
-<p:presentation xmlns:a="http://schemas.openxmlformats.org/drawingml/2006/main" xmlns:p="http://schemas.openxmlformats.org/presentationml/2006/main" xmlns:r="http://schemas.openxmlformats.org/officeDocument/2006/relationships">
+<p:presentation xmlns:a="http://schemas.openxmlformats.org/drawingml/2006/main" xmlns:r="http://schemas.openxmlformats.org/officeDocument/2006/relationships" xmlns:p="http://schemas.openxmlformats.org/presentationml/2006/main">
   <p:sldMasterIdLst>
-    <p:sldMasterId id="2147483648" r:id="rId2"/>
-    <p:sldMasterId id="2147483661" r:id="rId3"/>
-    <p:sldMasterId id="2147483674" r:id="rId4"/>
+    <p:sldMasterId id="2147483648" r:id="rId1"/>
+    <p:sldMasterId id="2147483661" r:id="rId2"/>
+    <p:sldMasterId id="2147483674" r:id="rId3"/>
   </p:sldMasterIdLst>
   <p:sldIdLst>
-    <p:sldId id="256" r:id="rId5"/>
-    <p:sldId id="257" r:id="rId6"/>
-    <p:sldId id="258" r:id="rId7"/>
-    <p:sldId id="259" r:id="rId8"/>
-    <p:sldId id="260" r:id="rId9"/>
-    <p:sldId id="261" r:id="rId10"/>
-    <p:sldId id="262" r:id="rId11"/>
-    <p:sldId id="263" r:id="rId12"/>
-    <p:sldId id="264" r:id="rId13"/>
-    <p:sldId id="265" r:id="rId14"/>
-    <p:sldId id="266" r:id="rId15"/>
+    <p:sldId id="256" r:id="rId4"/>
+    <p:sldId id="257" r:id="rId5"/>
+    <p:sldId id="258" r:id="rId6"/>
+    <p:sldId id="259" r:id="rId7"/>
+    <p:sldId id="260" r:id="rId8"/>
+    <p:sldId id="261" r:id="rId9"/>
+    <p:sldId id="262" r:id="rId10"/>
+    <p:sldId id="263" r:id="rId11"/>
+    <p:sldId id="264" r:id="rId12"/>
+    <p:sldId id="265" r:id="rId13"/>
+    <p:sldId id="266" r:id="rId14"/>
   </p:sldIdLst>
-  <p:sldSz cx="9144000" cy="6858000"/>
-  <p:notesSz cx="7559675" cy="10691812"/>
+  <p:sldSz cx="9144000" cy="6858000" type="screen4x3"/>
+  <p:notesSz cx="7559675" cy="10691813"/>
+  <p:defaultTextStyle>
+    <a:defPPr>
+      <a:defRPr lang="zh-CN"/>
+    </a:defPPr>
+    <a:lvl1pPr marL="0" algn="l" defTabSz="914400" rtl="0" eaLnBrk="1" latinLnBrk="0" hangingPunct="1">
+      <a:defRPr sz="1800" kern="1200">
+        <a:solidFill>
+          <a:schemeClr val="tx1"/>
+        </a:solidFill>
+        <a:latin typeface="+mn-lt"/>
+        <a:ea typeface="+mn-ea"/>
+        <a:cs typeface="+mn-cs"/>
+      </a:defRPr>
+    </a:lvl1pPr>
+    <a:lvl2pPr marL="457200" algn="l" defTabSz="914400" rtl="0" eaLnBrk="1" latinLnBrk="0" hangingPunct="1">
+      <a:defRPr sz="1800" kern="1200">
+        <a:solidFill>
+          <a:schemeClr val="tx1"/>
+        </a:solidFill>
+        <a:latin typeface="+mn-lt"/>
+        <a:ea typeface="+mn-ea"/>
+        <a:cs typeface="+mn-cs"/>
+      </a:defRPr>
+    </a:lvl2pPr>
+    <a:lvl3pPr marL="914400" algn="l" defTabSz="914400" rtl="0" eaLnBrk="1" latinLnBrk="0" hangingPunct="1">
+      <a:defRPr sz="1800" kern="1200">
+        <a:solidFill>
+          <a:schemeClr val="tx1"/>
+        </a:solidFill>
+        <a:latin typeface="+mn-lt"/>
+        <a:ea typeface="+mn-ea"/>
+        <a:cs typeface="+mn-cs"/>
+      </a:defRPr>
+    </a:lvl3pPr>
+    <a:lvl4pPr marL="1371600" algn="l" defTabSz="914400" rtl="0" eaLnBrk="1" latinLnBrk="0" hangingPunct="1">
+      <a:defRPr sz="1800" kern="1200">
+        <a:solidFill>
+          <a:schemeClr val="tx1"/>
+        </a:solidFill>
+        <a:latin typeface="+mn-lt"/>
+        <a:ea typeface="+mn-ea"/>
+        <a:cs typeface="+mn-cs"/>
+      </a:defRPr>
+    </a:lvl4pPr>
+    <a:lvl5pPr marL="1828800" algn="l" defTabSz="914400" rtl="0" eaLnBrk="1" latinLnBrk="0" hangingPunct="1">
+      <a:defRPr sz="1800" kern="1200">
+        <a:solidFill>
+          <a:schemeClr val="tx1"/>
+        </a:solidFill>
+        <a:latin typeface="+mn-lt"/>
+        <a:ea typeface="+mn-ea"/>
+        <a:cs typeface="+mn-cs"/>
+      </a:defRPr>
+    </a:lvl5pPr>
+    <a:lvl6pPr marL="2286000" algn="l" defTabSz="914400" rtl="0" eaLnBrk="1" latinLnBrk="0" hangingPunct="1">
+      <a:defRPr sz="1800" kern="1200">
+        <a:solidFill>
+          <a:schemeClr val="tx1"/>
+        </a:solidFill>
+        <a:latin typeface="+mn-lt"/>
+        <a:ea typeface="+mn-ea"/>
+        <a:cs typeface="+mn-cs"/>
+      </a:defRPr>
+    </a:lvl6pPr>
+    <a:lvl7pPr marL="2743200" algn="l" defTabSz="914400" rtl="0" eaLnBrk="1" latinLnBrk="0" hangingPunct="1">
+      <a:defRPr sz="1800" kern="1200">
+        <a:solidFill>
+          <a:schemeClr val="tx1"/>
+        </a:solidFill>
+        <a:latin typeface="+mn-lt"/>
+        <a:ea typeface="+mn-ea"/>
+        <a:cs typeface="+mn-cs"/>
+      </a:defRPr>
+    </a:lvl7pPr>
+    <a:lvl8pPr marL="3200400" algn="l" defTabSz="914400" rtl="0" eaLnBrk="1" latinLnBrk="0" hangingPunct="1">
+      <a:defRPr sz="1800" kern="1200">
+        <a:solidFill>
+          <a:schemeClr val="tx1"/>
+        </a:solidFill>
+        <a:latin typeface="+mn-lt"/>
+        <a:ea typeface="+mn-ea"/>
+        <a:cs typeface="+mn-cs"/>
+      </a:defRPr>
+    </a:lvl8pPr>
+    <a:lvl9pPr marL="3657600" algn="l" defTabSz="914400" rtl="0" eaLnBrk="1" latinLnBrk="0" hangingPunct="1">
+      <a:defRPr sz="1800" kern="1200">
+        <a:solidFill>
+          <a:schemeClr val="tx1"/>
+        </a:solidFill>
+        <a:latin typeface="+mn-lt"/>
+        <a:ea typeface="+mn-ea"/>
+        <a:cs typeface="+mn-cs"/>
+      </a:defRPr>
+    </a:lvl9pPr>
+  </p:defaultTextStyle>
 </p:presentation>
 </file>
 
 <file path=ppt/slideLayouts/slideLayout1.xml><?xml version="1.0" encoding="utf-8"?>
-<p:sldLayout xmlns:a="http://schemas.openxmlformats.org/drawingml/2006/main" xmlns:p="http://schemas.openxmlformats.org/presentationml/2006/main" xmlns:r="http://schemas.openxmlformats.org/officeDocument/2006/relationships" type="blank" preserve="1">
+<p:sldLayout xmlns:a="http://schemas.openxmlformats.org/drawingml/2006/main" xmlns:r="http://schemas.openxmlformats.org/officeDocument/2006/relationships" xmlns:p="http://schemas.openxmlformats.org/presentationml/2006/main" type="blank" preserve="1">
   <p:cSld name="Blank Slide">
     <p:spTree>
       <p:nvGrpSpPr>
@@ -43,11 +138,14 @@
       </p:grpSpPr>
     </p:spTree>
   </p:cSld>
+  <p:clrMapOvr>
+    <a:masterClrMapping/>
+  </p:clrMapOvr>
 </p:sldLayout>
 </file>
 
 <file path=ppt/slideLayouts/slideLayout10.xml><?xml version="1.0" encoding="utf-8"?>
-<p:sldLayout xmlns:a="http://schemas.openxmlformats.org/drawingml/2006/main" xmlns:p="http://schemas.openxmlformats.org/presentationml/2006/main" xmlns:r="http://schemas.openxmlformats.org/officeDocument/2006/relationships" type="objOverTx" preserve="1">
+<p:sldLayout xmlns:a="http://schemas.openxmlformats.org/drawingml/2006/main" xmlns:r="http://schemas.openxmlformats.org/officeDocument/2006/relationships" xmlns:p="http://schemas.openxmlformats.org/presentationml/2006/main" type="objOverTx" preserve="1">
   <p:cSld name="Title, Content over Content">
     <p:spTree>
       <p:nvGrpSpPr>
@@ -83,7 +181,8 @@
           </a:prstGeom>
         </p:spPr>
         <p:txBody>
-          <a:bodyPr lIns="0" rIns="0" tIns="0" bIns="0" anchor="ctr"/>
+          <a:bodyPr lIns="0" tIns="0" rIns="0" bIns="0" anchor="ctr"/>
+          <a:lstStyle/>
           <a:p>
             <a:pPr algn="ctr"/>
             <a:endParaRPr/>
@@ -110,7 +209,8 @@
           </a:prstGeom>
         </p:spPr>
         <p:txBody>
-          <a:bodyPr lIns="0" rIns="0" tIns="0" bIns="0"/>
+          <a:bodyPr lIns="0" tIns="0" rIns="0" bIns="0"/>
+          <a:lstStyle/>
           <a:p>
             <a:endParaRPr/>
           </a:p>
@@ -136,7 +236,8 @@
           </a:prstGeom>
         </p:spPr>
         <p:txBody>
-          <a:bodyPr lIns="0" rIns="0" tIns="0" bIns="0"/>
+          <a:bodyPr lIns="0" tIns="0" rIns="0" bIns="0"/>
+          <a:lstStyle/>
           <a:p>
             <a:endParaRPr/>
           </a:p>
@@ -144,11 +245,14 @@
       </p:sp>
     </p:spTree>
   </p:cSld>
+  <p:clrMapOvr>
+    <a:masterClrMapping/>
+  </p:clrMapOvr>
 </p:sldLayout>
 </file>
 
 <file path=ppt/slideLayouts/slideLayout11.xml><?xml version="1.0" encoding="utf-8"?>
-<p:sldLayout xmlns:a="http://schemas.openxmlformats.org/drawingml/2006/main" xmlns:p="http://schemas.openxmlformats.org/presentationml/2006/main" xmlns:r="http://schemas.openxmlformats.org/officeDocument/2006/relationships" type="fourObj" preserve="1">
+<p:sldLayout xmlns:a="http://schemas.openxmlformats.org/drawingml/2006/main" xmlns:r="http://schemas.openxmlformats.org/officeDocument/2006/relationships" xmlns:p="http://schemas.openxmlformats.org/presentationml/2006/main" type="fourObj" preserve="1">
   <p:cSld name="Title, 4 Content">
     <p:spTree>
       <p:nvGrpSpPr>
@@ -184,7 +288,8 @@
           </a:prstGeom>
         </p:spPr>
         <p:txBody>
-          <a:bodyPr lIns="0" rIns="0" tIns="0" bIns="0" anchor="ctr"/>
+          <a:bodyPr lIns="0" tIns="0" rIns="0" bIns="0" anchor="ctr"/>
+          <a:lstStyle/>
           <a:p>
             <a:pPr algn="ctr"/>
             <a:endParaRPr/>
@@ -211,7 +316,8 @@
           </a:prstGeom>
         </p:spPr>
         <p:txBody>
-          <a:bodyPr lIns="0" rIns="0" tIns="0" bIns="0"/>
+          <a:bodyPr lIns="0" tIns="0" rIns="0" bIns="0"/>
+          <a:lstStyle/>
           <a:p>
             <a:endParaRPr/>
           </a:p>
@@ -237,7 +343,8 @@
           </a:prstGeom>
         </p:spPr>
         <p:txBody>
-          <a:bodyPr lIns="0" rIns="0" tIns="0" bIns="0"/>
+          <a:bodyPr lIns="0" tIns="0" rIns="0" bIns="0"/>
+          <a:lstStyle/>
           <a:p>
             <a:endParaRPr/>
           </a:p>
@@ -263,7 +370,8 @@
           </a:prstGeom>
         </p:spPr>
         <p:txBody>
-          <a:bodyPr lIns="0" rIns="0" tIns="0" bIns="0"/>
+          <a:bodyPr lIns="0" tIns="0" rIns="0" bIns="0"/>
+          <a:lstStyle/>
           <a:p>
             <a:endParaRPr/>
           </a:p>
@@ -289,7 +397,8 @@
           </a:prstGeom>
         </p:spPr>
         <p:txBody>
-          <a:bodyPr lIns="0" rIns="0" tIns="0" bIns="0"/>
+          <a:bodyPr lIns="0" tIns="0" rIns="0" bIns="0"/>
+          <a:lstStyle/>
           <a:p>
             <a:endParaRPr/>
           </a:p>
@@ -297,11 +406,14 @@
       </p:sp>
     </p:spTree>
   </p:cSld>
+  <p:clrMapOvr>
+    <a:masterClrMapping/>
+  </p:clrMapOvr>
 </p:sldLayout>
 </file>
 
 <file path=ppt/slideLayouts/slideLayout12.xml><?xml version="1.0" encoding="utf-8"?>
-<p:sldLayout xmlns:a="http://schemas.openxmlformats.org/drawingml/2006/main" xmlns:p="http://schemas.openxmlformats.org/presentationml/2006/main" xmlns:r="http://schemas.openxmlformats.org/officeDocument/2006/relationships" type="blank" preserve="1">
+<p:sldLayout xmlns:a="http://schemas.openxmlformats.org/drawingml/2006/main" xmlns:r="http://schemas.openxmlformats.org/officeDocument/2006/relationships" xmlns:p="http://schemas.openxmlformats.org/presentationml/2006/main" type="blank" preserve="1">
   <p:cSld name="Title, 6 Content">
     <p:spTree>
       <p:nvGrpSpPr>
@@ -337,7 +449,8 @@
           </a:prstGeom>
         </p:spPr>
         <p:txBody>
-          <a:bodyPr lIns="0" rIns="0" tIns="0" bIns="0" anchor="ctr"/>
+          <a:bodyPr lIns="0" tIns="0" rIns="0" bIns="0" anchor="ctr"/>
+          <a:lstStyle/>
           <a:p>
             <a:pPr algn="ctr"/>
             <a:endParaRPr/>
@@ -364,7 +477,8 @@
           </a:prstGeom>
         </p:spPr>
         <p:txBody>
-          <a:bodyPr lIns="0" rIns="0" tIns="0" bIns="0"/>
+          <a:bodyPr lIns="0" tIns="0" rIns="0" bIns="0"/>
+          <a:lstStyle/>
           <a:p>
             <a:endParaRPr/>
           </a:p>
@@ -390,7 +504,8 @@
           </a:prstGeom>
         </p:spPr>
         <p:txBody>
-          <a:bodyPr lIns="0" rIns="0" tIns="0" bIns="0"/>
+          <a:bodyPr lIns="0" tIns="0" rIns="0" bIns="0"/>
+          <a:lstStyle/>
           <a:p>
             <a:endParaRPr/>
           </a:p>
@@ -398,7 +513,7 @@
       </p:sp>
       <p:pic>
         <p:nvPicPr>
-          <p:cNvPr id="36" name="" descr=""/>
+          <p:cNvPr id="36" name="图片 35"/>
           <p:cNvPicPr/>
           <p:nvPr/>
         </p:nvPicPr>
@@ -423,12 +538,12 @@
       </p:pic>
       <p:pic>
         <p:nvPicPr>
-          <p:cNvPr id="37" name="" descr=""/>
+          <p:cNvPr id="37" name="图片 36"/>
           <p:cNvPicPr/>
           <p:nvPr/>
         </p:nvPicPr>
         <p:blipFill>
-          <a:blip r:embed="rId3"/>
+          <a:blip r:embed="rId2"/>
           <a:stretch>
             <a:fillRect/>
           </a:stretch>
@@ -448,11 +563,14 @@
       </p:pic>
     </p:spTree>
   </p:cSld>
+  <p:clrMapOvr>
+    <a:masterClrMapping/>
+  </p:clrMapOvr>
 </p:sldLayout>
 </file>
 
 <file path=ppt/slideLayouts/slideLayout13.xml><?xml version="1.0" encoding="utf-8"?>
-<p:sldLayout xmlns:a="http://schemas.openxmlformats.org/drawingml/2006/main" xmlns:p="http://schemas.openxmlformats.org/presentationml/2006/main" xmlns:r="http://schemas.openxmlformats.org/officeDocument/2006/relationships" type="blank" preserve="1">
+<p:sldLayout xmlns:a="http://schemas.openxmlformats.org/drawingml/2006/main" xmlns:r="http://schemas.openxmlformats.org/officeDocument/2006/relationships" xmlns:p="http://schemas.openxmlformats.org/presentationml/2006/main" type="blank" preserve="1">
   <p:cSld name="Blank Slide">
     <p:spTree>
       <p:nvGrpSpPr>
@@ -470,11 +588,14 @@
       </p:grpSpPr>
     </p:spTree>
   </p:cSld>
+  <p:clrMapOvr>
+    <a:masterClrMapping/>
+  </p:clrMapOvr>
 </p:sldLayout>
 </file>
 
 <file path=ppt/slideLayouts/slideLayout14.xml><?xml version="1.0" encoding="utf-8"?>
-<p:sldLayout xmlns:a="http://schemas.openxmlformats.org/drawingml/2006/main" xmlns:p="http://schemas.openxmlformats.org/presentationml/2006/main" xmlns:r="http://schemas.openxmlformats.org/officeDocument/2006/relationships" type="tx" preserve="1">
+<p:sldLayout xmlns:a="http://schemas.openxmlformats.org/drawingml/2006/main" xmlns:r="http://schemas.openxmlformats.org/officeDocument/2006/relationships" xmlns:p="http://schemas.openxmlformats.org/presentationml/2006/main" type="tx" preserve="1">
   <p:cSld name="Title Slide">
     <p:spTree>
       <p:nvGrpSpPr>
@@ -510,7 +631,8 @@
           </a:prstGeom>
         </p:spPr>
         <p:txBody>
-          <a:bodyPr lIns="0" rIns="0" tIns="0" bIns="0" anchor="ctr"/>
+          <a:bodyPr lIns="0" tIns="0" rIns="0" bIns="0" anchor="ctr"/>
+          <a:lstStyle/>
           <a:p>
             <a:pPr algn="ctr"/>
             <a:endParaRPr/>
@@ -537,7 +659,8 @@
           </a:prstGeom>
         </p:spPr>
         <p:txBody>
-          <a:bodyPr lIns="0" rIns="0" tIns="0" bIns="0" anchor="ctr"/>
+          <a:bodyPr lIns="0" tIns="0" rIns="0" bIns="0" anchor="ctr"/>
+          <a:lstStyle/>
           <a:p>
             <a:pPr algn="ctr"/>
             <a:endParaRPr/>
@@ -546,11 +669,14 @@
       </p:sp>
     </p:spTree>
   </p:cSld>
+  <p:clrMapOvr>
+    <a:masterClrMapping/>
+  </p:clrMapOvr>
 </p:sldLayout>
 </file>
 
 <file path=ppt/slideLayouts/slideLayout15.xml><?xml version="1.0" encoding="utf-8"?>
-<p:sldLayout xmlns:a="http://schemas.openxmlformats.org/drawingml/2006/main" xmlns:p="http://schemas.openxmlformats.org/presentationml/2006/main" xmlns:r="http://schemas.openxmlformats.org/officeDocument/2006/relationships" type="obj" preserve="1">
+<p:sldLayout xmlns:a="http://schemas.openxmlformats.org/drawingml/2006/main" xmlns:r="http://schemas.openxmlformats.org/officeDocument/2006/relationships" xmlns:p="http://schemas.openxmlformats.org/presentationml/2006/main" type="obj" preserve="1">
   <p:cSld name="Title, Content">
     <p:spTree>
       <p:nvGrpSpPr>
@@ -586,7 +712,8 @@
           </a:prstGeom>
         </p:spPr>
         <p:txBody>
-          <a:bodyPr lIns="0" rIns="0" tIns="0" bIns="0" anchor="ctr"/>
+          <a:bodyPr lIns="0" tIns="0" rIns="0" bIns="0" anchor="ctr"/>
+          <a:lstStyle/>
           <a:p>
             <a:pPr algn="ctr"/>
             <a:endParaRPr/>
@@ -613,7 +740,8 @@
           </a:prstGeom>
         </p:spPr>
         <p:txBody>
-          <a:bodyPr lIns="0" rIns="0" tIns="0" bIns="0"/>
+          <a:bodyPr lIns="0" tIns="0" rIns="0" bIns="0"/>
+          <a:lstStyle/>
           <a:p>
             <a:endParaRPr/>
           </a:p>
@@ -621,11 +749,14 @@
       </p:sp>
     </p:spTree>
   </p:cSld>
+  <p:clrMapOvr>
+    <a:masterClrMapping/>
+  </p:clrMapOvr>
 </p:sldLayout>
 </file>
 
 <file path=ppt/slideLayouts/slideLayout16.xml><?xml version="1.0" encoding="utf-8"?>
-<p:sldLayout xmlns:a="http://schemas.openxmlformats.org/drawingml/2006/main" xmlns:p="http://schemas.openxmlformats.org/presentationml/2006/main" xmlns:r="http://schemas.openxmlformats.org/officeDocument/2006/relationships" type="twoObj" preserve="1">
+<p:sldLayout xmlns:a="http://schemas.openxmlformats.org/drawingml/2006/main" xmlns:r="http://schemas.openxmlformats.org/officeDocument/2006/relationships" xmlns:p="http://schemas.openxmlformats.org/presentationml/2006/main" type="twoObj" preserve="1">
   <p:cSld name="Title, 2 Content">
     <p:spTree>
       <p:nvGrpSpPr>
@@ -661,7 +792,8 @@
           </a:prstGeom>
         </p:spPr>
         <p:txBody>
-          <a:bodyPr lIns="0" rIns="0" tIns="0" bIns="0" anchor="ctr"/>
+          <a:bodyPr lIns="0" tIns="0" rIns="0" bIns="0" anchor="ctr"/>
+          <a:lstStyle/>
           <a:p>
             <a:pPr algn="ctr"/>
             <a:endParaRPr/>
@@ -688,7 +820,8 @@
           </a:prstGeom>
         </p:spPr>
         <p:txBody>
-          <a:bodyPr lIns="0" rIns="0" tIns="0" bIns="0"/>
+          <a:bodyPr lIns="0" tIns="0" rIns="0" bIns="0"/>
+          <a:lstStyle/>
           <a:p>
             <a:endParaRPr/>
           </a:p>
@@ -714,7 +847,8 @@
           </a:prstGeom>
         </p:spPr>
         <p:txBody>
-          <a:bodyPr lIns="0" rIns="0" tIns="0" bIns="0"/>
+          <a:bodyPr lIns="0" tIns="0" rIns="0" bIns="0"/>
+          <a:lstStyle/>
           <a:p>
             <a:endParaRPr/>
           </a:p>
@@ -722,11 +856,14 @@
       </p:sp>
     </p:spTree>
   </p:cSld>
+  <p:clrMapOvr>
+    <a:masterClrMapping/>
+  </p:clrMapOvr>
 </p:sldLayout>
 </file>
 
 <file path=ppt/slideLayouts/slideLayout17.xml><?xml version="1.0" encoding="utf-8"?>
-<p:sldLayout xmlns:a="http://schemas.openxmlformats.org/drawingml/2006/main" xmlns:p="http://schemas.openxmlformats.org/presentationml/2006/main" xmlns:r="http://schemas.openxmlformats.org/officeDocument/2006/relationships" type="titleOnly" preserve="1">
+<p:sldLayout xmlns:a="http://schemas.openxmlformats.org/drawingml/2006/main" xmlns:r="http://schemas.openxmlformats.org/officeDocument/2006/relationships" xmlns:p="http://schemas.openxmlformats.org/presentationml/2006/main" type="titleOnly" preserve="1">
   <p:cSld name="Title Only">
     <p:spTree>
       <p:nvGrpSpPr>
@@ -762,7 +899,8 @@
           </a:prstGeom>
         </p:spPr>
         <p:txBody>
-          <a:bodyPr lIns="0" rIns="0" tIns="0" bIns="0" anchor="ctr"/>
+          <a:bodyPr lIns="0" tIns="0" rIns="0" bIns="0" anchor="ctr"/>
+          <a:lstStyle/>
           <a:p>
             <a:pPr algn="ctr"/>
             <a:endParaRPr/>
@@ -771,11 +909,14 @@
       </p:sp>
     </p:spTree>
   </p:cSld>
+  <p:clrMapOvr>
+    <a:masterClrMapping/>
+  </p:clrMapOvr>
 </p:sldLayout>
 </file>
 
 <file path=ppt/slideLayouts/slideLayout18.xml><?xml version="1.0" encoding="utf-8"?>
-<p:sldLayout xmlns:a="http://schemas.openxmlformats.org/drawingml/2006/main" xmlns:p="http://schemas.openxmlformats.org/presentationml/2006/main" xmlns:r="http://schemas.openxmlformats.org/officeDocument/2006/relationships" type="objOnly" preserve="1">
+<p:sldLayout xmlns:a="http://schemas.openxmlformats.org/drawingml/2006/main" xmlns:r="http://schemas.openxmlformats.org/officeDocument/2006/relationships" xmlns:p="http://schemas.openxmlformats.org/presentationml/2006/main" type="objOnly" preserve="1">
   <p:cSld name="Centered Text">
     <p:spTree>
       <p:nvGrpSpPr>
@@ -811,7 +952,8 @@
           </a:prstGeom>
         </p:spPr>
         <p:txBody>
-          <a:bodyPr lIns="0" rIns="0" tIns="0" bIns="0" anchor="ctr"/>
+          <a:bodyPr lIns="0" tIns="0" rIns="0" bIns="0" anchor="ctr"/>
+          <a:lstStyle/>
           <a:p>
             <a:pPr algn="ctr"/>
             <a:endParaRPr/>
@@ -820,11 +962,14 @@
       </p:sp>
     </p:spTree>
   </p:cSld>
+  <p:clrMapOvr>
+    <a:masterClrMapping/>
+  </p:clrMapOvr>
 </p:sldLayout>
 </file>
 
 <file path=ppt/slideLayouts/slideLayout19.xml><?xml version="1.0" encoding="utf-8"?>
-<p:sldLayout xmlns:a="http://schemas.openxmlformats.org/drawingml/2006/main" xmlns:p="http://schemas.openxmlformats.org/presentationml/2006/main" xmlns:r="http://schemas.openxmlformats.org/officeDocument/2006/relationships" type="twoObjAndObj" preserve="1">
+<p:sldLayout xmlns:a="http://schemas.openxmlformats.org/drawingml/2006/main" xmlns:r="http://schemas.openxmlformats.org/officeDocument/2006/relationships" xmlns:p="http://schemas.openxmlformats.org/presentationml/2006/main" type="twoObjAndObj" preserve="1">
   <p:cSld name="Title, 2 Content and Content">
     <p:spTree>
       <p:nvGrpSpPr>
@@ -860,7 +1005,8 @@
           </a:prstGeom>
         </p:spPr>
         <p:txBody>
-          <a:bodyPr lIns="0" rIns="0" tIns="0" bIns="0" anchor="ctr"/>
+          <a:bodyPr lIns="0" tIns="0" rIns="0" bIns="0" anchor="ctr"/>
+          <a:lstStyle/>
           <a:p>
             <a:pPr algn="ctr"/>
             <a:endParaRPr/>
@@ -887,7 +1033,8 @@
           </a:prstGeom>
         </p:spPr>
         <p:txBody>
-          <a:bodyPr lIns="0" rIns="0" tIns="0" bIns="0"/>
+          <a:bodyPr lIns="0" tIns="0" rIns="0" bIns="0"/>
+          <a:lstStyle/>
           <a:p>
             <a:endParaRPr/>
           </a:p>
@@ -913,7 +1060,8 @@
           </a:prstGeom>
         </p:spPr>
         <p:txBody>
-          <a:bodyPr lIns="0" rIns="0" tIns="0" bIns="0"/>
+          <a:bodyPr lIns="0" tIns="0" rIns="0" bIns="0"/>
+          <a:lstStyle/>
           <a:p>
             <a:endParaRPr/>
           </a:p>
@@ -939,7 +1087,8 @@
           </a:prstGeom>
         </p:spPr>
         <p:txBody>
-          <a:bodyPr lIns="0" rIns="0" tIns="0" bIns="0"/>
+          <a:bodyPr lIns="0" tIns="0" rIns="0" bIns="0"/>
+          <a:lstStyle/>
           <a:p>
             <a:endParaRPr/>
           </a:p>
@@ -947,11 +1096,14 @@
       </p:sp>
     </p:spTree>
   </p:cSld>
+  <p:clrMapOvr>
+    <a:masterClrMapping/>
+  </p:clrMapOvr>
 </p:sldLayout>
 </file>
 
 <file path=ppt/slideLayouts/slideLayout2.xml><?xml version="1.0" encoding="utf-8"?>
-<p:sldLayout xmlns:a="http://schemas.openxmlformats.org/drawingml/2006/main" xmlns:p="http://schemas.openxmlformats.org/presentationml/2006/main" xmlns:r="http://schemas.openxmlformats.org/officeDocument/2006/relationships" type="tx" preserve="1">
+<p:sldLayout xmlns:a="http://schemas.openxmlformats.org/drawingml/2006/main" xmlns:r="http://schemas.openxmlformats.org/officeDocument/2006/relationships" xmlns:p="http://schemas.openxmlformats.org/presentationml/2006/main" type="tx" preserve="1">
   <p:cSld name="Title Slide">
     <p:spTree>
       <p:nvGrpSpPr>
@@ -987,7 +1139,8 @@
           </a:prstGeom>
         </p:spPr>
         <p:txBody>
-          <a:bodyPr lIns="0" rIns="0" tIns="0" bIns="0" anchor="ctr"/>
+          <a:bodyPr lIns="0" tIns="0" rIns="0" bIns="0" anchor="ctr"/>
+          <a:lstStyle/>
           <a:p>
             <a:pPr algn="ctr"/>
             <a:endParaRPr/>
@@ -1014,7 +1167,8 @@
           </a:prstGeom>
         </p:spPr>
         <p:txBody>
-          <a:bodyPr lIns="0" rIns="0" tIns="0" bIns="0" anchor="ctr"/>
+          <a:bodyPr lIns="0" tIns="0" rIns="0" bIns="0" anchor="ctr"/>
+          <a:lstStyle/>
           <a:p>
             <a:pPr algn="ctr"/>
             <a:endParaRPr/>
@@ -1023,11 +1177,14 @@
       </p:sp>
     </p:spTree>
   </p:cSld>
+  <p:clrMapOvr>
+    <a:masterClrMapping/>
+  </p:clrMapOvr>
 </p:sldLayout>
 </file>
 
 <file path=ppt/slideLayouts/slideLayout20.xml><?xml version="1.0" encoding="utf-8"?>
-<p:sldLayout xmlns:a="http://schemas.openxmlformats.org/drawingml/2006/main" xmlns:p="http://schemas.openxmlformats.org/presentationml/2006/main" xmlns:r="http://schemas.openxmlformats.org/officeDocument/2006/relationships" type="objAndTwoObj" preserve="1">
+<p:sldLayout xmlns:a="http://schemas.openxmlformats.org/drawingml/2006/main" xmlns:r="http://schemas.openxmlformats.org/officeDocument/2006/relationships" xmlns:p="http://schemas.openxmlformats.org/presentationml/2006/main" type="objAndTwoObj" preserve="1">
   <p:cSld name="Title Content and 2 Content">
     <p:spTree>
       <p:nvGrpSpPr>
@@ -1063,7 +1220,8 @@
           </a:prstGeom>
         </p:spPr>
         <p:txBody>
-          <a:bodyPr lIns="0" rIns="0" tIns="0" bIns="0" anchor="ctr"/>
+          <a:bodyPr lIns="0" tIns="0" rIns="0" bIns="0" anchor="ctr"/>
+          <a:lstStyle/>
           <a:p>
             <a:pPr algn="ctr"/>
             <a:endParaRPr/>
@@ -1090,7 +1248,8 @@
           </a:prstGeom>
         </p:spPr>
         <p:txBody>
-          <a:bodyPr lIns="0" rIns="0" tIns="0" bIns="0"/>
+          <a:bodyPr lIns="0" tIns="0" rIns="0" bIns="0"/>
+          <a:lstStyle/>
           <a:p>
             <a:endParaRPr/>
           </a:p>
@@ -1116,7 +1275,8 @@
           </a:prstGeom>
         </p:spPr>
         <p:txBody>
-          <a:bodyPr lIns="0" rIns="0" tIns="0" bIns="0"/>
+          <a:bodyPr lIns="0" tIns="0" rIns="0" bIns="0"/>
+          <a:lstStyle/>
           <a:p>
             <a:endParaRPr/>
           </a:p>
@@ -1142,7 +1302,8 @@
           </a:prstGeom>
         </p:spPr>
         <p:txBody>
-          <a:bodyPr lIns="0" rIns="0" tIns="0" bIns="0"/>
+          <a:bodyPr lIns="0" tIns="0" rIns="0" bIns="0"/>
+          <a:lstStyle/>
           <a:p>
             <a:endParaRPr/>
           </a:p>
@@ -1150,11 +1311,14 @@
       </p:sp>
     </p:spTree>
   </p:cSld>
+  <p:clrMapOvr>
+    <a:masterClrMapping/>
+  </p:clrMapOvr>
 </p:sldLayout>
 </file>
 
 <file path=ppt/slideLayouts/slideLayout21.xml><?xml version="1.0" encoding="utf-8"?>
-<p:sldLayout xmlns:a="http://schemas.openxmlformats.org/drawingml/2006/main" xmlns:p="http://schemas.openxmlformats.org/presentationml/2006/main" xmlns:r="http://schemas.openxmlformats.org/officeDocument/2006/relationships" type="twoObjOverTx" preserve="1">
+<p:sldLayout xmlns:a="http://schemas.openxmlformats.org/drawingml/2006/main" xmlns:r="http://schemas.openxmlformats.org/officeDocument/2006/relationships" xmlns:p="http://schemas.openxmlformats.org/presentationml/2006/main" type="twoObjOverTx" preserve="1">
   <p:cSld name="Title, 2 Content over Content">
     <p:spTree>
       <p:nvGrpSpPr>
@@ -1190,7 +1354,8 @@
           </a:prstGeom>
         </p:spPr>
         <p:txBody>
-          <a:bodyPr lIns="0" rIns="0" tIns="0" bIns="0" anchor="ctr"/>
+          <a:bodyPr lIns="0" tIns="0" rIns="0" bIns="0" anchor="ctr"/>
+          <a:lstStyle/>
           <a:p>
             <a:pPr algn="ctr"/>
             <a:endParaRPr/>
@@ -1217,7 +1382,8 @@
           </a:prstGeom>
         </p:spPr>
         <p:txBody>
-          <a:bodyPr lIns="0" rIns="0" tIns="0" bIns="0"/>
+          <a:bodyPr lIns="0" tIns="0" rIns="0" bIns="0"/>
+          <a:lstStyle/>
           <a:p>
             <a:endParaRPr/>
           </a:p>
@@ -1243,7 +1409,8 @@
           </a:prstGeom>
         </p:spPr>
         <p:txBody>
-          <a:bodyPr lIns="0" rIns="0" tIns="0" bIns="0"/>
+          <a:bodyPr lIns="0" tIns="0" rIns="0" bIns="0"/>
+          <a:lstStyle/>
           <a:p>
             <a:endParaRPr/>
           </a:p>
@@ -1269,7 +1436,8 @@
           </a:prstGeom>
         </p:spPr>
         <p:txBody>
-          <a:bodyPr lIns="0" rIns="0" tIns="0" bIns="0"/>
+          <a:bodyPr lIns="0" tIns="0" rIns="0" bIns="0"/>
+          <a:lstStyle/>
           <a:p>
             <a:endParaRPr/>
           </a:p>
@@ -1277,11 +1445,14 @@
       </p:sp>
     </p:spTree>
   </p:cSld>
+  <p:clrMapOvr>
+    <a:masterClrMapping/>
+  </p:clrMapOvr>
 </p:sldLayout>
 </file>
 
 <file path=ppt/slideLayouts/slideLayout22.xml><?xml version="1.0" encoding="utf-8"?>
-<p:sldLayout xmlns:a="http://schemas.openxmlformats.org/drawingml/2006/main" xmlns:p="http://schemas.openxmlformats.org/presentationml/2006/main" xmlns:r="http://schemas.openxmlformats.org/officeDocument/2006/relationships" type="objOverTx" preserve="1">
+<p:sldLayout xmlns:a="http://schemas.openxmlformats.org/drawingml/2006/main" xmlns:r="http://schemas.openxmlformats.org/officeDocument/2006/relationships" xmlns:p="http://schemas.openxmlformats.org/presentationml/2006/main" type="objOverTx" preserve="1">
   <p:cSld name="Title, Content over Content">
     <p:spTree>
       <p:nvGrpSpPr>
@@ -1317,7 +1488,8 @@
           </a:prstGeom>
         </p:spPr>
         <p:txBody>
-          <a:bodyPr lIns="0" rIns="0" tIns="0" bIns="0" anchor="ctr"/>
+          <a:bodyPr lIns="0" tIns="0" rIns="0" bIns="0" anchor="ctr"/>
+          <a:lstStyle/>
           <a:p>
             <a:pPr algn="ctr"/>
             <a:endParaRPr/>
@@ -1344,7 +1516,8 @@
           </a:prstGeom>
         </p:spPr>
         <p:txBody>
-          <a:bodyPr lIns="0" rIns="0" tIns="0" bIns="0"/>
+          <a:bodyPr lIns="0" tIns="0" rIns="0" bIns="0"/>
+          <a:lstStyle/>
           <a:p>
             <a:endParaRPr/>
           </a:p>
@@ -1370,7 +1543,8 @@
           </a:prstGeom>
         </p:spPr>
         <p:txBody>
-          <a:bodyPr lIns="0" rIns="0" tIns="0" bIns="0"/>
+          <a:bodyPr lIns="0" tIns="0" rIns="0" bIns="0"/>
+          <a:lstStyle/>
           <a:p>
             <a:endParaRPr/>
           </a:p>
@@ -1378,11 +1552,14 @@
       </p:sp>
     </p:spTree>
   </p:cSld>
+  <p:clrMapOvr>
+    <a:masterClrMapping/>
+  </p:clrMapOvr>
 </p:sldLayout>
 </file>
 
 <file path=ppt/slideLayouts/slideLayout23.xml><?xml version="1.0" encoding="utf-8"?>
-<p:sldLayout xmlns:a="http://schemas.openxmlformats.org/drawingml/2006/main" xmlns:p="http://schemas.openxmlformats.org/presentationml/2006/main" xmlns:r="http://schemas.openxmlformats.org/officeDocument/2006/relationships" type="fourObj" preserve="1">
+<p:sldLayout xmlns:a="http://schemas.openxmlformats.org/drawingml/2006/main" xmlns:r="http://schemas.openxmlformats.org/officeDocument/2006/relationships" xmlns:p="http://schemas.openxmlformats.org/presentationml/2006/main" type="fourObj" preserve="1">
   <p:cSld name="Title, 4 Content">
     <p:spTree>
       <p:nvGrpSpPr>
@@ -1418,7 +1595,8 @@
           </a:prstGeom>
         </p:spPr>
         <p:txBody>
-          <a:bodyPr lIns="0" rIns="0" tIns="0" bIns="0" anchor="ctr"/>
+          <a:bodyPr lIns="0" tIns="0" rIns="0" bIns="0" anchor="ctr"/>
+          <a:lstStyle/>
           <a:p>
             <a:pPr algn="ctr"/>
             <a:endParaRPr/>
@@ -1445,7 +1623,8 @@
           </a:prstGeom>
         </p:spPr>
         <p:txBody>
-          <a:bodyPr lIns="0" rIns="0" tIns="0" bIns="0"/>
+          <a:bodyPr lIns="0" tIns="0" rIns="0" bIns="0"/>
+          <a:lstStyle/>
           <a:p>
             <a:endParaRPr/>
           </a:p>
@@ -1471,7 +1650,8 @@
           </a:prstGeom>
         </p:spPr>
         <p:txBody>
-          <a:bodyPr lIns="0" rIns="0" tIns="0" bIns="0"/>
+          <a:bodyPr lIns="0" tIns="0" rIns="0" bIns="0"/>
+          <a:lstStyle/>
           <a:p>
             <a:endParaRPr/>
           </a:p>
@@ -1497,7 +1677,8 @@
           </a:prstGeom>
         </p:spPr>
         <p:txBody>
-          <a:bodyPr lIns="0" rIns="0" tIns="0" bIns="0"/>
+          <a:bodyPr lIns="0" tIns="0" rIns="0" bIns="0"/>
+          <a:lstStyle/>
           <a:p>
             <a:endParaRPr/>
           </a:p>
@@ -1523,7 +1704,8 @@
           </a:prstGeom>
         </p:spPr>
         <p:txBody>
-          <a:bodyPr lIns="0" rIns="0" tIns="0" bIns="0"/>
+          <a:bodyPr lIns="0" tIns="0" rIns="0" bIns="0"/>
+          <a:lstStyle/>
           <a:p>
             <a:endParaRPr/>
           </a:p>
@@ -1531,11 +1713,14 @@
       </p:sp>
     </p:spTree>
   </p:cSld>
+  <p:clrMapOvr>
+    <a:masterClrMapping/>
+  </p:clrMapOvr>
 </p:sldLayout>
 </file>
 
 <file path=ppt/slideLayouts/slideLayout24.xml><?xml version="1.0" encoding="utf-8"?>
-<p:sldLayout xmlns:a="http://schemas.openxmlformats.org/drawingml/2006/main" xmlns:p="http://schemas.openxmlformats.org/presentationml/2006/main" xmlns:r="http://schemas.openxmlformats.org/officeDocument/2006/relationships" type="blank" preserve="1">
+<p:sldLayout xmlns:a="http://schemas.openxmlformats.org/drawingml/2006/main" xmlns:r="http://schemas.openxmlformats.org/officeDocument/2006/relationships" xmlns:p="http://schemas.openxmlformats.org/presentationml/2006/main" type="blank" preserve="1">
   <p:cSld name="Title, 6 Content">
     <p:spTree>
       <p:nvGrpSpPr>
@@ -1571,7 +1756,8 @@
           </a:prstGeom>
         </p:spPr>
         <p:txBody>
-          <a:bodyPr lIns="0" rIns="0" tIns="0" bIns="0" anchor="ctr"/>
+          <a:bodyPr lIns="0" tIns="0" rIns="0" bIns="0" anchor="ctr"/>
+          <a:lstStyle/>
           <a:p>
             <a:pPr algn="ctr"/>
             <a:endParaRPr/>
@@ -1598,7 +1784,8 @@
           </a:prstGeom>
         </p:spPr>
         <p:txBody>
-          <a:bodyPr lIns="0" rIns="0" tIns="0" bIns="0"/>
+          <a:bodyPr lIns="0" tIns="0" rIns="0" bIns="0"/>
+          <a:lstStyle/>
           <a:p>
             <a:endParaRPr/>
           </a:p>
@@ -1624,7 +1811,8 @@
           </a:prstGeom>
         </p:spPr>
         <p:txBody>
-          <a:bodyPr lIns="0" rIns="0" tIns="0" bIns="0"/>
+          <a:bodyPr lIns="0" tIns="0" rIns="0" bIns="0"/>
+          <a:lstStyle/>
           <a:p>
             <a:endParaRPr/>
           </a:p>
@@ -1632,7 +1820,7 @@
       </p:sp>
       <p:pic>
         <p:nvPicPr>
-          <p:cNvPr id="72" name="" descr=""/>
+          <p:cNvPr id="72" name="图片 71"/>
           <p:cNvPicPr/>
           <p:nvPr/>
         </p:nvPicPr>
@@ -1657,12 +1845,12 @@
       </p:pic>
       <p:pic>
         <p:nvPicPr>
-          <p:cNvPr id="73" name="" descr=""/>
+          <p:cNvPr id="73" name="图片 72"/>
           <p:cNvPicPr/>
           <p:nvPr/>
         </p:nvPicPr>
         <p:blipFill>
-          <a:blip r:embed="rId3"/>
+          <a:blip r:embed="rId2"/>
           <a:stretch>
             <a:fillRect/>
           </a:stretch>
@@ -1682,11 +1870,14 @@
       </p:pic>
     </p:spTree>
   </p:cSld>
+  <p:clrMapOvr>
+    <a:masterClrMapping/>
+  </p:clrMapOvr>
 </p:sldLayout>
 </file>
 
 <file path=ppt/slideLayouts/slideLayout25.xml><?xml version="1.0" encoding="utf-8"?>
-<p:sldLayout xmlns:a="http://schemas.openxmlformats.org/drawingml/2006/main" xmlns:p="http://schemas.openxmlformats.org/presentationml/2006/main" xmlns:r="http://schemas.openxmlformats.org/officeDocument/2006/relationships" type="blank" preserve="1">
+<p:sldLayout xmlns:a="http://schemas.openxmlformats.org/drawingml/2006/main" xmlns:r="http://schemas.openxmlformats.org/officeDocument/2006/relationships" xmlns:p="http://schemas.openxmlformats.org/presentationml/2006/main" type="blank" preserve="1">
   <p:cSld name="Blank Slide">
     <p:spTree>
       <p:nvGrpSpPr>
@@ -1704,11 +1895,14 @@
       </p:grpSpPr>
     </p:spTree>
   </p:cSld>
+  <p:clrMapOvr>
+    <a:masterClrMapping/>
+  </p:clrMapOvr>
 </p:sldLayout>
 </file>
 
 <file path=ppt/slideLayouts/slideLayout26.xml><?xml version="1.0" encoding="utf-8"?>
-<p:sldLayout xmlns:a="http://schemas.openxmlformats.org/drawingml/2006/main" xmlns:p="http://schemas.openxmlformats.org/presentationml/2006/main" xmlns:r="http://schemas.openxmlformats.org/officeDocument/2006/relationships" type="tx" preserve="1">
+<p:sldLayout xmlns:a="http://schemas.openxmlformats.org/drawingml/2006/main" xmlns:r="http://schemas.openxmlformats.org/officeDocument/2006/relationships" xmlns:p="http://schemas.openxmlformats.org/presentationml/2006/main" type="tx" preserve="1">
   <p:cSld name="Title Slide">
     <p:spTree>
       <p:nvGrpSpPr>
@@ -1744,7 +1938,8 @@
           </a:prstGeom>
         </p:spPr>
         <p:txBody>
-          <a:bodyPr lIns="0" rIns="0" tIns="0" bIns="0" anchor="ctr"/>
+          <a:bodyPr lIns="0" tIns="0" rIns="0" bIns="0" anchor="ctr"/>
+          <a:lstStyle/>
           <a:p>
             <a:pPr algn="ctr"/>
             <a:endParaRPr/>
@@ -1771,7 +1966,8 @@
           </a:prstGeom>
         </p:spPr>
         <p:txBody>
-          <a:bodyPr lIns="0" rIns="0" tIns="0" bIns="0" anchor="ctr"/>
+          <a:bodyPr lIns="0" tIns="0" rIns="0" bIns="0" anchor="ctr"/>
+          <a:lstStyle/>
           <a:p>
             <a:pPr algn="ctr"/>
             <a:endParaRPr/>
@@ -1780,11 +1976,14 @@
       </p:sp>
     </p:spTree>
   </p:cSld>
+  <p:clrMapOvr>
+    <a:masterClrMapping/>
+  </p:clrMapOvr>
 </p:sldLayout>
 </file>
 
 <file path=ppt/slideLayouts/slideLayout27.xml><?xml version="1.0" encoding="utf-8"?>
-<p:sldLayout xmlns:a="http://schemas.openxmlformats.org/drawingml/2006/main" xmlns:p="http://schemas.openxmlformats.org/presentationml/2006/main" xmlns:r="http://schemas.openxmlformats.org/officeDocument/2006/relationships" type="obj" preserve="1">
+<p:sldLayout xmlns:a="http://schemas.openxmlformats.org/drawingml/2006/main" xmlns:r="http://schemas.openxmlformats.org/officeDocument/2006/relationships" xmlns:p="http://schemas.openxmlformats.org/presentationml/2006/main" type="obj" preserve="1">
   <p:cSld name="Title, Content">
     <p:spTree>
       <p:nvGrpSpPr>
@@ -1820,7 +2019,8 @@
           </a:prstGeom>
         </p:spPr>
         <p:txBody>
-          <a:bodyPr lIns="0" rIns="0" tIns="0" bIns="0" anchor="ctr"/>
+          <a:bodyPr lIns="0" tIns="0" rIns="0" bIns="0" anchor="ctr"/>
+          <a:lstStyle/>
           <a:p>
             <a:pPr algn="ctr"/>
             <a:endParaRPr/>
@@ -1847,7 +2047,8 @@
           </a:prstGeom>
         </p:spPr>
         <p:txBody>
-          <a:bodyPr lIns="0" rIns="0" tIns="0" bIns="0"/>
+          <a:bodyPr lIns="0" tIns="0" rIns="0" bIns="0"/>
+          <a:lstStyle/>
           <a:p>
             <a:endParaRPr/>
           </a:p>
@@ -1855,11 +2056,14 @@
       </p:sp>
     </p:spTree>
   </p:cSld>
+  <p:clrMapOvr>
+    <a:masterClrMapping/>
+  </p:clrMapOvr>
 </p:sldLayout>
 </file>
 
 <file path=ppt/slideLayouts/slideLayout28.xml><?xml version="1.0" encoding="utf-8"?>
-<p:sldLayout xmlns:a="http://schemas.openxmlformats.org/drawingml/2006/main" xmlns:p="http://schemas.openxmlformats.org/presentationml/2006/main" xmlns:r="http://schemas.openxmlformats.org/officeDocument/2006/relationships" type="twoObj" preserve="1">
+<p:sldLayout xmlns:a="http://schemas.openxmlformats.org/drawingml/2006/main" xmlns:r="http://schemas.openxmlformats.org/officeDocument/2006/relationships" xmlns:p="http://schemas.openxmlformats.org/presentationml/2006/main" type="twoObj" preserve="1">
   <p:cSld name="Title, 2 Content">
     <p:spTree>
       <p:nvGrpSpPr>
@@ -1895,7 +2099,8 @@
           </a:prstGeom>
         </p:spPr>
         <p:txBody>
-          <a:bodyPr lIns="0" rIns="0" tIns="0" bIns="0" anchor="ctr"/>
+          <a:bodyPr lIns="0" tIns="0" rIns="0" bIns="0" anchor="ctr"/>
+          <a:lstStyle/>
           <a:p>
             <a:pPr algn="ctr"/>
             <a:endParaRPr/>
@@ -1922,7 +2127,8 @@
           </a:prstGeom>
         </p:spPr>
         <p:txBody>
-          <a:bodyPr lIns="0" rIns="0" tIns="0" bIns="0"/>
+          <a:bodyPr lIns="0" tIns="0" rIns="0" bIns="0"/>
+          <a:lstStyle/>
           <a:p>
             <a:endParaRPr/>
           </a:p>
@@ -1948,7 +2154,8 @@
           </a:prstGeom>
         </p:spPr>
         <p:txBody>
-          <a:bodyPr lIns="0" rIns="0" tIns="0" bIns="0"/>
+          <a:bodyPr lIns="0" tIns="0" rIns="0" bIns="0"/>
+          <a:lstStyle/>
           <a:p>
             <a:endParaRPr/>
           </a:p>
@@ -1956,11 +2163,14 @@
       </p:sp>
     </p:spTree>
   </p:cSld>
+  <p:clrMapOvr>
+    <a:masterClrMapping/>
+  </p:clrMapOvr>
 </p:sldLayout>
 </file>
 
 <file path=ppt/slideLayouts/slideLayout29.xml><?xml version="1.0" encoding="utf-8"?>
-<p:sldLayout xmlns:a="http://schemas.openxmlformats.org/drawingml/2006/main" xmlns:p="http://schemas.openxmlformats.org/presentationml/2006/main" xmlns:r="http://schemas.openxmlformats.org/officeDocument/2006/relationships" type="titleOnly" preserve="1">
+<p:sldLayout xmlns:a="http://schemas.openxmlformats.org/drawingml/2006/main" xmlns:r="http://schemas.openxmlformats.org/officeDocument/2006/relationships" xmlns:p="http://schemas.openxmlformats.org/presentationml/2006/main" type="titleOnly" preserve="1">
   <p:cSld name="Title Only">
     <p:spTree>
       <p:nvGrpSpPr>
@@ -1996,7 +2206,8 @@
           </a:prstGeom>
         </p:spPr>
         <p:txBody>
-          <a:bodyPr lIns="0" rIns="0" tIns="0" bIns="0" anchor="ctr"/>
+          <a:bodyPr lIns="0" tIns="0" rIns="0" bIns="0" anchor="ctr"/>
+          <a:lstStyle/>
           <a:p>
             <a:pPr algn="ctr"/>
             <a:endParaRPr/>
@@ -2005,11 +2216,14 @@
       </p:sp>
     </p:spTree>
   </p:cSld>
+  <p:clrMapOvr>
+    <a:masterClrMapping/>
+  </p:clrMapOvr>
 </p:sldLayout>
 </file>
 
 <file path=ppt/slideLayouts/slideLayout3.xml><?xml version="1.0" encoding="utf-8"?>
-<p:sldLayout xmlns:a="http://schemas.openxmlformats.org/drawingml/2006/main" xmlns:p="http://schemas.openxmlformats.org/presentationml/2006/main" xmlns:r="http://schemas.openxmlformats.org/officeDocument/2006/relationships" type="obj" preserve="1">
+<p:sldLayout xmlns:a="http://schemas.openxmlformats.org/drawingml/2006/main" xmlns:r="http://schemas.openxmlformats.org/officeDocument/2006/relationships" xmlns:p="http://schemas.openxmlformats.org/presentationml/2006/main" type="obj" preserve="1">
   <p:cSld name="Title, Content">
     <p:spTree>
       <p:nvGrpSpPr>
@@ -2045,7 +2259,8 @@
           </a:prstGeom>
         </p:spPr>
         <p:txBody>
-          <a:bodyPr lIns="0" rIns="0" tIns="0" bIns="0" anchor="ctr"/>
+          <a:bodyPr lIns="0" tIns="0" rIns="0" bIns="0" anchor="ctr"/>
+          <a:lstStyle/>
           <a:p>
             <a:pPr algn="ctr"/>
             <a:endParaRPr/>
@@ -2072,7 +2287,8 @@
           </a:prstGeom>
         </p:spPr>
         <p:txBody>
-          <a:bodyPr lIns="0" rIns="0" tIns="0" bIns="0"/>
+          <a:bodyPr lIns="0" tIns="0" rIns="0" bIns="0"/>
+          <a:lstStyle/>
           <a:p>
             <a:endParaRPr/>
           </a:p>
@@ -2080,11 +2296,14 @@
       </p:sp>
     </p:spTree>
   </p:cSld>
+  <p:clrMapOvr>
+    <a:masterClrMapping/>
+  </p:clrMapOvr>
 </p:sldLayout>
 </file>
 
 <file path=ppt/slideLayouts/slideLayout30.xml><?xml version="1.0" encoding="utf-8"?>
-<p:sldLayout xmlns:a="http://schemas.openxmlformats.org/drawingml/2006/main" xmlns:p="http://schemas.openxmlformats.org/presentationml/2006/main" xmlns:r="http://schemas.openxmlformats.org/officeDocument/2006/relationships" type="objOnly" preserve="1">
+<p:sldLayout xmlns:a="http://schemas.openxmlformats.org/drawingml/2006/main" xmlns:r="http://schemas.openxmlformats.org/officeDocument/2006/relationships" xmlns:p="http://schemas.openxmlformats.org/presentationml/2006/main" type="objOnly" preserve="1">
   <p:cSld name="Centered Text">
     <p:spTree>
       <p:nvGrpSpPr>
@@ -2120,7 +2339,8 @@
           </a:prstGeom>
         </p:spPr>
         <p:txBody>
-          <a:bodyPr lIns="0" rIns="0" tIns="0" bIns="0" anchor="ctr"/>
+          <a:bodyPr lIns="0" tIns="0" rIns="0" bIns="0" anchor="ctr"/>
+          <a:lstStyle/>
           <a:p>
             <a:pPr algn="ctr"/>
             <a:endParaRPr/>
@@ -2129,11 +2349,14 @@
       </p:sp>
     </p:spTree>
   </p:cSld>
+  <p:clrMapOvr>
+    <a:masterClrMapping/>
+  </p:clrMapOvr>
 </p:sldLayout>
 </file>
 
 <file path=ppt/slideLayouts/slideLayout31.xml><?xml version="1.0" encoding="utf-8"?>
-<p:sldLayout xmlns:a="http://schemas.openxmlformats.org/drawingml/2006/main" xmlns:p="http://schemas.openxmlformats.org/presentationml/2006/main" xmlns:r="http://schemas.openxmlformats.org/officeDocument/2006/relationships" type="twoObjAndObj" preserve="1">
+<p:sldLayout xmlns:a="http://schemas.openxmlformats.org/drawingml/2006/main" xmlns:r="http://schemas.openxmlformats.org/officeDocument/2006/relationships" xmlns:p="http://schemas.openxmlformats.org/presentationml/2006/main" type="twoObjAndObj" preserve="1">
   <p:cSld name="Title, 2 Content and Content">
     <p:spTree>
       <p:nvGrpSpPr>
@@ -2169,7 +2392,8 @@
           </a:prstGeom>
         </p:spPr>
         <p:txBody>
-          <a:bodyPr lIns="0" rIns="0" tIns="0" bIns="0" anchor="ctr"/>
+          <a:bodyPr lIns="0" tIns="0" rIns="0" bIns="0" anchor="ctr"/>
+          <a:lstStyle/>
           <a:p>
             <a:pPr algn="ctr"/>
             <a:endParaRPr/>
@@ -2196,7 +2420,8 @@
           </a:prstGeom>
         </p:spPr>
         <p:txBody>
-          <a:bodyPr lIns="0" rIns="0" tIns="0" bIns="0"/>
+          <a:bodyPr lIns="0" tIns="0" rIns="0" bIns="0"/>
+          <a:lstStyle/>
           <a:p>
             <a:endParaRPr/>
           </a:p>
@@ -2222,7 +2447,8 @@
           </a:prstGeom>
         </p:spPr>
         <p:txBody>
-          <a:bodyPr lIns="0" rIns="0" tIns="0" bIns="0"/>
+          <a:bodyPr lIns="0" tIns="0" rIns="0" bIns="0"/>
+          <a:lstStyle/>
           <a:p>
             <a:endParaRPr/>
           </a:p>
@@ -2248,7 +2474,8 @@
           </a:prstGeom>
         </p:spPr>
         <p:txBody>
-          <a:bodyPr lIns="0" rIns="0" tIns="0" bIns="0"/>
+          <a:bodyPr lIns="0" tIns="0" rIns="0" bIns="0"/>
+          <a:lstStyle/>
           <a:p>
             <a:endParaRPr/>
           </a:p>
@@ -2256,11 +2483,14 @@
       </p:sp>
     </p:spTree>
   </p:cSld>
+  <p:clrMapOvr>
+    <a:masterClrMapping/>
+  </p:clrMapOvr>
 </p:sldLayout>
 </file>
 
 <file path=ppt/slideLayouts/slideLayout32.xml><?xml version="1.0" encoding="utf-8"?>
-<p:sldLayout xmlns:a="http://schemas.openxmlformats.org/drawingml/2006/main" xmlns:p="http://schemas.openxmlformats.org/presentationml/2006/main" xmlns:r="http://schemas.openxmlformats.org/officeDocument/2006/relationships" type="objAndTwoObj" preserve="1">
+<p:sldLayout xmlns:a="http://schemas.openxmlformats.org/drawingml/2006/main" xmlns:r="http://schemas.openxmlformats.org/officeDocument/2006/relationships" xmlns:p="http://schemas.openxmlformats.org/presentationml/2006/main" type="objAndTwoObj" preserve="1">
   <p:cSld name="Title Content and 2 Content">
     <p:spTree>
       <p:nvGrpSpPr>
@@ -2296,7 +2526,8 @@
           </a:prstGeom>
         </p:spPr>
         <p:txBody>
-          <a:bodyPr lIns="0" rIns="0" tIns="0" bIns="0" anchor="ctr"/>
+          <a:bodyPr lIns="0" tIns="0" rIns="0" bIns="0" anchor="ctr"/>
+          <a:lstStyle/>
           <a:p>
             <a:pPr algn="ctr"/>
             <a:endParaRPr/>
@@ -2323,7 +2554,8 @@
           </a:prstGeom>
         </p:spPr>
         <p:txBody>
-          <a:bodyPr lIns="0" rIns="0" tIns="0" bIns="0"/>
+          <a:bodyPr lIns="0" tIns="0" rIns="0" bIns="0"/>
+          <a:lstStyle/>
           <a:p>
             <a:endParaRPr/>
           </a:p>
@@ -2349,7 +2581,8 @@
           </a:prstGeom>
         </p:spPr>
         <p:txBody>
-          <a:bodyPr lIns="0" rIns="0" tIns="0" bIns="0"/>
+          <a:bodyPr lIns="0" tIns="0" rIns="0" bIns="0"/>
+          <a:lstStyle/>
           <a:p>
             <a:endParaRPr/>
           </a:p>
@@ -2375,7 +2608,8 @@
           </a:prstGeom>
         </p:spPr>
         <p:txBody>
-          <a:bodyPr lIns="0" rIns="0" tIns="0" bIns="0"/>
+          <a:bodyPr lIns="0" tIns="0" rIns="0" bIns="0"/>
+          <a:lstStyle/>
           <a:p>
             <a:endParaRPr/>
           </a:p>
@@ -2383,11 +2617,14 @@
       </p:sp>
     </p:spTree>
   </p:cSld>
+  <p:clrMapOvr>
+    <a:masterClrMapping/>
+  </p:clrMapOvr>
 </p:sldLayout>
 </file>
 
 <file path=ppt/slideLayouts/slideLayout33.xml><?xml version="1.0" encoding="utf-8"?>
-<p:sldLayout xmlns:a="http://schemas.openxmlformats.org/drawingml/2006/main" xmlns:p="http://schemas.openxmlformats.org/presentationml/2006/main" xmlns:r="http://schemas.openxmlformats.org/officeDocument/2006/relationships" type="twoObjOverTx" preserve="1">
+<p:sldLayout xmlns:a="http://schemas.openxmlformats.org/drawingml/2006/main" xmlns:r="http://schemas.openxmlformats.org/officeDocument/2006/relationships" xmlns:p="http://schemas.openxmlformats.org/presentationml/2006/main" type="twoObjOverTx" preserve="1">
   <p:cSld name="Title, 2 Content over Content">
     <p:spTree>
       <p:nvGrpSpPr>
@@ -2423,7 +2660,8 @@
           </a:prstGeom>
         </p:spPr>
         <p:txBody>
-          <a:bodyPr lIns="0" rIns="0" tIns="0" bIns="0" anchor="ctr"/>
+          <a:bodyPr lIns="0" tIns="0" rIns="0" bIns="0" anchor="ctr"/>
+          <a:lstStyle/>
           <a:p>
             <a:pPr algn="ctr"/>
             <a:endParaRPr/>
@@ -2450,7 +2688,8 @@
           </a:prstGeom>
         </p:spPr>
         <p:txBody>
-          <a:bodyPr lIns="0" rIns="0" tIns="0" bIns="0"/>
+          <a:bodyPr lIns="0" tIns="0" rIns="0" bIns="0"/>
+          <a:lstStyle/>
           <a:p>
             <a:endParaRPr/>
           </a:p>
@@ -2476,7 +2715,8 @@
           </a:prstGeom>
         </p:spPr>
         <p:txBody>
-          <a:bodyPr lIns="0" rIns="0" tIns="0" bIns="0"/>
+          <a:bodyPr lIns="0" tIns="0" rIns="0" bIns="0"/>
+          <a:lstStyle/>
           <a:p>
             <a:endParaRPr/>
           </a:p>
@@ -2502,7 +2742,8 @@
           </a:prstGeom>
         </p:spPr>
         <p:txBody>
-          <a:bodyPr lIns="0" rIns="0" tIns="0" bIns="0"/>
+          <a:bodyPr lIns="0" tIns="0" rIns="0" bIns="0"/>
+          <a:lstStyle/>
           <a:p>
             <a:endParaRPr/>
           </a:p>
@@ -2510,11 +2751,14 @@
       </p:sp>
     </p:spTree>
   </p:cSld>
+  <p:clrMapOvr>
+    <a:masterClrMapping/>
+  </p:clrMapOvr>
 </p:sldLayout>
 </file>
 
 <file path=ppt/slideLayouts/slideLayout34.xml><?xml version="1.0" encoding="utf-8"?>
-<p:sldLayout xmlns:a="http://schemas.openxmlformats.org/drawingml/2006/main" xmlns:p="http://schemas.openxmlformats.org/presentationml/2006/main" xmlns:r="http://schemas.openxmlformats.org/officeDocument/2006/relationships" type="objOverTx" preserve="1">
+<p:sldLayout xmlns:a="http://schemas.openxmlformats.org/drawingml/2006/main" xmlns:r="http://schemas.openxmlformats.org/officeDocument/2006/relationships" xmlns:p="http://schemas.openxmlformats.org/presentationml/2006/main" type="objOverTx" preserve="1">
   <p:cSld name="Title, Content over Content">
     <p:spTree>
       <p:nvGrpSpPr>
@@ -2550,7 +2794,8 @@
           </a:prstGeom>
         </p:spPr>
         <p:txBody>
-          <a:bodyPr lIns="0" rIns="0" tIns="0" bIns="0" anchor="ctr"/>
+          <a:bodyPr lIns="0" tIns="0" rIns="0" bIns="0" anchor="ctr"/>
+          <a:lstStyle/>
           <a:p>
             <a:pPr algn="ctr"/>
             <a:endParaRPr/>
@@ -2577,7 +2822,8 @@
           </a:prstGeom>
         </p:spPr>
         <p:txBody>
-          <a:bodyPr lIns="0" rIns="0" tIns="0" bIns="0"/>
+          <a:bodyPr lIns="0" tIns="0" rIns="0" bIns="0"/>
+          <a:lstStyle/>
           <a:p>
             <a:endParaRPr/>
           </a:p>
@@ -2603,7 +2849,8 @@
           </a:prstGeom>
         </p:spPr>
         <p:txBody>
-          <a:bodyPr lIns="0" rIns="0" tIns="0" bIns="0"/>
+          <a:bodyPr lIns="0" tIns="0" rIns="0" bIns="0"/>
+          <a:lstStyle/>
           <a:p>
             <a:endParaRPr/>
           </a:p>
@@ -2611,11 +2858,14 @@
       </p:sp>
     </p:spTree>
   </p:cSld>
+  <p:clrMapOvr>
+    <a:masterClrMapping/>
+  </p:clrMapOvr>
 </p:sldLayout>
 </file>
 
 <file path=ppt/slideLayouts/slideLayout35.xml><?xml version="1.0" encoding="utf-8"?>
-<p:sldLayout xmlns:a="http://schemas.openxmlformats.org/drawingml/2006/main" xmlns:p="http://schemas.openxmlformats.org/presentationml/2006/main" xmlns:r="http://schemas.openxmlformats.org/officeDocument/2006/relationships" type="fourObj" preserve="1">
+<p:sldLayout xmlns:a="http://schemas.openxmlformats.org/drawingml/2006/main" xmlns:r="http://schemas.openxmlformats.org/officeDocument/2006/relationships" xmlns:p="http://schemas.openxmlformats.org/presentationml/2006/main" type="fourObj" preserve="1">
   <p:cSld name="Title, 4 Content">
     <p:spTree>
       <p:nvGrpSpPr>
@@ -2651,7 +2901,8 @@
           </a:prstGeom>
         </p:spPr>
         <p:txBody>
-          <a:bodyPr lIns="0" rIns="0" tIns="0" bIns="0" anchor="ctr"/>
+          <a:bodyPr lIns="0" tIns="0" rIns="0" bIns="0" anchor="ctr"/>
+          <a:lstStyle/>
           <a:p>
             <a:pPr algn="ctr"/>
             <a:endParaRPr/>
@@ -2678,7 +2929,8 @@
           </a:prstGeom>
         </p:spPr>
         <p:txBody>
-          <a:bodyPr lIns="0" rIns="0" tIns="0" bIns="0"/>
+          <a:bodyPr lIns="0" tIns="0" rIns="0" bIns="0"/>
+          <a:lstStyle/>
           <a:p>
             <a:endParaRPr/>
           </a:p>
@@ -2704,7 +2956,8 @@
           </a:prstGeom>
         </p:spPr>
         <p:txBody>
-          <a:bodyPr lIns="0" rIns="0" tIns="0" bIns="0"/>
+          <a:bodyPr lIns="0" tIns="0" rIns="0" bIns="0"/>
+          <a:lstStyle/>
           <a:p>
             <a:endParaRPr/>
           </a:p>
@@ -2730,7 +2983,8 @@
           </a:prstGeom>
         </p:spPr>
         <p:txBody>
-          <a:bodyPr lIns="0" rIns="0" tIns="0" bIns="0"/>
+          <a:bodyPr lIns="0" tIns="0" rIns="0" bIns="0"/>
+          <a:lstStyle/>
           <a:p>
             <a:endParaRPr/>
           </a:p>
@@ -2756,7 +3010,8 @@
           </a:prstGeom>
         </p:spPr>
         <p:txBody>
-          <a:bodyPr lIns="0" rIns="0" tIns="0" bIns="0"/>
+          <a:bodyPr lIns="0" tIns="0" rIns="0" bIns="0"/>
+          <a:lstStyle/>
           <a:p>
             <a:endParaRPr/>
           </a:p>
@@ -2764,11 +3019,14 @@
       </p:sp>
     </p:spTree>
   </p:cSld>
+  <p:clrMapOvr>
+    <a:masterClrMapping/>
+  </p:clrMapOvr>
 </p:sldLayout>
 </file>
 
 <file path=ppt/slideLayouts/slideLayout36.xml><?xml version="1.0" encoding="utf-8"?>
-<p:sldLayout xmlns:a="http://schemas.openxmlformats.org/drawingml/2006/main" xmlns:p="http://schemas.openxmlformats.org/presentationml/2006/main" xmlns:r="http://schemas.openxmlformats.org/officeDocument/2006/relationships" type="blank" preserve="1">
+<p:sldLayout xmlns:a="http://schemas.openxmlformats.org/drawingml/2006/main" xmlns:r="http://schemas.openxmlformats.org/officeDocument/2006/relationships" xmlns:p="http://schemas.openxmlformats.org/presentationml/2006/main" type="blank" preserve="1">
   <p:cSld name="Title, 6 Content">
     <p:spTree>
       <p:nvGrpSpPr>
@@ -2804,7 +3062,8 @@
           </a:prstGeom>
         </p:spPr>
         <p:txBody>
-          <a:bodyPr lIns="0" rIns="0" tIns="0" bIns="0" anchor="ctr"/>
+          <a:bodyPr lIns="0" tIns="0" rIns="0" bIns="0" anchor="ctr"/>
+          <a:lstStyle/>
           <a:p>
             <a:pPr algn="ctr"/>
             <a:endParaRPr/>
@@ -2831,7 +3090,8 @@
           </a:prstGeom>
         </p:spPr>
         <p:txBody>
-          <a:bodyPr lIns="0" rIns="0" tIns="0" bIns="0"/>
+          <a:bodyPr lIns="0" tIns="0" rIns="0" bIns="0"/>
+          <a:lstStyle/>
           <a:p>
             <a:endParaRPr/>
           </a:p>
@@ -2857,7 +3117,8 @@
           </a:prstGeom>
         </p:spPr>
         <p:txBody>
-          <a:bodyPr lIns="0" rIns="0" tIns="0" bIns="0"/>
+          <a:bodyPr lIns="0" tIns="0" rIns="0" bIns="0"/>
+          <a:lstStyle/>
           <a:p>
             <a:endParaRPr/>
           </a:p>
@@ -2865,7 +3126,7 @@
       </p:sp>
       <p:pic>
         <p:nvPicPr>
-          <p:cNvPr id="110" name="" descr=""/>
+          <p:cNvPr id="110" name="图片 109"/>
           <p:cNvPicPr/>
           <p:nvPr/>
         </p:nvPicPr>
@@ -2890,12 +3151,12 @@
       </p:pic>
       <p:pic>
         <p:nvPicPr>
-          <p:cNvPr id="111" name="" descr=""/>
+          <p:cNvPr id="111" name="图片 110"/>
           <p:cNvPicPr/>
           <p:nvPr/>
         </p:nvPicPr>
         <p:blipFill>
-          <a:blip r:embed="rId3"/>
+          <a:blip r:embed="rId2"/>
           <a:stretch>
             <a:fillRect/>
           </a:stretch>
@@ -2915,11 +3176,14 @@
       </p:pic>
     </p:spTree>
   </p:cSld>
+  <p:clrMapOvr>
+    <a:masterClrMapping/>
+  </p:clrMapOvr>
 </p:sldLayout>
 </file>
 
 <file path=ppt/slideLayouts/slideLayout4.xml><?xml version="1.0" encoding="utf-8"?>
-<p:sldLayout xmlns:a="http://schemas.openxmlformats.org/drawingml/2006/main" xmlns:p="http://schemas.openxmlformats.org/presentationml/2006/main" xmlns:r="http://schemas.openxmlformats.org/officeDocument/2006/relationships" type="twoObj" preserve="1">
+<p:sldLayout xmlns:a="http://schemas.openxmlformats.org/drawingml/2006/main" xmlns:r="http://schemas.openxmlformats.org/officeDocument/2006/relationships" xmlns:p="http://schemas.openxmlformats.org/presentationml/2006/main" type="twoObj" preserve="1">
   <p:cSld name="Title, 2 Content">
     <p:spTree>
       <p:nvGrpSpPr>
@@ -2955,7 +3219,8 @@
           </a:prstGeom>
         </p:spPr>
         <p:txBody>
-          <a:bodyPr lIns="0" rIns="0" tIns="0" bIns="0" anchor="ctr"/>
+          <a:bodyPr lIns="0" tIns="0" rIns="0" bIns="0" anchor="ctr"/>
+          <a:lstStyle/>
           <a:p>
             <a:pPr algn="ctr"/>
             <a:endParaRPr/>
@@ -2982,7 +3247,8 @@
           </a:prstGeom>
         </p:spPr>
         <p:txBody>
-          <a:bodyPr lIns="0" rIns="0" tIns="0" bIns="0"/>
+          <a:bodyPr lIns="0" tIns="0" rIns="0" bIns="0"/>
+          <a:lstStyle/>
           <a:p>
             <a:endParaRPr/>
           </a:p>
@@ -3008,7 +3274,8 @@
           </a:prstGeom>
         </p:spPr>
         <p:txBody>
-          <a:bodyPr lIns="0" rIns="0" tIns="0" bIns="0"/>
+          <a:bodyPr lIns="0" tIns="0" rIns="0" bIns="0"/>
+          <a:lstStyle/>
           <a:p>
             <a:endParaRPr/>
           </a:p>
@@ -3016,11 +3283,14 @@
       </p:sp>
     </p:spTree>
   </p:cSld>
+  <p:clrMapOvr>
+    <a:masterClrMapping/>
+  </p:clrMapOvr>
 </p:sldLayout>
 </file>
 
 <file path=ppt/slideLayouts/slideLayout5.xml><?xml version="1.0" encoding="utf-8"?>
-<p:sldLayout xmlns:a="http://schemas.openxmlformats.org/drawingml/2006/main" xmlns:p="http://schemas.openxmlformats.org/presentationml/2006/main" xmlns:r="http://schemas.openxmlformats.org/officeDocument/2006/relationships" type="titleOnly" preserve="1">
+<p:sldLayout xmlns:a="http://schemas.openxmlformats.org/drawingml/2006/main" xmlns:r="http://schemas.openxmlformats.org/officeDocument/2006/relationships" xmlns:p="http://schemas.openxmlformats.org/presentationml/2006/main" type="titleOnly" preserve="1">
   <p:cSld name="Title Only">
     <p:spTree>
       <p:nvGrpSpPr>
@@ -3056,7 +3326,8 @@
           </a:prstGeom>
         </p:spPr>
         <p:txBody>
-          <a:bodyPr lIns="0" rIns="0" tIns="0" bIns="0" anchor="ctr"/>
+          <a:bodyPr lIns="0" tIns="0" rIns="0" bIns="0" anchor="ctr"/>
+          <a:lstStyle/>
           <a:p>
             <a:pPr algn="ctr"/>
             <a:endParaRPr/>
@@ -3065,11 +3336,14 @@
       </p:sp>
     </p:spTree>
   </p:cSld>
+  <p:clrMapOvr>
+    <a:masterClrMapping/>
+  </p:clrMapOvr>
 </p:sldLayout>
 </file>
 
 <file path=ppt/slideLayouts/slideLayout6.xml><?xml version="1.0" encoding="utf-8"?>
-<p:sldLayout xmlns:a="http://schemas.openxmlformats.org/drawingml/2006/main" xmlns:p="http://schemas.openxmlformats.org/presentationml/2006/main" xmlns:r="http://schemas.openxmlformats.org/officeDocument/2006/relationships" type="objOnly" preserve="1">
+<p:sldLayout xmlns:a="http://schemas.openxmlformats.org/drawingml/2006/main" xmlns:r="http://schemas.openxmlformats.org/officeDocument/2006/relationships" xmlns:p="http://schemas.openxmlformats.org/presentationml/2006/main" type="objOnly" preserve="1">
   <p:cSld name="Centered Text">
     <p:spTree>
       <p:nvGrpSpPr>
@@ -3105,7 +3379,8 @@
           </a:prstGeom>
         </p:spPr>
         <p:txBody>
-          <a:bodyPr lIns="0" rIns="0" tIns="0" bIns="0" anchor="ctr"/>
+          <a:bodyPr lIns="0" tIns="0" rIns="0" bIns="0" anchor="ctr"/>
+          <a:lstStyle/>
           <a:p>
             <a:pPr algn="ctr"/>
             <a:endParaRPr/>
@@ -3114,11 +3389,14 @@
       </p:sp>
     </p:spTree>
   </p:cSld>
+  <p:clrMapOvr>
+    <a:masterClrMapping/>
+  </p:clrMapOvr>
 </p:sldLayout>
 </file>
 
 <file path=ppt/slideLayouts/slideLayout7.xml><?xml version="1.0" encoding="utf-8"?>
-<p:sldLayout xmlns:a="http://schemas.openxmlformats.org/drawingml/2006/main" xmlns:p="http://schemas.openxmlformats.org/presentationml/2006/main" xmlns:r="http://schemas.openxmlformats.org/officeDocument/2006/relationships" type="twoObjAndObj" preserve="1">
+<p:sldLayout xmlns:a="http://schemas.openxmlformats.org/drawingml/2006/main" xmlns:r="http://schemas.openxmlformats.org/officeDocument/2006/relationships" xmlns:p="http://schemas.openxmlformats.org/presentationml/2006/main" type="twoObjAndObj" preserve="1">
   <p:cSld name="Title, 2 Content and Content">
     <p:spTree>
       <p:nvGrpSpPr>
@@ -3154,7 +3432,8 @@
           </a:prstGeom>
         </p:spPr>
         <p:txBody>
-          <a:bodyPr lIns="0" rIns="0" tIns="0" bIns="0" anchor="ctr"/>
+          <a:bodyPr lIns="0" tIns="0" rIns="0" bIns="0" anchor="ctr"/>
+          <a:lstStyle/>
           <a:p>
             <a:pPr algn="ctr"/>
             <a:endParaRPr/>
@@ -3181,7 +3460,8 @@
           </a:prstGeom>
         </p:spPr>
         <p:txBody>
-          <a:bodyPr lIns="0" rIns="0" tIns="0" bIns="0"/>
+          <a:bodyPr lIns="0" tIns="0" rIns="0" bIns="0"/>
+          <a:lstStyle/>
           <a:p>
             <a:endParaRPr/>
           </a:p>
@@ -3207,7 +3487,8 @@
           </a:prstGeom>
         </p:spPr>
         <p:txBody>
-          <a:bodyPr lIns="0" rIns="0" tIns="0" bIns="0"/>
+          <a:bodyPr lIns="0" tIns="0" rIns="0" bIns="0"/>
+          <a:lstStyle/>
           <a:p>
             <a:endParaRPr/>
           </a:p>
@@ -3233,7 +3514,8 @@
           </a:prstGeom>
         </p:spPr>
         <p:txBody>
-          <a:bodyPr lIns="0" rIns="0" tIns="0" bIns="0"/>
+          <a:bodyPr lIns="0" tIns="0" rIns="0" bIns="0"/>
+          <a:lstStyle/>
           <a:p>
             <a:endParaRPr/>
           </a:p>
@@ -3241,11 +3523,14 @@
       </p:sp>
     </p:spTree>
   </p:cSld>
+  <p:clrMapOvr>
+    <a:masterClrMapping/>
+  </p:clrMapOvr>
 </p:sldLayout>
 </file>
 
 <file path=ppt/slideLayouts/slideLayout8.xml><?xml version="1.0" encoding="utf-8"?>
-<p:sldLayout xmlns:a="http://schemas.openxmlformats.org/drawingml/2006/main" xmlns:p="http://schemas.openxmlformats.org/presentationml/2006/main" xmlns:r="http://schemas.openxmlformats.org/officeDocument/2006/relationships" type="objAndTwoObj" preserve="1">
+<p:sldLayout xmlns:a="http://schemas.openxmlformats.org/drawingml/2006/main" xmlns:r="http://schemas.openxmlformats.org/officeDocument/2006/relationships" xmlns:p="http://schemas.openxmlformats.org/presentationml/2006/main" type="objAndTwoObj" preserve="1">
   <p:cSld name="Title Content and 2 Content">
     <p:spTree>
       <p:nvGrpSpPr>
@@ -3281,7 +3566,8 @@
           </a:prstGeom>
         </p:spPr>
         <p:txBody>
-          <a:bodyPr lIns="0" rIns="0" tIns="0" bIns="0" anchor="ctr"/>
+          <a:bodyPr lIns="0" tIns="0" rIns="0" bIns="0" anchor="ctr"/>
+          <a:lstStyle/>
           <a:p>
             <a:pPr algn="ctr"/>
             <a:endParaRPr/>
@@ -3308,7 +3594,8 @@
           </a:prstGeom>
         </p:spPr>
         <p:txBody>
-          <a:bodyPr lIns="0" rIns="0" tIns="0" bIns="0"/>
+          <a:bodyPr lIns="0" tIns="0" rIns="0" bIns="0"/>
+          <a:lstStyle/>
           <a:p>
             <a:endParaRPr/>
           </a:p>
@@ -3334,7 +3621,8 @@
           </a:prstGeom>
         </p:spPr>
         <p:txBody>
-          <a:bodyPr lIns="0" rIns="0" tIns="0" bIns="0"/>
+          <a:bodyPr lIns="0" tIns="0" rIns="0" bIns="0"/>
+          <a:lstStyle/>
           <a:p>
             <a:endParaRPr/>
           </a:p>
@@ -3360,7 +3648,8 @@
           </a:prstGeom>
         </p:spPr>
         <p:txBody>
-          <a:bodyPr lIns="0" rIns="0" tIns="0" bIns="0"/>
+          <a:bodyPr lIns="0" tIns="0" rIns="0" bIns="0"/>
+          <a:lstStyle/>
           <a:p>
             <a:endParaRPr/>
           </a:p>
@@ -3368,11 +3657,14 @@
       </p:sp>
     </p:spTree>
   </p:cSld>
+  <p:clrMapOvr>
+    <a:masterClrMapping/>
+  </p:clrMapOvr>
 </p:sldLayout>
 </file>
 
 <file path=ppt/slideLayouts/slideLayout9.xml><?xml version="1.0" encoding="utf-8"?>
-<p:sldLayout xmlns:a="http://schemas.openxmlformats.org/drawingml/2006/main" xmlns:p="http://schemas.openxmlformats.org/presentationml/2006/main" xmlns:r="http://schemas.openxmlformats.org/officeDocument/2006/relationships" type="twoObjOverTx" preserve="1">
+<p:sldLayout xmlns:a="http://schemas.openxmlformats.org/drawingml/2006/main" xmlns:r="http://schemas.openxmlformats.org/officeDocument/2006/relationships" xmlns:p="http://schemas.openxmlformats.org/presentationml/2006/main" type="twoObjOverTx" preserve="1">
   <p:cSld name="Title, 2 Content over Content">
     <p:spTree>
       <p:nvGrpSpPr>
@@ -3408,7 +3700,8 @@
           </a:prstGeom>
         </p:spPr>
         <p:txBody>
-          <a:bodyPr lIns="0" rIns="0" tIns="0" bIns="0" anchor="ctr"/>
+          <a:bodyPr lIns="0" tIns="0" rIns="0" bIns="0" anchor="ctr"/>
+          <a:lstStyle/>
           <a:p>
             <a:pPr algn="ctr"/>
             <a:endParaRPr/>
@@ -3435,7 +3728,8 @@
           </a:prstGeom>
         </p:spPr>
         <p:txBody>
-          <a:bodyPr lIns="0" rIns="0" tIns="0" bIns="0"/>
+          <a:bodyPr lIns="0" tIns="0" rIns="0" bIns="0"/>
+          <a:lstStyle/>
           <a:p>
             <a:endParaRPr/>
           </a:p>
@@ -3461,7 +3755,8 @@
           </a:prstGeom>
         </p:spPr>
         <p:txBody>
-          <a:bodyPr lIns="0" rIns="0" tIns="0" bIns="0"/>
+          <a:bodyPr lIns="0" tIns="0" rIns="0" bIns="0"/>
+          <a:lstStyle/>
           <a:p>
             <a:endParaRPr/>
           </a:p>
@@ -3487,7 +3782,8 @@
           </a:prstGeom>
         </p:spPr>
         <p:txBody>
-          <a:bodyPr lIns="0" rIns="0" tIns="0" bIns="0"/>
+          <a:bodyPr lIns="0" tIns="0" rIns="0" bIns="0"/>
+          <a:lstStyle/>
           <a:p>
             <a:endParaRPr/>
           </a:p>
@@ -3495,17 +3791,21 @@
       </p:sp>
     </p:spTree>
   </p:cSld>
+  <p:clrMapOvr>
+    <a:masterClrMapping/>
+  </p:clrMapOvr>
 </p:sldLayout>
 </file>
 
 <file path=ppt/slideMasters/slideMaster1.xml><?xml version="1.0" encoding="utf-8"?>
-<p:sldMaster xmlns:a="http://schemas.openxmlformats.org/drawingml/2006/main" xmlns:p="http://schemas.openxmlformats.org/presentationml/2006/main" xmlns:r="http://schemas.openxmlformats.org/officeDocument/2006/relationships">
+<p:sldMaster xmlns:a="http://schemas.openxmlformats.org/drawingml/2006/main" xmlns:r="http://schemas.openxmlformats.org/officeDocument/2006/relationships" xmlns:p="http://schemas.openxmlformats.org/presentationml/2006/main">
   <p:cSld>
     <p:bg>
       <p:bgPr>
         <a:solidFill>
-          <a:srgbClr val="ffffff"/>
+          <a:srgbClr val="FFFFFF"/>
         </a:solidFill>
+        <a:effectLst/>
       </p:bgPr>
     </p:bg>
     <p:spTree>
@@ -3524,12 +3824,12 @@
       </p:grpSpPr>
       <p:pic>
         <p:nvPicPr>
-          <p:cNvPr id="0" name="Picture 5" descr=""/>
+          <p:cNvPr id="4" name="Picture 5"/>
           <p:cNvPicPr/>
           <p:nvPr/>
         </p:nvPicPr>
         <p:blipFill>
-          <a:blip r:embed="rId2"/>
+          <a:blip r:embed="rId14"/>
           <a:stretch>
             <a:fillRect/>
           </a:stretch>
@@ -3549,12 +3849,12 @@
       </p:pic>
       <p:pic>
         <p:nvPicPr>
-          <p:cNvPr id="1" name="Picture 5" descr=""/>
+          <p:cNvPr id="5" name="Picture 5"/>
           <p:cNvPicPr/>
           <p:nvPr/>
         </p:nvPicPr>
         <p:blipFill>
-          <a:blip r:embed="rId3"/>
+          <a:blip r:embed="rId14"/>
           <a:stretch>
             <a:fillRect/>
           </a:stretch>
@@ -3592,7 +3892,8 @@
           </a:prstGeom>
         </p:spPr>
         <p:txBody>
-          <a:bodyPr lIns="0" rIns="0" tIns="0" bIns="0" anchor="ctr"/>
+          <a:bodyPr lIns="0" tIns="0" rIns="0" bIns="0" anchor="ctr"/>
+          <a:lstStyle/>
           <a:p>
             <a:r>
               <a:rPr lang="en-GB">
@@ -3624,7 +3925,8 @@
           </a:prstGeom>
         </p:spPr>
         <p:txBody>
-          <a:bodyPr lIns="0" rIns="0" tIns="0" bIns="0"/>
+          <a:bodyPr lIns="0" tIns="0" rIns="0" bIns="0"/>
+          <a:lstStyle/>
           <a:p>
             <a:pPr>
               <a:buSzPct val="45000"/>
@@ -3727,32 +4029,38 @@
       </p:sp>
     </p:spTree>
   </p:cSld>
-  <p:clrMap bg1="lt1" bg2="lt2" tx1="dk1" tx2="dk2" accent1="accent1" accent2="accent2" accent3="accent3" accent4="accent4" accent5="accent5" accent6="accent6" hlink="hlink" folHlink="folHlink"/>
+  <p:clrMap bg1="lt1" tx1="dk1" bg2="lt2" tx2="dk2" accent1="accent1" accent2="accent2" accent3="accent3" accent4="accent4" accent5="accent5" accent6="accent6" hlink="hlink" folHlink="folHlink"/>
   <p:sldLayoutIdLst>
-    <p:sldLayoutId id="2147483649" r:id="rId4"/>
-    <p:sldLayoutId id="2147483650" r:id="rId5"/>
-    <p:sldLayoutId id="2147483651" r:id="rId6"/>
-    <p:sldLayoutId id="2147483652" r:id="rId7"/>
-    <p:sldLayoutId id="2147483653" r:id="rId8"/>
-    <p:sldLayoutId id="2147483654" r:id="rId9"/>
-    <p:sldLayoutId id="2147483655" r:id="rId10"/>
-    <p:sldLayoutId id="2147483656" r:id="rId11"/>
-    <p:sldLayoutId id="2147483657" r:id="rId12"/>
-    <p:sldLayoutId id="2147483658" r:id="rId13"/>
-    <p:sldLayoutId id="2147483659" r:id="rId14"/>
-    <p:sldLayoutId id="2147483660" r:id="rId15"/>
+    <p:sldLayoutId id="2147483649" r:id="rId1"/>
+    <p:sldLayoutId id="2147483650" r:id="rId2"/>
+    <p:sldLayoutId id="2147483651" r:id="rId3"/>
+    <p:sldLayoutId id="2147483652" r:id="rId4"/>
+    <p:sldLayoutId id="2147483653" r:id="rId5"/>
+    <p:sldLayoutId id="2147483654" r:id="rId6"/>
+    <p:sldLayoutId id="2147483655" r:id="rId7"/>
+    <p:sldLayoutId id="2147483656" r:id="rId8"/>
+    <p:sldLayoutId id="2147483657" r:id="rId9"/>
+    <p:sldLayoutId id="2147483658" r:id="rId10"/>
+    <p:sldLayoutId id="2147483659" r:id="rId11"/>
+    <p:sldLayoutId id="2147483660" r:id="rId12"/>
   </p:sldLayoutIdLst>
+  <p:txStyles>
+    <p:titleStyle/>
+    <p:bodyStyle/>
+    <p:otherStyle/>
+  </p:txStyles>
 </p:sldMaster>
 </file>
 
 <file path=ppt/slideMasters/slideMaster2.xml><?xml version="1.0" encoding="utf-8"?>
-<p:sldMaster xmlns:a="http://schemas.openxmlformats.org/drawingml/2006/main" xmlns:p="http://schemas.openxmlformats.org/presentationml/2006/main" xmlns:r="http://schemas.openxmlformats.org/officeDocument/2006/relationships">
+<p:sldMaster xmlns:a="http://schemas.openxmlformats.org/drawingml/2006/main" xmlns:r="http://schemas.openxmlformats.org/officeDocument/2006/relationships" xmlns:p="http://schemas.openxmlformats.org/presentationml/2006/main">
   <p:cSld>
     <p:bg>
       <p:bgPr>
         <a:solidFill>
-          <a:srgbClr val="ffffff"/>
+          <a:srgbClr val="FFFFFF"/>
         </a:solidFill>
+        <a:effectLst/>
       </p:bgPr>
     </p:bg>
     <p:spTree>
@@ -3789,7 +4097,8 @@
           </a:prstGeom>
         </p:spPr>
         <p:txBody>
-          <a:bodyPr lIns="0" rIns="0" tIns="0" bIns="0" anchor="ctr"/>
+          <a:bodyPr lIns="0" tIns="0" rIns="0" bIns="0" anchor="ctr"/>
+          <a:lstStyle/>
           <a:p>
             <a:pPr algn="ctr"/>
             <a:r>
@@ -3822,7 +4131,8 @@
           </a:prstGeom>
         </p:spPr>
         <p:txBody>
-          <a:bodyPr lIns="0" rIns="0" tIns="0" bIns="0"/>
+          <a:bodyPr lIns="0" tIns="0" rIns="0" bIns="0"/>
+          <a:lstStyle/>
           <a:p>
             <a:pPr>
               <a:buSzPct val="45000"/>
@@ -3925,32 +4235,38 @@
       </p:sp>
     </p:spTree>
   </p:cSld>
-  <p:clrMap bg1="lt1" bg2="lt2" tx1="dk1" tx2="dk2" accent1="accent1" accent2="accent2" accent3="accent3" accent4="accent4" accent5="accent5" accent6="accent6" hlink="hlink" folHlink="folHlink"/>
+  <p:clrMap bg1="lt1" tx1="dk1" bg2="lt2" tx2="dk2" accent1="accent1" accent2="accent2" accent3="accent3" accent4="accent4" accent5="accent5" accent6="accent6" hlink="hlink" folHlink="folHlink"/>
   <p:sldLayoutIdLst>
-    <p:sldLayoutId id="2147483662" r:id="rId2"/>
-    <p:sldLayoutId id="2147483663" r:id="rId3"/>
-    <p:sldLayoutId id="2147483664" r:id="rId4"/>
-    <p:sldLayoutId id="2147483665" r:id="rId5"/>
-    <p:sldLayoutId id="2147483666" r:id="rId6"/>
-    <p:sldLayoutId id="2147483667" r:id="rId7"/>
-    <p:sldLayoutId id="2147483668" r:id="rId8"/>
-    <p:sldLayoutId id="2147483669" r:id="rId9"/>
-    <p:sldLayoutId id="2147483670" r:id="rId10"/>
-    <p:sldLayoutId id="2147483671" r:id="rId11"/>
-    <p:sldLayoutId id="2147483672" r:id="rId12"/>
-    <p:sldLayoutId id="2147483673" r:id="rId13"/>
+    <p:sldLayoutId id="2147483662" r:id="rId1"/>
+    <p:sldLayoutId id="2147483663" r:id="rId2"/>
+    <p:sldLayoutId id="2147483664" r:id="rId3"/>
+    <p:sldLayoutId id="2147483665" r:id="rId4"/>
+    <p:sldLayoutId id="2147483666" r:id="rId5"/>
+    <p:sldLayoutId id="2147483667" r:id="rId6"/>
+    <p:sldLayoutId id="2147483668" r:id="rId7"/>
+    <p:sldLayoutId id="2147483669" r:id="rId8"/>
+    <p:sldLayoutId id="2147483670" r:id="rId9"/>
+    <p:sldLayoutId id="2147483671" r:id="rId10"/>
+    <p:sldLayoutId id="2147483672" r:id="rId11"/>
+    <p:sldLayoutId id="2147483673" r:id="rId12"/>
   </p:sldLayoutIdLst>
+  <p:txStyles>
+    <p:titleStyle/>
+    <p:bodyStyle/>
+    <p:otherStyle/>
+  </p:txStyles>
 </p:sldMaster>
 </file>
 
 <file path=ppt/slideMasters/slideMaster3.xml><?xml version="1.0" encoding="utf-8"?>
-<p:sldMaster xmlns:a="http://schemas.openxmlformats.org/drawingml/2006/main" xmlns:p="http://schemas.openxmlformats.org/presentationml/2006/main" xmlns:r="http://schemas.openxmlformats.org/officeDocument/2006/relationships">
+<p:sldMaster xmlns:a="http://schemas.openxmlformats.org/drawingml/2006/main" xmlns:r="http://schemas.openxmlformats.org/officeDocument/2006/relationships" xmlns:p="http://schemas.openxmlformats.org/presentationml/2006/main">
   <p:cSld>
     <p:bg>
       <p:bgPr>
         <a:solidFill>
-          <a:srgbClr val="ffffff"/>
+          <a:srgbClr val="FFFFFF"/>
         </a:solidFill>
+        <a:effectLst/>
       </p:bgPr>
     </p:bg>
     <p:spTree>
@@ -3969,12 +4285,12 @@
       </p:grpSpPr>
       <p:pic>
         <p:nvPicPr>
-          <p:cNvPr id="74" name="Picture 5" descr=""/>
+          <p:cNvPr id="74" name="Picture 5"/>
           <p:cNvPicPr/>
           <p:nvPr/>
         </p:nvPicPr>
         <p:blipFill>
-          <a:blip r:embed="rId2"/>
+          <a:blip r:embed="rId14"/>
           <a:stretch>
             <a:fillRect/>
           </a:stretch>
@@ -3994,12 +4310,12 @@
       </p:pic>
       <p:pic>
         <p:nvPicPr>
-          <p:cNvPr id="75" name="Picture 5" descr=""/>
+          <p:cNvPr id="75" name="Picture 5"/>
           <p:cNvPicPr/>
           <p:nvPr/>
         </p:nvPicPr>
         <p:blipFill>
-          <a:blip r:embed="rId3"/>
+          <a:blip r:embed="rId14"/>
           <a:stretch>
             <a:fillRect/>
           </a:stretch>
@@ -4037,7 +4353,8 @@
           </a:prstGeom>
         </p:spPr>
         <p:txBody>
-          <a:bodyPr lIns="0" rIns="0" tIns="0" bIns="0" anchor="ctr"/>
+          <a:bodyPr lIns="0" tIns="0" rIns="0" bIns="0" anchor="ctr"/>
+          <a:lstStyle/>
           <a:p>
             <a:pPr algn="ctr"/>
             <a:r>
@@ -4070,7 +4387,8 @@
           </a:prstGeom>
         </p:spPr>
         <p:txBody>
-          <a:bodyPr lIns="0" rIns="0" tIns="0" bIns="0"/>
+          <a:bodyPr lIns="0" tIns="0" rIns="0" bIns="0"/>
+          <a:lstStyle/>
           <a:p>
             <a:pPr>
               <a:buSzPct val="45000"/>
@@ -4173,26 +4491,31 @@
       </p:sp>
     </p:spTree>
   </p:cSld>
-  <p:clrMap bg1="lt1" bg2="lt2" tx1="dk1" tx2="dk2" accent1="accent1" accent2="accent2" accent3="accent3" accent4="accent4" accent5="accent5" accent6="accent6" hlink="hlink" folHlink="folHlink"/>
+  <p:clrMap bg1="lt1" tx1="dk1" bg2="lt2" tx2="dk2" accent1="accent1" accent2="accent2" accent3="accent3" accent4="accent4" accent5="accent5" accent6="accent6" hlink="hlink" folHlink="folHlink"/>
   <p:sldLayoutIdLst>
-    <p:sldLayoutId id="2147483675" r:id="rId4"/>
-    <p:sldLayoutId id="2147483676" r:id="rId5"/>
-    <p:sldLayoutId id="2147483677" r:id="rId6"/>
-    <p:sldLayoutId id="2147483678" r:id="rId7"/>
-    <p:sldLayoutId id="2147483679" r:id="rId8"/>
-    <p:sldLayoutId id="2147483680" r:id="rId9"/>
-    <p:sldLayoutId id="2147483681" r:id="rId10"/>
-    <p:sldLayoutId id="2147483682" r:id="rId11"/>
-    <p:sldLayoutId id="2147483683" r:id="rId12"/>
-    <p:sldLayoutId id="2147483684" r:id="rId13"/>
-    <p:sldLayoutId id="2147483685" r:id="rId14"/>
-    <p:sldLayoutId id="2147483686" r:id="rId15"/>
+    <p:sldLayoutId id="2147483675" r:id="rId1"/>
+    <p:sldLayoutId id="2147483676" r:id="rId2"/>
+    <p:sldLayoutId id="2147483677" r:id="rId3"/>
+    <p:sldLayoutId id="2147483678" r:id="rId4"/>
+    <p:sldLayoutId id="2147483679" r:id="rId5"/>
+    <p:sldLayoutId id="2147483680" r:id="rId6"/>
+    <p:sldLayoutId id="2147483681" r:id="rId7"/>
+    <p:sldLayoutId id="2147483682" r:id="rId8"/>
+    <p:sldLayoutId id="2147483683" r:id="rId9"/>
+    <p:sldLayoutId id="2147483684" r:id="rId10"/>
+    <p:sldLayoutId id="2147483685" r:id="rId11"/>
+    <p:sldLayoutId id="2147483686" r:id="rId12"/>
   </p:sldLayoutIdLst>
+  <p:txStyles>
+    <p:titleStyle/>
+    <p:bodyStyle/>
+    <p:otherStyle/>
+  </p:txStyles>
 </p:sldMaster>
 </file>
 
 <file path=ppt/slides/slide1.xml><?xml version="1.0" encoding="utf-8"?>
-<p:sld xmlns:a="http://schemas.openxmlformats.org/drawingml/2006/main" xmlns:p="http://schemas.openxmlformats.org/presentationml/2006/main" xmlns:r="http://schemas.openxmlformats.org/officeDocument/2006/relationships">
+<p:sld xmlns:a="http://schemas.openxmlformats.org/drawingml/2006/main" xmlns:r="http://schemas.openxmlformats.org/officeDocument/2006/relationships" xmlns:p="http://schemas.openxmlformats.org/presentationml/2006/main">
   <p:cSld>
     <p:spTree>
       <p:nvGrpSpPr>
@@ -4228,7 +4551,8 @@
           </a:ln>
         </p:spPr>
         <p:txBody>
-          <a:bodyPr lIns="90000" rIns="90000" tIns="45000" bIns="45000"/>
+          <a:bodyPr lIns="90000" tIns="45000" rIns="90000" bIns="45000"/>
+          <a:lstStyle/>
           <a:p>
             <a:pPr>
               <a:lnSpc>
@@ -4236,7 +4560,7 @@
               </a:lnSpc>
             </a:pPr>
             <a:r>
-              <a:rPr b="1" lang="en-GB" sz="3000">
+              <a:rPr lang="en-GB" sz="3000" b="1">
                 <a:solidFill>
                   <a:srgbClr val="595959"/>
                 </a:solidFill>
@@ -4268,7 +4592,8 @@
           </a:ln>
         </p:spPr>
         <p:txBody>
-          <a:bodyPr lIns="90000" rIns="90000" tIns="45000" bIns="45000"/>
+          <a:bodyPr lIns="90000" tIns="45000" rIns="90000" bIns="45000"/>
+          <a:lstStyle/>
           <a:p>
             <a:pPr>
               <a:lnSpc>
@@ -4353,12 +4678,12 @@
           <a:prstGeom prst="line">
             <a:avLst/>
           </a:prstGeom>
-          <a:ln cap="rnd" w="25560">
+          <a:ln w="25560" cap="rnd">
             <a:solidFill>
               <a:srgbClr val="660066"/>
             </a:solidFill>
             <a:custDash>
-              <a:ds d="5041000000" sp="15123000000"/>
+              <a:ds d="0" sp="0"/>
             </a:custDash>
             <a:round/>
           </a:ln>
@@ -4366,12 +4691,12 @@
       </p:sp>
       <p:pic>
         <p:nvPicPr>
-          <p:cNvPr id="115" name="Picture 2" descr=""/>
+          <p:cNvPr id="115" name="Picture 2"/>
           <p:cNvPicPr/>
           <p:nvPr/>
         </p:nvPicPr>
         <p:blipFill>
-          <a:blip r:embed="rId1"/>
+          <a:blip r:embed="rId2"/>
           <a:stretch>
             <a:fillRect/>
           </a:stretch>
@@ -4391,6 +4716,9 @@
       </p:pic>
     </p:spTree>
   </p:cSld>
+  <p:clrMapOvr>
+    <a:masterClrMapping/>
+  </p:clrMapOvr>
   <p:timing>
     <p:tnLst>
       <p:par>
@@ -4399,14 +4727,14 @@
             <p:seq>
               <p:cTn id="2" nodeType="mainSeq"/>
               <p:prevCondLst>
-                <p:cond delay="0" evt="onPrev">
+                <p:cond evt="onPrev" delay="0">
                   <p:tgtEl>
                     <p:sldTgt/>
                   </p:tgtEl>
                 </p:cond>
               </p:prevCondLst>
               <p:nextCondLst>
-                <p:cond delay="0" evt="onNext">
+                <p:cond evt="onNext" delay="0">
                   <p:tgtEl>
                     <p:sldTgt/>
                   </p:tgtEl>
@@ -4422,7 +4750,7 @@
 </file>
 
 <file path=ppt/slides/slide10.xml><?xml version="1.0" encoding="utf-8"?>
-<p:sld xmlns:a="http://schemas.openxmlformats.org/drawingml/2006/main" xmlns:p="http://schemas.openxmlformats.org/presentationml/2006/main" xmlns:r="http://schemas.openxmlformats.org/officeDocument/2006/relationships">
+<p:sld xmlns:a="http://schemas.openxmlformats.org/drawingml/2006/main" xmlns:r="http://schemas.openxmlformats.org/officeDocument/2006/relationships" xmlns:p="http://schemas.openxmlformats.org/presentationml/2006/main">
   <p:cSld>
     <p:spTree>
       <p:nvGrpSpPr>
@@ -4458,7 +4786,8 @@
           </a:ln>
         </p:spPr>
         <p:txBody>
-          <a:bodyPr lIns="90000" rIns="90000" tIns="45000" bIns="45000" anchor="ctr"/>
+          <a:bodyPr lIns="90000" tIns="45000" rIns="90000" bIns="45000" anchor="ctr"/>
+          <a:lstStyle/>
           <a:p>
             <a:pPr>
               <a:lnSpc>
@@ -4466,7 +4795,7 @@
               </a:lnSpc>
             </a:pPr>
             <a:r>
-              <a:rPr b="1" lang="en-GB" sz="3200">
+              <a:rPr lang="en-GB" sz="3200" b="1">
                 <a:solidFill>
                   <a:srgbClr val="000000"/>
                 </a:solidFill>
@@ -4498,7 +4827,8 @@
           </a:ln>
         </p:spPr>
         <p:txBody>
-          <a:bodyPr lIns="90000" rIns="90000" tIns="45000" bIns="45000"/>
+          <a:bodyPr lIns="90000" tIns="45000" rIns="90000" bIns="45000"/>
+          <a:lstStyle/>
           <a:p>
             <a:pPr>
               <a:lnSpc>
@@ -4568,22 +4898,25 @@
       </p:sp>
     </p:spTree>
   </p:cSld>
+  <p:clrMapOvr>
+    <a:masterClrMapping/>
+  </p:clrMapOvr>
   <p:timing>
     <p:tnLst>
       <p:par>
-        <p:cTn id="19" dur="indefinite" restart="never" nodeType="tmRoot">
+        <p:cTn id="1" dur="indefinite" restart="never" nodeType="tmRoot">
           <p:childTnLst>
             <p:seq>
-              <p:cTn id="20" nodeType="mainSeq"/>
+              <p:cTn id="2" nodeType="mainSeq"/>
               <p:prevCondLst>
-                <p:cond delay="0" evt="onPrev">
+                <p:cond evt="onPrev" delay="0">
                   <p:tgtEl>
                     <p:sldTgt/>
                   </p:tgtEl>
                 </p:cond>
               </p:prevCondLst>
               <p:nextCondLst>
-                <p:cond delay="0" evt="onNext">
+                <p:cond evt="onNext" delay="0">
                   <p:tgtEl>
                     <p:sldTgt/>
                   </p:tgtEl>
@@ -4599,7 +4932,7 @@
 </file>
 
 <file path=ppt/slides/slide11.xml><?xml version="1.0" encoding="utf-8"?>
-<p:sld xmlns:a="http://schemas.openxmlformats.org/drawingml/2006/main" xmlns:p="http://schemas.openxmlformats.org/presentationml/2006/main" xmlns:r="http://schemas.openxmlformats.org/officeDocument/2006/relationships">
+<p:sld xmlns:a="http://schemas.openxmlformats.org/drawingml/2006/main" xmlns:r="http://schemas.openxmlformats.org/officeDocument/2006/relationships" xmlns:p="http://schemas.openxmlformats.org/presentationml/2006/main">
   <p:cSld>
     <p:spTree>
       <p:nvGrpSpPr>
@@ -4635,7 +4968,8 @@
           </a:ln>
         </p:spPr>
         <p:txBody>
-          <a:bodyPr lIns="90000" rIns="90000" tIns="45000" bIns="45000" anchor="ctr"/>
+          <a:bodyPr lIns="90000" tIns="45000" rIns="90000" bIns="45000" anchor="ctr"/>
+          <a:lstStyle/>
           <a:p>
             <a:pPr>
               <a:lnSpc>
@@ -4643,7 +4977,7 @@
               </a:lnSpc>
             </a:pPr>
             <a:r>
-              <a:rPr b="1" lang="en-GB" sz="3200">
+              <a:rPr lang="en-GB" sz="3200" b="1">
                 <a:solidFill>
                   <a:srgbClr val="000000"/>
                 </a:solidFill>
@@ -4675,7 +5009,8 @@
           </a:ln>
         </p:spPr>
         <p:txBody>
-          <a:bodyPr lIns="90000" rIns="90000" tIns="45000" bIns="45000"/>
+          <a:bodyPr lIns="90000" tIns="45000" rIns="90000" bIns="45000"/>
+          <a:lstStyle/>
           <a:p>
             <a:pPr>
               <a:lnSpc>
@@ -4698,22 +5033,25 @@
       </p:sp>
     </p:spTree>
   </p:cSld>
+  <p:clrMapOvr>
+    <a:masterClrMapping/>
+  </p:clrMapOvr>
   <p:timing>
     <p:tnLst>
       <p:par>
-        <p:cTn id="21" dur="indefinite" restart="never" nodeType="tmRoot">
+        <p:cTn id="1" dur="indefinite" restart="never" nodeType="tmRoot">
           <p:childTnLst>
             <p:seq>
-              <p:cTn id="22" nodeType="mainSeq"/>
+              <p:cTn id="2" nodeType="mainSeq"/>
               <p:prevCondLst>
-                <p:cond delay="0" evt="onPrev">
+                <p:cond evt="onPrev" delay="0">
                   <p:tgtEl>
                     <p:sldTgt/>
                   </p:tgtEl>
                 </p:cond>
               </p:prevCondLst>
               <p:nextCondLst>
-                <p:cond delay="0" evt="onNext">
+                <p:cond evt="onNext" delay="0">
                   <p:tgtEl>
                     <p:sldTgt/>
                   </p:tgtEl>
@@ -4729,7 +5067,7 @@
 </file>
 
 <file path=ppt/slides/slide2.xml><?xml version="1.0" encoding="utf-8"?>
-<p:sld xmlns:a="http://schemas.openxmlformats.org/drawingml/2006/main" xmlns:p="http://schemas.openxmlformats.org/presentationml/2006/main" xmlns:r="http://schemas.openxmlformats.org/officeDocument/2006/relationships">
+<p:sld xmlns:a="http://schemas.openxmlformats.org/drawingml/2006/main" xmlns:r="http://schemas.openxmlformats.org/officeDocument/2006/relationships" xmlns:p="http://schemas.openxmlformats.org/presentationml/2006/main">
   <p:cSld>
     <p:spTree>
       <p:nvGrpSpPr>
@@ -4765,7 +5103,8 @@
           </a:ln>
         </p:spPr>
         <p:txBody>
-          <a:bodyPr lIns="90000" rIns="90000" tIns="45000" bIns="45000" anchor="ctr"/>
+          <a:bodyPr lIns="90000" tIns="45000" rIns="90000" bIns="45000" anchor="ctr"/>
+          <a:lstStyle/>
           <a:p>
             <a:pPr>
               <a:lnSpc>
@@ -4773,7 +5112,7 @@
               </a:lnSpc>
             </a:pPr>
             <a:r>
-              <a:rPr b="1" lang="en-GB" sz="3200">
+              <a:rPr lang="en-GB" sz="3200" b="1">
                 <a:solidFill>
                   <a:srgbClr val="000000"/>
                 </a:solidFill>
@@ -4805,7 +5144,8 @@
           </a:ln>
         </p:spPr>
         <p:txBody>
-          <a:bodyPr lIns="90000" rIns="90000" tIns="45000" bIns="45000"/>
+          <a:bodyPr lIns="90000" tIns="45000" rIns="90000" bIns="45000"/>
+          <a:lstStyle/>
           <a:p>
             <a:pPr>
               <a:lnSpc>
@@ -4867,22 +5207,25 @@
       </p:sp>
     </p:spTree>
   </p:cSld>
+  <p:clrMapOvr>
+    <a:masterClrMapping/>
+  </p:clrMapOvr>
   <p:timing>
     <p:tnLst>
       <p:par>
-        <p:cTn id="3" dur="indefinite" restart="never" nodeType="tmRoot">
+        <p:cTn id="1" dur="indefinite" restart="never" nodeType="tmRoot">
           <p:childTnLst>
             <p:seq>
-              <p:cTn id="4" nodeType="mainSeq"/>
+              <p:cTn id="2" nodeType="mainSeq"/>
               <p:prevCondLst>
-                <p:cond delay="0" evt="onPrev">
+                <p:cond evt="onPrev" delay="0">
                   <p:tgtEl>
                     <p:sldTgt/>
                   </p:tgtEl>
                 </p:cond>
               </p:prevCondLst>
               <p:nextCondLst>
-                <p:cond delay="0" evt="onNext">
+                <p:cond evt="onNext" delay="0">
                   <p:tgtEl>
                     <p:sldTgt/>
                   </p:tgtEl>
@@ -4898,7 +5241,7 @@
 </file>
 
 <file path=ppt/slides/slide3.xml><?xml version="1.0" encoding="utf-8"?>
-<p:sld xmlns:a="http://schemas.openxmlformats.org/drawingml/2006/main" xmlns:p="http://schemas.openxmlformats.org/presentationml/2006/main" xmlns:r="http://schemas.openxmlformats.org/officeDocument/2006/relationships">
+<p:sld xmlns:a="http://schemas.openxmlformats.org/drawingml/2006/main" xmlns:r="http://schemas.openxmlformats.org/officeDocument/2006/relationships" xmlns:p="http://schemas.openxmlformats.org/presentationml/2006/main">
   <p:cSld>
     <p:spTree>
       <p:nvGrpSpPr>
@@ -4934,7 +5277,8 @@
           </a:ln>
         </p:spPr>
         <p:txBody>
-          <a:bodyPr lIns="90000" rIns="90000" tIns="45000" bIns="45000" anchor="ctr"/>
+          <a:bodyPr lIns="90000" tIns="45000" rIns="90000" bIns="45000" anchor="ctr"/>
+          <a:lstStyle/>
           <a:p>
             <a:pPr>
               <a:lnSpc>
@@ -4942,7 +5286,7 @@
               </a:lnSpc>
             </a:pPr>
             <a:r>
-              <a:rPr b="1" lang="en-GB" sz="3200">
+              <a:rPr lang="en-GB" sz="3200" b="1">
                 <a:solidFill>
                   <a:srgbClr val="000000"/>
                 </a:solidFill>
@@ -4974,7 +5318,8 @@
           </a:ln>
         </p:spPr>
         <p:txBody>
-          <a:bodyPr lIns="90000" rIns="90000" tIns="45000" bIns="45000"/>
+          <a:bodyPr lIns="90000" tIns="45000" rIns="90000" bIns="45000"/>
+          <a:lstStyle/>
           <a:p>
             <a:pPr>
               <a:lnSpc>
@@ -5055,22 +5400,25 @@
       </p:sp>
     </p:spTree>
   </p:cSld>
+  <p:clrMapOvr>
+    <a:masterClrMapping/>
+  </p:clrMapOvr>
   <p:timing>
     <p:tnLst>
       <p:par>
-        <p:cTn id="5" dur="indefinite" restart="never" nodeType="tmRoot">
+        <p:cTn id="1" dur="indefinite" restart="never" nodeType="tmRoot">
           <p:childTnLst>
             <p:seq>
-              <p:cTn id="6" nodeType="mainSeq"/>
+              <p:cTn id="2" nodeType="mainSeq"/>
               <p:prevCondLst>
-                <p:cond delay="0" evt="onPrev">
+                <p:cond evt="onPrev" delay="0">
                   <p:tgtEl>
                     <p:sldTgt/>
                   </p:tgtEl>
                 </p:cond>
               </p:prevCondLst>
               <p:nextCondLst>
-                <p:cond delay="0" evt="onNext">
+                <p:cond evt="onNext" delay="0">
                   <p:tgtEl>
                     <p:sldTgt/>
                   </p:tgtEl>
@@ -5086,7 +5434,7 @@
 </file>
 
 <file path=ppt/slides/slide4.xml><?xml version="1.0" encoding="utf-8"?>
-<p:sld xmlns:a="http://schemas.openxmlformats.org/drawingml/2006/main" xmlns:p="http://schemas.openxmlformats.org/presentationml/2006/main" xmlns:r="http://schemas.openxmlformats.org/officeDocument/2006/relationships">
+<p:sld xmlns:a="http://schemas.openxmlformats.org/drawingml/2006/main" xmlns:r="http://schemas.openxmlformats.org/officeDocument/2006/relationships" xmlns:p="http://schemas.openxmlformats.org/presentationml/2006/main">
   <p:cSld>
     <p:spTree>
       <p:nvGrpSpPr>
@@ -5122,7 +5470,8 @@
           </a:ln>
         </p:spPr>
         <p:txBody>
-          <a:bodyPr lIns="90000" rIns="90000" tIns="45000" bIns="45000" anchor="ctr"/>
+          <a:bodyPr lIns="90000" tIns="45000" rIns="90000" bIns="45000" anchor="ctr"/>
+          <a:lstStyle/>
           <a:p>
             <a:pPr>
               <a:lnSpc>
@@ -5130,7 +5479,7 @@
               </a:lnSpc>
             </a:pPr>
             <a:r>
-              <a:rPr b="1" lang="en-GB" sz="3200">
+              <a:rPr lang="en-GB" sz="3200" b="1">
                 <a:solidFill>
                   <a:srgbClr val="000000"/>
                 </a:solidFill>
@@ -5162,7 +5511,8 @@
           </a:ln>
         </p:spPr>
         <p:txBody>
-          <a:bodyPr lIns="90000" rIns="90000" tIns="45000" bIns="45000"/>
+          <a:bodyPr lIns="90000" tIns="45000" rIns="90000" bIns="45000"/>
+          <a:lstStyle/>
           <a:p>
             <a:pPr>
               <a:lnSpc>
@@ -5232,22 +5582,25 @@
       </p:sp>
     </p:spTree>
   </p:cSld>
+  <p:clrMapOvr>
+    <a:masterClrMapping/>
+  </p:clrMapOvr>
   <p:timing>
     <p:tnLst>
       <p:par>
-        <p:cTn id="7" dur="indefinite" restart="never" nodeType="tmRoot">
+        <p:cTn id="1" dur="indefinite" restart="never" nodeType="tmRoot">
           <p:childTnLst>
             <p:seq>
-              <p:cTn id="8" nodeType="mainSeq"/>
+              <p:cTn id="2" nodeType="mainSeq"/>
               <p:prevCondLst>
-                <p:cond delay="0" evt="onPrev">
+                <p:cond evt="onPrev" delay="0">
                   <p:tgtEl>
                     <p:sldTgt/>
                   </p:tgtEl>
                 </p:cond>
               </p:prevCondLst>
               <p:nextCondLst>
-                <p:cond delay="0" evt="onNext">
+                <p:cond evt="onNext" delay="0">
                   <p:tgtEl>
                     <p:sldTgt/>
                   </p:tgtEl>
@@ -5263,7 +5616,7 @@
 </file>
 
 <file path=ppt/slides/slide5.xml><?xml version="1.0" encoding="utf-8"?>
-<p:sld xmlns:a="http://schemas.openxmlformats.org/drawingml/2006/main" xmlns:p="http://schemas.openxmlformats.org/presentationml/2006/main" xmlns:r="http://schemas.openxmlformats.org/officeDocument/2006/relationships">
+<p:sld xmlns:a="http://schemas.openxmlformats.org/drawingml/2006/main" xmlns:r="http://schemas.openxmlformats.org/officeDocument/2006/relationships" xmlns:p="http://schemas.openxmlformats.org/presentationml/2006/main">
   <p:cSld>
     <p:spTree>
       <p:nvGrpSpPr>
@@ -5299,7 +5652,8 @@
           </a:ln>
         </p:spPr>
         <p:txBody>
-          <a:bodyPr lIns="90000" rIns="90000" tIns="45000" bIns="45000" anchor="ctr"/>
+          <a:bodyPr lIns="90000" tIns="45000" rIns="90000" bIns="45000" anchor="ctr"/>
+          <a:lstStyle/>
           <a:p>
             <a:pPr>
               <a:lnSpc>
@@ -5307,7 +5661,7 @@
               </a:lnSpc>
             </a:pPr>
             <a:r>
-              <a:rPr b="1" lang="en-GB" sz="3200">
+              <a:rPr lang="en-GB" sz="3200" b="1">
                 <a:solidFill>
                   <a:srgbClr val="000000"/>
                 </a:solidFill>
@@ -5339,7 +5693,8 @@
           </a:ln>
         </p:spPr>
         <p:txBody>
-          <a:bodyPr lIns="90000" rIns="90000" tIns="45000" bIns="45000"/>
+          <a:bodyPr lIns="90000" tIns="45000" rIns="90000" bIns="45000"/>
+          <a:lstStyle/>
           <a:p>
             <a:pPr>
               <a:lnSpc>
@@ -5390,22 +5745,25 @@
       </p:sp>
     </p:spTree>
   </p:cSld>
+  <p:clrMapOvr>
+    <a:masterClrMapping/>
+  </p:clrMapOvr>
   <p:timing>
     <p:tnLst>
       <p:par>
-        <p:cTn id="9" dur="indefinite" restart="never" nodeType="tmRoot">
+        <p:cTn id="1" dur="indefinite" restart="never" nodeType="tmRoot">
           <p:childTnLst>
             <p:seq>
-              <p:cTn id="10" nodeType="mainSeq"/>
+              <p:cTn id="2" nodeType="mainSeq"/>
               <p:prevCondLst>
-                <p:cond delay="0" evt="onPrev">
+                <p:cond evt="onPrev" delay="0">
                   <p:tgtEl>
                     <p:sldTgt/>
                   </p:tgtEl>
                 </p:cond>
               </p:prevCondLst>
               <p:nextCondLst>
-                <p:cond delay="0" evt="onNext">
+                <p:cond evt="onNext" delay="0">
                   <p:tgtEl>
                     <p:sldTgt/>
                   </p:tgtEl>
@@ -5421,7 +5779,7 @@
 </file>
 
 <file path=ppt/slides/slide6.xml><?xml version="1.0" encoding="utf-8"?>
-<p:sld xmlns:a="http://schemas.openxmlformats.org/drawingml/2006/main" xmlns:p="http://schemas.openxmlformats.org/presentationml/2006/main" xmlns:r="http://schemas.openxmlformats.org/officeDocument/2006/relationships">
+<p:sld xmlns:a="http://schemas.openxmlformats.org/drawingml/2006/main" xmlns:r="http://schemas.openxmlformats.org/officeDocument/2006/relationships" xmlns:p="http://schemas.openxmlformats.org/presentationml/2006/main">
   <p:cSld>
     <p:spTree>
       <p:nvGrpSpPr>
@@ -5457,7 +5815,8 @@
           </a:ln>
         </p:spPr>
         <p:txBody>
-          <a:bodyPr lIns="90000" rIns="90000" tIns="45000" bIns="45000" anchor="ctr"/>
+          <a:bodyPr lIns="90000" tIns="45000" rIns="90000" bIns="45000" anchor="ctr"/>
+          <a:lstStyle/>
           <a:p>
             <a:pPr>
               <a:lnSpc>
@@ -5465,7 +5824,7 @@
               </a:lnSpc>
             </a:pPr>
             <a:r>
-              <a:rPr b="1" lang="en-GB" sz="3200">
+              <a:rPr lang="en-GB" sz="3200" b="1">
                 <a:solidFill>
                   <a:srgbClr val="000000"/>
                 </a:solidFill>
@@ -5497,7 +5856,8 @@
           </a:ln>
         </p:spPr>
         <p:txBody>
-          <a:bodyPr lIns="90000" rIns="90000" tIns="45000" bIns="45000"/>
+          <a:bodyPr lIns="90000" tIns="45000" rIns="90000" bIns="45000"/>
+          <a:lstStyle/>
           <a:p>
             <a:pPr>
               <a:lnSpc>
@@ -5589,22 +5949,25 @@
       </p:sp>
     </p:spTree>
   </p:cSld>
+  <p:clrMapOvr>
+    <a:masterClrMapping/>
+  </p:clrMapOvr>
   <p:timing>
     <p:tnLst>
       <p:par>
-        <p:cTn id="11" dur="indefinite" restart="never" nodeType="tmRoot">
+        <p:cTn id="1" dur="indefinite" restart="never" nodeType="tmRoot">
           <p:childTnLst>
             <p:seq>
-              <p:cTn id="12" nodeType="mainSeq"/>
+              <p:cTn id="2" nodeType="mainSeq"/>
               <p:prevCondLst>
-                <p:cond delay="0" evt="onPrev">
+                <p:cond evt="onPrev" delay="0">
                   <p:tgtEl>
                     <p:sldTgt/>
                   </p:tgtEl>
                 </p:cond>
               </p:prevCondLst>
               <p:nextCondLst>
-                <p:cond delay="0" evt="onNext">
+                <p:cond evt="onNext" delay="0">
                   <p:tgtEl>
                     <p:sldTgt/>
                   </p:tgtEl>
@@ -5620,7 +5983,7 @@
 </file>
 
 <file path=ppt/slides/slide7.xml><?xml version="1.0" encoding="utf-8"?>
-<p:sld xmlns:a="http://schemas.openxmlformats.org/drawingml/2006/main" xmlns:p="http://schemas.openxmlformats.org/presentationml/2006/main" xmlns:r="http://schemas.openxmlformats.org/officeDocument/2006/relationships">
+<p:sld xmlns:a="http://schemas.openxmlformats.org/drawingml/2006/main" xmlns:r="http://schemas.openxmlformats.org/officeDocument/2006/relationships" xmlns:p="http://schemas.openxmlformats.org/presentationml/2006/main">
   <p:cSld>
     <p:spTree>
       <p:nvGrpSpPr>
@@ -5656,7 +6019,8 @@
           </a:ln>
         </p:spPr>
         <p:txBody>
-          <a:bodyPr lIns="90000" rIns="90000" tIns="45000" bIns="45000" anchor="ctr"/>
+          <a:bodyPr lIns="90000" tIns="45000" rIns="90000" bIns="45000" anchor="ctr"/>
+          <a:lstStyle/>
           <a:p>
             <a:pPr>
               <a:lnSpc>
@@ -5664,7 +6028,7 @@
               </a:lnSpc>
             </a:pPr>
             <a:r>
-              <a:rPr b="1" lang="en-GB" sz="3200">
+              <a:rPr lang="en-GB" sz="3200" b="1">
                 <a:solidFill>
                   <a:srgbClr val="000000"/>
                 </a:solidFill>
@@ -5696,7 +6060,8 @@
           </a:ln>
         </p:spPr>
         <p:txBody>
-          <a:bodyPr lIns="90000" rIns="90000" tIns="45000" bIns="45000"/>
+          <a:bodyPr lIns="90000" tIns="45000" rIns="90000" bIns="45000"/>
+          <a:lstStyle/>
           <a:p>
             <a:pPr>
               <a:lnSpc>
@@ -5768,22 +6133,25 @@
       </p:sp>
     </p:spTree>
   </p:cSld>
+  <p:clrMapOvr>
+    <a:masterClrMapping/>
+  </p:clrMapOvr>
   <p:timing>
     <p:tnLst>
       <p:par>
-        <p:cTn id="13" dur="indefinite" restart="never" nodeType="tmRoot">
+        <p:cTn id="1" dur="indefinite" restart="never" nodeType="tmRoot">
           <p:childTnLst>
             <p:seq>
-              <p:cTn id="14" nodeType="mainSeq"/>
+              <p:cTn id="2" nodeType="mainSeq"/>
               <p:prevCondLst>
-                <p:cond delay="0" evt="onPrev">
+                <p:cond evt="onPrev" delay="0">
                   <p:tgtEl>
                     <p:sldTgt/>
                   </p:tgtEl>
                 </p:cond>
               </p:prevCondLst>
               <p:nextCondLst>
-                <p:cond delay="0" evt="onNext">
+                <p:cond evt="onNext" delay="0">
                   <p:tgtEl>
                     <p:sldTgt/>
                   </p:tgtEl>
@@ -5799,7 +6167,7 @@
 </file>
 
 <file path=ppt/slides/slide8.xml><?xml version="1.0" encoding="utf-8"?>
-<p:sld xmlns:a="http://schemas.openxmlformats.org/drawingml/2006/main" xmlns:p="http://schemas.openxmlformats.org/presentationml/2006/main" xmlns:r="http://schemas.openxmlformats.org/officeDocument/2006/relationships">
+<p:sld xmlns:a="http://schemas.openxmlformats.org/drawingml/2006/main" xmlns:r="http://schemas.openxmlformats.org/officeDocument/2006/relationships" xmlns:p="http://schemas.openxmlformats.org/presentationml/2006/main">
   <p:cSld>
     <p:spTree>
       <p:nvGrpSpPr>
@@ -5835,7 +6203,8 @@
           </a:ln>
         </p:spPr>
         <p:txBody>
-          <a:bodyPr lIns="90000" rIns="90000" tIns="45000" bIns="45000" anchor="ctr"/>
+          <a:bodyPr lIns="90000" tIns="45000" rIns="90000" bIns="45000" anchor="ctr"/>
+          <a:lstStyle/>
           <a:p>
             <a:pPr>
               <a:lnSpc>
@@ -5843,7 +6212,7 @@
               </a:lnSpc>
             </a:pPr>
             <a:r>
-              <a:rPr b="1" lang="en-GB" sz="3200">
+              <a:rPr lang="en-GB" sz="3200" b="1">
                 <a:solidFill>
                   <a:srgbClr val="000000"/>
                 </a:solidFill>
@@ -5875,7 +6244,8 @@
           </a:ln>
         </p:spPr>
         <p:txBody>
-          <a:bodyPr lIns="90000" rIns="90000" tIns="45000" bIns="45000"/>
+          <a:bodyPr lIns="90000" tIns="45000" rIns="90000" bIns="45000"/>
+          <a:lstStyle/>
           <a:p>
             <a:pPr>
               <a:lnSpc>
@@ -5987,22 +6357,25 @@
       </p:sp>
     </p:spTree>
   </p:cSld>
+  <p:clrMapOvr>
+    <a:masterClrMapping/>
+  </p:clrMapOvr>
   <p:timing>
     <p:tnLst>
       <p:par>
-        <p:cTn id="15" dur="indefinite" restart="never" nodeType="tmRoot">
+        <p:cTn id="1" dur="indefinite" restart="never" nodeType="tmRoot">
           <p:childTnLst>
             <p:seq>
-              <p:cTn id="16" nodeType="mainSeq"/>
+              <p:cTn id="2" nodeType="mainSeq"/>
               <p:prevCondLst>
-                <p:cond delay="0" evt="onPrev">
+                <p:cond evt="onPrev" delay="0">
                   <p:tgtEl>
                     <p:sldTgt/>
                   </p:tgtEl>
                 </p:cond>
               </p:prevCondLst>
               <p:nextCondLst>
-                <p:cond delay="0" evt="onNext">
+                <p:cond evt="onNext" delay="0">
                   <p:tgtEl>
                     <p:sldTgt/>
                   </p:tgtEl>
@@ -6018,7 +6391,7 @@
 </file>
 
 <file path=ppt/slides/slide9.xml><?xml version="1.0" encoding="utf-8"?>
-<p:sld xmlns:a="http://schemas.openxmlformats.org/drawingml/2006/main" xmlns:p="http://schemas.openxmlformats.org/presentationml/2006/main" xmlns:r="http://schemas.openxmlformats.org/officeDocument/2006/relationships">
+<p:sld xmlns:a="http://schemas.openxmlformats.org/drawingml/2006/main" xmlns:r="http://schemas.openxmlformats.org/officeDocument/2006/relationships" xmlns:p="http://schemas.openxmlformats.org/presentationml/2006/main">
   <p:cSld>
     <p:spTree>
       <p:nvGrpSpPr>
@@ -6054,7 +6427,8 @@
           </a:ln>
         </p:spPr>
         <p:txBody>
-          <a:bodyPr lIns="90000" rIns="90000" tIns="45000" bIns="45000" anchor="ctr"/>
+          <a:bodyPr lIns="90000" tIns="45000" rIns="90000" bIns="45000" anchor="ctr"/>
+          <a:lstStyle/>
           <a:p>
             <a:pPr>
               <a:lnSpc>
@@ -6062,7 +6436,7 @@
               </a:lnSpc>
             </a:pPr>
             <a:r>
-              <a:rPr b="1" lang="en-GB" sz="3200">
+              <a:rPr lang="en-GB" sz="3200" b="1">
                 <a:solidFill>
                   <a:srgbClr val="000000"/>
                 </a:solidFill>
@@ -6094,7 +6468,8 @@
           </a:ln>
         </p:spPr>
         <p:txBody>
-          <a:bodyPr lIns="90000" rIns="90000" tIns="45000" bIns="45000"/>
+          <a:bodyPr lIns="90000" tIns="45000" rIns="90000" bIns="45000"/>
+          <a:lstStyle/>
           <a:p>
             <a:pPr>
               <a:lnSpc>
@@ -6166,22 +6541,25 @@
       </p:sp>
     </p:spTree>
   </p:cSld>
+  <p:clrMapOvr>
+    <a:masterClrMapping/>
+  </p:clrMapOvr>
   <p:timing>
     <p:tnLst>
       <p:par>
-        <p:cTn id="17" dur="indefinite" restart="never" nodeType="tmRoot">
+        <p:cTn id="1" dur="indefinite" restart="never" nodeType="tmRoot">
           <p:childTnLst>
             <p:seq>
-              <p:cTn id="18" nodeType="mainSeq"/>
+              <p:cTn id="2" nodeType="mainSeq"/>
               <p:prevCondLst>
-                <p:cond delay="0" evt="onPrev">
+                <p:cond evt="onPrev" delay="0">
                   <p:tgtEl>
                     <p:sldTgt/>
                   </p:tgtEl>
                 </p:cond>
               </p:prevCondLst>
               <p:nextCondLst>
-                <p:cond delay="0" evt="onNext">
+                <p:cond evt="onNext" delay="0">
                   <p:tgtEl>
                     <p:sldTgt/>
                   </p:tgtEl>
@@ -6416,6 +6794,8 @@
       </a:bgFillStyleLst>
     </a:fmtScheme>
   </a:themeElements>
+  <a:objectDefaults/>
+  <a:extraClrSchemeLst/>
 </a:theme>
 </file>
 
@@ -6639,6 +7019,8 @@
       </a:bgFillStyleLst>
     </a:fmtScheme>
   </a:themeElements>
+  <a:objectDefaults/>
+  <a:extraClrSchemeLst/>
 </a:theme>
 </file>
 
@@ -6862,5 +7244,7 @@
       </a:bgFillStyleLst>
     </a:fmtScheme>
   </a:themeElements>
+  <a:objectDefaults/>
+  <a:extraClrSchemeLst/>
 </a:theme>
 </file>
--- a/2nd_year_int.pptx
+++ b/2nd_year_int.pptx
@@ -17,7 +17,8 @@
     <p:sldId id="263" r:id="rId11"/>
     <p:sldId id="264" r:id="rId12"/>
     <p:sldId id="265" r:id="rId13"/>
-    <p:sldId id="266" r:id="rId14"/>
+    <p:sldId id="268" r:id="rId14"/>
+    <p:sldId id="266" r:id="rId15"/>
   </p:sldIdLst>
   <p:sldSz cx="9144000" cy="6858000" type="screen4x3"/>
   <p:notesSz cx="7559675" cy="10691813"/>
@@ -4838,7 +4839,7 @@
               <a:buChar char="•"/>
             </a:pPr>
             <a:r>
-              <a:rPr lang="en-GB" sz="2800">
+              <a:rPr lang="en-GB" sz="2800" dirty="0">
                 <a:solidFill>
                   <a:srgbClr val="000000"/>
                 </a:solidFill>
@@ -4846,7 +4847,7 @@
               </a:rPr>
               <a:t>Gantt chart</a:t>
             </a:r>
-            <a:endParaRPr/>
+            <a:endParaRPr dirty="0"/>
           </a:p>
           <a:p>
             <a:pPr>
@@ -4857,7 +4858,7 @@
               <a:buChar char="•"/>
             </a:pPr>
             <a:r>
-              <a:rPr lang="en-GB" sz="2800">
+              <a:rPr lang="en-GB" sz="2800" dirty="0">
                 <a:solidFill>
                   <a:srgbClr val="000000"/>
                 </a:solidFill>
@@ -4865,7 +4866,7 @@
               </a:rPr>
               <a:t>Thesis Outline</a:t>
             </a:r>
-            <a:endParaRPr/>
+            <a:endParaRPr dirty="0"/>
           </a:p>
           <a:p>
             <a:pPr>
@@ -4876,7 +4877,7 @@
               <a:buChar char="•"/>
             </a:pPr>
             <a:r>
-              <a:rPr lang="en-GB" sz="2800">
+              <a:rPr lang="en-GB" sz="2800" dirty="0">
                 <a:solidFill>
                   <a:srgbClr val="000000"/>
                 </a:solidFill>
@@ -4884,7 +4885,7 @@
               </a:rPr>
               <a:t>More work as alternatives</a:t>
             </a:r>
-            <a:endParaRPr/>
+            <a:endParaRPr dirty="0"/>
           </a:p>
           <a:p>
             <a:pPr>
@@ -4892,7 +4893,7 @@
                 <a:spcPct val="100000"/>
               </a:lnSpc>
             </a:pPr>
-            <a:endParaRPr/>
+            <a:endParaRPr dirty="0"/>
           </a:p>
         </p:txBody>
       </p:sp>
@@ -4948,6 +4949,4181 @@
           <a:chExt cx="0" cy="0"/>
         </a:xfrm>
       </p:grpSpPr>
+      <p:cxnSp>
+        <p:nvCxnSpPr>
+          <p:cNvPr id="712" name="OTLSHAPE_M_b753854f750345028007ecac670adac1_Connector1"/>
+          <p:cNvCxnSpPr/>
+          <p:nvPr>
+            <p:custDataLst>
+              <p:tags r:id="rId2"/>
+            </p:custDataLst>
+          </p:nvPr>
+        </p:nvCxnSpPr>
+        <p:spPr>
+          <a:xfrm>
+            <a:off x="2306189" y="1391720"/>
+            <a:ext cx="0" cy="266"/>
+          </a:xfrm>
+          <a:prstGeom prst="line">
+            <a:avLst/>
+          </a:prstGeom>
+          <a:ln w="9525" cap="flat" cmpd="sng" algn="ctr">
+            <a:solidFill>
+              <a:srgbClr val="EA161E">
+                <a:alpha val="49804"/>
+              </a:srgbClr>
+            </a:solidFill>
+            <a:prstDash val="solid"/>
+            <a:round/>
+            <a:headEnd type="none" w="med" len="med"/>
+            <a:tailEnd type="none" w="med" len="med"/>
+          </a:ln>
+        </p:spPr>
+        <p:style>
+          <a:lnRef idx="1">
+            <a:schemeClr val="accent1"/>
+          </a:lnRef>
+          <a:fillRef idx="0">
+            <a:schemeClr val="accent1"/>
+          </a:fillRef>
+          <a:effectRef idx="0">
+            <a:schemeClr val="accent1"/>
+          </a:effectRef>
+          <a:fontRef idx="minor">
+            <a:schemeClr val="tx1"/>
+          </a:fontRef>
+        </p:style>
+      </p:cxnSp>
+      <p:cxnSp>
+        <p:nvCxnSpPr>
+          <p:cNvPr id="710" name="OTLSHAPE_M_0f4dd9dde0924e93b955678ac77842ad_Connector4"/>
+          <p:cNvCxnSpPr/>
+          <p:nvPr>
+            <p:custDataLst>
+              <p:tags r:id="rId3"/>
+            </p:custDataLst>
+          </p:nvPr>
+        </p:nvCxnSpPr>
+        <p:spPr>
+          <a:xfrm>
+            <a:off x="1591174" y="2355354"/>
+            <a:ext cx="0" cy="12700"/>
+          </a:xfrm>
+          <a:prstGeom prst="line">
+            <a:avLst/>
+          </a:prstGeom>
+          <a:ln w="9525" cap="flat" cmpd="sng" algn="ctr">
+            <a:solidFill>
+              <a:srgbClr val="EA161E">
+                <a:alpha val="49804"/>
+              </a:srgbClr>
+            </a:solidFill>
+            <a:prstDash val="solid"/>
+            <a:round/>
+            <a:headEnd type="none" w="med" len="med"/>
+            <a:tailEnd type="none" w="med" len="med"/>
+          </a:ln>
+        </p:spPr>
+        <p:style>
+          <a:lnRef idx="1">
+            <a:schemeClr val="accent1"/>
+          </a:lnRef>
+          <a:fillRef idx="0">
+            <a:schemeClr val="accent1"/>
+          </a:fillRef>
+          <a:effectRef idx="0">
+            <a:schemeClr val="accent1"/>
+          </a:effectRef>
+          <a:fontRef idx="minor">
+            <a:schemeClr val="tx1"/>
+          </a:fontRef>
+        </p:style>
+      </p:cxnSp>
+      <p:cxnSp>
+        <p:nvCxnSpPr>
+          <p:cNvPr id="708" name="OTLSHAPE_M_0f4dd9dde0924e93b955678ac77842ad_Connector2"/>
+          <p:cNvCxnSpPr/>
+          <p:nvPr>
+            <p:custDataLst>
+              <p:tags r:id="rId4"/>
+            </p:custDataLst>
+          </p:nvPr>
+        </p:nvCxnSpPr>
+        <p:spPr>
+          <a:xfrm>
+            <a:off x="1591174" y="1562505"/>
+            <a:ext cx="0" cy="12700"/>
+          </a:xfrm>
+          <a:prstGeom prst="line">
+            <a:avLst/>
+          </a:prstGeom>
+          <a:ln w="9525" cap="flat" cmpd="sng" algn="ctr">
+            <a:solidFill>
+              <a:srgbClr val="EA161E">
+                <a:alpha val="49804"/>
+              </a:srgbClr>
+            </a:solidFill>
+            <a:prstDash val="solid"/>
+            <a:round/>
+            <a:headEnd type="none" w="med" len="med"/>
+            <a:tailEnd type="none" w="med" len="med"/>
+          </a:ln>
+        </p:spPr>
+        <p:style>
+          <a:lnRef idx="1">
+            <a:schemeClr val="accent1"/>
+          </a:lnRef>
+          <a:fillRef idx="0">
+            <a:schemeClr val="accent1"/>
+          </a:fillRef>
+          <a:effectRef idx="0">
+            <a:schemeClr val="accent1"/>
+          </a:effectRef>
+          <a:fontRef idx="minor">
+            <a:schemeClr val="tx1"/>
+          </a:fontRef>
+        </p:style>
+      </p:cxnSp>
+      <p:sp>
+        <p:nvSpPr>
+          <p:cNvPr id="690" name="OTLSHAPE_TB_00000000000000000000000000000000_LeftEndCaps" hidden="1"/>
+          <p:cNvSpPr txBox="1"/>
+          <p:nvPr>
+            <p:custDataLst>
+              <p:tags r:id="rId5"/>
+            </p:custDataLst>
+          </p:nvPr>
+        </p:nvSpPr>
+        <p:spPr>
+          <a:xfrm>
+            <a:off x="317500" y="3098969"/>
+            <a:ext cx="469900" cy="279061"/>
+          </a:xfrm>
+          <a:prstGeom prst="rect">
+            <a:avLst/>
+          </a:prstGeom>
+          <a:noFill/>
+        </p:spPr>
+        <p:txBody>
+          <a:bodyPr vert="horz" wrap="none" lIns="0" tIns="0" rIns="0" bIns="0" rtlCol="0" anchor="ctr" anchorCtr="0">
+            <a:spAutoFit/>
+          </a:bodyPr>
+          <a:lstStyle/>
+          <a:p>
+            <a:pPr algn="ctr"/>
+            <a:r>
+              <a:rPr lang="en-US" altLang="zh-CN" b="1" smtClean="0">
+                <a:solidFill>
+                  <a:schemeClr val="accent2"/>
+                </a:solidFill>
+                <a:latin typeface="Calibri"/>
+              </a:rPr>
+              <a:t>2015</a:t>
+            </a:r>
+            <a:endParaRPr lang="zh-CN" altLang="en-US" b="1">
+              <a:solidFill>
+                <a:schemeClr val="accent2"/>
+              </a:solidFill>
+              <a:latin typeface="Calibri"/>
+            </a:endParaRPr>
+          </a:p>
+        </p:txBody>
+      </p:sp>
+      <p:sp>
+        <p:nvSpPr>
+          <p:cNvPr id="691" name="OTLSHAPE_TB_00000000000000000000000000000000_RightEndCaps" hidden="1"/>
+          <p:cNvSpPr txBox="1"/>
+          <p:nvPr>
+            <p:custDataLst>
+              <p:tags r:id="rId6"/>
+            </p:custDataLst>
+          </p:nvPr>
+        </p:nvSpPr>
+        <p:spPr>
+          <a:xfrm>
+            <a:off x="8363034" y="3098969"/>
+            <a:ext cx="469900" cy="279061"/>
+          </a:xfrm>
+          <a:prstGeom prst="rect">
+            <a:avLst/>
+          </a:prstGeom>
+          <a:noFill/>
+        </p:spPr>
+        <p:txBody>
+          <a:bodyPr vert="horz" wrap="none" lIns="0" tIns="0" rIns="0" bIns="0" rtlCol="0" anchor="ctr" anchorCtr="0">
+            <a:spAutoFit/>
+          </a:bodyPr>
+          <a:lstStyle/>
+          <a:p>
+            <a:pPr algn="ctr"/>
+            <a:r>
+              <a:rPr lang="en-US" altLang="zh-CN" b="1" smtClean="0">
+                <a:solidFill>
+                  <a:schemeClr val="accent2"/>
+                </a:solidFill>
+                <a:latin typeface="Calibri"/>
+              </a:rPr>
+              <a:t>2016</a:t>
+            </a:r>
+            <a:endParaRPr lang="zh-CN" altLang="en-US" b="1">
+              <a:solidFill>
+                <a:schemeClr val="accent2"/>
+              </a:solidFill>
+              <a:latin typeface="Calibri"/>
+            </a:endParaRPr>
+          </a:p>
+        </p:txBody>
+      </p:sp>
+      <p:sp>
+        <p:nvSpPr>
+          <p:cNvPr id="721" name="OTLSHAPE_M_4bad46065aff44fdba3359342bdb43dd_Title"/>
+          <p:cNvSpPr txBox="1"/>
+          <p:nvPr>
+            <p:custDataLst>
+              <p:tags r:id="rId7"/>
+            </p:custDataLst>
+          </p:nvPr>
+        </p:nvSpPr>
+        <p:spPr>
+          <a:xfrm>
+            <a:off x="1187623" y="1795859"/>
+            <a:ext cx="2188185" cy="215444"/>
+          </a:xfrm>
+          <a:prstGeom prst="rect">
+            <a:avLst/>
+          </a:prstGeom>
+          <a:noFill/>
+        </p:spPr>
+        <p:txBody>
+          <a:bodyPr vert="horz" wrap="square" lIns="0" tIns="0" rIns="0" bIns="0" rtlCol="0" anchor="ctr" anchorCtr="0">
+            <a:spAutoFit/>
+          </a:bodyPr>
+          <a:lstStyle/>
+          <a:p>
+            <a:r>
+              <a:rPr lang="en-US" altLang="zh-CN" sz="1400" spc="-8" dirty="0" smtClean="0">
+                <a:solidFill>
+                  <a:schemeClr val="dk1"/>
+                </a:solidFill>
+              </a:rPr>
+              <a:t>Contrastive Divergence</a:t>
+            </a:r>
+            <a:endParaRPr lang="zh-CN" altLang="en-US" sz="1400" spc="-8" dirty="0">
+              <a:solidFill>
+                <a:schemeClr val="dk1"/>
+              </a:solidFill>
+            </a:endParaRPr>
+          </a:p>
+        </p:txBody>
+      </p:sp>
+      <p:sp>
+        <p:nvSpPr>
+          <p:cNvPr id="723" name="OTLSHAPE_M_4bad46065aff44fdba3359342bdb43dd_Shape"/>
+          <p:cNvSpPr/>
+          <p:nvPr>
+            <p:custDataLst>
+              <p:tags r:id="rId8"/>
+            </p:custDataLst>
+          </p:nvPr>
+        </p:nvSpPr>
+        <p:spPr>
+          <a:xfrm rot="16200000">
+            <a:off x="971600" y="1818321"/>
+            <a:ext cx="165100" cy="165100"/>
+          </a:xfrm>
+          <a:prstGeom prst="flowChartMerge">
+            <a:avLst/>
+          </a:prstGeom>
+          <a:solidFill>
+            <a:srgbClr val="EA161E"/>
+          </a:solidFill>
+          <a:ln w="25400" cap="flat" cmpd="sng" algn="ctr">
+            <a:noFill/>
+            <a:prstDash val="solid"/>
+          </a:ln>
+          <a:effectLst/>
+          <a:scene3d>
+            <a:camera prst="orthographicFront"/>
+            <a:lightRig rig="threePt" dir="t"/>
+          </a:scene3d>
+          <a:sp3d>
+            <a:bevelT h="12700"/>
+          </a:sp3d>
+          <a:extLst>
+            <a:ext uri="{91240B29-F687-4F45-9708-019B960494DF}">
+              <a14:hiddenLine xmlns:a14="http://schemas.microsoft.com/office/drawing/2010/main" w="25400" cap="flat" cmpd="sng" algn="ctr">
+                <a:solidFill>
+                  <a:schemeClr val="accent1">
+                    <a:shade val="50000"/>
+                  </a:schemeClr>
+                </a:solidFill>
+                <a:prstDash val="solid"/>
+              </a14:hiddenLine>
+            </a:ext>
+            <a:ext uri="{AF507438-7753-43E0-B8FC-AC1667EBCBE1}">
+              <a14:hiddenEffects xmlns:a14="http://schemas.microsoft.com/office/drawing/2010/main">
+                <a:effectLst>
+                  <a:outerShdw>
+                    <a:scrgbClr r="0" g="0" b="0">
+                      <a:alpha val="50000"/>
+                    </a:scrgbClr>
+                  </a:outerShdw>
+                </a:effectLst>
+              </a14:hiddenEffects>
+            </a:ext>
+            <a:ext uri="{53640926-AAD7-44D8-BBD7-CCE9431645EC}">
+              <a14:shadowObscured xmlns:a14="http://schemas.microsoft.com/office/drawing/2010/main" val="1"/>
+            </a:ext>
+          </a:extLst>
+        </p:spPr>
+        <p:style>
+          <a:lnRef idx="2">
+            <a:schemeClr val="accent1">
+              <a:shade val="50000"/>
+            </a:schemeClr>
+          </a:lnRef>
+          <a:fillRef idx="1">
+            <a:schemeClr val="accent1"/>
+          </a:fillRef>
+          <a:effectRef idx="0">
+            <a:schemeClr val="accent1"/>
+          </a:effectRef>
+          <a:fontRef idx="minor">
+            <a:schemeClr val="lt1"/>
+          </a:fontRef>
+        </p:style>
+        <p:txBody>
+          <a:bodyPr rtlCol="0" anchor="ctr"/>
+          <a:lstStyle/>
+          <a:p>
+            <a:pPr algn="ctr"/>
+            <a:endParaRPr lang="zh-CN" altLang="en-US" sz="1400"/>
+          </a:p>
+        </p:txBody>
+      </p:sp>
+      <p:sp>
+        <p:nvSpPr>
+          <p:cNvPr id="724" name="OTLSHAPE_M_bc028b01b9a143e9ad12947fa3a1de22_Title"/>
+          <p:cNvSpPr txBox="1"/>
+          <p:nvPr>
+            <p:custDataLst>
+              <p:tags r:id="rId9"/>
+            </p:custDataLst>
+          </p:nvPr>
+        </p:nvSpPr>
+        <p:spPr>
+          <a:xfrm>
+            <a:off x="1527417" y="1989420"/>
+            <a:ext cx="2313677" cy="215444"/>
+          </a:xfrm>
+          <a:prstGeom prst="rect">
+            <a:avLst/>
+          </a:prstGeom>
+          <a:noFill/>
+        </p:spPr>
+        <p:txBody>
+          <a:bodyPr vert="horz" wrap="square" lIns="0" tIns="0" rIns="0" bIns="0" rtlCol="0" anchor="ctr" anchorCtr="0">
+            <a:spAutoFit/>
+          </a:bodyPr>
+          <a:lstStyle/>
+          <a:p>
+            <a:r>
+              <a:rPr lang="en-US" altLang="zh-CN" sz="1400" spc="-10" dirty="0" smtClean="0">
+                <a:solidFill>
+                  <a:schemeClr val="dk1"/>
+                </a:solidFill>
+              </a:rPr>
+              <a:t>RBM Validation</a:t>
+            </a:r>
+            <a:endParaRPr lang="zh-CN" altLang="en-US" sz="1400" spc="-10" dirty="0">
+              <a:solidFill>
+                <a:schemeClr val="dk1"/>
+              </a:solidFill>
+            </a:endParaRPr>
+          </a:p>
+        </p:txBody>
+      </p:sp>
+      <p:sp>
+        <p:nvSpPr>
+          <p:cNvPr id="726" name="OTLSHAPE_M_bc028b01b9a143e9ad12947fa3a1de22_Shape"/>
+          <p:cNvSpPr/>
+          <p:nvPr>
+            <p:custDataLst>
+              <p:tags r:id="rId10"/>
+            </p:custDataLst>
+          </p:nvPr>
+        </p:nvSpPr>
+        <p:spPr>
+          <a:xfrm rot="16200000">
+            <a:off x="1330568" y="2008775"/>
+            <a:ext cx="165100" cy="165100"/>
+          </a:xfrm>
+          <a:prstGeom prst="flowChartMerge">
+            <a:avLst/>
+          </a:prstGeom>
+          <a:solidFill>
+            <a:srgbClr val="EA161E"/>
+          </a:solidFill>
+          <a:ln w="25400" cap="flat" cmpd="sng" algn="ctr">
+            <a:noFill/>
+            <a:prstDash val="solid"/>
+          </a:ln>
+          <a:effectLst/>
+          <a:scene3d>
+            <a:camera prst="orthographicFront"/>
+            <a:lightRig rig="threePt" dir="t"/>
+          </a:scene3d>
+          <a:sp3d>
+            <a:bevelT h="12700"/>
+          </a:sp3d>
+          <a:extLst>
+            <a:ext uri="{91240B29-F687-4F45-9708-019B960494DF}">
+              <a14:hiddenLine xmlns:a14="http://schemas.microsoft.com/office/drawing/2010/main" w="25400" cap="flat" cmpd="sng" algn="ctr">
+                <a:solidFill>
+                  <a:schemeClr val="accent1">
+                    <a:shade val="50000"/>
+                  </a:schemeClr>
+                </a:solidFill>
+                <a:prstDash val="solid"/>
+              </a14:hiddenLine>
+            </a:ext>
+            <a:ext uri="{AF507438-7753-43E0-B8FC-AC1667EBCBE1}">
+              <a14:hiddenEffects xmlns:a14="http://schemas.microsoft.com/office/drawing/2010/main">
+                <a:effectLst>
+                  <a:outerShdw>
+                    <a:scrgbClr r="0" g="0" b="0">
+                      <a:alpha val="50000"/>
+                    </a:scrgbClr>
+                  </a:outerShdw>
+                </a:effectLst>
+              </a14:hiddenEffects>
+            </a:ext>
+            <a:ext uri="{53640926-AAD7-44D8-BBD7-CCE9431645EC}">
+              <a14:shadowObscured xmlns:a14="http://schemas.microsoft.com/office/drawing/2010/main" val="1"/>
+            </a:ext>
+          </a:extLst>
+        </p:spPr>
+        <p:style>
+          <a:lnRef idx="2">
+            <a:schemeClr val="accent1">
+              <a:shade val="50000"/>
+            </a:schemeClr>
+          </a:lnRef>
+          <a:fillRef idx="1">
+            <a:schemeClr val="accent1"/>
+          </a:fillRef>
+          <a:effectRef idx="0">
+            <a:schemeClr val="accent1"/>
+          </a:effectRef>
+          <a:fontRef idx="minor">
+            <a:schemeClr val="lt1"/>
+          </a:fontRef>
+        </p:style>
+        <p:txBody>
+          <a:bodyPr rtlCol="0" anchor="ctr"/>
+          <a:lstStyle/>
+          <a:p>
+            <a:pPr algn="ctr"/>
+            <a:endParaRPr lang="zh-CN" altLang="en-US" sz="1400"/>
+          </a:p>
+        </p:txBody>
+      </p:sp>
+      <p:sp>
+        <p:nvSpPr>
+          <p:cNvPr id="727" name="OTLSHAPE_M_0f4dd9dde0924e93b955678ac77842ad_Title"/>
+          <p:cNvSpPr txBox="1"/>
+          <p:nvPr>
+            <p:custDataLst>
+              <p:tags r:id="rId11"/>
+            </p:custDataLst>
+          </p:nvPr>
+        </p:nvSpPr>
+        <p:spPr>
+          <a:xfrm>
+            <a:off x="1835695" y="2182402"/>
+            <a:ext cx="2742569" cy="215444"/>
+          </a:xfrm>
+          <a:prstGeom prst="rect">
+            <a:avLst/>
+          </a:prstGeom>
+          <a:noFill/>
+        </p:spPr>
+        <p:txBody>
+          <a:bodyPr vert="horz" wrap="square" lIns="0" tIns="0" rIns="0" bIns="0" rtlCol="0" anchor="ctr" anchorCtr="0">
+            <a:spAutoFit/>
+          </a:bodyPr>
+          <a:lstStyle/>
+          <a:p>
+            <a:r>
+              <a:rPr lang="en-US" altLang="zh-CN" sz="1400" spc="-4" dirty="0" err="1" smtClean="0">
+                <a:solidFill>
+                  <a:schemeClr val="dk1"/>
+                </a:solidFill>
+              </a:rPr>
+              <a:t>Maths</a:t>
+            </a:r>
+            <a:r>
+              <a:rPr lang="en-US" altLang="zh-CN" sz="1400" spc="-4" dirty="0" smtClean="0">
+                <a:solidFill>
+                  <a:schemeClr val="dk1"/>
+                </a:solidFill>
+              </a:rPr>
+              <a:t> of DBN</a:t>
+            </a:r>
+            <a:endParaRPr lang="zh-CN" altLang="en-US" sz="1400" spc="-4" dirty="0">
+              <a:solidFill>
+                <a:schemeClr val="dk1"/>
+              </a:solidFill>
+            </a:endParaRPr>
+          </a:p>
+        </p:txBody>
+      </p:sp>
+      <p:sp>
+        <p:nvSpPr>
+          <p:cNvPr id="729" name="OTLSHAPE_M_0f4dd9dde0924e93b955678ac77842ad_Shape"/>
+          <p:cNvSpPr/>
+          <p:nvPr>
+            <p:custDataLst>
+              <p:tags r:id="rId12"/>
+            </p:custDataLst>
+          </p:nvPr>
+        </p:nvSpPr>
+        <p:spPr>
+          <a:xfrm rot="16200000">
+            <a:off x="1619672" y="2210283"/>
+            <a:ext cx="165100" cy="165100"/>
+          </a:xfrm>
+          <a:prstGeom prst="flowChartMerge">
+            <a:avLst/>
+          </a:prstGeom>
+          <a:solidFill>
+            <a:srgbClr val="EA161E"/>
+          </a:solidFill>
+          <a:ln w="25400" cap="flat" cmpd="sng" algn="ctr">
+            <a:noFill/>
+            <a:prstDash val="solid"/>
+          </a:ln>
+          <a:effectLst/>
+          <a:scene3d>
+            <a:camera prst="orthographicFront"/>
+            <a:lightRig rig="threePt" dir="t"/>
+          </a:scene3d>
+          <a:sp3d>
+            <a:bevelT h="12700"/>
+          </a:sp3d>
+          <a:extLst>
+            <a:ext uri="{91240B29-F687-4F45-9708-019B960494DF}">
+              <a14:hiddenLine xmlns:a14="http://schemas.microsoft.com/office/drawing/2010/main" w="25400" cap="flat" cmpd="sng" algn="ctr">
+                <a:solidFill>
+                  <a:schemeClr val="accent1">
+                    <a:shade val="50000"/>
+                  </a:schemeClr>
+                </a:solidFill>
+                <a:prstDash val="solid"/>
+              </a14:hiddenLine>
+            </a:ext>
+            <a:ext uri="{AF507438-7753-43E0-B8FC-AC1667EBCBE1}">
+              <a14:hiddenEffects xmlns:a14="http://schemas.microsoft.com/office/drawing/2010/main">
+                <a:effectLst>
+                  <a:outerShdw>
+                    <a:scrgbClr r="0" g="0" b="0">
+                      <a:alpha val="50000"/>
+                    </a:scrgbClr>
+                  </a:outerShdw>
+                </a:effectLst>
+              </a14:hiddenEffects>
+            </a:ext>
+            <a:ext uri="{53640926-AAD7-44D8-BBD7-CCE9431645EC}">
+              <a14:shadowObscured xmlns:a14="http://schemas.microsoft.com/office/drawing/2010/main" val="1"/>
+            </a:ext>
+          </a:extLst>
+        </p:spPr>
+        <p:style>
+          <a:lnRef idx="2">
+            <a:schemeClr val="accent1">
+              <a:shade val="50000"/>
+            </a:schemeClr>
+          </a:lnRef>
+          <a:fillRef idx="1">
+            <a:schemeClr val="accent1"/>
+          </a:fillRef>
+          <a:effectRef idx="0">
+            <a:schemeClr val="accent1"/>
+          </a:effectRef>
+          <a:fontRef idx="minor">
+            <a:schemeClr val="lt1"/>
+          </a:fontRef>
+        </p:style>
+        <p:txBody>
+          <a:bodyPr rtlCol="0" anchor="ctr"/>
+          <a:lstStyle/>
+          <a:p>
+            <a:pPr algn="ctr"/>
+            <a:endParaRPr lang="zh-CN" altLang="en-US" sz="1400"/>
+          </a:p>
+        </p:txBody>
+      </p:sp>
+      <p:sp>
+        <p:nvSpPr>
+          <p:cNvPr id="730" name="OTLSHAPE_M_b753854f750345028007ecac670adac1_Title"/>
+          <p:cNvSpPr txBox="1"/>
+          <p:nvPr>
+            <p:custDataLst>
+              <p:tags r:id="rId13"/>
+            </p:custDataLst>
+          </p:nvPr>
+        </p:nvSpPr>
+        <p:spPr>
+          <a:xfrm>
+            <a:off x="2123727" y="2398426"/>
+            <a:ext cx="2160241" cy="215444"/>
+          </a:xfrm>
+          <a:prstGeom prst="rect">
+            <a:avLst/>
+          </a:prstGeom>
+          <a:noFill/>
+        </p:spPr>
+        <p:txBody>
+          <a:bodyPr vert="horz" wrap="square" lIns="0" tIns="0" rIns="0" bIns="0" rtlCol="0" anchor="ctr" anchorCtr="0">
+            <a:spAutoFit/>
+          </a:bodyPr>
+          <a:lstStyle/>
+          <a:p>
+            <a:r>
+              <a:rPr lang="en-US" altLang="zh-CN" sz="1400" spc="-8" dirty="0" smtClean="0">
+                <a:solidFill>
+                  <a:schemeClr val="dk1"/>
+                </a:solidFill>
+              </a:rPr>
+              <a:t>Practical Training Methods</a:t>
+            </a:r>
+            <a:endParaRPr lang="zh-CN" altLang="en-US" sz="1400" spc="-8" dirty="0">
+              <a:solidFill>
+                <a:schemeClr val="dk1"/>
+              </a:solidFill>
+            </a:endParaRPr>
+          </a:p>
+        </p:txBody>
+      </p:sp>
+      <p:sp>
+        <p:nvSpPr>
+          <p:cNvPr id="732" name="OTLSHAPE_M_b753854f750345028007ecac670adac1_Shape"/>
+          <p:cNvSpPr/>
+          <p:nvPr>
+            <p:custDataLst>
+              <p:tags r:id="rId14"/>
+            </p:custDataLst>
+          </p:nvPr>
+        </p:nvSpPr>
+        <p:spPr>
+          <a:xfrm rot="16200000">
+            <a:off x="1886619" y="2426307"/>
+            <a:ext cx="165100" cy="165100"/>
+          </a:xfrm>
+          <a:prstGeom prst="flowChartMerge">
+            <a:avLst/>
+          </a:prstGeom>
+          <a:solidFill>
+            <a:srgbClr val="EA161E"/>
+          </a:solidFill>
+          <a:ln w="25400" cap="flat" cmpd="sng" algn="ctr">
+            <a:noFill/>
+            <a:prstDash val="solid"/>
+          </a:ln>
+          <a:effectLst/>
+          <a:scene3d>
+            <a:camera prst="orthographicFront"/>
+            <a:lightRig rig="threePt" dir="t"/>
+          </a:scene3d>
+          <a:sp3d>
+            <a:bevelT h="12700"/>
+          </a:sp3d>
+          <a:extLst>
+            <a:ext uri="{91240B29-F687-4F45-9708-019B960494DF}">
+              <a14:hiddenLine xmlns:a14="http://schemas.microsoft.com/office/drawing/2010/main" w="25400" cap="flat" cmpd="sng" algn="ctr">
+                <a:solidFill>
+                  <a:schemeClr val="accent1">
+                    <a:shade val="50000"/>
+                  </a:schemeClr>
+                </a:solidFill>
+                <a:prstDash val="solid"/>
+              </a14:hiddenLine>
+            </a:ext>
+            <a:ext uri="{AF507438-7753-43E0-B8FC-AC1667EBCBE1}">
+              <a14:hiddenEffects xmlns:a14="http://schemas.microsoft.com/office/drawing/2010/main">
+                <a:effectLst>
+                  <a:outerShdw>
+                    <a:scrgbClr r="0" g="0" b="0">
+                      <a:alpha val="50000"/>
+                    </a:scrgbClr>
+                  </a:outerShdw>
+                </a:effectLst>
+              </a14:hiddenEffects>
+            </a:ext>
+            <a:ext uri="{53640926-AAD7-44D8-BBD7-CCE9431645EC}">
+              <a14:shadowObscured xmlns:a14="http://schemas.microsoft.com/office/drawing/2010/main" val="1"/>
+            </a:ext>
+          </a:extLst>
+        </p:spPr>
+        <p:style>
+          <a:lnRef idx="2">
+            <a:schemeClr val="accent1">
+              <a:shade val="50000"/>
+            </a:schemeClr>
+          </a:lnRef>
+          <a:fillRef idx="1">
+            <a:schemeClr val="accent1"/>
+          </a:fillRef>
+          <a:effectRef idx="0">
+            <a:schemeClr val="accent1"/>
+          </a:effectRef>
+          <a:fontRef idx="minor">
+            <a:schemeClr val="lt1"/>
+          </a:fontRef>
+        </p:style>
+        <p:txBody>
+          <a:bodyPr rtlCol="0" anchor="ctr"/>
+          <a:lstStyle/>
+          <a:p>
+            <a:pPr algn="ctr"/>
+            <a:endParaRPr lang="zh-CN" altLang="en-US" sz="1400"/>
+          </a:p>
+        </p:txBody>
+      </p:sp>
+      <p:sp>
+        <p:nvSpPr>
+          <p:cNvPr id="734" name="OTLSHAPE_T_af8aba6694844f26b92929dd16af13bb_ShapePercentage" hidden="1"/>
+          <p:cNvSpPr/>
+          <p:nvPr>
+            <p:custDataLst>
+              <p:tags r:id="rId15"/>
+            </p:custDataLst>
+          </p:nvPr>
+        </p:nvSpPr>
+        <p:spPr>
+          <a:xfrm>
+            <a:off x="933365" y="3945255"/>
+            <a:ext cx="0" cy="0"/>
+          </a:xfrm>
+          <a:prstGeom prst="rect">
+            <a:avLst/>
+          </a:prstGeom>
+        </p:spPr>
+        <p:style>
+          <a:lnRef idx="2">
+            <a:schemeClr val="accent1">
+              <a:shade val="50000"/>
+            </a:schemeClr>
+          </a:lnRef>
+          <a:fillRef idx="1">
+            <a:schemeClr val="accent1"/>
+          </a:fillRef>
+          <a:effectRef idx="0">
+            <a:schemeClr val="accent1"/>
+          </a:effectRef>
+          <a:fontRef idx="minor">
+            <a:schemeClr val="lt1"/>
+          </a:fontRef>
+        </p:style>
+        <p:txBody>
+          <a:bodyPr rtlCol="0" anchor="ctr"/>
+          <a:lstStyle/>
+          <a:p>
+            <a:pPr algn="ctr"/>
+            <a:endParaRPr lang="zh-CN" altLang="en-US"/>
+          </a:p>
+        </p:txBody>
+      </p:sp>
+      <p:sp>
+        <p:nvSpPr>
+          <p:cNvPr id="735" name="OTLSHAPE_T_af8aba6694844f26b92929dd16af13bb_Duration" hidden="1"/>
+          <p:cNvSpPr txBox="1"/>
+          <p:nvPr>
+            <p:custDataLst>
+              <p:tags r:id="rId16"/>
+            </p:custDataLst>
+          </p:nvPr>
+        </p:nvSpPr>
+        <p:spPr>
+          <a:xfrm>
+            <a:off x="0" y="3945255"/>
+            <a:ext cx="393700" cy="155025"/>
+          </a:xfrm>
+          <a:prstGeom prst="rect">
+            <a:avLst/>
+          </a:prstGeom>
+          <a:noFill/>
+        </p:spPr>
+        <p:txBody>
+          <a:bodyPr vert="horz" wrap="square" lIns="0" tIns="0" rIns="0" bIns="0" rtlCol="0" anchor="ctr" anchorCtr="0">
+            <a:spAutoFit/>
+          </a:bodyPr>
+          <a:lstStyle/>
+          <a:p>
+            <a:pPr algn="ctr"/>
+            <a:r>
+              <a:rPr lang="en-US" altLang="zh-CN" sz="1000" smtClean="0">
+                <a:solidFill>
+                  <a:schemeClr val="accent2"/>
+                </a:solidFill>
+                <a:latin typeface="Calibri"/>
+              </a:rPr>
+              <a:t>32 days</a:t>
+            </a:r>
+            <a:endParaRPr lang="zh-CN" altLang="en-US" sz="1000">
+              <a:solidFill>
+                <a:schemeClr val="accent2"/>
+              </a:solidFill>
+              <a:latin typeface="Calibri"/>
+            </a:endParaRPr>
+          </a:p>
+        </p:txBody>
+      </p:sp>
+      <p:sp>
+        <p:nvSpPr>
+          <p:cNvPr id="736" name="OTLSHAPE_T_af8aba6694844f26b92929dd16af13bb_TextPercentage" hidden="1"/>
+          <p:cNvSpPr txBox="1"/>
+          <p:nvPr>
+            <p:custDataLst>
+              <p:tags r:id="rId17"/>
+            </p:custDataLst>
+          </p:nvPr>
+        </p:nvSpPr>
+        <p:spPr>
+          <a:xfrm>
+            <a:off x="0" y="4100280"/>
+            <a:ext cx="1588" cy="153888"/>
+          </a:xfrm>
+          <a:prstGeom prst="rect">
+            <a:avLst/>
+          </a:prstGeom>
+          <a:noFill/>
+        </p:spPr>
+        <p:txBody>
+          <a:bodyPr vert="horz" wrap="square" lIns="0" tIns="0" rIns="0" bIns="0" rtlCol="0" anchor="ctr" anchorCtr="0">
+            <a:spAutoFit/>
+          </a:bodyPr>
+          <a:lstStyle/>
+          <a:p>
+            <a:pPr algn="ctr"/>
+            <a:endParaRPr lang="zh-CN" altLang="en-US" sz="1000">
+              <a:solidFill>
+                <a:schemeClr val="accent2"/>
+              </a:solidFill>
+              <a:latin typeface="Calibri"/>
+            </a:endParaRPr>
+          </a:p>
+        </p:txBody>
+      </p:sp>
+      <p:sp>
+        <p:nvSpPr>
+          <p:cNvPr id="737" name="OTLSHAPE_T_af8aba6694844f26b92929dd16af13bb_StartDate" hidden="1"/>
+          <p:cNvSpPr txBox="1"/>
+          <p:nvPr>
+            <p:custDataLst>
+              <p:tags r:id="rId18"/>
+            </p:custDataLst>
+          </p:nvPr>
+        </p:nvSpPr>
+        <p:spPr>
+          <a:xfrm>
+            <a:off x="0" y="4100280"/>
+            <a:ext cx="1588" cy="153888"/>
+          </a:xfrm>
+          <a:prstGeom prst="rect">
+            <a:avLst/>
+          </a:prstGeom>
+          <a:noFill/>
+        </p:spPr>
+        <p:txBody>
+          <a:bodyPr vert="horz" wrap="square" lIns="0" tIns="0" rIns="0" bIns="0" rtlCol="0" anchor="ctr" anchorCtr="0">
+            <a:spAutoFit/>
+          </a:bodyPr>
+          <a:lstStyle/>
+          <a:p>
+            <a:pPr algn="ctr"/>
+            <a:endParaRPr lang="zh-CN" altLang="en-US" sz="1000">
+              <a:solidFill>
+                <a:srgbClr val="1F497E"/>
+              </a:solidFill>
+              <a:latin typeface="Calibri"/>
+            </a:endParaRPr>
+          </a:p>
+        </p:txBody>
+      </p:sp>
+      <p:sp>
+        <p:nvSpPr>
+          <p:cNvPr id="738" name="OTLSHAPE_T_af8aba6694844f26b92929dd16af13bb_EndDate" hidden="1"/>
+          <p:cNvSpPr txBox="1"/>
+          <p:nvPr>
+            <p:custDataLst>
+              <p:tags r:id="rId19"/>
+            </p:custDataLst>
+          </p:nvPr>
+        </p:nvSpPr>
+        <p:spPr>
+          <a:xfrm>
+            <a:off x="0" y="4100280"/>
+            <a:ext cx="1588" cy="153888"/>
+          </a:xfrm>
+          <a:prstGeom prst="rect">
+            <a:avLst/>
+          </a:prstGeom>
+          <a:noFill/>
+        </p:spPr>
+        <p:txBody>
+          <a:bodyPr vert="horz" wrap="square" lIns="0" tIns="0" rIns="0" bIns="0" rtlCol="0" anchor="ctr" anchorCtr="0">
+            <a:spAutoFit/>
+          </a:bodyPr>
+          <a:lstStyle/>
+          <a:p>
+            <a:pPr algn="ctr"/>
+            <a:endParaRPr lang="zh-CN" altLang="en-US" sz="1000">
+              <a:solidFill>
+                <a:srgbClr val="1F497E"/>
+              </a:solidFill>
+              <a:latin typeface="Calibri"/>
+            </a:endParaRPr>
+          </a:p>
+        </p:txBody>
+      </p:sp>
+      <p:sp>
+        <p:nvSpPr>
+          <p:cNvPr id="742" name="OTLSHAPE_T_235e46f474164d06a05367a49d5026a8_ShapePercentage" hidden="1"/>
+          <p:cNvSpPr/>
+          <p:nvPr>
+            <p:custDataLst>
+              <p:tags r:id="rId20"/>
+            </p:custDataLst>
+          </p:nvPr>
+        </p:nvSpPr>
+        <p:spPr>
+          <a:xfrm>
+            <a:off x="1425932" y="4211955"/>
+            <a:ext cx="0" cy="0"/>
+          </a:xfrm>
+          <a:prstGeom prst="rect">
+            <a:avLst/>
+          </a:prstGeom>
+        </p:spPr>
+        <p:style>
+          <a:lnRef idx="2">
+            <a:schemeClr val="accent1">
+              <a:shade val="50000"/>
+            </a:schemeClr>
+          </a:lnRef>
+          <a:fillRef idx="1">
+            <a:schemeClr val="accent1"/>
+          </a:fillRef>
+          <a:effectRef idx="0">
+            <a:schemeClr val="accent1"/>
+          </a:effectRef>
+          <a:fontRef idx="minor">
+            <a:schemeClr val="lt1"/>
+          </a:fontRef>
+        </p:style>
+        <p:txBody>
+          <a:bodyPr rtlCol="0" anchor="ctr"/>
+          <a:lstStyle/>
+          <a:p>
+            <a:pPr algn="ctr"/>
+            <a:endParaRPr lang="zh-CN" altLang="en-US"/>
+          </a:p>
+        </p:txBody>
+      </p:sp>
+      <p:sp>
+        <p:nvSpPr>
+          <p:cNvPr id="743" name="OTLSHAPE_T_235e46f474164d06a05367a49d5026a8_Duration" hidden="1"/>
+          <p:cNvSpPr txBox="1"/>
+          <p:nvPr>
+            <p:custDataLst>
+              <p:tags r:id="rId21"/>
+            </p:custDataLst>
+          </p:nvPr>
+        </p:nvSpPr>
+        <p:spPr>
+          <a:xfrm>
+            <a:off x="0" y="4211955"/>
+            <a:ext cx="393700" cy="155025"/>
+          </a:xfrm>
+          <a:prstGeom prst="rect">
+            <a:avLst/>
+          </a:prstGeom>
+          <a:noFill/>
+        </p:spPr>
+        <p:txBody>
+          <a:bodyPr vert="horz" wrap="square" lIns="0" tIns="0" rIns="0" bIns="0" rtlCol="0" anchor="ctr" anchorCtr="0">
+            <a:spAutoFit/>
+          </a:bodyPr>
+          <a:lstStyle/>
+          <a:p>
+            <a:pPr algn="ctr"/>
+            <a:r>
+              <a:rPr lang="en-US" altLang="zh-CN" sz="1000" smtClean="0">
+                <a:solidFill>
+                  <a:schemeClr val="accent2"/>
+                </a:solidFill>
+                <a:latin typeface="Calibri"/>
+              </a:rPr>
+              <a:t>31 days</a:t>
+            </a:r>
+            <a:endParaRPr lang="zh-CN" altLang="en-US" sz="1000">
+              <a:solidFill>
+                <a:schemeClr val="accent2"/>
+              </a:solidFill>
+              <a:latin typeface="Calibri"/>
+            </a:endParaRPr>
+          </a:p>
+        </p:txBody>
+      </p:sp>
+      <p:sp>
+        <p:nvSpPr>
+          <p:cNvPr id="744" name="OTLSHAPE_T_235e46f474164d06a05367a49d5026a8_TextPercentage" hidden="1"/>
+          <p:cNvSpPr txBox="1"/>
+          <p:nvPr>
+            <p:custDataLst>
+              <p:tags r:id="rId22"/>
+            </p:custDataLst>
+          </p:nvPr>
+        </p:nvSpPr>
+        <p:spPr>
+          <a:xfrm>
+            <a:off x="0" y="4366980"/>
+            <a:ext cx="1588" cy="153888"/>
+          </a:xfrm>
+          <a:prstGeom prst="rect">
+            <a:avLst/>
+          </a:prstGeom>
+          <a:noFill/>
+        </p:spPr>
+        <p:txBody>
+          <a:bodyPr vert="horz" wrap="square" lIns="0" tIns="0" rIns="0" bIns="0" rtlCol="0" anchor="ctr" anchorCtr="0">
+            <a:spAutoFit/>
+          </a:bodyPr>
+          <a:lstStyle/>
+          <a:p>
+            <a:pPr algn="ctr"/>
+            <a:endParaRPr lang="zh-CN" altLang="en-US" sz="1000">
+              <a:solidFill>
+                <a:schemeClr val="accent2"/>
+              </a:solidFill>
+              <a:latin typeface="Calibri"/>
+            </a:endParaRPr>
+          </a:p>
+        </p:txBody>
+      </p:sp>
+      <p:sp>
+        <p:nvSpPr>
+          <p:cNvPr id="745" name="OTLSHAPE_T_235e46f474164d06a05367a49d5026a8_StartDate" hidden="1"/>
+          <p:cNvSpPr txBox="1"/>
+          <p:nvPr>
+            <p:custDataLst>
+              <p:tags r:id="rId23"/>
+            </p:custDataLst>
+          </p:nvPr>
+        </p:nvSpPr>
+        <p:spPr>
+          <a:xfrm>
+            <a:off x="0" y="4366980"/>
+            <a:ext cx="1588" cy="153888"/>
+          </a:xfrm>
+          <a:prstGeom prst="rect">
+            <a:avLst/>
+          </a:prstGeom>
+          <a:noFill/>
+        </p:spPr>
+        <p:txBody>
+          <a:bodyPr vert="horz" wrap="square" lIns="0" tIns="0" rIns="0" bIns="0" rtlCol="0" anchor="ctr" anchorCtr="0">
+            <a:spAutoFit/>
+          </a:bodyPr>
+          <a:lstStyle/>
+          <a:p>
+            <a:pPr algn="ctr"/>
+            <a:endParaRPr lang="zh-CN" altLang="en-US" sz="1000">
+              <a:solidFill>
+                <a:srgbClr val="1F497E"/>
+              </a:solidFill>
+              <a:latin typeface="Calibri"/>
+            </a:endParaRPr>
+          </a:p>
+        </p:txBody>
+      </p:sp>
+      <p:sp>
+        <p:nvSpPr>
+          <p:cNvPr id="746" name="OTLSHAPE_T_235e46f474164d06a05367a49d5026a8_EndDate" hidden="1"/>
+          <p:cNvSpPr txBox="1"/>
+          <p:nvPr>
+            <p:custDataLst>
+              <p:tags r:id="rId24"/>
+            </p:custDataLst>
+          </p:nvPr>
+        </p:nvSpPr>
+        <p:spPr>
+          <a:xfrm>
+            <a:off x="0" y="4366980"/>
+            <a:ext cx="1588" cy="153888"/>
+          </a:xfrm>
+          <a:prstGeom prst="rect">
+            <a:avLst/>
+          </a:prstGeom>
+          <a:noFill/>
+        </p:spPr>
+        <p:txBody>
+          <a:bodyPr vert="horz" wrap="square" lIns="0" tIns="0" rIns="0" bIns="0" rtlCol="0" anchor="ctr" anchorCtr="0">
+            <a:spAutoFit/>
+          </a:bodyPr>
+          <a:lstStyle/>
+          <a:p>
+            <a:pPr algn="ctr"/>
+            <a:endParaRPr lang="zh-CN" altLang="en-US" sz="1000">
+              <a:solidFill>
+                <a:srgbClr val="1F497E"/>
+              </a:solidFill>
+              <a:latin typeface="Calibri"/>
+            </a:endParaRPr>
+          </a:p>
+        </p:txBody>
+      </p:sp>
+      <p:sp>
+        <p:nvSpPr>
+          <p:cNvPr id="750" name="OTLSHAPE_T_77eb22e7cd0b4dc299a4200d7b7f12eb_ShapePercentage" hidden="1"/>
+          <p:cNvSpPr/>
+          <p:nvPr>
+            <p:custDataLst>
+              <p:tags r:id="rId25"/>
+            </p:custDataLst>
+          </p:nvPr>
+        </p:nvSpPr>
+        <p:spPr>
+          <a:xfrm>
+            <a:off x="1902609" y="4478655"/>
+            <a:ext cx="0" cy="0"/>
+          </a:xfrm>
+          <a:prstGeom prst="rect">
+            <a:avLst/>
+          </a:prstGeom>
+        </p:spPr>
+        <p:style>
+          <a:lnRef idx="2">
+            <a:schemeClr val="accent1">
+              <a:shade val="50000"/>
+            </a:schemeClr>
+          </a:lnRef>
+          <a:fillRef idx="1">
+            <a:schemeClr val="accent1"/>
+          </a:fillRef>
+          <a:effectRef idx="0">
+            <a:schemeClr val="accent1"/>
+          </a:effectRef>
+          <a:fontRef idx="minor">
+            <a:schemeClr val="lt1"/>
+          </a:fontRef>
+        </p:style>
+        <p:txBody>
+          <a:bodyPr rtlCol="0" anchor="ctr"/>
+          <a:lstStyle/>
+          <a:p>
+            <a:pPr algn="ctr"/>
+            <a:endParaRPr lang="zh-CN" altLang="en-US"/>
+          </a:p>
+        </p:txBody>
+      </p:sp>
+      <p:sp>
+        <p:nvSpPr>
+          <p:cNvPr id="751" name="OTLSHAPE_T_77eb22e7cd0b4dc299a4200d7b7f12eb_Duration" hidden="1"/>
+          <p:cNvSpPr txBox="1"/>
+          <p:nvPr>
+            <p:custDataLst>
+              <p:tags r:id="rId26"/>
+            </p:custDataLst>
+          </p:nvPr>
+        </p:nvSpPr>
+        <p:spPr>
+          <a:xfrm>
+            <a:off x="0" y="4478655"/>
+            <a:ext cx="393700" cy="155025"/>
+          </a:xfrm>
+          <a:prstGeom prst="rect">
+            <a:avLst/>
+          </a:prstGeom>
+          <a:noFill/>
+        </p:spPr>
+        <p:txBody>
+          <a:bodyPr vert="horz" wrap="square" lIns="0" tIns="0" rIns="0" bIns="0" rtlCol="0" anchor="ctr" anchorCtr="0">
+            <a:spAutoFit/>
+          </a:bodyPr>
+          <a:lstStyle/>
+          <a:p>
+            <a:pPr algn="ctr"/>
+            <a:r>
+              <a:rPr lang="en-US" altLang="zh-CN" sz="1000" smtClean="0">
+                <a:solidFill>
+                  <a:schemeClr val="accent2"/>
+                </a:solidFill>
+                <a:latin typeface="Calibri"/>
+              </a:rPr>
+              <a:t>92 days</a:t>
+            </a:r>
+            <a:endParaRPr lang="zh-CN" altLang="en-US" sz="1000">
+              <a:solidFill>
+                <a:schemeClr val="accent2"/>
+              </a:solidFill>
+              <a:latin typeface="Calibri"/>
+            </a:endParaRPr>
+          </a:p>
+        </p:txBody>
+      </p:sp>
+      <p:sp>
+        <p:nvSpPr>
+          <p:cNvPr id="752" name="OTLSHAPE_T_77eb22e7cd0b4dc299a4200d7b7f12eb_TextPercentage" hidden="1"/>
+          <p:cNvSpPr txBox="1"/>
+          <p:nvPr>
+            <p:custDataLst>
+              <p:tags r:id="rId27"/>
+            </p:custDataLst>
+          </p:nvPr>
+        </p:nvSpPr>
+        <p:spPr>
+          <a:xfrm>
+            <a:off x="0" y="4633680"/>
+            <a:ext cx="1588" cy="153888"/>
+          </a:xfrm>
+          <a:prstGeom prst="rect">
+            <a:avLst/>
+          </a:prstGeom>
+          <a:noFill/>
+        </p:spPr>
+        <p:txBody>
+          <a:bodyPr vert="horz" wrap="square" lIns="0" tIns="0" rIns="0" bIns="0" rtlCol="0" anchor="ctr" anchorCtr="0">
+            <a:spAutoFit/>
+          </a:bodyPr>
+          <a:lstStyle/>
+          <a:p>
+            <a:pPr algn="ctr"/>
+            <a:endParaRPr lang="zh-CN" altLang="en-US" sz="1000">
+              <a:solidFill>
+                <a:schemeClr val="accent2"/>
+              </a:solidFill>
+              <a:latin typeface="Calibri"/>
+            </a:endParaRPr>
+          </a:p>
+        </p:txBody>
+      </p:sp>
+      <p:sp>
+        <p:nvSpPr>
+          <p:cNvPr id="753" name="OTLSHAPE_T_77eb22e7cd0b4dc299a4200d7b7f12eb_StartDate" hidden="1"/>
+          <p:cNvSpPr txBox="1"/>
+          <p:nvPr>
+            <p:custDataLst>
+              <p:tags r:id="rId28"/>
+            </p:custDataLst>
+          </p:nvPr>
+        </p:nvSpPr>
+        <p:spPr>
+          <a:xfrm>
+            <a:off x="0" y="4633680"/>
+            <a:ext cx="1588" cy="153888"/>
+          </a:xfrm>
+          <a:prstGeom prst="rect">
+            <a:avLst/>
+          </a:prstGeom>
+          <a:noFill/>
+        </p:spPr>
+        <p:txBody>
+          <a:bodyPr vert="horz" wrap="square" lIns="0" tIns="0" rIns="0" bIns="0" rtlCol="0" anchor="ctr" anchorCtr="0">
+            <a:spAutoFit/>
+          </a:bodyPr>
+          <a:lstStyle/>
+          <a:p>
+            <a:pPr algn="ctr"/>
+            <a:endParaRPr lang="zh-CN" altLang="en-US" sz="1000">
+              <a:solidFill>
+                <a:srgbClr val="1F497E"/>
+              </a:solidFill>
+              <a:latin typeface="Calibri"/>
+            </a:endParaRPr>
+          </a:p>
+        </p:txBody>
+      </p:sp>
+      <p:sp>
+        <p:nvSpPr>
+          <p:cNvPr id="754" name="OTLSHAPE_T_77eb22e7cd0b4dc299a4200d7b7f12eb_EndDate" hidden="1"/>
+          <p:cNvSpPr txBox="1"/>
+          <p:nvPr>
+            <p:custDataLst>
+              <p:tags r:id="rId29"/>
+            </p:custDataLst>
+          </p:nvPr>
+        </p:nvSpPr>
+        <p:spPr>
+          <a:xfrm>
+            <a:off x="0" y="4633680"/>
+            <a:ext cx="1588" cy="153888"/>
+          </a:xfrm>
+          <a:prstGeom prst="rect">
+            <a:avLst/>
+          </a:prstGeom>
+          <a:noFill/>
+        </p:spPr>
+        <p:txBody>
+          <a:bodyPr vert="horz" wrap="square" lIns="0" tIns="0" rIns="0" bIns="0" rtlCol="0" anchor="ctr" anchorCtr="0">
+            <a:spAutoFit/>
+          </a:bodyPr>
+          <a:lstStyle/>
+          <a:p>
+            <a:pPr algn="ctr"/>
+            <a:endParaRPr lang="zh-CN" altLang="en-US" sz="1000">
+              <a:solidFill>
+                <a:srgbClr val="1F497E"/>
+              </a:solidFill>
+              <a:latin typeface="Calibri"/>
+            </a:endParaRPr>
+          </a:p>
+        </p:txBody>
+      </p:sp>
+      <p:sp>
+        <p:nvSpPr>
+          <p:cNvPr id="758" name="OTLSHAPE_T_0862fbcce6f74c47b96391573e00609d_ShapePercentage" hidden="1"/>
+          <p:cNvSpPr/>
+          <p:nvPr>
+            <p:custDataLst>
+              <p:tags r:id="rId30"/>
+            </p:custDataLst>
+          </p:nvPr>
+        </p:nvSpPr>
+        <p:spPr>
+          <a:xfrm>
+            <a:off x="3348529" y="4745355"/>
+            <a:ext cx="0" cy="0"/>
+          </a:xfrm>
+          <a:prstGeom prst="rect">
+            <a:avLst/>
+          </a:prstGeom>
+        </p:spPr>
+        <p:style>
+          <a:lnRef idx="2">
+            <a:schemeClr val="accent1">
+              <a:shade val="50000"/>
+            </a:schemeClr>
+          </a:lnRef>
+          <a:fillRef idx="1">
+            <a:schemeClr val="accent1"/>
+          </a:fillRef>
+          <a:effectRef idx="0">
+            <a:schemeClr val="accent1"/>
+          </a:effectRef>
+          <a:fontRef idx="minor">
+            <a:schemeClr val="lt1"/>
+          </a:fontRef>
+        </p:style>
+        <p:txBody>
+          <a:bodyPr rtlCol="0" anchor="ctr"/>
+          <a:lstStyle/>
+          <a:p>
+            <a:pPr algn="ctr"/>
+            <a:endParaRPr lang="zh-CN" altLang="en-US"/>
+          </a:p>
+        </p:txBody>
+      </p:sp>
+      <p:sp>
+        <p:nvSpPr>
+          <p:cNvPr id="759" name="OTLSHAPE_T_0862fbcce6f74c47b96391573e00609d_Duration" hidden="1"/>
+          <p:cNvSpPr txBox="1"/>
+          <p:nvPr>
+            <p:custDataLst>
+              <p:tags r:id="rId31"/>
+            </p:custDataLst>
+          </p:nvPr>
+        </p:nvSpPr>
+        <p:spPr>
+          <a:xfrm>
+            <a:off x="0" y="4745355"/>
+            <a:ext cx="393700" cy="155025"/>
+          </a:xfrm>
+          <a:prstGeom prst="rect">
+            <a:avLst/>
+          </a:prstGeom>
+          <a:noFill/>
+        </p:spPr>
+        <p:txBody>
+          <a:bodyPr vert="horz" wrap="square" lIns="0" tIns="0" rIns="0" bIns="0" rtlCol="0" anchor="ctr" anchorCtr="0">
+            <a:spAutoFit/>
+          </a:bodyPr>
+          <a:lstStyle/>
+          <a:p>
+            <a:pPr algn="ctr"/>
+            <a:r>
+              <a:rPr lang="en-US" altLang="zh-CN" sz="1000" smtClean="0">
+                <a:solidFill>
+                  <a:schemeClr val="accent2"/>
+                </a:solidFill>
+                <a:latin typeface="Calibri"/>
+              </a:rPr>
+              <a:t>93 days</a:t>
+            </a:r>
+            <a:endParaRPr lang="zh-CN" altLang="en-US" sz="1000">
+              <a:solidFill>
+                <a:schemeClr val="accent2"/>
+              </a:solidFill>
+              <a:latin typeface="Calibri"/>
+            </a:endParaRPr>
+          </a:p>
+        </p:txBody>
+      </p:sp>
+      <p:sp>
+        <p:nvSpPr>
+          <p:cNvPr id="760" name="OTLSHAPE_T_0862fbcce6f74c47b96391573e00609d_TextPercentage" hidden="1"/>
+          <p:cNvSpPr txBox="1"/>
+          <p:nvPr>
+            <p:custDataLst>
+              <p:tags r:id="rId32"/>
+            </p:custDataLst>
+          </p:nvPr>
+        </p:nvSpPr>
+        <p:spPr>
+          <a:xfrm>
+            <a:off x="0" y="4900380"/>
+            <a:ext cx="1588" cy="153888"/>
+          </a:xfrm>
+          <a:prstGeom prst="rect">
+            <a:avLst/>
+          </a:prstGeom>
+          <a:noFill/>
+        </p:spPr>
+        <p:txBody>
+          <a:bodyPr vert="horz" wrap="square" lIns="0" tIns="0" rIns="0" bIns="0" rtlCol="0" anchor="ctr" anchorCtr="0">
+            <a:spAutoFit/>
+          </a:bodyPr>
+          <a:lstStyle/>
+          <a:p>
+            <a:pPr algn="ctr"/>
+            <a:endParaRPr lang="zh-CN" altLang="en-US" sz="1000">
+              <a:solidFill>
+                <a:schemeClr val="accent2"/>
+              </a:solidFill>
+              <a:latin typeface="Calibri"/>
+            </a:endParaRPr>
+          </a:p>
+        </p:txBody>
+      </p:sp>
+      <p:sp>
+        <p:nvSpPr>
+          <p:cNvPr id="761" name="OTLSHAPE_T_0862fbcce6f74c47b96391573e00609d_StartDate" hidden="1"/>
+          <p:cNvSpPr txBox="1"/>
+          <p:nvPr>
+            <p:custDataLst>
+              <p:tags r:id="rId33"/>
+            </p:custDataLst>
+          </p:nvPr>
+        </p:nvSpPr>
+        <p:spPr>
+          <a:xfrm>
+            <a:off x="0" y="4900380"/>
+            <a:ext cx="1588" cy="153888"/>
+          </a:xfrm>
+          <a:prstGeom prst="rect">
+            <a:avLst/>
+          </a:prstGeom>
+          <a:noFill/>
+        </p:spPr>
+        <p:txBody>
+          <a:bodyPr vert="horz" wrap="square" lIns="0" tIns="0" rIns="0" bIns="0" rtlCol="0" anchor="ctr" anchorCtr="0">
+            <a:spAutoFit/>
+          </a:bodyPr>
+          <a:lstStyle/>
+          <a:p>
+            <a:pPr algn="ctr"/>
+            <a:endParaRPr lang="zh-CN" altLang="en-US" sz="1000">
+              <a:solidFill>
+                <a:srgbClr val="1F497E"/>
+              </a:solidFill>
+              <a:latin typeface="Calibri"/>
+            </a:endParaRPr>
+          </a:p>
+        </p:txBody>
+      </p:sp>
+      <p:sp>
+        <p:nvSpPr>
+          <p:cNvPr id="762" name="OTLSHAPE_T_0862fbcce6f74c47b96391573e00609d_EndDate" hidden="1"/>
+          <p:cNvSpPr txBox="1"/>
+          <p:nvPr>
+            <p:custDataLst>
+              <p:tags r:id="rId34"/>
+            </p:custDataLst>
+          </p:nvPr>
+        </p:nvSpPr>
+        <p:spPr>
+          <a:xfrm>
+            <a:off x="0" y="4900380"/>
+            <a:ext cx="1588" cy="153888"/>
+          </a:xfrm>
+          <a:prstGeom prst="rect">
+            <a:avLst/>
+          </a:prstGeom>
+          <a:noFill/>
+        </p:spPr>
+        <p:txBody>
+          <a:bodyPr vert="horz" wrap="square" lIns="0" tIns="0" rIns="0" bIns="0" rtlCol="0" anchor="ctr" anchorCtr="0">
+            <a:spAutoFit/>
+          </a:bodyPr>
+          <a:lstStyle/>
+          <a:p>
+            <a:pPr algn="ctr"/>
+            <a:endParaRPr lang="zh-CN" altLang="en-US" sz="1000">
+              <a:solidFill>
+                <a:srgbClr val="1F497E"/>
+              </a:solidFill>
+              <a:latin typeface="Calibri"/>
+            </a:endParaRPr>
+          </a:p>
+        </p:txBody>
+      </p:sp>
+      <p:sp>
+        <p:nvSpPr>
+          <p:cNvPr id="766" name="OTLSHAPE_T_9ac8d18186e74035a2730a3a6e774ee6_ShapePercentage" hidden="1"/>
+          <p:cNvSpPr/>
+          <p:nvPr>
+            <p:custDataLst>
+              <p:tags r:id="rId35"/>
+            </p:custDataLst>
+          </p:nvPr>
+        </p:nvSpPr>
+        <p:spPr>
+          <a:xfrm>
+            <a:off x="3841095" y="5012055"/>
+            <a:ext cx="0" cy="0"/>
+          </a:xfrm>
+          <a:prstGeom prst="rect">
+            <a:avLst/>
+          </a:prstGeom>
+        </p:spPr>
+        <p:style>
+          <a:lnRef idx="2">
+            <a:schemeClr val="accent1">
+              <a:shade val="50000"/>
+            </a:schemeClr>
+          </a:lnRef>
+          <a:fillRef idx="1">
+            <a:schemeClr val="accent1"/>
+          </a:fillRef>
+          <a:effectRef idx="0">
+            <a:schemeClr val="accent1"/>
+          </a:effectRef>
+          <a:fontRef idx="minor">
+            <a:schemeClr val="lt1"/>
+          </a:fontRef>
+        </p:style>
+        <p:txBody>
+          <a:bodyPr rtlCol="0" anchor="ctr"/>
+          <a:lstStyle/>
+          <a:p>
+            <a:pPr algn="ctr"/>
+            <a:endParaRPr lang="zh-CN" altLang="en-US"/>
+          </a:p>
+        </p:txBody>
+      </p:sp>
+      <p:sp>
+        <p:nvSpPr>
+          <p:cNvPr id="767" name="OTLSHAPE_T_9ac8d18186e74035a2730a3a6e774ee6_Duration" hidden="1"/>
+          <p:cNvSpPr txBox="1"/>
+          <p:nvPr>
+            <p:custDataLst>
+              <p:tags r:id="rId36"/>
+            </p:custDataLst>
+          </p:nvPr>
+        </p:nvSpPr>
+        <p:spPr>
+          <a:xfrm>
+            <a:off x="0" y="5012055"/>
+            <a:ext cx="393700" cy="155025"/>
+          </a:xfrm>
+          <a:prstGeom prst="rect">
+            <a:avLst/>
+          </a:prstGeom>
+          <a:noFill/>
+        </p:spPr>
+        <p:txBody>
+          <a:bodyPr vert="horz" wrap="square" lIns="0" tIns="0" rIns="0" bIns="0" rtlCol="0" anchor="ctr" anchorCtr="0">
+            <a:spAutoFit/>
+          </a:bodyPr>
+          <a:lstStyle/>
+          <a:p>
+            <a:pPr algn="ctr"/>
+            <a:r>
+              <a:rPr lang="en-US" altLang="zh-CN" sz="1000" smtClean="0">
+                <a:solidFill>
+                  <a:schemeClr val="accent2"/>
+                </a:solidFill>
+                <a:latin typeface="Calibri"/>
+              </a:rPr>
+              <a:t>92 days</a:t>
+            </a:r>
+            <a:endParaRPr lang="zh-CN" altLang="en-US" sz="1000">
+              <a:solidFill>
+                <a:schemeClr val="accent2"/>
+              </a:solidFill>
+              <a:latin typeface="Calibri"/>
+            </a:endParaRPr>
+          </a:p>
+        </p:txBody>
+      </p:sp>
+      <p:sp>
+        <p:nvSpPr>
+          <p:cNvPr id="768" name="OTLSHAPE_T_9ac8d18186e74035a2730a3a6e774ee6_TextPercentage" hidden="1"/>
+          <p:cNvSpPr txBox="1"/>
+          <p:nvPr>
+            <p:custDataLst>
+              <p:tags r:id="rId37"/>
+            </p:custDataLst>
+          </p:nvPr>
+        </p:nvSpPr>
+        <p:spPr>
+          <a:xfrm>
+            <a:off x="0" y="5167080"/>
+            <a:ext cx="1588" cy="153888"/>
+          </a:xfrm>
+          <a:prstGeom prst="rect">
+            <a:avLst/>
+          </a:prstGeom>
+          <a:noFill/>
+        </p:spPr>
+        <p:txBody>
+          <a:bodyPr vert="horz" wrap="square" lIns="0" tIns="0" rIns="0" bIns="0" rtlCol="0" anchor="ctr" anchorCtr="0">
+            <a:spAutoFit/>
+          </a:bodyPr>
+          <a:lstStyle/>
+          <a:p>
+            <a:pPr algn="ctr"/>
+            <a:endParaRPr lang="zh-CN" altLang="en-US" sz="1000">
+              <a:solidFill>
+                <a:schemeClr val="accent2"/>
+              </a:solidFill>
+              <a:latin typeface="Calibri"/>
+            </a:endParaRPr>
+          </a:p>
+        </p:txBody>
+      </p:sp>
+      <p:sp>
+        <p:nvSpPr>
+          <p:cNvPr id="769" name="OTLSHAPE_T_9ac8d18186e74035a2730a3a6e774ee6_StartDate" hidden="1"/>
+          <p:cNvSpPr txBox="1"/>
+          <p:nvPr>
+            <p:custDataLst>
+              <p:tags r:id="rId38"/>
+            </p:custDataLst>
+          </p:nvPr>
+        </p:nvSpPr>
+        <p:spPr>
+          <a:xfrm>
+            <a:off x="0" y="5167080"/>
+            <a:ext cx="1588" cy="153888"/>
+          </a:xfrm>
+          <a:prstGeom prst="rect">
+            <a:avLst/>
+          </a:prstGeom>
+          <a:noFill/>
+        </p:spPr>
+        <p:txBody>
+          <a:bodyPr vert="horz" wrap="square" lIns="0" tIns="0" rIns="0" bIns="0" rtlCol="0" anchor="ctr" anchorCtr="0">
+            <a:spAutoFit/>
+          </a:bodyPr>
+          <a:lstStyle/>
+          <a:p>
+            <a:pPr algn="ctr"/>
+            <a:endParaRPr lang="zh-CN" altLang="en-US" sz="1000">
+              <a:solidFill>
+                <a:srgbClr val="1F497E"/>
+              </a:solidFill>
+              <a:latin typeface="Calibri"/>
+            </a:endParaRPr>
+          </a:p>
+        </p:txBody>
+      </p:sp>
+      <p:sp>
+        <p:nvSpPr>
+          <p:cNvPr id="770" name="OTLSHAPE_T_9ac8d18186e74035a2730a3a6e774ee6_EndDate" hidden="1"/>
+          <p:cNvSpPr txBox="1"/>
+          <p:nvPr>
+            <p:custDataLst>
+              <p:tags r:id="rId39"/>
+            </p:custDataLst>
+          </p:nvPr>
+        </p:nvSpPr>
+        <p:spPr>
+          <a:xfrm>
+            <a:off x="0" y="5167080"/>
+            <a:ext cx="1588" cy="153888"/>
+          </a:xfrm>
+          <a:prstGeom prst="rect">
+            <a:avLst/>
+          </a:prstGeom>
+          <a:noFill/>
+        </p:spPr>
+        <p:txBody>
+          <a:bodyPr vert="horz" wrap="square" lIns="0" tIns="0" rIns="0" bIns="0" rtlCol="0" anchor="ctr" anchorCtr="0">
+            <a:spAutoFit/>
+          </a:bodyPr>
+          <a:lstStyle/>
+          <a:p>
+            <a:pPr algn="ctr"/>
+            <a:endParaRPr lang="zh-CN" altLang="en-US" sz="1000">
+              <a:solidFill>
+                <a:srgbClr val="1F497E"/>
+              </a:solidFill>
+              <a:latin typeface="Calibri"/>
+            </a:endParaRPr>
+          </a:p>
+        </p:txBody>
+      </p:sp>
+      <p:sp>
+        <p:nvSpPr>
+          <p:cNvPr id="774" name="OTLSHAPE_T_e1ab46e8d17045f9946a8af8892c50f8_ShapePercentage" hidden="1"/>
+          <p:cNvSpPr/>
+          <p:nvPr>
+            <p:custDataLst>
+              <p:tags r:id="rId40"/>
+            </p:custDataLst>
+          </p:nvPr>
+        </p:nvSpPr>
+        <p:spPr>
+          <a:xfrm>
+            <a:off x="4810339" y="5278755"/>
+            <a:ext cx="0" cy="0"/>
+          </a:xfrm>
+          <a:prstGeom prst="rect">
+            <a:avLst/>
+          </a:prstGeom>
+        </p:spPr>
+        <p:style>
+          <a:lnRef idx="2">
+            <a:schemeClr val="accent1">
+              <a:shade val="50000"/>
+            </a:schemeClr>
+          </a:lnRef>
+          <a:fillRef idx="1">
+            <a:schemeClr val="accent1"/>
+          </a:fillRef>
+          <a:effectRef idx="0">
+            <a:schemeClr val="accent1"/>
+          </a:effectRef>
+          <a:fontRef idx="minor">
+            <a:schemeClr val="lt1"/>
+          </a:fontRef>
+        </p:style>
+        <p:txBody>
+          <a:bodyPr rtlCol="0" anchor="ctr"/>
+          <a:lstStyle/>
+          <a:p>
+            <a:pPr algn="ctr"/>
+            <a:endParaRPr lang="zh-CN" altLang="en-US"/>
+          </a:p>
+        </p:txBody>
+      </p:sp>
+      <p:sp>
+        <p:nvSpPr>
+          <p:cNvPr id="775" name="OTLSHAPE_T_e1ab46e8d17045f9946a8af8892c50f8_Duration" hidden="1"/>
+          <p:cNvSpPr txBox="1"/>
+          <p:nvPr>
+            <p:custDataLst>
+              <p:tags r:id="rId41"/>
+            </p:custDataLst>
+          </p:nvPr>
+        </p:nvSpPr>
+        <p:spPr>
+          <a:xfrm>
+            <a:off x="0" y="5278755"/>
+            <a:ext cx="457200" cy="155025"/>
+          </a:xfrm>
+          <a:prstGeom prst="rect">
+            <a:avLst/>
+          </a:prstGeom>
+          <a:noFill/>
+        </p:spPr>
+        <p:txBody>
+          <a:bodyPr vert="horz" wrap="square" lIns="0" tIns="0" rIns="0" bIns="0" rtlCol="0" anchor="ctr" anchorCtr="0">
+            <a:spAutoFit/>
+          </a:bodyPr>
+          <a:lstStyle/>
+          <a:p>
+            <a:pPr algn="ctr"/>
+            <a:r>
+              <a:rPr lang="en-US" altLang="zh-CN" sz="1000" smtClean="0">
+                <a:solidFill>
+                  <a:schemeClr val="accent2"/>
+                </a:solidFill>
+                <a:latin typeface="Calibri"/>
+              </a:rPr>
+              <a:t>184 days</a:t>
+            </a:r>
+            <a:endParaRPr lang="zh-CN" altLang="en-US" sz="1000">
+              <a:solidFill>
+                <a:schemeClr val="accent2"/>
+              </a:solidFill>
+              <a:latin typeface="Calibri"/>
+            </a:endParaRPr>
+          </a:p>
+        </p:txBody>
+      </p:sp>
+      <p:sp>
+        <p:nvSpPr>
+          <p:cNvPr id="776" name="OTLSHAPE_T_e1ab46e8d17045f9946a8af8892c50f8_TextPercentage" hidden="1"/>
+          <p:cNvSpPr txBox="1"/>
+          <p:nvPr>
+            <p:custDataLst>
+              <p:tags r:id="rId42"/>
+            </p:custDataLst>
+          </p:nvPr>
+        </p:nvSpPr>
+        <p:spPr>
+          <a:xfrm>
+            <a:off x="0" y="5433780"/>
+            <a:ext cx="1588" cy="153888"/>
+          </a:xfrm>
+          <a:prstGeom prst="rect">
+            <a:avLst/>
+          </a:prstGeom>
+          <a:noFill/>
+        </p:spPr>
+        <p:txBody>
+          <a:bodyPr vert="horz" wrap="square" lIns="0" tIns="0" rIns="0" bIns="0" rtlCol="0" anchor="ctr" anchorCtr="0">
+            <a:spAutoFit/>
+          </a:bodyPr>
+          <a:lstStyle/>
+          <a:p>
+            <a:pPr algn="ctr"/>
+            <a:endParaRPr lang="zh-CN" altLang="en-US" sz="1000">
+              <a:solidFill>
+                <a:schemeClr val="accent2"/>
+              </a:solidFill>
+              <a:latin typeface="Calibri"/>
+            </a:endParaRPr>
+          </a:p>
+        </p:txBody>
+      </p:sp>
+      <p:sp>
+        <p:nvSpPr>
+          <p:cNvPr id="777" name="OTLSHAPE_T_e1ab46e8d17045f9946a8af8892c50f8_StartDate" hidden="1"/>
+          <p:cNvSpPr txBox="1"/>
+          <p:nvPr>
+            <p:custDataLst>
+              <p:tags r:id="rId43"/>
+            </p:custDataLst>
+          </p:nvPr>
+        </p:nvSpPr>
+        <p:spPr>
+          <a:xfrm>
+            <a:off x="0" y="5433780"/>
+            <a:ext cx="1588" cy="153888"/>
+          </a:xfrm>
+          <a:prstGeom prst="rect">
+            <a:avLst/>
+          </a:prstGeom>
+          <a:noFill/>
+        </p:spPr>
+        <p:txBody>
+          <a:bodyPr vert="horz" wrap="square" lIns="0" tIns="0" rIns="0" bIns="0" rtlCol="0" anchor="ctr" anchorCtr="0">
+            <a:spAutoFit/>
+          </a:bodyPr>
+          <a:lstStyle/>
+          <a:p>
+            <a:pPr algn="ctr"/>
+            <a:endParaRPr lang="zh-CN" altLang="en-US" sz="1000">
+              <a:solidFill>
+                <a:srgbClr val="1F497E"/>
+              </a:solidFill>
+              <a:latin typeface="Calibri"/>
+            </a:endParaRPr>
+          </a:p>
+        </p:txBody>
+      </p:sp>
+      <p:sp>
+        <p:nvSpPr>
+          <p:cNvPr id="778" name="OTLSHAPE_T_e1ab46e8d17045f9946a8af8892c50f8_EndDate" hidden="1"/>
+          <p:cNvSpPr txBox="1"/>
+          <p:nvPr>
+            <p:custDataLst>
+              <p:tags r:id="rId44"/>
+            </p:custDataLst>
+          </p:nvPr>
+        </p:nvSpPr>
+        <p:spPr>
+          <a:xfrm>
+            <a:off x="0" y="5433780"/>
+            <a:ext cx="1588" cy="153888"/>
+          </a:xfrm>
+          <a:prstGeom prst="rect">
+            <a:avLst/>
+          </a:prstGeom>
+          <a:noFill/>
+        </p:spPr>
+        <p:txBody>
+          <a:bodyPr vert="horz" wrap="square" lIns="0" tIns="0" rIns="0" bIns="0" rtlCol="0" anchor="ctr" anchorCtr="0">
+            <a:spAutoFit/>
+          </a:bodyPr>
+          <a:lstStyle/>
+          <a:p>
+            <a:pPr algn="ctr"/>
+            <a:endParaRPr lang="zh-CN" altLang="en-US" sz="1000">
+              <a:solidFill>
+                <a:srgbClr val="1F497E"/>
+              </a:solidFill>
+              <a:latin typeface="Calibri"/>
+            </a:endParaRPr>
+          </a:p>
+        </p:txBody>
+      </p:sp>
+      <p:grpSp>
+        <p:nvGrpSpPr>
+          <p:cNvPr id="801" name="组合 800"/>
+          <p:cNvGrpSpPr/>
+          <p:nvPr/>
+        </p:nvGrpSpPr>
+        <p:grpSpPr>
+          <a:xfrm>
+            <a:off x="126999" y="3048000"/>
+            <a:ext cx="8096166" cy="2440078"/>
+            <a:chOff x="126999" y="3048000"/>
+            <a:chExt cx="8096166" cy="2440078"/>
+          </a:xfrm>
+        </p:grpSpPr>
+        <p:cxnSp>
+          <p:nvCxnSpPr>
+            <p:cNvPr id="720" name="OTLSHAPE_T_e1ab46e8d17045f9946a8af8892c50f8_HorizontalConnector1"/>
+            <p:cNvCxnSpPr>
+              <a:stCxn id="780" idx="3"/>
+            </p:cNvCxnSpPr>
+            <p:nvPr>
+              <p:custDataLst>
+                <p:tags r:id="rId53"/>
+              </p:custDataLst>
+            </p:nvPr>
+          </p:nvCxnSpPr>
+          <p:spPr>
+            <a:xfrm flipV="1">
+              <a:off x="1330568" y="5380355"/>
+              <a:ext cx="3479770" cy="1"/>
+            </a:xfrm>
+            <a:prstGeom prst="line">
+              <a:avLst/>
+            </a:prstGeom>
+            <a:ln w="9525" cap="flat" cmpd="sng" algn="ctr">
+              <a:solidFill>
+                <a:srgbClr val="CCCCCC"/>
+              </a:solidFill>
+              <a:prstDash val="solid"/>
+              <a:round/>
+              <a:headEnd type="none" w="med" len="med"/>
+              <a:tailEnd type="none" w="med" len="med"/>
+            </a:ln>
+          </p:spPr>
+          <p:style>
+            <a:lnRef idx="1">
+              <a:schemeClr val="accent1"/>
+            </a:lnRef>
+            <a:fillRef idx="0">
+              <a:schemeClr val="accent1"/>
+            </a:fillRef>
+            <a:effectRef idx="0">
+              <a:schemeClr val="accent1"/>
+            </a:effectRef>
+            <a:fontRef idx="minor">
+              <a:schemeClr val="tx1"/>
+            </a:fontRef>
+          </p:style>
+        </p:cxnSp>
+        <p:cxnSp>
+          <p:nvCxnSpPr>
+            <p:cNvPr id="719" name="OTLSHAPE_T_9ac8d18186e74035a2730a3a6e774ee6_HorizontalConnector1"/>
+            <p:cNvCxnSpPr/>
+            <p:nvPr>
+              <p:custDataLst>
+                <p:tags r:id="rId54"/>
+              </p:custDataLst>
+            </p:nvPr>
+          </p:nvCxnSpPr>
+          <p:spPr>
+            <a:xfrm>
+              <a:off x="1136700" y="5113655"/>
+              <a:ext cx="2704395" cy="0"/>
+            </a:xfrm>
+            <a:prstGeom prst="line">
+              <a:avLst/>
+            </a:prstGeom>
+            <a:ln w="9525" cap="flat" cmpd="sng" algn="ctr">
+              <a:solidFill>
+                <a:srgbClr val="CCCCCC"/>
+              </a:solidFill>
+              <a:prstDash val="solid"/>
+              <a:round/>
+              <a:headEnd type="none" w="med" len="med"/>
+              <a:tailEnd type="none" w="med" len="med"/>
+            </a:ln>
+          </p:spPr>
+          <p:style>
+            <a:lnRef idx="1">
+              <a:schemeClr val="accent1"/>
+            </a:lnRef>
+            <a:fillRef idx="0">
+              <a:schemeClr val="accent1"/>
+            </a:fillRef>
+            <a:effectRef idx="0">
+              <a:schemeClr val="accent1"/>
+            </a:effectRef>
+            <a:fontRef idx="minor">
+              <a:schemeClr val="tx1"/>
+            </a:fontRef>
+          </p:style>
+        </p:cxnSp>
+        <p:cxnSp>
+          <p:nvCxnSpPr>
+            <p:cNvPr id="718" name="OTLSHAPE_T_0862fbcce6f74c47b96391573e00609d_HorizontalConnector1"/>
+            <p:cNvCxnSpPr/>
+            <p:nvPr>
+              <p:custDataLst>
+                <p:tags r:id="rId55"/>
+              </p:custDataLst>
+            </p:nvPr>
+          </p:nvCxnSpPr>
+          <p:spPr>
+            <a:xfrm flipV="1">
+              <a:off x="724281" y="4846955"/>
+              <a:ext cx="2624248" cy="1"/>
+            </a:xfrm>
+            <a:prstGeom prst="line">
+              <a:avLst/>
+            </a:prstGeom>
+            <a:ln w="9525" cap="flat" cmpd="sng" algn="ctr">
+              <a:solidFill>
+                <a:srgbClr val="CCCCCC"/>
+              </a:solidFill>
+              <a:prstDash val="solid"/>
+              <a:round/>
+              <a:headEnd type="none" w="med" len="med"/>
+              <a:tailEnd type="none" w="med" len="med"/>
+            </a:ln>
+          </p:spPr>
+          <p:style>
+            <a:lnRef idx="1">
+              <a:schemeClr val="accent1"/>
+            </a:lnRef>
+            <a:fillRef idx="0">
+              <a:schemeClr val="accent1"/>
+            </a:fillRef>
+            <a:effectRef idx="0">
+              <a:schemeClr val="accent1"/>
+            </a:effectRef>
+            <a:fontRef idx="minor">
+              <a:schemeClr val="tx1"/>
+            </a:fontRef>
+          </p:style>
+        </p:cxnSp>
+        <p:cxnSp>
+          <p:nvCxnSpPr>
+            <p:cNvPr id="717" name="OTLSHAPE_T_77eb22e7cd0b4dc299a4200d7b7f12eb_HorizontalConnector1"/>
+            <p:cNvCxnSpPr/>
+            <p:nvPr>
+              <p:custDataLst>
+                <p:tags r:id="rId56"/>
+              </p:custDataLst>
+            </p:nvPr>
+          </p:nvCxnSpPr>
+          <p:spPr>
+            <a:xfrm flipV="1">
+              <a:off x="724281" y="4580255"/>
+              <a:ext cx="1178328" cy="1"/>
+            </a:xfrm>
+            <a:prstGeom prst="line">
+              <a:avLst/>
+            </a:prstGeom>
+            <a:ln w="9525" cap="flat" cmpd="sng" algn="ctr">
+              <a:solidFill>
+                <a:srgbClr val="CCCCCC"/>
+              </a:solidFill>
+              <a:prstDash val="solid"/>
+              <a:round/>
+              <a:headEnd type="none" w="med" len="med"/>
+              <a:tailEnd type="none" w="med" len="med"/>
+            </a:ln>
+          </p:spPr>
+          <p:style>
+            <a:lnRef idx="1">
+              <a:schemeClr val="accent1"/>
+            </a:lnRef>
+            <a:fillRef idx="0">
+              <a:schemeClr val="accent1"/>
+            </a:fillRef>
+            <a:effectRef idx="0">
+              <a:schemeClr val="accent1"/>
+            </a:effectRef>
+            <a:fontRef idx="minor">
+              <a:schemeClr val="tx1"/>
+            </a:fontRef>
+          </p:style>
+        </p:cxnSp>
+        <p:cxnSp>
+          <p:nvCxnSpPr>
+            <p:cNvPr id="716" name="OTLSHAPE_T_235e46f474164d06a05367a49d5026a8_HorizontalConnector1"/>
+            <p:cNvCxnSpPr>
+              <a:stCxn id="748" idx="3"/>
+            </p:cNvCxnSpPr>
+            <p:nvPr>
+              <p:custDataLst>
+                <p:tags r:id="rId57"/>
+              </p:custDataLst>
+            </p:nvPr>
+          </p:nvCxnSpPr>
+          <p:spPr>
+            <a:xfrm flipV="1">
+              <a:off x="669712" y="4313555"/>
+              <a:ext cx="756220" cy="1"/>
+            </a:xfrm>
+            <a:prstGeom prst="line">
+              <a:avLst/>
+            </a:prstGeom>
+            <a:ln w="9525" cap="flat" cmpd="sng" algn="ctr">
+              <a:solidFill>
+                <a:srgbClr val="CCCCCC"/>
+              </a:solidFill>
+              <a:prstDash val="solid"/>
+              <a:round/>
+              <a:headEnd type="none" w="med" len="med"/>
+              <a:tailEnd type="none" w="med" len="med"/>
+            </a:ln>
+          </p:spPr>
+          <p:style>
+            <a:lnRef idx="1">
+              <a:schemeClr val="accent1"/>
+            </a:lnRef>
+            <a:fillRef idx="0">
+              <a:schemeClr val="accent1"/>
+            </a:fillRef>
+            <a:effectRef idx="0">
+              <a:schemeClr val="accent1"/>
+            </a:effectRef>
+            <a:fontRef idx="minor">
+              <a:schemeClr val="tx1"/>
+            </a:fontRef>
+          </p:style>
+        </p:cxnSp>
+        <p:cxnSp>
+          <p:nvCxnSpPr>
+            <p:cNvPr id="715" name="OTLSHAPE_T_af8aba6694844f26b92929dd16af13bb_HorizontalConnector1"/>
+            <p:cNvCxnSpPr>
+              <a:stCxn id="740" idx="3"/>
+            </p:cNvCxnSpPr>
+            <p:nvPr>
+              <p:custDataLst>
+                <p:tags r:id="rId58"/>
+              </p:custDataLst>
+            </p:nvPr>
+          </p:nvCxnSpPr>
+          <p:spPr>
+            <a:xfrm flipV="1">
+              <a:off x="669712" y="4046855"/>
+              <a:ext cx="263653" cy="1"/>
+            </a:xfrm>
+            <a:prstGeom prst="line">
+              <a:avLst/>
+            </a:prstGeom>
+            <a:ln w="9525" cap="flat" cmpd="sng" algn="ctr">
+              <a:solidFill>
+                <a:srgbClr val="CCCCCC"/>
+              </a:solidFill>
+              <a:prstDash val="solid"/>
+              <a:round/>
+              <a:headEnd type="none" w="med" len="med"/>
+              <a:tailEnd type="none" w="med" len="med"/>
+            </a:ln>
+          </p:spPr>
+          <p:style>
+            <a:lnRef idx="1">
+              <a:schemeClr val="accent1"/>
+            </a:lnRef>
+            <a:fillRef idx="0">
+              <a:schemeClr val="accent1"/>
+            </a:fillRef>
+            <a:effectRef idx="0">
+              <a:schemeClr val="accent1"/>
+            </a:effectRef>
+            <a:fontRef idx="minor">
+              <a:schemeClr val="tx1"/>
+            </a:fontRef>
+          </p:style>
+        </p:cxnSp>
+        <p:sp>
+          <p:nvSpPr>
+            <p:cNvPr id="692" name="OTLSHAPE_TB_00000000000000000000000000000000_ScaleContainer"/>
+            <p:cNvSpPr/>
+            <p:nvPr>
+              <p:custDataLst>
+                <p:tags r:id="rId59"/>
+              </p:custDataLst>
+            </p:nvPr>
+          </p:nvSpPr>
+          <p:spPr>
+            <a:xfrm>
+              <a:off x="933365" y="3048000"/>
+              <a:ext cx="7289800" cy="381000"/>
+            </a:xfrm>
+            <a:prstGeom prst="rect">
+              <a:avLst/>
+            </a:prstGeom>
+            <a:gradFill flip="none" rotWithShape="1">
+              <a:gsLst>
+                <a:gs pos="0">
+                  <a:srgbClr val="500E7D"/>
+                </a:gs>
+                <a:gs pos="0">
+                  <a:srgbClr val="500E7D"/>
+                </a:gs>
+              </a:gsLst>
+              <a:lin ang="5400000" scaled="1"/>
+              <a:tileRect/>
+            </a:gradFill>
+            <a:ln w="25400" cap="flat" cmpd="sng" algn="ctr">
+              <a:noFill/>
+              <a:prstDash val="solid"/>
+            </a:ln>
+            <a:effectLst>
+              <a:reflection blurRad="6350" stA="50000" endA="300" endPos="55500" dist="50800" dir="5400000" sy="-100000" algn="bl" rotWithShape="0"/>
+            </a:effectLst>
+            <a:scene3d>
+              <a:camera prst="orthographicFront"/>
+              <a:lightRig rig="threePt" dir="t">
+                <a:rot lat="0" lon="0" rev="8700000"/>
+              </a:lightRig>
+            </a:scene3d>
+            <a:sp3d>
+              <a:bevelT w="165100" h="19050"/>
+            </a:sp3d>
+            <a:extLst>
+              <a:ext uri="{91240B29-F687-4F45-9708-019B960494DF}">
+                <a14:hiddenLine xmlns:a14="http://schemas.microsoft.com/office/drawing/2010/main" w="25400" cap="flat" cmpd="sng" algn="ctr">
+                  <a:solidFill>
+                    <a:schemeClr val="accent1">
+                      <a:shade val="50000"/>
+                    </a:schemeClr>
+                  </a:solidFill>
+                  <a:prstDash val="solid"/>
+                </a14:hiddenLine>
+              </a:ext>
+            </a:extLst>
+          </p:spPr>
+          <p:style>
+            <a:lnRef idx="2">
+              <a:schemeClr val="accent1">
+                <a:shade val="50000"/>
+              </a:schemeClr>
+            </a:lnRef>
+            <a:fillRef idx="1">
+              <a:schemeClr val="accent1"/>
+            </a:fillRef>
+            <a:effectRef idx="0">
+              <a:schemeClr val="accent1"/>
+            </a:effectRef>
+            <a:fontRef idx="minor">
+              <a:schemeClr val="lt1"/>
+            </a:fontRef>
+          </p:style>
+          <p:txBody>
+            <a:bodyPr rtlCol="0" anchor="ctr"/>
+            <a:lstStyle/>
+            <a:p>
+              <a:pPr algn="ctr"/>
+              <a:endParaRPr lang="zh-CN" altLang="en-US" sz="1400"/>
+            </a:p>
+          </p:txBody>
+        </p:sp>
+        <p:sp>
+          <p:nvSpPr>
+            <p:cNvPr id="693" name="OTLSHAPE_TB_00000000000000000000000000000000_ElapsedTime"/>
+            <p:cNvSpPr/>
+            <p:nvPr>
+              <p:custDataLst>
+                <p:tags r:id="rId60"/>
+              </p:custDataLst>
+            </p:nvPr>
+          </p:nvSpPr>
+          <p:spPr>
+            <a:xfrm>
+              <a:off x="933365" y="3352800"/>
+              <a:ext cx="952500" cy="76200"/>
+            </a:xfrm>
+            <a:prstGeom prst="rect">
+              <a:avLst/>
+            </a:prstGeom>
+            <a:solidFill>
+              <a:srgbClr val="FF0000">
+                <a:alpha val="74902"/>
+              </a:srgbClr>
+            </a:solidFill>
+            <a:ln w="25400" cap="flat" cmpd="sng" algn="ctr">
+              <a:noFill/>
+              <a:prstDash val="solid"/>
+            </a:ln>
+            <a:effectLst/>
+            <a:scene3d>
+              <a:camera prst="orthographicFront"/>
+              <a:lightRig rig="threePt" dir="t">
+                <a:rot lat="0" lon="0" rev="0"/>
+              </a:lightRig>
+            </a:scene3d>
+            <a:sp3d>
+              <a:bevelT w="12700" h="139700"/>
+            </a:sp3d>
+            <a:extLst>
+              <a:ext uri="{91240B29-F687-4F45-9708-019B960494DF}">
+                <a14:hiddenLine xmlns:a14="http://schemas.microsoft.com/office/drawing/2010/main" w="25400" cap="flat" cmpd="sng" algn="ctr">
+                  <a:solidFill>
+                    <a:schemeClr val="accent1">
+                      <a:shade val="50000"/>
+                    </a:schemeClr>
+                  </a:solidFill>
+                  <a:prstDash val="solid"/>
+                </a14:hiddenLine>
+              </a:ext>
+            </a:extLst>
+          </p:spPr>
+          <p:style>
+            <a:lnRef idx="2">
+              <a:schemeClr val="accent1">
+                <a:shade val="50000"/>
+              </a:schemeClr>
+            </a:lnRef>
+            <a:fillRef idx="1">
+              <a:schemeClr val="accent1"/>
+            </a:fillRef>
+            <a:effectRef idx="0">
+              <a:schemeClr val="accent1"/>
+            </a:effectRef>
+            <a:fontRef idx="minor">
+              <a:schemeClr val="lt1"/>
+            </a:fontRef>
+          </p:style>
+          <p:txBody>
+            <a:bodyPr rtlCol="0" anchor="ctr"/>
+            <a:lstStyle/>
+            <a:p>
+              <a:pPr algn="ctr"/>
+              <a:endParaRPr lang="zh-CN" altLang="en-US" sz="1400"/>
+            </a:p>
+          </p:txBody>
+        </p:sp>
+        <p:sp>
+          <p:nvSpPr>
+            <p:cNvPr id="694" name="OTLSHAPE_TB_00000000000000000000000000000000_TodayMarkerShape"/>
+            <p:cNvSpPr/>
+            <p:nvPr>
+              <p:custDataLst>
+                <p:tags r:id="rId61"/>
+              </p:custDataLst>
+            </p:nvPr>
+          </p:nvSpPr>
+          <p:spPr>
+            <a:xfrm>
+              <a:off x="1829878" y="3429000"/>
+              <a:ext cx="114300" cy="127000"/>
+            </a:xfrm>
+            <a:prstGeom prst="triangle">
+              <a:avLst/>
+            </a:prstGeom>
+            <a:solidFill>
+              <a:srgbClr val="FF0000"/>
+            </a:solidFill>
+            <a:ln w="25400" cap="flat" cmpd="sng" algn="ctr">
+              <a:noFill/>
+              <a:prstDash val="solid"/>
+            </a:ln>
+            <a:effectLst>
+              <a:outerShdw>
+                <a:scrgbClr r="0" g="0" b="0">
+                  <a:alpha val="50000"/>
+                </a:scrgbClr>
+              </a:outerShdw>
+            </a:effectLst>
+            <a:extLst>
+              <a:ext uri="{91240B29-F687-4F45-9708-019B960494DF}">
+                <a14:hiddenLine xmlns:a14="http://schemas.microsoft.com/office/drawing/2010/main" w="25400" cap="flat" cmpd="sng" algn="ctr">
+                  <a:solidFill>
+                    <a:schemeClr val="accent1">
+                      <a:shade val="50000"/>
+                    </a:schemeClr>
+                  </a:solidFill>
+                  <a:prstDash val="solid"/>
+                </a14:hiddenLine>
+              </a:ext>
+              <a:ext uri="{53640926-AAD7-44D8-BBD7-CCE9431645EC}">
+                <a14:shadowObscured xmlns:a14="http://schemas.microsoft.com/office/drawing/2010/main" val="1"/>
+              </a:ext>
+            </a:extLst>
+          </p:spPr>
+          <p:style>
+            <a:lnRef idx="2">
+              <a:schemeClr val="accent1">
+                <a:shade val="50000"/>
+              </a:schemeClr>
+            </a:lnRef>
+            <a:fillRef idx="1">
+              <a:schemeClr val="accent1"/>
+            </a:fillRef>
+            <a:effectRef idx="0">
+              <a:schemeClr val="accent1"/>
+            </a:effectRef>
+            <a:fontRef idx="minor">
+              <a:schemeClr val="lt1"/>
+            </a:fontRef>
+          </p:style>
+          <p:txBody>
+            <a:bodyPr rtlCol="0" anchor="ctr"/>
+            <a:lstStyle/>
+            <a:p>
+              <a:pPr algn="ctr"/>
+              <a:endParaRPr lang="zh-CN" altLang="en-US" sz="1400"/>
+            </a:p>
+          </p:txBody>
+        </p:sp>
+        <p:sp>
+          <p:nvSpPr>
+            <p:cNvPr id="695" name="OTLSHAPE_TB_00000000000000000000000000000000_TodayMarkerText"/>
+            <p:cNvSpPr txBox="1"/>
+            <p:nvPr>
+              <p:custDataLst>
+                <p:tags r:id="rId62"/>
+              </p:custDataLst>
+            </p:nvPr>
+          </p:nvSpPr>
+          <p:spPr>
+            <a:xfrm>
+              <a:off x="1653648" y="3541305"/>
+              <a:ext cx="469360" cy="215444"/>
+            </a:xfrm>
+            <a:prstGeom prst="rect">
+              <a:avLst/>
+            </a:prstGeom>
+            <a:noFill/>
+          </p:spPr>
+          <p:txBody>
+            <a:bodyPr vert="horz" wrap="none" lIns="0" tIns="0" rIns="0" bIns="0" rtlCol="0" anchor="ctr" anchorCtr="0">
+              <a:spAutoFit/>
+            </a:bodyPr>
+            <a:lstStyle/>
+            <a:p>
+              <a:pPr algn="ctr"/>
+              <a:r>
+                <a:rPr lang="en-US" altLang="zh-CN" sz="1400" spc="-12" smtClean="0">
+                  <a:solidFill>
+                    <a:schemeClr val="dk1"/>
+                  </a:solidFill>
+                </a:rPr>
+                <a:t>Today</a:t>
+              </a:r>
+              <a:endParaRPr lang="zh-CN" altLang="en-US" sz="1400" spc="-12">
+                <a:solidFill>
+                  <a:schemeClr val="dk1"/>
+                </a:solidFill>
+              </a:endParaRPr>
+            </a:p>
+          </p:txBody>
+        </p:sp>
+        <p:sp>
+          <p:nvSpPr>
+            <p:cNvPr id="696" name="OTLSHAPE_TB_00000000000000000000000000000000_TimescaleInterval1"/>
+            <p:cNvSpPr txBox="1"/>
+            <p:nvPr>
+              <p:custDataLst>
+                <p:tags r:id="rId63"/>
+              </p:custDataLst>
+            </p:nvPr>
+          </p:nvSpPr>
+          <p:spPr>
+            <a:xfrm>
+              <a:off x="996865" y="3145473"/>
+              <a:ext cx="182742" cy="186055"/>
+            </a:xfrm>
+            <a:prstGeom prst="rect">
+              <a:avLst/>
+            </a:prstGeom>
+            <a:noFill/>
+          </p:spPr>
+          <p:txBody>
+            <a:bodyPr vert="horz" wrap="none" lIns="0" tIns="0" rIns="0" bIns="0" rtlCol="0" anchor="ctr" anchorCtr="0">
+              <a:noAutofit/>
+            </a:bodyPr>
+            <a:lstStyle/>
+            <a:p>
+              <a:r>
+                <a:rPr lang="en-US" altLang="zh-CN" sz="1400" spc="-26" smtClean="0">
+                  <a:solidFill>
+                    <a:schemeClr val="lt1"/>
+                  </a:solidFill>
+                </a:rPr>
+                <a:t>Q4</a:t>
+              </a:r>
+              <a:endParaRPr lang="zh-CN" altLang="en-US" sz="1400" spc="-26">
+                <a:solidFill>
+                  <a:schemeClr val="lt1"/>
+                </a:solidFill>
+              </a:endParaRPr>
+            </a:p>
+          </p:txBody>
+        </p:sp>
+        <p:cxnSp>
+          <p:nvCxnSpPr>
+            <p:cNvPr id="697" name="OTLSHAPE_TB_00000000000000000000000000000000_Separator1"/>
+            <p:cNvCxnSpPr/>
+            <p:nvPr>
+              <p:custDataLst>
+                <p:tags r:id="rId64"/>
+              </p:custDataLst>
+            </p:nvPr>
+          </p:nvCxnSpPr>
+          <p:spPr>
+            <a:xfrm>
+              <a:off x="2395175" y="3136900"/>
+              <a:ext cx="0" cy="203200"/>
+            </a:xfrm>
+            <a:prstGeom prst="line">
+              <a:avLst/>
+            </a:prstGeom>
+            <a:ln w="9525" cap="flat" cmpd="sng" algn="ctr">
+              <a:solidFill>
+                <a:schemeClr val="lt1">
+                  <a:alpha val="29804"/>
+                </a:schemeClr>
+              </a:solidFill>
+              <a:prstDash val="solid"/>
+              <a:round/>
+              <a:headEnd type="none" w="med" len="med"/>
+              <a:tailEnd type="none" w="med" len="med"/>
+            </a:ln>
+          </p:spPr>
+          <p:style>
+            <a:lnRef idx="1">
+              <a:schemeClr val="accent1"/>
+            </a:lnRef>
+            <a:fillRef idx="0">
+              <a:schemeClr val="accent1"/>
+            </a:fillRef>
+            <a:effectRef idx="0">
+              <a:schemeClr val="accent1"/>
+            </a:effectRef>
+            <a:fontRef idx="minor">
+              <a:schemeClr val="tx1"/>
+            </a:fontRef>
+          </p:style>
+        </p:cxnSp>
+        <p:sp>
+          <p:nvSpPr>
+            <p:cNvPr id="698" name="OTLSHAPE_TB_00000000000000000000000000000000_TimescaleInterval2"/>
+            <p:cNvSpPr txBox="1"/>
+            <p:nvPr>
+              <p:custDataLst>
+                <p:tags r:id="rId65"/>
+              </p:custDataLst>
+            </p:nvPr>
+          </p:nvSpPr>
+          <p:spPr>
+            <a:xfrm>
+              <a:off x="2458675" y="3111500"/>
+              <a:ext cx="301878" cy="254000"/>
+            </a:xfrm>
+            <a:prstGeom prst="rect">
+              <a:avLst/>
+            </a:prstGeom>
+            <a:noFill/>
+          </p:spPr>
+          <p:txBody>
+            <a:bodyPr vert="horz" wrap="none" lIns="0" tIns="0" rIns="0" bIns="0" rtlCol="0" anchor="ctr" anchorCtr="0">
+              <a:noAutofit/>
+            </a:bodyPr>
+            <a:lstStyle/>
+            <a:p>
+              <a:r>
+                <a:rPr lang="en-US" altLang="zh-CN" sz="1400" spc="-26" smtClean="0">
+                  <a:solidFill>
+                    <a:schemeClr val="lt1"/>
+                  </a:solidFill>
+                </a:rPr>
+                <a:t>Q1
+2016</a:t>
+              </a:r>
+              <a:endParaRPr lang="zh-CN" altLang="en-US" sz="1400" spc="-26">
+                <a:solidFill>
+                  <a:schemeClr val="lt1"/>
+                </a:solidFill>
+              </a:endParaRPr>
+            </a:p>
+          </p:txBody>
+        </p:sp>
+        <p:cxnSp>
+          <p:nvCxnSpPr>
+            <p:cNvPr id="699" name="OTLSHAPE_TB_00000000000000000000000000000000_Separator2"/>
+            <p:cNvCxnSpPr/>
+            <p:nvPr>
+              <p:custDataLst>
+                <p:tags r:id="rId66"/>
+              </p:custDataLst>
+            </p:nvPr>
+          </p:nvCxnSpPr>
+          <p:spPr>
+            <a:xfrm>
+              <a:off x="3841095" y="3136900"/>
+              <a:ext cx="0" cy="203200"/>
+            </a:xfrm>
+            <a:prstGeom prst="line">
+              <a:avLst/>
+            </a:prstGeom>
+            <a:ln w="9525" cap="flat" cmpd="sng" algn="ctr">
+              <a:solidFill>
+                <a:schemeClr val="lt1">
+                  <a:alpha val="29804"/>
+                </a:schemeClr>
+              </a:solidFill>
+              <a:prstDash val="solid"/>
+              <a:round/>
+              <a:headEnd type="none" w="med" len="med"/>
+              <a:tailEnd type="none" w="med" len="med"/>
+            </a:ln>
+          </p:spPr>
+          <p:style>
+            <a:lnRef idx="1">
+              <a:schemeClr val="accent1"/>
+            </a:lnRef>
+            <a:fillRef idx="0">
+              <a:schemeClr val="accent1"/>
+            </a:fillRef>
+            <a:effectRef idx="0">
+              <a:schemeClr val="accent1"/>
+            </a:effectRef>
+            <a:fontRef idx="minor">
+              <a:schemeClr val="tx1"/>
+            </a:fontRef>
+          </p:style>
+        </p:cxnSp>
+        <p:sp>
+          <p:nvSpPr>
+            <p:cNvPr id="700" name="OTLSHAPE_TB_00000000000000000000000000000000_TimescaleInterval3"/>
+            <p:cNvSpPr txBox="1"/>
+            <p:nvPr>
+              <p:custDataLst>
+                <p:tags r:id="rId67"/>
+              </p:custDataLst>
+            </p:nvPr>
+          </p:nvSpPr>
+          <p:spPr>
+            <a:xfrm>
+              <a:off x="3904595" y="3145473"/>
+              <a:ext cx="182742" cy="186055"/>
+            </a:xfrm>
+            <a:prstGeom prst="rect">
+              <a:avLst/>
+            </a:prstGeom>
+            <a:noFill/>
+          </p:spPr>
+          <p:txBody>
+            <a:bodyPr vert="horz" wrap="none" lIns="0" tIns="0" rIns="0" bIns="0" rtlCol="0" anchor="ctr" anchorCtr="0">
+              <a:noAutofit/>
+            </a:bodyPr>
+            <a:lstStyle/>
+            <a:p>
+              <a:r>
+                <a:rPr lang="en-US" altLang="zh-CN" sz="1400" spc="-26" smtClean="0">
+                  <a:solidFill>
+                    <a:schemeClr val="lt1"/>
+                  </a:solidFill>
+                </a:rPr>
+                <a:t>Q2</a:t>
+              </a:r>
+              <a:endParaRPr lang="zh-CN" altLang="en-US" sz="1400" spc="-26">
+                <a:solidFill>
+                  <a:schemeClr val="lt1"/>
+                </a:solidFill>
+              </a:endParaRPr>
+            </a:p>
+          </p:txBody>
+        </p:sp>
+        <p:cxnSp>
+          <p:nvCxnSpPr>
+            <p:cNvPr id="701" name="OTLSHAPE_TB_00000000000000000000000000000000_Separator3"/>
+            <p:cNvCxnSpPr/>
+            <p:nvPr>
+              <p:custDataLst>
+                <p:tags r:id="rId68"/>
+              </p:custDataLst>
+            </p:nvPr>
+          </p:nvCxnSpPr>
+          <p:spPr>
+            <a:xfrm>
+              <a:off x="5287016" y="3136900"/>
+              <a:ext cx="0" cy="203200"/>
+            </a:xfrm>
+            <a:prstGeom prst="line">
+              <a:avLst/>
+            </a:prstGeom>
+            <a:ln w="9525" cap="flat" cmpd="sng" algn="ctr">
+              <a:solidFill>
+                <a:schemeClr val="lt1">
+                  <a:alpha val="29804"/>
+                </a:schemeClr>
+              </a:solidFill>
+              <a:prstDash val="solid"/>
+              <a:round/>
+              <a:headEnd type="none" w="med" len="med"/>
+              <a:tailEnd type="none" w="med" len="med"/>
+            </a:ln>
+          </p:spPr>
+          <p:style>
+            <a:lnRef idx="1">
+              <a:schemeClr val="accent1"/>
+            </a:lnRef>
+            <a:fillRef idx="0">
+              <a:schemeClr val="accent1"/>
+            </a:fillRef>
+            <a:effectRef idx="0">
+              <a:schemeClr val="accent1"/>
+            </a:effectRef>
+            <a:fontRef idx="minor">
+              <a:schemeClr val="tx1"/>
+            </a:fontRef>
+          </p:style>
+        </p:cxnSp>
+        <p:sp>
+          <p:nvSpPr>
+            <p:cNvPr id="702" name="OTLSHAPE_TB_00000000000000000000000000000000_TimescaleInterval4"/>
+            <p:cNvSpPr txBox="1"/>
+            <p:nvPr>
+              <p:custDataLst>
+                <p:tags r:id="rId69"/>
+              </p:custDataLst>
+            </p:nvPr>
+          </p:nvSpPr>
+          <p:spPr>
+            <a:xfrm>
+              <a:off x="5350516" y="3145473"/>
+              <a:ext cx="182742" cy="186055"/>
+            </a:xfrm>
+            <a:prstGeom prst="rect">
+              <a:avLst/>
+            </a:prstGeom>
+            <a:noFill/>
+          </p:spPr>
+          <p:txBody>
+            <a:bodyPr vert="horz" wrap="none" lIns="0" tIns="0" rIns="0" bIns="0" rtlCol="0" anchor="ctr" anchorCtr="0">
+              <a:noAutofit/>
+            </a:bodyPr>
+            <a:lstStyle/>
+            <a:p>
+              <a:r>
+                <a:rPr lang="en-US" altLang="zh-CN" sz="1400" spc="-26" smtClean="0">
+                  <a:solidFill>
+                    <a:schemeClr val="lt1"/>
+                  </a:solidFill>
+                </a:rPr>
+                <a:t>Q3</a:t>
+              </a:r>
+              <a:endParaRPr lang="zh-CN" altLang="en-US" sz="1400" spc="-26">
+                <a:solidFill>
+                  <a:schemeClr val="lt1"/>
+                </a:solidFill>
+              </a:endParaRPr>
+            </a:p>
+          </p:txBody>
+        </p:sp>
+        <p:cxnSp>
+          <p:nvCxnSpPr>
+            <p:cNvPr id="703" name="OTLSHAPE_TB_00000000000000000000000000000000_Separator4"/>
+            <p:cNvCxnSpPr/>
+            <p:nvPr>
+              <p:custDataLst>
+                <p:tags r:id="rId70"/>
+              </p:custDataLst>
+            </p:nvPr>
+          </p:nvCxnSpPr>
+          <p:spPr>
+            <a:xfrm>
+              <a:off x="6748825" y="3136900"/>
+              <a:ext cx="0" cy="203200"/>
+            </a:xfrm>
+            <a:prstGeom prst="line">
+              <a:avLst/>
+            </a:prstGeom>
+            <a:ln w="9525" cap="flat" cmpd="sng" algn="ctr">
+              <a:solidFill>
+                <a:schemeClr val="lt1">
+                  <a:alpha val="29804"/>
+                </a:schemeClr>
+              </a:solidFill>
+              <a:prstDash val="solid"/>
+              <a:round/>
+              <a:headEnd type="none" w="med" len="med"/>
+              <a:tailEnd type="none" w="med" len="med"/>
+            </a:ln>
+          </p:spPr>
+          <p:style>
+            <a:lnRef idx="1">
+              <a:schemeClr val="accent1"/>
+            </a:lnRef>
+            <a:fillRef idx="0">
+              <a:schemeClr val="accent1"/>
+            </a:fillRef>
+            <a:effectRef idx="0">
+              <a:schemeClr val="accent1"/>
+            </a:effectRef>
+            <a:fontRef idx="minor">
+              <a:schemeClr val="tx1"/>
+            </a:fontRef>
+          </p:style>
+        </p:cxnSp>
+        <p:sp>
+          <p:nvSpPr>
+            <p:cNvPr id="704" name="OTLSHAPE_TB_00000000000000000000000000000000_TimescaleInterval5"/>
+            <p:cNvSpPr txBox="1"/>
+            <p:nvPr>
+              <p:custDataLst>
+                <p:tags r:id="rId71"/>
+              </p:custDataLst>
+            </p:nvPr>
+          </p:nvSpPr>
+          <p:spPr>
+            <a:xfrm>
+              <a:off x="6812325" y="3145473"/>
+              <a:ext cx="182742" cy="186055"/>
+            </a:xfrm>
+            <a:prstGeom prst="rect">
+              <a:avLst/>
+            </a:prstGeom>
+            <a:noFill/>
+          </p:spPr>
+          <p:txBody>
+            <a:bodyPr vert="horz" wrap="none" lIns="0" tIns="0" rIns="0" bIns="0" rtlCol="0" anchor="ctr" anchorCtr="0">
+              <a:noAutofit/>
+            </a:bodyPr>
+            <a:lstStyle/>
+            <a:p>
+              <a:r>
+                <a:rPr lang="en-US" altLang="zh-CN" sz="1400" spc="-26" smtClean="0">
+                  <a:solidFill>
+                    <a:schemeClr val="lt1"/>
+                  </a:solidFill>
+                </a:rPr>
+                <a:t>Q4</a:t>
+              </a:r>
+              <a:endParaRPr lang="zh-CN" altLang="en-US" sz="1400" spc="-26">
+                <a:solidFill>
+                  <a:schemeClr val="lt1"/>
+                </a:solidFill>
+              </a:endParaRPr>
+            </a:p>
+          </p:txBody>
+        </p:sp>
+        <p:sp>
+          <p:nvSpPr>
+            <p:cNvPr id="733" name="OTLSHAPE_T_af8aba6694844f26b92929dd16af13bb_Shape"/>
+            <p:cNvSpPr/>
+            <p:nvPr>
+              <p:custDataLst>
+                <p:tags r:id="rId72"/>
+              </p:custDataLst>
+            </p:nvPr>
+          </p:nvSpPr>
+          <p:spPr>
+            <a:xfrm>
+              <a:off x="933365" y="3945255"/>
+              <a:ext cx="520700" cy="203200"/>
+            </a:xfrm>
+            <a:prstGeom prst="rect">
+              <a:avLst/>
+            </a:prstGeom>
+            <a:solidFill>
+              <a:srgbClr val="96D642"/>
+            </a:solidFill>
+            <a:ln w="25400" cap="flat" cmpd="sng" algn="ctr">
+              <a:noFill/>
+              <a:prstDash val="solid"/>
+            </a:ln>
+            <a:effectLst/>
+            <a:scene3d>
+              <a:camera prst="orthographicFront"/>
+              <a:lightRig rig="balanced" dir="t">
+                <a:rot lat="0" lon="0" rev="8700000"/>
+              </a:lightRig>
+            </a:scene3d>
+            <a:sp3d>
+              <a:bevelT w="165100" h="12700"/>
+            </a:sp3d>
+            <a:extLst>
+              <a:ext uri="{91240B29-F687-4F45-9708-019B960494DF}">
+                <a14:hiddenLine xmlns:a14="http://schemas.microsoft.com/office/drawing/2010/main" w="25400" cap="flat" cmpd="sng" algn="ctr">
+                  <a:solidFill>
+                    <a:schemeClr val="accent1">
+                      <a:shade val="50000"/>
+                    </a:schemeClr>
+                  </a:solidFill>
+                  <a:prstDash val="solid"/>
+                </a14:hiddenLine>
+              </a:ext>
+              <a:ext uri="{AF507438-7753-43E0-B8FC-AC1667EBCBE1}">
+                <a14:hiddenEffects xmlns:a14="http://schemas.microsoft.com/office/drawing/2010/main">
+                  <a:effectLst>
+                    <a:outerShdw>
+                      <a:scrgbClr r="0" g="0" b="0">
+                        <a:alpha val="50000"/>
+                      </a:scrgbClr>
+                    </a:outerShdw>
+                  </a:effectLst>
+                </a14:hiddenEffects>
+              </a:ext>
+              <a:ext uri="{53640926-AAD7-44D8-BBD7-CCE9431645EC}">
+                <a14:shadowObscured xmlns:a14="http://schemas.microsoft.com/office/drawing/2010/main" val="1"/>
+              </a:ext>
+            </a:extLst>
+          </p:spPr>
+          <p:style>
+            <a:lnRef idx="2">
+              <a:schemeClr val="accent1">
+                <a:shade val="50000"/>
+              </a:schemeClr>
+            </a:lnRef>
+            <a:fillRef idx="1">
+              <a:schemeClr val="accent1"/>
+            </a:fillRef>
+            <a:effectRef idx="0">
+              <a:schemeClr val="accent1"/>
+            </a:effectRef>
+            <a:fontRef idx="minor">
+              <a:schemeClr val="lt1"/>
+            </a:fontRef>
+          </p:style>
+          <p:txBody>
+            <a:bodyPr rtlCol="0" anchor="ctr"/>
+            <a:lstStyle/>
+            <a:p>
+              <a:pPr algn="ctr"/>
+              <a:endParaRPr lang="zh-CN" altLang="en-US" sz="1400"/>
+            </a:p>
+          </p:txBody>
+        </p:sp>
+        <p:sp>
+          <p:nvSpPr>
+            <p:cNvPr id="740" name="OTLSHAPE_T_af8aba6694844f26b92929dd16af13bb_Title"/>
+            <p:cNvSpPr txBox="1"/>
+            <p:nvPr>
+              <p:custDataLst>
+                <p:tags r:id="rId73"/>
+              </p:custDataLst>
+            </p:nvPr>
+          </p:nvSpPr>
+          <p:spPr>
+            <a:xfrm>
+              <a:off x="126999" y="3939134"/>
+              <a:ext cx="542713" cy="215444"/>
+            </a:xfrm>
+            <a:prstGeom prst="rect">
+              <a:avLst/>
+            </a:prstGeom>
+            <a:noFill/>
+          </p:spPr>
+          <p:txBody>
+            <a:bodyPr vert="horz" wrap="square" lIns="0" tIns="0" rIns="0" bIns="0" rtlCol="0" anchor="ctr" anchorCtr="0">
+              <a:spAutoFit/>
+            </a:bodyPr>
+            <a:lstStyle/>
+            <a:p>
+              <a:r>
+                <a:rPr lang="en-US" altLang="zh-CN" sz="1400" b="1" spc="-14" dirty="0" smtClean="0">
+                  <a:solidFill>
+                    <a:schemeClr val="dk1"/>
+                  </a:solidFill>
+                </a:rPr>
+                <a:t>RBM</a:t>
+              </a:r>
+              <a:endParaRPr lang="zh-CN" altLang="en-US" sz="1400" b="1" spc="-14" dirty="0">
+                <a:solidFill>
+                  <a:schemeClr val="dk1"/>
+                </a:solidFill>
+              </a:endParaRPr>
+            </a:p>
+          </p:txBody>
+        </p:sp>
+        <p:sp>
+          <p:nvSpPr>
+            <p:cNvPr id="741" name="OTLSHAPE_T_235e46f474164d06a05367a49d5026a8_Shape"/>
+            <p:cNvSpPr/>
+            <p:nvPr>
+              <p:custDataLst>
+                <p:tags r:id="rId74"/>
+              </p:custDataLst>
+            </p:nvPr>
+          </p:nvSpPr>
+          <p:spPr>
+            <a:xfrm>
+              <a:off x="1425932" y="4211955"/>
+              <a:ext cx="495300" cy="203200"/>
+            </a:xfrm>
+            <a:prstGeom prst="rect">
+              <a:avLst/>
+            </a:prstGeom>
+            <a:solidFill>
+              <a:srgbClr val="96D642"/>
+            </a:solidFill>
+            <a:ln w="25400" cap="flat" cmpd="sng" algn="ctr">
+              <a:noFill/>
+              <a:prstDash val="solid"/>
+            </a:ln>
+            <a:effectLst/>
+            <a:scene3d>
+              <a:camera prst="orthographicFront"/>
+              <a:lightRig rig="balanced" dir="t">
+                <a:rot lat="0" lon="0" rev="8700000"/>
+              </a:lightRig>
+            </a:scene3d>
+            <a:sp3d>
+              <a:bevelT w="165100" h="12700"/>
+            </a:sp3d>
+            <a:extLst>
+              <a:ext uri="{91240B29-F687-4F45-9708-019B960494DF}">
+                <a14:hiddenLine xmlns:a14="http://schemas.microsoft.com/office/drawing/2010/main" w="25400" cap="flat" cmpd="sng" algn="ctr">
+                  <a:solidFill>
+                    <a:schemeClr val="accent1">
+                      <a:shade val="50000"/>
+                    </a:schemeClr>
+                  </a:solidFill>
+                  <a:prstDash val="solid"/>
+                </a14:hiddenLine>
+              </a:ext>
+              <a:ext uri="{AF507438-7753-43E0-B8FC-AC1667EBCBE1}">
+                <a14:hiddenEffects xmlns:a14="http://schemas.microsoft.com/office/drawing/2010/main">
+                  <a:effectLst>
+                    <a:outerShdw>
+                      <a:scrgbClr r="0" g="0" b="0">
+                        <a:alpha val="50000"/>
+                      </a:scrgbClr>
+                    </a:outerShdw>
+                  </a:effectLst>
+                </a14:hiddenEffects>
+              </a:ext>
+              <a:ext uri="{53640926-AAD7-44D8-BBD7-CCE9431645EC}">
+                <a14:shadowObscured xmlns:a14="http://schemas.microsoft.com/office/drawing/2010/main" val="1"/>
+              </a:ext>
+            </a:extLst>
+          </p:spPr>
+          <p:style>
+            <a:lnRef idx="2">
+              <a:schemeClr val="accent1">
+                <a:shade val="50000"/>
+              </a:schemeClr>
+            </a:lnRef>
+            <a:fillRef idx="1">
+              <a:schemeClr val="accent1"/>
+            </a:fillRef>
+            <a:effectRef idx="0">
+              <a:schemeClr val="accent1"/>
+            </a:effectRef>
+            <a:fontRef idx="minor">
+              <a:schemeClr val="lt1"/>
+            </a:fontRef>
+          </p:style>
+          <p:txBody>
+            <a:bodyPr rtlCol="0" anchor="ctr"/>
+            <a:lstStyle/>
+            <a:p>
+              <a:pPr algn="ctr"/>
+              <a:endParaRPr lang="zh-CN" altLang="en-US" sz="1400"/>
+            </a:p>
+          </p:txBody>
+        </p:sp>
+        <p:sp>
+          <p:nvSpPr>
+            <p:cNvPr id="748" name="OTLSHAPE_T_235e46f474164d06a05367a49d5026a8_Title"/>
+            <p:cNvSpPr txBox="1"/>
+            <p:nvPr>
+              <p:custDataLst>
+                <p:tags r:id="rId75"/>
+              </p:custDataLst>
+            </p:nvPr>
+          </p:nvSpPr>
+          <p:spPr>
+            <a:xfrm>
+              <a:off x="127000" y="4205834"/>
+              <a:ext cx="542712" cy="215444"/>
+            </a:xfrm>
+            <a:prstGeom prst="rect">
+              <a:avLst/>
+            </a:prstGeom>
+            <a:noFill/>
+          </p:spPr>
+          <p:txBody>
+            <a:bodyPr vert="horz" wrap="square" lIns="0" tIns="0" rIns="0" bIns="0" rtlCol="0" anchor="ctr" anchorCtr="0">
+              <a:spAutoFit/>
+            </a:bodyPr>
+            <a:lstStyle/>
+            <a:p>
+              <a:r>
+                <a:rPr lang="en-US" altLang="zh-CN" sz="1400" b="1" spc="-12" dirty="0" smtClean="0">
+                  <a:solidFill>
+                    <a:schemeClr val="dk1"/>
+                  </a:solidFill>
+                </a:rPr>
+                <a:t>DBN</a:t>
+              </a:r>
+              <a:endParaRPr lang="zh-CN" altLang="en-US" sz="1400" b="1" spc="-12" dirty="0">
+                <a:solidFill>
+                  <a:schemeClr val="dk1"/>
+                </a:solidFill>
+              </a:endParaRPr>
+            </a:p>
+          </p:txBody>
+        </p:sp>
+        <p:sp>
+          <p:nvSpPr>
+            <p:cNvPr id="749" name="OTLSHAPE_T_77eb22e7cd0b4dc299a4200d7b7f12eb_Shape"/>
+            <p:cNvSpPr/>
+            <p:nvPr>
+              <p:custDataLst>
+                <p:tags r:id="rId76"/>
+              </p:custDataLst>
+            </p:nvPr>
+          </p:nvSpPr>
+          <p:spPr>
+            <a:xfrm>
+              <a:off x="1902609" y="4478655"/>
+              <a:ext cx="1473200" cy="203200"/>
+            </a:xfrm>
+            <a:prstGeom prst="rect">
+              <a:avLst/>
+            </a:prstGeom>
+            <a:solidFill>
+              <a:srgbClr val="2F3699"/>
+            </a:solidFill>
+            <a:ln w="25400" cap="flat" cmpd="sng" algn="ctr">
+              <a:noFill/>
+              <a:prstDash val="solid"/>
+            </a:ln>
+            <a:effectLst/>
+            <a:scene3d>
+              <a:camera prst="orthographicFront"/>
+              <a:lightRig rig="balanced" dir="t">
+                <a:rot lat="0" lon="0" rev="8700000"/>
+              </a:lightRig>
+            </a:scene3d>
+            <a:sp3d>
+              <a:bevelT w="165100" h="12700"/>
+            </a:sp3d>
+            <a:extLst>
+              <a:ext uri="{91240B29-F687-4F45-9708-019B960494DF}">
+                <a14:hiddenLine xmlns:a14="http://schemas.microsoft.com/office/drawing/2010/main" w="25400" cap="flat" cmpd="sng" algn="ctr">
+                  <a:solidFill>
+                    <a:schemeClr val="accent1">
+                      <a:shade val="50000"/>
+                    </a:schemeClr>
+                  </a:solidFill>
+                  <a:prstDash val="solid"/>
+                </a14:hiddenLine>
+              </a:ext>
+              <a:ext uri="{AF507438-7753-43E0-B8FC-AC1667EBCBE1}">
+                <a14:hiddenEffects xmlns:a14="http://schemas.microsoft.com/office/drawing/2010/main">
+                  <a:effectLst>
+                    <a:outerShdw>
+                      <a:scrgbClr r="0" g="0" b="0">
+                        <a:alpha val="50000"/>
+                      </a:scrgbClr>
+                    </a:outerShdw>
+                  </a:effectLst>
+                </a14:hiddenEffects>
+              </a:ext>
+              <a:ext uri="{53640926-AAD7-44D8-BBD7-CCE9431645EC}">
+                <a14:shadowObscured xmlns:a14="http://schemas.microsoft.com/office/drawing/2010/main" val="1"/>
+              </a:ext>
+            </a:extLst>
+          </p:spPr>
+          <p:style>
+            <a:lnRef idx="2">
+              <a:schemeClr val="accent1">
+                <a:shade val="50000"/>
+              </a:schemeClr>
+            </a:lnRef>
+            <a:fillRef idx="1">
+              <a:schemeClr val="accent1"/>
+            </a:fillRef>
+            <a:effectRef idx="0">
+              <a:schemeClr val="accent1"/>
+            </a:effectRef>
+            <a:fontRef idx="minor">
+              <a:schemeClr val="lt1"/>
+            </a:fontRef>
+          </p:style>
+          <p:txBody>
+            <a:bodyPr rtlCol="0" anchor="ctr"/>
+            <a:lstStyle/>
+            <a:p>
+              <a:pPr algn="ctr"/>
+              <a:endParaRPr lang="zh-CN" altLang="en-US" sz="1400"/>
+            </a:p>
+          </p:txBody>
+        </p:sp>
+        <p:sp>
+          <p:nvSpPr>
+            <p:cNvPr id="756" name="OTLSHAPE_T_77eb22e7cd0b4dc299a4200d7b7f12eb_Title"/>
+            <p:cNvSpPr txBox="1"/>
+            <p:nvPr>
+              <p:custDataLst>
+                <p:tags r:id="rId77"/>
+              </p:custDataLst>
+            </p:nvPr>
+          </p:nvSpPr>
+          <p:spPr>
+            <a:xfrm>
+              <a:off x="126999" y="4472534"/>
+              <a:ext cx="778667" cy="215444"/>
+            </a:xfrm>
+            <a:prstGeom prst="rect">
+              <a:avLst/>
+            </a:prstGeom>
+            <a:noFill/>
+          </p:spPr>
+          <p:txBody>
+            <a:bodyPr vert="horz" wrap="square" lIns="0" tIns="0" rIns="0" bIns="0" rtlCol="0" anchor="ctr" anchorCtr="0">
+              <a:spAutoFit/>
+            </a:bodyPr>
+            <a:lstStyle/>
+            <a:p>
+              <a:r>
+                <a:rPr lang="en-US" altLang="zh-CN" sz="1400" b="1" spc="-12" dirty="0" smtClean="0">
+                  <a:solidFill>
+                    <a:schemeClr val="dk1"/>
+                  </a:solidFill>
+                </a:rPr>
+                <a:t>SRBM</a:t>
+              </a:r>
+              <a:endParaRPr lang="zh-CN" altLang="en-US" sz="1400" b="1" spc="-12" dirty="0">
+                <a:solidFill>
+                  <a:schemeClr val="dk1"/>
+                </a:solidFill>
+              </a:endParaRPr>
+            </a:p>
+          </p:txBody>
+        </p:sp>
+        <p:sp>
+          <p:nvSpPr>
+            <p:cNvPr id="757" name="OTLSHAPE_T_0862fbcce6f74c47b96391573e00609d_Shape"/>
+            <p:cNvSpPr/>
+            <p:nvPr>
+              <p:custDataLst>
+                <p:tags r:id="rId78"/>
+              </p:custDataLst>
+            </p:nvPr>
+          </p:nvSpPr>
+          <p:spPr>
+            <a:xfrm>
+              <a:off x="3348529" y="4745355"/>
+              <a:ext cx="1485900" cy="203200"/>
+            </a:xfrm>
+            <a:prstGeom prst="rect">
+              <a:avLst/>
+            </a:prstGeom>
+            <a:solidFill>
+              <a:srgbClr val="2F3699"/>
+            </a:solidFill>
+            <a:ln w="25400" cap="flat" cmpd="sng" algn="ctr">
+              <a:noFill/>
+              <a:prstDash val="solid"/>
+            </a:ln>
+            <a:effectLst/>
+            <a:scene3d>
+              <a:camera prst="orthographicFront"/>
+              <a:lightRig rig="balanced" dir="t">
+                <a:rot lat="0" lon="0" rev="8700000"/>
+              </a:lightRig>
+            </a:scene3d>
+            <a:sp3d>
+              <a:bevelT w="165100" h="12700"/>
+            </a:sp3d>
+            <a:extLst>
+              <a:ext uri="{91240B29-F687-4F45-9708-019B960494DF}">
+                <a14:hiddenLine xmlns:a14="http://schemas.microsoft.com/office/drawing/2010/main" w="25400" cap="flat" cmpd="sng" algn="ctr">
+                  <a:solidFill>
+                    <a:schemeClr val="accent1">
+                      <a:shade val="50000"/>
+                    </a:schemeClr>
+                  </a:solidFill>
+                  <a:prstDash val="solid"/>
+                </a14:hiddenLine>
+              </a:ext>
+              <a:ext uri="{AF507438-7753-43E0-B8FC-AC1667EBCBE1}">
+                <a14:hiddenEffects xmlns:a14="http://schemas.microsoft.com/office/drawing/2010/main">
+                  <a:effectLst>
+                    <a:outerShdw>
+                      <a:scrgbClr r="0" g="0" b="0">
+                        <a:alpha val="50000"/>
+                      </a:scrgbClr>
+                    </a:outerShdw>
+                  </a:effectLst>
+                </a14:hiddenEffects>
+              </a:ext>
+              <a:ext uri="{53640926-AAD7-44D8-BBD7-CCE9431645EC}">
+                <a14:shadowObscured xmlns:a14="http://schemas.microsoft.com/office/drawing/2010/main" val="1"/>
+              </a:ext>
+            </a:extLst>
+          </p:spPr>
+          <p:style>
+            <a:lnRef idx="2">
+              <a:schemeClr val="accent1">
+                <a:shade val="50000"/>
+              </a:schemeClr>
+            </a:lnRef>
+            <a:fillRef idx="1">
+              <a:schemeClr val="accent1"/>
+            </a:fillRef>
+            <a:effectRef idx="0">
+              <a:schemeClr val="accent1"/>
+            </a:effectRef>
+            <a:fontRef idx="minor">
+              <a:schemeClr val="lt1"/>
+            </a:fontRef>
+          </p:style>
+          <p:txBody>
+            <a:bodyPr rtlCol="0" anchor="ctr"/>
+            <a:lstStyle/>
+            <a:p>
+              <a:pPr algn="ctr"/>
+              <a:endParaRPr lang="zh-CN" altLang="en-US" sz="1400"/>
+            </a:p>
+          </p:txBody>
+        </p:sp>
+        <p:sp>
+          <p:nvSpPr>
+            <p:cNvPr id="764" name="OTLSHAPE_T_0862fbcce6f74c47b96391573e00609d_Title"/>
+            <p:cNvSpPr txBox="1"/>
+            <p:nvPr>
+              <p:custDataLst>
+                <p:tags r:id="rId79"/>
+              </p:custDataLst>
+            </p:nvPr>
+          </p:nvSpPr>
+          <p:spPr>
+            <a:xfrm>
+              <a:off x="127000" y="4739234"/>
+              <a:ext cx="821478" cy="215444"/>
+            </a:xfrm>
+            <a:prstGeom prst="rect">
+              <a:avLst/>
+            </a:prstGeom>
+            <a:noFill/>
+          </p:spPr>
+          <p:txBody>
+            <a:bodyPr vert="horz" wrap="square" lIns="0" tIns="0" rIns="0" bIns="0" rtlCol="0" anchor="ctr" anchorCtr="0">
+              <a:spAutoFit/>
+            </a:bodyPr>
+            <a:lstStyle/>
+            <a:p>
+              <a:r>
+                <a:rPr lang="en-US" altLang="zh-CN" sz="1400" b="1" spc="-10" dirty="0" smtClean="0">
+                  <a:solidFill>
+                    <a:schemeClr val="dk1"/>
+                  </a:solidFill>
+                </a:rPr>
+                <a:t>SDBN</a:t>
+              </a:r>
+              <a:endParaRPr lang="zh-CN" altLang="en-US" sz="1400" b="1" spc="-10" dirty="0">
+                <a:solidFill>
+                  <a:schemeClr val="dk1"/>
+                </a:solidFill>
+              </a:endParaRPr>
+            </a:p>
+          </p:txBody>
+        </p:sp>
+        <p:sp>
+          <p:nvSpPr>
+            <p:cNvPr id="765" name="OTLSHAPE_T_9ac8d18186e74035a2730a3a6e774ee6_Shape"/>
+            <p:cNvSpPr/>
+            <p:nvPr>
+              <p:custDataLst>
+                <p:tags r:id="rId80"/>
+              </p:custDataLst>
+            </p:nvPr>
+          </p:nvSpPr>
+          <p:spPr>
+            <a:xfrm>
+              <a:off x="3841095" y="5012055"/>
+              <a:ext cx="1473200" cy="203200"/>
+            </a:xfrm>
+            <a:prstGeom prst="rect">
+              <a:avLst/>
+            </a:prstGeom>
+            <a:solidFill>
+              <a:srgbClr val="2F3699"/>
+            </a:solidFill>
+            <a:ln w="25400" cap="flat" cmpd="sng" algn="ctr">
+              <a:noFill/>
+              <a:prstDash val="solid"/>
+            </a:ln>
+            <a:effectLst/>
+            <a:scene3d>
+              <a:camera prst="orthographicFront"/>
+              <a:lightRig rig="balanced" dir="t">
+                <a:rot lat="0" lon="0" rev="8700000"/>
+              </a:lightRig>
+            </a:scene3d>
+            <a:sp3d>
+              <a:bevelT w="165100" h="12700"/>
+            </a:sp3d>
+            <a:extLst>
+              <a:ext uri="{91240B29-F687-4F45-9708-019B960494DF}">
+                <a14:hiddenLine xmlns:a14="http://schemas.microsoft.com/office/drawing/2010/main" w="25400" cap="flat" cmpd="sng" algn="ctr">
+                  <a:solidFill>
+                    <a:schemeClr val="accent1">
+                      <a:shade val="50000"/>
+                    </a:schemeClr>
+                  </a:solidFill>
+                  <a:prstDash val="solid"/>
+                </a14:hiddenLine>
+              </a:ext>
+              <a:ext uri="{AF507438-7753-43E0-B8FC-AC1667EBCBE1}">
+                <a14:hiddenEffects xmlns:a14="http://schemas.microsoft.com/office/drawing/2010/main">
+                  <a:effectLst>
+                    <a:outerShdw>
+                      <a:scrgbClr r="0" g="0" b="0">
+                        <a:alpha val="50000"/>
+                      </a:scrgbClr>
+                    </a:outerShdw>
+                  </a:effectLst>
+                </a14:hiddenEffects>
+              </a:ext>
+              <a:ext uri="{53640926-AAD7-44D8-BBD7-CCE9431645EC}">
+                <a14:shadowObscured xmlns:a14="http://schemas.microsoft.com/office/drawing/2010/main" val="1"/>
+              </a:ext>
+            </a:extLst>
+          </p:spPr>
+          <p:style>
+            <a:lnRef idx="2">
+              <a:schemeClr val="accent1">
+                <a:shade val="50000"/>
+              </a:schemeClr>
+            </a:lnRef>
+            <a:fillRef idx="1">
+              <a:schemeClr val="accent1"/>
+            </a:fillRef>
+            <a:effectRef idx="0">
+              <a:schemeClr val="accent1"/>
+            </a:effectRef>
+            <a:fontRef idx="minor">
+              <a:schemeClr val="lt1"/>
+            </a:fontRef>
+          </p:style>
+          <p:txBody>
+            <a:bodyPr rtlCol="0" anchor="ctr"/>
+            <a:lstStyle/>
+            <a:p>
+              <a:pPr algn="ctr"/>
+              <a:endParaRPr lang="zh-CN" altLang="en-US" sz="1400"/>
+            </a:p>
+          </p:txBody>
+        </p:sp>
+        <p:sp>
+          <p:nvSpPr>
+            <p:cNvPr id="772" name="OTLSHAPE_T_9ac8d18186e74035a2730a3a6e774ee6_Title"/>
+            <p:cNvSpPr txBox="1"/>
+            <p:nvPr>
+              <p:custDataLst>
+                <p:tags r:id="rId81"/>
+              </p:custDataLst>
+            </p:nvPr>
+          </p:nvSpPr>
+          <p:spPr>
+            <a:xfrm>
+              <a:off x="127000" y="5005934"/>
+              <a:ext cx="1203568" cy="215444"/>
+            </a:xfrm>
+            <a:prstGeom prst="rect">
+              <a:avLst/>
+            </a:prstGeom>
+            <a:noFill/>
+          </p:spPr>
+          <p:txBody>
+            <a:bodyPr vert="horz" wrap="square" lIns="0" tIns="0" rIns="0" bIns="0" rtlCol="0" anchor="ctr" anchorCtr="0">
+              <a:spAutoFit/>
+            </a:bodyPr>
+            <a:lstStyle/>
+            <a:p>
+              <a:r>
+                <a:rPr lang="en-US" altLang="zh-CN" sz="1400" b="1" spc="-4" dirty="0" smtClean="0">
+                  <a:solidFill>
+                    <a:schemeClr val="dk1"/>
+                  </a:solidFill>
+                </a:rPr>
+                <a:t>Benchmarks</a:t>
+              </a:r>
+              <a:endParaRPr lang="zh-CN" altLang="en-US" sz="1400" b="1" spc="-4" dirty="0">
+                <a:solidFill>
+                  <a:schemeClr val="dk1"/>
+                </a:solidFill>
+              </a:endParaRPr>
+            </a:p>
+          </p:txBody>
+        </p:sp>
+        <p:sp>
+          <p:nvSpPr>
+            <p:cNvPr id="773" name="OTLSHAPE_T_e1ab46e8d17045f9946a8af8892c50f8_Shape"/>
+            <p:cNvSpPr/>
+            <p:nvPr>
+              <p:custDataLst>
+                <p:tags r:id="rId82"/>
+              </p:custDataLst>
+            </p:nvPr>
+          </p:nvSpPr>
+          <p:spPr>
+            <a:xfrm>
+              <a:off x="4810339" y="5278755"/>
+              <a:ext cx="2933700" cy="203200"/>
+            </a:xfrm>
+            <a:prstGeom prst="rect">
+              <a:avLst/>
+            </a:prstGeom>
+            <a:solidFill>
+              <a:srgbClr val="2F3699"/>
+            </a:solidFill>
+            <a:ln w="25400" cap="flat" cmpd="sng" algn="ctr">
+              <a:noFill/>
+              <a:prstDash val="solid"/>
+            </a:ln>
+            <a:effectLst/>
+            <a:scene3d>
+              <a:camera prst="orthographicFront"/>
+              <a:lightRig rig="balanced" dir="t">
+                <a:rot lat="0" lon="0" rev="8700000"/>
+              </a:lightRig>
+            </a:scene3d>
+            <a:sp3d>
+              <a:bevelT w="165100" h="12700"/>
+            </a:sp3d>
+            <a:extLst>
+              <a:ext uri="{91240B29-F687-4F45-9708-019B960494DF}">
+                <a14:hiddenLine xmlns:a14="http://schemas.microsoft.com/office/drawing/2010/main" w="25400" cap="flat" cmpd="sng" algn="ctr">
+                  <a:solidFill>
+                    <a:schemeClr val="accent1">
+                      <a:shade val="50000"/>
+                    </a:schemeClr>
+                  </a:solidFill>
+                  <a:prstDash val="solid"/>
+                </a14:hiddenLine>
+              </a:ext>
+              <a:ext uri="{AF507438-7753-43E0-B8FC-AC1667EBCBE1}">
+                <a14:hiddenEffects xmlns:a14="http://schemas.microsoft.com/office/drawing/2010/main">
+                  <a:effectLst>
+                    <a:outerShdw>
+                      <a:scrgbClr r="0" g="0" b="0">
+                        <a:alpha val="50000"/>
+                      </a:scrgbClr>
+                    </a:outerShdw>
+                  </a:effectLst>
+                </a14:hiddenEffects>
+              </a:ext>
+              <a:ext uri="{53640926-AAD7-44D8-BBD7-CCE9431645EC}">
+                <a14:shadowObscured xmlns:a14="http://schemas.microsoft.com/office/drawing/2010/main" val="1"/>
+              </a:ext>
+            </a:extLst>
+          </p:spPr>
+          <p:style>
+            <a:lnRef idx="2">
+              <a:schemeClr val="accent1">
+                <a:shade val="50000"/>
+              </a:schemeClr>
+            </a:lnRef>
+            <a:fillRef idx="1">
+              <a:schemeClr val="accent1"/>
+            </a:fillRef>
+            <a:effectRef idx="0">
+              <a:schemeClr val="accent1"/>
+            </a:effectRef>
+            <a:fontRef idx="minor">
+              <a:schemeClr val="lt1"/>
+            </a:fontRef>
+          </p:style>
+          <p:txBody>
+            <a:bodyPr rtlCol="0" anchor="ctr"/>
+            <a:lstStyle/>
+            <a:p>
+              <a:pPr algn="ctr"/>
+              <a:endParaRPr lang="zh-CN" altLang="en-US" sz="1400"/>
+            </a:p>
+          </p:txBody>
+        </p:sp>
+        <p:sp>
+          <p:nvSpPr>
+            <p:cNvPr id="780" name="OTLSHAPE_T_e1ab46e8d17045f9946a8af8892c50f8_Title"/>
+            <p:cNvSpPr txBox="1"/>
+            <p:nvPr>
+              <p:custDataLst>
+                <p:tags r:id="rId83"/>
+              </p:custDataLst>
+            </p:nvPr>
+          </p:nvSpPr>
+          <p:spPr>
+            <a:xfrm>
+              <a:off x="127000" y="5272634"/>
+              <a:ext cx="1203568" cy="215444"/>
+            </a:xfrm>
+            <a:prstGeom prst="rect">
+              <a:avLst/>
+            </a:prstGeom>
+            <a:noFill/>
+          </p:spPr>
+          <p:txBody>
+            <a:bodyPr vert="horz" wrap="square" lIns="0" tIns="0" rIns="0" bIns="0" rtlCol="0" anchor="ctr" anchorCtr="0">
+              <a:spAutoFit/>
+            </a:bodyPr>
+            <a:lstStyle/>
+            <a:p>
+              <a:r>
+                <a:rPr lang="en-US" altLang="zh-CN" sz="1400" b="1" spc="-8" dirty="0" smtClean="0">
+                  <a:solidFill>
+                    <a:schemeClr val="dk1"/>
+                  </a:solidFill>
+                </a:rPr>
+                <a:t>Thesis Writing</a:t>
+              </a:r>
+              <a:endParaRPr lang="zh-CN" altLang="en-US" sz="1400" b="1" spc="-8" dirty="0">
+                <a:solidFill>
+                  <a:schemeClr val="dk1"/>
+                </a:solidFill>
+              </a:endParaRPr>
+            </a:p>
+          </p:txBody>
+        </p:sp>
+      </p:grpSp>
+      <p:sp>
+        <p:nvSpPr>
+          <p:cNvPr id="784" name="矩形 783"/>
+          <p:cNvSpPr/>
+          <p:nvPr/>
+        </p:nvSpPr>
+        <p:spPr>
+          <a:xfrm>
+            <a:off x="876534" y="1377839"/>
+            <a:ext cx="2783839" cy="369332"/>
+          </a:xfrm>
+          <a:prstGeom prst="rect">
+            <a:avLst/>
+          </a:prstGeom>
+        </p:spPr>
+        <p:txBody>
+          <a:bodyPr wrap="none">
+            <a:spAutoFit/>
+          </a:bodyPr>
+          <a:lstStyle/>
+          <a:p>
+            <a:pPr>
+              <a:lnSpc>
+                <a:spcPct val="100000"/>
+              </a:lnSpc>
+            </a:pPr>
+            <a:r>
+              <a:rPr lang="en-GB" altLang="zh-CN" dirty="0" smtClean="0">
+                <a:solidFill>
+                  <a:srgbClr val="000000"/>
+                </a:solidFill>
+              </a:rPr>
+              <a:t>Potential Research Tasks</a:t>
+            </a:r>
+            <a:endParaRPr lang="en-GB" altLang="zh-CN" dirty="0"/>
+          </a:p>
+        </p:txBody>
+      </p:sp>
+      <p:sp>
+        <p:nvSpPr>
+          <p:cNvPr id="785" name="矩形 784"/>
+          <p:cNvSpPr/>
+          <p:nvPr/>
+        </p:nvSpPr>
+        <p:spPr>
+          <a:xfrm>
+            <a:off x="4283968" y="1340768"/>
+            <a:ext cx="1501437" cy="369332"/>
+          </a:xfrm>
+          <a:prstGeom prst="rect">
+            <a:avLst/>
+          </a:prstGeom>
+        </p:spPr>
+        <p:txBody>
+          <a:bodyPr wrap="none">
+            <a:spAutoFit/>
+          </a:bodyPr>
+          <a:lstStyle/>
+          <a:p>
+            <a:pPr>
+              <a:lnSpc>
+                <a:spcPct val="100000"/>
+              </a:lnSpc>
+            </a:pPr>
+            <a:r>
+              <a:rPr lang="en-GB" altLang="zh-CN" dirty="0" smtClean="0">
+                <a:solidFill>
+                  <a:srgbClr val="000000"/>
+                </a:solidFill>
+              </a:rPr>
+              <a:t>Future Tasks</a:t>
+            </a:r>
+            <a:endParaRPr lang="en-GB" altLang="zh-CN" dirty="0"/>
+          </a:p>
+        </p:txBody>
+      </p:sp>
+      <p:sp>
+        <p:nvSpPr>
+          <p:cNvPr id="787" name="OTLSHAPE_M_4bad46065aff44fdba3359342bdb43dd_Shape"/>
+          <p:cNvSpPr/>
+          <p:nvPr>
+            <p:custDataLst>
+              <p:tags r:id="rId45"/>
+            </p:custDataLst>
+          </p:nvPr>
+        </p:nvSpPr>
+        <p:spPr>
+          <a:xfrm rot="16200000">
+            <a:off x="4283968" y="1751732"/>
+            <a:ext cx="165100" cy="165100"/>
+          </a:xfrm>
+          <a:prstGeom prst="flowChartMerge">
+            <a:avLst/>
+          </a:prstGeom>
+          <a:solidFill>
+            <a:srgbClr val="0070C0"/>
+          </a:solidFill>
+          <a:ln w="25400" cap="flat" cmpd="sng" algn="ctr">
+            <a:noFill/>
+            <a:prstDash val="solid"/>
+          </a:ln>
+          <a:effectLst/>
+          <a:scene3d>
+            <a:camera prst="orthographicFront"/>
+            <a:lightRig rig="threePt" dir="t"/>
+          </a:scene3d>
+          <a:sp3d>
+            <a:bevelT h="12700"/>
+          </a:sp3d>
+          <a:extLst>
+            <a:ext uri="{53640926-AAD7-44D8-BBD7-CCE9431645EC}">
+              <a14:shadowObscured xmlns:a14="http://schemas.microsoft.com/office/drawing/2010/main" val="1"/>
+            </a:ext>
+          </a:extLst>
+        </p:spPr>
+        <p:style>
+          <a:lnRef idx="2">
+            <a:schemeClr val="accent1">
+              <a:shade val="50000"/>
+            </a:schemeClr>
+          </a:lnRef>
+          <a:fillRef idx="1">
+            <a:schemeClr val="accent1"/>
+          </a:fillRef>
+          <a:effectRef idx="0">
+            <a:schemeClr val="accent1"/>
+          </a:effectRef>
+          <a:fontRef idx="minor">
+            <a:schemeClr val="lt1"/>
+          </a:fontRef>
+        </p:style>
+        <p:txBody>
+          <a:bodyPr rtlCol="0" anchor="ctr"/>
+          <a:lstStyle/>
+          <a:p>
+            <a:pPr algn="ctr"/>
+            <a:endParaRPr lang="zh-CN" altLang="en-US" sz="1400"/>
+          </a:p>
+        </p:txBody>
+      </p:sp>
+      <p:sp>
+        <p:nvSpPr>
+          <p:cNvPr id="788" name="OTLSHAPE_M_4bad46065aff44fdba3359342bdb43dd_Title"/>
+          <p:cNvSpPr txBox="1"/>
+          <p:nvPr>
+            <p:custDataLst>
+              <p:tags r:id="rId46"/>
+            </p:custDataLst>
+          </p:nvPr>
+        </p:nvSpPr>
+        <p:spPr>
+          <a:xfrm>
+            <a:off x="4499992" y="1723851"/>
+            <a:ext cx="2952328" cy="215444"/>
+          </a:xfrm>
+          <a:prstGeom prst="rect">
+            <a:avLst/>
+          </a:prstGeom>
+          <a:noFill/>
+        </p:spPr>
+        <p:txBody>
+          <a:bodyPr vert="horz" wrap="square" lIns="0" tIns="0" rIns="0" bIns="0" rtlCol="0" anchor="ctr" anchorCtr="0">
+            <a:spAutoFit/>
+          </a:bodyPr>
+          <a:lstStyle/>
+          <a:p>
+            <a:r>
+              <a:rPr lang="en-US" altLang="zh-CN" sz="1400" spc="-8" dirty="0" smtClean="0">
+                <a:solidFill>
+                  <a:schemeClr val="dk1"/>
+                </a:solidFill>
+              </a:rPr>
+              <a:t>Mean-Field Theory</a:t>
+            </a:r>
+            <a:endParaRPr lang="zh-CN" altLang="en-US" sz="1400" spc="-8" dirty="0">
+              <a:solidFill>
+                <a:schemeClr val="dk1"/>
+              </a:solidFill>
+            </a:endParaRPr>
+          </a:p>
+        </p:txBody>
+      </p:sp>
+      <p:sp>
+        <p:nvSpPr>
+          <p:cNvPr id="789" name="OTLSHAPE_M_4bad46065aff44fdba3359342bdb43dd_Shape"/>
+          <p:cNvSpPr/>
+          <p:nvPr>
+            <p:custDataLst>
+              <p:tags r:id="rId47"/>
+            </p:custDataLst>
+          </p:nvPr>
+        </p:nvSpPr>
+        <p:spPr>
+          <a:xfrm rot="16200000">
+            <a:off x="4572000" y="1967756"/>
+            <a:ext cx="165100" cy="165100"/>
+          </a:xfrm>
+          <a:prstGeom prst="flowChartMerge">
+            <a:avLst/>
+          </a:prstGeom>
+          <a:solidFill>
+            <a:srgbClr val="0070C0"/>
+          </a:solidFill>
+          <a:ln w="25400" cap="flat" cmpd="sng" algn="ctr">
+            <a:noFill/>
+            <a:prstDash val="solid"/>
+          </a:ln>
+          <a:effectLst/>
+          <a:scene3d>
+            <a:camera prst="orthographicFront"/>
+            <a:lightRig rig="threePt" dir="t"/>
+          </a:scene3d>
+          <a:sp3d>
+            <a:bevelT h="12700"/>
+          </a:sp3d>
+          <a:extLst>
+            <a:ext uri="{53640926-AAD7-44D8-BBD7-CCE9431645EC}">
+              <a14:shadowObscured xmlns:a14="http://schemas.microsoft.com/office/drawing/2010/main" val="1"/>
+            </a:ext>
+          </a:extLst>
+        </p:spPr>
+        <p:style>
+          <a:lnRef idx="2">
+            <a:schemeClr val="accent1">
+              <a:shade val="50000"/>
+            </a:schemeClr>
+          </a:lnRef>
+          <a:fillRef idx="1">
+            <a:schemeClr val="accent1"/>
+          </a:fillRef>
+          <a:effectRef idx="0">
+            <a:schemeClr val="accent1"/>
+          </a:effectRef>
+          <a:fontRef idx="minor">
+            <a:schemeClr val="lt1"/>
+          </a:fontRef>
+        </p:style>
+        <p:txBody>
+          <a:bodyPr rtlCol="0" anchor="ctr"/>
+          <a:lstStyle/>
+          <a:p>
+            <a:pPr algn="ctr"/>
+            <a:endParaRPr lang="zh-CN" altLang="en-US" sz="1400"/>
+          </a:p>
+        </p:txBody>
+      </p:sp>
+      <p:sp>
+        <p:nvSpPr>
+          <p:cNvPr id="790" name="OTLSHAPE_M_4bad46065aff44fdba3359342bdb43dd_Title"/>
+          <p:cNvSpPr txBox="1"/>
+          <p:nvPr>
+            <p:custDataLst>
+              <p:tags r:id="rId48"/>
+            </p:custDataLst>
+          </p:nvPr>
+        </p:nvSpPr>
+        <p:spPr>
+          <a:xfrm>
+            <a:off x="4788024" y="1939875"/>
+            <a:ext cx="1346200" cy="215444"/>
+          </a:xfrm>
+          <a:prstGeom prst="rect">
+            <a:avLst/>
+          </a:prstGeom>
+          <a:noFill/>
+        </p:spPr>
+        <p:txBody>
+          <a:bodyPr vert="horz" wrap="square" lIns="0" tIns="0" rIns="0" bIns="0" rtlCol="0" anchor="ctr" anchorCtr="0">
+            <a:spAutoFit/>
+          </a:bodyPr>
+          <a:lstStyle/>
+          <a:p>
+            <a:r>
+              <a:rPr lang="en-US" altLang="zh-CN" sz="1400" spc="-8" dirty="0" smtClean="0">
+                <a:solidFill>
+                  <a:schemeClr val="dk1"/>
+                </a:solidFill>
+              </a:rPr>
+              <a:t>SRBM Structure</a:t>
+            </a:r>
+            <a:endParaRPr lang="zh-CN" altLang="en-US" sz="1400" spc="-8" dirty="0">
+              <a:solidFill>
+                <a:schemeClr val="dk1"/>
+              </a:solidFill>
+            </a:endParaRPr>
+          </a:p>
+        </p:txBody>
+      </p:sp>
+      <p:sp>
+        <p:nvSpPr>
+          <p:cNvPr id="791" name="OTLSHAPE_M_4bad46065aff44fdba3359342bdb43dd_Shape"/>
+          <p:cNvSpPr/>
+          <p:nvPr>
+            <p:custDataLst>
+              <p:tags r:id="rId49"/>
+            </p:custDataLst>
+          </p:nvPr>
+        </p:nvSpPr>
+        <p:spPr>
+          <a:xfrm rot="16200000">
+            <a:off x="4932040" y="2183780"/>
+            <a:ext cx="165100" cy="165100"/>
+          </a:xfrm>
+          <a:prstGeom prst="flowChartMerge">
+            <a:avLst/>
+          </a:prstGeom>
+          <a:solidFill>
+            <a:srgbClr val="0070C0"/>
+          </a:solidFill>
+          <a:ln w="25400" cap="flat" cmpd="sng" algn="ctr">
+            <a:noFill/>
+            <a:prstDash val="solid"/>
+          </a:ln>
+          <a:effectLst/>
+          <a:scene3d>
+            <a:camera prst="orthographicFront"/>
+            <a:lightRig rig="threePt" dir="t"/>
+          </a:scene3d>
+          <a:sp3d>
+            <a:bevelT h="12700"/>
+          </a:sp3d>
+          <a:extLst>
+            <a:ext uri="{53640926-AAD7-44D8-BBD7-CCE9431645EC}">
+              <a14:shadowObscured xmlns:a14="http://schemas.microsoft.com/office/drawing/2010/main" val="1"/>
+            </a:ext>
+          </a:extLst>
+        </p:spPr>
+        <p:style>
+          <a:lnRef idx="2">
+            <a:schemeClr val="accent1">
+              <a:shade val="50000"/>
+            </a:schemeClr>
+          </a:lnRef>
+          <a:fillRef idx="1">
+            <a:schemeClr val="accent1"/>
+          </a:fillRef>
+          <a:effectRef idx="0">
+            <a:schemeClr val="accent1"/>
+          </a:effectRef>
+          <a:fontRef idx="minor">
+            <a:schemeClr val="lt1"/>
+          </a:fontRef>
+        </p:style>
+        <p:txBody>
+          <a:bodyPr rtlCol="0" anchor="ctr"/>
+          <a:lstStyle/>
+          <a:p>
+            <a:pPr algn="ctr"/>
+            <a:endParaRPr lang="zh-CN" altLang="en-US" sz="1400"/>
+          </a:p>
+        </p:txBody>
+      </p:sp>
+      <p:sp>
+        <p:nvSpPr>
+          <p:cNvPr id="792" name="OTLSHAPE_M_4bad46065aff44fdba3359342bdb43dd_Title"/>
+          <p:cNvSpPr txBox="1"/>
+          <p:nvPr>
+            <p:custDataLst>
+              <p:tags r:id="rId50"/>
+            </p:custDataLst>
+          </p:nvPr>
+        </p:nvSpPr>
+        <p:spPr>
+          <a:xfrm>
+            <a:off x="5148064" y="2155899"/>
+            <a:ext cx="2304256" cy="215444"/>
+          </a:xfrm>
+          <a:prstGeom prst="rect">
+            <a:avLst/>
+          </a:prstGeom>
+          <a:noFill/>
+        </p:spPr>
+        <p:txBody>
+          <a:bodyPr vert="horz" wrap="square" lIns="0" tIns="0" rIns="0" bIns="0" rtlCol="0" anchor="ctr" anchorCtr="0">
+            <a:spAutoFit/>
+          </a:bodyPr>
+          <a:lstStyle/>
+          <a:p>
+            <a:r>
+              <a:rPr lang="en-US" altLang="zh-CN" sz="1400" spc="-8" dirty="0" smtClean="0">
+                <a:solidFill>
+                  <a:schemeClr val="dk1"/>
+                </a:solidFill>
+              </a:rPr>
+              <a:t>STDP Learning for CD</a:t>
+            </a:r>
+            <a:endParaRPr lang="zh-CN" altLang="en-US" sz="1400" spc="-8" dirty="0">
+              <a:solidFill>
+                <a:schemeClr val="dk1"/>
+              </a:solidFill>
+            </a:endParaRPr>
+          </a:p>
+        </p:txBody>
+      </p:sp>
+      <p:sp>
+        <p:nvSpPr>
+          <p:cNvPr id="793" name="OTLSHAPE_M_4bad46065aff44fdba3359342bdb43dd_Shape"/>
+          <p:cNvSpPr/>
+          <p:nvPr>
+            <p:custDataLst>
+              <p:tags r:id="rId51"/>
+            </p:custDataLst>
+          </p:nvPr>
+        </p:nvSpPr>
+        <p:spPr>
+          <a:xfrm rot="16200000">
+            <a:off x="5314032" y="2399804"/>
+            <a:ext cx="165100" cy="165100"/>
+          </a:xfrm>
+          <a:prstGeom prst="flowChartMerge">
+            <a:avLst/>
+          </a:prstGeom>
+          <a:solidFill>
+            <a:srgbClr val="0070C0"/>
+          </a:solidFill>
+          <a:ln w="25400" cap="flat" cmpd="sng" algn="ctr">
+            <a:noFill/>
+            <a:prstDash val="solid"/>
+          </a:ln>
+          <a:effectLst/>
+          <a:scene3d>
+            <a:camera prst="orthographicFront"/>
+            <a:lightRig rig="threePt" dir="t"/>
+          </a:scene3d>
+          <a:sp3d>
+            <a:bevelT h="12700"/>
+          </a:sp3d>
+          <a:extLst>
+            <a:ext uri="{53640926-AAD7-44D8-BBD7-CCE9431645EC}">
+              <a14:shadowObscured xmlns:a14="http://schemas.microsoft.com/office/drawing/2010/main" val="1"/>
+            </a:ext>
+          </a:extLst>
+        </p:spPr>
+        <p:style>
+          <a:lnRef idx="2">
+            <a:schemeClr val="accent1">
+              <a:shade val="50000"/>
+            </a:schemeClr>
+          </a:lnRef>
+          <a:fillRef idx="1">
+            <a:schemeClr val="accent1"/>
+          </a:fillRef>
+          <a:effectRef idx="0">
+            <a:schemeClr val="accent1"/>
+          </a:effectRef>
+          <a:fontRef idx="minor">
+            <a:schemeClr val="lt1"/>
+          </a:fontRef>
+        </p:style>
+        <p:txBody>
+          <a:bodyPr rtlCol="0" anchor="ctr"/>
+          <a:lstStyle/>
+          <a:p>
+            <a:pPr algn="ctr"/>
+            <a:endParaRPr lang="zh-CN" altLang="en-US" sz="1400"/>
+          </a:p>
+        </p:txBody>
+      </p:sp>
+      <p:sp>
+        <p:nvSpPr>
+          <p:cNvPr id="794" name="OTLSHAPE_M_4bad46065aff44fdba3359342bdb43dd_Title"/>
+          <p:cNvSpPr txBox="1"/>
+          <p:nvPr>
+            <p:custDataLst>
+              <p:tags r:id="rId52"/>
+            </p:custDataLst>
+          </p:nvPr>
+        </p:nvSpPr>
+        <p:spPr>
+          <a:xfrm>
+            <a:off x="5530055" y="2371923"/>
+            <a:ext cx="2213983" cy="215444"/>
+          </a:xfrm>
+          <a:prstGeom prst="rect">
+            <a:avLst/>
+          </a:prstGeom>
+          <a:noFill/>
+        </p:spPr>
+        <p:txBody>
+          <a:bodyPr vert="horz" wrap="square" lIns="0" tIns="0" rIns="0" bIns="0" rtlCol="0" anchor="ctr" anchorCtr="0">
+            <a:spAutoFit/>
+          </a:bodyPr>
+          <a:lstStyle/>
+          <a:p>
+            <a:r>
+              <a:rPr lang="en-US" altLang="zh-CN" sz="1400" spc="-8" dirty="0" smtClean="0">
+                <a:solidFill>
+                  <a:schemeClr val="dk1"/>
+                </a:solidFill>
+              </a:rPr>
+              <a:t>Layered STDP Learning</a:t>
+            </a:r>
+            <a:endParaRPr lang="zh-CN" altLang="en-US" sz="1400" spc="-8" dirty="0">
+              <a:solidFill>
+                <a:schemeClr val="dk1"/>
+              </a:solidFill>
+            </a:endParaRPr>
+          </a:p>
+        </p:txBody>
+      </p:sp>
+    </p:spTree>
+    <p:custDataLst>
+      <p:tags r:id="rId1"/>
+    </p:custDataLst>
+    <p:extLst>
+      <p:ext uri="{BB962C8B-B14F-4D97-AF65-F5344CB8AC3E}">
+        <p14:creationId xmlns:p14="http://schemas.microsoft.com/office/powerpoint/2010/main" val="3077291105"/>
+      </p:ext>
+    </p:extLst>
+  </p:cSld>
+  <p:clrMapOvr>
+    <a:masterClrMapping/>
+  </p:clrMapOvr>
+</p:sld>
+</file>
+
+<file path=ppt/slides/slide12.xml><?xml version="1.0" encoding="utf-8"?>
+<p:sld xmlns:a="http://schemas.openxmlformats.org/drawingml/2006/main" xmlns:r="http://schemas.openxmlformats.org/officeDocument/2006/relationships" xmlns:p="http://schemas.openxmlformats.org/presentationml/2006/main">
+  <p:cSld>
+    <p:spTree>
+      <p:nvGrpSpPr>
+        <p:cNvPr id="1" name=""/>
+        <p:cNvGrpSpPr/>
+        <p:nvPr/>
+      </p:nvGrpSpPr>
+      <p:grpSpPr>
+        <a:xfrm>
+          <a:off x="0" y="0"/>
+          <a:ext cx="0" cy="0"/>
+          <a:chOff x="0" y="0"/>
+          <a:chExt cx="0" cy="0"/>
+        </a:xfrm>
+      </p:grpSpPr>
       <p:sp>
         <p:nvSpPr>
           <p:cNvPr id="134" name="CustomShape 1"/>
@@ -6479,7 +10655,7 @@
               <a:buChar char="•"/>
             </a:pPr>
             <a:r>
-              <a:rPr lang="en-GB" sz="2800">
+              <a:rPr lang="en-GB" sz="2800" dirty="0">
                 <a:solidFill>
                   <a:srgbClr val="000000"/>
                 </a:solidFill>
@@ -6487,7 +10663,7 @@
               </a:rPr>
               <a:t>Validation on Contrastive Divergence</a:t>
             </a:r>
-            <a:endParaRPr/>
+            <a:endParaRPr dirty="0"/>
           </a:p>
           <a:p>
             <a:pPr lvl="1">
@@ -6499,7 +10675,7 @@
               <a:buChar char=""/>
             </a:pPr>
             <a:r>
-              <a:rPr lang="en-GB" sz="2800">
+              <a:rPr lang="en-GB" sz="2800" dirty="0">
                 <a:solidFill>
                   <a:srgbClr val="000000"/>
                 </a:solidFill>
@@ -6507,7 +10683,7 @@
               </a:rPr>
               <a:t>MNIST test</a:t>
             </a:r>
-            <a:endParaRPr/>
+            <a:endParaRPr dirty="0"/>
           </a:p>
           <a:p>
             <a:pPr lvl="1">
@@ -6519,7 +10695,7 @@
               <a:buChar char=""/>
             </a:pPr>
             <a:r>
-              <a:rPr lang="en-GB" sz="2800">
+              <a:rPr lang="en-GB" sz="2800" dirty="0">
                 <a:solidFill>
                   <a:srgbClr val="000000"/>
                 </a:solidFill>
@@ -6527,7 +10703,7 @@
               </a:rPr>
               <a:t>Normal distribution test</a:t>
             </a:r>
-            <a:endParaRPr/>
+            <a:endParaRPr dirty="0"/>
           </a:p>
           <a:p>
             <a:pPr>
@@ -6535,7 +10711,7 @@
                 <a:spcPct val="100000"/>
               </a:lnSpc>
             </a:pPr>
-            <a:endParaRPr/>
+            <a:endParaRPr dirty="0"/>
           </a:p>
         </p:txBody>
       </p:sp>
@@ -6572,6 +10748,505 @@
     </p:tnLst>
   </p:timing>
 </p:sld>
+</file>
+
+<file path=ppt/tags/tag1.xml><?xml version="1.0" encoding="utf-8"?>
+<p:tagLst xmlns:a="http://schemas.openxmlformats.org/drawingml/2006/main" xmlns:r="http://schemas.openxmlformats.org/officeDocument/2006/relationships" xmlns:p="http://schemas.openxmlformats.org/presentationml/2006/main">
+  <p:tag name="__PART_0" val="eyIkaWQiOiIxIiwiQ3VsdHVyZUluZm9OYW1lIjoiemgtQ04iLCJTdHlsZU5hbWUiOiJTdGFuZGFyZCIsIklzVGVtcGxhdGUiOmZhbHNlLCJWZXJzaW9uIjp7IiRpZCI6IjIiLCJWZXJzaW9uIjoiMy4wLjEiLCJPcmlnaW5hbEFzc2VtYmx5VmVyc2lvbiI6IjMuMDMuMDEuMDAiLCJFZGl0aW9uIjoiQmFzaWMiLCJJc1BsdXNFZGl0aW9uIjpmYWxzZX0sIkVmZmVjdCI6MSwiU3R5bGUiOnsiJGlkIjoiMyIsIlRpbWViYW5kU3R5bGUiOnsiJGlkIjoiNCIsIlNjYWxlTWFya2luZyI6MCwiU2hhcGUiOjAsIlNoYXBlU3R5bGUiOnsiJGlkIjoiNSIsIk1hcmdpbiI6eyIkaWQiOiI2IiwiVG9wIjowLCJMZWZ0IjoxMiwiUmlnaHQiOjEyLCJCb3R0b20iOjB9LCJQYWRkaW5nIjp7IiRpZCI6IjciLCJUb3AiOjUsIkxlZnQiOjAsIlJpZ2h0IjowLCJCb3R0b20iOjV9LCJCYWNrZ3JvdW5kIjp7IiRpZCI6IjgiLCJDb2xvciI6eyIkaWQiOiI5IiwiQSI6MjU1LCJSIjo4MCwiRyI6MTQsIkIiOjEyNX19LCJJc1Zpc2libGUiOnRydWUsIldpZHRoIjo4NTguMCwiSGVpZ2h0IjozMC4wLCJCb3JkZXJTdHlsZSI6eyIkaWQiOiIxMCIsIkxpbmVDb2xvciI6eyIkaWQiOiIxMSIsIiR0eXBlIjoiTkxSRS5Db21tb24uRG9tLlNvbGlkQ29sb3JCcnVzaCwgTkxSRS5Db21tb24iLCJDb2xvciI6eyIkaWQiOiIxMiIsIkEiOjI1NSwiUiI6MjU1LCJHIjowLCJCIjowfX0sIkxpbmVXZWlnaHQiOjAuMCwiTGluZVR5cGUiOjAsIlBhcmVudFN0eWxlIjpudWxsfSwiUGFyZW50U3R5bGUiOm51bGx9LCJSaWdodEVuZENhcHNTdHlsZSI6eyIkaWQiOiIxMyIsIkZvbnRTZXR0aW5ncyI6eyIkaWQiOiIxNCIsIkZvbnRTaXplIjoxOCwiRm9udE5hbWUiOiJDYWxpYnJpIiwiSXNCb2xkIjp0cnVlLCJJc0l0YWxpYyI6ZmFsc2UsIklzVW5kZXJsaW5lZCI6ZmFsc2UsIlBhcmVudFN0eWxlIjpudWxsfSwiQXV0b1NpemUiOjAsIkZvcmVncm91bmQiOnsiJGlkIjoiMTUiLCJDb2xvciI6eyIkaWQiOiIxNiIsIkEiOjI1NSwiUiI6MTkyLCJHIjo4MCwiQiI6Nzd9fSwiTWF4V2lkdGgiOiJJbmZpbml0eSIsIk1heEhlaWdodCI6IkluZmluaXR5IiwiU21hcnRGb3JlZ3JvdW5kSXNBY3RpdmUiOmZhbHNlLCJIb3Jpem9udGFsQWxpZ25tZW50IjowLCJWZXJ0aWNhbEFsaWdubWVudCI6MCwiU21hcnRGb3JlZ3JvdW5kIjpudWxsLCJNYXJnaW4iOnsiJGlkIjoiMTciLCJUb3AiOjAsIkxlZnQiOjAsIlJpZ2h0IjoyNSwiQm90dG9tIjowfSwiUGFkZGluZyI6eyIkaWQiOiIxOCIsIlRvcCI6MCwiTGVmdCI6MCwiUmlnaHQiOjAsIkJvdHRvbSI6MH0sIkJhY2tncm91bmQiOnsiJGlkIjoiMTkiLCJDb2xvciI6eyIkaWQiOiIyMCIsIkEiOjg5LCJSIjowLCJHIjowLCJCIjowfX0sIklzVmlzaWJsZSI6ZmFsc2UsIldpZHRoIjowLjAsIkhlaWdodCI6MC4wLCJCb3JkZXJTdHlsZSI6bnVsbCwiUGFyZW50U3R5bGUiOm51bGx9LCJMZWZ0RW5kQ2Fwc1N0eWxlIjp7IiRpZCI6IjIxIiwiRm9udFNldHRpbmdzIjp7IiRpZCI6IjIyIiwiRm9udFNpemUiOjE4LCJGb250TmFtZSI6IkNhbGlicmkiLCJJc0JvbGQiOnRydWUsIklzSXRhbGljIjpmYWxzZSwiSXNVbmRlcmxpbmVkIjpmYWxzZSwiUGFyZW50U3R5bGUiOm51bGx9LCJBdXRvU2l6ZSI6MCwiRm9yZWdyb3VuZCI6eyIkaWQiOiIyMyIsIkNvbG9yIjp7IiRpZCI6IjI0IiwiQSI6MjU1LCJSIjoxOTIsIkciOjgwLCJCIjo3N319LCJNYXhXaWR0aCI6IkluZmluaXR5IiwiTWF4SGVpZ2h0IjoiSW5maW5pdHkiLCJTbWFydEZvcmVncm91bmRJc0FjdGl2ZSI6ZmFsc2UsIkhvcml6b250YWxBbGlnbm1lbnQiOjAsIlZlcnRpY2FsQWxpZ25tZW50IjowLCJTbWFydEZvcmVncm91bmQiOm51bGwsIk1hcmdpbiI6eyIkaWQiOiIyNSIsIlRvcCI6MCwiTGVmdCI6MjUsIlJpZ2h0IjowLCJCb3R0b20iOjB9LCJQYWRkaW5nIjp7IiRpZCI6IjI2IiwiVG9wIjowLCJMZWZ0IjowLCJSaWdodCI6MCwiQm90dG9tIjowfSwiQmFja2dyb3VuZCI6eyIkaWQiOiIyNyIsIkNvbG9yIjp7IiRyZWYiOiIyMCJ9fSwiSXNWaXNpYmxlIjpmYWxzZSwiV2lkdGgiOjAuMCwiSGVpZ2h0IjowLjAsIkJvcmRlclN0eWxlIjpudWxsLCJQYXJlbnRTdHlsZSI6bnVsbH0sIlRvZGF5VGV4dFN0eWxlIjp7IiRpZCI6IjI4IiwiRm9udFNldHRpbmdzIjp7IiRpZCI6IjI5IiwiRm9udFNpemUiOjEyLCJGb250TmFtZSI6IkNhbGlicmkiLCJJc0JvbGQiOmZhbHNlLCJJc0l0YWxpYyI6ZmFsc2UsIklzVW5kZXJsaW5lZCI6ZmFsc2UsIlBhcmVudFN0eWxlIjpudWxsfSwiQXV0b1NpemUiOjAsIkZvcmVncm91bmQiOnsiJGlkIjoiMzAiLCJDb2xvciI6eyIkaWQiOiIzMSIsIkEiOjI1NSwiUiI6MCwiRyI6MCwiQiI6MH19LCJNYXhXaWR0aCI6MjAwLjAsIk1heEhlaWdodCI6IkluZmluaXR5IiwiU21hcnRGb3JlZ3JvdW5kSXNBY3RpdmUiOmZhbHNlLCJIb3Jpem9udGFsQWxpZ25tZW50IjowLCJWZXJ0aWNhbEFsaWdubWVudCI6MCwiU21hcnRGb3JlZ3JvdW5kIjpudWxsLCJNYXJnaW4iOnsiJGlkIjoiMzIiLCJUb3AiOjAsIkxlZnQiOjAsIlJpZ2h0IjowLCJCb3R0b20iOjB9LCJQYWRkaW5nIjp7IiRpZCI6IjMzIiwiVG9wIjowLCJMZWZ0IjowLCJSaWdodCI6MCwiQm90dG9tIjowfSwiQmFja2dyb3VuZCI6eyIkaWQiOiIzNCIsIkNvbG9yIjp7IiRyZWYiOiIyMCJ9fSwiSXNWaXNpYmxlIjp0cnVlLCJXaWR0aCI6MC4wLCJIZWlnaHQiOjAuMCwiQm9yZGVyU3R5bGUiOm51bGwsIlBhcmVudFN0eWxlIjpudWxsfSwiVG9kYXlNYXJrZXJTdHlsZSI6eyIkaWQiOiIzNSIsIk1hcmdpbiI6eyIkaWQiOiIzNiIsIlRvcCI6MCwiTGVmdCI6MCwiUmlnaHQiOjAsIkJvdHRvbSI6MH0sIlBhZGRpbmciOnsiJGlkIjoiMzciLCJUb3AiOjAsIkxlZnQiOjAsIlJpZ2h0IjowLCJCb3R0b20iOjB9LCJCYWNrZ3JvdW5kIjp7IiRpZCI6IjM4IiwiQ29sb3IiOnsiJGlkIjoiMzkiLCJBIjoyNTUsIlIiOjI1NSwiRyI6MCwiQiI6MH19LCJJc1Zpc2libGUiOnRydWUsIldpZHRoIjowLjAsIkhlaWdodCI6MC4wLCJCb3JkZXJTdHlsZSI6bnVsbCwiUGFyZW50U3R5bGUiOm51bGx9LCJTY2FsZVN0eWxlIjp7IiRpZCI6IjQwIiwiU2hvd1NlZ21lbnRTZXBhcmF0b3JzIjp0cnVlLCJTZWdtZW50U2VwYXJhdG9yT3BhY2l0eSI6MzAsIkZvbnRTZXR0aW5ncyI6eyIkaWQiOiI0MSIsIkZvbnRTaXplIjoxMiwiRm9udE5hbWUiOiJDYWxpYnJpIiwiSXNCb2xkIjpmYWxzZSwiSXNJdGFsaWMiOmZhbHNlLCJJc1VuZGVybGluZWQiOmZhbHNlLCJQYXJlbnRTdHlsZSI6bnVsbH0sIkF1dG9TaXplIjowLCJGb3JlZ3JvdW5kIjp7IiRpZCI6IjQyIiwiQ29sb3IiOnsiJGlkIjoiNDMiLCJBIjoyNTUsIlIiOjI1NSwiRyI6MjU1LCJCIjoyNTV9fSwiTWF4V2lkdGgiOjIwMC4wLCJNYXhIZWlnaHQiOiJJbmZpbml0eSIsIlNtYXJ0Rm9yZWdyb3VuZElzQWN0aXZlIjpmYWxzZSwiSG9yaXpvbnRhbEFsaWdubWVudCI6MCwiVmVydGljYWxBbGlnbm1lbnQiOjEsIlNtYXJ0Rm9yZWdyb3VuZCI6bnVsbCwiTWFyZ2luIjp7IiRpZCI6IjQ0IiwiVG9wIjowLCJMZWZ0Ijo1LCJSaWdodCI6MCwiQm90dG9tIjowfSwiUGFkZGluZyI6eyIkaWQiOiI0NSIsIlRvcCI6MCwiTGVmdCI6MCwiUmlnaHQiOjAsIkJvdHRvbSI6MH0sIkJhY2tncm91bmQiOnsiJGlkIjoiNDYiLCJDb2xvciI6eyIkcmVmIjoiMjAifX0sIklzVmlzaWJsZSI6dHJ1ZSwiV2lkdGgiOjAuMCwiSGVpZ2h0IjowLjAsIkJvcmRlclN0eWxlIjpudWxsLCJQYXJlbnRTdHlsZSI6bnVsbH0sIkVsYXBzZWRUaW1lQmFja2dyb3VuZCI6eyIkaWQiOiI0NyIsIkNvbG9yIjp7IiRpZCI6IjQ4IiwiQSI6MTkxLCJSIjoyNTUsIkciOjAsIkIiOjB9fSwiQXBwZW5kWWVhck9uWWVhckNoYW5nZSI6dHJ1ZSwiRWxhcHNlZFRpbWVGb3JtYXQiOjIsIlRvZGF5TWFya2VyUG9zaXRpb24iOjMsIlF1aWNrUG9zaXRpb24iOjEsIkFic29sdXRlUG9zaXRpb24iOjI0MC4wLCJNYXJnaW4iOnsiJGlkIjoiNDkiLCJUb3AiOjAsIkxlZnQiOjEwLCJSaWdodCI6MTAsIkJvdHRvbSI6MH0sIlBhZGRpbmciOnsiJGlkIjoiNTAiLCJUb3AiOjAsIkxlZnQiOjAsIlJpZ2h0IjowLCJCb3R0b20iOjB9LCJCYWNrZ3JvdW5kIjp7IiRpZCI6IjUxIiwiQ29sb3IiOnsiJGlkIjoiNTIiLCJBIjoyNTUsIlIiOjMxLCJHIjo3MywiQiI6MTI1fX0sIklzVmlzaWJsZSI6dHJ1ZSwiV2lkdGgiOjAuMCwiSGVpZ2h0IjowLjAsIkJvcmRlclN0eWxlIjpudWxsLCJQYXJlbnRTdHlsZSI6bnVsbH0sIkRlZmF1bHRNaWxlc3RvbmVTdHlsZSI6eyIkaWQiOiI1MyIsIlNoYXBlIjoyLCJDb25uZWN0b3JNYXJnaW4iOnsiJGlkIjoiNTQiLCJUb3AiOjAsIkxlZnQiOjIsIlJpZ2h0IjoyLCJCb3R0b20iOjB9LCJDb25uZWN0b3JTdHlsZSI6eyIkaWQiOiI1NSIsIkxpbmVDb2xvciI6eyIkaWQiOiI1NiIsIiR0eXBlIjoiTkxSRS5Db21tb24uRG9tLlNvbGlkQ29sb3JCcnVzaCwgTkxSRS5Db21tb24iLCJDb2xvciI6eyIkaWQiOiI1NyIsIkEiOjI1NSwiUiI6MzEsIkciOjczLCJCIjoxMjZ9fSwiTGluZVdlaWdodCI6MS4wLCJMaW5lVHlwZSI6MCwiUGFyZW50U3R5bGUiOm51bGx9LCJJc0JlbG93VGltZWJhbmQiOmZhbHNlLCJIaWRlRGF0ZSI6ZmFsc2UsIlNoYXBlU2l6ZSI6MSwiU3BhY2luZyI6MS4wLCJQYWRkaW5nIjp7IiRpZCI6IjU4IiwiVG9wIjo3LCJMZWZ0IjozLCJSaWdodCI6MCwiQm90dG9tIjoyfSwiU2hhcGVTdHlsZSI6eyIkaWQiOiI1OSIsIk1hcmdpbiI6eyIkaWQiOiI2MCIsIlRvcCI6MCwiTGVmdCI6MCwiUmlnaHQiOjAsIkJvdHRvbSI6MH0sIlBhZGRpbmciOnsiJGlkIjoiNjEiLCJUb3AiOjAsIkxlZnQiOjAsIlJpZ2h0IjowLCJCb3R0b20iOjB9LCJCYWNrZ3JvdW5kIjpudWxsLCJJc1Zpc2libGUiOnRydWUsIldpZHRoIjoxOC4wLCJIZWlnaHQiOjIwLjAsIkJvcmRlclN0eWxlIjp7IiRpZCI6IjYyIiwiTGluZUNvbG9yIjp7IiRpZCI6IjYzIiwiJHR5cGUiOiJOTFJFLkNvbW1vbi5Eb20uU29saWRDb2xvckJydXNoLCBOTFJFLkNvbW1vbiIsIkNvbG9yIjp7IiRpZCI6IjY0IiwiQSI6MjU1LCJSIjoyNTUsIkciOjAsIkIiOjB9fSwiTGluZVdlaWdodCI6MC4wLCJMaW5lVHlwZSI6MCwiUGFyZW50U3R5bGUiOm51bGx9LCJQYXJlbnRTdHlsZSI6bnVsbH0sIlRpdGxlU3R5bGUiOnsiJGlkIjoiNjUiLCJGb250U2V0dGluZ3MiOnsiJGlkIjoiNjYiLCJGb250U2l6ZSI6MTEsIkZvbnROYW1lIjoiQ2FsaWJyaSIsIklzQm9sZCI6dHJ1ZSwiSXNJdGFsaWMiOmZhbHNlLCJJc1VuZGVybGluZWQiOmZhbHNlLCJQYXJlbnRTdHlsZSI6bnVsbH0sIkF1dG9TaXplIjowLCJGb3JlZ3JvdW5kIjp7IiRpZCI6IjY3IiwiQ29sb3IiOnsiJGlkIjoiNjgiLCJBIjoyNTUsIlIiOjAsIkciOjAsIkIiOjB9fSwiTWF4V2lkdGgiOjIwMC4wLCJNYXhIZWlnaHQiOiJJbmZpbml0eSIsIlNtYXJ0Rm9yZWdyb3VuZElzQWN0aXZlIjpmYWxzZSwiSG9yaXpvbnRhbEFsaWdubWVudCI6MCwiVmVydGljYWxBbGlnbm1lbnQiOjAsIlNtYXJ0Rm9yZWdyb3VuZCI6bnVsbCwiTWFyZ2luIjp7IiRpZCI6IjY5IiwiVG9wIjowLCJMZWZ0IjowLCJSaWdodCI6MCwiQm90dG9tIjowfSwiUGFkZGluZyI6eyIkaWQiOiI3MCIsIlRvcCI6MCwiTGVmdCI6MCwiUmlnaHQiOjAsIkJvdHRvbSI6MH0sIkJhY2tncm91bmQiOnsiJGlkIjoiNzEiLCJDb2xvciI6eyIkcmVmIjoiMjAifX0sIklzVmlzaWJsZSI6dHJ1ZSwiV2lkdGgiOjAuMCwiSGVpZ2h0IjowLjAsIkJvcmRlclN0eWxlIjpudWxsLCJQYXJlbnRTdHlsZSI6bnVsbH0sIkRhdGVTdHlsZSI6eyIkaWQiOiI3MiIsIkZvbnRTZXR0aW5ncyI6eyIkaWQiOiI3MyIsIkZvbnRTaXplIjoxMCwiRm9udE5hbWUiOiJDYWxpYnJpIiwiSXNCb2xkIjpmYWxzZSwiSXNJdGFsaWMiOmZhbHNlLCJJc1VuZGVybGluZWQiOmZhbHNlLCJQYXJlbnRTdHlsZSI6bnVsbH0sIkF1dG9TaXplIjowLCJGb3JlZ3JvdW5kIjp7IiRpZCI6Ijc0IiwiQ29sb3IiOnsiJGlkIjoiNzUiLCJBIjoyNTUsIlIiOjMxLCJHIjo3MywiQiI6MTI2fX0sIk1heFdpZHRoIjoyMDAuMCwiTWF4SGVpZ2h0IjoiSW5maW5pdHkiLCJTbWFydEZvcmVncm91bmRJc0FjdGl2ZSI6ZmFsc2UsIkhvcml6b250YWxBbGlnbm1lbnQiOjAsIlZlcnRpY2FsQWxpZ25tZW50IjowLCJTbWFydEZvcmVncm91bmQiOm51bGwsIk1hcmdpbiI6eyIkaWQiOiI3NiIsIlRvcCI6MCwiTGVmdCI6MCwiUmlnaHQiOjAsIkJvdHRvbSI6MH0sIlBhZGRpbmciOnsiJGlkIjoiNzciLCJUb3AiOjAsIkxlZnQiOjAsIlJpZ2h0IjowLCJCb3R0b20iOjB9LCJCYWNrZ3JvdW5kIjp7IiRpZCI6Ijc4IiwiQ29sb3IiOnsiJHJlZiI6IjIwIn19LCJJc1Zpc2libGUiOnRydWUsIldpZHRoIjowLjAsIkhlaWdodCI6MC4wLCJCb3JkZXJTdHlsZSI6bnVsbCwiUGFyZW50U3R5bGUiOm51bGx9LCJEYXRlRm9ybWF0Ijp7IiRpZCI6Ijc5IiwiRm9ybWF0U3RyaW5nIjoiTS9kL3l5eXkiLCJTZXBhcmF0b3IiOiIvIiwiVXNlSW50ZXJuYXRpb25hbERhdGVGb3JtYXQiOmZhbHNlfSwiSXNWaXNpYmxlIjp0cnVlLCJQYXJlbnRTdHlsZSI6bnVsbH0sIkRlZmF1bHRUYXNrU3R5bGUiOnsiJGlkIjoiODAiLCJTaGFwZSI6MCwiU2hhcGVUaGlja25lc3MiOjEsIkR1cmF0aW9uRm9ybWF0IjowLCJJbmNsdWRlTm9uV29ya2luZ0RheXNJbkR1cmF0aW9uIjp0cnVlLCJQZXJjZW50YWdlQ29tcGxldGVTdHlsZSI6eyIkaWQiOiI4MSIsIkZvbnRTZXR0aW5ncyI6eyIkaWQiOiI4MiIsIkZvbnRTaXplIjoxMCwiRm9udE5hbWUiOiJDYWxpYnJpIiwiSXNCb2xkIjpmYWxzZSwiSXNJdGFsaWMiOmZhbHNlLCJJc1VuZGVybGluZWQiOmZhbHNlLCJQYXJlbnRTdHlsZSI6bnVsbH0sIkF1dG9TaXplIjowLCJGb3JlZ3JvdW5kIjp7IiRpZCI6IjgzIiwiQ29sb3IiOnsiJGlkIjoiODQiLCJBIjoyNTUsIlIiOjE5MiwiRyI6ODAsIkIiOjc3fX0sIk1heFdpZHRoIjoyMDAuMCwiTWF4SGVpZ2h0IjoiSW5maW5pdHkiLCJTbWFydEZvcmVncm91bmRJc0FjdGl2ZSI6ZmFsc2UsIkhvcml6b250YWxBbGlnbm1lbnQiOjAsIlZlcnRpY2FsQWxpZ25tZW50IjowLCJTbWFydEZvcmVncm91bmQiOm51bGwsIk1hcmdpbiI6eyIkaWQiOiI4NSIsIlRvcCI6MCwiTGVmdCI6MCwiUmlnaHQiOjAsIkJvdHRvbSI6MH0sIlBhZGRpbmciOnsiJGlkIjoiODYiLCJUb3AiOjAsIkxlZnQiOjAsIlJpZ2h0IjowLCJCb3R0b20iOjB9LCJCYWNrZ3JvdW5kIjp7IiRpZCI6Ijg3IiwiQ29sb3IiOnsiJHJlZiI6IjIwIn19LCJJc1Zpc2libGUiOnRydWUsIldpZHRoIjowLjAsIkhlaWdodCI6MC4wLCJCb3JkZXJTdHlsZSI6bnVsbCwiUGFyZW50U3R5bGUiOm51bGx9LCJEdXJhdGlvblN0eWxlIjp7IiRpZCI6Ijg4IiwiRm9udFNldHRpbmdzIjp7IiRpZCI6Ijg5IiwiRm9udFNpemUiOjEwLCJGb250TmFtZSI6IkNhbGlicmkiLCJJc0JvbGQiOmZhbHNlLCJJc0l0YWxpYyI6ZmFsc2UsIklzVW5kZXJsaW5lZCI6ZmFsc2UsIlBhcmVudFN0eWxlIjpudWxsfSwiQXV0b1NpemUiOjAsIkZvcmVncm91bmQiOnsiJGlkIjoiOTAiLCJDb2xvciI6eyIkaWQiOiI5MSIsIkEiOjI1NSwiUiI6MTkyLCJHIjo4MCwiQiI6Nzd9fSwiTWF4V2lkdGgiOjIwMC4wLCJNYXhIZWlnaHQiOiJJbmZpbml0eSIsIlNtYXJ0Rm9yZWdyb3VuZElzQWN0aXZlIjpmYWxzZSwiSG9yaXpvbnRhbEFsaWdubWVudCI6MCwiVmVydGljYWxBbGlnbm1lbnQiOjAsIlNtYXJ0Rm9yZWdyb3VuZCI6bnVsbCwiTWFyZ2luIjp7IiRpZCI6IjkyIiwiVG9wIjowLCJMZWZ0IjowLCJSaWdodCI6MCwiQm90dG9tIjowfSwiUGFkZGluZyI6eyIkaWQiOiI5MyIsIlRvcCI6MCwiTGVmdCI6MCwiUmlnaHQiOjAsIkJvdHRvbSI6MH0sIkJhY2tncm91bmQiOnsiJGlkIjoiOTQiLCJDb2xvciI6eyIkcmVmIjoiMjAifX0sIklzVmlzaWJsZSI6dHJ1ZSwiV2lkdGgiOjAuMCwiSGVpZ2h0IjowLjAsIkJvcmRlclN0eWxlIjpudWxsLCJQYXJlbnRTdHlsZSI6bnVsbH0sIkhvcml6b250YWxDb25uZWN0b3JTdHlsZSI6eyIkaWQiOiI5NSIsIkxpbmVDb2xvciI6eyIkaWQiOiI5NiIsIiR0eXBlIjoiTkxSRS5Db21tb24uRG9tLlNvbGlkQ29sb3JCcnVzaCwgTkxSRS5Db21tb24iLCJDb2xvciI6eyIkaWQiOiI5NyIsIkEiOjI1NSwiUiI6MjA0LCJHIjoyMDQsIkIiOjIwNH19LCJMaW5lV2VpZ2h0IjoxLjAsIkxpbmVUeXBlIjowLCJQYXJlbnRTdHlsZSI6bnVsbH0sIlZlcnRpY2FsQ29ubmVjdG9yU3R5bGUiOnsiJGlkIjoiOTgiLCJMaW5lQ29sb3IiOnsiJGlkIjoiOTkiLCIkdHlwZSI6Ik5MUkUuQ29tbW9uLkRvbS5Tb2xpZENvbG9yQnJ1c2gsIE5MUkUuQ29tbW9uIiwiQ29sb3IiOnsiJGlkIjoiMTAwIiwiQSI6MjU1LCJSIjoyMDQsIkciOjIwNCwiQiI6MjA0fX0sIkxpbmVXZWlnaHQiOjAuMCwiTGluZVR5cGUiOjAsIlBhcmVudFN0eWxlIjpudWxsfSwiTWFyZ2luIjpudWxsLCJTdGFydERhdGVQb3NpdGlvbiI6NCwiRW5kRGF0ZVBvc2l0aW9uIjo0LCJUaXRsZVBvc2l0aW9uIjo1LCJEdXJhdGlvblBvc2l0aW9uIjo2LCJQZXJjZW50YWdlQ29tcGxldGVkUG9zaXRpb24iOjYsIlNwYWNpbmciOjUsIklzQmVsb3dUaW1lYmFuZCI6dHJ1ZSwiUGVyY2VudGFnZUNvbXBsZXRlU2hhcGVPcGFjaXR5IjozNSwiU2hhcGVTdHlsZSI6eyIkaWQiOiIxMDEiLCJNYXJnaW4iOnsiJGlkIjoiMTAyIiwiVG9wIjowLCJMZWZ0Ijo0LCJSaWdodCI6NCwiQm90dG9tIjowfSwiUGFkZGluZyI6eyIkaWQiOiIxMDMiLCJUb3AiOjAsIkxlZnQiOjAsIlJpZ2h0IjowLCJCb3R0b20iOjB9LCJCYWNrZ3JvdW5kIjpudWxsLCJJc1Zpc2libGUiOnRydWUsIldpZHRoIjowLjAsIkhlaWdodCI6MTYuMCwiQm9yZGVyU3R5bGUiOnsiJGlkIjoiMTA0IiwiTGluZUNvbG9yIjp7IiRpZCI6IjEwNSIsIiR0eXBlIjoiTkxSRS5Db21tb24uRG9tLlNvbGlkQ29sb3JCcnVzaCwgTkxSRS5Db21tb24iLCJDb2xvciI6eyIkaWQiOiIxMDYiLCJBIjoyNTUsIlIiOjI1NSwiRyI6MCwiQiI6MH19LCJMaW5lV2VpZ2h0IjowLjAsIkxpbmVUeXBlIjowLCJQYXJlbnRTdHlsZSI6bnVsbH0sIlBhcmVudFN0eWxlIjpudWxsfSwiVGl0bGVTdHlsZSI6eyIkaWQiOiIxMDciLCJGb250U2V0dGluZ3MiOnsiJGlkIjoiMTA4IiwiRm9udFNpemUiOjExLCJGb250TmFtZSI6IkNhbGlicmkiLCJJc0JvbGQiOnRydWUsIklzSXRhbGljIjpmYWxzZSwiSXNVbmRlcmxpbmVkIjpmYWxzZSwiUGFyZW50U3R5bGUiOm51bGx9LCJBdXRvU2l6ZSI6MCwiRm9yZWdyb3VuZCI6eyIkaWQiOiIxMDkiLCJDb2xvciI6eyIkaWQiOiIxMTAiLCJBIjoyNTUsIlIiOjAsIkciOjAsIkIiOjB9fSwiTWF4V2lkdGgiOjcyMC4wLCJNYXhIZWlnaHQiOiJJbmZpbml0eSIsIlNtYXJ0Rm9yZWdyb3VuZElzQWN0aXZlIjpmYWxzZSwiSG9yaXpvbnRhbEFsaWdubWVudCI6MCwiVmVydGljYWxBbGlnbm1lbnQiOjAsIlNtYXJ0Rm9yZWdyb3VuZCI6bnVsbCwiTWFyZ2luIjp7IiRpZCI6IjExMSIsIlRvcCI6MCwiTGVmdCI6MCwiUmlnaHQiOjAsIkJvdHRvbSI6MH0sIlBhZGRpbmciOnsiJGlkIjoiMTEyIiwiVG9wIjowLCJMZWZ0IjowLCJSaWdodCI6MCwiQm90dG9tIjowfSwiQmFja2dyb3VuZCI6eyIkaWQiOiIxMTMiLCJDb2xvciI6eyIkcmVmIjoiMjAifX0sIklzVmlzaWJsZSI6dHJ1ZSwiV2lkdGgiOjAuMCwiSGVpZ2h0IjowLjAsIkJvcmRlclN0eWxlIjpudWxsLCJQYXJlbnRTdHlsZSI6bnVsbH0sIkRhdGVTdHlsZSI6eyIkaWQiOiIxMTQiLCJGb250U2V0dGluZ3MiOnsiJGlkIjoiMTE1IiwiRm9udFNpemUiOjEwLCJGb250TmFtZSI6IkNhbGlicmkiLCJJc0JvbGQiOmZhbHNlLCJJc0l0YWxpYyI6ZmFsc2UsIklzVW5kZXJsaW5lZCI6ZmFsc2UsIlBhcmVudFN0eWxlIjpudWxsfSwiQXV0b1NpemUiOjAsIkZvcmVncm91bmQiOnsiJGlkIjoiMTE2IiwiQ29sb3IiOnsiJGlkIjoiMTE3IiwiQSI6MjU1LCJSIjozMSwiRyI6NzMsIkIiOjEyNn19LCJNYXhXaWR0aCI6MjAwLjAsIk1heEhlaWdodCI6IkluZmluaXR5IiwiU21hcnRGb3JlZ3JvdW5kSXNBY3RpdmUiOmZhbHNlLCJIb3Jpem9udGFsQWxpZ25tZW50IjowLCJWZXJ0aWNhbEFsaWdubWVudCI6MCwiU21hcnRGb3JlZ3JvdW5kIjpudWxsLCJNYXJnaW4iOnsiJGlkIjoiMTE4IiwiVG9wIjowLCJMZWZ0IjowLCJSaWdodCI6MCwiQm90dG9tIjowfSwiUGFkZGluZyI6eyIkaWQiOiIxMTkiLCJUb3AiOjAsIkxlZnQiOjAsIlJpZ2h0IjowLCJCb3R0b20iOjB9LCJCYWNrZ3JvdW5kIjp7IiRpZCI6IjEyMCIsIkNvbG9yIjp7IiRyZWYiOiIyMCJ9fSwiSXNWaXNpYmxlIjp0cnVlLCJXaWR0aCI6MC4wLCJIZWlnaHQiOjAuMCwiQm9yZGVyU3R5bGUiOm51bGwsIlBhcmVudFN0eWxlIjpudWxsfSwiRGF0ZUZvcm1hdCI6eyIkaWQiOiIxMjEiLCJGb3JtYXRTdHJpbmciOiJNL2QveXl5eSIsIlNlcGFyYXRvciI6Ii8iLCJVc2VJbnRlcm5hdGlvbmFsRGF0ZUZvcm1hdCI6ZmFsc2V9LCJJc1Zpc2libGUiOnRydWUsIlBhcmVudFN0eWxlIjpudWxsfSwiU2hvd0VsYXBzZWRUaW1lR3JhZGllbnRTdHlsZSI6ZmFsc2V9LCJTY2FsZSI6eyIkaWQiOiIxMjIiLCJTdGFydERhdGUiOiIyMDE1LTEwLTAxVDAwOjAwOjAwWiIsIkVuZERhdGUiOiIyMDE2LTEyLTAxVDIzOjU5OjU5Ljk5OVoiLCJGb3JtYXQiOiJNTU0iLCJUeXBlIjozLCJBdXRvRGF0ZVJhbmdlIjp0cnVlLCJXb3JraW5nRGF5cyI6MzEsIlRvZGF5TWFya2VyVGV4dCI6IlRvZGF5IiwiQXV0b1NjYWxlVHlwZSI6ZmFsc2V9LCJNaWxlc3RvbmVzIjpbeyIkaWQiOiIxMjMiLCJEYXRlIjoiMjAxNS0xMC0xMFQyMzo1OTo1OS45OTlaIiwiU3R5bGUiOnsiJGlkIjoiMTI0IiwiU2hhcGUiOjIsIkNvbm5lY3Rvck1hcmdpbiI6eyIkcmVmIjoiNTQifSwiQ29ubmVjdG9yU3R5bGUiOnsiJGlkIjoiMTI1IiwiTGluZUNvbG9yIjp7IiRpZCI6IjEyNiIsIiR0eXBlIjoiTkxSRS5Db21tb24uRG9tLlNvbGlkQ29sb3JCcnVzaCwgTkxSRS5Db21tb24iLCJDb2xvciI6eyIkaWQiOiIxMjciLCJBIjoxMjcsIlIiOjIzNCwiRyI6MjIsIkIiOjMwfX0sIkxpbmVXZWlnaHQiOjEuMCwiTGluZVR5cGUiOjAsIlBhcmVudFN0eWxlIjp7IiRyZWYiOiI1NSJ9fSwiSXNCZWxvd1RpbWViYW5kIjpmYWxzZSwiSGlkZURhdGUiOmZhbHNlLCJTaGFwZVNpemUiOjEsIlNwYWNpbmciOjEuMCwiUGFkZGluZyI6eyIkcmVmIjoiNTgifSwiU2hhcGVTdHlsZSI6eyIkaWQiOiIxMjgiLCJNYXJnaW4iOnsiJHJlZiI6IjYwIn0sIlBhZGRpbmciOnsiJHJlZiI6IjYxIn0sIkJhY2tncm91bmQiOnsiJGlkIjoiMTI5IiwiQ29sb3IiOnsiJGlkIjoiMTMwIiwiQSI6MjU1LCJSIjoyMzQsIkciOjIyLCJCIjozMH19LCJJc1Zpc2libGUiOnRydWUsIldpZHRoIjoxOC4wLCJIZWlnaHQiOjIwLjAsIkJvcmRlclN0eWxlIjp7IiRpZCI6IjEzMSIsIkxpbmVDb2xvciI6eyIkcmVmIjoiNjMifSwiTGluZVdlaWdodCI6MC4wLCJMaW5lVHlwZSI6MCwiUGFyZW50U3R5bGUiOnsiJHJlZiI6IjYyIn19LCJQYXJlbnRTdHlsZSI6eyIkcmVmIjoiNTkifX0sIlRpdGxlU3R5bGUiOnsiJGlkIjoiMTMyIiwiRm9udFNldHRpbmdzIjp7IiRpZCI6IjEzMyIsIkZvbnRTaXplIjoxMSwiRm9udE5hbWUiOiJDYWxpYnJpIiwiSXNCb2xkIjp0cnVlLCJJc0l0YWxpYyI6ZmFsc2UsIklzVW5kZXJsaW5lZCI6ZmFsc2UsIlBhcmVudFN0eWxlIjp7IiRyZWYiOiI2NiJ9fSwiQXV0b1NpemUiOjAsIkZvcmVncm91bmQiOnsiJHJlZiI6IjY3In0sIk1heFdpZHRoIjoyMDAuMCwiTWF4SGVpZ2h0IjoiSW5maW5pdHkiLCJTbWFydEZvcmVncm91bmRJc0FjdGl2ZSI6ZmFsc2UsIkhvcml6b250YWxBbGlnbm1lbnQiOjAsIlZlcnRpY2FsQWxpZ25tZW50IjowLCJTbWFydEZvcmVncm91bmQiOm51bGwsIk1hcmdpbiI6eyIkcmVmIjoiNjkifSwiUGFkZGluZyI6eyIkcmVmIjoiNzAifSwiQmFja2dyb3VuZCI6eyIkcmVmIjoiNzEifSwiSXNWaXNpYmxlIjp0cnVlLCJXaWR0aCI6MC4wLCJIZWlnaHQiOjAuMCwiQm9yZGVyU3R5bGUiOnsiJGlkIjoiMTM0IiwiTGluZUNvbG9yIjpudWxsLCJMaW5lV2VpZ2h0IjowLjAsIkxpbmVUeXBlIjowLCJQYXJlbnRTdHlsZSI6bnVsbH0sIlBhcmVudFN0eWxlIjp7IiRyZWYiOiI2NSJ9fSwiRGF0ZVN0eWxlIjp7IiRpZCI6IjEzNSIsIkZvbnRTZXR0aW5ncyI6eyIkaWQiOiIxMzYiLCJGb250U2l6ZSI6MTAsIkZvbnROYW1lIjoiQ2FsaWJyaSIsIklzQm9sZCI6ZmFsc2UsIklzSXRhbGljIjpmYWxzZSwiSXNVbmRlcmxpbmVkIjpmYWxzZSwiUGFyZW50U3R5bGUiOnsiJHJlZiI6IjczIn19LCJBdXRvU2l6ZSI6MCwiRm9yZWdyb3VuZCI6eyIkcmVmIjoiNzQifSwiTWF4V2lkdGgiOjIwMC4wLCJNYXhIZWlnaHQiOiJJbmZpbml0eSIsIlNtYXJ0Rm9yZWdyb3VuZElzQWN0aXZlIjpmYWxzZSwiSG9yaXpvbnRhbEFsaWdubWVudCI6MCwiVmVydGljYWxBbGlnbm1lbnQiOjAsIlNtYXJ0Rm9yZWdyb3VuZCI6bnVsbCwiTWFyZ2luIjp7IiRyZWYiOiI3NiJ9LCJQYWRkaW5nIjp7IiRyZWYiOiI3NyJ9LCJCYWNrZ3JvdW5kIjp7IiRyZWYiOiI3OCJ9LCJJc1Zpc2libGUiOnRydWUsIldpZHRoIjowLjAsIkhlaWdodCI6MC4wLCJCb3JkZXJTdHlsZSI6eyIkaWQiOiIxMzciLCJMaW5lQ29sb3IiOm51bGwsIkxpbmVXZWlnaHQiOjAuMCwiTGluZVR5cGUiOjAsIlBhcmVudFN0eWxlIjpudWxsfSwiUGFyZW50U3R5bGUiOnsiJHJlZiI6IjcyIn19LCJEYXRlRm9ybWF0Ijp7IiRyZWYiOiI3OSJ9LCJJc1Zpc2libGUiOnRydWUsIlBhcmVudFN0eWxlIjp7IiRyZWYiOiI1MyJ9fSwiUG9zaXRpb24iOnsiJGlkIjoiMTM4IiwiUmF0aW8iOjAuMjUwNzMxMDY3NDIxOTk1NTgsIklzQ3VzdG9tIjp0cnVlfSwiSWQiOiI0YmFkNDYwNi01YWZmLTQ0ZmQtYmEzMy01OTM0MmJkYjQzZGQiLCJJbXBvcnRJZCI6bnVsbCwiVGl0bGUiOiJDb250cmFzdGl2ZSBEaXZlcmdlbmNlIiwiTm90ZSI6bnVsbCwiSHlwZXJsaW5rIjpudWxsLCJJc0NoYW5nZWQiOmZhbHNlLCJJc05ldyI6ZmFsc2V9LHsiJGlkIjoiMTM5IiwiRGF0ZSI6IjIwMTUtMTAtMjNUMjM6NTk6NTkuOTk5WiIsIlN0eWxlIjp7IiRpZCI6IjE0MCIsIlNoYXBlIjoyLCJDb25uZWN0b3JNYXJnaW4iOnsiJHJlZiI6IjU0In0sIkNvbm5lY3RvclN0eWxlIjp7IiRpZCI6IjE0MSIsIkxpbmVDb2xvciI6eyIkaWQiOiIxNDIiLCIkdHlwZSI6Ik5MUkUuQ29tbW9uLkRvbS5Tb2xpZENvbG9yQnJ1c2gsIE5MUkUuQ29tbW9uIiwiQ29sb3IiOnsiJGlkIjoiMTQzIiwiQSI6MTI3LCJSIjoyMzQsIkciOjIyLCJCIjozMH19LCJMaW5lV2VpZ2h0IjoxLjAsIkxpbmVUeXBlIjowLCJQYXJlbnRTdHlsZSI6eyIkcmVmIjoiNTUifX0sIklzQmVsb3dUaW1lYmFuZCI6ZmFsc2UsIkhpZGVEYXRlIjpmYWxzZSwiU2hhcGVTaXplIjoxLCJTcGFjaW5nIjoxLjAsIlBhZGRpbmciOnsiJHJlZiI6IjU4In0sIlNoYXBlU3R5bGUiOnsiJGlkIjoiMTQ0IiwiTWFyZ2luIjp7IiRyZWYiOiI2MCJ9LCJQYWRkaW5nIjp7IiRyZWYiOiI2MSJ9LCJCYWNrZ3JvdW5kIjp7IiRpZCI6IjE0NSIsIkNvbG9yIjp7IiRpZCI6IjE0NiIsIkEiOjI1NSwiUiI6MjM0LCJHIjoyMiwiQiI6MzB9fSwiSXNWaXNpYmxlIjp0cnVlLCJXaWR0aCI6MTguMCwiSGVpZ2h0IjoyMC4wLCJCb3JkZXJTdHlsZSI6eyIkaWQiOiIxNDciLCJMaW5lQ29sb3IiOnsiJHJlZiI6IjYzIn0sIkxpbmVXZWlnaHQiOjAuMCwiTGluZVR5cGUiOjAsIlBhcmVudFN0eWxlIjp7IiRyZWYiOiI2MiJ9fSwiUGFyZW50U3R5bGUiOnsiJHJlZiI6IjU5In19LCJUaXRsZVN0eWxlIjp7IiRpZCI6IjE0OCIsIkZvbnRTZXR0aW5ncyI6eyIkaWQiOiIxNDkiLCJGb250U2l6ZSI6MTEsIkZvbnROYW1lIjoiQ2FsaWJyaSIsIklzQm9sZCI6dHJ1ZSwiSXNJdGFsaWMiOmZhbHNlLCJJc1VuZGVybGluZWQiOmZhbHNlLCJQYXJlbnRTdHlsZSI6eyIkcmVmIjoiNjYifX0sIkF1dG9TaXplIjowLCJGb3JlZ3JvdW5kIjp7IiRyZWYiOiI2NyJ9LCJNYXhXaWR0aCI6MjAwLjAsIk1heEhlaWdodCI6IkluZmluaXR5IiwiU21hcnRGb3JlZ3JvdW5kSXNBY3RpdmUiOmZhbHNlLCJIb3Jpem9udGFsQWxpZ25tZW50IjowLCJWZXJ0aWNhbEFsaWdubWVudCI6MCwiU21hcnRGb3JlZ3JvdW5kIjpudWxsLCJNYXJnaW4iOnsiJHJlZiI6IjY5In0sIlBhZGRpbmciOnsiJHJlZiI6IjcwIn0sIkJhY2tncm91bmQiOnsiJHJlZiI6IjcxIn0sIklzVmlzaWJsZSI6dHJ1ZSwiV2lkdGgiOjAuMCwiSGVpZ2h0IjowLjAsIkJvcmRlclN0eWxlIjp7IiRpZCI6IjE1MCIsIkxpbmVDb2xvciI6bnVsbCwiTGluZVdlaWdodCI6MC4wLCJMaW5lVHlwZSI6MCwiUGFyZW50U3R5bGUiOm51bGx9LCJQYXJlbnRTdHlsZSI6eyIkcmVmIjoiNjUifX0sIkRhdGVTdHlsZSI6eyIkaWQiOiIxNTEiLCJGb250U2V0dGluZ3MiOnsiJGlkIjoiMTUyIiwiRm9udFNpemUiOjEwLCJGb250TmFtZSI6IkNhbGlicmkiLCJJc0JvbGQiOmZhbHNlLCJJc0l0YWxpYyI6ZmFsc2UsIklzVW5kZXJsaW5lZCI6ZmFsc2UsIlBhcmVudFN0eWxlIjp7IiRyZWYiOiI3MyJ9fSwiQXV0b1NpemUiOjAsIkZvcmVncm91bmQiOnsiJHJlZiI6Ijc0In0sIk1heFdpZHRoIjoyMDAuMCwiTWF4SGVpZ2h0IjoiSW5maW5pdHkiLCJTbWFydEZvcmVncm91bmRJc0FjdGl2ZSI6ZmFsc2UsIkhvcml6b250YWxBbGlnbm1lbnQiOjAsIlZlcnRpY2FsQWxpZ25tZW50IjowLCJTbWFydEZvcmVncm91bmQiOm51bGwsIk1hcmdpbiI6eyIkcmVmIjoiNzYifSwiUGFkZGluZyI6eyIkcmVmIjoiNzcifSwiQmFja2dyb3VuZCI6eyIkcmVmIjoiNzgifSwiSXNWaXNpYmxlIjp0cnVlLCJXaWR0aCI6MC4wLCJIZWlnaHQiOjAuMCwiQm9yZGVyU3R5bGUiOnsiJGlkIjoiMTUzIiwiTGluZUNvbG9yIjpudWxsLCJMaW5lV2VpZ2h0IjowLjAsIkxpbmVUeXBlIjowLCJQYXJlbnRTdHlsZSI6bnVsbH0sIlBhcmVudFN0eWxlIjp7IiRyZWYiOiI3MiJ9fSwiRGF0ZUZvcm1hdCI6eyIkcmVmIjoiNzkifSwiSXNWaXNpYmxlIjp0cnVlLCJQYXJlbnRTdHlsZSI6eyIkcmVmIjoiNTMifX0sIlBvc2l0aW9uIjp7IiRpZCI6IjE1NCIsIlJhdGlvIjowLjEzNTEyMTY5MzU1MjI3NjI0LCJJc0N1c3RvbSI6dHJ1ZX0sIklkIjoiYmMwMjhiMDEtYjlhMS00M2U5LWFkMTItOTQ3ZmEzYTFkZTIyIiwiSW1wb3J0SWQiOm51bGwsIlRpdGxlIjoiUkJNIFZhbGlkYXRpb2luIiwiTm90ZSI6bnVsbCwiSHlwZXJsaW5rIjpudWxsLCJJc0NoYW5nZWQiOmZhbHNlLCJJc05ldyI6ZmFsc2V9LHsiJGlkIjoiMTU1IiwiRGF0ZSI6IjIwMTUtMTEtMTBUMjM6NTk6NTkuOTk5WiIsIlN0eWxlIjp7IiRpZCI6IjE1NiIsIlNoYXBlIjoyLCJDb25uZWN0b3JNYXJnaW4iOnsiJHJlZiI6IjU0In0sIkNvbm5lY3RvclN0eWxlIjp7IiRpZCI6IjE1NyIsIkxpbmVDb2xvciI6eyIkaWQiOiIxNTgiLCIkdHlwZSI6Ik5MUkUuQ29tbW9uLkRvbS5Tb2xpZENvbG9yQnJ1c2gsIE5MUkUuQ29tbW9uIiwiQ29sb3IiOnsiJGlkIjoiMTU5IiwiQSI6MTI3LCJSIjoyMzQsIkciOjIyLCJCIjozMH19LCJMaW5lV2VpZ2h0IjoxLjAsIkxpbmVUeXBlIjowLCJQYXJlbnRTdHlsZSI6eyIkcmVmIjoiNTUifX0sIklzQmVsb3dUaW1lYmFuZCI6ZmFsc2UsIkhpZGVEYXRlIjpmYWxzZSwiU2hhcGVTaXplIjoxLCJTcGFjaW5nIjoxLjAsIlBhZGRpbmciOnsiJHJlZiI6IjU4In0sIlNoYXBlU3R5bGUiOnsiJGlkIjoiMTYwIiwiTWFyZ2luIjp7IiRyZWYiOiI2MCJ9LCJQYWRkaW5nIjp7IiRyZWYiOiI2MSJ9LCJCYWNrZ3JvdW5kIjp7IiRpZCI6IjE2MSIsIkNvbG9yIjp7IiRpZCI6IjE2MiIsIkEiOjI1NSwiUiI6MjM0LCJHIjoyMiwiQiI6MzB9fSwiSXNWaXNpYmxlIjp0cnVlLCJXaWR0aCI6MTguMCwiSGVpZ2h0IjoyMC4wLCJCb3JkZXJTdHlsZSI6eyIkaWQiOiIxNjMiLCJMaW5lQ29sb3IiOnsiJHJlZiI6IjYzIn0sIkxpbmVXZWlnaHQiOjAuMCwiTGluZVR5cGUiOjAsIlBhcmVudFN0eWxlIjp7IiRyZWYiOiI2MiJ9fSwiUGFyZW50U3R5bGUiOnsiJHJlZiI6IjU5In19LCJUaXRsZVN0eWxlIjp7IiRpZCI6IjE2NCIsIkZvbnRTZXR0aW5ncyI6eyIkaWQiOiIxNjUiLCJGb250U2l6ZSI6MTEsIkZvbnROYW1lIjoiQ2FsaWJyaSIsIklzQm9sZCI6dHJ1ZSwiSXNJdGFsaWMiOmZhbHNlLCJJc1VuZGVybGluZWQiOmZhbHNlLCJQYXJlbnRTdHlsZSI6eyIkcmVmIjoiNjYifX0sIkF1dG9TaXplIjowLCJGb3JlZ3JvdW5kIjp7IiRyZWYiOiI2NyJ9LCJNYXhXaWR0aCI6MjAwLjAsIk1heEhlaWdodCI6IkluZmluaXR5IiwiU21hcnRGb3JlZ3JvdW5kSXNBY3RpdmUiOmZhbHNlLCJIb3Jpem9udGFsQWxpZ25tZW50IjowLCJWZXJ0aWNhbEFsaWdubWVudCI6MCwiU21hcnRGb3JlZ3JvdW5kIjpudWxsLCJNYXJnaW4iOnsiJHJlZiI6IjY5In0sIlBhZGRpbmciOnsiJHJlZiI6IjcwIn0sIkJhY2tncm91bmQiOnsiJHJlZiI6IjcxIn0sIklzVmlzaWJsZSI6dHJ1ZSwiV2lkdGgiOjAuMCwiSGVpZ2h0IjowLjAsIkJvcmRlclN0eWxlIjp7IiRpZCI6IjE2NiIsIkxpbmVDb2xvciI6bnVsbCwiTGluZVdlaWdodCI6MC4wLCJMaW5lVHlwZSI6MCwiUGFyZW50U3R5bGUiOm51bGx9LCJQYXJlbnRTdHlsZSI6eyIkcmVmIjoiNjUifX0sIkRhdGVTdHlsZSI6eyIkaWQiOiIxNjciLCJGb250U2V0dGluZ3MiOnsiJGlkIjoiMTY4IiwiRm9udFNpemUiOjEwLCJGb250TmFtZSI6IkNhbGlicmkiLCJJc0JvbGQiOmZhbHNlLCJJc0l0YWxpYyI6ZmFsc2UsIklzVW5kZXJsaW5lZCI6ZmFsc2UsIlBhcmVudFN0eWxlIjp7IiRyZWYiOiI3MyJ9fSwiQXV0b1NpemUiOjAsIkZvcmVncm91bmQiOnsiJHJlZiI6Ijc0In0sIk1heFdpZHRoIjoyMDAuMCwiTWF4SGVpZ2h0IjoiSW5maW5pdHkiLCJTbWFydEZvcmVncm91bmRJc0FjdGl2ZSI6ZmFsc2UsIkhvcml6b250YWxBbGlnbm1lbnQiOjAsIlZlcnRpY2FsQWxpZ25tZW50IjowLCJTbWFydEZvcmVncm91bmQiOm51bGwsIk1hcmdpbiI6eyIkcmVmIjoiNzYifSwiUGFkZGluZyI6eyIkcmVmIjoiNzcifSwiQmFja2dyb3VuZCI6eyIkcmVmIjoiNzgifSwiSXNWaXNpYmxlIjp0cnVlLCJXaWR0aCI6MC4wLCJIZWlnaHQiOjAuMCwiQm9yZGVyU3R5bGUiOnsiJGlkIjoiMTY5IiwiTGluZUNvbG9yIjpudWxsLCJMaW5lV2VpZ2h0IjowLjAsIkxpbmVUeXBlIjowLCJQYXJlbnRTdHlsZSI6bnVsbH0sIlBhcmVudFN0eWxlIjp7IiRyZWYiOiI3MiJ9fSwiRGF0ZUZvcm1hdCI6eyIkcmVmIjoiNzkifSwiSXNWaXNpYmxlIjp0cnVlLCJQYXJlbnRTdHlsZSI6eyIkcmVmIjoiNTMifX0sIlBvc2l0aW9uIjp7IiRpZCI6IjE3MCIsIlJhdGlvIjowLjAsIklzQ3VzdG9tIjpmYWxzZX0sIklkIjoiMGY0ZGQ5ZGQtZTA5Mi00ZTkzLWI5NTUtNjc4YWM3Nzg0MmFkIiwiSW1wb3J0SWQiOm51bGwsIlRpdGxlIjoiTWF0aHMgb2YgREJOIiwiTm90ZSI6bnVsbCwiSHlwZXJsaW5rIjpudWxsLCJJc0NoYW5nZWQiOmZhbHNlLCJJc05ldyI6ZmFsc2V9LHsiJGlkIjoiMTcxIiwiRGF0ZSI6IjIwMTUtMTItMjVUMjM6NTk6NTkuOTk5WiIsIlN0eWxlIjp7IiRpZCI6IjE3MiIsIlNoYXBlIjoyLCJDb25uZWN0b3JNYXJnaW4iOnsiJHJlZiI6IjU0In0sIkNvbm5lY3RvclN0eWxlIjp7IiRpZCI6IjE3MyIsIkxpbmVDb2xvciI6eyIkaWQiOiIxNzQiLCIkdHlwZSI6Ik5MUkUuQ29tbW9uLkRvbS5Tb2xpZENvbG9yQnJ1c2gsIE5MUkUuQ29tbW9uIiwiQ29sb3IiOnsiJGlkIjoiMTc1IiwiQSI6MTI3LCJSIjoyMzQsIkciOjIyLCJCIjozMH19LCJMaW5lV2VpZ2h0IjoxLjAsIkxpbmVUeXBlIjowLCJQYXJlbnRTdHlsZSI6eyIkcmVmIjoiNTUifX0sIklzQmVsb3dUaW1lYmFuZCI6ZmFsc2UsIkhpZGVEYXRlIjpmYWxzZSwiU2hhcGVTaXplIjoxLCJTcGFjaW5nIjoxLjAsIlBhZGRpbmciOnsiJHJlZiI6IjU4In0sIlNoYXBlU3R5bGUiOnsiJGlkIjoiMTc2IiwiTWFyZ2luIjp7IiRyZWYiOiI2MCJ9LCJQYWRkaW5nIjp7IiRyZWYiOiI2MSJ9LCJCYWNrZ3JvdW5kIjp7IiRpZCI6IjE3NyIsIkNvbG9yIjp7IiRpZCI6IjE3OCIsIkEiOjI1NSwiUiI6MjM0LCJHIjoyMiwiQiI6MzB9fSwiSXNWaXNpYmxlIjp0cnVlLCJXaWR0aCI6MTguMCwiSGVpZ2h0IjoyMC4wLCJCb3JkZXJTdHlsZSI6eyIkaWQiOiIxNzkiLCJMaW5lQ29sb3IiOnsiJHJlZiI6IjYzIn0sIkxpbmVXZWlnaHQiOjAuMCwiTGluZVR5cGUiOjAsIlBhcmVudFN0eWxlIjp7IiRyZWYiOiI2MiJ9fSwiUGFyZW50U3R5bGUiOnsiJHJlZiI6IjU5In19LCJUaXRsZVN0eWxlIjp7IiRpZCI6IjE4MCIsIkZvbnRTZXR0aW5ncyI6eyIkaWQiOiIxODEiLCJGb250U2l6ZSI6MTEsIkZvbnROYW1lIjoiQ2FsaWJyaSIsIklzQm9sZCI6dHJ1ZSwiSXNJdGFsaWMiOmZhbHNlLCJJc1VuZGVybGluZWQiOmZhbHNlLCJQYXJlbnRTdHlsZSI6eyIkcmVmIjoiNjYifX0sIkF1dG9TaXplIjowLCJGb3JlZ3JvdW5kIjp7IiRyZWYiOiI2NyJ9LCJNYXhXaWR0aCI6MjAwLjAsIk1heEhlaWdodCI6IkluZmluaXR5IiwiU21hcnRGb3JlZ3JvdW5kSXNBY3RpdmUiOmZhbHNlLCJIb3Jpem9udGFsQWxpZ25tZW50IjowLCJWZXJ0aWNhbEFsaWdubWVudCI6MCwiU21hcnRGb3JlZ3JvdW5kIjpudWxsLCJNYXJnaW4iOnsiJHJlZiI6IjY5In0sIlBhZGRpbmciOnsiJHJlZiI6IjcwIn0sIkJhY2tncm91bmQiOnsiJHJlZiI6IjcxIn0sIklzVmlzaWJsZSI6dHJ1ZSwiV2lkdGgiOjAuMCwiSGVpZ2h0IjowLjAsIkJvcmRlclN0eWxlIjp7IiRpZCI6IjE4MiIsIkxpbmVDb2xvciI6bnVsbCwiTGluZVdlaWdodCI6MC4wLCJMaW5lVHlwZSI6MCwiUGFyZW50U3R5bGUiOm51bGx9LCJQYXJlbnRTdHlsZSI6eyIkcmVmIjoiNjUifX0sIkRhdGVTdHlsZSI6eyIkaWQiOiIxODMiLCJGb250U2V0dGluZ3MiOnsiJGlkIjoiMTg0IiwiRm9udFNpemUiOjEwLCJGb250TmFtZSI6IkNhbGlicmkiLCJJc0JvbGQiOmZhbHNlLCJJc0l0YWxpYyI6ZmFsc2UsIklzVW5kZXJsaW5lZCI6ZmFsc2UsIlBhcmVudFN0eWxlIjp7IiRyZWYiOiI3MyJ9fSwiQXV0b1NpemUiOjAsIkZvcmVncm91bmQiOnsiJHJlZiI6Ijc0In0sIk1heFdpZHRoIjoyMDAuMCwiTWF4SGVpZ2h0IjoiSW5maW5pdHkiLCJTbWFydEZvcmVncm91bmRJc0FjdGl2ZSI6ZmFsc2UsIkhvcml6b250YWxBbGlnbm1lbnQiOjAsIlZlcnRpY2FsQWxpZ25tZW50IjowLCJTbWFydEZvcmVncm91bmQiOm51bGwsIk1hcmdpbiI6eyIkcmVmIjoiNzYifSwiUGFkZGluZyI6eyIkcmVmIjoiNzcifSwiQmFja2dyb3VuZCI6eyIkcmVmIjoiNzgifSwiSXNWaXNpYmxlIjp0cnVlLCJXaWR0aCI6MC4wLCJIZWlnaHQiOjAuMCwiQm9yZGVyU3R5bGUiOnsiJGlkIjoiMTg1IiwiTGluZUNvbG9yIjpudWxsLCJMaW5lV2VpZ2h0IjowLjAsIkxpbmVUeXBlIjowLCJQYXJlbnRTdHlsZSI6bnVsbH0sIlBhcmVudFN0eWxlIjp7IiRyZWYiOiI3MiJ9fSwiRGF0ZUZvcm1hdCI6eyIkcmVmIjoiNzkifSwiSXNWaXNpYmxlIjp0cnVlLCJQYXJlbnRTdHlsZSI6eyIkcmVmIjoiNTMifX0sIlBvc2l0aW9uIjp7IiRpZCI6IjE4NiIsIlJhdGlvIjowLjI2NzA5NzA2NTMwMTU4OSwiSXNDdXN0b20iOnRydWV9LCJJZCI6ImI3NTM4NTRmLTc1MDMtNDUwMi04MDA3LWVjYWM2NzBhZGFjMSIsIkltcG9ydElkIjpudWxsLCJUaXRsZSI6IlByYXRpY2FsIFRyYWluaW5nIE1ldGhvZHMiLCJOb3RlIjpudWxsLCJIeXBlcmxpbmsiOm51bGwsIklzQ2hhbmdlZCI6ZmFsc2UsIklzTmV3IjpmYWxzZX1dLCJUYXNrcyI6W3siJGlkIjoiMTg3IiwiR3JvdXBOYW1lIjpudWxsLCJTdGFydERhdGUiOiIyMDE1LTEwLTAxVDAwOjAwOjAwWiIsIkVuZERhdGUiOiIyMDE1LTExLTAxVDIzOjU5OjU5Ljk5OVoiLCJQZXJjZW50YWdlQ29tcGxldGUiOm51bGwsIlN0eWxlIjp7IiRpZCI6IjE4OCIsIlNoYXBlIjowLCJTaGFwZVRoaWNrbmVzcyI6MSwiRHVyYXRpb25Gb3JtYXQiOjAsIkluY2x1ZGVOb25Xb3JraW5nRGF5c0luRHVyYXRpb24iOnRydWUsIlBlcmNlbnRhZ2VDb21wbGV0ZVN0eWxlIjp7IiRpZCI6IjE4OSIsIkZvbnRTZXR0aW5ncyI6eyIkaWQiOiIxOTAiLCJGb250U2l6ZSI6MTAsIkZvbnROYW1lIjoiQ2FsaWJyaSIsIklzQm9sZCI6ZmFsc2UsIklzSXRhbGljIjpmYWxzZSwiSXNVbmRlcmxpbmVkIjpmYWxzZSwiUGFyZW50U3R5bGUiOnsiJHJlZiI6IjgyIn19LCJBdXRvU2l6ZSI6MCwiRm9yZWdyb3VuZCI6eyIkcmVmIjoiODMifSwiTWF4V2lkdGgiOjIwMC4wLCJNYXhIZWlnaHQiOiJJbmZpbml0eSIsIlNtYXJ0Rm9yZWdyb3VuZElzQWN0aXZlIjpmYWxzZSwiSG9yaXpvbnRhbEFsaWdubWVudCI6MCwiVmVydGljYWxBbGlnbm1lbnQiOjAsIlNtYXJ0Rm9yZWdyb3VuZCI6bnVsbCwiTWFyZ2luIjp7IiRyZWYiOiI4NSJ9LCJQYWRkaW5nIjp7IiRyZWYiOiI4NiJ9LCJCYWNrZ3JvdW5kIjp7IiRyZWYiOiI4NyJ9LCJJc1Zpc2libGUiOnRydWUsIldpZHRoIjowLjAsIkhlaWdodCI6MC4wLCJCb3JkZXJTdHlsZSI6eyIkaWQiOiIxOTEiLCJMaW5lQ29sb3IiOm51bGwsIkxpbmVXZWlnaHQiOjAuMCwiTGluZVR5cGUiOjAsIlBhcmVudFN0eWxlIjpudWxsfSwiUGFyZW50U3R5bGUiOnsiJHJlZiI6IjgxIn19LCJEdXJhdGlvblN0eWxlIjp7IiRpZCI6IjE5MiIsIkZvbnRTZXR0aW5ncyI6eyIkaWQiOiIxOTMiLCJGb250U2l6ZSI6MTAsIkZvbnROYW1lIjoiQ2FsaWJyaSIsIklzQm9sZCI6ZmFsc2UsIklzSXRhbGljIjpmYWxzZSwiSXNVbmRlcmxpbmVkIjpmYWxzZSwiUGFyZW50U3R5bGUiOnsiJHJlZiI6Ijg5In19LCJBdXRvU2l6ZSI6MCwiRm9yZWdyb3VuZCI6eyIkcmVmIjoiOTAifSwiTWF4V2lkdGgiOjIwMC4wLCJNYXhIZWlnaHQiOiJJbmZpbml0eSIsIlNtYXJ0Rm9yZWdyb3VuZElzQWN0aXZlIjpmYWxzZSwiSG9yaXpvbnRhbEFsaWdubWVudCI6MCwiVmVydGljYWxBbGlnbm1lbnQiOjAsIlNtYXJ0Rm9yZWdyb3VuZCI6bnVsbCwiTWFyZ2luIjp7IiRyZWYiOiI5MiJ9LCJQYWRkaW5nIjp7IiRyZWYiOiI5MyJ9LCJCYWNrZ3JvdW5kIjp7IiRyZWYiOiI5NCJ9LCJJc1Zpc2libGUiOnRydWUsIldpZHRoIjowLjAsIkhlaWdodCI6MC4wLCJCb3JkZXJTdHlsZSI6eyIkaWQiOiIxOTQiLCJMaW5lQ29sb3IiOm51bGwsIkxpbmVXZWlnaHQiOjAuMCwiTGluZVR5cGUiOjAsIlBhcmVudFN0eWxlIjpudWxsfSwiUGFyZW50U3R5bGUiOnsiJHJlZiI6Ijg4In19LCJIb3Jpem9udGFsQ29ubmVjdG9yU3R5bGUiOnsiJGlkIjoiMTk1IiwiTGluZUNvbG9yIjp7IiRyZWYiOiI5NiJ9LCJMaW5lV2VpZ2h0IjoxLjAsIkxpbmVUeXBlIjowLCJQYXJlbnRTdHlsZSI6eyIkcmVmIjoiOTUifX0sIlZlcnRpY2FsQ29ubmVjdG9yU3R5bGUiOnsiJGlkIjoiMTk2IiwiTGluZUNvbG9yIjp7IiRyZWYiOiI5OSJ9LCJMaW5lV2VpZ2h0IjowLjAsIkxpbmVUeXBlIjowLCJQYXJlbnRTdHlsZSI6eyIkcmVmIjoiOTgifX0sIk1hcmdpbiI6bnVsbCwiU3RhcnREYXRlUG9zaXRpb24iOjQsIkVuZERhdGVQb3NpdGlvbiI6NCwiVGl0bGVQb3NpdGlvbiI6NSwiRHVyYXRpb25Qb3NpdGlvbiI6NiwiUGVyY2VudGFnZUNvbXBsZXRlZFBvc2l0aW9uIjo2LCJTcGFjaW5nIjo1LCJJc0JlbG93VGltZWJhbmQiOnRydWUsIlBlcmNlbnRhZ2VDb21wbGV0ZVNoYXBlT3BhY2l0eSI6MzUsIlNoYXBlU3R5bGUiOnsiJGlkIjoiMTk3IiwiTWFyZ2luIjp7IiRyZWYiOiIxMDIifSwiUGFkZGluZyI6eyIkcmVmIjoiMTAzIn0sIkJhY2tncm91bmQiOnsiJGlkIjoiMTk4IiwiQ29sb3IiOnsiJGlkIjoiMTk5IiwiQSI6MjU1LCJSIjoxNTAsIkciOjIxNCwiQiI6NjZ9fSwiSXNWaXNpYmxlIjp0cnVlLCJXaWR0aCI6MC4wLCJIZWlnaHQiOjE2LjAsIkJvcmRlclN0eWxlIjp7IiRpZCI6IjIwMCIsIkxpbmVDb2xvciI6eyIkcmVmIjoiMTA1In0sIkxpbmVXZWlnaHQiOjAuMCwiTGluZVR5cGUiOjAsIlBhcmVudFN0eWxlIjp7IiRyZWYiOiIxMDQifX0sIlBhcmVudFN0eWxlIjp7IiRyZWYiOiIxMDEifX0sIlRpdGxlU3R5bGUiOnsiJGlkIjoiMjAxIiwiRm9udFNldHRpbmdzIjp7IiRpZCI6IjIwMiIsIkZvbnRTaXplIjoxMSwiRm9udE5hbWUiOiJDYWxpYnJpIiwiSXNCb2xkIjp0cnVlLCJJc0l0YWxpYyI6ZmFsc2UsIklzVW5kZXJsaW5lZCI6ZmFsc2UsIlBhcmVudFN0eWxlIjp7IiRyZWYiOiIxMDgifX0sIkF1dG9TaXplIjowLCJGb3JlZ3JvdW5kIjp7IiRyZWYiOiIxMDkifSwiTWF4V2lkdGgiOjcyMC4wLCJNYXhIZWlnaHQiOiJJbmZpbml0eSIsIlNtYXJ0Rm9yZWdyb3VuZElzQWN0aXZlIjpmYWxzZSwiSG9yaXpvbnRhbEFsaWdubWVudCI6MCwiVmVydGljYWxBbGlnbm1lbnQiOjAsIlNtYXJ0Rm9yZWdyb3VuZCI6bnVsbCwiTWFyZ2luIjp7IiRyZWYiOiIxMTEifSwiUGFkZGluZyI6eyIkcmVmIjoiMTEyIn0sIkJhY2tncm91bmQiOnsiJHJlZiI6IjExMyJ9LCJJc1Zpc2libGUiOnRydWUsIldpZHRoIjowLjAsIkhlaWdodCI6MC4wLCJCb3JkZXJTdHlsZSI6eyIkaWQiOiIyMDMiLCJMaW5lQ29sb3IiOm51bGwsIkxpbmVXZWlnaHQiOjAuMCwiTGluZVR5cGUiOjAsIlBhcmVudFN0eWxlIjpudWxsfSwiUGFyZW50U3R5bGUiOnsiJHJlZiI6IjEwNyJ9fSwiRGF0ZVN0eWxlIjp7IiRpZCI6IjIwNCIsIkZvbnRTZXR0aW5ncyI6eyIkaWQiOiIyMDUiLCJGb250U2l6ZSI6MTAsIkZvbnROYW1lIjoiQ2FsaWJyaSIsIklzQm9sZCI6ZmFsc2UsIklzSXRhbGljIjpmYWxzZSwiSXNVbmRlcmxpbmVkIjpmYWxzZSwiUGFyZW50U3R5bGUiOnsiJHJlZiI6IjExNSJ9fSwiQXV0b1NpemUiOjAsIkZvcmVncm91bmQiOnsiJHJlZiI6IjExNiJ9LCJNYXhXaWR0aCI6MjAwLjAsIk1heEhlaWdodCI6IkluZmluaXR5IiwiU21hcnRGb3JlZ3JvdW5kSXNBY3RpdmUiOmZhbHNlLCJIb3Jpem9udGFsQWxpZ25tZW50IjowLCJWZXJ0aWNhbEFsaWdubWVudCI6MCwiU21hcnRGb3JlZ3JvdW5kIjpudWxsLCJNYXJnaW4iOnsiJHJlZiI6IjExOCJ9LCJQYWRkaW5nIjp7IiRyZWYiOiIxMTkifSwiQmFja2dyb3VuZCI6eyIkcmVmIjoiMTIwIn0sIklzVmlzaWJsZSI6dHJ1ZSwiV2lkdGgiOjAuMCwiSGVpZ2h0IjowLjAsIkJvcmRlclN0eWxlIjp7IiRpZCI6IjIwNiIsIkxpbmVDb2xvciI6bnVsbCwiTGluZVdlaWdodCI6MC4wLCJMaW5lVHlwZSI6MCwiUGFyZW50U3R5bGUiOm51bGx9LCJQYXJlbnRTdHlsZSI6eyIkcmVmIjoiMTE0In19LCJEYXRlRm9ybWF0Ijp7IiRyZWYiOiIxMjEifSwiSXNWaXNpYmxlIjp0cnVlLCJQYXJlbnRTdHlsZSI6eyIkcmVmIjoiODAifX0sIkluZGV4IjoxLCJJZCI6ImFmOGFiYTY2LTk0ODQtNGYyNi1iOTI5LTI5ZGQxNmFmMTNiYiIsIkltcG9ydElkIjpudWxsLCJUaXRsZSI6IlJCTSIsIk5vdGUiOm51bGwsIkh5cGVybGluayI6bnVsbCwiSXNDaGFuZ2VkIjpmYWxzZSwiSXNOZXciOmZhbHNlfSx7IiRpZCI6IjIwNyIsIkdyb3VwTmFtZSI6bnVsbCwiU3RhcnREYXRlIjoiMjAxNS0xMS0wMVQwMDowMDowMFoiLCJFbmREYXRlIjoiMjAxNS0xMi0wMVQyMzo1OTo1OS45OTlaIiwiUGVyY2VudGFnZUNvbXBsZXRlIjpudWxsLCJTdHlsZSI6eyIkaWQiOiIyMDgiLCJTaGFwZSI6MCwiU2hhcGVUaGlja25lc3MiOjEsIkR1cmF0aW9uRm9ybWF0IjowLCJJbmNsdWRlTm9uV29ya2luZ0RheXNJbkR1cmF0aW9uIjp0cnVlLCJQZXJjZW50YWdlQ29tcGxldGVTdHlsZSI6eyIkaWQiOiIyMDkiLCJGb250U2V0dGluZ3MiOnsiJGlkIjoiMjEwIiwiRm9udFNpemUiOjEwLCJGb250TmFtZSI6IkNhbGlicmkiLCJJc0JvbGQiOmZhbHNlLCJJc0l0YWxpYyI6ZmFsc2UsIklzVW5kZXJsaW5lZCI6ZmFsc2UsIlBhcmVudFN0eWxlIjp7IiRyZWYiOiI4MiJ9fSwiQXV0b1NpemUiOjAsIkZvcmVncm91bmQiOnsiJHJlZiI6IjgzIn0sIk1heFdpZHRoIjoyMDAuMCwiTWF4SGVpZ2h0IjoiSW5maW5pdHkiLCJTbWFydEZvcmVncm91bmRJc0FjdGl2ZSI6ZmFsc2UsIkhvcml6b250YWxBbGlnbm1lbnQiOjAsIlZlcnRpY2FsQWxpZ25tZW50IjowLCJTbWFydEZvcmVncm91bmQiOm51bGwsIk1hcmdpbiI6eyIkcmVmIjoiODUifSwiUGFkZGluZyI6eyIkcmVmIjoiODYifSwiQmFja2dyb3VuZCI6eyIkcmVmIjoiODcifSwiSXNWaXNpYmxlIjp0cnVlLCJXaWR0aCI6MC4wLCJIZWlnaHQiOjAuMCwiQm9yZGVyU3R5bGUiOnsiJGlkIjoiMjExIiwiTGluZUNvbG9yIjpudWxsLCJMaW5lV2VpZ2h0IjowLjAsIkxpbmVUeXBlIjowLCJQYXJlbnRTdHlsZSI6bnVsbH0sIlBhcmVudFN0eWxlIjp7IiRyZWYiOiI4MSJ9fSwiRHVyYXRpb25TdHlsZSI6eyIkaWQiOiIyMTIiLCJGb250U2V0dGluZ3MiOnsiJGlkIjoiMjEzIiwiRm9udFNpemUiOjEwLCJGb250TmFtZSI6IkNhbGlicmkiLCJJc0JvbGQiOmZhbHNlLCJJc0l0YWxpYyI6ZmFsc2UsIklzVW5kZXJsaW5lZCI6ZmFsc2UsIlBhcmVudFN0eWxlIjp7IiRyZWYiOiI4OSJ9fSwiQXV0b1NpemUiOjAsIkZvcmVncm91bmQiOnsiJHJlZiI6IjkwIn0sIk1heFdpZHRoIjoyMDAuMCwiTWF4SGVpZ2h0IjoiSW5maW5pdHkiLCJTbWFydEZvcmVncm91bmRJc0FjdGl2ZSI6ZmFsc2UsIkhvcml6b250YWxBbGlnbm1lbnQiOjAsIlZlcnRpY2FsQWxpZ25tZW50IjowLCJTbWFydEZvcmVncm91bmQiOm51bGwsIk1hcmdpbiI6eyIkcmVmIjoiOTIifSwiUGFkZGluZyI6eyIkcmVmIjoiOTMifSwiQmFja2dyb3VuZCI6eyIkcmVmIjoiOTQifSwiSXNWaXNpYmxlIjp0cnVlLCJXaWR0aCI6MC4wLCJIZWlnaHQiOjAuMCwiQm9yZGVyU3R5bGUiOnsiJGlkIjoiMjE0IiwiTGluZUNvbG9yIjpudWxsLCJMaW5lV2VpZ2h0IjowLjAsIkxpbmVUeXBlIjowLCJQYXJlbnRTdHlsZSI6bnVsbH0sIlBhcmVudFN0eWxlIjp7IiRyZWYiOiI4OCJ9fSwiSG9yaXpvbnRhbENvbm5lY3RvclN0eWxlIjp7IiRpZCI6IjIxNSIsIkxpbmVDb2xvciI6eyIkcmVmIjoiOTYifSwiTGluZVdlaWdodCI6MS4wLCJMaW5lVHlwZSI6MCwiUGFyZW50U3R5bGUiOnsiJHJlZiI6Ijk1In19LCJWZXJ0aWNhbENvbm5lY3RvclN0eWxlIjp7IiRpZCI6IjIxNiIsIkxpbmVDb2xvciI6eyIkcmVmIjoiOTkifSwiTGluZVdlaWdodCI6MC4wLCJMaW5lVHlwZSI6MCwiUGFyZW50U3R5bGUiOnsiJHJlZiI6Ijk4In19LCJNYXJnaW4iOm51bGwsIlN0YXJ0RGF0ZVBvc2l0aW9uIjo0LCJFbmREYXRlUG9zaXRpb24iOjQsIlRpdGxlUG9zaXRpb24iOjUsIkR1cmF0aW9uUG9zaXRpb24iOjYsIlBlcmNlbnRhZ2VDb21wbGV0ZWRQb3NpdGlvbiI6NiwiU3BhY2luZyI6NSwiSXNCZWxvd1RpbWViYW5kIjp0cnVlLCJQZXJjZW50YWdlQ29tcGxldGVTaGFwZU9wYWNpdHkiOjM1LCJTaGFwZVN0eWxlIjp7IiRpZCI6IjIxNyIsIk1hcmdpbiI6eyIkcmVmIjoiMTAyIn0sIlBhZGRpbmciOnsiJHJlZiI6IjEwMyJ9LCJCYWNrZ3JvdW5kIjp7IiRpZCI6IjIxOCIsIkNvbG9yIjp7IiRpZCI6IjIxOSIsIkEiOjI1NSwiUiI6MTUwLCJHIjoyMTQsIkIiOjY2fX0sIklzVmlzaWJsZSI6dHJ1ZSwiV2lkdGgiOjAuMCwiSGVpZ2h0IjoxNi4wLCJCb3JkZXJTdHlsZSI6eyIkaWQiOiIyMjAiLCJMaW5lQ29sb3IiOnsiJHJlZiI6IjEwNSJ9LCJMaW5lV2VpZ2h0IjowLjAsIkxpbmVUeXBlIjowLCJQYXJlbnRTdHlsZSI6eyIkcmVmIjoiMTA0In19LCJQYXJlbnRTdHlsZSI6eyIkcmVmIjoiMTAxIn19LCJUaXRsZVN0eWxlIjp7IiRpZCI6IjIyMSIsIkZvbnRTZXR0aW5ncyI6eyIkaWQiOiIyMjIiLCJGb250U2l6ZSI6MTEsIkZvbnROYW1lIjoiQ2FsaWJyaSIsIklzQm9sZCI6dHJ1ZSwiSXNJdGFsaWMiOmZhbHNlLCJJc1VuZGVybGluZWQiOmZhbHNlLCJQYXJlbnRTdHlsZSI6eyIkcmVmIjoiMTA4In19LCJBdXRvU2l6ZSI6MCwiRm9yZWdyb3VuZCI6eyIkcmVmIjoiMTA5In0sIk1heFdpZHRoIjo3MjAuMCwiTWF4SGVpZ2h0IjoiSW5maW5pdHkiLCJTbWFydEZvcmVncm91bmRJc0FjdGl2ZSI6ZmFsc2UsIkhvcml6b250YWxBbGlnbm1lbnQiOjAsIlZlcnRpY2FsQWxpZ25tZW50IjowLCJTbWFydEZvcmVncm91bmQiOm51bGwsIk1hcmdpbiI6eyIkcmVmIjoiMTExIn0sIlBhZGRpbmciOnsiJHJlZiI6IjExMiJ9LCJCYWNrZ3JvdW5kIjp7IiRyZWYiOiIxMTMifSwiSXNWaXNpYmxlIjp0cnVlLCJXaWR0aCI6MC4wLCJIZWlnaHQiOjAuMCwiQm9yZGVyU3R5bGUiOnsiJGlkIjoiMjIzIiwiTGluZUNvbG9yIjpudWxsLCJMaW5lV2VpZ2h0IjowLjAsIkxpbmVUeXBlIjowLCJQYXJlbnRTdHlsZSI6bnVsbH0sIlBhcmVudFN0eWxlIjp7IiRyZWYiOiIxMDcifX0sIkRhdGVTdHlsZSI6eyIkaWQiOiIyMjQiLCJGb250U2V0dGluZ3MiOnsiJGlkIjoiMjI1IiwiRm9udFNpemUiOjEwLCJGb250TmFtZSI6IkNhbGlicmkiLCJJc0JvbGQiOmZhbHNlLCJJc0l0YWxpYyI6ZmFsc2UsIklzVW5kZXJsaW5lZCI6ZmFsc2UsIlBhcmVudFN0eWxlIjp7IiRyZWYiOiIxMTUifX0sIkF1dG9TaXplIjowLCJGb3JlZ3JvdW5kIjp7IiRyZWYiOiIxMTYifSwiTWF4V2lkdGgiOjIwMC4wLCJNYXhIZWlnaHQiOiJJbmZpbml0eSIsIlNtYXJ0Rm9yZWdyb3VuZElzQWN0aXZlIjpmYWxzZSwiSG9yaXpvbnRhbEFsaWdubWVudCI6MCwiVmVydGljYWxBbGlnbm1lbnQiOjAsIlNtYXJ0Rm9yZWdyb3VuZCI6bnVsbCwiTWFyZ2luIjp7IiRyZWYiOiIxMTgifSwiUGFkZGluZyI6eyIkcmVmIjoiMTE5In0sIkJhY2tncm91bmQiOnsiJHJlZiI6IjEyMCJ9LCJJc1Zpc2libGUiOnRydWUsIldpZHRoIjowLjAsIkhlaWdodCI6MC4wLCJCb3JkZXJTdHlsZSI6eyIkaWQiOiIyMjYiLCJMaW5lQ29sb3IiOm51bGwsIkxpbmVXZWlnaHQiOjAuMCwiTGluZVR5cGUiOjAsIlBhcmVudFN0eWxlIjpudWxsfSwiUGFyZW50U3R5bGUiOnsiJHJlZiI6IjExNCJ9fSwiRGF0ZUZvcm1hdCI6eyIkcmVmIjoiMTIxIn0sIklzVmlzaWJsZSI6dHJ1ZSwiUGFyZW50U3R5bGUiOnsiJHJlZiI6IjgwIn19LCJJbmRleCI6MiwiSWQiOiIyMzVlNDZmNC03NDE2LTRkMDYtYTA1My02N2E0OWQ1MDI2YTgiLCJJbXBvcnRJZCI6bnVsbCwiVGl0bGUiOiJEQk4iLCJOb3RlIjpudWxsLCJIeXBlcmxpbmsiOm51bGwsIklzQ2hhbmdlZCI6ZmFsc2UsIklzTmV3IjpmYWxzZX0seyIkaWQiOiIyMjciLCJHcm91cE5hbWUiOm51bGwsIlN0YXJ0RGF0ZSI6IjIwMTUtMTItMDFUMDA6MDA6MDBaIiwiRW5kRGF0ZSI6IjIwMTYtMDMtMDFUMjM6NTk6NTkuOTk5WiIsIlBlcmNlbnRhZ2VDb21wbGV0ZSI6bnVsbCwiU3R5bGUiOnsiJGlkIjoiMjI4IiwiU2hhcGUiOjAsIlNoYXBlVGhpY2tuZXNzIjoxLCJEdXJhdGlvbkZvcm1hdCI6MCwiSW5jbHVkZU5vbldvcmtpbmdEYXlzSW5EdXJhdGlvbiI6dHJ1ZSwiUGVyY2VudGFnZUNvbXBsZXRlU3R5bGUiOnsiJGlkIjoiMjI5IiwiRm9udFNldHRpbmdzIjp7IiRpZCI6IjIzMCIsIkZvbnRTaXplIjoxMCwiRm9udE5hbWUiOiJDYWxpYnJpIiwiSXNCb2xkIjpmYWxzZSwiSXNJdGFsaWMiOmZhbHNlLCJJc1VuZGVybGluZWQiOmZhbHNlLCJQYXJlbnRTdHlsZSI6eyIkcmVmIjoiODIifX0sIkF1dG9TaXplIjowLCJGb3JlZ3JvdW5kIjp7IiRyZWYiOiI4MyJ9LCJNYXhXaWR0aCI6MjAwLjAsIk1heEhlaWdodCI6IkluZmluaXR5IiwiU21hcnRGb3JlZ3JvdW5kSXNBY3RpdmUiOmZhbHNlLCJIb3Jpem9udGFsQWxpZ25tZW50IjowLCJWZXJ0aWNhbEFsaWdubWVudCI6MCwiU21hcnRGb3JlZ3JvdW5kIjpudWxsLCJNYXJnaW4iOnsiJHJlZiI6Ijg1In0sIlBhZGRpbmciOnsiJHJlZiI6Ijg2In0sIkJhY2tncm91bmQiOnsiJHJlZiI6Ijg3In0sIklzVmlzaWJsZSI6dHJ1ZSwiV2lkdGgiOjAuMCwiSGVpZ2h0IjowLjAsIkJvcmRlclN0eWxlIjp7IiRpZCI6IjIzMSIsIkxpbmVDb2xvciI6bnVsbCwiTGluZVdlaWdodCI6MC4wLCJMaW5lVHlwZSI6MCwiUGFyZW50U3R5bGUiOm51bGx9LCJQYXJlbnRTdHlsZSI6eyIkcmVmIjoiODEifX0sIkR1cmF0aW9uU3R5bGUiOnsiJGlkIjoiMjMyIiwiRm9udFNldHRpbmdzIjp7IiRpZCI6IjIzMyIsIkZvbnRTaXplIjoxMCwiRm9udE5hbWUiOiJDYWxpYnJpIiwiSXNCb2xkIjpmYWxzZSwiSXNJdGFsaWMiOmZhbHNlLCJJc1VuZGVybGluZWQiOmZhbHNlLCJQYXJlbnRTdHlsZSI6eyIkcmVmIjoiODkifX0sIkF1dG9TaXplIjowLCJGb3JlZ3JvdW5kIjp7IiRyZWYiOiI5MCJ9LCJNYXhXaWR0aCI6MjAwLjAsIk1heEhlaWdodCI6IkluZmluaXR5IiwiU21hcnRGb3JlZ3JvdW5kSXNBY3RpdmUiOmZhbHNlLCJIb3Jpem9udGFsQWxpZ25tZW50IjowLCJWZXJ0aWNhbEFsaWdubWVudCI6MCwiU21hcnRGb3JlZ3JvdW5kIjpudWxsLCJNYXJnaW4iOnsiJHJlZiI6IjkyIn0sIlBhZGRpbmciOnsiJHJlZiI6IjkzIn0sIkJhY2tncm91bmQiOnsiJHJlZiI6Ijk0In0sIklzVmlzaWJsZSI6dHJ1ZSwiV2lkdGgiOjAuMCwiSGVpZ2h0IjowLjAsIkJvcmRlclN0eWxlIjp7IiRpZCI6IjIzNCIsIkxpbmVDb2xvciI6bnVsbCwiTGluZVdlaWdodCI6MC4wLCJMaW5lVHlwZSI6MCwiUGFyZW50U3R5bGUiOm51bGx9LCJQYXJlbnRTdHlsZSI6eyIkcmVmIjoiODgifX0sIkhvcml6b250YWxDb25uZWN0b3JTdHlsZSI6eyIkaWQiOiIyMzUiLCJMaW5lQ29sb3IiOnsiJHJlZiI6Ijk2In0sIkxpbmVXZWlnaHQiOjEuMCwiTGluZVR5cGUiOjAsIlBhcmVudFN0eWxlIjp7IiRyZWYiOiI5NSJ9fSwiVmVydGljYWxDb25uZWN0b3JTdHlsZSI6eyIkaWQiOiIyMzYiLCJMaW5lQ29sb3IiOnsiJHJlZiI6Ijk5In0sIkxpbmVXZWlnaHQiOjAuMCwiTGluZVR5cGUiOjAsIlBhcmVudFN0eWxlIjp7IiRyZWYiOiI5OCJ9fSwiTWFyZ2luIjpudWxsLCJTdGFydERhdGVQb3NpdGlvbiI6NCwiRW5kRGF0ZVBvc2l0aW9uIjo0LCJUaXRsZVBvc2l0aW9uIjo1LCJEdXJhdGlvblBvc2l0aW9uIjo2LCJQZXJjZW50YWdlQ29tcGxldGVkUG9zaXRpb24iOjYsIlNwYWNpbmciOjUsIklzQmVsb3dUaW1lYmFuZCI6dHJ1ZSwiUGVyY2VudGFnZUNvbXBsZXRlU2hhcGVPcGFjaXR5IjozNSwiU2hhcGVTdHlsZSI6eyIkaWQiOiIyMzciLCJNYXJnaW4iOnsiJHJlZiI6IjEwMiJ9LCJQYWRkaW5nIjp7IiRyZWYiOiIxMDMifSwiQmFja2dyb3VuZCI6eyIkaWQiOiIyMzgiLCJDb2xvciI6eyIkaWQiOiIyMzkiLCJBIjoyNTUsIlIiOjQ3LCJHIjo1NCwiQiI6MTUzfX0sIklzVmlzaWJsZSI6dHJ1ZSwiV2lkdGgiOjAuMCwiSGVpZ2h0IjoxNi4wLCJCb3JkZXJTdHlsZSI6eyIkaWQiOiIyNDAiLCJMaW5lQ29sb3IiOnsiJHJlZiI6IjEwNSJ9LCJMaW5lV2VpZ2h0IjowLjAsIkxpbmVUeXBlIjowLCJQYXJlbnRTdHlsZSI6eyIkcmVmIjoiMTA0In19LCJQYXJlbnRTdHlsZSI6eyIkcmVmIjoiMTAxIn19LCJUaXRsZVN0eWxlIjp7IiRpZCI6IjI0MSIsIkZvbnRTZXR0aW5ncyI6eyIkaWQiOiIyNDIiLCJGb250U2l6ZSI6MTEsIkZvbnROYW1lIjoiQ2FsaWJyaSIsIklzQm9sZCI6dHJ1ZSwiSXNJdGFsaWMiOmZhbHNlLCJJc1VuZGVybGluZWQiOmZhbHNlLCJQYXJlbnRTdHlsZSI6eyIkcmVmIjoiMTA4In19LCJBdXRvU2l6ZSI6MCwiRm9yZWdyb3VuZCI6eyIkcmVmIjoiMTA5In0sIk1heFdpZHRoIjo3MjAuMCwiTWF4SGVpZ2h0IjoiSW5maW5pdHkiLCJTbWFydEZvcmVncm91bmRJc0FjdGl2ZSI6ZmFsc2UsIkhvcml6b250YWxBbGlnbm1lbnQiOjAsIlZlcnRpY2FsQWxpZ25tZW50IjowLCJTbWFydEZvcmVncm91bmQiOm51bGwsIk1hcmdpbiI6eyIkcmVmIjoiMTExIn0sIlBhZGRpbmciOnsiJHJlZiI6IjExMiJ9LCJCYWNrZ3JvdW5kIjp7IiRyZWYiOiIxMTMifSwiSXNWaXNpYmxlIjp0cnVlLCJXaWR0aCI6MC4wLCJIZWlnaHQiOjAuMCwiQm9yZGVyU3R5bGUiOnsiJGlkIjoiMjQzIiwiTGluZUNvbG9yIjpudWxsLCJMaW5lV2VpZ2h0IjowLjAsIkxpbmVUeXBlIjowLCJQYXJlbnRTdHlsZSI6bnVsbH0sIlBhcmVudFN0eWxlIjp7IiRyZWYiOiIxMDcifX0sIkRhdGVTdHlsZSI6eyIkaWQiOiIyNDQiLCJGb250U2V0dGluZ3MiOnsiJGlkIjoiMjQ1IiwiRm9udFNpemUiOjEwLCJGb250TmFtZSI6IkNhbGlicmkiLCJJc0JvbGQiOmZhbHNlLCJJc0l0YWxpYyI6ZmFsc2UsIklzVW5kZXJsaW5lZCI6ZmFsc2UsIlBhcmVudFN0eWxlIjp7IiRyZWYiOiIxMTUifX0sIkF1dG9TaXplIjowLCJGb3JlZ3JvdW5kIjp7IiRyZWYiOiIxMTYifSwiTWF4V2lkdGgiOjIwMC4wLCJNYXhIZWlnaHQiOiJJbmZpbml0eSIsIlNtYXJ0Rm9yZWdyb3VuZElzQWN0aXZlIjpmYWxzZSwiSG9yaXpvbnRhbEFsaWdubWVudCI6MCwiVmVydGljYWxBbGlnbm1lbnQiOjAsIlNtYXJ0Rm9yZWdyb3VuZCI6bnVsbCwiTWFyZ2luIjp7IiRyZWYiOiIxMTgifSwiUGFkZGluZyI6eyIkcmVmIjoiMTE5In0sIkJhY2tncm91bmQiOnsiJHJlZiI6IjEyMCJ9LCJJc1Zpc2libGUiOnRydWUsIldpZHRoIjowLjAsIkhlaWdodCI6MC4wLCJCb3JkZXJTdHlsZSI6eyIkaWQiOiIyNDYiLCJMaW5lQ29sb3IiOm51bGwsIkxpbmVXZWlnaHQiOjAuMCwiTGluZVR5cGUiOjAsIlBhcmVudFN0eWxlIjpudWxsfSwiUGFyZW50U3R5bGUiOnsiJHJlZiI6IjExNCJ9fSwiRGF0ZUZvcm1hdCI6eyIkcmVmIjoiMTIxIn0sIklzVmlzaWJsZSI6dHJ1ZSwiUGFyZW50U3R5bGUiOnsiJHJlZiI6IjgwIn19LCJJbmRleCI6MywiSWQiOiI3N2ViMjJlNy1jZDBiLTRkYzItOTlhNC0yMDBkN2I3ZjEyZWIiLCJJbXBvcnRJZCI6bnVsbCwiVGl0bGUiOiJTUkJNIiwiTm90ZSI6bnVsbCwiSHlwZXJsaW5rIjpudWxsLCJJc0NoYW5nZWQiOmZhbHNlLCJJc05ldyI6ZmFsc2V9LHsiJGlkIjoiMjQ3IiwiR3JvdXBOYW1lIjpudWxsLCJTdGFydERhdGUiOiIyMDE2LTAzLTAxVDAwOjAwOjAwWiIsIkVuZERhdGUiOiIyMDE2LTA2LTAxVDIzOjU5OjU5Ljk5OVoiLCJQZXJjZW50YWdlQ29tcGxldGUiOm51bGwsIlN0eWxlIjp7IiRpZCI6IjI0OCIsIlNoYXBlIjowLCJTaGFwZVRoaWNrbmVzcyI6MSwiRHVyYXRpb25Gb3JtYXQiOjAsIkluY2x1ZGVOb25Xb3JraW5nRGF5c0luRHVyYXRpb24iOnRydWUsIlBlcmNlbnRhZ2VDb21wbGV0ZVN0eWxlIjp7IiRpZCI6IjI0OSIsIkZvbnRTZXR0aW5ncyI6eyIkaWQiOiIyNTAiLCJGb250U2l6ZSI6MTAsIkZvbnROYW1lIjoiQ2FsaWJyaSIsIklzQm9sZCI6ZmFsc2UsIklzSXRhbGljIjpmYWxzZSwiSXNVbmRlcmxpbmVkIjpmYWxzZSwiUGFyZW50U3R5bGUiOnsiJHJlZiI6IjgyIn19LCJBdXRvU2l6ZSI6MCwiRm9yZWdyb3VuZCI6eyIkcmVmIjoiODMifSwiTWF4V2lkdGgiOjIwMC4wLCJNYXhIZWlnaHQiOiJJbmZpbml0eSIsIlNtYXJ0Rm9yZWdyb3VuZElzQWN0aXZlIjpmYWxzZSwiSG9yaXpvbnRhbEFsaWdubWVudCI6MCwiVmVydGljYWxBbGlnbm1lbnQiOjAsIlNtYXJ0Rm9yZWdyb3VuZCI6bnVsbCwiTWFyZ2luIjp7IiRyZWYiOiI4NSJ9LCJQYWRkaW5nIjp7IiRyZWYiOiI4NiJ9LCJCYWNrZ3JvdW5kIjp7IiRyZWYiOiI4NyJ9LCJJc1Zpc2libGUiOnRydWUsIldpZHRoIjowLjAsIkhlaWdodCI6MC4wLCJCb3JkZXJTdHlsZSI6eyIkaWQiOiIyNTEiLCJMaW5lQ29sb3IiOm51bGwsIkxpbmVXZWlnaHQiOjAuMCwiTGluZVR5cGUiOjAsIlBhcmVudFN0eWxlIjpudWxsfSwiUGFyZW50U3R5bGUiOnsiJHJlZiI6IjgxIn19LCJEdXJhdGlvblN0eWxlIjp7IiRpZCI6IjI1MiIsIkZvbnRTZXR0aW5ncyI6eyIkaWQiOiIyNTMiLCJGb250U2l6ZSI6MTAsIkZvbnROYW1lIjoiQ2FsaWJyaSIsIklzQm9sZCI6ZmFsc2UsIklzSXRhbGljIjpmYWxzZSwiSXNVbmRlcmxpbmVkIjpmYWxzZSwiUGFyZW50U3R5bGUiOnsiJHJlZiI6Ijg5In19LCJBdXRvU2l6ZSI6MCwiRm9yZWdyb3VuZCI6eyIkcmVmIjoiOTAifSwiTWF4V2lkdGgiOjIwMC4wLCJNYXhIZWlnaHQiOiJJbmZpbml0eSIsIlNtYXJ0Rm9yZWdyb3VuZElzQWN0aXZlIjpmYWxzZSwiSG9yaXpvbnRhbEFsaWdubWVudCI6MCwiVmVydGljYWxBbGlnbm1lbnQiOjAsIlNtYXJ0Rm9yZWdyb3VuZCI6bnVsbCwiTWFyZ2luIjp7IiRyZWYiOiI5MiJ9LCJQYWRkaW5nIjp7IiRyZWYiOiI5MyJ9LCJCYWNrZ3JvdW5kIjp7IiRyZWYiOiI5NCJ9LCJJc1Zpc2libGUiOnRydWUsIldpZHRoIjowLjAsIkhlaWdodCI6MC4wLCJCb3JkZXJTdHlsZSI6eyIkaWQiOiIyNTQiLCJMaW5lQ29sb3IiOm51bGwsIkxpbmVXZWlnaHQiOjAuMCwiTGluZVR5cGUiOjAsIlBhcmVudFN0eWxlIjpudWxsfSwiUGFyZW50U3R5bGUiOnsiJHJlZiI6Ijg4In19LCJIb3Jpem9udGFsQ29ubmVjdG9yU3R5bGUiOnsiJGlkIjoiMjU1IiwiTGluZUNvbG9yIjp7IiRyZWYiOiI5NiJ9LCJMaW5lV2VpZ2h0IjoxLjAsIkxpbmVUeXBlIjowLCJQYXJlbnRTdHlsZSI6eyIkcmVmIjoiOTUifX0sIlZlcnRpY2FsQ29ubmVjdG9yU3R5bGUiOnsiJGlkIjoiMjU2IiwiTGluZUNvbG9yIjp7IiRyZWYiOiI5OSJ9LCJMaW5lV2VpZ2h0IjowLjAsIkxpbmVUeXBlIjowLCJQYXJlbnRTdHlsZSI6eyIkcmVmIjoiOTgifX0sIk1hcmdpbiI6bnVsbCwiU3RhcnREYXRlUG9zaXRpb24iOjQsIkVuZERhdGVQb3NpdGlvbiI6NCwiVGl0bGVQb3NpdGlvbiI6NSwiRHVyYXRpb25Qb3NpdGlvbiI6NiwiUGVyY2VudGFnZUNvbXBsZXRlZFBvc2l0aW9uIjo2LCJTcGFjaW5nIjo1LCJJc0JlbG93VGltZWJhbmQiOnRydWUsIlBlcmNlbnRhZ2VDb21wbGV0ZVNoYXBlT3BhY2l0eSI6MzUsIlNoYXBlU3R5bGUiOnsiJGlkIjoiMjU3IiwiTWFyZ2luIjp7IiRyZWYiOiIxMDIifSwiUGFkZGluZyI6eyIkcmVmIjoiMTAzIn0sIkJhY2tncm91bmQiOnsiJGlkIjoiMjU4IiwiQ29sb3IiOnsiJGlkIjoiMjU5IiwiQSI6MjU1LCJSIjo0NywiRyI6NTQsIkIiOjE1M319LCJJc1Zpc2libGUiOnRydWUsIldpZHRoIjowLjAsIkhlaWdodCI6MTYuMCwiQm9yZGVyU3R5bGUiOnsiJGlkIjoiMjYwIiwiTGluZUNvbG9yIjp7IiRyZWYiOiIxMDUifSwiTGluZVdlaWdodCI6MC4wLCJMaW5lVHlwZSI6MCwiUGFyZW50U3R5bGUiOnsiJHJlZiI6IjEwNCJ9fSwiUGFyZW50U3R5bGUiOnsiJHJlZiI6IjEwMSJ9fSwiVGl0bGVTdHlsZSI6eyIkaWQiOiIyNjEiLCJGb250U2V0dGluZ3MiOnsiJGlkIjoiMjYyIiwiRm9udFNpemUiOjExLCJGb250TmFtZSI6IkNhbGlicmkiLCJJc0JvbGQiOnRydWUsIklzSXRhbGljIjpmYWxzZSwiSXNVbmRlcmxpbmVkIjpmYWxzZSwiUGFyZW50U3R5bGUiOnsiJHJlZiI6IjEwOCJ9fSwiQXV0b1NpemUiOjAsIkZvcmVncm91bmQiOnsiJHJlZiI6IjEwOSJ9LCJNYXhXaWR0aCI6NzIwLjAsIk1heEhlaWdodCI6IkluZmluaXR5IiwiU21hcnRGb3JlZ3JvdW5kSXNBY3RpdmUiOmZhbHNlLCJIb3Jpem9udGFsQWxpZ25tZW50IjowLCJWZXJ0aWNhbEFsaWdubWVudCI6MCwiU21hcnRGb3JlZ3JvdW5kIjpudWxsLCJNYXJnaW4iOnsiJHJlZiI6IjExMSJ9LCJQYWRkaW5nIjp7IiRyZWYiOiIxMTIifSwiQmFja2dyb3VuZCI6eyIkcmVmIjoiMTEzIn0sIklzVmlzaWJsZSI6dHJ1ZSwiV2lkdGgiOjAuMCwiSGVpZ2h0IjowLjAsIkJvcmRlclN0eWxlIjp7IiRpZCI6IjI2MyIsIkxpbmVDb2xvciI6bnVsbCwiTGluZVdlaWdodCI6MC4wLCJMaW5lVHlwZSI6MCwiUGFyZW50U3R5bGUiOm51bGx9LCJQYXJlbnRTdHlsZSI6eyIkcmVmIjoiMTA3In19LCJEYXRlU3R5bGUiOnsiJGlkIjoiMjY0IiwiRm9udFNldHRpbmdzIjp7IiRpZCI6IjI2NSIsIkZvbnRTaXplIjoxMCwiRm9udE5hbWUiOiJDYWxpYnJpIiwiSXNCb2xkIjpmYWxzZSwiSXNJdGFsaWMiOmZhbHNlLCJJc1VuZGVybGluZWQiOmZhbHNlLCJQYXJlbnRTdHlsZSI6eyIkcmVmIjoiMTE1In19LCJBdXRvU2l6ZSI6MCwiRm9yZWdyb3VuZCI6eyIkcmVmIjoiMTE2In0sIk1heFdpZHRoIjoyMDAuMCwiTWF4SGVpZ2h0IjoiSW5maW5pdHkiLCJTbWFydEZvcmVncm91bmRJc0FjdGl2ZSI6ZmFsc2UsIkhvcml6b250YWxBbGlnbm1lbnQiOjAsIlZlcnRpY2FsQWxpZ25tZW50IjowLCJTbWFydEZvcmVncm91bmQiOm51bGwsIk1hcmdpbiI6eyIkcmVmIjoiMTE4In0sIlBhZGRpbmciOnsiJHJlZiI6IjExOSJ9LCJCYWNrZ3JvdW5kIjp7IiRyZWYiOiIxMjAifSwiSXNWaXNpYmxlIjp0cnVlLCJXaWR0aCI6MC4wLCJIZWlnaHQiOjAuMCwiQm9yZGVyU3R5bGUiOnsiJGlkIjoiMjY2IiwiTGluZUNvbG9yIjpudWxsLCJMaW5lV2VpZ2h0IjowLjAsIkxpbmVUeXBlIjowLCJQYXJlbnRTdHlsZSI6bnVsbH0sIlBhcmVudFN0eWxlIjp7IiRyZWYiOiIxMTQifX0sIkRhdGVGb3JtYXQiOnsiJHJlZiI6IjEyMSJ9LCJJc1Zpc2libGUiOnRydWUsIlBhcmVudFN0eWxlIjp7IiRyZWYiOiI4MCJ9fSwiSW5kZXgiOjQsIklkIjoiMDg2MmZiY2MtZTZmNy00YzQ3LWI5NjMtOTE1NzNlMDA2MDlkIiwiSW1wb3J0SWQiOm51bGwsIlRpdGxlIjoiU0RCTiIsIk5vdGUiOm51bGwsIkh5cGVybGluayI6bnVsbCwiSXNDaGFuZ2VkIjpmYWxzZSwiSXNOZXciOmZhbHNlfSx7IiRpZCI6IjI2NyIsIkdyb3VwTmFtZSI6bnVsbCwiU3RhcnREYXRlIjoiMjAxNi0wNC0wMVQwMDowMDowMFoiLCJFbmREYXRlIjoiMjAxNi0wNy0wMVQyMzo1OTo1OS45OTlaIiwiUGVyY2VudGFnZUNvbXBsZXRlIjpudWxsLCJTdHlsZSI6eyIkaWQiOiIyNjgiLCJTaGFwZSI6MCwiU2hhcGVUaGlja25lc3MiOjEsIkR1cmF0aW9uRm9ybWF0IjowLCJJbmNsdWRlTm9uV29ya2luZ0RheXNJbkR1cmF0aW9uIjp0cnVlLCJQZXJjZW50YWdlQ29tcGxldGVTdHlsZSI6eyIkaWQiOiIyNjkiLCJGb250U2V0dGluZ3MiOnsiJGlkIjoiMjcwIiwiRm9udFNpemUiOjEwLCJGb250TmFtZSI6IkNhbGlicmkiLCJJc0JvbGQiOmZhbHNlLCJJc0l0YWxpYyI6ZmFsc2UsIklzVW5kZXJsaW5lZCI6ZmFsc2UsIlBhcmVudFN0eWxlIjp7IiRyZWYiOiI4MiJ9fSwiQXV0b1NpemUiOjAsIkZvcmVncm91bmQiOnsiJHJlZiI6IjgzIn0sIk1heFdpZHRoIjoyMDAuMCwiTWF4SGVpZ2h0IjoiSW5maW5pdHkiLCJTbWFydEZvcmVncm91bmRJc0FjdGl2ZSI6ZmFsc2UsIkhvcml6b250YWxBbGlnbm1lbnQiOjAsIlZlcnRpY2FsQWxpZ25tZW50IjowLCJTbWFydEZvcmVncm91bmQiOm51bGwsIk1hcmdpbiI6eyIkcmVmIjoiODUifSwiUGFkZGluZyI6eyIkcmVmIjoiODYifSwiQmFja2dyb3VuZCI6eyIkcmVmIjoiODcifSwiSXNWaXNpYmxlIjp0cnVlLCJXaWR0aCI6MC4wLCJIZWlnaHQiOjAuMCwiQm9yZGVyU3R5bGUiOnsiJGlkIjoiMjcxIiwiTGluZUNvbG9yIjpudWxsLCJMaW5lV2VpZ2h0IjowLjAsIkxpbmVUeXBlIjowLCJQYXJlbnRTdHlsZSI6bnVsbH0sIlBhcmVudFN0eWxlIjp7IiRyZWYiOiI4MSJ9fSwiRHVyYXRpb25TdHlsZSI6eyIkaWQiOiIyNzIiLCJGb250U2V0dGluZ3MiOnsiJGlkIjoiMjczIiwiRm9udFNpemUiOjEwLCJGb250TmFtZSI6IkNhbGlicmkiLCJJc0JvbGQiOmZhbHNlLCJJc0l0YWxpYyI6ZmFsc2UsIklzVW5kZXJsaW5lZCI6ZmFsc2UsIlBhcmVudFN0eWxlIjp7IiRyZWYiOiI4OSJ9fSwiQXV0b1NpemUiOjAsIkZvcmVncm91bmQiOnsiJHJlZiI6IjkwIn0sIk1heFdpZHRoIjoyMDAuMCwiTWF4SGVpZ2h0IjoiSW5maW5pdHkiLCJTbWFydEZvcmVncm91bmRJc0FjdGl2ZSI6ZmFsc2UsIkhvcml6b250YWxBbGlnbm1lbnQiOjAsIlZlcnRpY2FsQWxpZ25tZW50IjowLCJTbWFydEZvcmVncm91bmQiOm51bGwsIk1hcmdpbiI6eyIkcmVmIjoiOTIifSwiUGFkZGluZyI6eyIkcmVmIjoiOTMifSwiQmFja2dyb3VuZCI6eyIkcmVmIjoiOTQifSwiSXNWaXNpYmxlIjp0cnVlLCJXaWR0aCI6MC4wLCJIZWlnaHQiOjAuMCwiQm9yZGVyU3R5bGUiOnsiJGlkIjoiMjc0IiwiTGluZUNvbG9yIjpudWxsLCJMaW5lV2VpZ2h0IjowLjAsIkxpbmVUeXBlIjowLCJQYXJlbnRTdHlsZSI6bnVsbH0sIlBhcmVudFN0eWxlIjp7IiRyZWYiOiI4OCJ9fSwiSG9yaXpvbnRhbENvbm5lY3RvclN0eWxlIjp7IiRpZCI6IjI3NSIsIkxpbmVDb2xvciI6eyIkcmVmIjoiOTYifSwiTGluZVdlaWdodCI6MS4wLCJMaW5lVHlwZSI6MCwiUGFyZW50U3R5bGUiOnsiJHJlZiI6Ijk1In19LCJWZXJ0aWNhbENvbm5lY3RvclN0eWxlIjp7IiRpZCI6IjI3NiIsIkxpbmVDb2xvciI6eyIkcmVmIjoiOTkifSwiTGluZVdlaWdodCI6MC4wLCJMaW5lVHlwZSI6MCwiUGFyZW50U3R5bGUiOnsiJHJlZiI6Ijk4In19LCJNYXJnaW4iOm51bGwsIlN0YXJ0RGF0ZVBvc2l0aW9uIjo0LCJFbmREYXRlUG9zaXRpb24iOjQsIlRpdGxlUG9zaXRpb24iOjUsIkR1cmF0aW9uUG9zaXRpb24iOjYsIlBlcmNlbnRhZ2VDb21wbGV0ZWRQb3NpdGlvbiI6NiwiU3BhY2luZyI6NSwiSXNCZWxvd1RpbWViYW5kIjp0cnVlLCJQZXJjZW50YWdlQ29tcGxldGVTaGFwZU9wYWNpdHkiOjM1LCJTaGFwZVN0eWxlIjp7IiRpZCI6IjI3NyIsIk1hcmdpbiI6eyIkcmVmIjoiMTAyIn0sIlBhZGRpbmciOnsiJHJlZiI6IjEwMyJ9LCJCYWNrZ3JvdW5kIjp7IiRpZCI6IjI3OCIsIkNvbG9yIjp7IiRpZCI6IjI3OSIsIkEiOjI1NSwiUiI6NDcsIkciOjU0LCJCIjoxNTN9fSwiSXNWaXNpYmxlIjp0cnVlLCJXaWR0aCI6MC4wLCJIZWlnaHQiOjE2LjAsIkJvcmRlclN0eWxlIjp7IiRpZCI6IjI4MCIsIkxpbmVDb2xvciI6eyIkcmVmIjoiMTA1In0sIkxpbmVXZWlnaHQiOjAuMCwiTGluZVR5cGUiOjAsIlBhcmVudFN0eWxlIjp7IiRyZWYiOiIxMDQifX0sIlBhcmVudFN0eWxlIjp7IiRyZWYiOiIxMDEifX0sIlRpdGxlU3R5bGUiOnsiJGlkIjoiMjgxIiwiRm9udFNldHRpbmdzIjp7IiRpZCI6IjI4MiIsIkZvbnRTaXplIjoxMSwiRm9udE5hbWUiOiJDYWxpYnJpIiwiSXNCb2xkIjp0cnVlLCJJc0l0YWxpYyI6ZmFsc2UsIklzVW5kZXJsaW5lZCI6ZmFsc2UsIlBhcmVudFN0eWxlIjp7IiRyZWYiOiIxMDgifX0sIkF1dG9TaXplIjowLCJGb3JlZ3JvdW5kIjp7IiRyZWYiOiIxMDkifSwiTWF4V2lkdGgiOjcyMC4wLCJNYXhIZWlnaHQiOiJJbmZpbml0eSIsIlNtYXJ0Rm9yZWdyb3VuZElzQWN0aXZlIjpmYWxzZSwiSG9yaXpvbnRhbEFsaWdubWVudCI6MCwiVmVydGljYWxBbGlnbm1lbnQiOjAsIlNtYXJ0Rm9yZWdyb3VuZCI6bnVsbCwiTWFyZ2luIjp7IiRyZWYiOiIxMTEifSwiUGFkZGluZyI6eyIkcmVmIjoiMTEyIn0sIkJhY2tncm91bmQiOnsiJHJlZiI6IjExMyJ9LCJJc1Zpc2libGUiOnRydWUsIldpZHRoIjowLjAsIkhlaWdodCI6MC4wLCJCb3JkZXJTdHlsZSI6eyIkaWQiOiIyODMiLCJMaW5lQ29sb3IiOm51bGwsIkxpbmVXZWlnaHQiOjAuMCwiTGluZVR5cGUiOjAsIlBhcmVudFN0eWxlIjpudWxsfSwiUGFyZW50U3R5bGUiOnsiJHJlZiI6IjEwNyJ9fSwiRGF0ZVN0eWxlIjp7IiRpZCI6IjI4NCIsIkZvbnRTZXR0aW5ncyI6eyIkaWQiOiIyODUiLCJGb250U2l6ZSI6MTAsIkZvbnROYW1lIjoiQ2FsaWJyaSIsIklzQm9sZCI6ZmFsc2UsIklzSXRhbGljIjpmYWxzZSwiSXNVbmRlcmxpbmVkIjpmYWxzZSwiUGFyZW50U3R5bGUiOnsiJHJlZiI6IjExNSJ9fSwiQXV0b1NpemUiOjAsIkZvcmVncm91bmQiOnsiJHJlZiI6IjExNiJ9LCJNYXhXaWR0aCI6MjAwLjAsIk1heEhlaWdodCI6IkluZmluaXR5IiwiU21hcnRGb3JlZ3JvdW5kSXNBY3RpdmUiOmZhbHNlLCJIb3Jpem9udGFsQWxpZ25tZW50IjowLCJWZXJ0aWNhbEFsaWdubWVudCI6MCwiU21hcnRGb3JlZ3JvdW5kIjpudWxsLCJNYXJnaW4iOnsiJHJlZiI6IjExOCJ9LCJQYWRkaW5nIjp7IiRyZWYiOiIxMTkifSwiQmFja2dyb3VuZCI6eyIkcmVmIjoiMTIwIn0sIklzVmlzaWJsZSI6dHJ1ZSwiV2lkdGgiOjAuMCwiSGVpZ2h0IjowLjAsIkJvcmRlclN0eWxlIjp7IiRpZCI6IjI4NiIsIkxpbmVDb2xvciI6bnVsbCwiTGluZVdlaWdodCI6MC4wLCJMaW5lVHlwZSI6MCwiUGFyZW50U3R5bGUiOm51bGx9LCJQYXJlbnRTdHlsZSI6eyIkcmVmIjoiMTE0In19LCJEYXRlRm9ybWF0Ijp7IiRyZWYiOiIxMjEifSwiSXNWaXNpYmxlIjp0cnVlLCJQYXJlbnRTdHlsZSI6eyIkcmVmIjoiODAifX0sIkluZGV4Ijo1LCJJZCI6IjlhYzhkMTgxLTg2ZTctNDAzNS1hMjczLTBhM2E2ZTc3NGVlNiIsIkltcG9ydElkIjpudWxsLCJUaXRsZSI6IkJlbmNoYXJrcyIsIk5vdGUiOm51bGwsIkh5cGVybGluayI6bnVsbCwiSXNDaGFuZ2VkIjpmYWxzZSwiSXNOZXciOmZhbHNlfSx7IiRpZCI6IjI4NyIsIkdyb3VwTmFtZSI6bnVsbCwiU3RhcnREYXRlIjoiMjAxNi0wNi0wMVQwMDowMDowMFoiLCJFbmREYXRlIjoiMjAxNi0xMi0wMVQyMzo1OTo1OS45OTlaIiwiUGVyY2VudGFnZUNvbXBsZXRlIjpudWxsLCJTdHlsZSI6eyIkaWQiOiIyODgiLCJTaGFwZSI6MCwiU2hhcGVUaGlja25lc3MiOjEsIkR1cmF0aW9uRm9ybWF0IjowLCJJbmNsdWRlTm9uV29ya2luZ0RheXNJbkR1cmF0aW9uIjp0cnVlLCJQZXJjZW50YWdlQ29tcGxldGVTdHlsZSI6eyIkaWQiOiIyODkiLCJGb250U2V0dGluZ3MiOnsiJGlkIjoiMjkwIiwiRm9udFNpemUiOjEwLCJGb250TmFtZSI6IkNhbGlicmkiLCJJc0JvbGQiOmZhbHNlLCJJc0l0YWxpYyI6ZmFsc2UsIklzVW5kZXJsaW5lZCI6ZmFsc2UsIlBhcmVudFN0eWxlIjp7IiRyZWYiOiI4MiJ9fSwiQXV0b1NpemUiOjAsIkZvcmVncm91bmQiOnsiJHJlZiI6IjgzIn0sIk1heFdpZHRoIjoyMDAuMCwiTWF4SGVpZ2h0IjoiSW5maW5pdHkiLCJTbWFydEZvcmVncm91bmRJc0FjdGl2ZSI6ZmFsc2UsIkhvcml6b250YWxBbGlnbm1lbnQiOjAsIlZlcnRpY2FsQWxpZ25tZW50IjowLCJTbWFydEZvcmVncm91bmQiOm51bGwsIk1hcmdpbiI6eyIkcmVmIjoiODUifSwiUGFkZGluZyI6eyIkcmVmIjoiODYifSwiQmFja2dyb3VuZCI6eyIkcmVmIjoiODcifSwiSXNWaXNpYmxlIjp0cnVlLCJXaWR0aCI6MC4wLCJIZWlnaHQiOjAuMCwiQm9yZGVyU3R5bGUiOnsiJGlkIjoiMjkxIiwiTGluZUNvbG9yIjpudWxsLCJMaW5lV2VpZ2h0IjowLjAsIkxpbmVUeXBlIjowLCJQYXJlbnRTdHlsZSI6bnVsbH0sIlBhcmVudFN0eWxlIjp7IiRyZWYiOiI4MSJ9fSwiRHVyYXRpb25TdHlsZSI6eyIkaWQiOiIyOTIiLCJGb250U2V0dGluZ3MiOnsiJGlkIjoiMjkzIiwiRm9udFNpemUiOjEwLCJGb250TmFtZSI6IkNhbGlicmkiLCJJc0JvbGQiOmZhbHNlLCJJc0l0YWxpYyI6ZmFsc2UsIklzVW5kZXJsaW5lZCI6ZmFsc2UsIlBhcmVudFN0eWxlIjp7IiRyZWYiOiI4OSJ9fSwiQXV0b1NpemUiOjAsIkZvcmVncm91bmQiOnsiJHJlZiI6IjkwIn0sIk1heFdpZHRoIjoyMDAuMCwiTWF4SGVpZ2h0IjoiSW5maW5pdHkiLCJTbWFydEZvcmVncm91bmRJc0FjdGl2ZSI6ZmFsc2UsIkhvcml6b250YWxBbGlnbm1lbnQiOjAsIlZlcnRpY2FsQWxpZ25tZW50IjowLCJTbWFydEZvcmVncm91bmQiOm51bGwsIk1hcmdpbiI6eyIkcmVmIjoiOTIifSwiUGFkZGluZyI6eyIkcmVmIjoiOTMifSwiQmFja2dyb3VuZCI6eyIkcmVmIjoiOTQifSwiSXNWaXNpYmxlIjp0cnVlLCJXaWR0aCI6MC4wLCJIZWlnaHQiOjAuMCwiQm9yZGVyU3R5bGUiOnsiJGlkIjoiMjk0IiwiTGluZUNvbG9yIjpudWxsLCJMaW5lV2VpZ2h0IjowLjAsIkxpbmVUeXBlIjowLCJQYXJlbnRTdHlsZSI6bnVsbH0sIlBhcmVudFN0eWxlIjp7IiRyZWYiOiI4OCJ9fSwiSG9yaXpvbnRhbENvbm5lY3RvclN0eWxlIjp7IiRpZCI6IjI5NSIsIkxpbmVDb2xvciI6eyIkcmVmIjoiOTYifSwiTGluZVdlaWdodCI6MS4wLCJMaW5lVHlwZSI6MCwiUGFyZW50U3R5bGUiOnsiJHJlZiI6Ijk1In19LCJWZXJ0aWNhbENvbm5lY3RvclN0eWxlIjp7IiRpZCI6IjI5NiIsIkxpbmVDb2xvciI6eyIkcmVmIjoiOTkifSwiTGluZVdlaWdodCI6MC4wLCJMaW5lVHlwZSI6MCwiUGFyZW50U3R5bGUiOnsiJHJlZiI6Ijk4In19LCJNYXJnaW4iOm51bGwsIlN0YXJ0RGF0ZVBvc2l0aW9uIjo0LCJFbmREYXRlUG9zaXRpb24iOjQsIlRpdGxlUG9zaXRpb24iOjUsIkR1cmF0aW9uUG9zaXRpb24iOjYsIlBlcmNlbnRhZ2VDb21wbGV0ZWRQb3NpdGlvbiI6NiwiU3BhY2luZyI6NSwiSXNCZWxvd1RpbWViYW5kIjp0cnVlLCJQZXJjZW50YWdlQ29tcGxldGVTaGFwZU9wYWNpdHkiOjM1LCJTaGFwZVN0eWxlIjp7IiRpZCI6IjI5NyIsIk1hcmdpbiI6eyIkcmVmIjoiMTAyIn0sIlBhZGRpbmciOnsiJHJlZiI6IjEwMyJ9LCJCYWNrZ3JvdW5kIjp7IiRpZCI6IjI5OCIsIkNvbG9yIjp7IiRpZCI6IjI5OSIsIkEiOjI1NSwiUiI6NDcsIkciOjU0LCJCIjoxNTN9fSwiSXNWaXNpYmxlIjp0cnVlLCJXaWR0aCI6MC4wLCJIZWlnaHQiOjE2LjAsIkJvcmRlclN0eWxlIjp7IiRpZCI6IjMwMCIsIkxpbmVDb2xvciI6eyIkcmVmIjoiMTA1In0sIkxpbmVXZWlnaHQiOjAuMCwiTGluZVR5cGUiOjAsIlBhcmVudFN0eWxlIjp7IiRyZWYiOiIxMDQifX0sIlBhcmVudFN0eWxlIjp7IiRyZWYiOiIxMDEifX0sIlRpdGxlU3R5bGUiOnsiJGlkIjoiMzAxIiwiRm9udFNldHRpbmdzIjp7IiRpZCI6IjMwMiIsIkZvbnRTaXplIjoxMSwiRm9udE5hbWUiOiJDYWxpYnJpIiwiSXNCb2xkIjp0cnVlLCJJc0l0YWxpYyI6ZmFsc2UsIklzVW5kZXJsaW5lZCI6ZmFsc2UsIlBhcmVudFN0eWxlIjp7IiRyZWYiOiIxMDgifX0sIkF1dG9TaXplIjowLCJGb3JlZ3JvdW5kIjp7IiRyZWYiOiIxMDkifSwiTWF4V2lkdGgiOjcyMC4wLCJNYXhIZWlnaHQiOiJJbmZpbml0eSIsIlNtYXJ0Rm9yZWdyb3VuZElzQWN0aXZlIjpmYWxzZSwiSG9yaXpvbnRhbEFsaWdubWVudCI6MCwiVmVydGljYWxBbGlnbm1lbnQiOjAsIlNtYXJ0Rm9yZWdyb3VuZCI6bnVsbCwiTWFyZ2luIjp7IiRyZWYiOiIxMTEifSwiUGFkZGluZyI6eyIkcmVmIjoiMTEyIn0sIkJhY2tncm91bmQiOnsiJHJlZiI6IjExMyJ9LCJJc1Zpc2libGUiOnRydWUsIldpZHRoIjowLjAsIkhlaWdodCI6MC4wLCJCb3JkZXJTdHlsZSI6eyIkaWQiOiIzMDMiLCJMaW5lQ29sb3IiOm51bGwsIkxpbmVXZWlnaHQiOjAuMCwiTGluZVR5cGUiOjAsIlBhcmVudFN0eWxlIjpudWxsfSwiUGFyZW50U3R5bGUiOnsiJHJlZiI6IjEwNyJ9fSwiRGF0ZVN0eWxlIjp7IiRpZCI6IjMwNCIsIkZvbnRTZXR0aW5ncyI6eyIkaWQiOiIzMDUiLCJGb250U2l6ZSI6MTAsIkZvbnROYW1lIjoiQ2FsaWJyaSIsIklzQm9sZCI6ZmFsc2UsIklzSXRhbGljIjpmYWxzZSwiSXNVbmRlcmxpbmVkIjpmYWxzZSwiUGFyZW50U3R5bGUiOnsiJHJlZiI6IjExNSJ9fSwiQXV0b1NpemUiOjAsIkZvcmVncm91bmQiOnsiJHJlZiI6IjExNiJ9LCJNYXhXaWR0aCI6MjAwLjAsIk1heEhlaWdodCI6IkluZmluaXR5IiwiU21hcnRGb3JlZ3JvdW5kSXNBY3RpdmUiOmZhbHNlLCJIb3Jpem9udGFsQWxpZ25tZW50IjowLCJWZXJ0aWNhbEFsaWdubWVudCI6MCwiU21hcnRGb3JlZ3JvdW5kIjpudWxsLCJNYXJnaW4iOnsiJHJlZiI6IjExOCJ9LCJQYWRkaW5nIjp7IiRyZWYiOiIxMTkifSwiQmFja2dyb3VuZCI6eyIkcmVmIjoiMTIwIn0sIklzVmlzaWJsZSI6dHJ1ZSwiV2lkdGgiOjAuMCwiSGVpZ2h0IjowLjAsIkJvcmRlclN0eWxlIjp7IiRpZCI6IjMwNiIsIkxpbmVDb2xvciI6bnVsbCwiTGluZVdlaWdodCI6MC4wLCJMaW5lVHlwZSI6MCwiUGFyZW50U3R5bGUiOm51bGx9LCJQYXJlbnRTdHlsZSI6eyIkcmVmIjoiMTE0In19LCJEYXRlRm9ybWF0Ijp7IiRyZWYiOiIxMjEifSwiSXNWaXNpYmxlIjp0cnVlLCJQYXJlbnRTdHlsZSI6eyIkcmVmIjoiODAifX0sIkluZGV4Ijo2LCJJZCI6ImUxYWI0NmU4LWQxNzAtNDVmOS05NDZhLThhZjg4OTJjNTBmOCIsIkltcG9ydElkIjpudWxsLCJUaXRsZSI6IlRoZXNpcyBXcml0aW5nIiwiTm90ZSI6bnVsbCwiSHlwZXJsaW5rIjpudWxsLCJJc0NoYW5nZWQiOmZhbHNlLCJJc05ldyI6ZmFsc2V9XSwiTXNQcm9qZWN0SXRlbXNUcmVlIjp7IiRpZCI6IjMwNyIsIlJvb3QiOnsiJGlkIjoiMzA4IiwiSW1wb3J0SWQiOm51bGwsIklzSW1wb3J0ZWQiOmZhbHNlLCJDaGlsZHJlbiI6W119fSwiU2V0dGluZ3MiOnsiJGlkIjoiMzA5IiwiSW1wYU9wdGlvbnMiOnsiJGlkIjoiMzEwIiwiTGVmdFRvUmlnaHQiOmZhbHNlLCJQYXlsb2FkT3B0aW9ucyI6Mn0sIlVzZUNvbXByZXNzaW9uIjpmYWxzZSwiQ29tcHJlc2lvblBlcmNlbnRhZ2UiOjAuMCwiSW5hY3RpdmVJbnRlcnZhbFdpZHRoVGhyZXNob2xkIjowLjAsIkluYWN0aXZlSW50ZXJ2YWxXaWR0aCI6MC4wLCJTcGxpdFRhc2tzIjpmYWxzZSwiVXNlQ2x1c3RlciI6ZmFsc2UsIkVwc2lsb24iOjAuMCwiTWluUG9pbnRzVG9Gb3JtQUNsdXN0ZXIiOjAsIkdlbmVyYXRlSW52aXNpYmxlU2hhcGVzIjpmYWxzZSwiU21hcnRUaW1lbGluZVRhc2tQZXJjZW50YWdlRml0IjpmYWxzZX0sIklzTmV3Ijp0cnVlLCJJbXBvcnRUeXBlIjowLCJGaWxlUGF0aCI6bnVsbCwiVGltZWxpbmVJbXBvcnRlZCI6ZmFsc2V9"/>
+  <p:tag name="__MASTER" val="__part_0"/>
+</p:tagLst>
+</file>
+
+<file path=ppt/tags/tag10.xml><?xml version="1.0" encoding="utf-8"?>
+<p:tagLst xmlns:a="http://schemas.openxmlformats.org/drawingml/2006/main" xmlns:r="http://schemas.openxmlformats.org/officeDocument/2006/relationships" xmlns:p="http://schemas.openxmlformats.org/presentationml/2006/main">
+  <p:tag name="OTLMARKERSHAPE" val="OTL"/>
+</p:tagLst>
+</file>
+
+<file path=ppt/tags/tag11.xml><?xml version="1.0" encoding="utf-8"?>
+<p:tagLst xmlns:a="http://schemas.openxmlformats.org/drawingml/2006/main" xmlns:r="http://schemas.openxmlformats.org/officeDocument/2006/relationships" xmlns:p="http://schemas.openxmlformats.org/presentationml/2006/main">
+  <p:tag name="OTLMARKERSHAPE" val="OTL"/>
+</p:tagLst>
+</file>
+
+<file path=ppt/tags/tag12.xml><?xml version="1.0" encoding="utf-8"?>
+<p:tagLst xmlns:a="http://schemas.openxmlformats.org/drawingml/2006/main" xmlns:r="http://schemas.openxmlformats.org/officeDocument/2006/relationships" xmlns:p="http://schemas.openxmlformats.org/presentationml/2006/main">
+  <p:tag name="OTLMARKERSHAPE" val="OTL"/>
+</p:tagLst>
+</file>
+
+<file path=ppt/tags/tag13.xml><?xml version="1.0" encoding="utf-8"?>
+<p:tagLst xmlns:a="http://schemas.openxmlformats.org/drawingml/2006/main" xmlns:r="http://schemas.openxmlformats.org/officeDocument/2006/relationships" xmlns:p="http://schemas.openxmlformats.org/presentationml/2006/main">
+  <p:tag name="OTLMARKERSHAPE" val="OTL"/>
+</p:tagLst>
+</file>
+
+<file path=ppt/tags/tag14.xml><?xml version="1.0" encoding="utf-8"?>
+<p:tagLst xmlns:a="http://schemas.openxmlformats.org/drawingml/2006/main" xmlns:r="http://schemas.openxmlformats.org/officeDocument/2006/relationships" xmlns:p="http://schemas.openxmlformats.org/presentationml/2006/main">
+  <p:tag name="OTLMARKERSHAPE" val="OTL"/>
+</p:tagLst>
+</file>
+
+<file path=ppt/tags/tag15.xml><?xml version="1.0" encoding="utf-8"?>
+<p:tagLst xmlns:a="http://schemas.openxmlformats.org/drawingml/2006/main" xmlns:r="http://schemas.openxmlformats.org/officeDocument/2006/relationships" xmlns:p="http://schemas.openxmlformats.org/presentationml/2006/main">
+  <p:tag name="OTLMARKERSHAPE" val="OTL"/>
+</p:tagLst>
+</file>
+
+<file path=ppt/tags/tag16.xml><?xml version="1.0" encoding="utf-8"?>
+<p:tagLst xmlns:a="http://schemas.openxmlformats.org/drawingml/2006/main" xmlns:r="http://schemas.openxmlformats.org/officeDocument/2006/relationships" xmlns:p="http://schemas.openxmlformats.org/presentationml/2006/main">
+  <p:tag name="OTLMARKERSHAPE" val="OTL"/>
+</p:tagLst>
+</file>
+
+<file path=ppt/tags/tag17.xml><?xml version="1.0" encoding="utf-8"?>
+<p:tagLst xmlns:a="http://schemas.openxmlformats.org/drawingml/2006/main" xmlns:r="http://schemas.openxmlformats.org/officeDocument/2006/relationships" xmlns:p="http://schemas.openxmlformats.org/presentationml/2006/main">
+  <p:tag name="OTLMARKERSHAPE" val="OTL"/>
+</p:tagLst>
+</file>
+
+<file path=ppt/tags/tag18.xml><?xml version="1.0" encoding="utf-8"?>
+<p:tagLst xmlns:a="http://schemas.openxmlformats.org/drawingml/2006/main" xmlns:r="http://schemas.openxmlformats.org/officeDocument/2006/relationships" xmlns:p="http://schemas.openxmlformats.org/presentationml/2006/main">
+  <p:tag name="OTLMARKERSHAPE" val="OTL"/>
+</p:tagLst>
+</file>
+
+<file path=ppt/tags/tag19.xml><?xml version="1.0" encoding="utf-8"?>
+<p:tagLst xmlns:a="http://schemas.openxmlformats.org/drawingml/2006/main" xmlns:r="http://schemas.openxmlformats.org/officeDocument/2006/relationships" xmlns:p="http://schemas.openxmlformats.org/presentationml/2006/main">
+  <p:tag name="OTLMARKERSHAPE" val="OTL"/>
+</p:tagLst>
+</file>
+
+<file path=ppt/tags/tag2.xml><?xml version="1.0" encoding="utf-8"?>
+<p:tagLst xmlns:a="http://schemas.openxmlformats.org/drawingml/2006/main" xmlns:r="http://schemas.openxmlformats.org/officeDocument/2006/relationships" xmlns:p="http://schemas.openxmlformats.org/presentationml/2006/main">
+  <p:tag name="OTLMARKERSHAPE" val="OTL"/>
+</p:tagLst>
+</file>
+
+<file path=ppt/tags/tag20.xml><?xml version="1.0" encoding="utf-8"?>
+<p:tagLst xmlns:a="http://schemas.openxmlformats.org/drawingml/2006/main" xmlns:r="http://schemas.openxmlformats.org/officeDocument/2006/relationships" xmlns:p="http://schemas.openxmlformats.org/presentationml/2006/main">
+  <p:tag name="OTLMARKERSHAPE" val="OTL"/>
+</p:tagLst>
+</file>
+
+<file path=ppt/tags/tag21.xml><?xml version="1.0" encoding="utf-8"?>
+<p:tagLst xmlns:a="http://schemas.openxmlformats.org/drawingml/2006/main" xmlns:r="http://schemas.openxmlformats.org/officeDocument/2006/relationships" xmlns:p="http://schemas.openxmlformats.org/presentationml/2006/main">
+  <p:tag name="OTLMARKERSHAPE" val="OTL"/>
+</p:tagLst>
+</file>
+
+<file path=ppt/tags/tag22.xml><?xml version="1.0" encoding="utf-8"?>
+<p:tagLst xmlns:a="http://schemas.openxmlformats.org/drawingml/2006/main" xmlns:r="http://schemas.openxmlformats.org/officeDocument/2006/relationships" xmlns:p="http://schemas.openxmlformats.org/presentationml/2006/main">
+  <p:tag name="OTLMARKERSHAPE" val="OTL"/>
+</p:tagLst>
+</file>
+
+<file path=ppt/tags/tag23.xml><?xml version="1.0" encoding="utf-8"?>
+<p:tagLst xmlns:a="http://schemas.openxmlformats.org/drawingml/2006/main" xmlns:r="http://schemas.openxmlformats.org/officeDocument/2006/relationships" xmlns:p="http://schemas.openxmlformats.org/presentationml/2006/main">
+  <p:tag name="OTLMARKERSHAPE" val="OTL"/>
+</p:tagLst>
+</file>
+
+<file path=ppt/tags/tag24.xml><?xml version="1.0" encoding="utf-8"?>
+<p:tagLst xmlns:a="http://schemas.openxmlformats.org/drawingml/2006/main" xmlns:r="http://schemas.openxmlformats.org/officeDocument/2006/relationships" xmlns:p="http://schemas.openxmlformats.org/presentationml/2006/main">
+  <p:tag name="OTLMARKERSHAPE" val="OTL"/>
+</p:tagLst>
+</file>
+
+<file path=ppt/tags/tag25.xml><?xml version="1.0" encoding="utf-8"?>
+<p:tagLst xmlns:a="http://schemas.openxmlformats.org/drawingml/2006/main" xmlns:r="http://schemas.openxmlformats.org/officeDocument/2006/relationships" xmlns:p="http://schemas.openxmlformats.org/presentationml/2006/main">
+  <p:tag name="OTLMARKERSHAPE" val="OTL"/>
+</p:tagLst>
+</file>
+
+<file path=ppt/tags/tag26.xml><?xml version="1.0" encoding="utf-8"?>
+<p:tagLst xmlns:a="http://schemas.openxmlformats.org/drawingml/2006/main" xmlns:r="http://schemas.openxmlformats.org/officeDocument/2006/relationships" xmlns:p="http://schemas.openxmlformats.org/presentationml/2006/main">
+  <p:tag name="OTLMARKERSHAPE" val="OTL"/>
+</p:tagLst>
+</file>
+
+<file path=ppt/tags/tag27.xml><?xml version="1.0" encoding="utf-8"?>
+<p:tagLst xmlns:a="http://schemas.openxmlformats.org/drawingml/2006/main" xmlns:r="http://schemas.openxmlformats.org/officeDocument/2006/relationships" xmlns:p="http://schemas.openxmlformats.org/presentationml/2006/main">
+  <p:tag name="OTLMARKERSHAPE" val="OTL"/>
+</p:tagLst>
+</file>
+
+<file path=ppt/tags/tag28.xml><?xml version="1.0" encoding="utf-8"?>
+<p:tagLst xmlns:a="http://schemas.openxmlformats.org/drawingml/2006/main" xmlns:r="http://schemas.openxmlformats.org/officeDocument/2006/relationships" xmlns:p="http://schemas.openxmlformats.org/presentationml/2006/main">
+  <p:tag name="OTLMARKERSHAPE" val="OTL"/>
+</p:tagLst>
+</file>
+
+<file path=ppt/tags/tag29.xml><?xml version="1.0" encoding="utf-8"?>
+<p:tagLst xmlns:a="http://schemas.openxmlformats.org/drawingml/2006/main" xmlns:r="http://schemas.openxmlformats.org/officeDocument/2006/relationships" xmlns:p="http://schemas.openxmlformats.org/presentationml/2006/main">
+  <p:tag name="OTLMARKERSHAPE" val="OTL"/>
+</p:tagLst>
+</file>
+
+<file path=ppt/tags/tag3.xml><?xml version="1.0" encoding="utf-8"?>
+<p:tagLst xmlns:a="http://schemas.openxmlformats.org/drawingml/2006/main" xmlns:r="http://schemas.openxmlformats.org/officeDocument/2006/relationships" xmlns:p="http://schemas.openxmlformats.org/presentationml/2006/main">
+  <p:tag name="OTLMARKERSHAPE" val="OTL"/>
+</p:tagLst>
+</file>
+
+<file path=ppt/tags/tag30.xml><?xml version="1.0" encoding="utf-8"?>
+<p:tagLst xmlns:a="http://schemas.openxmlformats.org/drawingml/2006/main" xmlns:r="http://schemas.openxmlformats.org/officeDocument/2006/relationships" xmlns:p="http://schemas.openxmlformats.org/presentationml/2006/main">
+  <p:tag name="OTLMARKERSHAPE" val="OTL"/>
+</p:tagLst>
+</file>
+
+<file path=ppt/tags/tag31.xml><?xml version="1.0" encoding="utf-8"?>
+<p:tagLst xmlns:a="http://schemas.openxmlformats.org/drawingml/2006/main" xmlns:r="http://schemas.openxmlformats.org/officeDocument/2006/relationships" xmlns:p="http://schemas.openxmlformats.org/presentationml/2006/main">
+  <p:tag name="OTLMARKERSHAPE" val="OTL"/>
+</p:tagLst>
+</file>
+
+<file path=ppt/tags/tag32.xml><?xml version="1.0" encoding="utf-8"?>
+<p:tagLst xmlns:a="http://schemas.openxmlformats.org/drawingml/2006/main" xmlns:r="http://schemas.openxmlformats.org/officeDocument/2006/relationships" xmlns:p="http://schemas.openxmlformats.org/presentationml/2006/main">
+  <p:tag name="OTLMARKERSHAPE" val="OTL"/>
+</p:tagLst>
+</file>
+
+<file path=ppt/tags/tag33.xml><?xml version="1.0" encoding="utf-8"?>
+<p:tagLst xmlns:a="http://schemas.openxmlformats.org/drawingml/2006/main" xmlns:r="http://schemas.openxmlformats.org/officeDocument/2006/relationships" xmlns:p="http://schemas.openxmlformats.org/presentationml/2006/main">
+  <p:tag name="OTLMARKERSHAPE" val="OTL"/>
+</p:tagLst>
+</file>
+
+<file path=ppt/tags/tag34.xml><?xml version="1.0" encoding="utf-8"?>
+<p:tagLst xmlns:a="http://schemas.openxmlformats.org/drawingml/2006/main" xmlns:r="http://schemas.openxmlformats.org/officeDocument/2006/relationships" xmlns:p="http://schemas.openxmlformats.org/presentationml/2006/main">
+  <p:tag name="OTLMARKERSHAPE" val="OTL"/>
+</p:tagLst>
+</file>
+
+<file path=ppt/tags/tag35.xml><?xml version="1.0" encoding="utf-8"?>
+<p:tagLst xmlns:a="http://schemas.openxmlformats.org/drawingml/2006/main" xmlns:r="http://schemas.openxmlformats.org/officeDocument/2006/relationships" xmlns:p="http://schemas.openxmlformats.org/presentationml/2006/main">
+  <p:tag name="OTLMARKERSHAPE" val="OTL"/>
+</p:tagLst>
+</file>
+
+<file path=ppt/tags/tag36.xml><?xml version="1.0" encoding="utf-8"?>
+<p:tagLst xmlns:a="http://schemas.openxmlformats.org/drawingml/2006/main" xmlns:r="http://schemas.openxmlformats.org/officeDocument/2006/relationships" xmlns:p="http://schemas.openxmlformats.org/presentationml/2006/main">
+  <p:tag name="OTLMARKERSHAPE" val="OTL"/>
+</p:tagLst>
+</file>
+
+<file path=ppt/tags/tag37.xml><?xml version="1.0" encoding="utf-8"?>
+<p:tagLst xmlns:a="http://schemas.openxmlformats.org/drawingml/2006/main" xmlns:r="http://schemas.openxmlformats.org/officeDocument/2006/relationships" xmlns:p="http://schemas.openxmlformats.org/presentationml/2006/main">
+  <p:tag name="OTLMARKERSHAPE" val="OTL"/>
+</p:tagLst>
+</file>
+
+<file path=ppt/tags/tag38.xml><?xml version="1.0" encoding="utf-8"?>
+<p:tagLst xmlns:a="http://schemas.openxmlformats.org/drawingml/2006/main" xmlns:r="http://schemas.openxmlformats.org/officeDocument/2006/relationships" xmlns:p="http://schemas.openxmlformats.org/presentationml/2006/main">
+  <p:tag name="OTLMARKERSHAPE" val="OTL"/>
+</p:tagLst>
+</file>
+
+<file path=ppt/tags/tag39.xml><?xml version="1.0" encoding="utf-8"?>
+<p:tagLst xmlns:a="http://schemas.openxmlformats.org/drawingml/2006/main" xmlns:r="http://schemas.openxmlformats.org/officeDocument/2006/relationships" xmlns:p="http://schemas.openxmlformats.org/presentationml/2006/main">
+  <p:tag name="OTLMARKERSHAPE" val="OTL"/>
+</p:tagLst>
+</file>
+
+<file path=ppt/tags/tag4.xml><?xml version="1.0" encoding="utf-8"?>
+<p:tagLst xmlns:a="http://schemas.openxmlformats.org/drawingml/2006/main" xmlns:r="http://schemas.openxmlformats.org/officeDocument/2006/relationships" xmlns:p="http://schemas.openxmlformats.org/presentationml/2006/main">
+  <p:tag name="OTLMARKERSHAPE" val="OTL"/>
+</p:tagLst>
+</file>
+
+<file path=ppt/tags/tag40.xml><?xml version="1.0" encoding="utf-8"?>
+<p:tagLst xmlns:a="http://schemas.openxmlformats.org/drawingml/2006/main" xmlns:r="http://schemas.openxmlformats.org/officeDocument/2006/relationships" xmlns:p="http://schemas.openxmlformats.org/presentationml/2006/main">
+  <p:tag name="OTLMARKERSHAPE" val="OTL"/>
+</p:tagLst>
+</file>
+
+<file path=ppt/tags/tag41.xml><?xml version="1.0" encoding="utf-8"?>
+<p:tagLst xmlns:a="http://schemas.openxmlformats.org/drawingml/2006/main" xmlns:r="http://schemas.openxmlformats.org/officeDocument/2006/relationships" xmlns:p="http://schemas.openxmlformats.org/presentationml/2006/main">
+  <p:tag name="OTLMARKERSHAPE" val="OTL"/>
+</p:tagLst>
+</file>
+
+<file path=ppt/tags/tag42.xml><?xml version="1.0" encoding="utf-8"?>
+<p:tagLst xmlns:a="http://schemas.openxmlformats.org/drawingml/2006/main" xmlns:r="http://schemas.openxmlformats.org/officeDocument/2006/relationships" xmlns:p="http://schemas.openxmlformats.org/presentationml/2006/main">
+  <p:tag name="OTLMARKERSHAPE" val="OTL"/>
+</p:tagLst>
+</file>
+
+<file path=ppt/tags/tag43.xml><?xml version="1.0" encoding="utf-8"?>
+<p:tagLst xmlns:a="http://schemas.openxmlformats.org/drawingml/2006/main" xmlns:r="http://schemas.openxmlformats.org/officeDocument/2006/relationships" xmlns:p="http://schemas.openxmlformats.org/presentationml/2006/main">
+  <p:tag name="OTLMARKERSHAPE" val="OTL"/>
+</p:tagLst>
+</file>
+
+<file path=ppt/tags/tag44.xml><?xml version="1.0" encoding="utf-8"?>
+<p:tagLst xmlns:a="http://schemas.openxmlformats.org/drawingml/2006/main" xmlns:r="http://schemas.openxmlformats.org/officeDocument/2006/relationships" xmlns:p="http://schemas.openxmlformats.org/presentationml/2006/main">
+  <p:tag name="OTLMARKERSHAPE" val="OTL"/>
+</p:tagLst>
+</file>
+
+<file path=ppt/tags/tag45.xml><?xml version="1.0" encoding="utf-8"?>
+<p:tagLst xmlns:a="http://schemas.openxmlformats.org/drawingml/2006/main" xmlns:r="http://schemas.openxmlformats.org/officeDocument/2006/relationships" xmlns:p="http://schemas.openxmlformats.org/presentationml/2006/main">
+  <p:tag name="OTLMARKERSHAPE" val="OTL"/>
+</p:tagLst>
+</file>
+
+<file path=ppt/tags/tag46.xml><?xml version="1.0" encoding="utf-8"?>
+<p:tagLst xmlns:a="http://schemas.openxmlformats.org/drawingml/2006/main" xmlns:r="http://schemas.openxmlformats.org/officeDocument/2006/relationships" xmlns:p="http://schemas.openxmlformats.org/presentationml/2006/main">
+  <p:tag name="OTLMARKERSHAPE" val="OTL"/>
+</p:tagLst>
+</file>
+
+<file path=ppt/tags/tag47.xml><?xml version="1.0" encoding="utf-8"?>
+<p:tagLst xmlns:a="http://schemas.openxmlformats.org/drawingml/2006/main" xmlns:r="http://schemas.openxmlformats.org/officeDocument/2006/relationships" xmlns:p="http://schemas.openxmlformats.org/presentationml/2006/main">
+  <p:tag name="OTLMARKERSHAPE" val="OTL"/>
+</p:tagLst>
+</file>
+
+<file path=ppt/tags/tag48.xml><?xml version="1.0" encoding="utf-8"?>
+<p:tagLst xmlns:a="http://schemas.openxmlformats.org/drawingml/2006/main" xmlns:r="http://schemas.openxmlformats.org/officeDocument/2006/relationships" xmlns:p="http://schemas.openxmlformats.org/presentationml/2006/main">
+  <p:tag name="OTLMARKERSHAPE" val="OTL"/>
+</p:tagLst>
+</file>
+
+<file path=ppt/tags/tag49.xml><?xml version="1.0" encoding="utf-8"?>
+<p:tagLst xmlns:a="http://schemas.openxmlformats.org/drawingml/2006/main" xmlns:r="http://schemas.openxmlformats.org/officeDocument/2006/relationships" xmlns:p="http://schemas.openxmlformats.org/presentationml/2006/main">
+  <p:tag name="OTLMARKERSHAPE" val="OTL"/>
+</p:tagLst>
+</file>
+
+<file path=ppt/tags/tag5.xml><?xml version="1.0" encoding="utf-8"?>
+<p:tagLst xmlns:a="http://schemas.openxmlformats.org/drawingml/2006/main" xmlns:r="http://schemas.openxmlformats.org/officeDocument/2006/relationships" xmlns:p="http://schemas.openxmlformats.org/presentationml/2006/main">
+  <p:tag name="OTLMARKERSHAPE" val="OTL"/>
+</p:tagLst>
+</file>
+
+<file path=ppt/tags/tag50.xml><?xml version="1.0" encoding="utf-8"?>
+<p:tagLst xmlns:a="http://schemas.openxmlformats.org/drawingml/2006/main" xmlns:r="http://schemas.openxmlformats.org/officeDocument/2006/relationships" xmlns:p="http://schemas.openxmlformats.org/presentationml/2006/main">
+  <p:tag name="OTLMARKERSHAPE" val="OTL"/>
+</p:tagLst>
+</file>
+
+<file path=ppt/tags/tag51.xml><?xml version="1.0" encoding="utf-8"?>
+<p:tagLst xmlns:a="http://schemas.openxmlformats.org/drawingml/2006/main" xmlns:r="http://schemas.openxmlformats.org/officeDocument/2006/relationships" xmlns:p="http://schemas.openxmlformats.org/presentationml/2006/main">
+  <p:tag name="OTLMARKERSHAPE" val="OTL"/>
+</p:tagLst>
+</file>
+
+<file path=ppt/tags/tag52.xml><?xml version="1.0" encoding="utf-8"?>
+<p:tagLst xmlns:a="http://schemas.openxmlformats.org/drawingml/2006/main" xmlns:r="http://schemas.openxmlformats.org/officeDocument/2006/relationships" xmlns:p="http://schemas.openxmlformats.org/presentationml/2006/main">
+  <p:tag name="OTLMARKERSHAPE" val="OTL"/>
+</p:tagLst>
+</file>
+
+<file path=ppt/tags/tag53.xml><?xml version="1.0" encoding="utf-8"?>
+<p:tagLst xmlns:a="http://schemas.openxmlformats.org/drawingml/2006/main" xmlns:r="http://schemas.openxmlformats.org/officeDocument/2006/relationships" xmlns:p="http://schemas.openxmlformats.org/presentationml/2006/main">
+  <p:tag name="OTLMARKERSHAPE" val="OTL"/>
+</p:tagLst>
+</file>
+
+<file path=ppt/tags/tag54.xml><?xml version="1.0" encoding="utf-8"?>
+<p:tagLst xmlns:a="http://schemas.openxmlformats.org/drawingml/2006/main" xmlns:r="http://schemas.openxmlformats.org/officeDocument/2006/relationships" xmlns:p="http://schemas.openxmlformats.org/presentationml/2006/main">
+  <p:tag name="OTLMARKERSHAPE" val="OTL"/>
+</p:tagLst>
+</file>
+
+<file path=ppt/tags/tag55.xml><?xml version="1.0" encoding="utf-8"?>
+<p:tagLst xmlns:a="http://schemas.openxmlformats.org/drawingml/2006/main" xmlns:r="http://schemas.openxmlformats.org/officeDocument/2006/relationships" xmlns:p="http://schemas.openxmlformats.org/presentationml/2006/main">
+  <p:tag name="OTLMARKERSHAPE" val="OTL"/>
+</p:tagLst>
+</file>
+
+<file path=ppt/tags/tag56.xml><?xml version="1.0" encoding="utf-8"?>
+<p:tagLst xmlns:a="http://schemas.openxmlformats.org/drawingml/2006/main" xmlns:r="http://schemas.openxmlformats.org/officeDocument/2006/relationships" xmlns:p="http://schemas.openxmlformats.org/presentationml/2006/main">
+  <p:tag name="OTLMARKERSHAPE" val="OTL"/>
+</p:tagLst>
+</file>
+
+<file path=ppt/tags/tag57.xml><?xml version="1.0" encoding="utf-8"?>
+<p:tagLst xmlns:a="http://schemas.openxmlformats.org/drawingml/2006/main" xmlns:r="http://schemas.openxmlformats.org/officeDocument/2006/relationships" xmlns:p="http://schemas.openxmlformats.org/presentationml/2006/main">
+  <p:tag name="OTLMARKERSHAPE" val="OTL"/>
+</p:tagLst>
+</file>
+
+<file path=ppt/tags/tag58.xml><?xml version="1.0" encoding="utf-8"?>
+<p:tagLst xmlns:a="http://schemas.openxmlformats.org/drawingml/2006/main" xmlns:r="http://schemas.openxmlformats.org/officeDocument/2006/relationships" xmlns:p="http://schemas.openxmlformats.org/presentationml/2006/main">
+  <p:tag name="OTLMARKERSHAPE" val="OTL"/>
+</p:tagLst>
+</file>
+
+<file path=ppt/tags/tag59.xml><?xml version="1.0" encoding="utf-8"?>
+<p:tagLst xmlns:a="http://schemas.openxmlformats.org/drawingml/2006/main" xmlns:r="http://schemas.openxmlformats.org/officeDocument/2006/relationships" xmlns:p="http://schemas.openxmlformats.org/presentationml/2006/main">
+  <p:tag name="OTLMARKERSHAPE" val="OTL"/>
+</p:tagLst>
+</file>
+
+<file path=ppt/tags/tag6.xml><?xml version="1.0" encoding="utf-8"?>
+<p:tagLst xmlns:a="http://schemas.openxmlformats.org/drawingml/2006/main" xmlns:r="http://schemas.openxmlformats.org/officeDocument/2006/relationships" xmlns:p="http://schemas.openxmlformats.org/presentationml/2006/main">
+  <p:tag name="OTLMARKERSHAPE" val="OTL"/>
+</p:tagLst>
+</file>
+
+<file path=ppt/tags/tag60.xml><?xml version="1.0" encoding="utf-8"?>
+<p:tagLst xmlns:a="http://schemas.openxmlformats.org/drawingml/2006/main" xmlns:r="http://schemas.openxmlformats.org/officeDocument/2006/relationships" xmlns:p="http://schemas.openxmlformats.org/presentationml/2006/main">
+  <p:tag name="OTLMARKERSHAPE" val="OTL"/>
+</p:tagLst>
+</file>
+
+<file path=ppt/tags/tag61.xml><?xml version="1.0" encoding="utf-8"?>
+<p:tagLst xmlns:a="http://schemas.openxmlformats.org/drawingml/2006/main" xmlns:r="http://schemas.openxmlformats.org/officeDocument/2006/relationships" xmlns:p="http://schemas.openxmlformats.org/presentationml/2006/main">
+  <p:tag name="OTLMARKERSHAPE" val="OTL"/>
+</p:tagLst>
+</file>
+
+<file path=ppt/tags/tag62.xml><?xml version="1.0" encoding="utf-8"?>
+<p:tagLst xmlns:a="http://schemas.openxmlformats.org/drawingml/2006/main" xmlns:r="http://schemas.openxmlformats.org/officeDocument/2006/relationships" xmlns:p="http://schemas.openxmlformats.org/presentationml/2006/main">
+  <p:tag name="OTLMARKERSHAPE" val="OTL"/>
+</p:tagLst>
+</file>
+
+<file path=ppt/tags/tag63.xml><?xml version="1.0" encoding="utf-8"?>
+<p:tagLst xmlns:a="http://schemas.openxmlformats.org/drawingml/2006/main" xmlns:r="http://schemas.openxmlformats.org/officeDocument/2006/relationships" xmlns:p="http://schemas.openxmlformats.org/presentationml/2006/main">
+  <p:tag name="OTLMARKERSHAPE" val="OTL"/>
+</p:tagLst>
+</file>
+
+<file path=ppt/tags/tag64.xml><?xml version="1.0" encoding="utf-8"?>
+<p:tagLst xmlns:a="http://schemas.openxmlformats.org/drawingml/2006/main" xmlns:r="http://schemas.openxmlformats.org/officeDocument/2006/relationships" xmlns:p="http://schemas.openxmlformats.org/presentationml/2006/main">
+  <p:tag name="OTLMARKERSHAPE" val="OTL"/>
+</p:tagLst>
+</file>
+
+<file path=ppt/tags/tag65.xml><?xml version="1.0" encoding="utf-8"?>
+<p:tagLst xmlns:a="http://schemas.openxmlformats.org/drawingml/2006/main" xmlns:r="http://schemas.openxmlformats.org/officeDocument/2006/relationships" xmlns:p="http://schemas.openxmlformats.org/presentationml/2006/main">
+  <p:tag name="OTLMARKERSHAPE" val="OTL"/>
+</p:tagLst>
+</file>
+
+<file path=ppt/tags/tag66.xml><?xml version="1.0" encoding="utf-8"?>
+<p:tagLst xmlns:a="http://schemas.openxmlformats.org/drawingml/2006/main" xmlns:r="http://schemas.openxmlformats.org/officeDocument/2006/relationships" xmlns:p="http://schemas.openxmlformats.org/presentationml/2006/main">
+  <p:tag name="OTLMARKERSHAPE" val="OTL"/>
+</p:tagLst>
+</file>
+
+<file path=ppt/tags/tag67.xml><?xml version="1.0" encoding="utf-8"?>
+<p:tagLst xmlns:a="http://schemas.openxmlformats.org/drawingml/2006/main" xmlns:r="http://schemas.openxmlformats.org/officeDocument/2006/relationships" xmlns:p="http://schemas.openxmlformats.org/presentationml/2006/main">
+  <p:tag name="OTLMARKERSHAPE" val="OTL"/>
+</p:tagLst>
+</file>
+
+<file path=ppt/tags/tag68.xml><?xml version="1.0" encoding="utf-8"?>
+<p:tagLst xmlns:a="http://schemas.openxmlformats.org/drawingml/2006/main" xmlns:r="http://schemas.openxmlformats.org/officeDocument/2006/relationships" xmlns:p="http://schemas.openxmlformats.org/presentationml/2006/main">
+  <p:tag name="OTLMARKERSHAPE" val="OTL"/>
+</p:tagLst>
+</file>
+
+<file path=ppt/tags/tag69.xml><?xml version="1.0" encoding="utf-8"?>
+<p:tagLst xmlns:a="http://schemas.openxmlformats.org/drawingml/2006/main" xmlns:r="http://schemas.openxmlformats.org/officeDocument/2006/relationships" xmlns:p="http://schemas.openxmlformats.org/presentationml/2006/main">
+  <p:tag name="OTLMARKERSHAPE" val="OTL"/>
+</p:tagLst>
+</file>
+
+<file path=ppt/tags/tag7.xml><?xml version="1.0" encoding="utf-8"?>
+<p:tagLst xmlns:a="http://schemas.openxmlformats.org/drawingml/2006/main" xmlns:r="http://schemas.openxmlformats.org/officeDocument/2006/relationships" xmlns:p="http://schemas.openxmlformats.org/presentationml/2006/main">
+  <p:tag name="OTLMARKERSHAPE" val="OTL"/>
+</p:tagLst>
+</file>
+
+<file path=ppt/tags/tag70.xml><?xml version="1.0" encoding="utf-8"?>
+<p:tagLst xmlns:a="http://schemas.openxmlformats.org/drawingml/2006/main" xmlns:r="http://schemas.openxmlformats.org/officeDocument/2006/relationships" xmlns:p="http://schemas.openxmlformats.org/presentationml/2006/main">
+  <p:tag name="OTLMARKERSHAPE" val="OTL"/>
+</p:tagLst>
+</file>
+
+<file path=ppt/tags/tag71.xml><?xml version="1.0" encoding="utf-8"?>
+<p:tagLst xmlns:a="http://schemas.openxmlformats.org/drawingml/2006/main" xmlns:r="http://schemas.openxmlformats.org/officeDocument/2006/relationships" xmlns:p="http://schemas.openxmlformats.org/presentationml/2006/main">
+  <p:tag name="OTLMARKERSHAPE" val="OTL"/>
+</p:tagLst>
+</file>
+
+<file path=ppt/tags/tag72.xml><?xml version="1.0" encoding="utf-8"?>
+<p:tagLst xmlns:a="http://schemas.openxmlformats.org/drawingml/2006/main" xmlns:r="http://schemas.openxmlformats.org/officeDocument/2006/relationships" xmlns:p="http://schemas.openxmlformats.org/presentationml/2006/main">
+  <p:tag name="OTLMARKERSHAPE" val="OTL"/>
+</p:tagLst>
+</file>
+
+<file path=ppt/tags/tag73.xml><?xml version="1.0" encoding="utf-8"?>
+<p:tagLst xmlns:a="http://schemas.openxmlformats.org/drawingml/2006/main" xmlns:r="http://schemas.openxmlformats.org/officeDocument/2006/relationships" xmlns:p="http://schemas.openxmlformats.org/presentationml/2006/main">
+  <p:tag name="OTLMARKERSHAPE" val="OTL"/>
+</p:tagLst>
+</file>
+
+<file path=ppt/tags/tag74.xml><?xml version="1.0" encoding="utf-8"?>
+<p:tagLst xmlns:a="http://schemas.openxmlformats.org/drawingml/2006/main" xmlns:r="http://schemas.openxmlformats.org/officeDocument/2006/relationships" xmlns:p="http://schemas.openxmlformats.org/presentationml/2006/main">
+  <p:tag name="OTLMARKERSHAPE" val="OTL"/>
+</p:tagLst>
+</file>
+
+<file path=ppt/tags/tag75.xml><?xml version="1.0" encoding="utf-8"?>
+<p:tagLst xmlns:a="http://schemas.openxmlformats.org/drawingml/2006/main" xmlns:r="http://schemas.openxmlformats.org/officeDocument/2006/relationships" xmlns:p="http://schemas.openxmlformats.org/presentationml/2006/main">
+  <p:tag name="OTLMARKERSHAPE" val="OTL"/>
+</p:tagLst>
+</file>
+
+<file path=ppt/tags/tag76.xml><?xml version="1.0" encoding="utf-8"?>
+<p:tagLst xmlns:a="http://schemas.openxmlformats.org/drawingml/2006/main" xmlns:r="http://schemas.openxmlformats.org/officeDocument/2006/relationships" xmlns:p="http://schemas.openxmlformats.org/presentationml/2006/main">
+  <p:tag name="OTLMARKERSHAPE" val="OTL"/>
+</p:tagLst>
+</file>
+
+<file path=ppt/tags/tag77.xml><?xml version="1.0" encoding="utf-8"?>
+<p:tagLst xmlns:a="http://schemas.openxmlformats.org/drawingml/2006/main" xmlns:r="http://schemas.openxmlformats.org/officeDocument/2006/relationships" xmlns:p="http://schemas.openxmlformats.org/presentationml/2006/main">
+  <p:tag name="OTLMARKERSHAPE" val="OTL"/>
+</p:tagLst>
+</file>
+
+<file path=ppt/tags/tag78.xml><?xml version="1.0" encoding="utf-8"?>
+<p:tagLst xmlns:a="http://schemas.openxmlformats.org/drawingml/2006/main" xmlns:r="http://schemas.openxmlformats.org/officeDocument/2006/relationships" xmlns:p="http://schemas.openxmlformats.org/presentationml/2006/main">
+  <p:tag name="OTLMARKERSHAPE" val="OTL"/>
+</p:tagLst>
+</file>
+
+<file path=ppt/tags/tag79.xml><?xml version="1.0" encoding="utf-8"?>
+<p:tagLst xmlns:a="http://schemas.openxmlformats.org/drawingml/2006/main" xmlns:r="http://schemas.openxmlformats.org/officeDocument/2006/relationships" xmlns:p="http://schemas.openxmlformats.org/presentationml/2006/main">
+  <p:tag name="OTLMARKERSHAPE" val="OTL"/>
+</p:tagLst>
+</file>
+
+<file path=ppt/tags/tag8.xml><?xml version="1.0" encoding="utf-8"?>
+<p:tagLst xmlns:a="http://schemas.openxmlformats.org/drawingml/2006/main" xmlns:r="http://schemas.openxmlformats.org/officeDocument/2006/relationships" xmlns:p="http://schemas.openxmlformats.org/presentationml/2006/main">
+  <p:tag name="OTLMARKERSHAPE" val="OTL"/>
+</p:tagLst>
+</file>
+
+<file path=ppt/tags/tag80.xml><?xml version="1.0" encoding="utf-8"?>
+<p:tagLst xmlns:a="http://schemas.openxmlformats.org/drawingml/2006/main" xmlns:r="http://schemas.openxmlformats.org/officeDocument/2006/relationships" xmlns:p="http://schemas.openxmlformats.org/presentationml/2006/main">
+  <p:tag name="OTLMARKERSHAPE" val="OTL"/>
+</p:tagLst>
+</file>
+
+<file path=ppt/tags/tag81.xml><?xml version="1.0" encoding="utf-8"?>
+<p:tagLst xmlns:a="http://schemas.openxmlformats.org/drawingml/2006/main" xmlns:r="http://schemas.openxmlformats.org/officeDocument/2006/relationships" xmlns:p="http://schemas.openxmlformats.org/presentationml/2006/main">
+  <p:tag name="OTLMARKERSHAPE" val="OTL"/>
+</p:tagLst>
+</file>
+
+<file path=ppt/tags/tag82.xml><?xml version="1.0" encoding="utf-8"?>
+<p:tagLst xmlns:a="http://schemas.openxmlformats.org/drawingml/2006/main" xmlns:r="http://schemas.openxmlformats.org/officeDocument/2006/relationships" xmlns:p="http://schemas.openxmlformats.org/presentationml/2006/main">
+  <p:tag name="OTLMARKERSHAPE" val="OTL"/>
+</p:tagLst>
+</file>
+
+<file path=ppt/tags/tag83.xml><?xml version="1.0" encoding="utf-8"?>
+<p:tagLst xmlns:a="http://schemas.openxmlformats.org/drawingml/2006/main" xmlns:r="http://schemas.openxmlformats.org/officeDocument/2006/relationships" xmlns:p="http://schemas.openxmlformats.org/presentationml/2006/main">
+  <p:tag name="OTLMARKERSHAPE" val="OTL"/>
+</p:tagLst>
+</file>
+
+<file path=ppt/tags/tag9.xml><?xml version="1.0" encoding="utf-8"?>
+<p:tagLst xmlns:a="http://schemas.openxmlformats.org/drawingml/2006/main" xmlns:r="http://schemas.openxmlformats.org/officeDocument/2006/relationships" xmlns:p="http://schemas.openxmlformats.org/presentationml/2006/main">
+  <p:tag name="OTLMARKERSHAPE" val="OTL"/>
+</p:tagLst>
 </file>
 
 <file path=ppt/theme/theme1.xml><?xml version="1.0" encoding="utf-8"?>

--- a/2nd_year_int.pptx
+++ b/2nd_year_int.pptx
@@ -6,19 +6,23 @@
     <p:sldMasterId id="2147483661" r:id="rId2"/>
     <p:sldMasterId id="2147483674" r:id="rId3"/>
   </p:sldMasterIdLst>
+  <p:notesMasterIdLst>
+    <p:notesMasterId r:id="rId17"/>
+  </p:notesMasterIdLst>
   <p:sldIdLst>
     <p:sldId id="256" r:id="rId4"/>
     <p:sldId id="257" r:id="rId5"/>
-    <p:sldId id="258" r:id="rId6"/>
-    <p:sldId id="259" r:id="rId7"/>
-    <p:sldId id="260" r:id="rId8"/>
-    <p:sldId id="261" r:id="rId9"/>
-    <p:sldId id="262" r:id="rId10"/>
-    <p:sldId id="263" r:id="rId11"/>
-    <p:sldId id="264" r:id="rId12"/>
-    <p:sldId id="265" r:id="rId13"/>
-    <p:sldId id="268" r:id="rId14"/>
-    <p:sldId id="266" r:id="rId15"/>
+    <p:sldId id="261" r:id="rId6"/>
+    <p:sldId id="272" r:id="rId7"/>
+    <p:sldId id="269" r:id="rId8"/>
+    <p:sldId id="270" r:id="rId9"/>
+    <p:sldId id="271" r:id="rId10"/>
+    <p:sldId id="273" r:id="rId11"/>
+    <p:sldId id="274" r:id="rId12"/>
+    <p:sldId id="275" r:id="rId13"/>
+    <p:sldId id="265" r:id="rId14"/>
+    <p:sldId id="268" r:id="rId15"/>
+    <p:sldId id="266" r:id="rId16"/>
   </p:sldIdLst>
   <p:sldSz cx="9144000" cy="6858000" type="screen4x3"/>
   <p:notesSz cx="7559675" cy="10691813"/>
@@ -120,6 +124,1259 @@
 </p:presentation>
 </file>
 
+<file path=ppt/notesMasters/notesMaster1.xml><?xml version="1.0" encoding="utf-8"?>
+<p:notesMaster xmlns:a="http://schemas.openxmlformats.org/drawingml/2006/main" xmlns:r="http://schemas.openxmlformats.org/officeDocument/2006/relationships" xmlns:p="http://schemas.openxmlformats.org/presentationml/2006/main">
+  <p:cSld>
+    <p:bg>
+      <p:bgRef idx="1001">
+        <a:schemeClr val="bg1"/>
+      </p:bgRef>
+    </p:bg>
+    <p:spTree>
+      <p:nvGrpSpPr>
+        <p:cNvPr id="1" name=""/>
+        <p:cNvGrpSpPr/>
+        <p:nvPr/>
+      </p:nvGrpSpPr>
+      <p:grpSpPr>
+        <a:xfrm>
+          <a:off x="0" y="0"/>
+          <a:ext cx="0" cy="0"/>
+          <a:chOff x="0" y="0"/>
+          <a:chExt cx="0" cy="0"/>
+        </a:xfrm>
+      </p:grpSpPr>
+      <p:sp>
+        <p:nvSpPr>
+          <p:cNvPr id="2" name="页眉占位符 1"/>
+          <p:cNvSpPr>
+            <a:spLocks noGrp="1"/>
+          </p:cNvSpPr>
+          <p:nvPr>
+            <p:ph type="hdr" sz="quarter"/>
+          </p:nvPr>
+        </p:nvSpPr>
+        <p:spPr>
+          <a:xfrm>
+            <a:off x="0" y="0"/>
+            <a:ext cx="3276600" cy="534988"/>
+          </a:xfrm>
+          <a:prstGeom prst="rect">
+            <a:avLst/>
+          </a:prstGeom>
+        </p:spPr>
+        <p:txBody>
+          <a:bodyPr vert="horz" lIns="91440" tIns="45720" rIns="91440" bIns="45720" rtlCol="0"/>
+          <a:lstStyle>
+            <a:lvl1pPr algn="l">
+              <a:defRPr sz="1200"/>
+            </a:lvl1pPr>
+          </a:lstStyle>
+          <a:p>
+            <a:endParaRPr lang="zh-CN" altLang="en-US"/>
+          </a:p>
+        </p:txBody>
+      </p:sp>
+      <p:sp>
+        <p:nvSpPr>
+          <p:cNvPr id="3" name="日期占位符 2"/>
+          <p:cNvSpPr>
+            <a:spLocks noGrp="1"/>
+          </p:cNvSpPr>
+          <p:nvPr>
+            <p:ph type="dt" idx="1"/>
+          </p:nvPr>
+        </p:nvSpPr>
+        <p:spPr>
+          <a:xfrm>
+            <a:off x="4281488" y="0"/>
+            <a:ext cx="3276600" cy="534988"/>
+          </a:xfrm>
+          <a:prstGeom prst="rect">
+            <a:avLst/>
+          </a:prstGeom>
+        </p:spPr>
+        <p:txBody>
+          <a:bodyPr vert="horz" lIns="91440" tIns="45720" rIns="91440" bIns="45720" rtlCol="0"/>
+          <a:lstStyle>
+            <a:lvl1pPr algn="r">
+              <a:defRPr sz="1200"/>
+            </a:lvl1pPr>
+          </a:lstStyle>
+          <a:p>
+            <a:fld id="{46EBBDD8-2249-4750-A4B4-7850C78801F5}" type="datetimeFigureOut">
+              <a:rPr lang="zh-CN" altLang="en-US" smtClean="0"/>
+              <a:t>2015/12/8</a:t>
+            </a:fld>
+            <a:endParaRPr lang="zh-CN" altLang="en-US"/>
+          </a:p>
+        </p:txBody>
+      </p:sp>
+      <p:sp>
+        <p:nvSpPr>
+          <p:cNvPr id="4" name="幻灯片图像占位符 3"/>
+          <p:cNvSpPr>
+            <a:spLocks noGrp="1" noRot="1" noChangeAspect="1"/>
+          </p:cNvSpPr>
+          <p:nvPr>
+            <p:ph type="sldImg" idx="2"/>
+          </p:nvPr>
+        </p:nvSpPr>
+        <p:spPr>
+          <a:xfrm>
+            <a:off x="1106488" y="801688"/>
+            <a:ext cx="5346700" cy="4010025"/>
+          </a:xfrm>
+          <a:prstGeom prst="rect">
+            <a:avLst/>
+          </a:prstGeom>
+          <a:noFill/>
+          <a:ln w="12700">
+            <a:solidFill>
+              <a:prstClr val="black"/>
+            </a:solidFill>
+          </a:ln>
+        </p:spPr>
+        <p:txBody>
+          <a:bodyPr vert="horz" lIns="91440" tIns="45720" rIns="91440" bIns="45720" rtlCol="0" anchor="ctr"/>
+          <a:lstStyle/>
+          <a:p>
+            <a:endParaRPr lang="zh-CN" altLang="en-US"/>
+          </a:p>
+        </p:txBody>
+      </p:sp>
+      <p:sp>
+        <p:nvSpPr>
+          <p:cNvPr id="5" name="备注占位符 4"/>
+          <p:cNvSpPr>
+            <a:spLocks noGrp="1"/>
+          </p:cNvSpPr>
+          <p:nvPr>
+            <p:ph type="body" sz="quarter" idx="3"/>
+          </p:nvPr>
+        </p:nvSpPr>
+        <p:spPr>
+          <a:xfrm>
+            <a:off x="755650" y="5078413"/>
+            <a:ext cx="6048375" cy="4811712"/>
+          </a:xfrm>
+          <a:prstGeom prst="rect">
+            <a:avLst/>
+          </a:prstGeom>
+        </p:spPr>
+        <p:txBody>
+          <a:bodyPr vert="horz" lIns="91440" tIns="45720" rIns="91440" bIns="45720" rtlCol="0"/>
+          <a:lstStyle/>
+          <a:p>
+            <a:pPr lvl="0"/>
+            <a:r>
+              <a:rPr lang="zh-CN" altLang="en-US" smtClean="0"/>
+              <a:t>单击此处编辑母版文本样式</a:t>
+            </a:r>
+          </a:p>
+          <a:p>
+            <a:pPr lvl="1"/>
+            <a:r>
+              <a:rPr lang="zh-CN" altLang="en-US" smtClean="0"/>
+              <a:t>第二级</a:t>
+            </a:r>
+          </a:p>
+          <a:p>
+            <a:pPr lvl="2"/>
+            <a:r>
+              <a:rPr lang="zh-CN" altLang="en-US" smtClean="0"/>
+              <a:t>第三级</a:t>
+            </a:r>
+          </a:p>
+          <a:p>
+            <a:pPr lvl="3"/>
+            <a:r>
+              <a:rPr lang="zh-CN" altLang="en-US" smtClean="0"/>
+              <a:t>第四级</a:t>
+            </a:r>
+          </a:p>
+          <a:p>
+            <a:pPr lvl="4"/>
+            <a:r>
+              <a:rPr lang="zh-CN" altLang="en-US" smtClean="0"/>
+              <a:t>第五级</a:t>
+            </a:r>
+            <a:endParaRPr lang="zh-CN" altLang="en-US"/>
+          </a:p>
+        </p:txBody>
+      </p:sp>
+      <p:sp>
+        <p:nvSpPr>
+          <p:cNvPr id="6" name="页脚占位符 5"/>
+          <p:cNvSpPr>
+            <a:spLocks noGrp="1"/>
+          </p:cNvSpPr>
+          <p:nvPr>
+            <p:ph type="ftr" sz="quarter" idx="4"/>
+          </p:nvPr>
+        </p:nvSpPr>
+        <p:spPr>
+          <a:xfrm>
+            <a:off x="0" y="10155238"/>
+            <a:ext cx="3276600" cy="534987"/>
+          </a:xfrm>
+          <a:prstGeom prst="rect">
+            <a:avLst/>
+          </a:prstGeom>
+        </p:spPr>
+        <p:txBody>
+          <a:bodyPr vert="horz" lIns="91440" tIns="45720" rIns="91440" bIns="45720" rtlCol="0" anchor="b"/>
+          <a:lstStyle>
+            <a:lvl1pPr algn="l">
+              <a:defRPr sz="1200"/>
+            </a:lvl1pPr>
+          </a:lstStyle>
+          <a:p>
+            <a:endParaRPr lang="zh-CN" altLang="en-US"/>
+          </a:p>
+        </p:txBody>
+      </p:sp>
+      <p:sp>
+        <p:nvSpPr>
+          <p:cNvPr id="7" name="灯片编号占位符 6"/>
+          <p:cNvSpPr>
+            <a:spLocks noGrp="1"/>
+          </p:cNvSpPr>
+          <p:nvPr>
+            <p:ph type="sldNum" sz="quarter" idx="5"/>
+          </p:nvPr>
+        </p:nvSpPr>
+        <p:spPr>
+          <a:xfrm>
+            <a:off x="4281488" y="10155238"/>
+            <a:ext cx="3276600" cy="534987"/>
+          </a:xfrm>
+          <a:prstGeom prst="rect">
+            <a:avLst/>
+          </a:prstGeom>
+        </p:spPr>
+        <p:txBody>
+          <a:bodyPr vert="horz" lIns="91440" tIns="45720" rIns="91440" bIns="45720" rtlCol="0" anchor="b"/>
+          <a:lstStyle>
+            <a:lvl1pPr algn="r">
+              <a:defRPr sz="1200"/>
+            </a:lvl1pPr>
+          </a:lstStyle>
+          <a:p>
+            <a:fld id="{79E2B501-C9D0-47CF-94DB-FC681E48CAF6}" type="slidenum">
+              <a:rPr lang="zh-CN" altLang="en-US" smtClean="0"/>
+              <a:t>‹#›</a:t>
+            </a:fld>
+            <a:endParaRPr lang="zh-CN" altLang="en-US"/>
+          </a:p>
+        </p:txBody>
+      </p:sp>
+    </p:spTree>
+    <p:extLst>
+      <p:ext uri="{BB962C8B-B14F-4D97-AF65-F5344CB8AC3E}">
+        <p14:creationId xmlns:p14="http://schemas.microsoft.com/office/powerpoint/2010/main" val="4275882575"/>
+      </p:ext>
+    </p:extLst>
+  </p:cSld>
+  <p:clrMap bg1="lt1" tx1="dk1" bg2="lt2" tx2="dk2" accent1="accent1" accent2="accent2" accent3="accent3" accent4="accent4" accent5="accent5" accent6="accent6" hlink="hlink" folHlink="folHlink"/>
+  <p:notesStyle>
+    <a:lvl1pPr marL="0" algn="l" defTabSz="914400" rtl="0" eaLnBrk="1" latinLnBrk="0" hangingPunct="1">
+      <a:defRPr sz="1200" kern="1200">
+        <a:solidFill>
+          <a:schemeClr val="tx1"/>
+        </a:solidFill>
+        <a:latin typeface="+mn-lt"/>
+        <a:ea typeface="+mn-ea"/>
+        <a:cs typeface="+mn-cs"/>
+      </a:defRPr>
+    </a:lvl1pPr>
+    <a:lvl2pPr marL="457200" algn="l" defTabSz="914400" rtl="0" eaLnBrk="1" latinLnBrk="0" hangingPunct="1">
+      <a:defRPr sz="1200" kern="1200">
+        <a:solidFill>
+          <a:schemeClr val="tx1"/>
+        </a:solidFill>
+        <a:latin typeface="+mn-lt"/>
+        <a:ea typeface="+mn-ea"/>
+        <a:cs typeface="+mn-cs"/>
+      </a:defRPr>
+    </a:lvl2pPr>
+    <a:lvl3pPr marL="914400" algn="l" defTabSz="914400" rtl="0" eaLnBrk="1" latinLnBrk="0" hangingPunct="1">
+      <a:defRPr sz="1200" kern="1200">
+        <a:solidFill>
+          <a:schemeClr val="tx1"/>
+        </a:solidFill>
+        <a:latin typeface="+mn-lt"/>
+        <a:ea typeface="+mn-ea"/>
+        <a:cs typeface="+mn-cs"/>
+      </a:defRPr>
+    </a:lvl3pPr>
+    <a:lvl4pPr marL="1371600" algn="l" defTabSz="914400" rtl="0" eaLnBrk="1" latinLnBrk="0" hangingPunct="1">
+      <a:defRPr sz="1200" kern="1200">
+        <a:solidFill>
+          <a:schemeClr val="tx1"/>
+        </a:solidFill>
+        <a:latin typeface="+mn-lt"/>
+        <a:ea typeface="+mn-ea"/>
+        <a:cs typeface="+mn-cs"/>
+      </a:defRPr>
+    </a:lvl4pPr>
+    <a:lvl5pPr marL="1828800" algn="l" defTabSz="914400" rtl="0" eaLnBrk="1" latinLnBrk="0" hangingPunct="1">
+      <a:defRPr sz="1200" kern="1200">
+        <a:solidFill>
+          <a:schemeClr val="tx1"/>
+        </a:solidFill>
+        <a:latin typeface="+mn-lt"/>
+        <a:ea typeface="+mn-ea"/>
+        <a:cs typeface="+mn-cs"/>
+      </a:defRPr>
+    </a:lvl5pPr>
+    <a:lvl6pPr marL="2286000" algn="l" defTabSz="914400" rtl="0" eaLnBrk="1" latinLnBrk="0" hangingPunct="1">
+      <a:defRPr sz="1200" kern="1200">
+        <a:solidFill>
+          <a:schemeClr val="tx1"/>
+        </a:solidFill>
+        <a:latin typeface="+mn-lt"/>
+        <a:ea typeface="+mn-ea"/>
+        <a:cs typeface="+mn-cs"/>
+      </a:defRPr>
+    </a:lvl6pPr>
+    <a:lvl7pPr marL="2743200" algn="l" defTabSz="914400" rtl="0" eaLnBrk="1" latinLnBrk="0" hangingPunct="1">
+      <a:defRPr sz="1200" kern="1200">
+        <a:solidFill>
+          <a:schemeClr val="tx1"/>
+        </a:solidFill>
+        <a:latin typeface="+mn-lt"/>
+        <a:ea typeface="+mn-ea"/>
+        <a:cs typeface="+mn-cs"/>
+      </a:defRPr>
+    </a:lvl7pPr>
+    <a:lvl8pPr marL="3200400" algn="l" defTabSz="914400" rtl="0" eaLnBrk="1" latinLnBrk="0" hangingPunct="1">
+      <a:defRPr sz="1200" kern="1200">
+        <a:solidFill>
+          <a:schemeClr val="tx1"/>
+        </a:solidFill>
+        <a:latin typeface="+mn-lt"/>
+        <a:ea typeface="+mn-ea"/>
+        <a:cs typeface="+mn-cs"/>
+      </a:defRPr>
+    </a:lvl8pPr>
+    <a:lvl9pPr marL="3657600" algn="l" defTabSz="914400" rtl="0" eaLnBrk="1" latinLnBrk="0" hangingPunct="1">
+      <a:defRPr sz="1200" kern="1200">
+        <a:solidFill>
+          <a:schemeClr val="tx1"/>
+        </a:solidFill>
+        <a:latin typeface="+mn-lt"/>
+        <a:ea typeface="+mn-ea"/>
+        <a:cs typeface="+mn-cs"/>
+      </a:defRPr>
+    </a:lvl9pPr>
+  </p:notesStyle>
+</p:notesMaster>
+</file>
+
+<file path=ppt/notesSlides/notesSlide1.xml><?xml version="1.0" encoding="utf-8"?>
+<p:notes xmlns:a="http://schemas.openxmlformats.org/drawingml/2006/main" xmlns:r="http://schemas.openxmlformats.org/officeDocument/2006/relationships" xmlns:p="http://schemas.openxmlformats.org/presentationml/2006/main">
+  <p:cSld>
+    <p:spTree>
+      <p:nvGrpSpPr>
+        <p:cNvPr id="1" name=""/>
+        <p:cNvGrpSpPr/>
+        <p:nvPr/>
+      </p:nvGrpSpPr>
+      <p:grpSpPr>
+        <a:xfrm>
+          <a:off x="0" y="0"/>
+          <a:ext cx="0" cy="0"/>
+          <a:chOff x="0" y="0"/>
+          <a:chExt cx="0" cy="0"/>
+        </a:xfrm>
+      </p:grpSpPr>
+      <p:sp>
+        <p:nvSpPr>
+          <p:cNvPr id="2" name="幻灯片图像占位符 1"/>
+          <p:cNvSpPr>
+            <a:spLocks noGrp="1" noRot="1" noChangeAspect="1"/>
+          </p:cNvSpPr>
+          <p:nvPr>
+            <p:ph type="sldImg"/>
+          </p:nvPr>
+        </p:nvSpPr>
+        <p:spPr/>
+      </p:sp>
+      <p:sp>
+        <p:nvSpPr>
+          <p:cNvPr id="3" name="备注占位符 2"/>
+          <p:cNvSpPr>
+            <a:spLocks noGrp="1"/>
+          </p:cNvSpPr>
+          <p:nvPr>
+            <p:ph type="body" idx="1"/>
+          </p:nvPr>
+        </p:nvSpPr>
+        <p:spPr/>
+        <p:txBody>
+          <a:bodyPr/>
+          <a:lstStyle/>
+          <a:p>
+            <a:r>
+              <a:rPr lang="en-US" altLang="zh-CN" dirty="0" smtClean="0"/>
+              <a:t>Have</a:t>
+            </a:r>
+            <a:r>
+              <a:rPr lang="en-US" altLang="zh-CN" baseline="0" dirty="0" smtClean="0"/>
+              <a:t> to record data individually</a:t>
+            </a:r>
+          </a:p>
+          <a:p>
+            <a:endParaRPr lang="en-US" altLang="zh-CN" baseline="0" dirty="0" smtClean="0"/>
+          </a:p>
+          <a:p>
+            <a:r>
+              <a:rPr lang="en-US" altLang="zh-CN" baseline="0" dirty="0" smtClean="0"/>
+              <a:t>Comparisons with spiking and non-spiking conventional methods</a:t>
+            </a:r>
+          </a:p>
+          <a:p>
+            <a:endParaRPr lang="en-US" altLang="zh-CN" baseline="0" dirty="0" smtClean="0"/>
+          </a:p>
+          <a:p>
+            <a:r>
+              <a:rPr lang="en-US" altLang="zh-CN" baseline="0" dirty="0" smtClean="0"/>
+              <a:t>Special </a:t>
+            </a:r>
+            <a:r>
+              <a:rPr lang="en-US" altLang="zh-CN" baseline="0" dirty="0" err="1" smtClean="0"/>
+              <a:t>accessment</a:t>
+            </a:r>
+            <a:r>
+              <a:rPr lang="en-US" altLang="zh-CN" baseline="0" dirty="0" smtClean="0"/>
+              <a:t> particular for SNN</a:t>
+            </a:r>
+          </a:p>
+          <a:p>
+            <a:endParaRPr lang="zh-CN" altLang="en-US" dirty="0"/>
+          </a:p>
+        </p:txBody>
+      </p:sp>
+      <p:sp>
+        <p:nvSpPr>
+          <p:cNvPr id="4" name="灯片编号占位符 3"/>
+          <p:cNvSpPr>
+            <a:spLocks noGrp="1"/>
+          </p:cNvSpPr>
+          <p:nvPr>
+            <p:ph type="sldNum" sz="quarter" idx="10"/>
+          </p:nvPr>
+        </p:nvSpPr>
+        <p:spPr/>
+        <p:txBody>
+          <a:bodyPr/>
+          <a:lstStyle/>
+          <a:p>
+            <a:fld id="{79E2B501-C9D0-47CF-94DB-FC681E48CAF6}" type="slidenum">
+              <a:rPr lang="zh-CN" altLang="en-US" smtClean="0"/>
+              <a:t>2</a:t>
+            </a:fld>
+            <a:endParaRPr lang="zh-CN" altLang="en-US"/>
+          </a:p>
+        </p:txBody>
+      </p:sp>
+    </p:spTree>
+    <p:extLst>
+      <p:ext uri="{BB962C8B-B14F-4D97-AF65-F5344CB8AC3E}">
+        <p14:creationId xmlns:p14="http://schemas.microsoft.com/office/powerpoint/2010/main" val="3973230455"/>
+      </p:ext>
+    </p:extLst>
+  </p:cSld>
+  <p:clrMapOvr>
+    <a:masterClrMapping/>
+  </p:clrMapOvr>
+</p:notes>
+</file>
+
+<file path=ppt/notesSlides/notesSlide2.xml><?xml version="1.0" encoding="utf-8"?>
+<p:notes xmlns:a="http://schemas.openxmlformats.org/drawingml/2006/main" xmlns:r="http://schemas.openxmlformats.org/officeDocument/2006/relationships" xmlns:p="http://schemas.openxmlformats.org/presentationml/2006/main">
+  <p:cSld>
+    <p:spTree>
+      <p:nvGrpSpPr>
+        <p:cNvPr id="1" name=""/>
+        <p:cNvGrpSpPr/>
+        <p:nvPr/>
+      </p:nvGrpSpPr>
+      <p:grpSpPr>
+        <a:xfrm>
+          <a:off x="0" y="0"/>
+          <a:ext cx="0" cy="0"/>
+          <a:chOff x="0" y="0"/>
+          <a:chExt cx="0" cy="0"/>
+        </a:xfrm>
+      </p:grpSpPr>
+      <p:sp>
+        <p:nvSpPr>
+          <p:cNvPr id="2" name="幻灯片图像占位符 1"/>
+          <p:cNvSpPr>
+            <a:spLocks noGrp="1" noRot="1" noChangeAspect="1"/>
+          </p:cNvSpPr>
+          <p:nvPr>
+            <p:ph type="sldImg"/>
+          </p:nvPr>
+        </p:nvSpPr>
+        <p:spPr/>
+      </p:sp>
+      <p:sp>
+        <p:nvSpPr>
+          <p:cNvPr id="3" name="备注占位符 2"/>
+          <p:cNvSpPr>
+            <a:spLocks noGrp="1"/>
+          </p:cNvSpPr>
+          <p:nvPr>
+            <p:ph type="body" idx="1"/>
+          </p:nvPr>
+        </p:nvSpPr>
+        <p:spPr/>
+        <p:txBody>
+          <a:bodyPr/>
+          <a:lstStyle/>
+          <a:p>
+            <a:r>
+              <a:rPr lang="en-US" altLang="zh-CN" dirty="0" smtClean="0"/>
+              <a:t>	\item \</a:t>
+            </a:r>
+            <a:r>
+              <a:rPr lang="en-US" altLang="zh-CN" dirty="0" err="1" smtClean="0"/>
+              <a:t>textit</a:t>
+            </a:r>
+            <a:r>
+              <a:rPr lang="en-US" altLang="zh-CN" dirty="0" smtClean="0"/>
+              <a:t>{</a:t>
+            </a:r>
+            <a:r>
+              <a:rPr lang="en-US" altLang="zh-CN" dirty="0" err="1" smtClean="0"/>
+              <a:t>Poissonian</a:t>
+            </a:r>
+            <a:r>
+              <a:rPr lang="en-US" altLang="zh-CN" dirty="0" smtClean="0"/>
+              <a:t>}</a:t>
+            </a:r>
+          </a:p>
+          <a:p>
+            <a:r>
+              <a:rPr lang="en-US" altLang="zh-CN" dirty="0" smtClean="0"/>
+              <a:t>	to benchmarking existing methods of rate-based spiking models.</a:t>
+            </a:r>
+          </a:p>
+          <a:p>
+            <a:r>
+              <a:rPr lang="en-US" altLang="zh-CN" dirty="0" smtClean="0"/>
+              <a:t>	\item \</a:t>
+            </a:r>
+            <a:r>
+              <a:rPr lang="en-US" altLang="zh-CN" dirty="0" err="1" smtClean="0"/>
+              <a:t>textit</a:t>
+            </a:r>
+            <a:r>
+              <a:rPr lang="en-US" altLang="zh-CN" dirty="0" smtClean="0"/>
+              <a:t>{</a:t>
+            </a:r>
+            <a:r>
+              <a:rPr lang="en-US" altLang="zh-CN" dirty="0" err="1" smtClean="0"/>
+              <a:t>FoCal</a:t>
+            </a:r>
+            <a:r>
+              <a:rPr lang="en-US" altLang="zh-CN" dirty="0" smtClean="0"/>
+              <a:t>~(Filter overlap Correction)}</a:t>
+            </a:r>
+          </a:p>
+          <a:p>
+            <a:r>
+              <a:rPr lang="en-US" altLang="zh-CN" dirty="0" smtClean="0"/>
+              <a:t>	to promote the study of </a:t>
+            </a:r>
+            <a:r>
+              <a:rPr lang="en-US" altLang="zh-CN" dirty="0" err="1" smtClean="0"/>
+              <a:t>spatio</a:t>
+            </a:r>
+            <a:r>
+              <a:rPr lang="en-US" altLang="zh-CN" dirty="0" smtClean="0"/>
+              <a:t>-temporal algorithms applied to recognition tasks using few input spikes.</a:t>
+            </a:r>
+          </a:p>
+          <a:p>
+            <a:r>
+              <a:rPr lang="en-US" altLang="zh-CN" dirty="0" smtClean="0"/>
+              <a:t>	\item \</a:t>
+            </a:r>
+            <a:r>
+              <a:rPr lang="en-US" altLang="zh-CN" dirty="0" err="1" smtClean="0"/>
+              <a:t>textit</a:t>
+            </a:r>
+            <a:r>
+              <a:rPr lang="en-US" altLang="zh-CN" dirty="0" smtClean="0"/>
+              <a:t>{DVS recorded flashing input}</a:t>
+            </a:r>
+          </a:p>
+          <a:p>
+            <a:r>
+              <a:rPr lang="en-US" altLang="zh-CN" dirty="0" smtClean="0"/>
+              <a:t>	to encourage research on fast recognition methods which are found in the primate visual pathway.</a:t>
+            </a:r>
+          </a:p>
+          <a:p>
+            <a:r>
+              <a:rPr lang="en-US" altLang="zh-CN" dirty="0" smtClean="0"/>
+              <a:t>	\item \</a:t>
+            </a:r>
+            <a:r>
+              <a:rPr lang="en-US" altLang="zh-CN" dirty="0" err="1" smtClean="0"/>
+              <a:t>textit</a:t>
+            </a:r>
+            <a:r>
+              <a:rPr lang="en-US" altLang="zh-CN" dirty="0" smtClean="0"/>
+              <a:t>{DVS recorded moving input}</a:t>
+            </a:r>
+          </a:p>
+          <a:p>
+            <a:r>
+              <a:rPr lang="en-US" altLang="zh-CN" dirty="0" smtClean="0"/>
+              <a:t>	to trigger the study of algorithms targeting on continuous input from real-world sensors and to implement them on mobile </a:t>
+            </a:r>
+            <a:r>
+              <a:rPr lang="en-US" altLang="zh-CN" dirty="0" err="1" smtClean="0"/>
+              <a:t>neuromorphic</a:t>
+            </a:r>
+            <a:r>
+              <a:rPr lang="en-US" altLang="zh-CN" dirty="0" smtClean="0"/>
+              <a:t> robots.</a:t>
+            </a:r>
+          </a:p>
+          <a:p>
+            <a:endParaRPr lang="en-US" altLang="zh-CN" dirty="0" smtClean="0"/>
+          </a:p>
+          <a:p>
+            <a:r>
+              <a:rPr lang="en-US" altLang="zh-CN" dirty="0" smtClean="0"/>
+              <a:t>Motivations!</a:t>
+            </a:r>
+            <a:endParaRPr lang="zh-CN" altLang="en-US" dirty="0"/>
+          </a:p>
+        </p:txBody>
+      </p:sp>
+      <p:sp>
+        <p:nvSpPr>
+          <p:cNvPr id="4" name="灯片编号占位符 3"/>
+          <p:cNvSpPr>
+            <a:spLocks noGrp="1"/>
+          </p:cNvSpPr>
+          <p:nvPr>
+            <p:ph type="sldNum" sz="quarter" idx="10"/>
+          </p:nvPr>
+        </p:nvSpPr>
+        <p:spPr/>
+        <p:txBody>
+          <a:bodyPr/>
+          <a:lstStyle/>
+          <a:p>
+            <a:fld id="{79E2B501-C9D0-47CF-94DB-FC681E48CAF6}" type="slidenum">
+              <a:rPr lang="zh-CN" altLang="en-US" smtClean="0"/>
+              <a:t>3</a:t>
+            </a:fld>
+            <a:endParaRPr lang="zh-CN" altLang="en-US"/>
+          </a:p>
+        </p:txBody>
+      </p:sp>
+    </p:spTree>
+    <p:extLst>
+      <p:ext uri="{BB962C8B-B14F-4D97-AF65-F5344CB8AC3E}">
+        <p14:creationId xmlns:p14="http://schemas.microsoft.com/office/powerpoint/2010/main" val="4073214201"/>
+      </p:ext>
+    </p:extLst>
+  </p:cSld>
+  <p:clrMapOvr>
+    <a:masterClrMapping/>
+  </p:clrMapOvr>
+</p:notes>
+</file>
+
+<file path=ppt/notesSlides/notesSlide3.xml><?xml version="1.0" encoding="utf-8"?>
+<p:notes xmlns:a="http://schemas.openxmlformats.org/drawingml/2006/main" xmlns:r="http://schemas.openxmlformats.org/officeDocument/2006/relationships" xmlns:p="http://schemas.openxmlformats.org/presentationml/2006/main">
+  <p:cSld>
+    <p:spTree>
+      <p:nvGrpSpPr>
+        <p:cNvPr id="1" name=""/>
+        <p:cNvGrpSpPr/>
+        <p:nvPr/>
+      </p:nvGrpSpPr>
+      <p:grpSpPr>
+        <a:xfrm>
+          <a:off x="0" y="0"/>
+          <a:ext cx="0" cy="0"/>
+          <a:chOff x="0" y="0"/>
+          <a:chExt cx="0" cy="0"/>
+        </a:xfrm>
+      </p:grpSpPr>
+      <p:sp>
+        <p:nvSpPr>
+          <p:cNvPr id="2" name="幻灯片图像占位符 1"/>
+          <p:cNvSpPr>
+            <a:spLocks noGrp="1" noRot="1" noChangeAspect="1"/>
+          </p:cNvSpPr>
+          <p:nvPr>
+            <p:ph type="sldImg"/>
+          </p:nvPr>
+        </p:nvSpPr>
+        <p:spPr/>
+      </p:sp>
+      <p:sp>
+        <p:nvSpPr>
+          <p:cNvPr id="3" name="备注占位符 2"/>
+          <p:cNvSpPr>
+            <a:spLocks noGrp="1"/>
+          </p:cNvSpPr>
+          <p:nvPr>
+            <p:ph type="body" idx="1"/>
+          </p:nvPr>
+        </p:nvSpPr>
+        <p:spPr/>
+        <p:txBody>
+          <a:bodyPr/>
+          <a:lstStyle/>
+          <a:p>
+            <a:r>
+              <a:rPr lang="en-US" altLang="zh-CN" sz="1200" dirty="0" smtClean="0">
+                <a:solidFill>
+                  <a:srgbClr val="000000"/>
+                </a:solidFill>
+                <a:latin typeface="Arial"/>
+              </a:rPr>
+              <a:t>feasibility (classification accuracy)</a:t>
+            </a:r>
+          </a:p>
+          <a:p>
+            <a:r>
+              <a:rPr lang="en-US" altLang="zh-CN" sz="1200" dirty="0" smtClean="0">
+                <a:solidFill>
+                  <a:srgbClr val="000000"/>
+                </a:solidFill>
+                <a:latin typeface="Arial"/>
+              </a:rPr>
+              <a:t>Such</a:t>
+            </a:r>
+            <a:r>
+              <a:rPr lang="en-US" altLang="zh-CN" sz="1200" baseline="0" dirty="0" smtClean="0">
+                <a:solidFill>
+                  <a:srgbClr val="000000"/>
+                </a:solidFill>
+                <a:latin typeface="Arial"/>
+              </a:rPr>
+              <a:t> as: network size, neural and synaptic type and learning algorithm </a:t>
+            </a:r>
+            <a:r>
+              <a:rPr lang="en-US" altLang="zh-CN" sz="1200" baseline="0" smtClean="0">
+                <a:solidFill>
+                  <a:srgbClr val="000000"/>
+                </a:solidFill>
+                <a:latin typeface="Arial"/>
+              </a:rPr>
+              <a:t>and precision</a:t>
+            </a:r>
+            <a:endParaRPr lang="zh-CN" altLang="en-US"/>
+          </a:p>
+        </p:txBody>
+      </p:sp>
+      <p:sp>
+        <p:nvSpPr>
+          <p:cNvPr id="4" name="灯片编号占位符 3"/>
+          <p:cNvSpPr>
+            <a:spLocks noGrp="1"/>
+          </p:cNvSpPr>
+          <p:nvPr>
+            <p:ph type="sldNum" sz="quarter" idx="10"/>
+          </p:nvPr>
+        </p:nvSpPr>
+        <p:spPr/>
+        <p:txBody>
+          <a:bodyPr/>
+          <a:lstStyle/>
+          <a:p>
+            <a:fld id="{79E2B501-C9D0-47CF-94DB-FC681E48CAF6}" type="slidenum">
+              <a:rPr lang="zh-CN" altLang="en-US" smtClean="0"/>
+              <a:t>4</a:t>
+            </a:fld>
+            <a:endParaRPr lang="zh-CN" altLang="en-US"/>
+          </a:p>
+        </p:txBody>
+      </p:sp>
+    </p:spTree>
+    <p:extLst>
+      <p:ext uri="{BB962C8B-B14F-4D97-AF65-F5344CB8AC3E}">
+        <p14:creationId xmlns:p14="http://schemas.microsoft.com/office/powerpoint/2010/main" val="2567128321"/>
+      </p:ext>
+    </p:extLst>
+  </p:cSld>
+  <p:clrMapOvr>
+    <a:masterClrMapping/>
+  </p:clrMapOvr>
+</p:notes>
+</file>
+
+<file path=ppt/notesSlides/notesSlide4.xml><?xml version="1.0" encoding="utf-8"?>
+<p:notes xmlns:a="http://schemas.openxmlformats.org/drawingml/2006/main" xmlns:r="http://schemas.openxmlformats.org/officeDocument/2006/relationships" xmlns:p="http://schemas.openxmlformats.org/presentationml/2006/main">
+  <p:cSld>
+    <p:spTree>
+      <p:nvGrpSpPr>
+        <p:cNvPr id="1" name=""/>
+        <p:cNvGrpSpPr/>
+        <p:nvPr/>
+      </p:nvGrpSpPr>
+      <p:grpSpPr>
+        <a:xfrm>
+          <a:off x="0" y="0"/>
+          <a:ext cx="0" cy="0"/>
+          <a:chOff x="0" y="0"/>
+          <a:chExt cx="0" cy="0"/>
+        </a:xfrm>
+      </p:grpSpPr>
+      <p:sp>
+        <p:nvSpPr>
+          <p:cNvPr id="2" name="幻灯片图像占位符 1"/>
+          <p:cNvSpPr>
+            <a:spLocks noGrp="1" noRot="1" noChangeAspect="1"/>
+          </p:cNvSpPr>
+          <p:nvPr>
+            <p:ph type="sldImg"/>
+          </p:nvPr>
+        </p:nvSpPr>
+        <p:spPr/>
+      </p:sp>
+      <p:sp>
+        <p:nvSpPr>
+          <p:cNvPr id="3" name="备注占位符 2"/>
+          <p:cNvSpPr>
+            <a:spLocks noGrp="1"/>
+          </p:cNvSpPr>
+          <p:nvPr>
+            <p:ph type="body" idx="1"/>
+          </p:nvPr>
+        </p:nvSpPr>
+        <p:spPr/>
+        <p:txBody>
+          <a:bodyPr/>
+          <a:lstStyle/>
+          <a:p>
+            <a:r>
+              <a:rPr lang="en-US" altLang="zh-CN" sz="1200" dirty="0" smtClean="0">
+                <a:solidFill>
+                  <a:srgbClr val="000000"/>
+                </a:solidFill>
+                <a:latin typeface="Arial"/>
+              </a:rPr>
+              <a:t>feasibility (classification accuracy)</a:t>
+            </a:r>
+          </a:p>
+          <a:p>
+            <a:r>
+              <a:rPr lang="en-US" altLang="zh-CN" sz="1200" dirty="0" smtClean="0">
+                <a:solidFill>
+                  <a:srgbClr val="000000"/>
+                </a:solidFill>
+                <a:latin typeface="Arial"/>
+              </a:rPr>
+              <a:t>Such</a:t>
+            </a:r>
+            <a:r>
+              <a:rPr lang="en-US" altLang="zh-CN" sz="1200" baseline="0" dirty="0" smtClean="0">
+                <a:solidFill>
+                  <a:srgbClr val="000000"/>
+                </a:solidFill>
+                <a:latin typeface="Arial"/>
+              </a:rPr>
+              <a:t> as: network size, neural and synaptic type and learning algorithm </a:t>
+            </a:r>
+            <a:r>
+              <a:rPr lang="en-US" altLang="zh-CN" sz="1200" baseline="0" smtClean="0">
+                <a:solidFill>
+                  <a:srgbClr val="000000"/>
+                </a:solidFill>
+                <a:latin typeface="Arial"/>
+              </a:rPr>
+              <a:t>and precision</a:t>
+            </a:r>
+            <a:endParaRPr lang="zh-CN" altLang="en-US"/>
+          </a:p>
+        </p:txBody>
+      </p:sp>
+      <p:sp>
+        <p:nvSpPr>
+          <p:cNvPr id="4" name="灯片编号占位符 3"/>
+          <p:cNvSpPr>
+            <a:spLocks noGrp="1"/>
+          </p:cNvSpPr>
+          <p:nvPr>
+            <p:ph type="sldNum" sz="quarter" idx="10"/>
+          </p:nvPr>
+        </p:nvSpPr>
+        <p:spPr/>
+        <p:txBody>
+          <a:bodyPr/>
+          <a:lstStyle/>
+          <a:p>
+            <a:fld id="{79E2B501-C9D0-47CF-94DB-FC681E48CAF6}" type="slidenum">
+              <a:rPr lang="zh-CN" altLang="en-US" smtClean="0"/>
+              <a:t>6</a:t>
+            </a:fld>
+            <a:endParaRPr lang="zh-CN" altLang="en-US"/>
+          </a:p>
+        </p:txBody>
+      </p:sp>
+    </p:spTree>
+    <p:extLst>
+      <p:ext uri="{BB962C8B-B14F-4D97-AF65-F5344CB8AC3E}">
+        <p14:creationId xmlns:p14="http://schemas.microsoft.com/office/powerpoint/2010/main" val="2567128321"/>
+      </p:ext>
+    </p:extLst>
+  </p:cSld>
+  <p:clrMapOvr>
+    <a:masterClrMapping/>
+  </p:clrMapOvr>
+</p:notes>
+</file>
+
+<file path=ppt/notesSlides/notesSlide5.xml><?xml version="1.0" encoding="utf-8"?>
+<p:notes xmlns:a="http://schemas.openxmlformats.org/drawingml/2006/main" xmlns:r="http://schemas.openxmlformats.org/officeDocument/2006/relationships" xmlns:p="http://schemas.openxmlformats.org/presentationml/2006/main">
+  <p:cSld>
+    <p:spTree>
+      <p:nvGrpSpPr>
+        <p:cNvPr id="1" name=""/>
+        <p:cNvGrpSpPr/>
+        <p:nvPr/>
+      </p:nvGrpSpPr>
+      <p:grpSpPr>
+        <a:xfrm>
+          <a:off x="0" y="0"/>
+          <a:ext cx="0" cy="0"/>
+          <a:chOff x="0" y="0"/>
+          <a:chExt cx="0" cy="0"/>
+        </a:xfrm>
+      </p:grpSpPr>
+      <p:sp>
+        <p:nvSpPr>
+          <p:cNvPr id="2" name="幻灯片图像占位符 1"/>
+          <p:cNvSpPr>
+            <a:spLocks noGrp="1" noRot="1" noChangeAspect="1"/>
+          </p:cNvSpPr>
+          <p:nvPr>
+            <p:ph type="sldImg"/>
+          </p:nvPr>
+        </p:nvSpPr>
+        <p:spPr/>
+      </p:sp>
+      <p:sp>
+        <p:nvSpPr>
+          <p:cNvPr id="3" name="备注占位符 2"/>
+          <p:cNvSpPr>
+            <a:spLocks noGrp="1"/>
+          </p:cNvSpPr>
+          <p:nvPr>
+            <p:ph type="body" idx="1"/>
+          </p:nvPr>
+        </p:nvSpPr>
+        <p:spPr/>
+        <p:txBody>
+          <a:bodyPr/>
+          <a:lstStyle/>
+          <a:p>
+            <a:r>
+              <a:rPr lang="en-US" altLang="zh-CN" dirty="0" smtClean="0"/>
+              <a:t>General but</a:t>
+            </a:r>
+            <a:r>
+              <a:rPr lang="en-US" altLang="zh-CN" baseline="0" dirty="0" smtClean="0"/>
+              <a:t> not specific evaluation</a:t>
+            </a:r>
+            <a:endParaRPr lang="zh-CN" altLang="en-US" dirty="0"/>
+          </a:p>
+        </p:txBody>
+      </p:sp>
+      <p:sp>
+        <p:nvSpPr>
+          <p:cNvPr id="4" name="灯片编号占位符 3"/>
+          <p:cNvSpPr>
+            <a:spLocks noGrp="1"/>
+          </p:cNvSpPr>
+          <p:nvPr>
+            <p:ph type="sldNum" sz="quarter" idx="10"/>
+          </p:nvPr>
+        </p:nvSpPr>
+        <p:spPr/>
+        <p:txBody>
+          <a:bodyPr/>
+          <a:lstStyle/>
+          <a:p>
+            <a:fld id="{79E2B501-C9D0-47CF-94DB-FC681E48CAF6}" type="slidenum">
+              <a:rPr lang="zh-CN" altLang="en-US" smtClean="0"/>
+              <a:t>7</a:t>
+            </a:fld>
+            <a:endParaRPr lang="zh-CN" altLang="en-US"/>
+          </a:p>
+        </p:txBody>
+      </p:sp>
+    </p:spTree>
+    <p:extLst>
+      <p:ext uri="{BB962C8B-B14F-4D97-AF65-F5344CB8AC3E}">
+        <p14:creationId xmlns:p14="http://schemas.microsoft.com/office/powerpoint/2010/main" val="1441885544"/>
+      </p:ext>
+    </p:extLst>
+  </p:cSld>
+  <p:clrMapOvr>
+    <a:masterClrMapping/>
+  </p:clrMapOvr>
+</p:notes>
+</file>
+
+<file path=ppt/notesSlides/notesSlide6.xml><?xml version="1.0" encoding="utf-8"?>
+<p:notes xmlns:a="http://schemas.openxmlformats.org/drawingml/2006/main" xmlns:r="http://schemas.openxmlformats.org/officeDocument/2006/relationships" xmlns:p="http://schemas.openxmlformats.org/presentationml/2006/main">
+  <p:cSld>
+    <p:spTree>
+      <p:nvGrpSpPr>
+        <p:cNvPr id="1" name=""/>
+        <p:cNvGrpSpPr/>
+        <p:nvPr/>
+      </p:nvGrpSpPr>
+      <p:grpSpPr>
+        <a:xfrm>
+          <a:off x="0" y="0"/>
+          <a:ext cx="0" cy="0"/>
+          <a:chOff x="0" y="0"/>
+          <a:chExt cx="0" cy="0"/>
+        </a:xfrm>
+      </p:grpSpPr>
+      <p:sp>
+        <p:nvSpPr>
+          <p:cNvPr id="2" name="幻灯片图像占位符 1"/>
+          <p:cNvSpPr>
+            <a:spLocks noGrp="1" noRot="1" noChangeAspect="1"/>
+          </p:cNvSpPr>
+          <p:nvPr>
+            <p:ph type="sldImg"/>
+          </p:nvPr>
+        </p:nvSpPr>
+        <p:spPr/>
+      </p:sp>
+      <p:sp>
+        <p:nvSpPr>
+          <p:cNvPr id="3" name="备注占位符 2"/>
+          <p:cNvSpPr>
+            <a:spLocks noGrp="1"/>
+          </p:cNvSpPr>
+          <p:nvPr>
+            <p:ph type="body" idx="1"/>
+          </p:nvPr>
+        </p:nvSpPr>
+        <p:spPr/>
+        <p:txBody>
+          <a:bodyPr/>
+          <a:lstStyle/>
+          <a:p>
+            <a:r>
+              <a:rPr lang="en-US" altLang="zh-CN" sz="1200" dirty="0" smtClean="0">
+                <a:solidFill>
+                  <a:srgbClr val="000000"/>
+                </a:solidFill>
+                <a:latin typeface="Arial"/>
+              </a:rPr>
+              <a:t>feasibility (classification accuracy)</a:t>
+            </a:r>
+          </a:p>
+          <a:p>
+            <a:r>
+              <a:rPr lang="en-US" altLang="zh-CN" sz="1200" dirty="0" smtClean="0">
+                <a:solidFill>
+                  <a:srgbClr val="000000"/>
+                </a:solidFill>
+                <a:latin typeface="Arial"/>
+              </a:rPr>
+              <a:t>Such</a:t>
+            </a:r>
+            <a:r>
+              <a:rPr lang="en-US" altLang="zh-CN" sz="1200" baseline="0" dirty="0" smtClean="0">
+                <a:solidFill>
+                  <a:srgbClr val="000000"/>
+                </a:solidFill>
+                <a:latin typeface="Arial"/>
+              </a:rPr>
+              <a:t> as: network size, neural and synaptic type and learning algorithm </a:t>
+            </a:r>
+            <a:r>
+              <a:rPr lang="en-US" altLang="zh-CN" sz="1200" baseline="0" smtClean="0">
+                <a:solidFill>
+                  <a:srgbClr val="000000"/>
+                </a:solidFill>
+                <a:latin typeface="Arial"/>
+              </a:rPr>
+              <a:t>and precision</a:t>
+            </a:r>
+            <a:endParaRPr lang="zh-CN" altLang="en-US"/>
+          </a:p>
+        </p:txBody>
+      </p:sp>
+      <p:sp>
+        <p:nvSpPr>
+          <p:cNvPr id="4" name="灯片编号占位符 3"/>
+          <p:cNvSpPr>
+            <a:spLocks noGrp="1"/>
+          </p:cNvSpPr>
+          <p:nvPr>
+            <p:ph type="sldNum" sz="quarter" idx="10"/>
+          </p:nvPr>
+        </p:nvSpPr>
+        <p:spPr/>
+        <p:txBody>
+          <a:bodyPr/>
+          <a:lstStyle/>
+          <a:p>
+            <a:fld id="{79E2B501-C9D0-47CF-94DB-FC681E48CAF6}" type="slidenum">
+              <a:rPr lang="zh-CN" altLang="en-US" smtClean="0"/>
+              <a:t>8</a:t>
+            </a:fld>
+            <a:endParaRPr lang="zh-CN" altLang="en-US"/>
+          </a:p>
+        </p:txBody>
+      </p:sp>
+    </p:spTree>
+    <p:extLst>
+      <p:ext uri="{BB962C8B-B14F-4D97-AF65-F5344CB8AC3E}">
+        <p14:creationId xmlns:p14="http://schemas.microsoft.com/office/powerpoint/2010/main" val="2567128321"/>
+      </p:ext>
+    </p:extLst>
+  </p:cSld>
+  <p:clrMapOvr>
+    <a:masterClrMapping/>
+  </p:clrMapOvr>
+</p:notes>
+</file>
+
+<file path=ppt/notesSlides/notesSlide7.xml><?xml version="1.0" encoding="utf-8"?>
+<p:notes xmlns:a="http://schemas.openxmlformats.org/drawingml/2006/main" xmlns:r="http://schemas.openxmlformats.org/officeDocument/2006/relationships" xmlns:p="http://schemas.openxmlformats.org/presentationml/2006/main">
+  <p:cSld>
+    <p:spTree>
+      <p:nvGrpSpPr>
+        <p:cNvPr id="1" name=""/>
+        <p:cNvGrpSpPr/>
+        <p:nvPr/>
+      </p:nvGrpSpPr>
+      <p:grpSpPr>
+        <a:xfrm>
+          <a:off x="0" y="0"/>
+          <a:ext cx="0" cy="0"/>
+          <a:chOff x="0" y="0"/>
+          <a:chExt cx="0" cy="0"/>
+        </a:xfrm>
+      </p:grpSpPr>
+      <p:sp>
+        <p:nvSpPr>
+          <p:cNvPr id="2" name="幻灯片图像占位符 1"/>
+          <p:cNvSpPr>
+            <a:spLocks noGrp="1" noRot="1" noChangeAspect="1"/>
+          </p:cNvSpPr>
+          <p:nvPr>
+            <p:ph type="sldImg"/>
+          </p:nvPr>
+        </p:nvSpPr>
+        <p:spPr/>
+      </p:sp>
+      <p:sp>
+        <p:nvSpPr>
+          <p:cNvPr id="3" name="备注占位符 2"/>
+          <p:cNvSpPr>
+            <a:spLocks noGrp="1"/>
+          </p:cNvSpPr>
+          <p:nvPr>
+            <p:ph type="body" idx="1"/>
+          </p:nvPr>
+        </p:nvSpPr>
+        <p:spPr/>
+        <p:txBody>
+          <a:bodyPr/>
+          <a:lstStyle/>
+          <a:p>
+            <a:r>
+              <a:rPr lang="en-US" altLang="zh-CN" sz="1200" dirty="0" smtClean="0">
+                <a:solidFill>
+                  <a:srgbClr val="000000"/>
+                </a:solidFill>
+                <a:latin typeface="Arial"/>
+              </a:rPr>
+              <a:t>feasibility (classification accuracy)</a:t>
+            </a:r>
+          </a:p>
+          <a:p>
+            <a:r>
+              <a:rPr lang="en-US" altLang="zh-CN" sz="1200" dirty="0" smtClean="0">
+                <a:solidFill>
+                  <a:srgbClr val="000000"/>
+                </a:solidFill>
+                <a:latin typeface="Arial"/>
+              </a:rPr>
+              <a:t>Such</a:t>
+            </a:r>
+            <a:r>
+              <a:rPr lang="en-US" altLang="zh-CN" sz="1200" baseline="0" dirty="0" smtClean="0">
+                <a:solidFill>
+                  <a:srgbClr val="000000"/>
+                </a:solidFill>
+                <a:latin typeface="Arial"/>
+              </a:rPr>
+              <a:t> as: network size, neural and synaptic type and learning algorithm </a:t>
+            </a:r>
+            <a:r>
+              <a:rPr lang="en-US" altLang="zh-CN" sz="1200" baseline="0" smtClean="0">
+                <a:solidFill>
+                  <a:srgbClr val="000000"/>
+                </a:solidFill>
+                <a:latin typeface="Arial"/>
+              </a:rPr>
+              <a:t>and precision</a:t>
+            </a:r>
+            <a:endParaRPr lang="zh-CN" altLang="en-US"/>
+          </a:p>
+        </p:txBody>
+      </p:sp>
+      <p:sp>
+        <p:nvSpPr>
+          <p:cNvPr id="4" name="灯片编号占位符 3"/>
+          <p:cNvSpPr>
+            <a:spLocks noGrp="1"/>
+          </p:cNvSpPr>
+          <p:nvPr>
+            <p:ph type="sldNum" sz="quarter" idx="10"/>
+          </p:nvPr>
+        </p:nvSpPr>
+        <p:spPr/>
+        <p:txBody>
+          <a:bodyPr/>
+          <a:lstStyle/>
+          <a:p>
+            <a:fld id="{79E2B501-C9D0-47CF-94DB-FC681E48CAF6}" type="slidenum">
+              <a:rPr lang="zh-CN" altLang="en-US" smtClean="0"/>
+              <a:t>9</a:t>
+            </a:fld>
+            <a:endParaRPr lang="zh-CN" altLang="en-US"/>
+          </a:p>
+        </p:txBody>
+      </p:sp>
+    </p:spTree>
+    <p:extLst>
+      <p:ext uri="{BB962C8B-B14F-4D97-AF65-F5344CB8AC3E}">
+        <p14:creationId xmlns:p14="http://schemas.microsoft.com/office/powerpoint/2010/main" val="2567128321"/>
+      </p:ext>
+    </p:extLst>
+  </p:cSld>
+  <p:clrMapOvr>
+    <a:masterClrMapping/>
+  </p:clrMapOvr>
+</p:notes>
+</file>
+
 <file path=ppt/slideLayouts/slideLayout1.xml><?xml version="1.0" encoding="utf-8"?>
 <p:sldLayout xmlns:a="http://schemas.openxmlformats.org/drawingml/2006/main" xmlns:r="http://schemas.openxmlformats.org/officeDocument/2006/relationships" xmlns:p="http://schemas.openxmlformats.org/presentationml/2006/main" type="blank" preserve="1">
   <p:cSld name="Blank Slide">
@@ -4540,8 +5797,8 @@
         </p:nvSpPr>
         <p:spPr>
           <a:xfrm>
-            <a:off x="406440" y="1625760"/>
-            <a:ext cx="7729200" cy="1002960"/>
+            <a:off x="495617" y="1772816"/>
+            <a:ext cx="7037023" cy="1898079"/>
           </a:xfrm>
           <a:prstGeom prst="rect">
             <a:avLst/>
@@ -4561,15 +5818,55 @@
               </a:lnSpc>
             </a:pPr>
             <a:r>
-              <a:rPr lang="en-GB" sz="3000" b="1">
+              <a:rPr lang="en-GB" sz="3200" b="1" dirty="0">
                 <a:solidFill>
                   <a:srgbClr val="595959"/>
                 </a:solidFill>
-                <a:latin typeface="Arial"/>
-              </a:rPr>
-              <a:t>Towards the Robust Object Recognition Using Spiking Neurons</a:t>
-            </a:r>
-            <a:endParaRPr/>
+              </a:rPr>
+              <a:t>Benchmarking </a:t>
+            </a:r>
+            <a:r>
+              <a:rPr lang="en-GB" sz="3200" b="1" dirty="0" smtClean="0">
+                <a:solidFill>
+                  <a:srgbClr val="595959"/>
+                </a:solidFill>
+              </a:rPr>
+              <a:t>Spike-Based</a:t>
+            </a:r>
+          </a:p>
+          <a:p>
+            <a:pPr>
+              <a:lnSpc>
+                <a:spcPct val="100000"/>
+              </a:lnSpc>
+            </a:pPr>
+            <a:r>
+              <a:rPr lang="en-GB" sz="3200" b="1" dirty="0" smtClean="0">
+                <a:solidFill>
+                  <a:srgbClr val="595959"/>
+                </a:solidFill>
+              </a:rPr>
+              <a:t>Visual Recognition:</a:t>
+            </a:r>
+          </a:p>
+          <a:p>
+            <a:r>
+              <a:rPr lang="en-US" altLang="zh-CN" sz="2800" b="1" dirty="0">
+                <a:solidFill>
+                  <a:srgbClr val="595959"/>
+                </a:solidFill>
+              </a:rPr>
+              <a:t>a Dataset, Evaluation and Algorithms</a:t>
+            </a:r>
+            <a:endParaRPr lang="en-US" altLang="zh-CN" sz="2800" dirty="0"/>
+          </a:p>
+          <a:p>
+            <a:pPr>
+              <a:lnSpc>
+                <a:spcPct val="100000"/>
+              </a:lnSpc>
+            </a:pPr>
+            <a:endParaRPr dirty="0"/>
           </a:p>
         </p:txBody>
       </p:sp>
@@ -4581,7 +5878,7 @@
         </p:nvSpPr>
         <p:spPr>
           <a:xfrm>
-            <a:off x="406440" y="4295880"/>
+            <a:off x="611560" y="4295880"/>
             <a:ext cx="6820920" cy="1771560"/>
           </a:xfrm>
           <a:prstGeom prst="rect">
@@ -4602,15 +5899,24 @@
               </a:lnSpc>
             </a:pPr>
             <a:r>
-              <a:rPr lang="en-GB" sz="2400">
+              <a:rPr lang="en-GB" sz="2400" dirty="0" err="1">
                 <a:solidFill>
                   <a:srgbClr val="595959"/>
                 </a:solidFill>
                 <a:latin typeface="Arial"/>
               </a:rPr>
-              <a:t>Qian Liu</a:t>
-            </a:r>
-            <a:endParaRPr/>
+              <a:t>Qian</a:t>
+            </a:r>
+            <a:r>
+              <a:rPr lang="en-GB" sz="2400" dirty="0">
+                <a:solidFill>
+                  <a:srgbClr val="595959"/>
+                </a:solidFill>
+                <a:latin typeface="Arial"/>
+              </a:rPr>
+              <a:t> Liu</a:t>
+            </a:r>
+            <a:endParaRPr dirty="0"/>
           </a:p>
           <a:p>
             <a:pPr>
@@ -4619,15 +5925,24 @@
               </a:lnSpc>
             </a:pPr>
             <a:r>
-              <a:rPr lang="en-GB" sz="2400">
+              <a:rPr lang="en-GB" sz="2400" dirty="0">
                 <a:solidFill>
                   <a:srgbClr val="595959"/>
                 </a:solidFill>
                 <a:latin typeface="Arial"/>
               </a:rPr>
-              <a:t>Supervisor: Steve Furber</a:t>
-            </a:r>
-            <a:endParaRPr/>
+              <a:t>Supervisor: Steve </a:t>
+            </a:r>
+            <a:r>
+              <a:rPr lang="en-GB" sz="2400" dirty="0" err="1">
+                <a:solidFill>
+                  <a:srgbClr val="595959"/>
+                </a:solidFill>
+                <a:latin typeface="Arial"/>
+              </a:rPr>
+              <a:t>Furber</a:t>
+            </a:r>
+            <a:endParaRPr dirty="0"/>
           </a:p>
           <a:p>
             <a:pPr>
@@ -4636,7 +5951,7 @@
               </a:lnSpc>
             </a:pPr>
             <a:r>
-              <a:rPr lang="en-GB" sz="2400">
+              <a:rPr lang="en-GB" sz="2400" dirty="0">
                 <a:solidFill>
                   <a:srgbClr val="595959"/>
                 </a:solidFill>
@@ -4644,7 +5959,7 @@
               </a:rPr>
               <a:t>Co-Supervisor: David Lester</a:t>
             </a:r>
-            <a:endParaRPr/>
+            <a:endParaRPr dirty="0"/>
           </a:p>
           <a:p>
             <a:pPr>
@@ -4653,15 +5968,33 @@
               </a:lnSpc>
             </a:pPr>
             <a:r>
-              <a:rPr lang="en-GB" sz="2400">
+              <a:rPr lang="en-GB" sz="2400" dirty="0">
                 <a:solidFill>
                   <a:srgbClr val="595959"/>
                 </a:solidFill>
                 <a:latin typeface="Arial"/>
               </a:rPr>
-              <a:t>Adviser: Alvaro Fernandes </a:t>
-            </a:r>
-            <a:endParaRPr/>
+              <a:t>Adviser: Alvaro </a:t>
+            </a:r>
+            <a:r>
+              <a:rPr lang="en-GB" sz="2400" dirty="0" err="1">
+                <a:solidFill>
+                  <a:srgbClr val="595959"/>
+                </a:solidFill>
+                <a:latin typeface="Arial"/>
+              </a:rPr>
+              <a:t>Fernandes</a:t>
+            </a:r>
+            <a:r>
+              <a:rPr lang="en-GB" sz="2400" dirty="0">
+                <a:solidFill>
+                  <a:srgbClr val="595959"/>
+                </a:solidFill>
+                <a:latin typeface="Arial"/>
+              </a:rPr>
+              <a:t> </a:t>
+            </a:r>
+            <a:endParaRPr dirty="0"/>
           </a:p>
         </p:txBody>
       </p:sp>
@@ -4769,7 +6102,7 @@
       </p:grpSpPr>
       <p:sp>
         <p:nvSpPr>
-          <p:cNvPr id="132" name="CustomShape 1"/>
+          <p:cNvPr id="4" name="CustomShape 1"/>
           <p:cNvSpPr/>
           <p:nvPr/>
         </p:nvSpPr>
@@ -4796,15 +6129,302 @@
               </a:lnSpc>
             </a:pPr>
             <a:r>
-              <a:rPr lang="en-GB" sz="3200" b="1">
-                <a:solidFill>
-                  <a:srgbClr val="000000"/>
-                </a:solidFill>
-                <a:latin typeface="Arial"/>
-              </a:rPr>
-              <a:t>Future Work</a:t>
-            </a:r>
-            <a:endParaRPr/>
+              <a:rPr lang="en-GB" altLang="zh-CN" sz="3200" b="1" dirty="0" smtClean="0">
+                <a:solidFill>
+                  <a:srgbClr val="595959"/>
+                </a:solidFill>
+              </a:rPr>
+              <a:t>Case Study I: 2-layer STDP</a:t>
+            </a:r>
+            <a:endParaRPr lang="en-GB" altLang="zh-CN" sz="3200" b="1" dirty="0">
+              <a:solidFill>
+                <a:srgbClr val="595959"/>
+              </a:solidFill>
+            </a:endParaRPr>
+          </a:p>
+        </p:txBody>
+      </p:sp>
+      <p:sp>
+        <p:nvSpPr>
+          <p:cNvPr id="5" name="CustomShape 2"/>
+          <p:cNvSpPr/>
+          <p:nvPr/>
+        </p:nvSpPr>
+        <p:spPr>
+          <a:xfrm>
+            <a:off x="395640" y="4309200"/>
+            <a:ext cx="8228880" cy="1816200"/>
+          </a:xfrm>
+          <a:prstGeom prst="rect">
+            <a:avLst/>
+          </a:prstGeom>
+          <a:noFill/>
+          <a:ln>
+            <a:noFill/>
+          </a:ln>
+        </p:spPr>
+        <p:txBody>
+          <a:bodyPr lIns="90000" tIns="45000" rIns="90000" bIns="45000"/>
+          <a:lstStyle/>
+          <a:p>
+            <a:pPr>
+              <a:lnSpc>
+                <a:spcPct val="100000"/>
+              </a:lnSpc>
+            </a:pPr>
+            <a:r>
+              <a:rPr lang="en-US" dirty="0"/>
+              <a:t>The </a:t>
+            </a:r>
+            <a:r>
+              <a:rPr lang="en-US" dirty="0" smtClean="0"/>
+              <a:t>network with 500 decision neurons </a:t>
+            </a:r>
+            <a:r>
+              <a:rPr lang="en-US" dirty="0"/>
+              <a:t>achieved a CA of </a:t>
+            </a:r>
+            <a:r>
+              <a:rPr lang="en-US" dirty="0" smtClean="0"/>
+              <a:t>92.98% </a:t>
+            </a:r>
+            <a:r>
+              <a:rPr lang="en-US" dirty="0"/>
+              <a:t>and average latency of </a:t>
+            </a:r>
+            <a:r>
+              <a:rPr lang="en-US" dirty="0" smtClean="0"/>
+              <a:t>10.70 </a:t>
+            </a:r>
+            <a:r>
+              <a:rPr lang="en-US" dirty="0" err="1" smtClean="0"/>
+              <a:t>ms</a:t>
+            </a:r>
+            <a:r>
+              <a:rPr lang="en-US" dirty="0"/>
+              <a:t>, and the simulation costs </a:t>
+            </a:r>
+            <a:r>
+              <a:rPr lang="en-US" dirty="0" err="1"/>
+              <a:t>SpiNNaker</a:t>
+            </a:r>
+            <a:r>
+              <a:rPr lang="en-US" dirty="0"/>
+              <a:t> </a:t>
+            </a:r>
+            <a:r>
+              <a:rPr lang="en-US" dirty="0" smtClean="0"/>
+              <a:t>0.41 W </a:t>
+            </a:r>
+            <a:r>
+              <a:rPr lang="en-US" dirty="0"/>
+              <a:t>on power use and </a:t>
+            </a:r>
+            <a:r>
+              <a:rPr lang="en-US" dirty="0" smtClean="0"/>
+              <a:t>4,920J </a:t>
+            </a:r>
+            <a:r>
+              <a:rPr lang="en-US" dirty="0"/>
+              <a:t>on energy use</a:t>
+            </a:r>
+            <a:r>
+              <a:rPr lang="en-US" dirty="0" smtClean="0"/>
+              <a:t>.</a:t>
+            </a:r>
+          </a:p>
+          <a:p>
+            <a:pPr>
+              <a:lnSpc>
+                <a:spcPct val="100000"/>
+              </a:lnSpc>
+            </a:pPr>
+            <a:endParaRPr lang="en-US" dirty="0"/>
+          </a:p>
+          <a:p>
+            <a:pPr>
+              <a:lnSpc>
+                <a:spcPct val="100000"/>
+              </a:lnSpc>
+            </a:pPr>
+            <a:r>
+              <a:rPr lang="en-US" dirty="0" smtClean="0"/>
+              <a:t>The work is submitted to the Frontiers in </a:t>
+            </a:r>
+            <a:r>
+              <a:rPr lang="en-US" dirty="0" err="1" smtClean="0"/>
+              <a:t>Neuromorphic</a:t>
+            </a:r>
+            <a:r>
+              <a:rPr lang="en-US" dirty="0" smtClean="0"/>
+              <a:t> Engineering under review process.</a:t>
+            </a:r>
+            <a:endParaRPr dirty="0"/>
+          </a:p>
+        </p:txBody>
+      </p:sp>
+      <p:pic>
+        <p:nvPicPr>
+          <p:cNvPr id="4098" name="Picture 2"/>
+          <p:cNvPicPr>
+            <a:picLocks noChangeAspect="1" noChangeArrowheads="1"/>
+          </p:cNvPicPr>
+          <p:nvPr/>
+        </p:nvPicPr>
+        <p:blipFill>
+          <a:blip r:embed="rId2">
+            <a:extLst>
+              <a:ext uri="{28A0092B-C50C-407E-A947-70E740481C1C}">
+                <a14:useLocalDpi xmlns:a14="http://schemas.microsoft.com/office/drawing/2010/main" val="0"/>
+              </a:ext>
+            </a:extLst>
+          </a:blip>
+          <a:srcRect/>
+          <a:stretch>
+            <a:fillRect/>
+          </a:stretch>
+        </p:blipFill>
+        <p:spPr bwMode="auto">
+          <a:xfrm>
+            <a:off x="523867" y="2092554"/>
+            <a:ext cx="7972425" cy="2228850"/>
+          </a:xfrm>
+          <a:prstGeom prst="rect">
+            <a:avLst/>
+          </a:prstGeom>
+          <a:noFill/>
+          <a:ln>
+            <a:noFill/>
+          </a:ln>
+          <a:effectLst/>
+          <a:extLst>
+            <a:ext uri="{909E8E84-426E-40DD-AFC4-6F175D3DCCD1}">
+              <a14:hiddenFill xmlns:a14="http://schemas.microsoft.com/office/drawing/2010/main">
+                <a:solidFill>
+                  <a:schemeClr val="accent1"/>
+                </a:solidFill>
+              </a14:hiddenFill>
+            </a:ext>
+            <a:ext uri="{91240B29-F687-4F45-9708-019B960494DF}">
+              <a14:hiddenLine xmlns:a14="http://schemas.microsoft.com/office/drawing/2010/main" w="9525">
+                <a:solidFill>
+                  <a:schemeClr val="tx1"/>
+                </a:solidFill>
+                <a:miter lim="800000"/>
+                <a:headEnd/>
+                <a:tailEnd/>
+              </a14:hiddenLine>
+            </a:ext>
+            <a:ext uri="{AF507438-7753-43E0-B8FC-AC1667EBCBE1}">
+              <a14:hiddenEffects xmlns:a14="http://schemas.microsoft.com/office/drawing/2010/main">
+                <a:effectLst>
+                  <a:outerShdw dist="35921" dir="2700000" algn="ctr" rotWithShape="0">
+                    <a:schemeClr val="bg2"/>
+                  </a:outerShdw>
+                </a:effectLst>
+              </a14:hiddenEffects>
+            </a:ext>
+          </a:extLst>
+        </p:spPr>
+      </p:pic>
+    </p:spTree>
+    <p:extLst>
+      <p:ext uri="{BB962C8B-B14F-4D97-AF65-F5344CB8AC3E}">
+        <p14:creationId xmlns:p14="http://schemas.microsoft.com/office/powerpoint/2010/main" val="4130511398"/>
+      </p:ext>
+    </p:extLst>
+  </p:cSld>
+  <p:clrMapOvr>
+    <a:masterClrMapping/>
+  </p:clrMapOvr>
+</p:sld>
+</file>
+
+<file path=ppt/slides/slide11.xml><?xml version="1.0" encoding="utf-8"?>
+<p:sld xmlns:a="http://schemas.openxmlformats.org/drawingml/2006/main" xmlns:r="http://schemas.openxmlformats.org/officeDocument/2006/relationships" xmlns:p="http://schemas.openxmlformats.org/presentationml/2006/main">
+  <p:cSld>
+    <p:spTree>
+      <p:nvGrpSpPr>
+        <p:cNvPr id="1" name=""/>
+        <p:cNvGrpSpPr/>
+        <p:nvPr/>
+      </p:nvGrpSpPr>
+      <p:grpSpPr>
+        <a:xfrm>
+          <a:off x="0" y="0"/>
+          <a:ext cx="0" cy="0"/>
+          <a:chOff x="0" y="0"/>
+          <a:chExt cx="0" cy="0"/>
+        </a:xfrm>
+      </p:grpSpPr>
+      <p:sp>
+        <p:nvSpPr>
+          <p:cNvPr id="132" name="CustomShape 1"/>
+          <p:cNvSpPr/>
+          <p:nvPr/>
+        </p:nvSpPr>
+        <p:spPr>
+          <a:xfrm>
+            <a:off x="405720" y="1268640"/>
+            <a:ext cx="8218800" cy="1142280"/>
+          </a:xfrm>
+          <a:prstGeom prst="rect">
+            <a:avLst/>
+          </a:prstGeom>
+          <a:noFill/>
+          <a:ln>
+            <a:noFill/>
+          </a:ln>
+        </p:spPr>
+        <p:txBody>
+          <a:bodyPr lIns="90000" tIns="45000" rIns="90000" bIns="45000" anchor="ctr"/>
+          <a:lstStyle/>
+          <a:p>
+            <a:pPr>
+              <a:lnSpc>
+                <a:spcPct val="100000"/>
+              </a:lnSpc>
+            </a:pPr>
+            <a:r>
+              <a:rPr lang="en-US" altLang="zh-CN" sz="3200" b="1" dirty="0" smtClean="0">
+                <a:solidFill>
+                  <a:srgbClr val="595959"/>
+                </a:solidFill>
+              </a:rPr>
+              <a:t>Future Work:</a:t>
+            </a:r>
+          </a:p>
+          <a:p>
+            <a:pPr>
+              <a:lnSpc>
+                <a:spcPct val="100000"/>
+              </a:lnSpc>
+            </a:pPr>
+            <a:r>
+              <a:rPr lang="en-US" altLang="zh-CN" sz="2800" b="1" dirty="0" smtClean="0">
+                <a:solidFill>
+                  <a:srgbClr val="595959"/>
+                </a:solidFill>
+              </a:rPr>
+              <a:t>Towards </a:t>
+            </a:r>
+            <a:r>
+              <a:rPr lang="en-US" altLang="zh-CN" sz="2800" b="1" dirty="0">
+                <a:solidFill>
+                  <a:srgbClr val="595959"/>
+                </a:solidFill>
+              </a:rPr>
+              <a:t>the Robust Object </a:t>
+            </a:r>
+            <a:r>
+              <a:rPr lang="en-US" altLang="zh-CN" sz="2800" b="1" dirty="0" smtClean="0">
+                <a:solidFill>
+                  <a:srgbClr val="595959"/>
+                </a:solidFill>
+              </a:rPr>
+              <a:t>Recognition</a:t>
+            </a:r>
+            <a:endParaRPr lang="en-US" altLang="zh-CN" sz="2800" b="1" dirty="0"/>
           </a:p>
         </p:txBody>
       </p:sp>
@@ -4817,7 +6437,7 @@
         <p:spPr>
           <a:xfrm>
             <a:off x="395640" y="2493000"/>
-            <a:ext cx="8228880" cy="3632400"/>
+            <a:ext cx="8640856" cy="3632400"/>
           </a:xfrm>
           <a:prstGeom prst="rect">
             <a:avLst/>
@@ -4839,15 +6459,134 @@
               <a:buChar char="•"/>
             </a:pPr>
             <a:r>
-              <a:rPr lang="en-GB" sz="2800" dirty="0">
+              <a:rPr lang="en-GB" altLang="zh-CN" sz="2800" dirty="0">
                 <a:solidFill>
                   <a:srgbClr val="000000"/>
                 </a:solidFill>
-                <a:latin typeface="Arial"/>
-              </a:rPr>
-              <a:t>Gantt chart</a:t>
-            </a:r>
-            <a:endParaRPr dirty="0"/>
+              </a:rPr>
+              <a:t> state-of-the-art</a:t>
+            </a:r>
+          </a:p>
+          <a:p>
+            <a:pPr lvl="1">
+              <a:buFont typeface="Arial"/>
+              <a:buChar char="•"/>
+            </a:pPr>
+            <a:r>
+              <a:rPr lang="en-GB" altLang="zh-CN" sz="2400" dirty="0">
+                <a:solidFill>
+                  <a:srgbClr val="000000"/>
+                </a:solidFill>
+              </a:rPr>
+              <a:t> 2-Layer STDP </a:t>
+            </a:r>
+            <a:r>
+              <a:rPr lang="en-GB" altLang="zh-CN" sz="2400" dirty="0" smtClean="0">
+                <a:solidFill>
+                  <a:srgbClr val="000000"/>
+                </a:solidFill>
+              </a:rPr>
+              <a:t>learned – </a:t>
+            </a:r>
+            <a:r>
+              <a:rPr lang="en-GB" altLang="zh-CN" sz="2400" dirty="0" smtClean="0">
+                <a:solidFill>
+                  <a:srgbClr val="FF0000"/>
+                </a:solidFill>
+              </a:rPr>
+              <a:t>1 case study</a:t>
+            </a:r>
+            <a:endParaRPr lang="en-GB" altLang="zh-CN" sz="2400" dirty="0">
+              <a:solidFill>
+                <a:srgbClr val="FF0000"/>
+              </a:solidFill>
+            </a:endParaRPr>
+          </a:p>
+          <a:p>
+            <a:pPr lvl="1">
+              <a:buFont typeface="Arial"/>
+              <a:buChar char="•"/>
+            </a:pPr>
+            <a:r>
+              <a:rPr lang="en-GB" altLang="zh-CN" sz="2400" dirty="0">
+                <a:solidFill>
+                  <a:srgbClr val="000000"/>
+                </a:solidFill>
+              </a:rPr>
+              <a:t> Spiking </a:t>
+            </a:r>
+            <a:r>
+              <a:rPr lang="en-GB" altLang="zh-CN" sz="2400" dirty="0" err="1">
+                <a:solidFill>
+                  <a:srgbClr val="000000"/>
+                </a:solidFill>
+              </a:rPr>
+              <a:t>ConvNet</a:t>
+            </a:r>
+            <a:r>
+              <a:rPr lang="en-GB" altLang="zh-CN" sz="2400" dirty="0">
+                <a:solidFill>
+                  <a:srgbClr val="000000"/>
+                </a:solidFill>
+              </a:rPr>
+              <a:t> (off-line training</a:t>
+            </a:r>
+            <a:r>
+              <a:rPr lang="en-GB" altLang="zh-CN" sz="2400" dirty="0" smtClean="0">
+                <a:solidFill>
+                  <a:srgbClr val="000000"/>
+                </a:solidFill>
+              </a:rPr>
+              <a:t>) – </a:t>
+            </a:r>
+            <a:r>
+              <a:rPr lang="en-GB" altLang="zh-CN" sz="2400" dirty="0" smtClean="0">
+                <a:solidFill>
+                  <a:srgbClr val="FF0000"/>
+                </a:solidFill>
+              </a:rPr>
+              <a:t>future case study</a:t>
+            </a:r>
+            <a:endParaRPr lang="en-GB" altLang="zh-CN" sz="2400" dirty="0">
+              <a:solidFill>
+                <a:srgbClr val="000000"/>
+              </a:solidFill>
+            </a:endParaRPr>
+          </a:p>
+          <a:p>
+            <a:pPr lvl="1">
+              <a:buFont typeface="Arial"/>
+              <a:buChar char="•"/>
+            </a:pPr>
+            <a:r>
+              <a:rPr lang="en-GB" altLang="zh-CN" sz="2400" dirty="0">
+                <a:solidFill>
+                  <a:srgbClr val="000000"/>
+                </a:solidFill>
+              </a:rPr>
+              <a:t> Spiking DBN (off-line training</a:t>
+            </a:r>
+            <a:r>
+              <a:rPr lang="en-GB" altLang="zh-CN" sz="2400" dirty="0" smtClean="0">
+                <a:solidFill>
+                  <a:srgbClr val="000000"/>
+                </a:solidFill>
+              </a:rPr>
+              <a:t>) – </a:t>
+            </a:r>
+            <a:r>
+              <a:rPr lang="en-GB" altLang="zh-CN" sz="2400" dirty="0" smtClean="0">
+                <a:solidFill>
+                  <a:srgbClr val="FF0000"/>
+                </a:solidFill>
+              </a:rPr>
+              <a:t>online formalised training</a:t>
+            </a:r>
+            <a:endParaRPr lang="en-GB" altLang="zh-CN" sz="2400" dirty="0">
+              <a:solidFill>
+                <a:srgbClr val="000000"/>
+              </a:solidFill>
+            </a:endParaRPr>
           </a:p>
           <a:p>
             <a:pPr>
@@ -4858,34 +6597,76 @@
               <a:buChar char="•"/>
             </a:pPr>
             <a:r>
-              <a:rPr lang="en-GB" sz="2800" dirty="0">
+              <a:rPr lang="en-GB" sz="2800" dirty="0" smtClean="0">
                 <a:solidFill>
                   <a:srgbClr val="000000"/>
                 </a:solidFill>
                 <a:latin typeface="Arial"/>
               </a:rPr>
-              <a:t>Thesis Outline</a:t>
-            </a:r>
-            <a:endParaRPr dirty="0"/>
-          </a:p>
-          <a:p>
-            <a:pPr>
-              <a:lnSpc>
-                <a:spcPct val="100000"/>
-              </a:lnSpc>
+              <a:t> My exploration on Spiking DBN</a:t>
+            </a:r>
+          </a:p>
+          <a:p>
+            <a:pPr lvl="1">
               <a:buFont typeface="Arial"/>
               <a:buChar char="•"/>
             </a:pPr>
             <a:r>
-              <a:rPr lang="en-GB" sz="2800" dirty="0">
+              <a:rPr lang="en-GB" altLang="zh-CN" sz="2400" dirty="0" smtClean="0">
                 <a:solidFill>
                   <a:srgbClr val="000000"/>
                 </a:solidFill>
+              </a:rPr>
+              <a:t> Restricted </a:t>
+            </a:r>
+            <a:r>
+              <a:rPr lang="en-GB" altLang="zh-CN" sz="2400" dirty="0">
+                <a:solidFill>
+                  <a:srgbClr val="000000"/>
+                </a:solidFill>
+              </a:rPr>
+              <a:t>Boltzmann </a:t>
+            </a:r>
+            <a:r>
+              <a:rPr lang="en-GB" altLang="zh-CN" sz="2400" dirty="0" smtClean="0">
+                <a:solidFill>
+                  <a:srgbClr val="000000"/>
+                </a:solidFill>
+              </a:rPr>
+              <a:t>Machine (RBM)</a:t>
+            </a:r>
+            <a:endParaRPr lang="en-GB" altLang="zh-CN" sz="2400" dirty="0"/>
+          </a:p>
+          <a:p>
+            <a:pPr lvl="1">
+              <a:buFont typeface="Arial"/>
+              <a:buChar char="•"/>
+            </a:pPr>
+            <a:r>
+              <a:rPr lang="en-GB" sz="2400" dirty="0" smtClean="0">
+                <a:solidFill>
+                  <a:srgbClr val="000000"/>
+                </a:solidFill>
                 <a:latin typeface="Arial"/>
               </a:rPr>
-              <a:t>More work as alternatives</a:t>
-            </a:r>
-            <a:endParaRPr dirty="0"/>
+              <a:t> Deep Belief Net</a:t>
+            </a:r>
+          </a:p>
+          <a:p>
+            <a:pPr lvl="1">
+              <a:buFont typeface="Arial"/>
+              <a:buChar char="•"/>
+            </a:pPr>
+            <a:r>
+              <a:rPr lang="en-GB" sz="2400" dirty="0" smtClean="0">
+                <a:solidFill>
+                  <a:srgbClr val="000000"/>
+                </a:solidFill>
+                <a:latin typeface="Arial"/>
+              </a:rPr>
+              <a:t> Future work: spiking RBM &amp; DBN</a:t>
+            </a:r>
+            <a:endParaRPr sz="1600" dirty="0" smtClean="0"/>
           </a:p>
           <a:p>
             <a:pPr>
@@ -4894,6 +6675,40 @@
               </a:lnSpc>
             </a:pPr>
             <a:endParaRPr dirty="0"/>
+          </a:p>
+        </p:txBody>
+      </p:sp>
+      <p:sp>
+        <p:nvSpPr>
+          <p:cNvPr id="2" name="矩形 1"/>
+          <p:cNvSpPr/>
+          <p:nvPr/>
+        </p:nvSpPr>
+        <p:spPr>
+          <a:xfrm>
+            <a:off x="611560" y="5663735"/>
+            <a:ext cx="7848872" cy="369332"/>
+          </a:xfrm>
+          <a:prstGeom prst="rect">
+            <a:avLst/>
+          </a:prstGeom>
+        </p:spPr>
+        <p:txBody>
+          <a:bodyPr wrap="square">
+            <a:spAutoFit/>
+          </a:bodyPr>
+          <a:lstStyle/>
+          <a:p>
+            <a:pPr>
+              <a:lnSpc>
+                <a:spcPct val="100000"/>
+              </a:lnSpc>
+            </a:pPr>
+            <a:r>
+              <a:rPr lang="en-US" altLang="zh-CN" dirty="0" smtClean="0"/>
+              <a:t>Current work has been written down in a study report.</a:t>
+            </a:r>
+            <a:endParaRPr lang="en-US" altLang="zh-CN" dirty="0"/>
           </a:p>
         </p:txBody>
       </p:sp>
@@ -4932,7 +6747,7 @@
 </p:sld>
 </file>
 
-<file path=ppt/slides/slide11.xml><?xml version="1.0" encoding="utf-8"?>
+<file path=ppt/slides/slide12.xml><?xml version="1.0" encoding="utf-8"?>
 <p:sld xmlns:a="http://schemas.openxmlformats.org/drawingml/2006/main" xmlns:r="http://schemas.openxmlformats.org/officeDocument/2006/relationships" xmlns:p="http://schemas.openxmlformats.org/presentationml/2006/main">
   <p:cSld>
     <p:spTree>
@@ -9107,7 +10922,7 @@
 </p:sld>
 </file>
 
-<file path=ppt/slides/slide12.xml><?xml version="1.0" encoding="utf-8"?>
+<file path=ppt/slides/slide13.xml><?xml version="1.0" encoding="utf-8"?>
 <p:sld xmlns:a="http://schemas.openxmlformats.org/drawingml/2006/main" xmlns:r="http://schemas.openxmlformats.org/officeDocument/2006/relationships" xmlns:p="http://schemas.openxmlformats.org/presentationml/2006/main">
   <p:cSld>
     <p:spTree>
@@ -9282,21 +11097,19 @@
           <a:bodyPr lIns="90000" tIns="45000" rIns="90000" bIns="45000" anchor="ctr"/>
           <a:lstStyle/>
           <a:p>
-            <a:pPr>
-              <a:lnSpc>
-                <a:spcPct val="100000"/>
-              </a:lnSpc>
-            </a:pPr>
-            <a:r>
-              <a:rPr lang="en-GB" sz="3200" b="1">
-                <a:solidFill>
-                  <a:srgbClr val="000000"/>
-                </a:solidFill>
-                <a:latin typeface="Arial"/>
-              </a:rPr>
-              <a:t>Motivation and Importance</a:t>
-            </a:r>
-            <a:endParaRPr/>
+            <a:r>
+              <a:rPr lang="en-GB" sz="3200" b="1" dirty="0" smtClean="0">
+                <a:solidFill>
+                  <a:srgbClr val="595959"/>
+                </a:solidFill>
+              </a:rPr>
+              <a:t>Aims and Motivations</a:t>
+            </a:r>
+            <a:endParaRPr sz="3200" b="1" dirty="0">
+              <a:solidFill>
+                <a:srgbClr val="595959"/>
+              </a:solidFill>
+            </a:endParaRPr>
           </a:p>
         </p:txBody>
       </p:sp>
@@ -9331,15 +11144,15 @@
               <a:buChar char="•"/>
             </a:pPr>
             <a:r>
-              <a:rPr lang="en-GB" sz="2800">
+              <a:rPr lang="en-GB" sz="2800" dirty="0" smtClean="0">
                 <a:solidFill>
                   <a:srgbClr val="000000"/>
                 </a:solidFill>
                 <a:latin typeface="Arial"/>
               </a:rPr>
-              <a:t>Be uniform in size</a:t>
-            </a:r>
-            <a:endParaRPr/>
+              <a:t> Unified spiking data</a:t>
+            </a:r>
+            <a:endParaRPr dirty="0"/>
           </a:p>
           <a:p>
             <a:pPr>
@@ -9350,15 +11163,24 @@
               <a:buChar char="•"/>
             </a:pPr>
             <a:r>
-              <a:rPr lang="en-GB" sz="2800">
+              <a:rPr lang="en-GB" sz="2800" dirty="0" smtClean="0">
                 <a:solidFill>
                   <a:srgbClr val="000000"/>
                 </a:solidFill>
                 <a:latin typeface="Arial"/>
               </a:rPr>
-              <a:t>Compliment the content</a:t>
-            </a:r>
-            <a:endParaRPr/>
+              <a:t> </a:t>
+            </a:r>
+            <a:r>
+              <a:rPr lang="en-US" sz="2800" dirty="0" smtClean="0">
+                <a:solidFill>
+                  <a:srgbClr val="000000"/>
+                </a:solidFill>
+                <a:latin typeface="Arial"/>
+              </a:rPr>
+              <a:t>Comparisons</a:t>
+            </a:r>
+            <a:endParaRPr dirty="0"/>
           </a:p>
           <a:p>
             <a:pPr>
@@ -9369,15 +11191,57 @@
               <a:buChar char="•"/>
             </a:pPr>
             <a:r>
-              <a:rPr lang="en-GB" sz="2800">
+              <a:rPr lang="en-GB" sz="2800" dirty="0" smtClean="0">
                 <a:solidFill>
                   <a:srgbClr val="000000"/>
                 </a:solidFill>
                 <a:latin typeface="Arial"/>
               </a:rPr>
-              <a:t>Not impact on the copy area</a:t>
-            </a:r>
-            <a:endParaRPr/>
+              <a:t> Evaluation methodology</a:t>
+            </a:r>
+          </a:p>
+          <a:p>
+            <a:pPr>
+              <a:lnSpc>
+                <a:spcPct val="100000"/>
+              </a:lnSpc>
+              <a:buFont typeface="Arial"/>
+              <a:buChar char="•"/>
+            </a:pPr>
+            <a:r>
+              <a:rPr lang="en-GB" sz="2800" dirty="0">
+                <a:solidFill>
+                  <a:srgbClr val="000000"/>
+                </a:solidFill>
+                <a:latin typeface="Arial"/>
+              </a:rPr>
+              <a:t> </a:t>
+            </a:r>
+            <a:r>
+              <a:rPr lang="en-GB" sz="2800" dirty="0" smtClean="0">
+                <a:solidFill>
+                  <a:srgbClr val="000000"/>
+                </a:solidFill>
+                <a:latin typeface="Arial"/>
+              </a:rPr>
+              <a:t>Promote future research</a:t>
+            </a:r>
+            <a:endParaRPr lang="en-GB" sz="2800" dirty="0" smtClean="0">
+              <a:solidFill>
+                <a:srgbClr val="000000"/>
+              </a:solidFill>
+              <a:latin typeface="Arial"/>
+            </a:endParaRPr>
+          </a:p>
+          <a:p>
+            <a:pPr>
+              <a:lnSpc>
+                <a:spcPct val="100000"/>
+              </a:lnSpc>
+              <a:buFont typeface="Arial"/>
+              <a:buChar char="•"/>
+            </a:pPr>
+            <a:endParaRPr dirty="0"/>
           </a:p>
         </p:txBody>
       </p:sp>
@@ -9419,6 +11283,14 @@
 <file path=ppt/slides/slide3.xml><?xml version="1.0" encoding="utf-8"?>
 <p:sld xmlns:a="http://schemas.openxmlformats.org/drawingml/2006/main" xmlns:r="http://schemas.openxmlformats.org/officeDocument/2006/relationships" xmlns:p="http://schemas.openxmlformats.org/presentationml/2006/main">
   <p:cSld>
+    <p:bg>
+      <p:bgPr>
+        <a:solidFill>
+          <a:srgbClr val="FFFFFF"/>
+        </a:solidFill>
+        <a:effectLst/>
+      </p:bgPr>
+    </p:bg>
     <p:spTree>
       <p:nvGrpSpPr>
         <p:cNvPr id="1" name=""/>
@@ -9435,7 +11307,7 @@
       </p:grpSpPr>
       <p:sp>
         <p:nvSpPr>
-          <p:cNvPr id="118" name="CustomShape 1"/>
+          <p:cNvPr id="124" name="CustomShape 1"/>
           <p:cNvSpPr/>
           <p:nvPr/>
         </p:nvSpPr>
@@ -9462,21 +11334,32 @@
               </a:lnSpc>
             </a:pPr>
             <a:r>
-              <a:rPr lang="en-GB" sz="3200" b="1">
-                <a:solidFill>
-                  <a:srgbClr val="000000"/>
-                </a:solidFill>
-                <a:latin typeface="Arial"/>
-              </a:rPr>
-              <a:t>State-of-the-art</a:t>
-            </a:r>
-            <a:endParaRPr/>
-          </a:p>
-        </p:txBody>
-      </p:sp>
-      <p:sp>
-        <p:nvSpPr>
-          <p:cNvPr id="119" name="CustomShape 2"/>
+              <a:rPr lang="en-GB" sz="3200" b="1" dirty="0">
+                <a:solidFill>
+                  <a:srgbClr val="595959"/>
+                </a:solidFill>
+              </a:rPr>
+              <a:t>A Dataset: </a:t>
+            </a:r>
+            <a:r>
+              <a:rPr lang="en-GB" sz="3200" b="1" dirty="0" smtClean="0">
+                <a:solidFill>
+                  <a:srgbClr val="595959"/>
+                </a:solidFill>
+              </a:rPr>
+              <a:t>NE15-MNIST</a:t>
+            </a:r>
+            <a:endParaRPr lang="en-GB" sz="3200" b="1" dirty="0">
+              <a:solidFill>
+                <a:srgbClr val="595959"/>
+              </a:solidFill>
+            </a:endParaRPr>
+          </a:p>
+        </p:txBody>
+      </p:sp>
+      <p:sp>
+        <p:nvSpPr>
+          <p:cNvPr id="125" name="CustomShape 2"/>
           <p:cNvSpPr/>
           <p:nvPr/>
         </p:nvSpPr>
@@ -9496,6 +11379,62 @@
         <p:txBody>
           <a:bodyPr lIns="90000" tIns="45000" rIns="90000" bIns="45000"/>
           <a:lstStyle/>
+          <a:p>
+            <a:pPr>
+              <a:buFont typeface="Arial"/>
+              <a:buChar char="•"/>
+            </a:pPr>
+            <a:r>
+              <a:rPr lang="en-GB" sz="2800" dirty="0">
+                <a:solidFill>
+                  <a:srgbClr val="000000"/>
+                </a:solidFill>
+                <a:latin typeface="Arial"/>
+              </a:rPr>
+              <a:t> </a:t>
+            </a:r>
+            <a:r>
+              <a:rPr lang="en-GB" altLang="zh-CN" sz="2800" dirty="0" smtClean="0">
+                <a:solidFill>
+                  <a:srgbClr val="000000"/>
+                </a:solidFill>
+              </a:rPr>
+              <a:t>AER format</a:t>
+            </a:r>
+          </a:p>
+          <a:p>
+            <a:pPr>
+              <a:buFont typeface="Arial"/>
+              <a:buChar char="•"/>
+            </a:pPr>
+            <a:r>
+              <a:rPr lang="en-GB" sz="2800" dirty="0">
+                <a:solidFill>
+                  <a:srgbClr val="000000"/>
+                </a:solidFill>
+                <a:latin typeface="Arial"/>
+              </a:rPr>
+              <a:t> </a:t>
+            </a:r>
+            <a:r>
+              <a:rPr lang="en-GB" sz="2800" dirty="0" err="1" smtClean="0">
+                <a:solidFill>
+                  <a:srgbClr val="000000"/>
+                </a:solidFill>
+                <a:latin typeface="Arial"/>
+              </a:rPr>
+              <a:t>jAER</a:t>
+            </a:r>
+            <a:r>
+              <a:rPr lang="en-GB" sz="2800" dirty="0" smtClean="0">
+                <a:solidFill>
+                  <a:srgbClr val="000000"/>
+                </a:solidFill>
+                <a:latin typeface="Arial"/>
+              </a:rPr>
+              <a:t> support code</a:t>
+            </a:r>
+          </a:p>
           <a:p>
             <a:pPr>
               <a:lnSpc>
@@ -9505,15 +11444,132 @@
               <a:buChar char="•"/>
             </a:pPr>
             <a:r>
-              <a:rPr lang="en-GB" sz="2800">
+              <a:rPr lang="en-GB" sz="2800" dirty="0" smtClean="0">
                 <a:solidFill>
                   <a:srgbClr val="000000"/>
                 </a:solidFill>
                 <a:latin typeface="Arial"/>
               </a:rPr>
-              <a:t>2-Layer STDP</a:t>
-            </a:r>
-            <a:endParaRPr/>
+              <a:t> 4 subsets</a:t>
+            </a:r>
+          </a:p>
+          <a:p>
+            <a:pPr lvl="1">
+              <a:buFont typeface="Arial"/>
+              <a:buChar char="•"/>
+            </a:pPr>
+            <a:r>
+              <a:rPr lang="en-GB" sz="2400" dirty="0">
+                <a:solidFill>
+                  <a:srgbClr val="000000"/>
+                </a:solidFill>
+                <a:latin typeface="Arial"/>
+              </a:rPr>
+              <a:t> </a:t>
+            </a:r>
+            <a:r>
+              <a:rPr lang="en-GB" sz="2400" dirty="0" smtClean="0">
+                <a:solidFill>
+                  <a:srgbClr val="000000"/>
+                </a:solidFill>
+                <a:latin typeface="Arial"/>
+              </a:rPr>
+              <a:t>Poisson: unified data generation</a:t>
+            </a:r>
+          </a:p>
+          <a:p>
+            <a:pPr lvl="1">
+              <a:buFont typeface="Arial"/>
+              <a:buChar char="•"/>
+            </a:pPr>
+            <a:r>
+              <a:rPr lang="en-GB" sz="2400" dirty="0" smtClean="0">
+                <a:solidFill>
+                  <a:srgbClr val="000000"/>
+                </a:solidFill>
+                <a:latin typeface="Arial"/>
+              </a:rPr>
+              <a:t> </a:t>
+            </a:r>
+            <a:r>
+              <a:rPr lang="en-GB" sz="2400" dirty="0" err="1" smtClean="0">
+                <a:solidFill>
+                  <a:srgbClr val="000000"/>
+                </a:solidFill>
+                <a:latin typeface="Arial"/>
+              </a:rPr>
+              <a:t>FoCal</a:t>
+            </a:r>
+            <a:r>
+              <a:rPr lang="en-GB" sz="2400" dirty="0" smtClean="0">
+                <a:solidFill>
+                  <a:srgbClr val="000000"/>
+                </a:solidFill>
+                <a:latin typeface="Arial"/>
+              </a:rPr>
+              <a:t>: Rank-Order-Coding</a:t>
+            </a:r>
+          </a:p>
+          <a:p>
+            <a:pPr lvl="1">
+              <a:buFont typeface="Arial"/>
+              <a:buChar char="•"/>
+            </a:pPr>
+            <a:r>
+              <a:rPr lang="en-GB" sz="2400" dirty="0">
+                <a:solidFill>
+                  <a:srgbClr val="000000"/>
+                </a:solidFill>
+                <a:latin typeface="Arial"/>
+              </a:rPr>
+              <a:t> </a:t>
+            </a:r>
+            <a:r>
+              <a:rPr lang="en-GB" sz="2400" dirty="0" smtClean="0">
+                <a:solidFill>
+                  <a:srgbClr val="000000"/>
+                </a:solidFill>
+                <a:latin typeface="Arial"/>
+              </a:rPr>
+              <a:t>Flash: fast recognition</a:t>
+            </a:r>
+          </a:p>
+          <a:p>
+            <a:pPr lvl="1">
+              <a:buFont typeface="Arial"/>
+              <a:buChar char="•"/>
+            </a:pPr>
+            <a:r>
+              <a:rPr lang="en-GB" sz="2400" dirty="0">
+                <a:solidFill>
+                  <a:srgbClr val="000000"/>
+                </a:solidFill>
+                <a:latin typeface="Arial"/>
+              </a:rPr>
+              <a:t> </a:t>
+            </a:r>
+            <a:r>
+              <a:rPr lang="en-GB" sz="2400" dirty="0" smtClean="0">
+                <a:solidFill>
+                  <a:srgbClr val="000000"/>
+                </a:solidFill>
+                <a:latin typeface="Arial"/>
+              </a:rPr>
+              <a:t>Moving: invariant recognition</a:t>
+            </a:r>
+          </a:p>
+          <a:p>
+            <a:pPr>
+              <a:lnSpc>
+                <a:spcPct val="100000"/>
+              </a:lnSpc>
+            </a:pPr>
+            <a:endParaRPr lang="en-GB" sz="2800" dirty="0" smtClean="0">
+              <a:solidFill>
+                <a:srgbClr val="000000"/>
+              </a:solidFill>
+              <a:latin typeface="Arial"/>
+            </a:endParaRPr>
           </a:p>
           <a:p>
             <a:pPr>
@@ -9523,61 +11579,19 @@
               <a:buFont typeface="Arial"/>
               <a:buChar char="•"/>
             </a:pPr>
-            <a:r>
-              <a:rPr lang="en-GB" sz="2800">
-                <a:solidFill>
-                  <a:srgbClr val="000000"/>
-                </a:solidFill>
-                <a:latin typeface="Arial"/>
-              </a:rPr>
-              <a:t>Spiking ConvNet (no training)</a:t>
-            </a:r>
-            <a:endParaRPr/>
-          </a:p>
-          <a:p>
-            <a:pPr>
-              <a:lnSpc>
-                <a:spcPct val="100000"/>
-              </a:lnSpc>
-              <a:buFont typeface="Arial"/>
-              <a:buChar char="•"/>
-            </a:pPr>
-            <a:r>
-              <a:rPr lang="en-GB" sz="2800">
-                <a:solidFill>
-                  <a:srgbClr val="000000"/>
-                </a:solidFill>
-                <a:latin typeface="Arial"/>
-              </a:rPr>
-              <a:t>Spiking DBN (trained off line)</a:t>
-            </a:r>
-            <a:endParaRPr/>
-          </a:p>
-          <a:p>
-            <a:pPr>
-              <a:lnSpc>
-                <a:spcPct val="100000"/>
-              </a:lnSpc>
-              <a:buFont typeface="Arial"/>
-              <a:buChar char="•"/>
-            </a:pPr>
-            <a:r>
-              <a:rPr lang="en-GB" sz="2800">
-                <a:solidFill>
-                  <a:srgbClr val="000000"/>
-                </a:solidFill>
-                <a:latin typeface="Arial"/>
-              </a:rPr>
-              <a:t>My exploration</a:t>
-            </a:r>
-            <a:endParaRPr/>
+            <a:endParaRPr lang="en-GB" sz="2800" dirty="0" smtClean="0">
+              <a:solidFill>
+                <a:srgbClr val="000000"/>
+              </a:solidFill>
+              <a:latin typeface="Arial"/>
+            </a:endParaRPr>
           </a:p>
         </p:txBody>
       </p:sp>
     </p:spTree>
   </p:cSld>
   <p:clrMapOvr>
-    <a:masterClrMapping/>
+    <a:overrideClrMapping bg1="lt1" tx1="dk1" bg2="lt2" tx2="dk2" accent1="accent1" accent2="accent2" accent3="accent3" accent4="accent4" accent5="accent5" accent6="accent6" hlink="hlink" folHlink="folHlink"/>
   </p:clrMapOvr>
   <p:timing>
     <p:tnLst>
@@ -9628,7 +11642,7 @@
       </p:grpSpPr>
       <p:sp>
         <p:nvSpPr>
-          <p:cNvPr id="120" name="CustomShape 1"/>
+          <p:cNvPr id="126" name="CustomShape 1"/>
           <p:cNvSpPr/>
           <p:nvPr/>
         </p:nvSpPr>
@@ -9655,21 +11669,24 @@
               </a:lnSpc>
             </a:pPr>
             <a:r>
-              <a:rPr lang="en-GB" sz="3200" b="1">
-                <a:solidFill>
-                  <a:srgbClr val="000000"/>
-                </a:solidFill>
-                <a:latin typeface="Arial"/>
-              </a:rPr>
-              <a:t>Problems and Limitations </a:t>
-            </a:r>
-            <a:endParaRPr/>
-          </a:p>
-        </p:txBody>
-      </p:sp>
-      <p:sp>
-        <p:nvSpPr>
-          <p:cNvPr id="121" name="CustomShape 2"/>
+              <a:rPr lang="en-GB" altLang="zh-CN" sz="3200" b="1" dirty="0" smtClean="0">
+                <a:solidFill>
+                  <a:srgbClr val="595959"/>
+                </a:solidFill>
+              </a:rPr>
+              <a:t>Evaluation</a:t>
+            </a:r>
+            <a:endParaRPr lang="en-GB" altLang="zh-CN" sz="3200" b="1" dirty="0">
+              <a:solidFill>
+                <a:srgbClr val="595959"/>
+              </a:solidFill>
+            </a:endParaRPr>
+          </a:p>
+        </p:txBody>
+      </p:sp>
+      <p:sp>
+        <p:nvSpPr>
+          <p:cNvPr id="127" name="CustomShape 2"/>
           <p:cNvSpPr/>
           <p:nvPr/>
         </p:nvSpPr>
@@ -9698,15 +11715,101 @@
               <a:buChar char="•"/>
             </a:pPr>
             <a:r>
-              <a:rPr lang="en-GB" sz="2800">
+              <a:rPr lang="en-GB" sz="2800" dirty="0" smtClean="0">
                 <a:solidFill>
                   <a:srgbClr val="000000"/>
                 </a:solidFill>
                 <a:latin typeface="Arial"/>
               </a:rPr>
-              <a:t>No database</a:t>
-            </a:r>
-            <a:endParaRPr/>
+              <a:t> </a:t>
+            </a:r>
+            <a:r>
+              <a:rPr lang="en-GB" sz="2800" dirty="0" smtClean="0">
+                <a:solidFill>
+                  <a:srgbClr val="FF0000"/>
+                </a:solidFill>
+                <a:latin typeface="Arial"/>
+              </a:rPr>
+              <a:t>SNN models</a:t>
+            </a:r>
+          </a:p>
+          <a:p>
+            <a:pPr lvl="1">
+              <a:buFont typeface="Arial"/>
+              <a:buChar char="•"/>
+            </a:pPr>
+            <a:r>
+              <a:rPr lang="en-GB" sz="2400" dirty="0">
+                <a:solidFill>
+                  <a:srgbClr val="000000"/>
+                </a:solidFill>
+                <a:latin typeface="Arial"/>
+              </a:rPr>
+              <a:t> </a:t>
+            </a:r>
+            <a:r>
+              <a:rPr lang="en-GB" sz="2400" dirty="0" smtClean="0">
+                <a:solidFill>
+                  <a:srgbClr val="000000"/>
+                </a:solidFill>
+                <a:latin typeface="Arial"/>
+              </a:rPr>
+              <a:t>biological training time</a:t>
+            </a:r>
+          </a:p>
+          <a:p>
+            <a:pPr lvl="1">
+              <a:buFont typeface="Arial"/>
+              <a:buChar char="•"/>
+            </a:pPr>
+            <a:r>
+              <a:rPr lang="en-GB" sz="2400" dirty="0">
+                <a:solidFill>
+                  <a:srgbClr val="000000"/>
+                </a:solidFill>
+                <a:latin typeface="Arial"/>
+              </a:rPr>
+              <a:t> </a:t>
+            </a:r>
+            <a:r>
+              <a:rPr lang="en-GB" sz="2400" dirty="0" smtClean="0">
+                <a:solidFill>
+                  <a:srgbClr val="000000"/>
+                </a:solidFill>
+                <a:latin typeface="Arial"/>
+              </a:rPr>
+              <a:t>biological testing time</a:t>
+            </a:r>
+          </a:p>
+          <a:p>
+            <a:pPr lvl="1">
+              <a:buFont typeface="Arial"/>
+              <a:buChar char="•"/>
+            </a:pPr>
+            <a:r>
+              <a:rPr lang="en-GB" sz="2400" dirty="0">
+                <a:solidFill>
+                  <a:srgbClr val="000000"/>
+                </a:solidFill>
+                <a:latin typeface="Arial"/>
+              </a:rPr>
+              <a:t> </a:t>
+            </a:r>
+            <a:r>
+              <a:rPr lang="en-GB" sz="2400" dirty="0" smtClean="0">
+                <a:solidFill>
+                  <a:srgbClr val="000000"/>
+                </a:solidFill>
+                <a:latin typeface="Arial"/>
+              </a:rPr>
+              <a:t>response latency</a:t>
+            </a:r>
+            <a:endParaRPr lang="en-GB" sz="2400" dirty="0" smtClean="0">
+              <a:solidFill>
+                <a:srgbClr val="000000"/>
+              </a:solidFill>
+              <a:latin typeface="Arial"/>
+            </a:endParaRPr>
           </a:p>
           <a:p>
             <a:pPr>
@@ -9717,34 +11820,95 @@
               <a:buChar char="•"/>
             </a:pPr>
             <a:r>
-              <a:rPr lang="en-GB" sz="2800">
+              <a:rPr lang="en-GB" sz="2800" dirty="0" smtClean="0">
                 <a:solidFill>
                   <a:srgbClr val="000000"/>
                 </a:solidFill>
                 <a:latin typeface="Arial"/>
               </a:rPr>
-              <a:t>No benchmark</a:t>
-            </a:r>
-            <a:endParaRPr/>
-          </a:p>
-          <a:p>
-            <a:pPr>
-              <a:lnSpc>
-                <a:spcPct val="100000"/>
-              </a:lnSpc>
+              <a:t> </a:t>
+            </a:r>
+            <a:r>
+              <a:rPr lang="en-US" sz="2800" dirty="0" smtClean="0">
+                <a:solidFill>
+                  <a:srgbClr val="000000"/>
+                </a:solidFill>
+                <a:latin typeface="Arial"/>
+              </a:rPr>
+              <a:t>H/W platforms</a:t>
+            </a:r>
+          </a:p>
+          <a:p>
+            <a:pPr lvl="1">
               <a:buFont typeface="Arial"/>
               <a:buChar char="•"/>
             </a:pPr>
             <a:r>
-              <a:rPr lang="en-GB" sz="2800">
+              <a:rPr lang="en-US" sz="2400" dirty="0">
                 <a:solidFill>
                   <a:srgbClr val="000000"/>
                 </a:solidFill>
                 <a:latin typeface="Arial"/>
               </a:rPr>
-              <a:t>No effective training</a:t>
-            </a:r>
-            <a:endParaRPr/>
+              <a:t> </a:t>
+            </a:r>
+            <a:r>
+              <a:rPr lang="en-US" sz="2400" dirty="0" smtClean="0">
+                <a:solidFill>
+                  <a:srgbClr val="000000"/>
+                </a:solidFill>
+                <a:latin typeface="Arial"/>
+              </a:rPr>
+              <a:t>feasibility due to H/W limits</a:t>
+            </a:r>
+          </a:p>
+          <a:p>
+            <a:pPr lvl="1">
+              <a:buFont typeface="Arial"/>
+              <a:buChar char="•"/>
+            </a:pPr>
+            <a:r>
+              <a:rPr lang="en-US" sz="2400" dirty="0">
+                <a:solidFill>
+                  <a:srgbClr val="000000"/>
+                </a:solidFill>
+                <a:latin typeface="Arial"/>
+              </a:rPr>
+              <a:t> </a:t>
+            </a:r>
+            <a:r>
+              <a:rPr lang="en-US" sz="2400" dirty="0" smtClean="0">
+                <a:solidFill>
+                  <a:srgbClr val="000000"/>
+                </a:solidFill>
+                <a:latin typeface="Arial"/>
+              </a:rPr>
+              <a:t>simulation time</a:t>
+            </a:r>
+          </a:p>
+          <a:p>
+            <a:pPr lvl="1">
+              <a:buFont typeface="Arial"/>
+              <a:buChar char="•"/>
+            </a:pPr>
+            <a:r>
+              <a:rPr lang="en-US" sz="2400" dirty="0">
+                <a:solidFill>
+                  <a:srgbClr val="000000"/>
+                </a:solidFill>
+                <a:latin typeface="Arial"/>
+              </a:rPr>
+              <a:t> </a:t>
+            </a:r>
+            <a:r>
+              <a:rPr lang="en-US" sz="2400" dirty="0" smtClean="0">
+                <a:solidFill>
+                  <a:srgbClr val="000000"/>
+                </a:solidFill>
+                <a:latin typeface="Arial"/>
+              </a:rPr>
+              <a:t>energy use</a:t>
+            </a:r>
           </a:p>
           <a:p>
             <a:pPr>
@@ -9752,11 +11916,24 @@
                 <a:spcPct val="100000"/>
               </a:lnSpc>
             </a:pPr>
-            <a:endParaRPr/>
+            <a:endParaRPr dirty="0"/>
+          </a:p>
+          <a:p>
+            <a:pPr>
+              <a:lnSpc>
+                <a:spcPct val="100000"/>
+              </a:lnSpc>
+            </a:pPr>
+            <a:endParaRPr dirty="0"/>
           </a:p>
         </p:txBody>
       </p:sp>
     </p:spTree>
+    <p:extLst>
+      <p:ext uri="{BB962C8B-B14F-4D97-AF65-F5344CB8AC3E}">
+        <p14:creationId xmlns:p14="http://schemas.microsoft.com/office/powerpoint/2010/main" val="4031871773"/>
+      </p:ext>
+    </p:extLst>
   </p:cSld>
   <p:clrMapOvr>
     <a:masterClrMapping/>
@@ -9810,147 +11987,364 @@
       </p:grpSpPr>
       <p:sp>
         <p:nvSpPr>
-          <p:cNvPr id="122" name="CustomShape 1"/>
-          <p:cNvSpPr/>
+          <p:cNvPr id="2" name="标题 1"/>
+          <p:cNvSpPr>
+            <a:spLocks noGrp="1"/>
+          </p:cNvSpPr>
+          <p:nvPr>
+            <p:ph type="title"/>
+          </p:nvPr>
+        </p:nvSpPr>
+        <p:spPr/>
+        <p:txBody>
+          <a:bodyPr/>
+          <a:lstStyle/>
+          <a:p>
+            <a:endParaRPr lang="zh-CN" altLang="en-US"/>
+          </a:p>
+        </p:txBody>
+      </p:sp>
+      <p:sp>
+        <p:nvSpPr>
+          <p:cNvPr id="3" name="副标题 2"/>
+          <p:cNvSpPr>
+            <a:spLocks noGrp="1"/>
+          </p:cNvSpPr>
+          <p:nvPr>
+            <p:ph type="subTitle"/>
+          </p:nvPr>
+        </p:nvSpPr>
+        <p:spPr/>
+        <p:txBody>
+          <a:bodyPr/>
+          <a:lstStyle/>
+          <a:p>
+            <a:endParaRPr lang="zh-CN" altLang="en-US"/>
+          </a:p>
+        </p:txBody>
+      </p:sp>
+      <p:pic>
+        <p:nvPicPr>
+          <p:cNvPr id="1026" name="Picture 2"/>
+          <p:cNvPicPr>
+            <a:picLocks noChangeAspect="1" noChangeArrowheads="1"/>
+          </p:cNvPicPr>
           <p:nvPr/>
-        </p:nvSpPr>
-        <p:spPr>
-          <a:xfrm>
-            <a:off x="405720" y="1268640"/>
-            <a:ext cx="5842440" cy="1142280"/>
-          </a:xfrm>
-          <a:prstGeom prst="rect">
-            <a:avLst/>
-          </a:prstGeom>
-          <a:noFill/>
+        </p:nvPicPr>
+        <p:blipFill>
+          <a:blip r:embed="rId2" cstate="print">
+            <a:extLst>
+              <a:ext uri="{28A0092B-C50C-407E-A947-70E740481C1C}">
+                <a14:useLocalDpi xmlns:a14="http://schemas.microsoft.com/office/drawing/2010/main" val="0"/>
+              </a:ext>
+            </a:extLst>
+          </a:blip>
+          <a:stretch>
+            <a:fillRect/>
+          </a:stretch>
+        </p:blipFill>
+        <p:spPr bwMode="auto">
+          <a:xfrm>
+            <a:off x="395536" y="260648"/>
+            <a:ext cx="8388424" cy="6003912"/>
+          </a:xfrm>
+          <a:prstGeom prst="rect">
+            <a:avLst/>
+          </a:prstGeom>
+          <a:solidFill>
+            <a:srgbClr val="FF0000"/>
+          </a:solidFill>
           <a:ln>
             <a:noFill/>
           </a:ln>
         </p:spPr>
-        <p:txBody>
-          <a:bodyPr lIns="90000" tIns="45000" rIns="90000" bIns="45000" anchor="ctr"/>
-          <a:lstStyle/>
-          <a:p>
-            <a:pPr>
-              <a:lnSpc>
-                <a:spcPct val="100000"/>
-              </a:lnSpc>
-            </a:pPr>
-            <a:r>
-              <a:rPr lang="en-GB" sz="3200" b="1">
-                <a:solidFill>
-                  <a:srgbClr val="000000"/>
-                </a:solidFill>
-                <a:latin typeface="Arial"/>
-              </a:rPr>
-              <a:t>Preliminary Work </a:t>
-            </a:r>
-            <a:endParaRPr/>
-          </a:p>
-        </p:txBody>
-      </p:sp>
-      <p:sp>
-        <p:nvSpPr>
-          <p:cNvPr id="123" name="CustomShape 2"/>
+      </p:pic>
+      <p:sp>
+        <p:nvSpPr>
+          <p:cNvPr id="5" name="矩形 4"/>
           <p:cNvSpPr/>
           <p:nvPr/>
         </p:nvSpPr>
         <p:spPr>
           <a:xfrm>
-            <a:off x="395640" y="2493000"/>
-            <a:ext cx="8228880" cy="3632400"/>
+            <a:off x="7164288" y="1988840"/>
+            <a:ext cx="1368152" cy="216024"/>
           </a:xfrm>
           <a:prstGeom prst="rect">
             <a:avLst/>
           </a:prstGeom>
           <a:noFill/>
           <a:ln>
-            <a:noFill/>
+            <a:solidFill>
+              <a:srgbClr val="FF0000"/>
+            </a:solidFill>
           </a:ln>
         </p:spPr>
-        <p:txBody>
-          <a:bodyPr lIns="90000" tIns="45000" rIns="90000" bIns="45000"/>
-          <a:lstStyle/>
-          <a:p>
-            <a:pPr>
-              <a:lnSpc>
-                <a:spcPct val="100000"/>
-              </a:lnSpc>
-              <a:buFont typeface="Arial"/>
-              <a:buChar char="•"/>
-            </a:pPr>
-            <a:r>
-              <a:rPr lang="en-GB" sz="2800">
-                <a:solidFill>
-                  <a:srgbClr val="000000"/>
-                </a:solidFill>
-                <a:latin typeface="Arial"/>
-              </a:rPr>
-              <a:t>Benchmarking spike-based visual recognition</a:t>
-            </a:r>
-            <a:endParaRPr/>
-          </a:p>
-          <a:p>
-            <a:pPr>
-              <a:lnSpc>
-                <a:spcPct val="100000"/>
-              </a:lnSpc>
-              <a:buFont typeface="Arial"/>
-              <a:buChar char="•"/>
-            </a:pPr>
-            <a:r>
-              <a:rPr lang="en-GB" sz="2800">
-                <a:solidFill>
-                  <a:srgbClr val="000000"/>
-                </a:solidFill>
-                <a:latin typeface="Arial"/>
-              </a:rPr>
-              <a:t>Towards robust image recognition with DBN</a:t>
-            </a:r>
-            <a:endParaRPr/>
-          </a:p>
-          <a:p>
-            <a:pPr>
-              <a:lnSpc>
-                <a:spcPct val="100000"/>
-              </a:lnSpc>
-            </a:pPr>
-            <a:endParaRPr/>
+        <p:style>
+          <a:lnRef idx="2">
+            <a:schemeClr val="accent1">
+              <a:shade val="50000"/>
+            </a:schemeClr>
+          </a:lnRef>
+          <a:fillRef idx="1">
+            <a:schemeClr val="accent1"/>
+          </a:fillRef>
+          <a:effectRef idx="0">
+            <a:schemeClr val="accent1"/>
+          </a:effectRef>
+          <a:fontRef idx="minor">
+            <a:schemeClr val="lt1"/>
+          </a:fontRef>
+        </p:style>
+        <p:txBody>
+          <a:bodyPr rtlCol="0" anchor="ctr"/>
+          <a:lstStyle/>
+          <a:p>
+            <a:pPr algn="ctr"/>
+            <a:endParaRPr lang="zh-CN" altLang="en-US"/>
+          </a:p>
+        </p:txBody>
+      </p:sp>
+      <p:sp>
+        <p:nvSpPr>
+          <p:cNvPr id="7" name="矩形 6"/>
+          <p:cNvSpPr/>
+          <p:nvPr/>
+        </p:nvSpPr>
+        <p:spPr>
+          <a:xfrm>
+            <a:off x="5220072" y="4077072"/>
+            <a:ext cx="1368152" cy="432048"/>
+          </a:xfrm>
+          <a:prstGeom prst="rect">
+            <a:avLst/>
+          </a:prstGeom>
+          <a:noFill/>
+          <a:ln>
+            <a:solidFill>
+              <a:srgbClr val="FF0000"/>
+            </a:solidFill>
+          </a:ln>
+        </p:spPr>
+        <p:style>
+          <a:lnRef idx="2">
+            <a:schemeClr val="accent1">
+              <a:shade val="50000"/>
+            </a:schemeClr>
+          </a:lnRef>
+          <a:fillRef idx="1">
+            <a:schemeClr val="accent1"/>
+          </a:fillRef>
+          <a:effectRef idx="0">
+            <a:schemeClr val="accent1"/>
+          </a:effectRef>
+          <a:fontRef idx="minor">
+            <a:schemeClr val="lt1"/>
+          </a:fontRef>
+        </p:style>
+        <p:txBody>
+          <a:bodyPr rtlCol="0" anchor="ctr"/>
+          <a:lstStyle/>
+          <a:p>
+            <a:pPr algn="ctr"/>
+            <a:endParaRPr lang="zh-CN" altLang="en-US"/>
+          </a:p>
+        </p:txBody>
+      </p:sp>
+      <p:sp>
+        <p:nvSpPr>
+          <p:cNvPr id="8" name="矩形 7"/>
+          <p:cNvSpPr/>
+          <p:nvPr/>
+        </p:nvSpPr>
+        <p:spPr>
+          <a:xfrm>
+            <a:off x="7164288" y="2924944"/>
+            <a:ext cx="1368152" cy="216024"/>
+          </a:xfrm>
+          <a:prstGeom prst="rect">
+            <a:avLst/>
+          </a:prstGeom>
+          <a:noFill/>
+          <a:ln>
+            <a:solidFill>
+              <a:srgbClr val="FF0000"/>
+            </a:solidFill>
+          </a:ln>
+        </p:spPr>
+        <p:style>
+          <a:lnRef idx="2">
+            <a:schemeClr val="accent1">
+              <a:shade val="50000"/>
+            </a:schemeClr>
+          </a:lnRef>
+          <a:fillRef idx="1">
+            <a:schemeClr val="accent1"/>
+          </a:fillRef>
+          <a:effectRef idx="0">
+            <a:schemeClr val="accent1"/>
+          </a:effectRef>
+          <a:fontRef idx="minor">
+            <a:schemeClr val="lt1"/>
+          </a:fontRef>
+        </p:style>
+        <p:txBody>
+          <a:bodyPr rtlCol="0" anchor="ctr"/>
+          <a:lstStyle/>
+          <a:p>
+            <a:pPr algn="ctr"/>
+            <a:endParaRPr lang="zh-CN" altLang="en-US"/>
+          </a:p>
+        </p:txBody>
+      </p:sp>
+      <p:sp>
+        <p:nvSpPr>
+          <p:cNvPr id="9" name="矩形 8"/>
+          <p:cNvSpPr/>
+          <p:nvPr/>
+        </p:nvSpPr>
+        <p:spPr>
+          <a:xfrm>
+            <a:off x="7164288" y="5085184"/>
+            <a:ext cx="1368152" cy="216024"/>
+          </a:xfrm>
+          <a:prstGeom prst="rect">
+            <a:avLst/>
+          </a:prstGeom>
+          <a:noFill/>
+          <a:ln>
+            <a:solidFill>
+              <a:srgbClr val="FF0000"/>
+            </a:solidFill>
+          </a:ln>
+        </p:spPr>
+        <p:style>
+          <a:lnRef idx="2">
+            <a:schemeClr val="accent1">
+              <a:shade val="50000"/>
+            </a:schemeClr>
+          </a:lnRef>
+          <a:fillRef idx="1">
+            <a:schemeClr val="accent1"/>
+          </a:fillRef>
+          <a:effectRef idx="0">
+            <a:schemeClr val="accent1"/>
+          </a:effectRef>
+          <a:fontRef idx="minor">
+            <a:schemeClr val="lt1"/>
+          </a:fontRef>
+        </p:style>
+        <p:txBody>
+          <a:bodyPr rtlCol="0" anchor="ctr"/>
+          <a:lstStyle/>
+          <a:p>
+            <a:pPr algn="ctr"/>
+            <a:endParaRPr lang="zh-CN" altLang="en-US"/>
+          </a:p>
+        </p:txBody>
+      </p:sp>
+      <p:sp>
+        <p:nvSpPr>
+          <p:cNvPr id="10" name="矩形 9"/>
+          <p:cNvSpPr/>
+          <p:nvPr/>
+        </p:nvSpPr>
+        <p:spPr>
+          <a:xfrm>
+            <a:off x="7704856" y="5589240"/>
+            <a:ext cx="1043608" cy="216024"/>
+          </a:xfrm>
+          <a:prstGeom prst="rect">
+            <a:avLst/>
+          </a:prstGeom>
+          <a:noFill/>
+          <a:ln>
+            <a:solidFill>
+              <a:srgbClr val="FF0000"/>
+            </a:solidFill>
+          </a:ln>
+        </p:spPr>
+        <p:style>
+          <a:lnRef idx="2">
+            <a:schemeClr val="accent1">
+              <a:shade val="50000"/>
+            </a:schemeClr>
+          </a:lnRef>
+          <a:fillRef idx="1">
+            <a:schemeClr val="accent1"/>
+          </a:fillRef>
+          <a:effectRef idx="0">
+            <a:schemeClr val="accent1"/>
+          </a:effectRef>
+          <a:fontRef idx="minor">
+            <a:schemeClr val="lt1"/>
+          </a:fontRef>
+        </p:style>
+        <p:txBody>
+          <a:bodyPr rtlCol="0" anchor="ctr"/>
+          <a:lstStyle/>
+          <a:p>
+            <a:pPr algn="ctr"/>
+            <a:endParaRPr lang="zh-CN" altLang="en-US"/>
+          </a:p>
+        </p:txBody>
+      </p:sp>
+      <p:sp>
+        <p:nvSpPr>
+          <p:cNvPr id="12" name="矩形 11"/>
+          <p:cNvSpPr/>
+          <p:nvPr/>
+        </p:nvSpPr>
+        <p:spPr>
+          <a:xfrm>
+            <a:off x="7704856" y="6021288"/>
+            <a:ext cx="1043608" cy="216024"/>
+          </a:xfrm>
+          <a:prstGeom prst="rect">
+            <a:avLst/>
+          </a:prstGeom>
+          <a:noFill/>
+          <a:ln>
+            <a:solidFill>
+              <a:srgbClr val="FF0000"/>
+            </a:solidFill>
+          </a:ln>
+        </p:spPr>
+        <p:style>
+          <a:lnRef idx="2">
+            <a:schemeClr val="accent1">
+              <a:shade val="50000"/>
+            </a:schemeClr>
+          </a:lnRef>
+          <a:fillRef idx="1">
+            <a:schemeClr val="accent1"/>
+          </a:fillRef>
+          <a:effectRef idx="0">
+            <a:schemeClr val="accent1"/>
+          </a:effectRef>
+          <a:fontRef idx="minor">
+            <a:schemeClr val="lt1"/>
+          </a:fontRef>
+        </p:style>
+        <p:txBody>
+          <a:bodyPr rtlCol="0" anchor="ctr"/>
+          <a:lstStyle/>
+          <a:p>
+            <a:pPr algn="ctr"/>
+            <a:endParaRPr lang="zh-CN" altLang="en-US"/>
           </a:p>
         </p:txBody>
       </p:sp>
     </p:spTree>
+    <p:extLst>
+      <p:ext uri="{BB962C8B-B14F-4D97-AF65-F5344CB8AC3E}">
+        <p14:creationId xmlns:p14="http://schemas.microsoft.com/office/powerpoint/2010/main" val="1893679748"/>
+      </p:ext>
+    </p:extLst>
   </p:cSld>
   <p:clrMapOvr>
     <a:masterClrMapping/>
   </p:clrMapOvr>
-  <p:timing>
-    <p:tnLst>
-      <p:par>
-        <p:cTn id="1" dur="indefinite" restart="never" nodeType="tmRoot">
-          <p:childTnLst>
-            <p:seq>
-              <p:cTn id="2" nodeType="mainSeq"/>
-              <p:prevCondLst>
-                <p:cond evt="onPrev" delay="0">
-                  <p:tgtEl>
-                    <p:sldTgt/>
-                  </p:tgtEl>
-                </p:cond>
-              </p:prevCondLst>
-              <p:nextCondLst>
-                <p:cond evt="onNext" delay="0">
-                  <p:tgtEl>
-                    <p:sldTgt/>
-                  </p:tgtEl>
-                </p:cond>
-              </p:nextCondLst>
-            </p:seq>
-          </p:childTnLst>
-        </p:cTn>
-      </p:par>
-    </p:tnLst>
-  </p:timing>
 </p:sld>
 </file>
 
@@ -9973,7 +12367,7 @@
       </p:grpSpPr>
       <p:sp>
         <p:nvSpPr>
-          <p:cNvPr id="124" name="CustomShape 1"/>
+          <p:cNvPr id="126" name="CustomShape 1"/>
           <p:cNvSpPr/>
           <p:nvPr/>
         </p:nvSpPr>
@@ -10000,21 +12394,24 @@
               </a:lnSpc>
             </a:pPr>
             <a:r>
-              <a:rPr lang="en-GB" sz="3200" b="1">
-                <a:solidFill>
-                  <a:srgbClr val="000000"/>
-                </a:solidFill>
-                <a:latin typeface="Arial"/>
-              </a:rPr>
-              <a:t>Methods</a:t>
-            </a:r>
-            <a:endParaRPr/>
-          </a:p>
-        </p:txBody>
-      </p:sp>
-      <p:sp>
-        <p:nvSpPr>
-          <p:cNvPr id="125" name="CustomShape 2"/>
+              <a:rPr lang="en-GB" altLang="zh-CN" sz="3200" b="1" dirty="0" smtClean="0">
+                <a:solidFill>
+                  <a:srgbClr val="595959"/>
+                </a:solidFill>
+              </a:rPr>
+              <a:t>Evaluation</a:t>
+            </a:r>
+            <a:endParaRPr lang="en-GB" altLang="zh-CN" sz="3200" b="1" dirty="0">
+              <a:solidFill>
+                <a:srgbClr val="595959"/>
+              </a:solidFill>
+            </a:endParaRPr>
+          </a:p>
+        </p:txBody>
+      </p:sp>
+      <p:sp>
+        <p:nvSpPr>
+          <p:cNvPr id="127" name="CustomShape 2"/>
           <p:cNvSpPr/>
           <p:nvPr/>
         </p:nvSpPr>
@@ -10043,75 +12440,191 @@
               <a:buChar char="•"/>
             </a:pPr>
             <a:r>
-              <a:rPr lang="en-GB" sz="2800">
+              <a:rPr lang="en-GB" sz="2800" dirty="0" smtClean="0">
                 <a:solidFill>
                   <a:srgbClr val="000000"/>
                 </a:solidFill>
                 <a:latin typeface="Arial"/>
               </a:rPr>
-              <a:t>Benchmarking spike-based visual recognition</a:t>
-            </a:r>
-            <a:endParaRPr/>
+              <a:t> SNN models</a:t>
+            </a:r>
           </a:p>
           <a:p>
             <a:pPr lvl="1">
+              <a:buFont typeface="Arial"/>
+              <a:buChar char="•"/>
+            </a:pPr>
+            <a:r>
+              <a:rPr lang="en-GB" sz="2400" dirty="0">
+                <a:solidFill>
+                  <a:srgbClr val="000000"/>
+                </a:solidFill>
+                <a:latin typeface="Arial"/>
+              </a:rPr>
+              <a:t> </a:t>
+            </a:r>
+            <a:r>
+              <a:rPr lang="en-GB" sz="2400" dirty="0" smtClean="0">
+                <a:solidFill>
+                  <a:srgbClr val="000000"/>
+                </a:solidFill>
+                <a:latin typeface="Arial"/>
+              </a:rPr>
+              <a:t>biological training time</a:t>
+            </a:r>
+          </a:p>
+          <a:p>
+            <a:pPr lvl="1">
+              <a:buFont typeface="Arial"/>
+              <a:buChar char="•"/>
+            </a:pPr>
+            <a:r>
+              <a:rPr lang="en-GB" sz="2400" dirty="0">
+                <a:solidFill>
+                  <a:srgbClr val="000000"/>
+                </a:solidFill>
+                <a:latin typeface="Arial"/>
+              </a:rPr>
+              <a:t> </a:t>
+            </a:r>
+            <a:r>
+              <a:rPr lang="en-GB" sz="2400" dirty="0" smtClean="0">
+                <a:solidFill>
+                  <a:srgbClr val="000000"/>
+                </a:solidFill>
+                <a:latin typeface="Arial"/>
+              </a:rPr>
+              <a:t>biological testing time</a:t>
+            </a:r>
+          </a:p>
+          <a:p>
+            <a:pPr lvl="1">
+              <a:buFont typeface="Arial"/>
+              <a:buChar char="•"/>
+            </a:pPr>
+            <a:r>
+              <a:rPr lang="en-GB" sz="2400" dirty="0">
+                <a:solidFill>
+                  <a:srgbClr val="000000"/>
+                </a:solidFill>
+                <a:latin typeface="Arial"/>
+              </a:rPr>
+              <a:t> </a:t>
+            </a:r>
+            <a:r>
+              <a:rPr lang="en-GB" sz="2400" dirty="0" smtClean="0">
+                <a:solidFill>
+                  <a:srgbClr val="000000"/>
+                </a:solidFill>
+                <a:latin typeface="Arial"/>
+              </a:rPr>
+              <a:t>response latency</a:t>
+            </a:r>
+            <a:endParaRPr lang="en-GB" sz="2400" dirty="0" smtClean="0">
+              <a:solidFill>
+                <a:srgbClr val="000000"/>
+              </a:solidFill>
+              <a:latin typeface="Arial"/>
+            </a:endParaRPr>
+          </a:p>
+          <a:p>
+            <a:pPr>
               <a:lnSpc>
                 <a:spcPct val="100000"/>
               </a:lnSpc>
-              <a:buSzPct val="45000"/>
-              <a:buFont typeface="StarSymbol"/>
-              <a:buChar char=""/>
+              <a:buFont typeface="Arial"/>
+              <a:buChar char="•"/>
             </a:pPr>
             <a:r>
-              <a:rPr lang="en-GB" sz="2800">
+              <a:rPr lang="en-GB" sz="2800" dirty="0" smtClean="0">
                 <a:solidFill>
                   <a:srgbClr val="000000"/>
                 </a:solidFill>
                 <a:latin typeface="Arial"/>
               </a:rPr>
-              <a:t>A database</a:t>
-            </a:r>
-            <a:endParaRPr/>
+              <a:t> </a:t>
+            </a:r>
+            <a:r>
+              <a:rPr lang="en-US" sz="2800" dirty="0" smtClean="0">
+                <a:solidFill>
+                  <a:srgbClr val="FF0000"/>
+                </a:solidFill>
+                <a:latin typeface="Arial"/>
+              </a:rPr>
+              <a:t>H/W platforms</a:t>
+            </a:r>
           </a:p>
           <a:p>
             <a:pPr lvl="1">
-              <a:lnSpc>
-                <a:spcPct val="100000"/>
-              </a:lnSpc>
-              <a:buSzPct val="45000"/>
-              <a:buFont typeface="StarSymbol"/>
-              <a:buChar char=""/>
+              <a:buFont typeface="Arial"/>
+              <a:buChar char="•"/>
             </a:pPr>
             <a:r>
-              <a:rPr lang="en-GB" sz="2800">
+              <a:rPr lang="en-US" sz="2400" dirty="0">
                 <a:solidFill>
                   <a:srgbClr val="000000"/>
                 </a:solidFill>
                 <a:latin typeface="Arial"/>
               </a:rPr>
-              <a:t>Evaluation Metrics</a:t>
-            </a:r>
-            <a:endParaRPr/>
+              <a:t> </a:t>
+            </a:r>
+            <a:r>
+              <a:rPr lang="en-US" sz="2400" dirty="0" smtClean="0">
+                <a:solidFill>
+                  <a:srgbClr val="000000"/>
+                </a:solidFill>
+                <a:latin typeface="Arial"/>
+              </a:rPr>
+              <a:t>feasibility due to H/W limits</a:t>
+            </a:r>
           </a:p>
           <a:p>
             <a:pPr lvl="1">
-              <a:lnSpc>
-                <a:spcPct val="100000"/>
-              </a:lnSpc>
-              <a:buSzPct val="45000"/>
-              <a:buFont typeface="StarSymbol"/>
-              <a:buChar char=""/>
+              <a:buFont typeface="Arial"/>
+              <a:buChar char="•"/>
             </a:pPr>
             <a:r>
-              <a:rPr lang="en-GB" sz="2800">
+              <a:rPr lang="en-US" sz="2400" dirty="0">
                 <a:solidFill>
                   <a:srgbClr val="000000"/>
                 </a:solidFill>
                 <a:latin typeface="Arial"/>
               </a:rPr>
-              <a:t>Case studies</a:t>
-            </a:r>
-            <a:endParaRPr/>
+              <a:t> </a:t>
+            </a:r>
+            <a:r>
+              <a:rPr lang="en-US" sz="2400" dirty="0" smtClean="0">
+                <a:solidFill>
+                  <a:srgbClr val="000000"/>
+                </a:solidFill>
+                <a:latin typeface="Arial"/>
+              </a:rPr>
+              <a:t>simulation time</a:t>
+            </a:r>
+          </a:p>
+          <a:p>
+            <a:pPr lvl="1">
+              <a:buFont typeface="Arial"/>
+              <a:buChar char="•"/>
+            </a:pPr>
+            <a:r>
+              <a:rPr lang="en-US" sz="2400" dirty="0">
+                <a:solidFill>
+                  <a:srgbClr val="000000"/>
+                </a:solidFill>
+                <a:latin typeface="Arial"/>
+              </a:rPr>
+              <a:t> </a:t>
+            </a:r>
+            <a:r>
+              <a:rPr lang="en-US" sz="2400" dirty="0" smtClean="0">
+                <a:solidFill>
+                  <a:srgbClr val="000000"/>
+                </a:solidFill>
+                <a:latin typeface="Arial"/>
+              </a:rPr>
+              <a:t>energy use</a:t>
+            </a:r>
           </a:p>
           <a:p>
             <a:pPr>
@@ -10119,11 +12632,24 @@
                 <a:spcPct val="100000"/>
               </a:lnSpc>
             </a:pPr>
-            <a:endParaRPr/>
+            <a:endParaRPr dirty="0"/>
+          </a:p>
+          <a:p>
+            <a:pPr>
+              <a:lnSpc>
+                <a:spcPct val="100000"/>
+              </a:lnSpc>
+            </a:pPr>
+            <a:endParaRPr dirty="0"/>
           </a:p>
         </p:txBody>
       </p:sp>
     </p:spTree>
+    <p:extLst>
+      <p:ext uri="{BB962C8B-B14F-4D97-AF65-F5344CB8AC3E}">
+        <p14:creationId xmlns:p14="http://schemas.microsoft.com/office/powerpoint/2010/main" val="1811760073"/>
+      </p:ext>
+    </p:extLst>
   </p:cSld>
   <p:clrMapOvr>
     <a:masterClrMapping/>
@@ -10177,14 +12703,48 @@
       </p:grpSpPr>
       <p:sp>
         <p:nvSpPr>
-          <p:cNvPr id="126" name="CustomShape 1"/>
-          <p:cNvSpPr/>
+          <p:cNvPr id="3" name="副标题 2"/>
+          <p:cNvSpPr>
+            <a:spLocks noGrp="1"/>
+          </p:cNvSpPr>
+          <p:nvPr>
+            <p:ph type="subTitle"/>
+          </p:nvPr>
+        </p:nvSpPr>
+        <p:spPr/>
+        <p:txBody>
+          <a:bodyPr/>
+          <a:lstStyle/>
+          <a:p>
+            <a:endParaRPr lang="zh-CN" altLang="en-US"/>
+          </a:p>
+        </p:txBody>
+      </p:sp>
+      <p:pic>
+        <p:nvPicPr>
+          <p:cNvPr id="2050" name="Picture 2"/>
+          <p:cNvPicPr>
+            <a:picLocks noChangeAspect="1" noChangeArrowheads="1"/>
+          </p:cNvPicPr>
           <p:nvPr/>
-        </p:nvSpPr>
-        <p:spPr>
-          <a:xfrm>
-            <a:off x="405720" y="1268640"/>
-            <a:ext cx="5842440" cy="1142280"/>
+        </p:nvPicPr>
+        <p:blipFill>
+          <a:blip r:embed="rId3">
+            <a:extLst>
+              <a:ext uri="{28A0092B-C50C-407E-A947-70E740481C1C}">
+                <a14:useLocalDpi xmlns:a14="http://schemas.microsoft.com/office/drawing/2010/main" val="0"/>
+              </a:ext>
+            </a:extLst>
+          </a:blip>
+          <a:srcRect/>
+          <a:stretch>
+            <a:fillRect/>
+          </a:stretch>
+        </p:blipFill>
+        <p:spPr bwMode="auto">
+          <a:xfrm>
+            <a:off x="306635" y="332656"/>
+            <a:ext cx="8582025" cy="5638800"/>
           </a:xfrm>
           <a:prstGeom prst="rect">
             <a:avLst/>
@@ -10193,152 +12753,139 @@
           <a:ln>
             <a:noFill/>
           </a:ln>
-        </p:spPr>
-        <p:txBody>
-          <a:bodyPr lIns="90000" tIns="45000" rIns="90000" bIns="45000" anchor="ctr"/>
-          <a:lstStyle/>
-          <a:p>
-            <a:pPr>
-              <a:lnSpc>
-                <a:spcPct val="100000"/>
-              </a:lnSpc>
-            </a:pPr>
-            <a:r>
-              <a:rPr lang="en-GB" sz="3200" b="1">
-                <a:solidFill>
-                  <a:srgbClr val="000000"/>
-                </a:solidFill>
-                <a:latin typeface="Arial"/>
-              </a:rPr>
-              <a:t>Results</a:t>
-            </a:r>
-            <a:endParaRPr/>
-          </a:p>
-        </p:txBody>
-      </p:sp>
-      <p:sp>
-        <p:nvSpPr>
-          <p:cNvPr id="127" name="CustomShape 2"/>
+          <a:effectLst/>
+          <a:extLst>
+            <a:ext uri="{909E8E84-426E-40DD-AFC4-6F175D3DCCD1}">
+              <a14:hiddenFill xmlns:a14="http://schemas.microsoft.com/office/drawing/2010/main">
+                <a:solidFill>
+                  <a:schemeClr val="accent1"/>
+                </a:solidFill>
+              </a14:hiddenFill>
+            </a:ext>
+            <a:ext uri="{91240B29-F687-4F45-9708-019B960494DF}">
+              <a14:hiddenLine xmlns:a14="http://schemas.microsoft.com/office/drawing/2010/main" w="9525">
+                <a:solidFill>
+                  <a:schemeClr val="tx1"/>
+                </a:solidFill>
+                <a:miter lim="800000"/>
+                <a:headEnd/>
+                <a:tailEnd/>
+              </a14:hiddenLine>
+            </a:ext>
+            <a:ext uri="{AF507438-7753-43E0-B8FC-AC1667EBCBE1}">
+              <a14:hiddenEffects xmlns:a14="http://schemas.microsoft.com/office/drawing/2010/main">
+                <a:effectLst>
+                  <a:outerShdw dist="35921" dir="2700000" algn="ctr" rotWithShape="0">
+                    <a:schemeClr val="bg2"/>
+                  </a:outerShdw>
+                </a:effectLst>
+              </a14:hiddenEffects>
+            </a:ext>
+          </a:extLst>
+        </p:spPr>
+      </p:pic>
+      <p:sp>
+        <p:nvSpPr>
+          <p:cNvPr id="5" name="矩形 4"/>
           <p:cNvSpPr/>
           <p:nvPr/>
         </p:nvSpPr>
         <p:spPr>
           <a:xfrm>
-            <a:off x="395640" y="2493000"/>
-            <a:ext cx="8228880" cy="3632400"/>
+            <a:off x="7524328" y="332656"/>
+            <a:ext cx="1368152" cy="5638800"/>
           </a:xfrm>
           <a:prstGeom prst="rect">
             <a:avLst/>
           </a:prstGeom>
           <a:noFill/>
           <a:ln>
-            <a:noFill/>
+            <a:solidFill>
+              <a:srgbClr val="FF0000"/>
+            </a:solidFill>
           </a:ln>
         </p:spPr>
-        <p:txBody>
-          <a:bodyPr lIns="90000" tIns="45000" rIns="90000" bIns="45000"/>
-          <a:lstStyle/>
-          <a:p>
-            <a:pPr>
-              <a:lnSpc>
-                <a:spcPct val="100000"/>
-              </a:lnSpc>
-              <a:buFont typeface="Arial"/>
-              <a:buChar char="•"/>
-            </a:pPr>
-            <a:r>
-              <a:rPr lang="en-GB" sz="2800">
-                <a:solidFill>
-                  <a:srgbClr val="000000"/>
-                </a:solidFill>
-                <a:latin typeface="Arial"/>
-              </a:rPr>
-              <a:t>Evaluation Tables</a:t>
-            </a:r>
-            <a:endParaRPr/>
-          </a:p>
-          <a:p>
-            <a:pPr lvl="1">
-              <a:lnSpc>
-                <a:spcPct val="100000"/>
-              </a:lnSpc>
-              <a:buSzPct val="45000"/>
-              <a:buFont typeface="StarSymbol"/>
-              <a:buChar char=""/>
-            </a:pPr>
-            <a:r>
-              <a:rPr lang="en-GB" sz="2800">
-                <a:solidFill>
-                  <a:srgbClr val="000000"/>
-                </a:solidFill>
-                <a:latin typeface="Arial"/>
-              </a:rPr>
-              <a:t>Hardware Independent</a:t>
-            </a:r>
-            <a:endParaRPr/>
-          </a:p>
-          <a:p>
-            <a:pPr lvl="1">
-              <a:lnSpc>
-                <a:spcPct val="100000"/>
-              </a:lnSpc>
-              <a:buSzPct val="45000"/>
-              <a:buFont typeface="StarSymbol"/>
-              <a:buChar char=""/>
-            </a:pPr>
-            <a:r>
-              <a:rPr lang="en-GB" sz="2800">
-                <a:solidFill>
-                  <a:srgbClr val="000000"/>
-                </a:solidFill>
-                <a:latin typeface="Arial"/>
-              </a:rPr>
-              <a:t>Hardware Dependant </a:t>
-            </a:r>
-            <a:endParaRPr/>
-          </a:p>
-          <a:p>
-            <a:pPr>
-              <a:lnSpc>
-                <a:spcPct val="100000"/>
-              </a:lnSpc>
-            </a:pPr>
-            <a:endParaRPr/>
+        <p:style>
+          <a:lnRef idx="2">
+            <a:schemeClr val="accent1">
+              <a:shade val="50000"/>
+            </a:schemeClr>
+          </a:lnRef>
+          <a:fillRef idx="1">
+            <a:schemeClr val="accent1"/>
+          </a:fillRef>
+          <a:effectRef idx="0">
+            <a:schemeClr val="accent1"/>
+          </a:effectRef>
+          <a:fontRef idx="minor">
+            <a:schemeClr val="lt1"/>
+          </a:fontRef>
+        </p:style>
+        <p:txBody>
+          <a:bodyPr rtlCol="0" anchor="ctr"/>
+          <a:lstStyle/>
+          <a:p>
+            <a:pPr algn="ctr"/>
+            <a:endParaRPr lang="zh-CN" altLang="en-US"/>
+          </a:p>
+        </p:txBody>
+      </p:sp>
+      <p:sp>
+        <p:nvSpPr>
+          <p:cNvPr id="7" name="矩形 6"/>
+          <p:cNvSpPr/>
+          <p:nvPr/>
+        </p:nvSpPr>
+        <p:spPr>
+          <a:xfrm>
+            <a:off x="6156176" y="332656"/>
+            <a:ext cx="1368152" cy="5638800"/>
+          </a:xfrm>
+          <a:prstGeom prst="rect">
+            <a:avLst/>
+          </a:prstGeom>
+          <a:noFill/>
+          <a:ln>
+            <a:solidFill>
+              <a:srgbClr val="FF0000"/>
+            </a:solidFill>
+          </a:ln>
+        </p:spPr>
+        <p:style>
+          <a:lnRef idx="2">
+            <a:schemeClr val="accent1">
+              <a:shade val="50000"/>
+            </a:schemeClr>
+          </a:lnRef>
+          <a:fillRef idx="1">
+            <a:schemeClr val="accent1"/>
+          </a:fillRef>
+          <a:effectRef idx="0">
+            <a:schemeClr val="accent1"/>
+          </a:effectRef>
+          <a:fontRef idx="minor">
+            <a:schemeClr val="lt1"/>
+          </a:fontRef>
+        </p:style>
+        <p:txBody>
+          <a:bodyPr rtlCol="0" anchor="ctr"/>
+          <a:lstStyle/>
+          <a:p>
+            <a:pPr algn="ctr"/>
+            <a:endParaRPr lang="zh-CN" altLang="en-US"/>
           </a:p>
         </p:txBody>
       </p:sp>
     </p:spTree>
+    <p:extLst>
+      <p:ext uri="{BB962C8B-B14F-4D97-AF65-F5344CB8AC3E}">
+        <p14:creationId xmlns:p14="http://schemas.microsoft.com/office/powerpoint/2010/main" val="1441639391"/>
+      </p:ext>
+    </p:extLst>
   </p:cSld>
   <p:clrMapOvr>
     <a:masterClrMapping/>
   </p:clrMapOvr>
-  <p:timing>
-    <p:tnLst>
-      <p:par>
-        <p:cTn id="1" dur="indefinite" restart="never" nodeType="tmRoot">
-          <p:childTnLst>
-            <p:seq>
-              <p:cTn id="2" nodeType="mainSeq"/>
-              <p:prevCondLst>
-                <p:cond evt="onPrev" delay="0">
-                  <p:tgtEl>
-                    <p:sldTgt/>
-                  </p:tgtEl>
-                </p:cond>
-              </p:prevCondLst>
-              <p:nextCondLst>
-                <p:cond evt="onNext" delay="0">
-                  <p:tgtEl>
-                    <p:sldTgt/>
-                  </p:tgtEl>
-                </p:cond>
-              </p:nextCondLst>
-            </p:seq>
-          </p:childTnLst>
-        </p:cTn>
-      </p:par>
-    </p:tnLst>
-  </p:timing>
 </p:sld>
 </file>
 
@@ -10361,7 +12908,7 @@
       </p:grpSpPr>
       <p:sp>
         <p:nvSpPr>
-          <p:cNvPr id="128" name="CustomShape 1"/>
+          <p:cNvPr id="126" name="CustomShape 1"/>
           <p:cNvSpPr/>
           <p:nvPr/>
         </p:nvSpPr>
@@ -10388,21 +12935,24 @@
               </a:lnSpc>
             </a:pPr>
             <a:r>
-              <a:rPr lang="en-GB" sz="3200" b="1">
-                <a:solidFill>
-                  <a:srgbClr val="000000"/>
-                </a:solidFill>
-                <a:latin typeface="Arial"/>
-              </a:rPr>
-              <a:t>Methods</a:t>
-            </a:r>
-            <a:endParaRPr/>
-          </a:p>
-        </p:txBody>
-      </p:sp>
-      <p:sp>
-        <p:nvSpPr>
-          <p:cNvPr id="129" name="CustomShape 2"/>
+              <a:rPr lang="en-GB" altLang="zh-CN" sz="3200" b="1" dirty="0" smtClean="0">
+                <a:solidFill>
+                  <a:srgbClr val="595959"/>
+                </a:solidFill>
+              </a:rPr>
+              <a:t>Algorithms</a:t>
+            </a:r>
+            <a:endParaRPr lang="en-GB" altLang="zh-CN" sz="3200" b="1" dirty="0">
+              <a:solidFill>
+                <a:srgbClr val="595959"/>
+              </a:solidFill>
+            </a:endParaRPr>
+          </a:p>
+        </p:txBody>
+      </p:sp>
+      <p:sp>
+        <p:nvSpPr>
+          <p:cNvPr id="127" name="CustomShape 2"/>
           <p:cNvSpPr/>
           <p:nvPr/>
         </p:nvSpPr>
@@ -10431,95 +12981,287 @@
               <a:buChar char="•"/>
             </a:pPr>
             <a:r>
-              <a:rPr lang="en-GB" sz="2800">
+              <a:rPr lang="en-GB" sz="2800" dirty="0" smtClean="0">
                 <a:solidFill>
                   <a:srgbClr val="000000"/>
                 </a:solidFill>
                 <a:latin typeface="Arial"/>
               </a:rPr>
-              <a:t>Spiking Deep Belief Network</a:t>
-            </a:r>
-            <a:endParaRPr/>
+              <a:t> state-of-the-art</a:t>
+            </a:r>
           </a:p>
           <a:p>
             <a:pPr lvl="1">
+              <a:buFont typeface="Arial"/>
+              <a:buChar char="•"/>
+            </a:pPr>
+            <a:r>
+              <a:rPr lang="en-GB" sz="2400" dirty="0">
+                <a:solidFill>
+                  <a:srgbClr val="000000"/>
+                </a:solidFill>
+              </a:rPr>
+              <a:t> 2-Layer </a:t>
+            </a:r>
+            <a:r>
+              <a:rPr lang="en-GB" sz="2400" dirty="0" smtClean="0">
+                <a:solidFill>
+                  <a:srgbClr val="000000"/>
+                </a:solidFill>
+              </a:rPr>
+              <a:t>STDP learned</a:t>
+            </a:r>
+            <a:endParaRPr lang="en-GB" sz="2400" dirty="0">
+              <a:solidFill>
+                <a:srgbClr val="000000"/>
+              </a:solidFill>
+            </a:endParaRPr>
+          </a:p>
+          <a:p>
+            <a:pPr lvl="1">
+              <a:buFont typeface="Arial"/>
+              <a:buChar char="•"/>
+            </a:pPr>
+            <a:r>
+              <a:rPr lang="en-GB" sz="2400" dirty="0" smtClean="0">
+                <a:solidFill>
+                  <a:srgbClr val="000000"/>
+                </a:solidFill>
+                <a:latin typeface="Arial"/>
+              </a:rPr>
+              <a:t> </a:t>
+            </a:r>
+            <a:r>
+              <a:rPr lang="en-GB" altLang="zh-CN" sz="2400" dirty="0">
+                <a:solidFill>
+                  <a:srgbClr val="000000"/>
+                </a:solidFill>
+              </a:rPr>
+              <a:t>Spiking </a:t>
+            </a:r>
+            <a:r>
+              <a:rPr lang="en-GB" altLang="zh-CN" sz="2400" dirty="0" err="1" smtClean="0">
+                <a:solidFill>
+                  <a:srgbClr val="000000"/>
+                </a:solidFill>
+              </a:rPr>
+              <a:t>ConvNet</a:t>
+            </a:r>
+            <a:r>
+              <a:rPr lang="en-GB" altLang="zh-CN" sz="2400" dirty="0" smtClean="0">
+                <a:solidFill>
+                  <a:srgbClr val="000000"/>
+                </a:solidFill>
+              </a:rPr>
+              <a:t> (off-line training)</a:t>
+            </a:r>
+            <a:endParaRPr lang="en-GB" sz="2400" dirty="0" smtClean="0">
+              <a:solidFill>
+                <a:srgbClr val="000000"/>
+              </a:solidFill>
+              <a:latin typeface="Arial"/>
+            </a:endParaRPr>
+          </a:p>
+          <a:p>
+            <a:pPr lvl="1">
+              <a:buFont typeface="Arial"/>
+              <a:buChar char="•"/>
+            </a:pPr>
+            <a:r>
+              <a:rPr lang="en-GB" sz="2400" dirty="0" smtClean="0">
+                <a:solidFill>
+                  <a:srgbClr val="000000"/>
+                </a:solidFill>
+                <a:latin typeface="Arial"/>
+              </a:rPr>
+              <a:t> </a:t>
+            </a:r>
+            <a:r>
+              <a:rPr lang="en-GB" altLang="zh-CN" sz="2400" dirty="0">
+                <a:solidFill>
+                  <a:srgbClr val="000000"/>
+                </a:solidFill>
+              </a:rPr>
+              <a:t>Spiking </a:t>
+            </a:r>
+            <a:r>
+              <a:rPr lang="en-GB" altLang="zh-CN" sz="2400" dirty="0" smtClean="0">
+                <a:solidFill>
+                  <a:srgbClr val="000000"/>
+                </a:solidFill>
+              </a:rPr>
+              <a:t>DBN </a:t>
+            </a:r>
+            <a:r>
+              <a:rPr lang="en-GB" altLang="zh-CN" sz="2400" dirty="0">
+                <a:solidFill>
+                  <a:srgbClr val="000000"/>
+                </a:solidFill>
+              </a:rPr>
+              <a:t>(off-line training</a:t>
+            </a:r>
+            <a:r>
+              <a:rPr lang="en-GB" altLang="zh-CN" sz="2400" dirty="0" smtClean="0">
+                <a:solidFill>
+                  <a:srgbClr val="000000"/>
+                </a:solidFill>
+              </a:rPr>
+              <a:t>)</a:t>
+            </a:r>
+            <a:endParaRPr lang="en-GB" sz="2400" dirty="0" smtClean="0">
+              <a:solidFill>
+                <a:srgbClr val="000000"/>
+              </a:solidFill>
+              <a:latin typeface="Arial"/>
+            </a:endParaRPr>
+          </a:p>
+          <a:p>
+            <a:pPr>
               <a:lnSpc>
                 <a:spcPct val="100000"/>
               </a:lnSpc>
-              <a:buSzPct val="45000"/>
-              <a:buFont typeface="StarSymbol"/>
-              <a:buChar char=""/>
+              <a:buFont typeface="Arial"/>
+              <a:buChar char="•"/>
             </a:pPr>
             <a:r>
-              <a:rPr lang="en-GB" sz="2800">
+              <a:rPr lang="en-GB" sz="2800" dirty="0" smtClean="0">
                 <a:solidFill>
                   <a:srgbClr val="000000"/>
                 </a:solidFill>
                 <a:latin typeface="Arial"/>
               </a:rPr>
-              <a:t>Restricted Boltzmann Machine</a:t>
-            </a:r>
-            <a:endParaRPr/>
+              <a:t> </a:t>
+            </a:r>
+            <a:r>
+              <a:rPr lang="en-US" sz="2800" dirty="0" smtClean="0">
+                <a:solidFill>
+                  <a:srgbClr val="FF0000"/>
+                </a:solidFill>
+                <a:latin typeface="Arial"/>
+              </a:rPr>
+              <a:t>Case studies</a:t>
+            </a:r>
+            <a:endParaRPr lang="en-US" sz="2800" dirty="0" smtClean="0">
+              <a:solidFill>
+                <a:srgbClr val="FF0000"/>
+              </a:solidFill>
+              <a:latin typeface="Arial"/>
+            </a:endParaRPr>
           </a:p>
           <a:p>
             <a:pPr lvl="1">
-              <a:lnSpc>
-                <a:spcPct val="100000"/>
-              </a:lnSpc>
-              <a:buSzPct val="45000"/>
-              <a:buFont typeface="StarSymbol"/>
-              <a:buChar char=""/>
+              <a:buFont typeface="Arial"/>
+              <a:buChar char="•"/>
             </a:pPr>
             <a:r>
-              <a:rPr lang="en-GB" sz="2800">
+              <a:rPr lang="en-US" sz="2400" dirty="0" smtClean="0">
                 <a:solidFill>
                   <a:srgbClr val="000000"/>
                 </a:solidFill>
                 <a:latin typeface="Arial"/>
               </a:rPr>
-              <a:t>Deep Belief Net</a:t>
-            </a:r>
-            <a:endParaRPr/>
+              <a:t> STDP online training on </a:t>
+            </a:r>
+            <a:r>
+              <a:rPr lang="en-US" sz="2400" dirty="0" err="1" smtClean="0">
+                <a:solidFill>
+                  <a:srgbClr val="000000"/>
+                </a:solidFill>
+                <a:latin typeface="Arial"/>
+              </a:rPr>
+              <a:t>SpiNNaker</a:t>
+            </a:r>
+            <a:endParaRPr lang="en-US" sz="2400" dirty="0" smtClean="0">
+              <a:solidFill>
+                <a:srgbClr val="000000"/>
+              </a:solidFill>
+              <a:latin typeface="Arial"/>
+            </a:endParaRPr>
           </a:p>
           <a:p>
             <a:pPr lvl="1">
-              <a:lnSpc>
-                <a:spcPct val="100000"/>
-              </a:lnSpc>
-              <a:buSzPct val="45000"/>
-              <a:buFont typeface="StarSymbol"/>
-              <a:buChar char=""/>
+              <a:buFont typeface="Arial"/>
+              <a:buChar char="•"/>
             </a:pPr>
             <a:r>
-              <a:rPr lang="en-GB" sz="2800">
+              <a:rPr lang="en-US" sz="2400" dirty="0" smtClean="0">
                 <a:solidFill>
                   <a:srgbClr val="000000"/>
                 </a:solidFill>
                 <a:latin typeface="Arial"/>
               </a:rPr>
-              <a:t>Future work</a:t>
-            </a:r>
-            <a:endParaRPr/>
-          </a:p>
-          <a:p>
-            <a:pPr lvl="1">
-              <a:lnSpc>
-                <a:spcPct val="100000"/>
-              </a:lnSpc>
-              <a:buSzPct val="45000"/>
-              <a:buFont typeface="StarSymbol"/>
-              <a:buChar char=""/>
-            </a:pPr>
-            <a:r>
-              <a:rPr lang="en-GB" sz="2800">
+              <a:t> </a:t>
+            </a:r>
+            <a:r>
+              <a:rPr lang="en-GB" altLang="zh-CN" sz="2400" dirty="0">
                 <a:solidFill>
                   <a:srgbClr val="000000"/>
                 </a:solidFill>
-                <a:latin typeface="Arial"/>
-              </a:rPr>
-              <a:t>Holes in the study</a:t>
-            </a:r>
-            <a:endParaRPr/>
+              </a:rPr>
+              <a:t>Spiking </a:t>
+            </a:r>
+            <a:r>
+              <a:rPr lang="en-GB" altLang="zh-CN" sz="2400" dirty="0" smtClean="0">
+                <a:solidFill>
+                  <a:srgbClr val="000000"/>
+                </a:solidFill>
+              </a:rPr>
+              <a:t>DBN on </a:t>
+            </a:r>
+            <a:r>
+              <a:rPr lang="en-GB" altLang="zh-CN" sz="2400" dirty="0" err="1" smtClean="0">
+                <a:solidFill>
+                  <a:srgbClr val="000000"/>
+                </a:solidFill>
+              </a:rPr>
+              <a:t>SpiNNaker</a:t>
+            </a:r>
+            <a:r>
+              <a:rPr lang="en-GB" altLang="zh-CN" sz="2400" dirty="0" smtClean="0">
+                <a:solidFill>
+                  <a:srgbClr val="000000"/>
+                </a:solidFill>
+              </a:rPr>
+              <a:t> (</a:t>
+            </a:r>
+            <a:r>
+              <a:rPr lang="en-GB" altLang="zh-CN" sz="2400" dirty="0" err="1" smtClean="0">
+                <a:solidFill>
+                  <a:srgbClr val="000000"/>
+                </a:solidFill>
+              </a:rPr>
+              <a:t>Evangelos</a:t>
+            </a:r>
+            <a:r>
+              <a:rPr lang="en-GB" altLang="zh-CN" sz="2400" dirty="0" smtClean="0">
+                <a:solidFill>
+                  <a:srgbClr val="000000"/>
+                </a:solidFill>
+              </a:rPr>
+              <a:t> </a:t>
+            </a:r>
+            <a:r>
+              <a:rPr lang="en-GB" altLang="zh-CN" sz="2400" dirty="0" err="1" smtClean="0">
+                <a:solidFill>
+                  <a:srgbClr val="000000"/>
+                </a:solidFill>
+              </a:rPr>
+              <a:t>Stromatias</a:t>
+            </a:r>
+            <a:r>
+              <a:rPr lang="en-GB" altLang="zh-CN" sz="2400" dirty="0" smtClean="0">
+                <a:solidFill>
+                  <a:srgbClr val="000000"/>
+                </a:solidFill>
+              </a:rPr>
+              <a:t>)</a:t>
+            </a:r>
+            <a:endParaRPr lang="en-US" sz="2400" dirty="0" smtClean="0">
+              <a:solidFill>
+                <a:srgbClr val="000000"/>
+              </a:solidFill>
+              <a:latin typeface="Arial"/>
+            </a:endParaRPr>
           </a:p>
           <a:p>
             <a:pPr>
@@ -10527,11 +13269,24 @@
                 <a:spcPct val="100000"/>
               </a:lnSpc>
             </a:pPr>
-            <a:endParaRPr/>
+            <a:endParaRPr dirty="0"/>
+          </a:p>
+          <a:p>
+            <a:pPr>
+              <a:lnSpc>
+                <a:spcPct val="100000"/>
+              </a:lnSpc>
+            </a:pPr>
+            <a:endParaRPr dirty="0"/>
           </a:p>
         </p:txBody>
       </p:sp>
     </p:spTree>
+    <p:extLst>
+      <p:ext uri="{BB962C8B-B14F-4D97-AF65-F5344CB8AC3E}">
+        <p14:creationId xmlns:p14="http://schemas.microsoft.com/office/powerpoint/2010/main" val="3557542079"/>
+      </p:ext>
+    </p:extLst>
   </p:cSld>
   <p:clrMapOvr>
     <a:masterClrMapping/>
@@ -10583,9 +13338,50 @@
           <a:chExt cx="0" cy="0"/>
         </a:xfrm>
       </p:grpSpPr>
-      <p:sp>
-        <p:nvSpPr>
-          <p:cNvPr id="130" name="CustomShape 1"/>
+      <p:pic>
+        <p:nvPicPr>
+          <p:cNvPr id="3074" name="Picture 2" descr="E:\github\benchmarking\ne_submit\jpeg-tobefix\training.jpg"/>
+          <p:cNvPicPr>
+            <a:picLocks noChangeAspect="1" noChangeArrowheads="1"/>
+          </p:cNvPicPr>
+          <p:nvPr/>
+        </p:nvPicPr>
+        <p:blipFill>
+          <a:blip r:embed="rId3" cstate="print">
+            <a:extLst>
+              <a:ext uri="{28A0092B-C50C-407E-A947-70E740481C1C}">
+                <a14:useLocalDpi xmlns:a14="http://schemas.microsoft.com/office/drawing/2010/main" val="0"/>
+              </a:ext>
+            </a:extLst>
+          </a:blip>
+          <a:srcRect/>
+          <a:stretch>
+            <a:fillRect/>
+          </a:stretch>
+        </p:blipFill>
+        <p:spPr bwMode="auto">
+          <a:xfrm>
+            <a:off x="3084512" y="2608312"/>
+            <a:ext cx="6059487" cy="1828800"/>
+          </a:xfrm>
+          <a:prstGeom prst="rect">
+            <a:avLst/>
+          </a:prstGeom>
+          <a:noFill/>
+          <a:extLst>
+            <a:ext uri="{909E8E84-426E-40DD-AFC4-6F175D3DCCD1}">
+              <a14:hiddenFill xmlns:a14="http://schemas.microsoft.com/office/drawing/2010/main">
+                <a:solidFill>
+                  <a:srgbClr val="FFFFFF"/>
+                </a:solidFill>
+              </a14:hiddenFill>
+            </a:ext>
+          </a:extLst>
+        </p:spPr>
+      </p:pic>
+      <p:sp>
+        <p:nvSpPr>
+          <p:cNvPr id="126" name="CustomShape 1"/>
           <p:cNvSpPr/>
           <p:nvPr/>
         </p:nvSpPr>
@@ -10612,21 +13408,24 @@
               </a:lnSpc>
             </a:pPr>
             <a:r>
-              <a:rPr lang="en-GB" sz="3200" b="1">
-                <a:solidFill>
-                  <a:srgbClr val="000000"/>
-                </a:solidFill>
-                <a:latin typeface="Arial"/>
-              </a:rPr>
-              <a:t>Results</a:t>
-            </a:r>
-            <a:endParaRPr/>
-          </a:p>
-        </p:txBody>
-      </p:sp>
-      <p:sp>
-        <p:nvSpPr>
-          <p:cNvPr id="131" name="CustomShape 2"/>
+              <a:rPr lang="en-GB" altLang="zh-CN" sz="3200" b="1" dirty="0" smtClean="0">
+                <a:solidFill>
+                  <a:srgbClr val="595959"/>
+                </a:solidFill>
+              </a:rPr>
+              <a:t>Case Study I: 2-layer STDP</a:t>
+            </a:r>
+            <a:endParaRPr lang="en-GB" altLang="zh-CN" sz="3200" b="1" dirty="0">
+              <a:solidFill>
+                <a:srgbClr val="595959"/>
+              </a:solidFill>
+            </a:endParaRPr>
+          </a:p>
+        </p:txBody>
+      </p:sp>
+      <p:sp>
+        <p:nvSpPr>
+          <p:cNvPr id="127" name="CustomShape 2"/>
           <p:cNvSpPr/>
           <p:nvPr/>
         </p:nvSpPr>
@@ -10655,55 +13454,74 @@
               <a:buChar char="•"/>
             </a:pPr>
             <a:r>
-              <a:rPr lang="en-GB" sz="2800" dirty="0">
+              <a:rPr lang="en-GB" sz="2800" dirty="0" smtClean="0">
                 <a:solidFill>
                   <a:srgbClr val="000000"/>
                 </a:solidFill>
                 <a:latin typeface="Arial"/>
               </a:rPr>
-              <a:t>Validation on Contrastive Divergence</a:t>
-            </a:r>
-            <a:endParaRPr dirty="0"/>
-          </a:p>
-          <a:p>
-            <a:pPr lvl="1">
+              <a:t> </a:t>
+            </a:r>
+            <a:r>
+              <a:rPr lang="en-US" sz="2800" dirty="0" smtClean="0">
+                <a:solidFill>
+                  <a:srgbClr val="000000"/>
+                </a:solidFill>
+                <a:latin typeface="Arial"/>
+              </a:rPr>
+              <a:t>a simple model</a:t>
+            </a:r>
+          </a:p>
+          <a:p>
+            <a:pPr>
               <a:lnSpc>
                 <a:spcPct val="100000"/>
               </a:lnSpc>
-              <a:buSzPct val="45000"/>
-              <a:buFont typeface="StarSymbol"/>
-              <a:buChar char=""/>
+              <a:buFont typeface="Arial"/>
+              <a:buChar char="•"/>
             </a:pPr>
             <a:r>
-              <a:rPr lang="en-GB" sz="2800" dirty="0">
+              <a:rPr lang="en-US" sz="2800" dirty="0" smtClean="0">
                 <a:solidFill>
                   <a:srgbClr val="000000"/>
                 </a:solidFill>
                 <a:latin typeface="Arial"/>
               </a:rPr>
-              <a:t>MNIST test</a:t>
-            </a:r>
-            <a:endParaRPr dirty="0"/>
-          </a:p>
-          <a:p>
-            <a:pPr lvl="1">
+              <a:t> fast training</a:t>
+            </a:r>
+          </a:p>
+          <a:p>
+            <a:pPr>
               <a:lnSpc>
                 <a:spcPct val="100000"/>
               </a:lnSpc>
-              <a:buSzPct val="45000"/>
-              <a:buFont typeface="StarSymbol"/>
-              <a:buChar char=""/>
+              <a:buFont typeface="Arial"/>
+              <a:buChar char="•"/>
             </a:pPr>
             <a:r>
-              <a:rPr lang="en-GB" sz="2800" dirty="0">
+              <a:rPr lang="en-US" sz="2800" dirty="0">
                 <a:solidFill>
                   <a:srgbClr val="000000"/>
                 </a:solidFill>
                 <a:latin typeface="Arial"/>
               </a:rPr>
-              <a:t>Normal distribution test</a:t>
-            </a:r>
-            <a:endParaRPr dirty="0"/>
+              <a:t> </a:t>
+            </a:r>
+            <a:r>
+              <a:rPr lang="en-US" sz="2800" dirty="0" smtClean="0">
+                <a:solidFill>
+                  <a:srgbClr val="000000"/>
+                </a:solidFill>
+                <a:latin typeface="Arial"/>
+              </a:rPr>
+              <a:t>short latency</a:t>
+            </a:r>
+            <a:endParaRPr lang="en-US" sz="2400" dirty="0" smtClean="0">
+              <a:solidFill>
+                <a:srgbClr val="000000"/>
+              </a:solidFill>
+              <a:latin typeface="Arial"/>
+            </a:endParaRPr>
           </a:p>
           <a:p>
             <a:pPr>
@@ -10713,9 +13531,63 @@
             </a:pPr>
             <a:endParaRPr dirty="0"/>
           </a:p>
-        </p:txBody>
-      </p:sp>
+          <a:p>
+            <a:pPr>
+              <a:lnSpc>
+                <a:spcPct val="100000"/>
+              </a:lnSpc>
+            </a:pPr>
+            <a:endParaRPr dirty="0"/>
+          </a:p>
+        </p:txBody>
+      </p:sp>
+      <p:pic>
+        <p:nvPicPr>
+          <p:cNvPr id="3075" name="Picture 3" descr="E:\github\benchmarking\ne_submit\jpeg-tobefix\testing.jpg"/>
+          <p:cNvPicPr>
+            <a:picLocks noChangeAspect="1" noChangeArrowheads="1"/>
+          </p:cNvPicPr>
+          <p:nvPr/>
+        </p:nvPicPr>
+        <p:blipFill>
+          <a:blip r:embed="rId4" cstate="print">
+            <a:extLst>
+              <a:ext uri="{28A0092B-C50C-407E-A947-70E740481C1C}">
+                <a14:useLocalDpi xmlns:a14="http://schemas.microsoft.com/office/drawing/2010/main" val="0"/>
+              </a:ext>
+            </a:extLst>
+          </a:blip>
+          <a:srcRect/>
+          <a:stretch>
+            <a:fillRect/>
+          </a:stretch>
+        </p:blipFill>
+        <p:spPr bwMode="auto">
+          <a:xfrm>
+            <a:off x="2783904" y="4653136"/>
+            <a:ext cx="6324600" cy="1968500"/>
+          </a:xfrm>
+          <a:prstGeom prst="rect">
+            <a:avLst/>
+          </a:prstGeom>
+          <a:noFill/>
+          <a:extLst>
+            <a:ext uri="{909E8E84-426E-40DD-AFC4-6F175D3DCCD1}">
+              <a14:hiddenFill xmlns:a14="http://schemas.microsoft.com/office/drawing/2010/main">
+                <a:solidFill>
+                  <a:srgbClr val="FFFFFF"/>
+                </a:solidFill>
+              </a14:hiddenFill>
+            </a:ext>
+          </a:extLst>
+        </p:spPr>
+      </p:pic>
     </p:spTree>
+    <p:extLst>
+      <p:ext uri="{BB962C8B-B14F-4D97-AF65-F5344CB8AC3E}">
+        <p14:creationId xmlns:p14="http://schemas.microsoft.com/office/powerpoint/2010/main" val="2326991781"/>
+      </p:ext>
+    </p:extLst>
   </p:cSld>
   <p:clrMapOvr>
     <a:masterClrMapping/>
@@ -11922,4 +14794,332 @@
   <a:objectDefaults/>
   <a:extraClrSchemeLst/>
 </a:theme>
+</file>
+
+<file path=ppt/theme/theme4.xml><?xml version="1.0" encoding="utf-8"?>
+<a:theme xmlns:a="http://schemas.openxmlformats.org/drawingml/2006/main" name="Office 主题​​">
+  <a:themeElements>
+    <a:clrScheme name="Office">
+      <a:dk1>
+        <a:sysClr val="windowText" lastClr="000000"/>
+      </a:dk1>
+      <a:lt1>
+        <a:sysClr val="window" lastClr="FFFFFF"/>
+      </a:lt1>
+      <a:dk2>
+        <a:srgbClr val="1F497D"/>
+      </a:dk2>
+      <a:lt2>
+        <a:srgbClr val="EEECE1"/>
+      </a:lt2>
+      <a:accent1>
+        <a:srgbClr val="4F81BD"/>
+      </a:accent1>
+      <a:accent2>
+        <a:srgbClr val="C0504D"/>
+      </a:accent2>
+      <a:accent3>
+        <a:srgbClr val="9BBB59"/>
+      </a:accent3>
+      <a:accent4>
+        <a:srgbClr val="8064A2"/>
+      </a:accent4>
+      <a:accent5>
+        <a:srgbClr val="4BACC6"/>
+      </a:accent5>
+      <a:accent6>
+        <a:srgbClr val="F79646"/>
+      </a:accent6>
+      <a:hlink>
+        <a:srgbClr val="0000FF"/>
+      </a:hlink>
+      <a:folHlink>
+        <a:srgbClr val="800080"/>
+      </a:folHlink>
+    </a:clrScheme>
+    <a:fontScheme name="Office">
+      <a:majorFont>
+        <a:latin typeface="Calibri"/>
+        <a:ea typeface=""/>
+        <a:cs typeface=""/>
+        <a:font script="Jpan" typeface="ＭＳ Ｐゴシック"/>
+        <a:font script="Hang" typeface="맑은 고딕"/>
+        <a:font script="Hans" typeface="宋体"/>
+        <a:font script="Hant" typeface="新細明體"/>
+        <a:font script="Arab" typeface="Times New Roman"/>
+        <a:font script="Hebr" typeface="Times New Roman"/>
+        <a:font script="Thai" typeface="Angsana New"/>
+        <a:font script="Ethi" typeface="Nyala"/>
+        <a:font script="Beng" typeface="Vrinda"/>
+        <a:font script="Gujr" typeface="Shruti"/>
+        <a:font script="Khmr" typeface="MoolBoran"/>
+        <a:font script="Knda" typeface="Tunga"/>
+        <a:font script="Guru" typeface="Raavi"/>
+        <a:font script="Cans" typeface="Euphemia"/>
+        <a:font script="Cher" typeface="Plantagenet Cherokee"/>
+        <a:font script="Yiii" typeface="Microsoft Yi Baiti"/>
+        <a:font script="Tibt" typeface="Microsoft Himalaya"/>
+        <a:font script="Thaa" typeface="MV Boli"/>
+        <a:font script="Deva" typeface="Mangal"/>
+        <a:font script="Telu" typeface="Gautami"/>
+        <a:font script="Taml" typeface="Latha"/>
+        <a:font script="Syrc" typeface="Estrangelo Edessa"/>
+        <a:font script="Orya" typeface="Kalinga"/>
+        <a:font script="Mlym" typeface="Kartika"/>
+        <a:font script="Laoo" typeface="DokChampa"/>
+        <a:font script="Sinh" typeface="Iskoola Pota"/>
+        <a:font script="Mong" typeface="Mongolian Baiti"/>
+        <a:font script="Viet" typeface="Times New Roman"/>
+        <a:font script="Uigh" typeface="Microsoft Uighur"/>
+        <a:font script="Geor" typeface="Sylfaen"/>
+      </a:majorFont>
+      <a:minorFont>
+        <a:latin typeface="Calibri"/>
+        <a:ea typeface=""/>
+        <a:cs typeface=""/>
+        <a:font script="Jpan" typeface="ＭＳ Ｐゴシック"/>
+        <a:font script="Hang" typeface="맑은 고딕"/>
+        <a:font script="Hans" typeface="宋体"/>
+        <a:font script="Hant" typeface="新細明體"/>
+        <a:font script="Arab" typeface="Arial"/>
+        <a:font script="Hebr" typeface="Arial"/>
+        <a:font script="Thai" typeface="Cordia New"/>
+        <a:font script="Ethi" typeface="Nyala"/>
+        <a:font script="Beng" typeface="Vrinda"/>
+        <a:font script="Gujr" typeface="Shruti"/>
+        <a:font script="Khmr" typeface="DaunPenh"/>
+        <a:font script="Knda" typeface="Tunga"/>
+        <a:font script="Guru" typeface="Raavi"/>
+        <a:font script="Cans" typeface="Euphemia"/>
+        <a:font script="Cher" typeface="Plantagenet Cherokee"/>
+        <a:font script="Yiii" typeface="Microsoft Yi Baiti"/>
+        <a:font script="Tibt" typeface="Microsoft Himalaya"/>
+        <a:font script="Thaa" typeface="MV Boli"/>
+        <a:font script="Deva" typeface="Mangal"/>
+        <a:font script="Telu" typeface="Gautami"/>
+        <a:font script="Taml" typeface="Latha"/>
+        <a:font script="Syrc" typeface="Estrangelo Edessa"/>
+        <a:font script="Orya" typeface="Kalinga"/>
+        <a:font script="Mlym" typeface="Kartika"/>
+        <a:font script="Laoo" typeface="DokChampa"/>
+        <a:font script="Sinh" typeface="Iskoola Pota"/>
+        <a:font script="Mong" typeface="Mongolian Baiti"/>
+        <a:font script="Viet" typeface="Arial"/>
+        <a:font script="Uigh" typeface="Microsoft Uighur"/>
+        <a:font script="Geor" typeface="Sylfaen"/>
+      </a:minorFont>
+    </a:fontScheme>
+    <a:fmtScheme name="Office">
+      <a:fillStyleLst>
+        <a:solidFill>
+          <a:schemeClr val="phClr"/>
+        </a:solidFill>
+        <a:gradFill rotWithShape="1">
+          <a:gsLst>
+            <a:gs pos="0">
+              <a:schemeClr val="phClr">
+                <a:tint val="50000"/>
+                <a:satMod val="300000"/>
+              </a:schemeClr>
+            </a:gs>
+            <a:gs pos="35000">
+              <a:schemeClr val="phClr">
+                <a:tint val="37000"/>
+                <a:satMod val="300000"/>
+              </a:schemeClr>
+            </a:gs>
+            <a:gs pos="100000">
+              <a:schemeClr val="phClr">
+                <a:tint val="15000"/>
+                <a:satMod val="350000"/>
+              </a:schemeClr>
+            </a:gs>
+          </a:gsLst>
+          <a:lin ang="16200000" scaled="1"/>
+        </a:gradFill>
+        <a:gradFill rotWithShape="1">
+          <a:gsLst>
+            <a:gs pos="0">
+              <a:schemeClr val="phClr">
+                <a:shade val="51000"/>
+                <a:satMod val="130000"/>
+              </a:schemeClr>
+            </a:gs>
+            <a:gs pos="80000">
+              <a:schemeClr val="phClr">
+                <a:shade val="93000"/>
+                <a:satMod val="130000"/>
+              </a:schemeClr>
+            </a:gs>
+            <a:gs pos="100000">
+              <a:schemeClr val="phClr">
+                <a:shade val="94000"/>
+                <a:satMod val="135000"/>
+              </a:schemeClr>
+            </a:gs>
+          </a:gsLst>
+          <a:lin ang="16200000" scaled="0"/>
+        </a:gradFill>
+      </a:fillStyleLst>
+      <a:lnStyleLst>
+        <a:ln w="9525" cap="flat" cmpd="sng" algn="ctr">
+          <a:solidFill>
+            <a:schemeClr val="phClr">
+              <a:shade val="95000"/>
+              <a:satMod val="105000"/>
+            </a:schemeClr>
+          </a:solidFill>
+          <a:prstDash val="solid"/>
+        </a:ln>
+        <a:ln w="25400" cap="flat" cmpd="sng" algn="ctr">
+          <a:solidFill>
+            <a:schemeClr val="phClr"/>
+          </a:solidFill>
+          <a:prstDash val="solid"/>
+        </a:ln>
+        <a:ln w="38100" cap="flat" cmpd="sng" algn="ctr">
+          <a:solidFill>
+            <a:schemeClr val="phClr"/>
+          </a:solidFill>
+          <a:prstDash val="solid"/>
+        </a:ln>
+      </a:lnStyleLst>
+      <a:effectStyleLst>
+        <a:effectStyle>
+          <a:effectLst>
+            <a:outerShdw blurRad="40000" dist="20000" dir="5400000" rotWithShape="0">
+              <a:srgbClr val="000000">
+                <a:alpha val="38000"/>
+              </a:srgbClr>
+            </a:outerShdw>
+          </a:effectLst>
+        </a:effectStyle>
+        <a:effectStyle>
+          <a:effectLst>
+            <a:outerShdw blurRad="40000" dist="23000" dir="5400000" rotWithShape="0">
+              <a:srgbClr val="000000">
+                <a:alpha val="35000"/>
+              </a:srgbClr>
+            </a:outerShdw>
+          </a:effectLst>
+        </a:effectStyle>
+        <a:effectStyle>
+          <a:effectLst>
+            <a:outerShdw blurRad="40000" dist="23000" dir="5400000" rotWithShape="0">
+              <a:srgbClr val="000000">
+                <a:alpha val="35000"/>
+              </a:srgbClr>
+            </a:outerShdw>
+          </a:effectLst>
+          <a:scene3d>
+            <a:camera prst="orthographicFront">
+              <a:rot lat="0" lon="0" rev="0"/>
+            </a:camera>
+            <a:lightRig rig="threePt" dir="t">
+              <a:rot lat="0" lon="0" rev="1200000"/>
+            </a:lightRig>
+          </a:scene3d>
+          <a:sp3d>
+            <a:bevelT w="63500" h="25400"/>
+          </a:sp3d>
+        </a:effectStyle>
+      </a:effectStyleLst>
+      <a:bgFillStyleLst>
+        <a:solidFill>
+          <a:schemeClr val="phClr"/>
+        </a:solidFill>
+        <a:gradFill rotWithShape="1">
+          <a:gsLst>
+            <a:gs pos="0">
+              <a:schemeClr val="phClr">
+                <a:tint val="40000"/>
+                <a:satMod val="350000"/>
+              </a:schemeClr>
+            </a:gs>
+            <a:gs pos="40000">
+              <a:schemeClr val="phClr">
+                <a:tint val="45000"/>
+                <a:shade val="99000"/>
+                <a:satMod val="350000"/>
+              </a:schemeClr>
+            </a:gs>
+            <a:gs pos="100000">
+              <a:schemeClr val="phClr">
+                <a:shade val="20000"/>
+                <a:satMod val="255000"/>
+              </a:schemeClr>
+            </a:gs>
+          </a:gsLst>
+          <a:path path="circle">
+            <a:fillToRect l="50000" t="-80000" r="50000" b="180000"/>
+          </a:path>
+        </a:gradFill>
+        <a:gradFill rotWithShape="1">
+          <a:gsLst>
+            <a:gs pos="0">
+              <a:schemeClr val="phClr">
+                <a:tint val="80000"/>
+                <a:satMod val="300000"/>
+              </a:schemeClr>
+            </a:gs>
+            <a:gs pos="100000">
+              <a:schemeClr val="phClr">
+                <a:shade val="30000"/>
+                <a:satMod val="200000"/>
+              </a:schemeClr>
+            </a:gs>
+          </a:gsLst>
+          <a:path path="circle">
+            <a:fillToRect l="50000" t="50000" r="50000" b="50000"/>
+          </a:path>
+        </a:gradFill>
+      </a:bgFillStyleLst>
+    </a:fmtScheme>
+  </a:themeElements>
+  <a:objectDefaults/>
+  <a:extraClrSchemeLst/>
+</a:theme>
+</file>
+
+<file path=ppt/theme/themeOverride1.xml><?xml version="1.0" encoding="utf-8"?>
+<a:themeOverride xmlns:a="http://schemas.openxmlformats.org/drawingml/2006/main">
+  <a:clrScheme name="Office">
+    <a:dk1>
+      <a:sysClr val="windowText" lastClr="000000"/>
+    </a:dk1>
+    <a:lt1>
+      <a:sysClr val="window" lastClr="FFFFFF"/>
+    </a:lt1>
+    <a:dk2>
+      <a:srgbClr val="1F497D"/>
+    </a:dk2>
+    <a:lt2>
+      <a:srgbClr val="EEECE1"/>
+    </a:lt2>
+    <a:accent1>
+      <a:srgbClr val="4F81BD"/>
+    </a:accent1>
+    <a:accent2>
+      <a:srgbClr val="C0504D"/>
+    </a:accent2>
+    <a:accent3>
+      <a:srgbClr val="9BBB59"/>
+    </a:accent3>
+    <a:accent4>
+      <a:srgbClr val="8064A2"/>
+    </a:accent4>
+    <a:accent5>
+      <a:srgbClr val="4BACC6"/>
+    </a:accent5>
+    <a:accent6>
+      <a:srgbClr val="F79646"/>
+    </a:accent6>
+    <a:hlink>
+      <a:srgbClr val="0000FF"/>
+    </a:hlink>
+    <a:folHlink>
+      <a:srgbClr val="800080"/>
+    </a:folHlink>
+  </a:clrScheme>
+</a:themeOverride>
 </file>
--- a/2nd_year_int.pptx
+++ b/2nd_year_int.pptx
@@ -7,22 +7,25 @@
     <p:sldMasterId id="2147483674" r:id="rId3"/>
   </p:sldMasterIdLst>
   <p:notesMasterIdLst>
-    <p:notesMasterId r:id="rId17"/>
+    <p:notesMasterId r:id="rId20"/>
   </p:notesMasterIdLst>
   <p:sldIdLst>
     <p:sldId id="256" r:id="rId4"/>
     <p:sldId id="257" r:id="rId5"/>
-    <p:sldId id="261" r:id="rId6"/>
-    <p:sldId id="272" r:id="rId7"/>
-    <p:sldId id="269" r:id="rId8"/>
-    <p:sldId id="270" r:id="rId9"/>
-    <p:sldId id="271" r:id="rId10"/>
-    <p:sldId id="273" r:id="rId11"/>
-    <p:sldId id="274" r:id="rId12"/>
-    <p:sldId id="275" r:id="rId13"/>
-    <p:sldId id="265" r:id="rId14"/>
-    <p:sldId id="268" r:id="rId15"/>
-    <p:sldId id="266" r:id="rId16"/>
+    <p:sldId id="278" r:id="rId6"/>
+    <p:sldId id="261" r:id="rId7"/>
+    <p:sldId id="276" r:id="rId8"/>
+    <p:sldId id="277" r:id="rId9"/>
+    <p:sldId id="272" r:id="rId10"/>
+    <p:sldId id="269" r:id="rId11"/>
+    <p:sldId id="270" r:id="rId12"/>
+    <p:sldId id="271" r:id="rId13"/>
+    <p:sldId id="273" r:id="rId14"/>
+    <p:sldId id="274" r:id="rId15"/>
+    <p:sldId id="275" r:id="rId16"/>
+    <p:sldId id="265" r:id="rId17"/>
+    <p:sldId id="268" r:id="rId18"/>
+    <p:sldId id="266" r:id="rId19"/>
   </p:sldIdLst>
   <p:sldSz cx="9144000" cy="6858000" type="screen4x3"/>
   <p:notesSz cx="7559675" cy="10691813"/>
@@ -206,7 +209,7 @@
           <a:p>
             <a:fld id="{46EBBDD8-2249-4750-A4B4-7850C78801F5}" type="datetimeFigureOut">
               <a:rPr lang="zh-CN" altLang="en-US" smtClean="0"/>
-              <a:t>2015/12/8</a:t>
+              <a:t>2015/12/10</a:t>
             </a:fld>
             <a:endParaRPr lang="zh-CN" altLang="en-US"/>
           </a:p>
@@ -519,41 +522,21 @@
           <a:lstStyle/>
           <a:p>
             <a:r>
+              <a:rPr lang="zh-CN" altLang="en-US" dirty="0" smtClean="0"/>
+              <a:t>讲解</a:t>
+            </a:r>
+            <a:r>
               <a:rPr lang="en-US" altLang="zh-CN" dirty="0" smtClean="0"/>
-              <a:t>Have</a:t>
+              <a:t>Spike-based</a:t>
             </a:r>
             <a:r>
               <a:rPr lang="en-US" altLang="zh-CN" baseline="0" dirty="0" smtClean="0"/>
-              <a:t> to record data individually</a:t>
-            </a:r>
-          </a:p>
-          <a:p>
-            <a:endParaRPr lang="en-US" altLang="zh-CN" baseline="0" dirty="0" smtClean="0"/>
-          </a:p>
-          <a:p>
-            <a:r>
-              <a:rPr lang="en-US" altLang="zh-CN" baseline="0" dirty="0" smtClean="0"/>
-              <a:t>Comparisons with spiking and non-spiking conventional methods</a:t>
-            </a:r>
-          </a:p>
-          <a:p>
-            <a:endParaRPr lang="en-US" altLang="zh-CN" baseline="0" dirty="0" smtClean="0"/>
-          </a:p>
-          <a:p>
-            <a:r>
-              <a:rPr lang="en-US" altLang="zh-CN" baseline="0" dirty="0" smtClean="0"/>
-              <a:t>Special </a:t>
-            </a:r>
-            <a:r>
-              <a:rPr lang="en-US" altLang="zh-CN" baseline="0" dirty="0" err="1" smtClean="0"/>
-              <a:t>accessment</a:t>
-            </a:r>
-            <a:r>
-              <a:rPr lang="en-US" altLang="zh-CN" baseline="0" dirty="0" smtClean="0"/>
-              <a:t> particular for SNN</a:t>
-            </a:r>
-          </a:p>
-          <a:p>
+              <a:t> </a:t>
+            </a:r>
+            <a:r>
+              <a:rPr lang="zh-CN" altLang="en-US" baseline="0" dirty="0" smtClean="0"/>
+              <a:t>的特殊之处</a:t>
+            </a:r>
             <a:endParaRPr lang="zh-CN" altLang="en-US" dirty="0"/>
           </a:p>
         </p:txBody>
@@ -575,7 +558,7 @@
           <a:p>
             <a:fld id="{79E2B501-C9D0-47CF-94DB-FC681E48CAF6}" type="slidenum">
               <a:rPr lang="zh-CN" altLang="en-US" smtClean="0"/>
-              <a:t>2</a:t>
+              <a:t>1</a:t>
             </a:fld>
             <a:endParaRPr lang="zh-CN" altLang="en-US"/>
           </a:p>
@@ -584,7 +567,309 @@
     </p:spTree>
     <p:extLst>
       <p:ext uri="{BB962C8B-B14F-4D97-AF65-F5344CB8AC3E}">
-        <p14:creationId xmlns:p14="http://schemas.microsoft.com/office/powerpoint/2010/main" val="3973230455"/>
+        <p14:creationId xmlns:p14="http://schemas.microsoft.com/office/powerpoint/2010/main" val="1486322281"/>
+      </p:ext>
+    </p:extLst>
+  </p:cSld>
+  <p:clrMapOvr>
+    <a:masterClrMapping/>
+  </p:clrMapOvr>
+</p:notes>
+</file>
+
+<file path=ppt/notesSlides/notesSlide10.xml><?xml version="1.0" encoding="utf-8"?>
+<p:notes xmlns:a="http://schemas.openxmlformats.org/drawingml/2006/main" xmlns:r="http://schemas.openxmlformats.org/officeDocument/2006/relationships" xmlns:p="http://schemas.openxmlformats.org/presentationml/2006/main">
+  <p:cSld>
+    <p:spTree>
+      <p:nvGrpSpPr>
+        <p:cNvPr id="1" name=""/>
+        <p:cNvGrpSpPr/>
+        <p:nvPr/>
+      </p:nvGrpSpPr>
+      <p:grpSpPr>
+        <a:xfrm>
+          <a:off x="0" y="0"/>
+          <a:ext cx="0" cy="0"/>
+          <a:chOff x="0" y="0"/>
+          <a:chExt cx="0" cy="0"/>
+        </a:xfrm>
+      </p:grpSpPr>
+      <p:sp>
+        <p:nvSpPr>
+          <p:cNvPr id="2" name="幻灯片图像占位符 1"/>
+          <p:cNvSpPr>
+            <a:spLocks noGrp="1" noRot="1" noChangeAspect="1"/>
+          </p:cNvSpPr>
+          <p:nvPr>
+            <p:ph type="sldImg"/>
+          </p:nvPr>
+        </p:nvSpPr>
+        <p:spPr/>
+      </p:sp>
+      <p:sp>
+        <p:nvSpPr>
+          <p:cNvPr id="3" name="备注占位符 2"/>
+          <p:cNvSpPr>
+            <a:spLocks noGrp="1"/>
+          </p:cNvSpPr>
+          <p:nvPr>
+            <p:ph type="body" idx="1"/>
+          </p:nvPr>
+        </p:nvSpPr>
+        <p:spPr/>
+        <p:txBody>
+          <a:bodyPr/>
+          <a:lstStyle/>
+          <a:p>
+            <a:r>
+              <a:rPr lang="en-US" altLang="zh-CN" dirty="0" smtClean="0"/>
+              <a:t>STDP</a:t>
+            </a:r>
+            <a:r>
+              <a:rPr lang="en-US" altLang="zh-CN" baseline="0" dirty="0" smtClean="0"/>
+              <a:t> biologically plausible</a:t>
+            </a:r>
+            <a:endParaRPr lang="zh-CN" altLang="en-US" dirty="0"/>
+          </a:p>
+        </p:txBody>
+      </p:sp>
+      <p:sp>
+        <p:nvSpPr>
+          <p:cNvPr id="4" name="灯片编号占位符 3"/>
+          <p:cNvSpPr>
+            <a:spLocks noGrp="1"/>
+          </p:cNvSpPr>
+          <p:nvPr>
+            <p:ph type="sldNum" sz="quarter" idx="10"/>
+          </p:nvPr>
+        </p:nvSpPr>
+        <p:spPr/>
+        <p:txBody>
+          <a:bodyPr/>
+          <a:lstStyle/>
+          <a:p>
+            <a:fld id="{79E2B501-C9D0-47CF-94DB-FC681E48CAF6}" type="slidenum">
+              <a:rPr lang="zh-CN" altLang="en-US" smtClean="0"/>
+              <a:t>11</a:t>
+            </a:fld>
+            <a:endParaRPr lang="zh-CN" altLang="en-US"/>
+          </a:p>
+        </p:txBody>
+      </p:sp>
+    </p:spTree>
+    <p:extLst>
+      <p:ext uri="{BB962C8B-B14F-4D97-AF65-F5344CB8AC3E}">
+        <p14:creationId xmlns:p14="http://schemas.microsoft.com/office/powerpoint/2010/main" val="2567128321"/>
+      </p:ext>
+    </p:extLst>
+  </p:cSld>
+  <p:clrMapOvr>
+    <a:masterClrMapping/>
+  </p:clrMapOvr>
+</p:notes>
+</file>
+
+<file path=ppt/notesSlides/notesSlide11.xml><?xml version="1.0" encoding="utf-8"?>
+<p:notes xmlns:a="http://schemas.openxmlformats.org/drawingml/2006/main" xmlns:r="http://schemas.openxmlformats.org/officeDocument/2006/relationships" xmlns:p="http://schemas.openxmlformats.org/presentationml/2006/main">
+  <p:cSld>
+    <p:spTree>
+      <p:nvGrpSpPr>
+        <p:cNvPr id="1" name=""/>
+        <p:cNvGrpSpPr/>
+        <p:nvPr/>
+      </p:nvGrpSpPr>
+      <p:grpSpPr>
+        <a:xfrm>
+          <a:off x="0" y="0"/>
+          <a:ext cx="0" cy="0"/>
+          <a:chOff x="0" y="0"/>
+          <a:chExt cx="0" cy="0"/>
+        </a:xfrm>
+      </p:grpSpPr>
+      <p:sp>
+        <p:nvSpPr>
+          <p:cNvPr id="2" name="幻灯片图像占位符 1"/>
+          <p:cNvSpPr>
+            <a:spLocks noGrp="1" noRot="1" noChangeAspect="1"/>
+          </p:cNvSpPr>
+          <p:nvPr>
+            <p:ph type="sldImg"/>
+          </p:nvPr>
+        </p:nvSpPr>
+        <p:spPr/>
+      </p:sp>
+      <p:sp>
+        <p:nvSpPr>
+          <p:cNvPr id="3" name="备注占位符 2"/>
+          <p:cNvSpPr>
+            <a:spLocks noGrp="1"/>
+          </p:cNvSpPr>
+          <p:nvPr>
+            <p:ph type="body" idx="1"/>
+          </p:nvPr>
+        </p:nvSpPr>
+        <p:spPr/>
+        <p:txBody>
+          <a:bodyPr/>
+          <a:lstStyle/>
+          <a:p>
+            <a:r>
+              <a:rPr lang="en-US" altLang="zh-CN" sz="1200" dirty="0" smtClean="0">
+                <a:solidFill>
+                  <a:srgbClr val="000000"/>
+                </a:solidFill>
+                <a:latin typeface="Arial"/>
+              </a:rPr>
+              <a:t>feasibility (classification accuracy)</a:t>
+            </a:r>
+          </a:p>
+          <a:p>
+            <a:r>
+              <a:rPr lang="en-US" altLang="zh-CN" sz="1200" dirty="0" smtClean="0">
+                <a:solidFill>
+                  <a:srgbClr val="000000"/>
+                </a:solidFill>
+                <a:latin typeface="Arial"/>
+              </a:rPr>
+              <a:t>Such</a:t>
+            </a:r>
+            <a:r>
+              <a:rPr lang="en-US" altLang="zh-CN" sz="1200" baseline="0" dirty="0" smtClean="0">
+                <a:solidFill>
+                  <a:srgbClr val="000000"/>
+                </a:solidFill>
+                <a:latin typeface="Arial"/>
+              </a:rPr>
+              <a:t> as: network size, neural and synaptic type and learning algorithm </a:t>
+            </a:r>
+            <a:r>
+              <a:rPr lang="en-US" altLang="zh-CN" sz="1200" baseline="0" smtClean="0">
+                <a:solidFill>
+                  <a:srgbClr val="000000"/>
+                </a:solidFill>
+                <a:latin typeface="Arial"/>
+              </a:rPr>
+              <a:t>and precision</a:t>
+            </a:r>
+            <a:endParaRPr lang="zh-CN" altLang="en-US"/>
+          </a:p>
+        </p:txBody>
+      </p:sp>
+      <p:sp>
+        <p:nvSpPr>
+          <p:cNvPr id="4" name="灯片编号占位符 3"/>
+          <p:cNvSpPr>
+            <a:spLocks noGrp="1"/>
+          </p:cNvSpPr>
+          <p:nvPr>
+            <p:ph type="sldNum" sz="quarter" idx="10"/>
+          </p:nvPr>
+        </p:nvSpPr>
+        <p:spPr/>
+        <p:txBody>
+          <a:bodyPr/>
+          <a:lstStyle/>
+          <a:p>
+            <a:fld id="{79E2B501-C9D0-47CF-94DB-FC681E48CAF6}" type="slidenum">
+              <a:rPr lang="zh-CN" altLang="en-US" smtClean="0"/>
+              <a:t>12</a:t>
+            </a:fld>
+            <a:endParaRPr lang="zh-CN" altLang="en-US"/>
+          </a:p>
+        </p:txBody>
+      </p:sp>
+    </p:spTree>
+    <p:extLst>
+      <p:ext uri="{BB962C8B-B14F-4D97-AF65-F5344CB8AC3E}">
+        <p14:creationId xmlns:p14="http://schemas.microsoft.com/office/powerpoint/2010/main" val="2567128321"/>
+      </p:ext>
+    </p:extLst>
+  </p:cSld>
+  <p:clrMapOvr>
+    <a:masterClrMapping/>
+  </p:clrMapOvr>
+</p:notes>
+</file>
+
+<file path=ppt/notesSlides/notesSlide12.xml><?xml version="1.0" encoding="utf-8"?>
+<p:notes xmlns:a="http://schemas.openxmlformats.org/drawingml/2006/main" xmlns:r="http://schemas.openxmlformats.org/officeDocument/2006/relationships" xmlns:p="http://schemas.openxmlformats.org/presentationml/2006/main">
+  <p:cSld>
+    <p:spTree>
+      <p:nvGrpSpPr>
+        <p:cNvPr id="1" name=""/>
+        <p:cNvGrpSpPr/>
+        <p:nvPr/>
+      </p:nvGrpSpPr>
+      <p:grpSpPr>
+        <a:xfrm>
+          <a:off x="0" y="0"/>
+          <a:ext cx="0" cy="0"/>
+          <a:chOff x="0" y="0"/>
+          <a:chExt cx="0" cy="0"/>
+        </a:xfrm>
+      </p:grpSpPr>
+      <p:sp>
+        <p:nvSpPr>
+          <p:cNvPr id="2" name="幻灯片图像占位符 1"/>
+          <p:cNvSpPr>
+            <a:spLocks noGrp="1" noRot="1" noChangeAspect="1"/>
+          </p:cNvSpPr>
+          <p:nvPr>
+            <p:ph type="sldImg"/>
+          </p:nvPr>
+        </p:nvSpPr>
+        <p:spPr/>
+      </p:sp>
+      <p:sp>
+        <p:nvSpPr>
+          <p:cNvPr id="3" name="备注占位符 2"/>
+          <p:cNvSpPr>
+            <a:spLocks noGrp="1"/>
+          </p:cNvSpPr>
+          <p:nvPr>
+            <p:ph type="body" idx="1"/>
+          </p:nvPr>
+        </p:nvSpPr>
+        <p:spPr/>
+        <p:txBody>
+          <a:bodyPr/>
+          <a:lstStyle/>
+          <a:p>
+            <a:r>
+              <a:rPr lang="en-US" altLang="zh-CN" dirty="0" smtClean="0"/>
+              <a:t>Thermal design power</a:t>
+            </a:r>
+            <a:endParaRPr lang="zh-CN" altLang="en-US" dirty="0"/>
+          </a:p>
+        </p:txBody>
+      </p:sp>
+      <p:sp>
+        <p:nvSpPr>
+          <p:cNvPr id="4" name="灯片编号占位符 3"/>
+          <p:cNvSpPr>
+            <a:spLocks noGrp="1"/>
+          </p:cNvSpPr>
+          <p:nvPr>
+            <p:ph type="sldNum" sz="quarter" idx="10"/>
+          </p:nvPr>
+        </p:nvSpPr>
+        <p:spPr/>
+        <p:txBody>
+          <a:bodyPr/>
+          <a:lstStyle/>
+          <a:p>
+            <a:fld id="{79E2B501-C9D0-47CF-94DB-FC681E48CAF6}" type="slidenum">
+              <a:rPr lang="zh-CN" altLang="en-US" smtClean="0"/>
+              <a:t>13</a:t>
+            </a:fld>
+            <a:endParaRPr lang="zh-CN" altLang="en-US"/>
+          </a:p>
+        </p:txBody>
+      </p:sp>
+    </p:spTree>
+    <p:extLst>
+      <p:ext uri="{BB962C8B-B14F-4D97-AF65-F5344CB8AC3E}">
+        <p14:creationId xmlns:p14="http://schemas.microsoft.com/office/powerpoint/2010/main" val="752191637"/>
       </p:ext>
     </p:extLst>
   </p:cSld>
@@ -640,123 +925,46 @@
           <a:p>
             <a:r>
               <a:rPr lang="en-US" altLang="zh-CN" dirty="0" smtClean="0"/>
-              <a:t>	\item \</a:t>
-            </a:r>
-            <a:r>
-              <a:rPr lang="en-US" altLang="zh-CN" dirty="0" err="1" smtClean="0"/>
-              <a:t>textit</a:t>
-            </a:r>
-            <a:r>
-              <a:rPr lang="en-US" altLang="zh-CN" dirty="0" smtClean="0"/>
-              <a:t>{</a:t>
-            </a:r>
-            <a:r>
-              <a:rPr lang="en-US" altLang="zh-CN" dirty="0" err="1" smtClean="0"/>
-              <a:t>Poissonian</a:t>
-            </a:r>
-            <a:r>
-              <a:rPr lang="en-US" altLang="zh-CN" dirty="0" smtClean="0"/>
-              <a:t>}</a:t>
-            </a:r>
-          </a:p>
-          <a:p>
-            <a:r>
-              <a:rPr lang="en-US" altLang="zh-CN" dirty="0" smtClean="0"/>
-              <a:t>	to benchmarking existing methods of rate-based spiking models.</a:t>
-            </a:r>
-          </a:p>
-          <a:p>
-            <a:r>
-              <a:rPr lang="en-US" altLang="zh-CN" dirty="0" smtClean="0"/>
-              <a:t>	\item \</a:t>
-            </a:r>
-            <a:r>
-              <a:rPr lang="en-US" altLang="zh-CN" dirty="0" err="1" smtClean="0"/>
-              <a:t>textit</a:t>
-            </a:r>
-            <a:r>
-              <a:rPr lang="en-US" altLang="zh-CN" dirty="0" smtClean="0"/>
-              <a:t>{</a:t>
-            </a:r>
-            <a:r>
-              <a:rPr lang="en-US" altLang="zh-CN" dirty="0" err="1" smtClean="0"/>
-              <a:t>FoCal</a:t>
-            </a:r>
-            <a:r>
-              <a:rPr lang="en-US" altLang="zh-CN" dirty="0" smtClean="0"/>
-              <a:t>~(Filter overlap Correction)}</a:t>
-            </a:r>
-          </a:p>
-          <a:p>
-            <a:r>
-              <a:rPr lang="en-US" altLang="zh-CN" dirty="0" smtClean="0"/>
-              <a:t>	to promote the study of </a:t>
-            </a:r>
-            <a:r>
-              <a:rPr lang="en-US" altLang="zh-CN" dirty="0" err="1" smtClean="0"/>
-              <a:t>spatio</a:t>
-            </a:r>
-            <a:r>
-              <a:rPr lang="en-US" altLang="zh-CN" dirty="0" smtClean="0"/>
-              <a:t>-temporal algorithms applied to recognition tasks using few input spikes.</a:t>
-            </a:r>
-          </a:p>
-          <a:p>
-            <a:r>
-              <a:rPr lang="en-US" altLang="zh-CN" dirty="0" smtClean="0"/>
-              <a:t>	\item \</a:t>
-            </a:r>
-            <a:r>
-              <a:rPr lang="en-US" altLang="zh-CN" dirty="0" err="1" smtClean="0"/>
-              <a:t>textit</a:t>
-            </a:r>
-            <a:r>
-              <a:rPr lang="en-US" altLang="zh-CN" dirty="0" smtClean="0"/>
-              <a:t>{DVS recorded flashing input}</a:t>
-            </a:r>
-          </a:p>
-          <a:p>
-            <a:r>
-              <a:rPr lang="en-US" altLang="zh-CN" dirty="0" smtClean="0"/>
-              <a:t>	to encourage research on fast recognition methods which are found in the primate visual pathway.</a:t>
-            </a:r>
-          </a:p>
-          <a:p>
-            <a:r>
-              <a:rPr lang="en-US" altLang="zh-CN" dirty="0" smtClean="0"/>
-              <a:t>	\item \</a:t>
-            </a:r>
-            <a:r>
-              <a:rPr lang="en-US" altLang="zh-CN" dirty="0" err="1" smtClean="0"/>
-              <a:t>textit</a:t>
-            </a:r>
-            <a:r>
-              <a:rPr lang="en-US" altLang="zh-CN" dirty="0" smtClean="0"/>
-              <a:t>{DVS recorded moving input}</a:t>
-            </a:r>
-          </a:p>
-          <a:p>
-            <a:r>
-              <a:rPr lang="en-US" altLang="zh-CN" dirty="0" smtClean="0"/>
-              <a:t>	to trigger the study of algorithms targeting on continuous input from real-world sensors and to implement them on mobile </a:t>
-            </a:r>
-            <a:r>
-              <a:rPr lang="en-US" altLang="zh-CN" dirty="0" err="1" smtClean="0"/>
-              <a:t>neuromorphic</a:t>
-            </a:r>
-            <a:r>
-              <a:rPr lang="en-US" altLang="zh-CN" dirty="0" smtClean="0"/>
-              <a:t> robots.</a:t>
-            </a:r>
-          </a:p>
-          <a:p>
-            <a:endParaRPr lang="en-US" altLang="zh-CN" dirty="0" smtClean="0"/>
-          </a:p>
-          <a:p>
-            <a:r>
-              <a:rPr lang="en-US" altLang="zh-CN" dirty="0" smtClean="0"/>
-              <a:t>Motivations!</a:t>
-            </a:r>
+              <a:t>-</a:t>
+            </a:r>
+            <a:r>
+              <a:rPr lang="en-US" altLang="zh-CN" baseline="0" dirty="0" smtClean="0"/>
+              <a:t>expensive.</a:t>
+            </a:r>
+          </a:p>
+          <a:p>
+            <a:r>
+              <a:rPr lang="en-US" altLang="zh-CN" baseline="0" dirty="0" smtClean="0"/>
+              <a:t>-separate research</a:t>
+            </a:r>
+          </a:p>
+          <a:p>
+            <a:endParaRPr lang="en-US" altLang="zh-CN" baseline="0" dirty="0" smtClean="0"/>
+          </a:p>
+          <a:p>
+            <a:r>
+              <a:rPr lang="en-US" altLang="zh-CN" baseline="0" dirty="0" smtClean="0"/>
+              <a:t>Comparisons with spiking and non-spiking conventional methods</a:t>
+            </a:r>
+          </a:p>
+          <a:p>
+            <a:endParaRPr lang="en-US" altLang="zh-CN" baseline="0" dirty="0" smtClean="0"/>
+          </a:p>
+          <a:p>
+            <a:r>
+              <a:rPr lang="en-US" altLang="zh-CN" baseline="0" dirty="0" smtClean="0"/>
+              <a:t>Special </a:t>
+            </a:r>
+            <a:r>
+              <a:rPr lang="en-US" altLang="zh-CN" baseline="0" dirty="0" err="1" smtClean="0"/>
+              <a:t>accessment</a:t>
+            </a:r>
+            <a:r>
+              <a:rPr lang="en-US" altLang="zh-CN" baseline="0" dirty="0" smtClean="0"/>
+              <a:t> particular for SNN</a:t>
+            </a:r>
+          </a:p>
+          <a:p>
             <a:endParaRPr lang="zh-CN" altLang="en-US" dirty="0"/>
           </a:p>
         </p:txBody>
@@ -778,7 +986,7 @@
           <a:p>
             <a:fld id="{79E2B501-C9D0-47CF-94DB-FC681E48CAF6}" type="slidenum">
               <a:rPr lang="zh-CN" altLang="en-US" smtClean="0"/>
-              <a:t>3</a:t>
+              <a:t>2</a:t>
             </a:fld>
             <a:endParaRPr lang="zh-CN" altLang="en-US"/>
           </a:p>
@@ -787,7 +995,7 @@
     </p:spTree>
     <p:extLst>
       <p:ext uri="{BB962C8B-B14F-4D97-AF65-F5344CB8AC3E}">
-        <p14:creationId xmlns:p14="http://schemas.microsoft.com/office/powerpoint/2010/main" val="4073214201"/>
+        <p14:creationId xmlns:p14="http://schemas.microsoft.com/office/powerpoint/2010/main" val="3973230455"/>
       </p:ext>
     </p:extLst>
   </p:cSld>
@@ -842,44 +1050,48 @@
           <a:lstStyle/>
           <a:p>
             <a:r>
-              <a:rPr lang="en-US" altLang="zh-CN" sz="1200" dirty="0" smtClean="0">
-                <a:solidFill>
-                  <a:srgbClr val="000000"/>
-                </a:solidFill>
-                <a:latin typeface="Arial"/>
-              </a:rPr>
-              <a:t>feasibility (classification accuracy)</a:t>
-            </a:r>
-          </a:p>
-          <a:p>
-            <a:r>
-              <a:rPr lang="en-US" altLang="zh-CN" sz="1200" dirty="0" smtClean="0">
-                <a:solidFill>
-                  <a:srgbClr val="000000"/>
-                </a:solidFill>
-                <a:latin typeface="Arial"/>
-              </a:rPr>
-              <a:t>Such</a:t>
-            </a:r>
-            <a:r>
-              <a:rPr lang="en-US" altLang="zh-CN" sz="1200" baseline="0" dirty="0" smtClean="0">
-                <a:solidFill>
-                  <a:srgbClr val="000000"/>
-                </a:solidFill>
-                <a:latin typeface="Arial"/>
-              </a:rPr>
-              <a:t> as: network size, neural and synaptic type and learning algorithm </a:t>
-            </a:r>
-            <a:r>
-              <a:rPr lang="en-US" altLang="zh-CN" sz="1200" baseline="0" smtClean="0">
-                <a:solidFill>
-                  <a:srgbClr val="000000"/>
-                </a:solidFill>
-                <a:latin typeface="Arial"/>
-              </a:rPr>
-              <a:t>and precision</a:t>
-            </a:r>
-            <a:endParaRPr lang="zh-CN" altLang="en-US"/>
+              <a:rPr lang="en-US" altLang="zh-CN" dirty="0" smtClean="0"/>
+              <a:t>-</a:t>
+            </a:r>
+            <a:r>
+              <a:rPr lang="en-US" altLang="zh-CN" baseline="0" dirty="0" smtClean="0"/>
+              <a:t>expensive.</a:t>
+            </a:r>
+          </a:p>
+          <a:p>
+            <a:r>
+              <a:rPr lang="en-US" altLang="zh-CN" baseline="0" dirty="0" smtClean="0"/>
+              <a:t>-separate research</a:t>
+            </a:r>
+          </a:p>
+          <a:p>
+            <a:endParaRPr lang="en-US" altLang="zh-CN" baseline="0" dirty="0" smtClean="0"/>
+          </a:p>
+          <a:p>
+            <a:r>
+              <a:rPr lang="en-US" altLang="zh-CN" baseline="0" dirty="0" smtClean="0"/>
+              <a:t>Comparisons with spiking and non-spiking conventional methods</a:t>
+            </a:r>
+          </a:p>
+          <a:p>
+            <a:endParaRPr lang="en-US" altLang="zh-CN" baseline="0" dirty="0" smtClean="0"/>
+          </a:p>
+          <a:p>
+            <a:r>
+              <a:rPr lang="en-US" altLang="zh-CN" baseline="0" dirty="0" smtClean="0"/>
+              <a:t>Special </a:t>
+            </a:r>
+            <a:r>
+              <a:rPr lang="en-US" altLang="zh-CN" baseline="0" dirty="0" err="1" smtClean="0"/>
+              <a:t>accessment</a:t>
+            </a:r>
+            <a:r>
+              <a:rPr lang="en-US" altLang="zh-CN" baseline="0" dirty="0" smtClean="0"/>
+              <a:t> particular for SNN</a:t>
+            </a:r>
+          </a:p>
+          <a:p>
+            <a:endParaRPr lang="zh-CN" altLang="en-US" dirty="0"/>
           </a:p>
         </p:txBody>
       </p:sp>
@@ -900,7 +1112,7 @@
           <a:p>
             <a:fld id="{79E2B501-C9D0-47CF-94DB-FC681E48CAF6}" type="slidenum">
               <a:rPr lang="zh-CN" altLang="en-US" smtClean="0"/>
-              <a:t>4</a:t>
+              <a:t>3</a:t>
             </a:fld>
             <a:endParaRPr lang="zh-CN" altLang="en-US"/>
           </a:p>
@@ -909,7 +1121,7 @@
     </p:spTree>
     <p:extLst>
       <p:ext uri="{BB962C8B-B14F-4D97-AF65-F5344CB8AC3E}">
-        <p14:creationId xmlns:p14="http://schemas.microsoft.com/office/powerpoint/2010/main" val="2567128321"/>
+        <p14:creationId xmlns:p14="http://schemas.microsoft.com/office/powerpoint/2010/main" val="3973230455"/>
       </p:ext>
     </p:extLst>
   </p:cSld>
@@ -964,44 +1176,125 @@
           <a:lstStyle/>
           <a:p>
             <a:r>
-              <a:rPr lang="en-US" altLang="zh-CN" sz="1200" dirty="0" smtClean="0">
-                <a:solidFill>
-                  <a:srgbClr val="000000"/>
-                </a:solidFill>
-                <a:latin typeface="Arial"/>
-              </a:rPr>
-              <a:t>feasibility (classification accuracy)</a:t>
-            </a:r>
-          </a:p>
-          <a:p>
-            <a:r>
-              <a:rPr lang="en-US" altLang="zh-CN" sz="1200" dirty="0" smtClean="0">
-                <a:solidFill>
-                  <a:srgbClr val="000000"/>
-                </a:solidFill>
-                <a:latin typeface="Arial"/>
-              </a:rPr>
-              <a:t>Such</a:t>
-            </a:r>
-            <a:r>
-              <a:rPr lang="en-US" altLang="zh-CN" sz="1200" baseline="0" dirty="0" smtClean="0">
-                <a:solidFill>
-                  <a:srgbClr val="000000"/>
-                </a:solidFill>
-                <a:latin typeface="Arial"/>
-              </a:rPr>
-              <a:t> as: network size, neural and synaptic type and learning algorithm </a:t>
-            </a:r>
-            <a:r>
-              <a:rPr lang="en-US" altLang="zh-CN" sz="1200" baseline="0" smtClean="0">
-                <a:solidFill>
-                  <a:srgbClr val="000000"/>
-                </a:solidFill>
-                <a:latin typeface="Arial"/>
-              </a:rPr>
-              <a:t>and precision</a:t>
-            </a:r>
-            <a:endParaRPr lang="zh-CN" altLang="en-US"/>
+              <a:rPr lang="en-US" altLang="zh-CN" dirty="0" smtClean="0"/>
+              <a:t>	\item \</a:t>
+            </a:r>
+            <a:r>
+              <a:rPr lang="en-US" altLang="zh-CN" dirty="0" err="1" smtClean="0"/>
+              <a:t>textit</a:t>
+            </a:r>
+            <a:r>
+              <a:rPr lang="en-US" altLang="zh-CN" dirty="0" smtClean="0"/>
+              <a:t>{</a:t>
+            </a:r>
+            <a:r>
+              <a:rPr lang="en-US" altLang="zh-CN" dirty="0" err="1" smtClean="0"/>
+              <a:t>Poissonian</a:t>
+            </a:r>
+            <a:r>
+              <a:rPr lang="en-US" altLang="zh-CN" dirty="0" smtClean="0"/>
+              <a:t>}</a:t>
+            </a:r>
+          </a:p>
+          <a:p>
+            <a:r>
+              <a:rPr lang="en-US" altLang="zh-CN" dirty="0" smtClean="0"/>
+              <a:t>	to benchmarking existing methods of rate-based spiking models.</a:t>
+            </a:r>
+          </a:p>
+          <a:p>
+            <a:r>
+              <a:rPr lang="en-US" altLang="zh-CN" dirty="0" smtClean="0"/>
+              <a:t>	\item \</a:t>
+            </a:r>
+            <a:r>
+              <a:rPr lang="en-US" altLang="zh-CN" dirty="0" err="1" smtClean="0"/>
+              <a:t>textit</a:t>
+            </a:r>
+            <a:r>
+              <a:rPr lang="en-US" altLang="zh-CN" dirty="0" smtClean="0"/>
+              <a:t>{</a:t>
+            </a:r>
+            <a:r>
+              <a:rPr lang="en-US" altLang="zh-CN" dirty="0" err="1" smtClean="0"/>
+              <a:t>FoCal</a:t>
+            </a:r>
+            <a:r>
+              <a:rPr lang="en-US" altLang="zh-CN" dirty="0" smtClean="0"/>
+              <a:t>~(Filter overlap Correction)}</a:t>
+            </a:r>
+          </a:p>
+          <a:p>
+            <a:r>
+              <a:rPr lang="en-US" altLang="zh-CN" dirty="0" smtClean="0"/>
+              <a:t>	to promote the study of </a:t>
+            </a:r>
+            <a:r>
+              <a:rPr lang="en-US" altLang="zh-CN" dirty="0" err="1" smtClean="0"/>
+              <a:t>spatio</a:t>
+            </a:r>
+            <a:r>
+              <a:rPr lang="en-US" altLang="zh-CN" dirty="0" smtClean="0"/>
+              <a:t>-temporal algorithms applied to recognition tasks using few input spikes.</a:t>
+            </a:r>
+          </a:p>
+          <a:p>
+            <a:r>
+              <a:rPr lang="en-US" altLang="zh-CN" dirty="0" smtClean="0"/>
+              <a:t>	\item \</a:t>
+            </a:r>
+            <a:r>
+              <a:rPr lang="en-US" altLang="zh-CN" dirty="0" err="1" smtClean="0"/>
+              <a:t>textit</a:t>
+            </a:r>
+            <a:r>
+              <a:rPr lang="en-US" altLang="zh-CN" dirty="0" smtClean="0"/>
+              <a:t>{DVS recorded flashing input}</a:t>
+            </a:r>
+          </a:p>
+          <a:p>
+            <a:r>
+              <a:rPr lang="en-US" altLang="zh-CN" dirty="0" smtClean="0"/>
+              <a:t>	to encourage research on fast recognition methods which are found in the primate visual pathway.</a:t>
+            </a:r>
+          </a:p>
+          <a:p>
+            <a:r>
+              <a:rPr lang="en-US" altLang="zh-CN" dirty="0" smtClean="0"/>
+              <a:t>	\item \</a:t>
+            </a:r>
+            <a:r>
+              <a:rPr lang="en-US" altLang="zh-CN" dirty="0" err="1" smtClean="0"/>
+              <a:t>textit</a:t>
+            </a:r>
+            <a:r>
+              <a:rPr lang="en-US" altLang="zh-CN" dirty="0" smtClean="0"/>
+              <a:t>{DVS recorded moving input}</a:t>
+            </a:r>
+          </a:p>
+          <a:p>
+            <a:r>
+              <a:rPr lang="en-US" altLang="zh-CN" dirty="0" smtClean="0"/>
+              <a:t>	to trigger the study of algorithms targeting on continuous input from real-world sensors and to implement them on mobile </a:t>
+            </a:r>
+            <a:r>
+              <a:rPr lang="en-US" altLang="zh-CN" dirty="0" err="1" smtClean="0"/>
+              <a:t>neuromorphic</a:t>
+            </a:r>
+            <a:r>
+              <a:rPr lang="en-US" altLang="zh-CN" dirty="0" smtClean="0"/>
+              <a:t> robots.</a:t>
+            </a:r>
+          </a:p>
+          <a:p>
+            <a:endParaRPr lang="en-US" altLang="zh-CN" dirty="0" smtClean="0"/>
+          </a:p>
+          <a:p>
+            <a:r>
+              <a:rPr lang="en-US" altLang="zh-CN" dirty="0" smtClean="0"/>
+              <a:t>Motivations!</a:t>
+            </a:r>
+            <a:endParaRPr lang="zh-CN" altLang="en-US" dirty="0"/>
           </a:p>
         </p:txBody>
       </p:sp>
@@ -1022,7 +1315,7 @@
           <a:p>
             <a:fld id="{79E2B501-C9D0-47CF-94DB-FC681E48CAF6}" type="slidenum">
               <a:rPr lang="zh-CN" altLang="en-US" smtClean="0"/>
-              <a:t>6</a:t>
+              <a:t>4</a:t>
             </a:fld>
             <a:endParaRPr lang="zh-CN" altLang="en-US"/>
           </a:p>
@@ -1031,7 +1324,7 @@
     </p:spTree>
     <p:extLst>
       <p:ext uri="{BB962C8B-B14F-4D97-AF65-F5344CB8AC3E}">
-        <p14:creationId xmlns:p14="http://schemas.microsoft.com/office/powerpoint/2010/main" val="2567128321"/>
+        <p14:creationId xmlns:p14="http://schemas.microsoft.com/office/powerpoint/2010/main" val="4073214201"/>
       </p:ext>
     </p:extLst>
   </p:cSld>
@@ -1087,12 +1380,26 @@
           <a:p>
             <a:r>
               <a:rPr lang="en-US" altLang="zh-CN" dirty="0" smtClean="0"/>
-              <a:t>General but</a:t>
+              <a:t>Among</a:t>
             </a:r>
             <a:r>
               <a:rPr lang="en-US" altLang="zh-CN" baseline="0" dirty="0" smtClean="0"/>
-              <a:t> not specific evaluation</a:t>
-            </a:r>
+              <a:t> SNNs</a:t>
+            </a:r>
+          </a:p>
+          <a:p>
+            <a:r>
+              <a:rPr lang="en-US" altLang="zh-CN" baseline="0" dirty="0" smtClean="0"/>
+              <a:t>Special input for different algorithms</a:t>
+            </a:r>
+          </a:p>
+          <a:p>
+            <a:r>
+              <a:rPr lang="en-US" altLang="zh-CN" baseline="0" dirty="0" smtClean="0"/>
+              <a:t>Same input different algorithms</a:t>
+            </a:r>
+          </a:p>
+          <a:p>
             <a:endParaRPr lang="zh-CN" altLang="en-US" dirty="0"/>
           </a:p>
         </p:txBody>
@@ -1114,7 +1421,7 @@
           <a:p>
             <a:fld id="{79E2B501-C9D0-47CF-94DB-FC681E48CAF6}" type="slidenum">
               <a:rPr lang="zh-CN" altLang="en-US" smtClean="0"/>
-              <a:t>7</a:t>
+              <a:t>5</a:t>
             </a:fld>
             <a:endParaRPr lang="zh-CN" altLang="en-US"/>
           </a:p>
@@ -1123,7 +1430,7 @@
     </p:spTree>
     <p:extLst>
       <p:ext uri="{BB962C8B-B14F-4D97-AF65-F5344CB8AC3E}">
-        <p14:creationId xmlns:p14="http://schemas.microsoft.com/office/powerpoint/2010/main" val="1441885544"/>
+        <p14:creationId xmlns:p14="http://schemas.microsoft.com/office/powerpoint/2010/main" val="4073214201"/>
       </p:ext>
     </p:extLst>
   </p:cSld>
@@ -1178,44 +1485,125 @@
           <a:lstStyle/>
           <a:p>
             <a:r>
-              <a:rPr lang="en-US" altLang="zh-CN" sz="1200" dirty="0" smtClean="0">
-                <a:solidFill>
-                  <a:srgbClr val="000000"/>
-                </a:solidFill>
-                <a:latin typeface="Arial"/>
-              </a:rPr>
-              <a:t>feasibility (classification accuracy)</a:t>
-            </a:r>
-          </a:p>
-          <a:p>
-            <a:r>
-              <a:rPr lang="en-US" altLang="zh-CN" sz="1200" dirty="0" smtClean="0">
-                <a:solidFill>
-                  <a:srgbClr val="000000"/>
-                </a:solidFill>
-                <a:latin typeface="Arial"/>
-              </a:rPr>
-              <a:t>Such</a:t>
-            </a:r>
-            <a:r>
-              <a:rPr lang="en-US" altLang="zh-CN" sz="1200" baseline="0" dirty="0" smtClean="0">
-                <a:solidFill>
-                  <a:srgbClr val="000000"/>
-                </a:solidFill>
-                <a:latin typeface="Arial"/>
-              </a:rPr>
-              <a:t> as: network size, neural and synaptic type and learning algorithm </a:t>
-            </a:r>
-            <a:r>
-              <a:rPr lang="en-US" altLang="zh-CN" sz="1200" baseline="0" smtClean="0">
-                <a:solidFill>
-                  <a:srgbClr val="000000"/>
-                </a:solidFill>
-                <a:latin typeface="Arial"/>
-              </a:rPr>
-              <a:t>and precision</a:t>
-            </a:r>
-            <a:endParaRPr lang="zh-CN" altLang="en-US"/>
+              <a:rPr lang="en-US" altLang="zh-CN" dirty="0" smtClean="0"/>
+              <a:t>	\item \</a:t>
+            </a:r>
+            <a:r>
+              <a:rPr lang="en-US" altLang="zh-CN" dirty="0" err="1" smtClean="0"/>
+              <a:t>textit</a:t>
+            </a:r>
+            <a:r>
+              <a:rPr lang="en-US" altLang="zh-CN" dirty="0" smtClean="0"/>
+              <a:t>{</a:t>
+            </a:r>
+            <a:r>
+              <a:rPr lang="en-US" altLang="zh-CN" dirty="0" err="1" smtClean="0"/>
+              <a:t>Poissonian</a:t>
+            </a:r>
+            <a:r>
+              <a:rPr lang="en-US" altLang="zh-CN" dirty="0" smtClean="0"/>
+              <a:t>}</a:t>
+            </a:r>
+          </a:p>
+          <a:p>
+            <a:r>
+              <a:rPr lang="en-US" altLang="zh-CN" dirty="0" smtClean="0"/>
+              <a:t>	to benchmarking existing methods of rate-based spiking models.</a:t>
+            </a:r>
+          </a:p>
+          <a:p>
+            <a:r>
+              <a:rPr lang="en-US" altLang="zh-CN" dirty="0" smtClean="0"/>
+              <a:t>	\item \</a:t>
+            </a:r>
+            <a:r>
+              <a:rPr lang="en-US" altLang="zh-CN" dirty="0" err="1" smtClean="0"/>
+              <a:t>textit</a:t>
+            </a:r>
+            <a:r>
+              <a:rPr lang="en-US" altLang="zh-CN" dirty="0" smtClean="0"/>
+              <a:t>{</a:t>
+            </a:r>
+            <a:r>
+              <a:rPr lang="en-US" altLang="zh-CN" dirty="0" err="1" smtClean="0"/>
+              <a:t>FoCal</a:t>
+            </a:r>
+            <a:r>
+              <a:rPr lang="en-US" altLang="zh-CN" dirty="0" smtClean="0"/>
+              <a:t>~(Filter overlap Correction)}</a:t>
+            </a:r>
+          </a:p>
+          <a:p>
+            <a:r>
+              <a:rPr lang="en-US" altLang="zh-CN" dirty="0" smtClean="0"/>
+              <a:t>	to promote the study of </a:t>
+            </a:r>
+            <a:r>
+              <a:rPr lang="en-US" altLang="zh-CN" dirty="0" err="1" smtClean="0"/>
+              <a:t>spatio</a:t>
+            </a:r>
+            <a:r>
+              <a:rPr lang="en-US" altLang="zh-CN" dirty="0" smtClean="0"/>
+              <a:t>-temporal algorithms applied to recognition tasks using few input spikes.</a:t>
+            </a:r>
+          </a:p>
+          <a:p>
+            <a:r>
+              <a:rPr lang="en-US" altLang="zh-CN" dirty="0" smtClean="0"/>
+              <a:t>	\item \</a:t>
+            </a:r>
+            <a:r>
+              <a:rPr lang="en-US" altLang="zh-CN" dirty="0" err="1" smtClean="0"/>
+              <a:t>textit</a:t>
+            </a:r>
+            <a:r>
+              <a:rPr lang="en-US" altLang="zh-CN" dirty="0" smtClean="0"/>
+              <a:t>{DVS recorded flashing input}</a:t>
+            </a:r>
+          </a:p>
+          <a:p>
+            <a:r>
+              <a:rPr lang="en-US" altLang="zh-CN" dirty="0" smtClean="0"/>
+              <a:t>	to encourage research on fast recognition methods which are found in the primate visual pathway.</a:t>
+            </a:r>
+          </a:p>
+          <a:p>
+            <a:r>
+              <a:rPr lang="en-US" altLang="zh-CN" dirty="0" smtClean="0"/>
+              <a:t>	\item \</a:t>
+            </a:r>
+            <a:r>
+              <a:rPr lang="en-US" altLang="zh-CN" dirty="0" err="1" smtClean="0"/>
+              <a:t>textit</a:t>
+            </a:r>
+            <a:r>
+              <a:rPr lang="en-US" altLang="zh-CN" dirty="0" smtClean="0"/>
+              <a:t>{DVS recorded moving input}</a:t>
+            </a:r>
+          </a:p>
+          <a:p>
+            <a:r>
+              <a:rPr lang="en-US" altLang="zh-CN" dirty="0" smtClean="0"/>
+              <a:t>	to trigger the study of algorithms targeting on continuous input from real-world sensors and to implement them on mobile </a:t>
+            </a:r>
+            <a:r>
+              <a:rPr lang="en-US" altLang="zh-CN" dirty="0" err="1" smtClean="0"/>
+              <a:t>neuromorphic</a:t>
+            </a:r>
+            <a:r>
+              <a:rPr lang="en-US" altLang="zh-CN" dirty="0" smtClean="0"/>
+              <a:t> robots.</a:t>
+            </a:r>
+          </a:p>
+          <a:p>
+            <a:endParaRPr lang="en-US" altLang="zh-CN" dirty="0" smtClean="0"/>
+          </a:p>
+          <a:p>
+            <a:r>
+              <a:rPr lang="en-US" altLang="zh-CN" dirty="0" smtClean="0"/>
+              <a:t>Motivations!</a:t>
+            </a:r>
+            <a:endParaRPr lang="zh-CN" altLang="en-US" dirty="0"/>
           </a:p>
         </p:txBody>
       </p:sp>
@@ -1236,7 +1624,7 @@
           <a:p>
             <a:fld id="{79E2B501-C9D0-47CF-94DB-FC681E48CAF6}" type="slidenum">
               <a:rPr lang="zh-CN" altLang="en-US" smtClean="0"/>
-              <a:t>8</a:t>
+              <a:t>6</a:t>
             </a:fld>
             <a:endParaRPr lang="zh-CN" altLang="en-US"/>
           </a:p>
@@ -1245,7 +1633,7 @@
     </p:spTree>
     <p:extLst>
       <p:ext uri="{BB962C8B-B14F-4D97-AF65-F5344CB8AC3E}">
-        <p14:creationId xmlns:p14="http://schemas.microsoft.com/office/powerpoint/2010/main" val="2567128321"/>
+        <p14:creationId xmlns:p14="http://schemas.microsoft.com/office/powerpoint/2010/main" val="4073214201"/>
       </p:ext>
     </p:extLst>
   </p:cSld>
@@ -1358,7 +1746,7 @@
           <a:p>
             <a:fld id="{79E2B501-C9D0-47CF-94DB-FC681E48CAF6}" type="slidenum">
               <a:rPr lang="zh-CN" altLang="en-US" smtClean="0"/>
-              <a:t>9</a:t>
+              <a:t>7</a:t>
             </a:fld>
             <a:endParaRPr lang="zh-CN" altLang="en-US"/>
           </a:p>
@@ -1368,6 +1756,265 @@
     <p:extLst>
       <p:ext uri="{BB962C8B-B14F-4D97-AF65-F5344CB8AC3E}">
         <p14:creationId xmlns:p14="http://schemas.microsoft.com/office/powerpoint/2010/main" val="2567128321"/>
+      </p:ext>
+    </p:extLst>
+  </p:cSld>
+  <p:clrMapOvr>
+    <a:masterClrMapping/>
+  </p:clrMapOvr>
+</p:notes>
+</file>
+
+<file path=ppt/notesSlides/notesSlide8.xml><?xml version="1.0" encoding="utf-8"?>
+<p:notes xmlns:a="http://schemas.openxmlformats.org/drawingml/2006/main" xmlns:r="http://schemas.openxmlformats.org/officeDocument/2006/relationships" xmlns:p="http://schemas.openxmlformats.org/presentationml/2006/main">
+  <p:cSld>
+    <p:spTree>
+      <p:nvGrpSpPr>
+        <p:cNvPr id="1" name=""/>
+        <p:cNvGrpSpPr/>
+        <p:nvPr/>
+      </p:nvGrpSpPr>
+      <p:grpSpPr>
+        <a:xfrm>
+          <a:off x="0" y="0"/>
+          <a:ext cx="0" cy="0"/>
+          <a:chOff x="0" y="0"/>
+          <a:chExt cx="0" cy="0"/>
+        </a:xfrm>
+      </p:grpSpPr>
+      <p:sp>
+        <p:nvSpPr>
+          <p:cNvPr id="2" name="幻灯片图像占位符 1"/>
+          <p:cNvSpPr>
+            <a:spLocks noGrp="1" noRot="1" noChangeAspect="1"/>
+          </p:cNvSpPr>
+          <p:nvPr>
+            <p:ph type="sldImg"/>
+          </p:nvPr>
+        </p:nvSpPr>
+        <p:spPr/>
+      </p:sp>
+      <p:sp>
+        <p:nvSpPr>
+          <p:cNvPr id="3" name="备注占位符 2"/>
+          <p:cNvSpPr>
+            <a:spLocks noGrp="1"/>
+          </p:cNvSpPr>
+          <p:nvPr>
+            <p:ph type="body" idx="1"/>
+          </p:nvPr>
+        </p:nvSpPr>
+        <p:spPr/>
+        <p:txBody>
+          <a:bodyPr/>
+          <a:lstStyle/>
+          <a:p>
+            <a:r>
+              <a:rPr lang="en-US" altLang="zh-CN" sz="1200" dirty="0" smtClean="0">
+                <a:solidFill>
+                  <a:srgbClr val="000000"/>
+                </a:solidFill>
+                <a:latin typeface="Arial"/>
+              </a:rPr>
+              <a:t>feasibility (classification accuracy)</a:t>
+            </a:r>
+          </a:p>
+          <a:p>
+            <a:r>
+              <a:rPr lang="en-US" altLang="zh-CN" sz="1200" dirty="0" smtClean="0">
+                <a:solidFill>
+                  <a:srgbClr val="000000"/>
+                </a:solidFill>
+                <a:latin typeface="Arial"/>
+              </a:rPr>
+              <a:t>Such</a:t>
+            </a:r>
+            <a:r>
+              <a:rPr lang="en-US" altLang="zh-CN" sz="1200" baseline="0" dirty="0" smtClean="0">
+                <a:solidFill>
+                  <a:srgbClr val="000000"/>
+                </a:solidFill>
+                <a:latin typeface="Arial"/>
+              </a:rPr>
+              <a:t> as: network size, neural and synaptic type and learning algorithm and precision</a:t>
+            </a:r>
+          </a:p>
+          <a:p>
+            <a:r>
+              <a:rPr lang="en-US" altLang="zh-CN" sz="1200" baseline="0" dirty="0" smtClean="0">
+                <a:solidFill>
+                  <a:srgbClr val="000000"/>
+                </a:solidFill>
+                <a:latin typeface="Arial"/>
+              </a:rPr>
+              <a:t>Self injection spikes.</a:t>
+            </a:r>
+          </a:p>
+          <a:p>
+            <a:r>
+              <a:rPr lang="en-US" altLang="zh-CN" sz="1200" baseline="0" dirty="0" smtClean="0">
+                <a:solidFill>
+                  <a:srgbClr val="000000"/>
+                </a:solidFill>
+                <a:latin typeface="Arial"/>
+              </a:rPr>
+              <a:t>Best performance, but unpractical model.</a:t>
+            </a:r>
+            <a:endParaRPr lang="zh-CN" altLang="en-US" dirty="0"/>
+          </a:p>
+        </p:txBody>
+      </p:sp>
+      <p:sp>
+        <p:nvSpPr>
+          <p:cNvPr id="4" name="灯片编号占位符 3"/>
+          <p:cNvSpPr>
+            <a:spLocks noGrp="1"/>
+          </p:cNvSpPr>
+          <p:nvPr>
+            <p:ph type="sldNum" sz="quarter" idx="10"/>
+          </p:nvPr>
+        </p:nvSpPr>
+        <p:spPr/>
+        <p:txBody>
+          <a:bodyPr/>
+          <a:lstStyle/>
+          <a:p>
+            <a:fld id="{79E2B501-C9D0-47CF-94DB-FC681E48CAF6}" type="slidenum">
+              <a:rPr lang="zh-CN" altLang="en-US" smtClean="0"/>
+              <a:t>9</a:t>
+            </a:fld>
+            <a:endParaRPr lang="zh-CN" altLang="en-US"/>
+          </a:p>
+        </p:txBody>
+      </p:sp>
+    </p:spTree>
+    <p:extLst>
+      <p:ext uri="{BB962C8B-B14F-4D97-AF65-F5344CB8AC3E}">
+        <p14:creationId xmlns:p14="http://schemas.microsoft.com/office/powerpoint/2010/main" val="2567128321"/>
+      </p:ext>
+    </p:extLst>
+  </p:cSld>
+  <p:clrMapOvr>
+    <a:masterClrMapping/>
+  </p:clrMapOvr>
+</p:notes>
+</file>
+
+<file path=ppt/notesSlides/notesSlide9.xml><?xml version="1.0" encoding="utf-8"?>
+<p:notes xmlns:a="http://schemas.openxmlformats.org/drawingml/2006/main" xmlns:r="http://schemas.openxmlformats.org/officeDocument/2006/relationships" xmlns:p="http://schemas.openxmlformats.org/presentationml/2006/main">
+  <p:cSld>
+    <p:spTree>
+      <p:nvGrpSpPr>
+        <p:cNvPr id="1" name=""/>
+        <p:cNvGrpSpPr/>
+        <p:nvPr/>
+      </p:nvGrpSpPr>
+      <p:grpSpPr>
+        <a:xfrm>
+          <a:off x="0" y="0"/>
+          <a:ext cx="0" cy="0"/>
+          <a:chOff x="0" y="0"/>
+          <a:chExt cx="0" cy="0"/>
+        </a:xfrm>
+      </p:grpSpPr>
+      <p:sp>
+        <p:nvSpPr>
+          <p:cNvPr id="2" name="幻灯片图像占位符 1"/>
+          <p:cNvSpPr>
+            <a:spLocks noGrp="1" noRot="1" noChangeAspect="1"/>
+          </p:cNvSpPr>
+          <p:nvPr>
+            <p:ph type="sldImg"/>
+          </p:nvPr>
+        </p:nvSpPr>
+        <p:spPr/>
+      </p:sp>
+      <p:sp>
+        <p:nvSpPr>
+          <p:cNvPr id="3" name="备注占位符 2"/>
+          <p:cNvSpPr>
+            <a:spLocks noGrp="1"/>
+          </p:cNvSpPr>
+          <p:nvPr>
+            <p:ph type="body" idx="1"/>
+          </p:nvPr>
+        </p:nvSpPr>
+        <p:spPr/>
+        <p:txBody>
+          <a:bodyPr/>
+          <a:lstStyle/>
+          <a:p>
+            <a:r>
+              <a:rPr lang="en-US" altLang="zh-CN" dirty="0" smtClean="0"/>
+              <a:t>General but</a:t>
+            </a:r>
+            <a:r>
+              <a:rPr lang="en-US" altLang="zh-CN" baseline="0" dirty="0" smtClean="0"/>
+              <a:t> not specific </a:t>
+            </a:r>
+            <a:r>
+              <a:rPr lang="en-US" altLang="zh-CN" baseline="0" dirty="0" smtClean="0"/>
+              <a:t>evaluation</a:t>
+            </a:r>
+          </a:p>
+          <a:p>
+            <a:endParaRPr lang="en-US" altLang="zh-CN" baseline="0" dirty="0" smtClean="0"/>
+          </a:p>
+          <a:p>
+            <a:r>
+              <a:rPr lang="en-US" altLang="zh-CN" sz="1200" baseline="0" dirty="0" smtClean="0">
+                <a:solidFill>
+                  <a:srgbClr val="000000"/>
+                </a:solidFill>
+                <a:latin typeface="Arial"/>
+              </a:rPr>
+              <a:t>Self injection spikes.</a:t>
+            </a:r>
+          </a:p>
+          <a:p>
+            <a:r>
+              <a:rPr lang="en-US" altLang="zh-CN" sz="1200" baseline="0" dirty="0" smtClean="0">
+                <a:solidFill>
+                  <a:srgbClr val="000000"/>
+                </a:solidFill>
+                <a:latin typeface="Arial"/>
+              </a:rPr>
+              <a:t>Best performance, but unpractical model.</a:t>
+            </a:r>
+            <a:endParaRPr lang="zh-CN" altLang="en-US" dirty="0" smtClean="0"/>
+          </a:p>
+          <a:p>
+            <a:endParaRPr lang="zh-CN" altLang="en-US" dirty="0"/>
+          </a:p>
+        </p:txBody>
+      </p:sp>
+      <p:sp>
+        <p:nvSpPr>
+          <p:cNvPr id="4" name="灯片编号占位符 3"/>
+          <p:cNvSpPr>
+            <a:spLocks noGrp="1"/>
+          </p:cNvSpPr>
+          <p:nvPr>
+            <p:ph type="sldNum" sz="quarter" idx="10"/>
+          </p:nvPr>
+        </p:nvSpPr>
+        <p:spPr/>
+        <p:txBody>
+          <a:bodyPr/>
+          <a:lstStyle/>
+          <a:p>
+            <a:fld id="{79E2B501-C9D0-47CF-94DB-FC681E48CAF6}" type="slidenum">
+              <a:rPr lang="zh-CN" altLang="en-US" smtClean="0"/>
+              <a:t>10</a:t>
+            </a:fld>
+            <a:endParaRPr lang="zh-CN" altLang="en-US"/>
+          </a:p>
+        </p:txBody>
+      </p:sp>
+    </p:spTree>
+    <p:extLst>
+      <p:ext uri="{BB962C8B-B14F-4D97-AF65-F5344CB8AC3E}">
+        <p14:creationId xmlns:p14="http://schemas.microsoft.com/office/powerpoint/2010/main" val="1441885544"/>
       </p:ext>
     </p:extLst>
   </p:cSld>
@@ -6030,7 +6677,7 @@
           <p:nvPr/>
         </p:nvPicPr>
         <p:blipFill>
-          <a:blip r:embed="rId2"/>
+          <a:blip r:embed="rId3"/>
           <a:stretch>
             <a:fillRect/>
           </a:stretch>
@@ -6100,179 +6747,16 @@
           <a:chExt cx="0" cy="0"/>
         </a:xfrm>
       </p:grpSpPr>
-      <p:sp>
-        <p:nvSpPr>
-          <p:cNvPr id="4" name="CustomShape 1"/>
-          <p:cNvSpPr/>
-          <p:nvPr/>
-        </p:nvSpPr>
-        <p:spPr>
-          <a:xfrm>
-            <a:off x="405720" y="1268640"/>
-            <a:ext cx="5842440" cy="1142280"/>
-          </a:xfrm>
-          <a:prstGeom prst="rect">
-            <a:avLst/>
-          </a:prstGeom>
-          <a:noFill/>
-          <a:ln>
-            <a:noFill/>
-          </a:ln>
-        </p:spPr>
-        <p:txBody>
-          <a:bodyPr lIns="90000" tIns="45000" rIns="90000" bIns="45000" anchor="ctr"/>
-          <a:lstStyle/>
-          <a:p>
-            <a:pPr>
-              <a:lnSpc>
-                <a:spcPct val="100000"/>
-              </a:lnSpc>
-            </a:pPr>
-            <a:r>
-              <a:rPr lang="en-GB" altLang="zh-CN" sz="3200" b="1" dirty="0" smtClean="0">
-                <a:solidFill>
-                  <a:srgbClr val="595959"/>
-                </a:solidFill>
-              </a:rPr>
-              <a:t>Case Study I: 2-layer STDP</a:t>
-            </a:r>
-            <a:endParaRPr lang="en-GB" altLang="zh-CN" sz="3200" b="1" dirty="0">
-              <a:solidFill>
-                <a:srgbClr val="595959"/>
-              </a:solidFill>
-            </a:endParaRPr>
-          </a:p>
-        </p:txBody>
-      </p:sp>
-      <p:sp>
-        <p:nvSpPr>
-          <p:cNvPr id="5" name="CustomShape 2"/>
-          <p:cNvSpPr/>
-          <p:nvPr/>
-        </p:nvSpPr>
-        <p:spPr>
-          <a:xfrm>
-            <a:off x="395640" y="4309200"/>
-            <a:ext cx="8228880" cy="1816200"/>
-          </a:xfrm>
-          <a:prstGeom prst="rect">
-            <a:avLst/>
-          </a:prstGeom>
-          <a:noFill/>
-          <a:ln>
-            <a:noFill/>
-          </a:ln>
-        </p:spPr>
-        <p:txBody>
-          <a:bodyPr lIns="90000" tIns="45000" rIns="90000" bIns="45000"/>
-          <a:lstStyle/>
-          <a:p>
-            <a:pPr>
-              <a:lnSpc>
-                <a:spcPct val="100000"/>
-              </a:lnSpc>
-            </a:pPr>
-            <a:r>
-              <a:rPr lang="en-US" dirty="0"/>
-              <a:t>The </a:t>
-            </a:r>
-            <a:r>
-              <a:rPr lang="en-US" dirty="0" smtClean="0"/>
-              <a:t>network with 500 decision neurons </a:t>
-            </a:r>
-            <a:r>
-              <a:rPr lang="en-US" dirty="0"/>
-              <a:t>achieved a CA of </a:t>
-            </a:r>
-            <a:r>
-              <a:rPr lang="en-US" dirty="0" smtClean="0"/>
-              <a:t>92.98% </a:t>
-            </a:r>
-            <a:r>
-              <a:rPr lang="en-US" dirty="0"/>
-              <a:t>and average latency of </a:t>
-            </a:r>
-            <a:r>
-              <a:rPr lang="en-US" dirty="0" smtClean="0"/>
-              <a:t>10.70 </a:t>
-            </a:r>
-            <a:r>
-              <a:rPr lang="en-US" dirty="0" err="1" smtClean="0"/>
-              <a:t>ms</a:t>
-            </a:r>
-            <a:r>
-              <a:rPr lang="en-US" dirty="0"/>
-              <a:t>, and the simulation costs </a:t>
-            </a:r>
-            <a:r>
-              <a:rPr lang="en-US" dirty="0" err="1"/>
-              <a:t>SpiNNaker</a:t>
-            </a:r>
-            <a:r>
-              <a:rPr lang="en-US" dirty="0"/>
-              <a:t> </a:t>
-            </a:r>
-            <a:r>
-              <a:rPr lang="en-US" dirty="0" smtClean="0"/>
-              <a:t>0.41 W </a:t>
-            </a:r>
-            <a:r>
-              <a:rPr lang="en-US" dirty="0"/>
-              <a:t>on power use and </a:t>
-            </a:r>
-            <a:r>
-              <a:rPr lang="en-US" dirty="0" smtClean="0"/>
-              <a:t>4,920J </a:t>
-            </a:r>
-            <a:r>
-              <a:rPr lang="en-US" dirty="0"/>
-              <a:t>on energy use</a:t>
-            </a:r>
-            <a:r>
-              <a:rPr lang="en-US" dirty="0" smtClean="0"/>
-              <a:t>.</a:t>
-            </a:r>
-          </a:p>
-          <a:p>
-            <a:pPr>
-              <a:lnSpc>
-                <a:spcPct val="100000"/>
-              </a:lnSpc>
-            </a:pPr>
-            <a:endParaRPr lang="en-US" dirty="0"/>
-          </a:p>
-          <a:p>
-            <a:pPr>
-              <a:lnSpc>
-                <a:spcPct val="100000"/>
-              </a:lnSpc>
-            </a:pPr>
-            <a:r>
-              <a:rPr lang="en-US" dirty="0" smtClean="0"/>
-              <a:t>The work is submitted to the Frontiers in </a:t>
-            </a:r>
-            <a:r>
-              <a:rPr lang="en-US" dirty="0" err="1" smtClean="0"/>
-              <a:t>Neuromorphic</a:t>
-            </a:r>
-            <a:r>
-              <a:rPr lang="en-US" dirty="0" smtClean="0"/>
-              <a:t> Engineering under review process.</a:t>
-            </a:r>
-            <a:endParaRPr dirty="0"/>
-          </a:p>
-        </p:txBody>
-      </p:sp>
       <p:pic>
         <p:nvPicPr>
-          <p:cNvPr id="4098" name="Picture 2"/>
+          <p:cNvPr id="2050" name="Picture 2"/>
           <p:cNvPicPr>
             <a:picLocks noChangeAspect="1" noChangeArrowheads="1"/>
           </p:cNvPicPr>
           <p:nvPr/>
         </p:nvPicPr>
         <p:blipFill>
-          <a:blip r:embed="rId2">
+          <a:blip r:embed="rId3">
             <a:extLst>
               <a:ext uri="{28A0092B-C50C-407E-A947-70E740481C1C}">
                 <a14:useLocalDpi xmlns:a14="http://schemas.microsoft.com/office/drawing/2010/main" val="0"/>
@@ -6286,8 +6770,8 @@
         </p:blipFill>
         <p:spPr bwMode="auto">
           <a:xfrm>
-            <a:off x="523867" y="2092554"/>
-            <a:ext cx="7972425" cy="2228850"/>
+            <a:off x="310455" y="476672"/>
+            <a:ext cx="8582025" cy="5638800"/>
           </a:xfrm>
           <a:prstGeom prst="rect">
             <a:avLst/>
@@ -6327,16 +6811,115 @@
           </a:extLst>
         </p:spPr>
       </p:pic>
+      <p:sp>
+        <p:nvSpPr>
+          <p:cNvPr id="5" name="矩形 4"/>
+          <p:cNvSpPr/>
+          <p:nvPr/>
+        </p:nvSpPr>
+        <p:spPr>
+          <a:xfrm>
+            <a:off x="7524328" y="476672"/>
+            <a:ext cx="1368152" cy="5638800"/>
+          </a:xfrm>
+          <a:prstGeom prst="rect">
+            <a:avLst/>
+          </a:prstGeom>
+          <a:noFill/>
+          <a:ln>
+            <a:solidFill>
+              <a:srgbClr val="FF0000"/>
+            </a:solidFill>
+          </a:ln>
+        </p:spPr>
+        <p:style>
+          <a:lnRef idx="2">
+            <a:schemeClr val="accent1">
+              <a:shade val="50000"/>
+            </a:schemeClr>
+          </a:lnRef>
+          <a:fillRef idx="1">
+            <a:schemeClr val="accent1"/>
+          </a:fillRef>
+          <a:effectRef idx="0">
+            <a:schemeClr val="accent1"/>
+          </a:effectRef>
+          <a:fontRef idx="minor">
+            <a:schemeClr val="lt1"/>
+          </a:fontRef>
+        </p:style>
+        <p:txBody>
+          <a:bodyPr rtlCol="0" anchor="ctr"/>
+          <a:lstStyle/>
+          <a:p>
+            <a:pPr algn="ctr"/>
+            <a:endParaRPr lang="zh-CN" altLang="en-US"/>
+          </a:p>
+        </p:txBody>
+      </p:sp>
+      <p:sp>
+        <p:nvSpPr>
+          <p:cNvPr id="7" name="矩形 6"/>
+          <p:cNvSpPr/>
+          <p:nvPr/>
+        </p:nvSpPr>
+        <p:spPr>
+          <a:xfrm>
+            <a:off x="6156176" y="476672"/>
+            <a:ext cx="1368152" cy="5638800"/>
+          </a:xfrm>
+          <a:prstGeom prst="rect">
+            <a:avLst/>
+          </a:prstGeom>
+          <a:noFill/>
+          <a:ln>
+            <a:solidFill>
+              <a:srgbClr val="FF0000"/>
+            </a:solidFill>
+          </a:ln>
+        </p:spPr>
+        <p:style>
+          <a:lnRef idx="2">
+            <a:schemeClr val="accent1">
+              <a:shade val="50000"/>
+            </a:schemeClr>
+          </a:lnRef>
+          <a:fillRef idx="1">
+            <a:schemeClr val="accent1"/>
+          </a:fillRef>
+          <a:effectRef idx="0">
+            <a:schemeClr val="accent1"/>
+          </a:effectRef>
+          <a:fontRef idx="minor">
+            <a:schemeClr val="lt1"/>
+          </a:fontRef>
+        </p:style>
+        <p:txBody>
+          <a:bodyPr rtlCol="0" anchor="ctr"/>
+          <a:lstStyle/>
+          <a:p>
+            <a:pPr algn="ctr"/>
+            <a:endParaRPr lang="zh-CN" altLang="en-US"/>
+          </a:p>
+        </p:txBody>
+      </p:sp>
     </p:spTree>
     <p:extLst>
       <p:ext uri="{BB962C8B-B14F-4D97-AF65-F5344CB8AC3E}">
-        <p14:creationId xmlns:p14="http://schemas.microsoft.com/office/powerpoint/2010/main" val="4130511398"/>
+        <p14:creationId xmlns:p14="http://schemas.microsoft.com/office/powerpoint/2010/main" val="1441639391"/>
       </p:ext>
     </p:extLst>
   </p:cSld>
   <p:clrMapOvr>
     <a:masterClrMapping/>
   </p:clrMapOvr>
+  <p:timing>
+    <p:tnLst>
+      <p:par>
+        <p:cTn id="1" dur="indefinite" restart="never" nodeType="tmRoot"/>
+      </p:par>
+    </p:tnLst>
+  </p:timing>
 </p:sld>
 </file>
 
@@ -6359,14 +6942,14 @@
       </p:grpSpPr>
       <p:sp>
         <p:nvSpPr>
-          <p:cNvPr id="132" name="CustomShape 1"/>
+          <p:cNvPr id="126" name="CustomShape 1"/>
           <p:cNvSpPr/>
           <p:nvPr/>
         </p:nvSpPr>
         <p:spPr>
           <a:xfrm>
             <a:off x="405720" y="1268640"/>
-            <a:ext cx="8218800" cy="1142280"/>
+            <a:ext cx="7334632" cy="1142280"/>
           </a:xfrm>
           <a:prstGeom prst="rect">
             <a:avLst/>
@@ -6386,58 +6969,31 @@
               </a:lnSpc>
             </a:pPr>
             <a:r>
-              <a:rPr lang="en-US" altLang="zh-CN" sz="3200" b="1" dirty="0" smtClean="0">
+              <a:rPr lang="en-GB" altLang="zh-CN" sz="3200" b="1" dirty="0" smtClean="0">
                 <a:solidFill>
                   <a:srgbClr val="595959"/>
                 </a:solidFill>
               </a:rPr>
-              <a:t>Future Work:</a:t>
-            </a:r>
-          </a:p>
-          <a:p>
-            <a:pPr>
-              <a:lnSpc>
-                <a:spcPct val="100000"/>
-              </a:lnSpc>
-            </a:pPr>
-            <a:r>
-              <a:rPr lang="en-US" altLang="zh-CN" sz="2800" b="1" dirty="0" smtClean="0">
-                <a:solidFill>
-                  <a:srgbClr val="595959"/>
-                </a:solidFill>
-              </a:rPr>
-              <a:t>Towards </a:t>
-            </a:r>
-            <a:r>
-              <a:rPr lang="en-US" altLang="zh-CN" sz="2800" b="1" dirty="0">
-                <a:solidFill>
-                  <a:srgbClr val="595959"/>
-                </a:solidFill>
-              </a:rPr>
-              <a:t>the Robust Object </a:t>
-            </a:r>
-            <a:r>
-              <a:rPr lang="en-US" altLang="zh-CN" sz="2800" b="1" dirty="0" smtClean="0">
-                <a:solidFill>
-                  <a:srgbClr val="595959"/>
-                </a:solidFill>
-              </a:rPr>
-              <a:t>Recognition</a:t>
-            </a:r>
-            <a:endParaRPr lang="en-US" altLang="zh-CN" sz="2800" b="1" dirty="0"/>
-          </a:p>
-        </p:txBody>
-      </p:sp>
-      <p:sp>
-        <p:nvSpPr>
-          <p:cNvPr id="133" name="CustomShape 2"/>
+              <a:t>Benchmarking SNNs Algorithms</a:t>
+            </a:r>
+            <a:endParaRPr lang="en-GB" altLang="zh-CN" sz="3200" b="1" dirty="0">
+              <a:solidFill>
+                <a:srgbClr val="595959"/>
+              </a:solidFill>
+            </a:endParaRPr>
+          </a:p>
+        </p:txBody>
+      </p:sp>
+      <p:sp>
+        <p:nvSpPr>
+          <p:cNvPr id="127" name="CustomShape 2"/>
           <p:cNvSpPr/>
           <p:nvPr/>
         </p:nvSpPr>
         <p:spPr>
           <a:xfrm>
             <a:off x="395640" y="2493000"/>
-            <a:ext cx="8640856" cy="3632400"/>
+            <a:ext cx="8496840" cy="3632400"/>
           </a:xfrm>
           <a:prstGeom prst="rect">
             <a:avLst/>
@@ -6459,112 +7015,99 @@
               <a:buChar char="•"/>
             </a:pPr>
             <a:r>
-              <a:rPr lang="en-GB" altLang="zh-CN" sz="2800" dirty="0">
+              <a:rPr lang="en-GB" sz="2800" dirty="0" smtClean="0">
                 <a:solidFill>
                   <a:srgbClr val="000000"/>
                 </a:solidFill>
+                <a:latin typeface="Arial"/>
               </a:rPr>
               <a:t> state-of-the-art</a:t>
             </a:r>
           </a:p>
           <a:p>
-            <a:pPr lvl="1">
-              <a:buFont typeface="Arial"/>
-              <a:buChar char="•"/>
-            </a:pPr>
-            <a:r>
-              <a:rPr lang="en-GB" altLang="zh-CN" sz="2400" dirty="0">
+            <a:pPr lvl="1"/>
+            <a:r>
+              <a:rPr lang="en-GB" sz="2400" dirty="0" smtClean="0">
                 <a:solidFill>
                   <a:srgbClr val="000000"/>
                 </a:solidFill>
               </a:rPr>
-              <a:t> 2-Layer STDP </a:t>
-            </a:r>
-            <a:r>
-              <a:rPr lang="en-GB" altLang="zh-CN" sz="2400" dirty="0" smtClean="0">
+              <a:t>- </a:t>
+            </a:r>
+            <a:r>
+              <a:rPr lang="en-GB" sz="2400" dirty="0">
                 <a:solidFill>
                   <a:srgbClr val="000000"/>
                 </a:solidFill>
               </a:rPr>
-              <a:t>learned – </a:t>
-            </a:r>
-            <a:r>
-              <a:rPr lang="en-GB" altLang="zh-CN" sz="2400" dirty="0" smtClean="0">
-                <a:solidFill>
-                  <a:srgbClr val="FF0000"/>
-                </a:solidFill>
-              </a:rPr>
-              <a:t>1 case study</a:t>
-            </a:r>
-            <a:endParaRPr lang="en-GB" altLang="zh-CN" sz="2400" dirty="0">
-              <a:solidFill>
-                <a:srgbClr val="FF0000"/>
-              </a:solidFill>
-            </a:endParaRPr>
-          </a:p>
-          <a:p>
-            <a:pPr lvl="1">
-              <a:buFont typeface="Arial"/>
-              <a:buChar char="•"/>
-            </a:pPr>
-            <a:r>
-              <a:rPr lang="en-GB" altLang="zh-CN" sz="2400" dirty="0">
+              <a:t>2-Layer </a:t>
+            </a:r>
+            <a:r>
+              <a:rPr lang="en-GB" sz="2400" dirty="0" smtClean="0">
                 <a:solidFill>
                   <a:srgbClr val="000000"/>
                 </a:solidFill>
               </a:rPr>
-              <a:t> Spiking </a:t>
-            </a:r>
-            <a:r>
-              <a:rPr lang="en-GB" altLang="zh-CN" sz="2400" dirty="0" err="1">
+              <a:t>STDP </a:t>
+            </a:r>
+            <a:r>
+              <a:rPr lang="en-GB" sz="2000" dirty="0" smtClean="0">
                 <a:solidFill>
                   <a:srgbClr val="000000"/>
                 </a:solidFill>
               </a:rPr>
-              <a:t>ConvNet</a:t>
-            </a:r>
-            <a:r>
-              <a:rPr lang="en-GB" altLang="zh-CN" sz="2400" dirty="0">
-                <a:solidFill>
-                  <a:srgbClr val="000000"/>
-                </a:solidFill>
-              </a:rPr>
-              <a:t> (off-line training</a:t>
-            </a:r>
-            <a:r>
-              <a:rPr lang="en-GB" altLang="zh-CN" sz="2400" dirty="0" smtClean="0">
-                <a:solidFill>
-                  <a:srgbClr val="000000"/>
-                </a:solidFill>
-              </a:rPr>
-              <a:t>) – </a:t>
-            </a:r>
-            <a:r>
-              <a:rPr lang="en-GB" altLang="zh-CN" sz="2400" dirty="0" smtClean="0">
-                <a:solidFill>
-                  <a:srgbClr val="FF0000"/>
-                </a:solidFill>
-              </a:rPr>
-              <a:t>future case study</a:t>
-            </a:r>
-            <a:endParaRPr lang="en-GB" altLang="zh-CN" sz="2400" dirty="0">
+              <a:t>(Synaptic-timing dependent plasticity)</a:t>
+            </a:r>
+            <a:endParaRPr lang="en-GB" sz="2400" dirty="0">
               <a:solidFill>
                 <a:srgbClr val="000000"/>
               </a:solidFill>
             </a:endParaRPr>
           </a:p>
           <a:p>
-            <a:pPr lvl="1">
-              <a:buFont typeface="Arial"/>
-              <a:buChar char="•"/>
-            </a:pPr>
+            <a:pPr lvl="1"/>
+            <a:r>
+              <a:rPr lang="en-GB" altLang="zh-CN" sz="2400" dirty="0" smtClean="0">
+                <a:solidFill>
+                  <a:srgbClr val="000000"/>
+                </a:solidFill>
+              </a:rPr>
+              <a:t>- Spiking Deep Network </a:t>
+            </a:r>
+            <a:r>
+              <a:rPr lang="en-GB" altLang="zh-CN" sz="2000" dirty="0">
+                <a:solidFill>
+                  <a:srgbClr val="000000"/>
+                </a:solidFill>
+              </a:rPr>
+              <a:t>(off-line training</a:t>
+            </a:r>
+            <a:r>
+              <a:rPr lang="en-GB" altLang="zh-CN" sz="2000" dirty="0" smtClean="0">
+                <a:solidFill>
+                  <a:srgbClr val="000000"/>
+                </a:solidFill>
+              </a:rPr>
+              <a:t>)</a:t>
+            </a:r>
+          </a:p>
+          <a:p>
+            <a:pPr lvl="1"/>
+            <a:r>
+              <a:rPr lang="en-GB" altLang="zh-CN" sz="2400" dirty="0" smtClean="0">
+                <a:solidFill>
+                  <a:srgbClr val="000000"/>
+                </a:solidFill>
+              </a:rPr>
+              <a:t>- Spiking </a:t>
+            </a:r>
             <a:r>
               <a:rPr lang="en-GB" altLang="zh-CN" sz="2400" dirty="0">
                 <a:solidFill>
                   <a:srgbClr val="000000"/>
                 </a:solidFill>
               </a:rPr>
-              <a:t> Spiking DBN (off-line training</a:t>
+              <a:t>Convolutional </a:t>
             </a:r>
             <a:r>
               <a:rPr lang="en-GB" altLang="zh-CN" sz="2400" dirty="0" smtClean="0">
@@ -6572,20 +7115,53 @@
                   <a:srgbClr val="000000"/>
                 </a:solidFill>
               </a:rPr>
-              <a:t>) – </a:t>
+              <a:t>Network(</a:t>
+            </a:r>
+            <a:r>
+              <a:rPr lang="en-GB" altLang="zh-CN" sz="2400" dirty="0" err="1" smtClean="0">
+                <a:solidFill>
+                  <a:srgbClr val="000000"/>
+                </a:solidFill>
+              </a:rPr>
+              <a:t>ConvNet</a:t>
             </a:r>
             <a:r>
               <a:rPr lang="en-GB" altLang="zh-CN" sz="2400" dirty="0" smtClean="0">
                 <a:solidFill>
-                  <a:srgbClr val="FF0000"/>
-                </a:solidFill>
-              </a:rPr>
-              <a:t>online formalised training</a:t>
-            </a:r>
-            <a:endParaRPr lang="en-GB" altLang="zh-CN" sz="2400" dirty="0">
+                  <a:srgbClr val="000000"/>
+                </a:solidFill>
+              </a:rPr>
+              <a:t>) </a:t>
+            </a:r>
+            <a:r>
+              <a:rPr lang="en-GB" altLang="zh-CN" sz="2000" dirty="0" smtClean="0">
+                <a:solidFill>
+                  <a:srgbClr val="000000"/>
+                </a:solidFill>
+              </a:rPr>
+              <a:t>(off-line </a:t>
+            </a:r>
+            <a:r>
+              <a:rPr lang="en-GB" altLang="zh-CN" sz="2000" dirty="0">
+                <a:solidFill>
+                  <a:srgbClr val="000000"/>
+                </a:solidFill>
+              </a:rPr>
+              <a:t>training</a:t>
+            </a:r>
+            <a:r>
+              <a:rPr lang="en-GB" altLang="zh-CN" sz="2000" dirty="0" smtClean="0">
+                <a:solidFill>
+                  <a:srgbClr val="000000"/>
+                </a:solidFill>
+              </a:rPr>
+              <a:t>)</a:t>
+            </a:r>
+            <a:endParaRPr lang="en-GB" sz="2400" dirty="0" smtClean="0">
               <a:solidFill>
                 <a:srgbClr val="000000"/>
               </a:solidFill>
+              <a:latin typeface="Arial"/>
             </a:endParaRPr>
           </a:p>
           <a:p>
@@ -6596,77 +7172,211 @@
               <a:buFont typeface="Arial"/>
               <a:buChar char="•"/>
             </a:pPr>
-            <a:r>
-              <a:rPr lang="en-GB" sz="2800" dirty="0" smtClean="0">
-                <a:solidFill>
-                  <a:srgbClr val="000000"/>
-                </a:solidFill>
-                <a:latin typeface="Arial"/>
-              </a:rPr>
-              <a:t> My exploration on Spiking DBN</a:t>
-            </a:r>
-          </a:p>
-          <a:p>
-            <a:pPr lvl="1">
+            <a:endParaRPr lang="en-GB" sz="2800" dirty="0" smtClean="0">
+              <a:solidFill>
+                <a:srgbClr val="000000"/>
+              </a:solidFill>
+              <a:latin typeface="Arial"/>
+            </a:endParaRPr>
+          </a:p>
+          <a:p>
+            <a:pPr>
+              <a:lnSpc>
+                <a:spcPct val="100000"/>
+              </a:lnSpc>
               <a:buFont typeface="Arial"/>
               <a:buChar char="•"/>
             </a:pPr>
             <a:r>
+              <a:rPr lang="en-GB" sz="2800" dirty="0" smtClean="0">
+                <a:solidFill>
+                  <a:srgbClr val="000000"/>
+                </a:solidFill>
+                <a:latin typeface="Arial"/>
+              </a:rPr>
+              <a:t> </a:t>
+            </a:r>
+            <a:r>
+              <a:rPr lang="en-US" sz="2800" dirty="0" smtClean="0">
+                <a:latin typeface="Arial"/>
+              </a:rPr>
+              <a:t>Case studies on </a:t>
+            </a:r>
+            <a:r>
+              <a:rPr lang="en-US" sz="2800" dirty="0" smtClean="0">
+                <a:latin typeface="Arial"/>
+              </a:rPr>
+              <a:t>H/W (</a:t>
+            </a:r>
+            <a:r>
+              <a:rPr lang="en-US" sz="2800" dirty="0" err="1" smtClean="0">
+                <a:latin typeface="Arial"/>
+              </a:rPr>
+              <a:t>SpiNNaker</a:t>
+            </a:r>
+            <a:r>
+              <a:rPr lang="en-US" sz="2800" dirty="0" smtClean="0">
+                <a:latin typeface="Arial"/>
+              </a:rPr>
+              <a:t>)</a:t>
+            </a:r>
+            <a:endParaRPr lang="en-US" sz="2800" dirty="0" smtClean="0">
+              <a:latin typeface="Arial"/>
+            </a:endParaRPr>
+          </a:p>
+          <a:p>
+            <a:pPr lvl="1"/>
+            <a:r>
+              <a:rPr lang="en-US" sz="2400" dirty="0" smtClean="0">
+                <a:solidFill>
+                  <a:srgbClr val="000000"/>
+                </a:solidFill>
+                <a:latin typeface="Arial"/>
+              </a:rPr>
+              <a:t>- STDP online training</a:t>
+            </a:r>
+          </a:p>
+          <a:p>
+            <a:pPr lvl="1"/>
+            <a:r>
               <a:rPr lang="en-GB" altLang="zh-CN" sz="2400" dirty="0" smtClean="0">
                 <a:solidFill>
                   <a:srgbClr val="000000"/>
                 </a:solidFill>
               </a:rPr>
-              <a:t> Restricted </a:t>
-            </a:r>
-            <a:r>
-              <a:rPr lang="en-GB" altLang="zh-CN" sz="2400" dirty="0">
+              <a:t>- Spiking Deep Belief Network (SDBN</a:t>
+            </a:r>
+            <a:r>
+              <a:rPr lang="en-GB" altLang="zh-CN" sz="2000" dirty="0" smtClean="0">
                 <a:solidFill>
                   <a:srgbClr val="000000"/>
                 </a:solidFill>
               </a:rPr>
-              <a:t>Boltzmann </a:t>
-            </a:r>
+              <a:t>) (</a:t>
+            </a:r>
+            <a:r>
+              <a:rPr lang="en-GB" altLang="zh-CN" sz="2000" dirty="0" err="1" smtClean="0">
+                <a:solidFill>
+                  <a:srgbClr val="000000"/>
+                </a:solidFill>
+              </a:rPr>
+              <a:t>Evangelos</a:t>
+            </a:r>
+            <a:r>
+              <a:rPr lang="en-GB" altLang="zh-CN" sz="2000" dirty="0" smtClean="0">
+                <a:solidFill>
+                  <a:srgbClr val="000000"/>
+                </a:solidFill>
+              </a:rPr>
+              <a:t> </a:t>
+            </a:r>
+            <a:r>
+              <a:rPr lang="en-GB" altLang="zh-CN" sz="2000" dirty="0" err="1" smtClean="0">
+                <a:solidFill>
+                  <a:srgbClr val="000000"/>
+                </a:solidFill>
+              </a:rPr>
+              <a:t>Stromatias</a:t>
+            </a:r>
+            <a:r>
+              <a:rPr lang="en-GB" altLang="zh-CN" sz="2000" dirty="0" smtClean="0">
+                <a:solidFill>
+                  <a:srgbClr val="000000"/>
+                </a:solidFill>
+              </a:rPr>
+              <a:t>)</a:t>
+            </a:r>
+            <a:endParaRPr lang="en-GB" altLang="zh-CN" sz="2400" dirty="0" smtClean="0">
+              <a:solidFill>
+                <a:srgbClr val="000000"/>
+              </a:solidFill>
+            </a:endParaRPr>
+          </a:p>
+          <a:p>
+            <a:pPr lvl="1"/>
             <a:r>
               <a:rPr lang="en-GB" altLang="zh-CN" sz="2400" dirty="0" smtClean="0">
                 <a:solidFill>
                   <a:srgbClr val="000000"/>
                 </a:solidFill>
               </a:rPr>
-              <a:t>Machine (RBM)</a:t>
-            </a:r>
-            <a:endParaRPr lang="en-GB" altLang="zh-CN" sz="2400" dirty="0"/>
-          </a:p>
-          <a:p>
-            <a:pPr lvl="1">
-              <a:buFont typeface="Arial"/>
-              <a:buChar char="•"/>
+              <a:t>- Spiking </a:t>
+            </a:r>
+            <a:r>
+              <a:rPr lang="en-GB" altLang="zh-CN" sz="2400" dirty="0" err="1" smtClean="0">
+                <a:solidFill>
+                  <a:srgbClr val="000000"/>
+                </a:solidFill>
+              </a:rPr>
+              <a:t>ConvNet</a:t>
+            </a:r>
+            <a:r>
+              <a:rPr lang="en-GB" altLang="zh-CN" sz="2400" dirty="0" smtClean="0">
+                <a:solidFill>
+                  <a:srgbClr val="000000"/>
+                </a:solidFill>
+              </a:rPr>
+              <a:t> </a:t>
+            </a:r>
+            <a:r>
+              <a:rPr lang="en-GB" altLang="zh-CN" sz="2000" dirty="0" smtClean="0">
+                <a:solidFill>
+                  <a:srgbClr val="000000"/>
+                </a:solidFill>
+              </a:rPr>
+              <a:t>(1</a:t>
+            </a:r>
+            <a:r>
+              <a:rPr lang="en-GB" altLang="zh-CN" sz="2000" baseline="30000" dirty="0" smtClean="0">
+                <a:solidFill>
+                  <a:srgbClr val="000000"/>
+                </a:solidFill>
+              </a:rPr>
+              <a:t>st</a:t>
+            </a:r>
+            <a:r>
+              <a:rPr lang="en-GB" altLang="zh-CN" sz="2000" dirty="0" smtClean="0">
+                <a:solidFill>
+                  <a:srgbClr val="000000"/>
+                </a:solidFill>
+              </a:rPr>
+              <a:t> year, and future work)</a:t>
+            </a:r>
+          </a:p>
+          <a:p>
+            <a:pPr lvl="1"/>
+            <a:endParaRPr lang="en-GB" altLang="zh-CN" sz="2400" dirty="0">
+              <a:solidFill>
+                <a:srgbClr val="000000"/>
+              </a:solidFill>
+            </a:endParaRPr>
+          </a:p>
+          <a:p>
+            <a:pPr lvl="1"/>
+            <a:endParaRPr lang="en-US" sz="2000" dirty="0" smtClean="0">
+              <a:solidFill>
+                <a:schemeClr val="tx1">
+                  <a:lumMod val="50000"/>
+                  <a:lumOff val="50000"/>
+                </a:schemeClr>
+              </a:solidFill>
+              <a:latin typeface="Arial"/>
+            </a:endParaRPr>
+          </a:p>
+          <a:p>
+            <a:pPr>
+              <a:lnSpc>
+                <a:spcPct val="100000"/>
+              </a:lnSpc>
             </a:pPr>
-            <a:r>
-              <a:rPr lang="en-GB" sz="2400" dirty="0" smtClean="0">
-                <a:solidFill>
-                  <a:srgbClr val="000000"/>
-                </a:solidFill>
-                <a:latin typeface="Arial"/>
-              </a:rPr>
-              <a:t> Deep Belief Net</a:t>
-            </a:r>
-          </a:p>
-          <a:p>
-            <a:pPr lvl="1">
-              <a:buFont typeface="Arial"/>
-              <a:buChar char="•"/>
-            </a:pPr>
-            <a:r>
-              <a:rPr lang="en-GB" sz="2400" dirty="0" smtClean="0">
-                <a:solidFill>
-                  <a:srgbClr val="000000"/>
-                </a:solidFill>
-                <a:latin typeface="Arial"/>
-              </a:rPr>
-              <a:t> Future work: spiking RBM &amp; DBN</a:t>
-            </a:r>
-            <a:endParaRPr sz="1600" dirty="0" smtClean="0"/>
+            <a:endParaRPr dirty="0">
+              <a:solidFill>
+                <a:schemeClr val="tx1">
+                  <a:lumMod val="50000"/>
+                  <a:lumOff val="50000"/>
+                </a:schemeClr>
+              </a:solidFill>
+            </a:endParaRPr>
           </a:p>
           <a:p>
             <a:pPr>
@@ -6678,25 +7388,125 @@
           </a:p>
         </p:txBody>
       </p:sp>
-      <p:sp>
-        <p:nvSpPr>
-          <p:cNvPr id="2" name="矩形 1"/>
+    </p:spTree>
+    <p:extLst>
+      <p:ext uri="{BB962C8B-B14F-4D97-AF65-F5344CB8AC3E}">
+        <p14:creationId xmlns:p14="http://schemas.microsoft.com/office/powerpoint/2010/main" val="3557542079"/>
+      </p:ext>
+    </p:extLst>
+  </p:cSld>
+  <p:clrMapOvr>
+    <a:masterClrMapping/>
+  </p:clrMapOvr>
+  <p:timing>
+    <p:tnLst>
+      <p:par>
+        <p:cTn id="1" dur="indefinite" restart="never" nodeType="tmRoot">
+          <p:childTnLst>
+            <p:seq>
+              <p:cTn id="2" nodeType="mainSeq"/>
+              <p:prevCondLst>
+                <p:cond evt="onPrev" delay="0">
+                  <p:tgtEl>
+                    <p:sldTgt/>
+                  </p:tgtEl>
+                </p:cond>
+              </p:prevCondLst>
+              <p:nextCondLst>
+                <p:cond evt="onNext" delay="0">
+                  <p:tgtEl>
+                    <p:sldTgt/>
+                  </p:tgtEl>
+                </p:cond>
+              </p:nextCondLst>
+            </p:seq>
+          </p:childTnLst>
+        </p:cTn>
+      </p:par>
+    </p:tnLst>
+  </p:timing>
+</p:sld>
+</file>
+
+<file path=ppt/slides/slide12.xml><?xml version="1.0" encoding="utf-8"?>
+<p:sld xmlns:a="http://schemas.openxmlformats.org/drawingml/2006/main" xmlns:r="http://schemas.openxmlformats.org/officeDocument/2006/relationships" xmlns:p="http://schemas.openxmlformats.org/presentationml/2006/main">
+  <p:cSld>
+    <p:spTree>
+      <p:nvGrpSpPr>
+        <p:cNvPr id="1" name=""/>
+        <p:cNvGrpSpPr/>
+        <p:nvPr/>
+      </p:nvGrpSpPr>
+      <p:grpSpPr>
+        <a:xfrm>
+          <a:off x="0" y="0"/>
+          <a:ext cx="0" cy="0"/>
+          <a:chOff x="0" y="0"/>
+          <a:chExt cx="0" cy="0"/>
+        </a:xfrm>
+      </p:grpSpPr>
+      <p:pic>
+        <p:nvPicPr>
+          <p:cNvPr id="3074" name="Picture 2" descr="E:\github\benchmarking\ne_submit\jpeg-tobefix\training.jpg"/>
+          <p:cNvPicPr>
+            <a:picLocks noChangeAspect="1" noChangeArrowheads="1"/>
+          </p:cNvPicPr>
+          <p:nvPr/>
+        </p:nvPicPr>
+        <p:blipFill>
+          <a:blip r:embed="rId3" cstate="print">
+            <a:extLst>
+              <a:ext uri="{28A0092B-C50C-407E-A947-70E740481C1C}">
+                <a14:useLocalDpi xmlns:a14="http://schemas.microsoft.com/office/drawing/2010/main" val="0"/>
+              </a:ext>
+            </a:extLst>
+          </a:blip>
+          <a:srcRect/>
+          <a:stretch>
+            <a:fillRect/>
+          </a:stretch>
+        </p:blipFill>
+        <p:spPr bwMode="auto">
+          <a:xfrm>
+            <a:off x="2267744" y="2636912"/>
+            <a:ext cx="5540907" cy="1672288"/>
+          </a:xfrm>
+          <a:prstGeom prst="rect">
+            <a:avLst/>
+          </a:prstGeom>
+          <a:noFill/>
+          <a:extLst>
+            <a:ext uri="{909E8E84-426E-40DD-AFC4-6F175D3DCCD1}">
+              <a14:hiddenFill xmlns:a14="http://schemas.microsoft.com/office/drawing/2010/main">
+                <a:solidFill>
+                  <a:srgbClr val="FFFFFF"/>
+                </a:solidFill>
+              </a14:hiddenFill>
+            </a:ext>
+          </a:extLst>
+        </p:spPr>
+      </p:pic>
+      <p:sp>
+        <p:nvSpPr>
+          <p:cNvPr id="126" name="CustomShape 1"/>
           <p:cNvSpPr/>
           <p:nvPr/>
         </p:nvSpPr>
         <p:spPr>
           <a:xfrm>
-            <a:off x="611560" y="5663735"/>
-            <a:ext cx="7848872" cy="369332"/>
-          </a:xfrm>
-          <a:prstGeom prst="rect">
-            <a:avLst/>
-          </a:prstGeom>
-        </p:spPr>
-        <p:txBody>
-          <a:bodyPr wrap="square">
-            <a:spAutoFit/>
-          </a:bodyPr>
+            <a:off x="405720" y="1268640"/>
+            <a:ext cx="5842440" cy="1142280"/>
+          </a:xfrm>
+          <a:prstGeom prst="rect">
+            <a:avLst/>
+          </a:prstGeom>
+          <a:noFill/>
+          <a:ln>
+            <a:noFill/>
+          </a:ln>
+        </p:spPr>
+        <p:txBody>
+          <a:bodyPr lIns="90000" tIns="45000" rIns="90000" bIns="45000" anchor="ctr"/>
           <a:lstStyle/>
           <a:p>
             <a:pPr>
@@ -6705,10 +7515,1257 @@
               </a:lnSpc>
             </a:pPr>
             <a:r>
+              <a:rPr lang="en-GB" altLang="zh-CN" sz="3200" b="1" dirty="0" smtClean="0">
+                <a:solidFill>
+                  <a:srgbClr val="595959"/>
+                </a:solidFill>
+              </a:rPr>
+              <a:t>Case Study I: 2-layer STDP</a:t>
+            </a:r>
+            <a:endParaRPr lang="en-GB" altLang="zh-CN" sz="3200" b="1" dirty="0">
+              <a:solidFill>
+                <a:srgbClr val="595959"/>
+              </a:solidFill>
+            </a:endParaRPr>
+          </a:p>
+        </p:txBody>
+      </p:sp>
+      <p:sp>
+        <p:nvSpPr>
+          <p:cNvPr id="127" name="CustomShape 2"/>
+          <p:cNvSpPr/>
+          <p:nvPr/>
+        </p:nvSpPr>
+        <p:spPr>
+          <a:xfrm>
+            <a:off x="395640" y="2493000"/>
+            <a:ext cx="8228880" cy="3632400"/>
+          </a:xfrm>
+          <a:prstGeom prst="rect">
+            <a:avLst/>
+          </a:prstGeom>
+          <a:noFill/>
+          <a:ln>
+            <a:noFill/>
+          </a:ln>
+        </p:spPr>
+        <p:txBody>
+          <a:bodyPr lIns="90000" tIns="45000" rIns="90000" bIns="45000"/>
+          <a:lstStyle/>
+          <a:p>
+            <a:pPr>
+              <a:lnSpc>
+                <a:spcPct val="100000"/>
+              </a:lnSpc>
+              <a:buFont typeface="Arial"/>
+              <a:buChar char="•"/>
+            </a:pPr>
+            <a:r>
+              <a:rPr lang="en-GB" sz="2800" dirty="0" smtClean="0">
+                <a:solidFill>
+                  <a:srgbClr val="000000"/>
+                </a:solidFill>
+                <a:latin typeface="Arial"/>
+              </a:rPr>
+              <a:t> </a:t>
+            </a:r>
+            <a:r>
+              <a:rPr lang="en-US" sz="2800" dirty="0" smtClean="0">
+                <a:solidFill>
+                  <a:srgbClr val="000000"/>
+                </a:solidFill>
+                <a:latin typeface="Arial"/>
+              </a:rPr>
+              <a:t>Training</a:t>
+            </a:r>
+          </a:p>
+          <a:p>
+            <a:pPr>
+              <a:lnSpc>
+                <a:spcPct val="100000"/>
+              </a:lnSpc>
+              <a:buFont typeface="Arial"/>
+              <a:buChar char="•"/>
+            </a:pPr>
+            <a:endParaRPr lang="en-US" sz="2800" dirty="0">
+              <a:solidFill>
+                <a:srgbClr val="000000"/>
+              </a:solidFill>
+              <a:latin typeface="Arial"/>
+            </a:endParaRPr>
+          </a:p>
+          <a:p>
+            <a:pPr>
+              <a:lnSpc>
+                <a:spcPct val="100000"/>
+              </a:lnSpc>
+              <a:buFont typeface="Arial"/>
+              <a:buChar char="•"/>
+            </a:pPr>
+            <a:endParaRPr lang="en-US" sz="2800" dirty="0" smtClean="0">
+              <a:solidFill>
+                <a:srgbClr val="000000"/>
+              </a:solidFill>
+              <a:latin typeface="Arial"/>
+            </a:endParaRPr>
+          </a:p>
+          <a:p>
+            <a:pPr>
+              <a:lnSpc>
+                <a:spcPct val="100000"/>
+              </a:lnSpc>
+              <a:buFont typeface="Arial"/>
+              <a:buChar char="•"/>
+            </a:pPr>
+            <a:endParaRPr lang="en-US" sz="2800" dirty="0">
+              <a:solidFill>
+                <a:srgbClr val="000000"/>
+              </a:solidFill>
+              <a:latin typeface="Arial"/>
+            </a:endParaRPr>
+          </a:p>
+          <a:p>
+            <a:pPr>
+              <a:lnSpc>
+                <a:spcPct val="100000"/>
+              </a:lnSpc>
+              <a:buFont typeface="Arial"/>
+              <a:buChar char="•"/>
+            </a:pPr>
+            <a:r>
+              <a:rPr lang="en-US" sz="2800" dirty="0">
+                <a:solidFill>
+                  <a:srgbClr val="000000"/>
+                </a:solidFill>
+                <a:latin typeface="Arial"/>
+              </a:rPr>
+              <a:t> </a:t>
+            </a:r>
+            <a:r>
+              <a:rPr lang="en-US" sz="2800" dirty="0" smtClean="0">
+                <a:solidFill>
+                  <a:srgbClr val="000000"/>
+                </a:solidFill>
+                <a:latin typeface="Arial"/>
+              </a:rPr>
+              <a:t>Testing</a:t>
+            </a:r>
+          </a:p>
+          <a:p>
+            <a:pPr>
+              <a:lnSpc>
+                <a:spcPct val="100000"/>
+              </a:lnSpc>
+            </a:pPr>
+            <a:endParaRPr dirty="0"/>
+          </a:p>
+          <a:p>
+            <a:pPr>
+              <a:lnSpc>
+                <a:spcPct val="100000"/>
+              </a:lnSpc>
+            </a:pPr>
+            <a:endParaRPr dirty="0"/>
+          </a:p>
+        </p:txBody>
+      </p:sp>
+      <p:pic>
+        <p:nvPicPr>
+          <p:cNvPr id="3075" name="Picture 3" descr="E:\github\benchmarking\ne_submit\jpeg-tobefix\testing.jpg"/>
+          <p:cNvPicPr>
+            <a:picLocks noChangeAspect="1" noChangeArrowheads="1"/>
+          </p:cNvPicPr>
+          <p:nvPr/>
+        </p:nvPicPr>
+        <p:blipFill>
+          <a:blip r:embed="rId4" cstate="print">
+            <a:extLst>
+              <a:ext uri="{28A0092B-C50C-407E-A947-70E740481C1C}">
+                <a14:useLocalDpi xmlns:a14="http://schemas.microsoft.com/office/drawing/2010/main" val="0"/>
+              </a:ext>
+            </a:extLst>
+          </a:blip>
+          <a:srcRect/>
+          <a:stretch>
+            <a:fillRect/>
+          </a:stretch>
+        </p:blipFill>
+        <p:spPr bwMode="auto">
+          <a:xfrm>
+            <a:off x="2345308" y="4797152"/>
+            <a:ext cx="5552514" cy="1728192"/>
+          </a:xfrm>
+          <a:prstGeom prst="rect">
+            <a:avLst/>
+          </a:prstGeom>
+          <a:noFill/>
+          <a:extLst>
+            <a:ext uri="{909E8E84-426E-40DD-AFC4-6F175D3DCCD1}">
+              <a14:hiddenFill xmlns:a14="http://schemas.microsoft.com/office/drawing/2010/main">
+                <a:solidFill>
+                  <a:srgbClr val="FFFFFF"/>
+                </a:solidFill>
+              </a14:hiddenFill>
+            </a:ext>
+          </a:extLst>
+        </p:spPr>
+      </p:pic>
+    </p:spTree>
+    <p:extLst>
+      <p:ext uri="{BB962C8B-B14F-4D97-AF65-F5344CB8AC3E}">
+        <p14:creationId xmlns:p14="http://schemas.microsoft.com/office/powerpoint/2010/main" val="2326991781"/>
+      </p:ext>
+    </p:extLst>
+  </p:cSld>
+  <p:clrMapOvr>
+    <a:masterClrMapping/>
+  </p:clrMapOvr>
+  <p:timing>
+    <p:tnLst>
+      <p:par>
+        <p:cTn id="1" dur="indefinite" restart="never" nodeType="tmRoot">
+          <p:childTnLst>
+            <p:seq>
+              <p:cTn id="2" nodeType="mainSeq"/>
+              <p:prevCondLst>
+                <p:cond evt="onPrev" delay="0">
+                  <p:tgtEl>
+                    <p:sldTgt/>
+                  </p:tgtEl>
+                </p:cond>
+              </p:prevCondLst>
+              <p:nextCondLst>
+                <p:cond evt="onNext" delay="0">
+                  <p:tgtEl>
+                    <p:sldTgt/>
+                  </p:tgtEl>
+                </p:cond>
+              </p:nextCondLst>
+            </p:seq>
+          </p:childTnLst>
+        </p:cTn>
+      </p:par>
+    </p:tnLst>
+  </p:timing>
+</p:sld>
+</file>
+
+<file path=ppt/slides/slide13.xml><?xml version="1.0" encoding="utf-8"?>
+<p:sld xmlns:a="http://schemas.openxmlformats.org/drawingml/2006/main" xmlns:r="http://schemas.openxmlformats.org/officeDocument/2006/relationships" xmlns:p="http://schemas.openxmlformats.org/presentationml/2006/main">
+  <p:cSld>
+    <p:spTree>
+      <p:nvGrpSpPr>
+        <p:cNvPr id="1" name=""/>
+        <p:cNvGrpSpPr/>
+        <p:nvPr/>
+      </p:nvGrpSpPr>
+      <p:grpSpPr>
+        <a:xfrm>
+          <a:off x="0" y="0"/>
+          <a:ext cx="0" cy="0"/>
+          <a:chOff x="0" y="0"/>
+          <a:chExt cx="0" cy="0"/>
+        </a:xfrm>
+      </p:grpSpPr>
+      <p:pic>
+        <p:nvPicPr>
+          <p:cNvPr id="3076" name="Picture 4"/>
+          <p:cNvPicPr>
+            <a:picLocks noChangeAspect="1" noChangeArrowheads="1"/>
+          </p:cNvPicPr>
+          <p:nvPr/>
+        </p:nvPicPr>
+        <p:blipFill>
+          <a:blip r:embed="rId3">
+            <a:extLst>
+              <a:ext uri="{28A0092B-C50C-407E-A947-70E740481C1C}">
+                <a14:useLocalDpi xmlns:a14="http://schemas.microsoft.com/office/drawing/2010/main" val="0"/>
+              </a:ext>
+            </a:extLst>
+          </a:blip>
+          <a:srcRect/>
+          <a:stretch>
+            <a:fillRect/>
+          </a:stretch>
+        </p:blipFill>
+        <p:spPr bwMode="auto">
+          <a:xfrm>
+            <a:off x="1636450" y="4602633"/>
+            <a:ext cx="7184022" cy="2066727"/>
+          </a:xfrm>
+          <a:prstGeom prst="rect">
+            <a:avLst/>
+          </a:prstGeom>
+          <a:noFill/>
+          <a:ln>
+            <a:noFill/>
+          </a:ln>
+          <a:effectLst/>
+          <a:extLst>
+            <a:ext uri="{909E8E84-426E-40DD-AFC4-6F175D3DCCD1}">
+              <a14:hiddenFill xmlns:a14="http://schemas.microsoft.com/office/drawing/2010/main">
+                <a:solidFill>
+                  <a:schemeClr val="accent1"/>
+                </a:solidFill>
+              </a14:hiddenFill>
+            </a:ext>
+            <a:ext uri="{91240B29-F687-4F45-9708-019B960494DF}">
+              <a14:hiddenLine xmlns:a14="http://schemas.microsoft.com/office/drawing/2010/main" w="9525">
+                <a:solidFill>
+                  <a:schemeClr val="tx1"/>
+                </a:solidFill>
+                <a:miter lim="800000"/>
+                <a:headEnd/>
+                <a:tailEnd/>
+              </a14:hiddenLine>
+            </a:ext>
+            <a:ext uri="{AF507438-7753-43E0-B8FC-AC1667EBCBE1}">
+              <a14:hiddenEffects xmlns:a14="http://schemas.microsoft.com/office/drawing/2010/main">
+                <a:effectLst>
+                  <a:outerShdw dist="35921" dir="2700000" algn="ctr" rotWithShape="0">
+                    <a:schemeClr val="bg2"/>
+                  </a:outerShdw>
+                </a:effectLst>
+              </a14:hiddenEffects>
+            </a:ext>
+          </a:extLst>
+        </p:spPr>
+      </p:pic>
+      <p:sp>
+        <p:nvSpPr>
+          <p:cNvPr id="4" name="CustomShape 1"/>
+          <p:cNvSpPr/>
+          <p:nvPr/>
+        </p:nvSpPr>
+        <p:spPr>
+          <a:xfrm>
+            <a:off x="405720" y="1268640"/>
+            <a:ext cx="5842440" cy="1142280"/>
+          </a:xfrm>
+          <a:prstGeom prst="rect">
+            <a:avLst/>
+          </a:prstGeom>
+          <a:noFill/>
+          <a:ln>
+            <a:noFill/>
+          </a:ln>
+        </p:spPr>
+        <p:txBody>
+          <a:bodyPr lIns="90000" tIns="45000" rIns="90000" bIns="45000" anchor="ctr"/>
+          <a:lstStyle/>
+          <a:p>
+            <a:pPr>
+              <a:lnSpc>
+                <a:spcPct val="100000"/>
+              </a:lnSpc>
+            </a:pPr>
+            <a:r>
+              <a:rPr lang="en-GB" altLang="zh-CN" sz="3200" b="1" dirty="0" smtClean="0">
+                <a:solidFill>
+                  <a:srgbClr val="595959"/>
+                </a:solidFill>
+              </a:rPr>
+              <a:t>Case Study I: 2-layer STDP</a:t>
+            </a:r>
+            <a:endParaRPr lang="en-GB" altLang="zh-CN" sz="3200" b="1" dirty="0">
+              <a:solidFill>
+                <a:srgbClr val="595959"/>
+              </a:solidFill>
+            </a:endParaRPr>
+          </a:p>
+        </p:txBody>
+      </p:sp>
+      <p:sp>
+        <p:nvSpPr>
+          <p:cNvPr id="5" name="CustomShape 2"/>
+          <p:cNvSpPr/>
+          <p:nvPr/>
+        </p:nvSpPr>
+        <p:spPr>
+          <a:xfrm>
+            <a:off x="405720" y="2200962"/>
+            <a:ext cx="8228880" cy="1816200"/>
+          </a:xfrm>
+          <a:prstGeom prst="rect">
+            <a:avLst/>
+          </a:prstGeom>
+          <a:noFill/>
+          <a:ln>
+            <a:noFill/>
+          </a:ln>
+        </p:spPr>
+        <p:txBody>
+          <a:bodyPr lIns="90000" tIns="45000" rIns="90000" bIns="45000"/>
+          <a:lstStyle/>
+          <a:p>
+            <a:pPr>
+              <a:lnSpc>
+                <a:spcPct val="100000"/>
+              </a:lnSpc>
+              <a:buFont typeface="Arial"/>
+              <a:buChar char="•"/>
+            </a:pPr>
+            <a:r>
+              <a:rPr lang="en-GB" altLang="zh-CN" dirty="0" smtClean="0">
+                <a:solidFill>
+                  <a:srgbClr val="000000"/>
+                </a:solidFill>
+              </a:rPr>
+              <a:t> Metrics </a:t>
+            </a:r>
+            <a:r>
+              <a:rPr lang="en-GB" altLang="zh-CN" dirty="0">
+                <a:solidFill>
+                  <a:srgbClr val="000000"/>
+                </a:solidFill>
+              </a:rPr>
+              <a:t>on </a:t>
+            </a:r>
+            <a:r>
+              <a:rPr lang="en-GB" altLang="zh-CN" dirty="0"/>
+              <a:t>SNN models</a:t>
+            </a:r>
+          </a:p>
+          <a:p>
+            <a:pPr lvl="1"/>
+            <a:r>
+              <a:rPr lang="en-GB" altLang="zh-CN" sz="1600" dirty="0">
+                <a:solidFill>
+                  <a:srgbClr val="000000"/>
+                </a:solidFill>
+              </a:rPr>
+              <a:t>- biological training </a:t>
+            </a:r>
+            <a:r>
+              <a:rPr lang="en-GB" altLang="zh-CN" sz="1600" dirty="0" smtClean="0">
+                <a:solidFill>
+                  <a:srgbClr val="000000"/>
+                </a:solidFill>
+              </a:rPr>
+              <a:t>time: </a:t>
+            </a:r>
+            <a:r>
+              <a:rPr lang="en-GB" altLang="zh-CN" sz="1600" b="1" dirty="0" smtClean="0">
+                <a:solidFill>
+                  <a:srgbClr val="000000"/>
+                </a:solidFill>
+              </a:rPr>
+              <a:t>18,000s, 0.3s / image</a:t>
+            </a:r>
+            <a:endParaRPr lang="en-GB" altLang="zh-CN" sz="1600" b="1" dirty="0">
+              <a:solidFill>
+                <a:srgbClr val="000000"/>
+              </a:solidFill>
+            </a:endParaRPr>
+          </a:p>
+          <a:p>
+            <a:pPr lvl="1"/>
+            <a:r>
+              <a:rPr lang="en-GB" altLang="zh-CN" sz="1600" dirty="0">
+                <a:solidFill>
+                  <a:srgbClr val="000000"/>
+                </a:solidFill>
+              </a:rPr>
+              <a:t>- biological testing </a:t>
+            </a:r>
+            <a:r>
+              <a:rPr lang="en-GB" altLang="zh-CN" sz="1600" dirty="0" smtClean="0">
+                <a:solidFill>
+                  <a:srgbClr val="000000"/>
+                </a:solidFill>
+              </a:rPr>
+              <a:t>time: </a:t>
+            </a:r>
+            <a:r>
+              <a:rPr lang="en-GB" altLang="zh-CN" sz="1600" b="1" dirty="0" smtClean="0">
+                <a:solidFill>
+                  <a:srgbClr val="000000"/>
+                </a:solidFill>
+              </a:rPr>
+              <a:t>1s / image</a:t>
+            </a:r>
+            <a:endParaRPr lang="en-GB" altLang="zh-CN" sz="1600" b="1" dirty="0">
+              <a:solidFill>
+                <a:srgbClr val="000000"/>
+              </a:solidFill>
+            </a:endParaRPr>
+          </a:p>
+          <a:p>
+            <a:pPr lvl="1"/>
+            <a:r>
+              <a:rPr lang="en-GB" altLang="zh-CN" sz="1600" dirty="0">
+                <a:solidFill>
+                  <a:srgbClr val="000000"/>
+                </a:solidFill>
+              </a:rPr>
+              <a:t>- response </a:t>
+            </a:r>
+            <a:r>
+              <a:rPr lang="en-GB" altLang="zh-CN" sz="1600" dirty="0" smtClean="0">
+                <a:solidFill>
+                  <a:srgbClr val="000000"/>
+                </a:solidFill>
+              </a:rPr>
+              <a:t>latency: </a:t>
+            </a:r>
+            <a:r>
+              <a:rPr lang="en-GB" altLang="zh-CN" sz="1600" b="1" dirty="0" smtClean="0">
+                <a:solidFill>
+                  <a:srgbClr val="000000"/>
+                </a:solidFill>
+              </a:rPr>
+              <a:t>10.7ms</a:t>
+            </a:r>
+            <a:endParaRPr lang="en-GB" altLang="zh-CN" sz="1600" b="1" dirty="0">
+              <a:solidFill>
+                <a:srgbClr val="000000"/>
+              </a:solidFill>
+            </a:endParaRPr>
+          </a:p>
+          <a:p>
+            <a:pPr>
+              <a:lnSpc>
+                <a:spcPct val="100000"/>
+              </a:lnSpc>
+              <a:buFont typeface="Arial"/>
+              <a:buChar char="•"/>
+            </a:pPr>
+            <a:r>
+              <a:rPr lang="en-US" altLang="zh-CN" dirty="0"/>
+              <a:t> Metrics o</a:t>
+            </a:r>
+            <a:r>
               <a:rPr lang="en-US" altLang="zh-CN" dirty="0" smtClean="0"/>
+              <a:t>n </a:t>
+            </a:r>
+            <a:r>
+              <a:rPr lang="en-US" altLang="zh-CN" dirty="0"/>
+              <a:t>H/W platforms</a:t>
+            </a:r>
+          </a:p>
+          <a:p>
+            <a:pPr lvl="1"/>
+            <a:r>
+              <a:rPr lang="en-US" altLang="zh-CN" sz="1600" dirty="0" smtClean="0">
+                <a:solidFill>
+                  <a:srgbClr val="000000"/>
+                </a:solidFill>
+              </a:rPr>
+              <a:t>- feasibility </a:t>
+            </a:r>
+            <a:r>
+              <a:rPr lang="en-US" altLang="zh-CN" sz="1600" dirty="0">
+                <a:solidFill>
+                  <a:srgbClr val="000000"/>
+                </a:solidFill>
+              </a:rPr>
+              <a:t>due to H/W </a:t>
+            </a:r>
+            <a:r>
+              <a:rPr lang="en-US" altLang="zh-CN" sz="1600" dirty="0" smtClean="0">
+                <a:solidFill>
+                  <a:srgbClr val="000000"/>
+                </a:solidFill>
+              </a:rPr>
+              <a:t>limits</a:t>
+            </a:r>
+            <a:endParaRPr lang="en-US" altLang="zh-CN" sz="1600" b="1" dirty="0" smtClean="0">
+              <a:solidFill>
+                <a:srgbClr val="000000"/>
+              </a:solidFill>
+            </a:endParaRPr>
+          </a:p>
+          <a:p>
+            <a:pPr lvl="1"/>
+            <a:r>
+              <a:rPr lang="en-US" altLang="zh-CN" sz="1600" dirty="0" smtClean="0">
+                <a:solidFill>
+                  <a:srgbClr val="000000"/>
+                </a:solidFill>
+              </a:rPr>
+              <a:t>- simulation time</a:t>
+            </a:r>
+          </a:p>
+          <a:p>
+            <a:pPr lvl="1"/>
+            <a:r>
+              <a:rPr lang="en-US" altLang="zh-CN" sz="1600" dirty="0" smtClean="0">
+                <a:solidFill>
+                  <a:srgbClr val="000000"/>
+                </a:solidFill>
+              </a:rPr>
+              <a:t>- </a:t>
+            </a:r>
+            <a:r>
+              <a:rPr lang="en-US" altLang="zh-CN" sz="1600" dirty="0">
+                <a:solidFill>
+                  <a:srgbClr val="000000"/>
+                </a:solidFill>
+              </a:rPr>
+              <a:t>energy </a:t>
+            </a:r>
+            <a:r>
+              <a:rPr lang="en-US" altLang="zh-CN" sz="1600" dirty="0" smtClean="0">
+                <a:solidFill>
+                  <a:srgbClr val="000000"/>
+                </a:solidFill>
+              </a:rPr>
+              <a:t>use</a:t>
+            </a:r>
+            <a:endParaRPr lang="en-US" altLang="zh-CN" sz="1600" dirty="0">
+              <a:solidFill>
+                <a:srgbClr val="000000"/>
+              </a:solidFill>
+            </a:endParaRPr>
+          </a:p>
+        </p:txBody>
+      </p:sp>
+      <p:pic>
+        <p:nvPicPr>
+          <p:cNvPr id="3075" name="Picture 3" descr="E:\github\benchmarking\ne_submit\jpeg\fig8.jpg"/>
+          <p:cNvPicPr>
+            <a:picLocks noChangeAspect="1" noChangeArrowheads="1"/>
+          </p:cNvPicPr>
+          <p:nvPr/>
+        </p:nvPicPr>
+        <p:blipFill>
+          <a:blip r:embed="rId4" cstate="print">
+            <a:extLst>
+              <a:ext uri="{28A0092B-C50C-407E-A947-70E740481C1C}">
+                <a14:useLocalDpi xmlns:a14="http://schemas.microsoft.com/office/drawing/2010/main" val="0"/>
+              </a:ext>
+            </a:extLst>
+          </a:blip>
+          <a:srcRect/>
+          <a:stretch>
+            <a:fillRect/>
+          </a:stretch>
+        </p:blipFill>
+        <p:spPr bwMode="auto">
+          <a:xfrm>
+            <a:off x="5436096" y="2132856"/>
+            <a:ext cx="3312368" cy="2484276"/>
+          </a:xfrm>
+          <a:prstGeom prst="rect">
+            <a:avLst/>
+          </a:prstGeom>
+          <a:noFill/>
+          <a:extLst>
+            <a:ext uri="{909E8E84-426E-40DD-AFC4-6F175D3DCCD1}">
+              <a14:hiddenFill xmlns:a14="http://schemas.microsoft.com/office/drawing/2010/main">
+                <a:solidFill>
+                  <a:srgbClr val="FFFFFF"/>
+                </a:solidFill>
+              </a14:hiddenFill>
+            </a:ext>
+          </a:extLst>
+        </p:spPr>
+      </p:pic>
+      <p:sp>
+        <p:nvSpPr>
+          <p:cNvPr id="10" name="矩形 9"/>
+          <p:cNvSpPr/>
+          <p:nvPr/>
+        </p:nvSpPr>
+        <p:spPr>
+          <a:xfrm>
+            <a:off x="2627784" y="5733256"/>
+            <a:ext cx="5598368" cy="216024"/>
+          </a:xfrm>
+          <a:prstGeom prst="rect">
+            <a:avLst/>
+          </a:prstGeom>
+          <a:noFill/>
+          <a:ln>
+            <a:solidFill>
+              <a:srgbClr val="FF0000"/>
+            </a:solidFill>
+          </a:ln>
+        </p:spPr>
+        <p:style>
+          <a:lnRef idx="2">
+            <a:schemeClr val="accent1">
+              <a:shade val="50000"/>
+            </a:schemeClr>
+          </a:lnRef>
+          <a:fillRef idx="1">
+            <a:schemeClr val="accent1"/>
+          </a:fillRef>
+          <a:effectRef idx="0">
+            <a:schemeClr val="accent1"/>
+          </a:effectRef>
+          <a:fontRef idx="minor">
+            <a:schemeClr val="lt1"/>
+          </a:fontRef>
+        </p:style>
+        <p:txBody>
+          <a:bodyPr rtlCol="0" anchor="ctr"/>
+          <a:lstStyle/>
+          <a:p>
+            <a:pPr algn="ctr"/>
+            <a:endParaRPr lang="zh-CN" altLang="en-US"/>
+          </a:p>
+        </p:txBody>
+      </p:sp>
+      <p:sp>
+        <p:nvSpPr>
+          <p:cNvPr id="11" name="矩形 10"/>
+          <p:cNvSpPr/>
+          <p:nvPr/>
+        </p:nvSpPr>
+        <p:spPr>
+          <a:xfrm>
+            <a:off x="4788024" y="6237312"/>
+            <a:ext cx="1008112" cy="216024"/>
+          </a:xfrm>
+          <a:prstGeom prst="rect">
+            <a:avLst/>
+          </a:prstGeom>
+          <a:noFill/>
+          <a:ln>
+            <a:solidFill>
+              <a:srgbClr val="FF0000"/>
+            </a:solidFill>
+          </a:ln>
+        </p:spPr>
+        <p:style>
+          <a:lnRef idx="2">
+            <a:schemeClr val="accent1">
+              <a:shade val="50000"/>
+            </a:schemeClr>
+          </a:lnRef>
+          <a:fillRef idx="1">
+            <a:schemeClr val="accent1"/>
+          </a:fillRef>
+          <a:effectRef idx="0">
+            <a:schemeClr val="accent1"/>
+          </a:effectRef>
+          <a:fontRef idx="minor">
+            <a:schemeClr val="lt1"/>
+          </a:fontRef>
+        </p:style>
+        <p:txBody>
+          <a:bodyPr rtlCol="0" anchor="ctr"/>
+          <a:lstStyle/>
+          <a:p>
+            <a:pPr algn="ctr"/>
+            <a:endParaRPr lang="zh-CN" altLang="en-US"/>
+          </a:p>
+        </p:txBody>
+      </p:sp>
+      <p:sp>
+        <p:nvSpPr>
+          <p:cNvPr id="7" name="矩形 6"/>
+          <p:cNvSpPr/>
+          <p:nvPr/>
+        </p:nvSpPr>
+        <p:spPr>
+          <a:xfrm>
+            <a:off x="394980" y="4716433"/>
+            <a:ext cx="1816348" cy="584775"/>
+          </a:xfrm>
+          <a:prstGeom prst="rect">
+            <a:avLst/>
+          </a:prstGeom>
+        </p:spPr>
+        <p:txBody>
+          <a:bodyPr wrap="square">
+            <a:spAutoFit/>
+          </a:bodyPr>
+          <a:lstStyle/>
+          <a:p>
+            <a:r>
+              <a:rPr lang="en-US" altLang="zh-CN" sz="1600" b="1" dirty="0" smtClean="0"/>
+              <a:t>N</a:t>
+            </a:r>
+            <a:r>
+              <a:rPr lang="en-US" altLang="zh-CN" sz="1600" dirty="0" smtClean="0"/>
+              <a:t>: Nest</a:t>
+            </a:r>
+          </a:p>
+          <a:p>
+            <a:r>
+              <a:rPr lang="en-US" altLang="zh-CN" sz="1600" b="1" dirty="0" smtClean="0"/>
+              <a:t>S</a:t>
+            </a:r>
+            <a:r>
+              <a:rPr lang="en-US" altLang="zh-CN" sz="1600" dirty="0" smtClean="0"/>
+              <a:t>: </a:t>
+            </a:r>
+            <a:r>
+              <a:rPr lang="en-US" altLang="zh-CN" sz="1600" dirty="0" err="1" smtClean="0"/>
+              <a:t>SpiNNaker</a:t>
+            </a:r>
+            <a:endParaRPr lang="zh-CN" altLang="en-US" sz="1600" dirty="0"/>
+          </a:p>
+        </p:txBody>
+      </p:sp>
+      <p:sp>
+        <p:nvSpPr>
+          <p:cNvPr id="8" name="矩形 7"/>
+          <p:cNvSpPr/>
+          <p:nvPr/>
+        </p:nvSpPr>
+        <p:spPr>
+          <a:xfrm>
+            <a:off x="486112" y="6505599"/>
+            <a:ext cx="8262352" cy="307777"/>
+          </a:xfrm>
+          <a:prstGeom prst="rect">
+            <a:avLst/>
+          </a:prstGeom>
+        </p:spPr>
+        <p:txBody>
+          <a:bodyPr wrap="square">
+            <a:spAutoFit/>
+          </a:bodyPr>
+          <a:lstStyle/>
+          <a:p>
+            <a:r>
+              <a:rPr lang="en-GB" altLang="zh-CN" sz="1400" dirty="0" smtClean="0">
+                <a:solidFill>
+                  <a:srgbClr val="000000"/>
+                </a:solidFill>
+              </a:rPr>
+              <a:t>This work has been submitted to Frontiers in </a:t>
+            </a:r>
+            <a:r>
+              <a:rPr lang="en-GB" altLang="zh-CN" sz="1400" dirty="0" err="1" smtClean="0">
+                <a:solidFill>
+                  <a:srgbClr val="000000"/>
+                </a:solidFill>
+              </a:rPr>
+              <a:t>Neuromphic</a:t>
+            </a:r>
+            <a:r>
+              <a:rPr lang="en-GB" altLang="zh-CN" sz="1400" dirty="0" smtClean="0">
+                <a:solidFill>
+                  <a:srgbClr val="000000"/>
+                </a:solidFill>
+              </a:rPr>
+              <a:t> Engineering and is under interactive review.</a:t>
+            </a:r>
+            <a:endParaRPr lang="zh-CN" altLang="en-US" sz="1400" dirty="0"/>
+          </a:p>
+        </p:txBody>
+      </p:sp>
+    </p:spTree>
+    <p:extLst>
+      <p:ext uri="{BB962C8B-B14F-4D97-AF65-F5344CB8AC3E}">
+        <p14:creationId xmlns:p14="http://schemas.microsoft.com/office/powerpoint/2010/main" val="4130511398"/>
+      </p:ext>
+    </p:extLst>
+  </p:cSld>
+  <p:clrMapOvr>
+    <a:masterClrMapping/>
+  </p:clrMapOvr>
+  <p:timing>
+    <p:tnLst>
+      <p:par>
+        <p:cTn id="1" dur="indefinite" restart="never" nodeType="tmRoot"/>
+      </p:par>
+    </p:tnLst>
+  </p:timing>
+</p:sld>
+</file>
+
+<file path=ppt/slides/slide14.xml><?xml version="1.0" encoding="utf-8"?>
+<p:sld xmlns:a="http://schemas.openxmlformats.org/drawingml/2006/main" xmlns:r="http://schemas.openxmlformats.org/officeDocument/2006/relationships" xmlns:p="http://schemas.openxmlformats.org/presentationml/2006/main">
+  <p:cSld>
+    <p:spTree>
+      <p:nvGrpSpPr>
+        <p:cNvPr id="1" name=""/>
+        <p:cNvGrpSpPr/>
+        <p:nvPr/>
+      </p:nvGrpSpPr>
+      <p:grpSpPr>
+        <a:xfrm>
+          <a:off x="0" y="0"/>
+          <a:ext cx="0" cy="0"/>
+          <a:chOff x="0" y="0"/>
+          <a:chExt cx="0" cy="0"/>
+        </a:xfrm>
+      </p:grpSpPr>
+      <p:sp>
+        <p:nvSpPr>
+          <p:cNvPr id="132" name="CustomShape 1"/>
+          <p:cNvSpPr/>
+          <p:nvPr/>
+        </p:nvSpPr>
+        <p:spPr>
+          <a:xfrm>
+            <a:off x="405720" y="1268640"/>
+            <a:ext cx="8218800" cy="1142280"/>
+          </a:xfrm>
+          <a:prstGeom prst="rect">
+            <a:avLst/>
+          </a:prstGeom>
+          <a:noFill/>
+          <a:ln>
+            <a:noFill/>
+          </a:ln>
+        </p:spPr>
+        <p:txBody>
+          <a:bodyPr lIns="90000" tIns="45000" rIns="90000" bIns="45000" anchor="ctr"/>
+          <a:lstStyle/>
+          <a:p>
+            <a:pPr>
+              <a:lnSpc>
+                <a:spcPct val="100000"/>
+              </a:lnSpc>
+            </a:pPr>
+            <a:r>
+              <a:rPr lang="en-US" altLang="zh-CN" sz="3200" b="1" dirty="0" smtClean="0">
+                <a:solidFill>
+                  <a:srgbClr val="595959"/>
+                </a:solidFill>
+              </a:rPr>
+              <a:t>Future Work:</a:t>
+            </a:r>
+          </a:p>
+          <a:p>
+            <a:pPr>
+              <a:lnSpc>
+                <a:spcPct val="100000"/>
+              </a:lnSpc>
+            </a:pPr>
+            <a:r>
+              <a:rPr lang="en-US" altLang="zh-CN" sz="2800" b="1" dirty="0" smtClean="0">
+                <a:solidFill>
+                  <a:srgbClr val="595959"/>
+                </a:solidFill>
+              </a:rPr>
+              <a:t>Towards </a:t>
+            </a:r>
+            <a:r>
+              <a:rPr lang="en-US" altLang="zh-CN" sz="2800" b="1" dirty="0">
+                <a:solidFill>
+                  <a:srgbClr val="595959"/>
+                </a:solidFill>
+              </a:rPr>
+              <a:t>the Robust Object </a:t>
+            </a:r>
+            <a:r>
+              <a:rPr lang="en-US" altLang="zh-CN" sz="2800" b="1" dirty="0" smtClean="0">
+                <a:solidFill>
+                  <a:srgbClr val="595959"/>
+                </a:solidFill>
+              </a:rPr>
+              <a:t>Recognition</a:t>
+            </a:r>
+            <a:endParaRPr lang="en-US" altLang="zh-CN" sz="2800" b="1" dirty="0"/>
+          </a:p>
+        </p:txBody>
+      </p:sp>
+      <p:sp>
+        <p:nvSpPr>
+          <p:cNvPr id="133" name="CustomShape 2"/>
+          <p:cNvSpPr/>
+          <p:nvPr/>
+        </p:nvSpPr>
+        <p:spPr>
+          <a:xfrm>
+            <a:off x="395640" y="2493000"/>
+            <a:ext cx="8640856" cy="3632400"/>
+          </a:xfrm>
+          <a:prstGeom prst="rect">
+            <a:avLst/>
+          </a:prstGeom>
+          <a:noFill/>
+          <a:ln>
+            <a:noFill/>
+          </a:ln>
+        </p:spPr>
+        <p:txBody>
+          <a:bodyPr lIns="90000" tIns="45000" rIns="90000" bIns="45000"/>
+          <a:lstStyle/>
+          <a:p>
+            <a:pPr>
+              <a:lnSpc>
+                <a:spcPct val="100000"/>
+              </a:lnSpc>
+              <a:buFont typeface="Arial"/>
+              <a:buChar char="•"/>
+            </a:pPr>
+            <a:r>
+              <a:rPr lang="en-GB" altLang="zh-CN" sz="2800" dirty="0">
+                <a:solidFill>
+                  <a:srgbClr val="000000"/>
+                </a:solidFill>
+              </a:rPr>
+              <a:t> state-of-the-art</a:t>
+            </a:r>
+          </a:p>
+          <a:p>
+            <a:pPr lvl="1">
+              <a:buFont typeface="Arial"/>
+              <a:buChar char="•"/>
+            </a:pPr>
+            <a:r>
+              <a:rPr lang="en-GB" altLang="zh-CN" sz="2400" dirty="0">
+                <a:solidFill>
+                  <a:srgbClr val="000000"/>
+                </a:solidFill>
+              </a:rPr>
+              <a:t> 2-Layer STDP </a:t>
+            </a:r>
+            <a:r>
+              <a:rPr lang="en-GB" altLang="zh-CN" sz="2400" dirty="0" smtClean="0">
+                <a:solidFill>
+                  <a:srgbClr val="000000"/>
+                </a:solidFill>
+              </a:rPr>
+              <a:t>learned – </a:t>
+            </a:r>
+            <a:r>
+              <a:rPr lang="en-GB" altLang="zh-CN" sz="2400" dirty="0" smtClean="0">
+                <a:solidFill>
+                  <a:srgbClr val="FF0000"/>
+                </a:solidFill>
+              </a:rPr>
+              <a:t>1 case study</a:t>
+            </a:r>
+            <a:endParaRPr lang="en-GB" altLang="zh-CN" sz="2400" dirty="0">
+              <a:solidFill>
+                <a:srgbClr val="FF0000"/>
+              </a:solidFill>
+            </a:endParaRPr>
+          </a:p>
+          <a:p>
+            <a:pPr lvl="1">
+              <a:buFont typeface="Arial"/>
+              <a:buChar char="•"/>
+            </a:pPr>
+            <a:r>
+              <a:rPr lang="en-GB" altLang="zh-CN" sz="2400" dirty="0" smtClean="0">
+                <a:solidFill>
+                  <a:srgbClr val="000000"/>
+                </a:solidFill>
+              </a:rPr>
+              <a:t> Spiking </a:t>
+            </a:r>
+            <a:r>
+              <a:rPr lang="en-GB" altLang="zh-CN" sz="2400" dirty="0">
+                <a:solidFill>
+                  <a:srgbClr val="000000"/>
+                </a:solidFill>
+              </a:rPr>
+              <a:t>DBN (off-line training</a:t>
+            </a:r>
+            <a:r>
+              <a:rPr lang="en-GB" altLang="zh-CN" sz="2400" dirty="0" smtClean="0">
+                <a:solidFill>
+                  <a:srgbClr val="000000"/>
+                </a:solidFill>
+              </a:rPr>
+              <a:t>) – </a:t>
+            </a:r>
+            <a:r>
+              <a:rPr lang="en-GB" altLang="zh-CN" sz="2400" dirty="0" smtClean="0">
+                <a:solidFill>
+                  <a:srgbClr val="FF0000"/>
+                </a:solidFill>
+              </a:rPr>
+              <a:t>online formalised training</a:t>
+            </a:r>
+          </a:p>
+          <a:p>
+            <a:pPr lvl="1">
+              <a:buFont typeface="Arial"/>
+              <a:buChar char="•"/>
+            </a:pPr>
+            <a:r>
+              <a:rPr lang="en-GB" altLang="zh-CN" sz="2400" dirty="0" smtClean="0">
+                <a:solidFill>
+                  <a:srgbClr val="000000"/>
+                </a:solidFill>
+              </a:rPr>
+              <a:t> Spiking </a:t>
+            </a:r>
+            <a:r>
+              <a:rPr lang="en-GB" altLang="zh-CN" sz="2400" dirty="0" err="1">
+                <a:solidFill>
+                  <a:srgbClr val="000000"/>
+                </a:solidFill>
+              </a:rPr>
+              <a:t>ConvNet</a:t>
+            </a:r>
+            <a:r>
+              <a:rPr lang="en-GB" altLang="zh-CN" sz="2400" dirty="0">
+                <a:solidFill>
+                  <a:srgbClr val="000000"/>
+                </a:solidFill>
+              </a:rPr>
+              <a:t> (off-line training) – </a:t>
+            </a:r>
+            <a:r>
+              <a:rPr lang="en-GB" altLang="zh-CN" sz="2400" dirty="0">
+                <a:solidFill>
+                  <a:srgbClr val="FF0000"/>
+                </a:solidFill>
+              </a:rPr>
+              <a:t>future case </a:t>
+            </a:r>
+            <a:r>
+              <a:rPr lang="en-GB" altLang="zh-CN" sz="2400" dirty="0" smtClean="0">
+                <a:solidFill>
+                  <a:srgbClr val="FF0000"/>
+                </a:solidFill>
+              </a:rPr>
+              <a:t>study</a:t>
+            </a:r>
+            <a:endParaRPr lang="en-GB" altLang="zh-CN" sz="2400" dirty="0">
+              <a:solidFill>
+                <a:srgbClr val="000000"/>
+              </a:solidFill>
+            </a:endParaRPr>
+          </a:p>
+          <a:p>
+            <a:pPr>
+              <a:lnSpc>
+                <a:spcPct val="100000"/>
+              </a:lnSpc>
+            </a:pPr>
+            <a:endParaRPr lang="en-GB" sz="2800" dirty="0" smtClean="0">
+              <a:solidFill>
+                <a:srgbClr val="000000"/>
+              </a:solidFill>
+              <a:latin typeface="Arial"/>
+            </a:endParaRPr>
+          </a:p>
+          <a:p>
+            <a:pPr>
+              <a:lnSpc>
+                <a:spcPct val="100000"/>
+              </a:lnSpc>
+              <a:buFont typeface="Arial"/>
+              <a:buChar char="•"/>
+            </a:pPr>
+            <a:r>
+              <a:rPr lang="en-GB" sz="2800" dirty="0">
+                <a:solidFill>
+                  <a:srgbClr val="000000"/>
+                </a:solidFill>
+                <a:latin typeface="Arial"/>
+              </a:rPr>
+              <a:t> </a:t>
+            </a:r>
+            <a:r>
+              <a:rPr lang="en-GB" sz="2800" dirty="0" smtClean="0">
+                <a:solidFill>
+                  <a:srgbClr val="000000"/>
+                </a:solidFill>
+                <a:latin typeface="Arial"/>
+              </a:rPr>
+              <a:t>My exploration on Spiking DBN</a:t>
+            </a:r>
+          </a:p>
+          <a:p>
+            <a:pPr lvl="1">
+              <a:buFont typeface="Arial"/>
+              <a:buChar char="•"/>
+            </a:pPr>
+            <a:r>
+              <a:rPr lang="en-GB" altLang="zh-CN" sz="2400" dirty="0" smtClean="0">
+                <a:solidFill>
+                  <a:srgbClr val="000000"/>
+                </a:solidFill>
+              </a:rPr>
+              <a:t> Restricted </a:t>
+            </a:r>
+            <a:r>
+              <a:rPr lang="en-GB" altLang="zh-CN" sz="2400" dirty="0">
+                <a:solidFill>
+                  <a:srgbClr val="000000"/>
+                </a:solidFill>
+              </a:rPr>
+              <a:t>Boltzmann </a:t>
+            </a:r>
+            <a:r>
+              <a:rPr lang="en-GB" altLang="zh-CN" sz="2400" dirty="0" smtClean="0">
+                <a:solidFill>
+                  <a:srgbClr val="000000"/>
+                </a:solidFill>
+              </a:rPr>
+              <a:t>Machine (RBM)</a:t>
+            </a:r>
+            <a:endParaRPr lang="en-GB" altLang="zh-CN" sz="2400" dirty="0"/>
+          </a:p>
+          <a:p>
+            <a:pPr lvl="1">
+              <a:buFont typeface="Arial"/>
+              <a:buChar char="•"/>
+            </a:pPr>
+            <a:r>
+              <a:rPr lang="en-GB" sz="2400" dirty="0" smtClean="0">
+                <a:solidFill>
+                  <a:srgbClr val="000000"/>
+                </a:solidFill>
+                <a:latin typeface="Arial"/>
+              </a:rPr>
+              <a:t> Deep Belief Net</a:t>
+            </a:r>
+          </a:p>
+          <a:p>
+            <a:pPr lvl="1">
+              <a:buFont typeface="Arial"/>
+              <a:buChar char="•"/>
+            </a:pPr>
+            <a:r>
+              <a:rPr lang="en-GB" sz="2400" dirty="0" smtClean="0">
+                <a:solidFill>
+                  <a:srgbClr val="000000"/>
+                </a:solidFill>
+                <a:latin typeface="Arial"/>
+              </a:rPr>
+              <a:t> Future work: spiking RBM &amp; DBN</a:t>
+            </a:r>
+            <a:endParaRPr sz="1600" dirty="0" smtClean="0"/>
+          </a:p>
+          <a:p>
+            <a:pPr>
+              <a:lnSpc>
+                <a:spcPct val="100000"/>
+              </a:lnSpc>
+            </a:pPr>
+            <a:endParaRPr dirty="0"/>
+          </a:p>
+        </p:txBody>
+      </p:sp>
+      <p:sp>
+        <p:nvSpPr>
+          <p:cNvPr id="2" name="矩形 1"/>
+          <p:cNvSpPr/>
+          <p:nvPr/>
+        </p:nvSpPr>
+        <p:spPr>
+          <a:xfrm>
+            <a:off x="619820" y="6309320"/>
+            <a:ext cx="7848872" cy="307777"/>
+          </a:xfrm>
+          <a:prstGeom prst="rect">
+            <a:avLst/>
+          </a:prstGeom>
+        </p:spPr>
+        <p:txBody>
+          <a:bodyPr wrap="square">
+            <a:spAutoFit/>
+          </a:bodyPr>
+          <a:lstStyle/>
+          <a:p>
+            <a:pPr>
+              <a:lnSpc>
+                <a:spcPct val="100000"/>
+              </a:lnSpc>
+            </a:pPr>
+            <a:r>
+              <a:rPr lang="en-US" altLang="zh-CN" sz="1400" dirty="0">
+                <a:solidFill>
+                  <a:srgbClr val="000000"/>
+                </a:solidFill>
+              </a:rPr>
               <a:t>Current work has been written down in a study report.</a:t>
             </a:r>
-            <a:endParaRPr lang="en-US" altLang="zh-CN" dirty="0"/>
           </a:p>
         </p:txBody>
       </p:sp>
@@ -6747,7 +8804,7 @@
 </p:sld>
 </file>
 
-<file path=ppt/slides/slide12.xml><?xml version="1.0" encoding="utf-8"?>
+<file path=ppt/slides/slide15.xml><?xml version="1.0" encoding="utf-8"?>
 <p:sld xmlns:a="http://schemas.openxmlformats.org/drawingml/2006/main" xmlns:r="http://schemas.openxmlformats.org/officeDocument/2006/relationships" xmlns:p="http://schemas.openxmlformats.org/presentationml/2006/main">
   <p:cSld>
     <p:spTree>
@@ -10919,10 +12976,17 @@
   <p:clrMapOvr>
     <a:masterClrMapping/>
   </p:clrMapOvr>
+  <p:timing>
+    <p:tnLst>
+      <p:par>
+        <p:cTn id="1" dur="indefinite" restart="never" nodeType="tmRoot"/>
+      </p:par>
+    </p:tnLst>
+  </p:timing>
 </p:sld>
 </file>
 
-<file path=ppt/slides/slide13.xml><?xml version="1.0" encoding="utf-8"?>
+<file path=ppt/slides/slide16.xml><?xml version="1.0" encoding="utf-8"?>
 <p:sld xmlns:a="http://schemas.openxmlformats.org/drawingml/2006/main" xmlns:r="http://schemas.openxmlformats.org/officeDocument/2006/relationships" xmlns:p="http://schemas.openxmlformats.org/presentationml/2006/main">
   <p:cSld>
     <p:spTree>
@@ -11103,7 +13167,7 @@
                   <a:srgbClr val="595959"/>
                 </a:solidFill>
               </a:rPr>
-              <a:t>Aims and Motivations</a:t>
+              <a:t>Background</a:t>
             </a:r>
             <a:endParaRPr sz="3200" b="1" dirty="0">
               <a:solidFill>
@@ -11150,7 +13214,16 @@
                 </a:solidFill>
                 <a:latin typeface="Arial"/>
               </a:rPr>
-              <a:t> Unified spiking data</a:t>
+              <a:t> </a:t>
+            </a:r>
+            <a:r>
+              <a:rPr lang="en-US" sz="2800" dirty="0" smtClean="0">
+                <a:solidFill>
+                  <a:srgbClr val="000000"/>
+                </a:solidFill>
+                <a:latin typeface="Arial"/>
+              </a:rPr>
+              <a:t>Spikes</a:t>
             </a:r>
             <a:endParaRPr dirty="0"/>
           </a:p>
@@ -11178,9 +13251,9 @@
                 </a:solidFill>
                 <a:latin typeface="Arial"/>
               </a:rPr>
-              <a:t>Comparisons</a:t>
-            </a:r>
-            <a:endParaRPr dirty="0"/>
+              <a:t>Spiking Neural Networks (SNNs)</a:t>
+            </a:r>
+            <a:endParaRPr dirty="0" smtClean="0"/>
           </a:p>
           <a:p>
             <a:pPr>
@@ -11197,7 +13270,28 @@
                 </a:solidFill>
                 <a:latin typeface="Arial"/>
               </a:rPr>
-              <a:t> Evaluation methodology</a:t>
+              <a:t> Special visual input for SNNs</a:t>
+            </a:r>
+          </a:p>
+          <a:p>
+            <a:pPr lvl="1"/>
+            <a:r>
+              <a:rPr lang="en-GB" sz="2800" dirty="0" smtClean="0">
+                <a:solidFill>
+                  <a:srgbClr val="000000"/>
+                </a:solidFill>
+                <a:latin typeface="Arial"/>
+              </a:rPr>
+              <a:t>- </a:t>
+            </a:r>
+            <a:r>
+              <a:rPr lang="en-GB" sz="2400" dirty="0" smtClean="0">
+                <a:solidFill>
+                  <a:srgbClr val="000000"/>
+                </a:solidFill>
+                <a:latin typeface="Arial"/>
+              </a:rPr>
+              <a:t>e.g. DVS(Dynamic Vision Sensor)</a:t>
             </a:r>
           </a:p>
           <a:p>
@@ -11208,31 +13302,261 @@
               <a:buFont typeface="Arial"/>
               <a:buChar char="•"/>
             </a:pPr>
-            <a:r>
-              <a:rPr lang="en-GB" sz="2800" dirty="0">
-                <a:solidFill>
-                  <a:srgbClr val="000000"/>
-                </a:solidFill>
-                <a:latin typeface="Arial"/>
-              </a:rPr>
-              <a:t> </a:t>
-            </a:r>
-            <a:r>
-              <a:rPr lang="en-GB" sz="2800" dirty="0" smtClean="0">
-                <a:solidFill>
-                  <a:srgbClr val="000000"/>
-                </a:solidFill>
-                <a:latin typeface="Arial"/>
-              </a:rPr>
-              <a:t>Promote future research</a:t>
-            </a:r>
-            <a:endParaRPr lang="en-GB" sz="2800" dirty="0" smtClean="0">
+            <a:endParaRPr sz="1600" dirty="0"/>
+          </a:p>
+        </p:txBody>
+      </p:sp>
+      <p:pic>
+        <p:nvPicPr>
+          <p:cNvPr id="2050" name="Picture 2" descr="C:\Users\Administrator\Desktop\DVS128-14.jpg"/>
+          <p:cNvPicPr>
+            <a:picLocks noChangeAspect="1" noChangeArrowheads="1"/>
+          </p:cNvPicPr>
+          <p:nvPr/>
+        </p:nvPicPr>
+        <p:blipFill>
+          <a:blip r:embed="rId3" cstate="print">
+            <a:extLst>
+              <a:ext uri="{28A0092B-C50C-407E-A947-70E740481C1C}">
+                <a14:useLocalDpi xmlns:a14="http://schemas.microsoft.com/office/drawing/2010/main" val="0"/>
+              </a:ext>
+            </a:extLst>
+          </a:blip>
+          <a:srcRect/>
+          <a:stretch>
+            <a:fillRect/>
+          </a:stretch>
+        </p:blipFill>
+        <p:spPr bwMode="auto">
+          <a:xfrm>
+            <a:off x="6876256" y="2708920"/>
+            <a:ext cx="1905000" cy="1905000"/>
+          </a:xfrm>
+          <a:prstGeom prst="rect">
+            <a:avLst/>
+          </a:prstGeom>
+          <a:noFill/>
+          <a:extLst>
+            <a:ext uri="{909E8E84-426E-40DD-AFC4-6F175D3DCCD1}">
+              <a14:hiddenFill xmlns:a14="http://schemas.microsoft.com/office/drawing/2010/main">
+                <a:solidFill>
+                  <a:srgbClr val="FFFFFF"/>
+                </a:solidFill>
+              </a14:hiddenFill>
+            </a:ext>
+          </a:extLst>
+        </p:spPr>
+      </p:pic>
+      <p:sp>
+        <p:nvSpPr>
+          <p:cNvPr id="3" name="矩形 2"/>
+          <p:cNvSpPr/>
+          <p:nvPr/>
+        </p:nvSpPr>
+        <p:spPr>
+          <a:xfrm>
+            <a:off x="6757533" y="4595128"/>
+            <a:ext cx="2142446" cy="369332"/>
+          </a:xfrm>
+          <a:prstGeom prst="rect">
+            <a:avLst/>
+          </a:prstGeom>
+        </p:spPr>
+        <p:txBody>
+          <a:bodyPr wrap="none">
+            <a:spAutoFit/>
+          </a:bodyPr>
+          <a:lstStyle/>
+          <a:p>
+            <a:r>
+              <a:rPr lang="en-GB" altLang="zh-CN" dirty="0" smtClean="0">
+                <a:solidFill>
+                  <a:schemeClr val="tx1">
+                    <a:lumMod val="50000"/>
+                    <a:lumOff val="50000"/>
+                  </a:schemeClr>
+                </a:solidFill>
+              </a:rPr>
+              <a:t>DAVIS240</a:t>
+            </a:r>
+            <a:r>
+              <a:rPr lang="en-GB" altLang="zh-CN" dirty="0">
+                <a:solidFill>
+                  <a:schemeClr val="tx1">
+                    <a:lumMod val="50000"/>
+                    <a:lumOff val="50000"/>
+                  </a:schemeClr>
+                </a:solidFill>
+              </a:rPr>
+              <a:t>: </a:t>
+            </a:r>
+            <a:r>
+              <a:rPr lang="en-GB" altLang="zh-CN" dirty="0" smtClean="0">
+                <a:solidFill>
+                  <a:schemeClr val="tx1">
+                    <a:lumMod val="50000"/>
+                    <a:lumOff val="50000"/>
+                  </a:schemeClr>
+                </a:solidFill>
+              </a:rPr>
+              <a:t>£</a:t>
+            </a:r>
+            <a:r>
+              <a:rPr lang="en-US" altLang="zh-CN" dirty="0" smtClean="0">
+                <a:solidFill>
+                  <a:schemeClr val="tx1">
+                    <a:lumMod val="50000"/>
+                    <a:lumOff val="50000"/>
+                  </a:schemeClr>
+                </a:solidFill>
+              </a:rPr>
+              <a:t>3,346</a:t>
+            </a:r>
+            <a:endParaRPr lang="zh-CN" altLang="en-US" dirty="0">
               <a:solidFill>
-                <a:srgbClr val="000000"/>
+                <a:schemeClr val="tx1">
+                  <a:lumMod val="50000"/>
+                  <a:lumOff val="50000"/>
+                </a:schemeClr>
               </a:solidFill>
-              <a:latin typeface="Arial"/>
             </a:endParaRPr>
           </a:p>
+        </p:txBody>
+      </p:sp>
+      <p:pic>
+        <p:nvPicPr>
+          <p:cNvPr id="3074" name="Picture 2" descr="C:\Users\Administrator\Desktop\neuron.jpg"/>
+          <p:cNvPicPr>
+            <a:picLocks noChangeAspect="1" noChangeArrowheads="1"/>
+          </p:cNvPicPr>
+          <p:nvPr/>
+        </p:nvPicPr>
+        <p:blipFill>
+          <a:blip r:embed="rId4">
+            <a:extLst>
+              <a:ext uri="{28A0092B-C50C-407E-A947-70E740481C1C}">
+                <a14:useLocalDpi xmlns:a14="http://schemas.microsoft.com/office/drawing/2010/main" val="0"/>
+              </a:ext>
+            </a:extLst>
+          </a:blip>
+          <a:srcRect/>
+          <a:stretch>
+            <a:fillRect/>
+          </a:stretch>
+        </p:blipFill>
+        <p:spPr bwMode="auto">
+          <a:xfrm>
+            <a:off x="1331640" y="4529857"/>
+            <a:ext cx="5345113" cy="1995487"/>
+          </a:xfrm>
+          <a:prstGeom prst="rect">
+            <a:avLst/>
+          </a:prstGeom>
+          <a:noFill/>
+          <a:extLst>
+            <a:ext uri="{909E8E84-426E-40DD-AFC4-6F175D3DCCD1}">
+              <a14:hiddenFill xmlns:a14="http://schemas.microsoft.com/office/drawing/2010/main">
+                <a:solidFill>
+                  <a:srgbClr val="FFFFFF"/>
+                </a:solidFill>
+              </a14:hiddenFill>
+            </a:ext>
+          </a:extLst>
+        </p:spPr>
+      </p:pic>
+    </p:spTree>
+  </p:cSld>
+  <p:clrMapOvr>
+    <a:masterClrMapping/>
+  </p:clrMapOvr>
+  <p:timing>
+    <p:tnLst>
+      <p:par>
+        <p:cTn id="1" dur="indefinite" restart="never" nodeType="tmRoot"/>
+      </p:par>
+    </p:tnLst>
+  </p:timing>
+</p:sld>
+</file>
+
+<file path=ppt/slides/slide3.xml><?xml version="1.0" encoding="utf-8"?>
+<p:sld xmlns:a="http://schemas.openxmlformats.org/drawingml/2006/main" xmlns:r="http://schemas.openxmlformats.org/officeDocument/2006/relationships" xmlns:p="http://schemas.openxmlformats.org/presentationml/2006/main">
+  <p:cSld>
+    <p:spTree>
+      <p:nvGrpSpPr>
+        <p:cNvPr id="1" name=""/>
+        <p:cNvGrpSpPr/>
+        <p:nvPr/>
+      </p:nvGrpSpPr>
+      <p:grpSpPr>
+        <a:xfrm>
+          <a:off x="0" y="0"/>
+          <a:ext cx="0" cy="0"/>
+          <a:chOff x="0" y="0"/>
+          <a:chExt cx="0" cy="0"/>
+        </a:xfrm>
+      </p:grpSpPr>
+      <p:sp>
+        <p:nvSpPr>
+          <p:cNvPr id="116" name="CustomShape 1"/>
+          <p:cNvSpPr/>
+          <p:nvPr/>
+        </p:nvSpPr>
+        <p:spPr>
+          <a:xfrm>
+            <a:off x="405720" y="1268640"/>
+            <a:ext cx="5842440" cy="1142280"/>
+          </a:xfrm>
+          <a:prstGeom prst="rect">
+            <a:avLst/>
+          </a:prstGeom>
+          <a:noFill/>
+          <a:ln>
+            <a:noFill/>
+          </a:ln>
+        </p:spPr>
+        <p:txBody>
+          <a:bodyPr lIns="90000" tIns="45000" rIns="90000" bIns="45000" anchor="ctr"/>
+          <a:lstStyle/>
+          <a:p>
+            <a:r>
+              <a:rPr lang="en-GB" sz="3200" b="1" dirty="0" smtClean="0">
+                <a:solidFill>
+                  <a:srgbClr val="595959"/>
+                </a:solidFill>
+              </a:rPr>
+              <a:t>Aims and Motivations</a:t>
+            </a:r>
+            <a:endParaRPr sz="3200" b="1" dirty="0">
+              <a:solidFill>
+                <a:srgbClr val="595959"/>
+              </a:solidFill>
+            </a:endParaRPr>
+          </a:p>
+        </p:txBody>
+      </p:sp>
+      <p:sp>
+        <p:nvSpPr>
+          <p:cNvPr id="117" name="CustomShape 2"/>
+          <p:cNvSpPr/>
+          <p:nvPr/>
+        </p:nvSpPr>
+        <p:spPr>
+          <a:xfrm>
+            <a:off x="395640" y="2493000"/>
+            <a:ext cx="8228880" cy="3632400"/>
+          </a:xfrm>
+          <a:prstGeom prst="rect">
+            <a:avLst/>
+          </a:prstGeom>
+          <a:noFill/>
+          <a:ln>
+            <a:noFill/>
+          </a:ln>
+        </p:spPr>
+        <p:txBody>
+          <a:bodyPr lIns="90000" tIns="45000" rIns="90000" bIns="45000"/>
+          <a:lstStyle/>
           <a:p>
             <a:pPr>
               <a:lnSpc>
@@ -11241,11 +13565,914 @@
               <a:buFont typeface="Arial"/>
               <a:buChar char="•"/>
             </a:pPr>
+            <a:r>
+              <a:rPr lang="en-GB" sz="2800" dirty="0" smtClean="0">
+                <a:solidFill>
+                  <a:srgbClr val="000000"/>
+                </a:solidFill>
+                <a:latin typeface="Arial"/>
+              </a:rPr>
+              <a:t> Unified spiking data</a:t>
+            </a:r>
             <a:endParaRPr dirty="0"/>
           </a:p>
-        </p:txBody>
-      </p:sp>
+          <a:p>
+            <a:pPr>
+              <a:lnSpc>
+                <a:spcPct val="100000"/>
+              </a:lnSpc>
+              <a:buFont typeface="Arial"/>
+              <a:buChar char="•"/>
+            </a:pPr>
+            <a:r>
+              <a:rPr lang="en-GB" sz="2800" dirty="0" smtClean="0">
+                <a:solidFill>
+                  <a:srgbClr val="000000"/>
+                </a:solidFill>
+                <a:latin typeface="Arial"/>
+              </a:rPr>
+              <a:t> Meaningful </a:t>
+            </a:r>
+            <a:r>
+              <a:rPr lang="en-US" sz="2800" dirty="0" smtClean="0">
+                <a:solidFill>
+                  <a:srgbClr val="000000"/>
+                </a:solidFill>
+                <a:latin typeface="Arial"/>
+              </a:rPr>
+              <a:t>comparisons</a:t>
+            </a:r>
+            <a:endParaRPr dirty="0" smtClean="0"/>
+          </a:p>
+          <a:p>
+            <a:pPr>
+              <a:lnSpc>
+                <a:spcPct val="100000"/>
+              </a:lnSpc>
+              <a:buFont typeface="Arial"/>
+              <a:buChar char="•"/>
+            </a:pPr>
+            <a:r>
+              <a:rPr lang="en-GB" sz="2800" dirty="0" smtClean="0">
+                <a:solidFill>
+                  <a:srgbClr val="000000"/>
+                </a:solidFill>
+                <a:latin typeface="Arial"/>
+              </a:rPr>
+              <a:t> Promoting future research</a:t>
+            </a:r>
+          </a:p>
+          <a:p>
+            <a:pPr>
+              <a:lnSpc>
+                <a:spcPct val="100000"/>
+              </a:lnSpc>
+              <a:buFont typeface="Arial"/>
+              <a:buChar char="•"/>
+            </a:pPr>
+            <a:endParaRPr sz="1600" dirty="0"/>
+          </a:p>
+        </p:txBody>
+      </p:sp>
+      <p:graphicFrame>
+        <p:nvGraphicFramePr>
+          <p:cNvPr id="2" name="表格 1"/>
+          <p:cNvGraphicFramePr>
+            <a:graphicFrameLocks noGrp="1"/>
+          </p:cNvGraphicFramePr>
+          <p:nvPr>
+            <p:extLst>
+              <p:ext uri="{D42A27DB-BD31-4B8C-83A1-F6EECF244321}">
+                <p14:modId xmlns:p14="http://schemas.microsoft.com/office/powerpoint/2010/main" val="3479247654"/>
+              </p:ext>
+            </p:extLst>
+          </p:nvPr>
+        </p:nvGraphicFramePr>
+        <p:xfrm>
+          <a:off x="5148064" y="1556792"/>
+          <a:ext cx="3672408" cy="3296920"/>
+        </p:xfrm>
+        <a:graphic>
+          <a:graphicData uri="http://schemas.openxmlformats.org/drawingml/2006/table">
+            <a:tbl>
+              <a:tblPr firstRow="1" bandRow="1">
+                <a:tableStyleId>{D27102A9-8310-4765-A935-A1911B00CA55}</a:tableStyleId>
+              </a:tblPr>
+              <a:tblGrid>
+                <a:gridCol w="1152128"/>
+                <a:gridCol w="1440160"/>
+                <a:gridCol w="1080120"/>
+              </a:tblGrid>
+              <a:tr h="139040">
+                <a:tc>
+                  <a:txBody>
+                    <a:bodyPr/>
+                    <a:lstStyle/>
+                    <a:p>
+                      <a:pPr algn="ctr"/>
+                      <a:r>
+                        <a:rPr lang="en-US" altLang="zh-CN" sz="1600" b="0" dirty="0" smtClean="0">
+                          <a:solidFill>
+                            <a:schemeClr val="tx1">
+                              <a:lumMod val="50000"/>
+                              <a:lumOff val="50000"/>
+                            </a:schemeClr>
+                          </a:solidFill>
+                        </a:rPr>
+                        <a:t>Authors</a:t>
+                      </a:r>
+                      <a:endParaRPr lang="zh-CN" altLang="en-US" sz="1600" b="0" dirty="0">
+                        <a:solidFill>
+                          <a:schemeClr val="tx1">
+                            <a:lumMod val="50000"/>
+                            <a:lumOff val="50000"/>
+                          </a:schemeClr>
+                        </a:solidFill>
+                      </a:endParaRPr>
+                    </a:p>
+                  </a:txBody>
+                  <a:tcPr/>
+                </a:tc>
+                <a:tc>
+                  <a:txBody>
+                    <a:bodyPr/>
+                    <a:lstStyle/>
+                    <a:p>
+                      <a:pPr algn="ctr"/>
+                      <a:r>
+                        <a:rPr lang="en-US" altLang="zh-CN" sz="1600" b="0" dirty="0" smtClean="0">
+                          <a:solidFill>
+                            <a:schemeClr val="tx1">
+                              <a:lumMod val="50000"/>
+                              <a:lumOff val="50000"/>
+                            </a:schemeClr>
+                          </a:solidFill>
+                        </a:rPr>
+                        <a:t>Data</a:t>
+                      </a:r>
+                      <a:endParaRPr lang="zh-CN" altLang="en-US" sz="1600" b="0" dirty="0">
+                        <a:solidFill>
+                          <a:schemeClr val="tx1">
+                            <a:lumMod val="50000"/>
+                            <a:lumOff val="50000"/>
+                          </a:schemeClr>
+                        </a:solidFill>
+                      </a:endParaRPr>
+                    </a:p>
+                  </a:txBody>
+                  <a:tcPr/>
+                </a:tc>
+                <a:tc>
+                  <a:txBody>
+                    <a:bodyPr/>
+                    <a:lstStyle/>
+                    <a:p>
+                      <a:pPr algn="ctr"/>
+                      <a:r>
+                        <a:rPr lang="en-US" altLang="zh-CN" sz="1600" b="0" dirty="0" smtClean="0">
+                          <a:solidFill>
+                            <a:schemeClr val="tx1">
+                              <a:lumMod val="50000"/>
+                              <a:lumOff val="50000"/>
+                            </a:schemeClr>
+                          </a:solidFill>
+                        </a:rPr>
+                        <a:t>Accuracy</a:t>
+                      </a:r>
+                      <a:endParaRPr lang="zh-CN" altLang="en-US" sz="1600" b="0" dirty="0">
+                        <a:solidFill>
+                          <a:schemeClr val="tx1">
+                            <a:lumMod val="50000"/>
+                            <a:lumOff val="50000"/>
+                          </a:schemeClr>
+                        </a:solidFill>
+                      </a:endParaRPr>
+                    </a:p>
+                  </a:txBody>
+                  <a:tcPr/>
+                </a:tc>
+              </a:tr>
+              <a:tr h="370840">
+                <a:tc>
+                  <a:txBody>
+                    <a:bodyPr/>
+                    <a:lstStyle/>
+                    <a:p>
+                      <a:r>
+                        <a:rPr lang="en-US" altLang="zh-CN" sz="1400" dirty="0" err="1" smtClean="0">
+                          <a:solidFill>
+                            <a:schemeClr val="tx1">
+                              <a:lumMod val="50000"/>
+                              <a:lumOff val="50000"/>
+                            </a:schemeClr>
+                          </a:solidFill>
+                        </a:rPr>
+                        <a:t>Matsugu</a:t>
+                      </a:r>
+                      <a:r>
+                        <a:rPr lang="en-US" altLang="zh-CN" sz="1400" baseline="0" dirty="0" smtClean="0">
+                          <a:solidFill>
+                            <a:schemeClr val="tx1">
+                              <a:lumMod val="50000"/>
+                              <a:lumOff val="50000"/>
+                            </a:schemeClr>
+                          </a:solidFill>
+                        </a:rPr>
+                        <a:t> et al. (2002)</a:t>
+                      </a:r>
+                      <a:endParaRPr lang="zh-CN" altLang="en-US" sz="1400" dirty="0">
+                        <a:solidFill>
+                          <a:schemeClr val="tx1">
+                            <a:lumMod val="50000"/>
+                            <a:lumOff val="50000"/>
+                          </a:schemeClr>
+                        </a:solidFill>
+                      </a:endParaRPr>
+                    </a:p>
+                  </a:txBody>
+                  <a:tcPr/>
+                </a:tc>
+                <a:tc>
+                  <a:txBody>
+                    <a:bodyPr/>
+                    <a:lstStyle/>
+                    <a:p>
+                      <a:r>
+                        <a:rPr lang="en-US" altLang="zh-CN" sz="1400" dirty="0" smtClean="0">
+                          <a:solidFill>
+                            <a:schemeClr val="tx1">
+                              <a:lumMod val="50000"/>
+                              <a:lumOff val="50000"/>
+                            </a:schemeClr>
+                          </a:solidFill>
+                        </a:rPr>
+                        <a:t>Face</a:t>
+                      </a:r>
+                      <a:r>
+                        <a:rPr lang="en-US" altLang="zh-CN" sz="1400" baseline="0" dirty="0" smtClean="0">
+                          <a:solidFill>
+                            <a:schemeClr val="tx1">
+                              <a:lumMod val="50000"/>
+                              <a:lumOff val="50000"/>
+                            </a:schemeClr>
+                          </a:solidFill>
+                        </a:rPr>
+                        <a:t> </a:t>
+                      </a:r>
+                    </a:p>
+                    <a:p>
+                      <a:r>
+                        <a:rPr lang="en-US" altLang="zh-CN" sz="1400" baseline="0" dirty="0" smtClean="0">
+                          <a:solidFill>
+                            <a:schemeClr val="tx1">
+                              <a:lumMod val="50000"/>
+                              <a:lumOff val="50000"/>
+                            </a:schemeClr>
+                          </a:solidFill>
+                        </a:rPr>
+                        <a:t>plain images</a:t>
+                      </a:r>
+                      <a:endParaRPr lang="zh-CN" altLang="en-US" sz="1400" dirty="0">
+                        <a:solidFill>
+                          <a:schemeClr val="tx1">
+                            <a:lumMod val="50000"/>
+                            <a:lumOff val="50000"/>
+                          </a:schemeClr>
+                        </a:solidFill>
+                      </a:endParaRPr>
+                    </a:p>
+                  </a:txBody>
+                  <a:tcPr/>
+                </a:tc>
+                <a:tc>
+                  <a:txBody>
+                    <a:bodyPr/>
+                    <a:lstStyle/>
+                    <a:p>
+                      <a:pPr algn="ctr"/>
+                      <a:r>
+                        <a:rPr lang="en-US" altLang="zh-CN" sz="1400" dirty="0" smtClean="0">
+                          <a:solidFill>
+                            <a:schemeClr val="tx1">
+                              <a:lumMod val="50000"/>
+                              <a:lumOff val="50000"/>
+                            </a:schemeClr>
+                          </a:solidFill>
+                        </a:rPr>
+                        <a:t>98.3%</a:t>
+                      </a:r>
+                      <a:endParaRPr lang="zh-CN" altLang="en-US" sz="1400" dirty="0">
+                        <a:solidFill>
+                          <a:schemeClr val="tx1">
+                            <a:lumMod val="50000"/>
+                            <a:lumOff val="50000"/>
+                          </a:schemeClr>
+                        </a:solidFill>
+                      </a:endParaRPr>
+                    </a:p>
+                  </a:txBody>
+                  <a:tcPr/>
+                </a:tc>
+              </a:tr>
+              <a:tr h="370840">
+                <a:tc>
+                  <a:txBody>
+                    <a:bodyPr/>
+                    <a:lstStyle/>
+                    <a:p>
+                      <a:r>
+                        <a:rPr lang="en-US" altLang="zh-CN" sz="1400" dirty="0" smtClean="0">
+                          <a:solidFill>
+                            <a:schemeClr val="tx1">
+                              <a:lumMod val="50000"/>
+                              <a:lumOff val="50000"/>
+                            </a:schemeClr>
+                          </a:solidFill>
+                        </a:rPr>
+                        <a:t>Fu</a:t>
+                      </a:r>
+                      <a:r>
+                        <a:rPr lang="en-US" altLang="zh-CN" sz="1400" baseline="0" dirty="0" smtClean="0">
+                          <a:solidFill>
+                            <a:schemeClr val="tx1">
+                              <a:lumMod val="50000"/>
+                              <a:lumOff val="50000"/>
+                            </a:schemeClr>
+                          </a:solidFill>
+                        </a:rPr>
+                        <a:t> et al.</a:t>
+                      </a:r>
+                    </a:p>
+                    <a:p>
+                      <a:r>
+                        <a:rPr lang="en-US" altLang="zh-CN" sz="1400" baseline="0" dirty="0" smtClean="0">
+                          <a:solidFill>
+                            <a:schemeClr val="tx1">
+                              <a:lumMod val="50000"/>
+                              <a:lumOff val="50000"/>
+                            </a:schemeClr>
+                          </a:solidFill>
+                        </a:rPr>
+                        <a:t>(2012)</a:t>
+                      </a:r>
+                      <a:endParaRPr lang="zh-CN" altLang="en-US" sz="1400" dirty="0">
+                        <a:solidFill>
+                          <a:schemeClr val="tx1">
+                            <a:lumMod val="50000"/>
+                            <a:lumOff val="50000"/>
+                          </a:schemeClr>
+                        </a:solidFill>
+                      </a:endParaRPr>
+                    </a:p>
+                  </a:txBody>
+                  <a:tcPr/>
+                </a:tc>
+                <a:tc>
+                  <a:txBody>
+                    <a:bodyPr/>
+                    <a:lstStyle/>
+                    <a:p>
+                      <a:r>
+                        <a:rPr lang="en-US" altLang="zh-CN" sz="1400" dirty="0" smtClean="0">
+                          <a:solidFill>
+                            <a:schemeClr val="tx1">
+                              <a:lumMod val="50000"/>
+                              <a:lumOff val="50000"/>
+                            </a:schemeClr>
+                          </a:solidFill>
+                        </a:rPr>
+                        <a:t>JAFFE </a:t>
+                      </a:r>
+                    </a:p>
+                    <a:p>
+                      <a:r>
+                        <a:rPr lang="en-US" altLang="zh-CN" sz="1400" dirty="0" smtClean="0">
+                          <a:solidFill>
+                            <a:schemeClr val="tx1">
+                              <a:lumMod val="50000"/>
+                              <a:lumOff val="50000"/>
+                            </a:schemeClr>
+                          </a:solidFill>
+                        </a:rPr>
+                        <a:t>plain images</a:t>
+                      </a:r>
+                      <a:endParaRPr lang="zh-CN" altLang="en-US" sz="1400" dirty="0">
+                        <a:solidFill>
+                          <a:schemeClr val="tx1">
+                            <a:lumMod val="50000"/>
+                            <a:lumOff val="50000"/>
+                          </a:schemeClr>
+                        </a:solidFill>
+                      </a:endParaRPr>
+                    </a:p>
+                  </a:txBody>
+                  <a:tcPr/>
+                </a:tc>
+                <a:tc>
+                  <a:txBody>
+                    <a:bodyPr/>
+                    <a:lstStyle/>
+                    <a:p>
+                      <a:pPr algn="ctr"/>
+                      <a:r>
+                        <a:rPr lang="en-US" altLang="zh-CN" sz="1400" dirty="0" smtClean="0">
+                          <a:solidFill>
+                            <a:schemeClr val="tx1">
+                              <a:lumMod val="50000"/>
+                              <a:lumOff val="50000"/>
+                            </a:schemeClr>
+                          </a:solidFill>
+                        </a:rPr>
+                        <a:t>97.35%</a:t>
+                      </a:r>
+                      <a:endParaRPr lang="zh-CN" altLang="en-US" sz="1400" dirty="0">
+                        <a:solidFill>
+                          <a:schemeClr val="tx1">
+                            <a:lumMod val="50000"/>
+                            <a:lumOff val="50000"/>
+                          </a:schemeClr>
+                        </a:solidFill>
+                      </a:endParaRPr>
+                    </a:p>
+                  </a:txBody>
+                  <a:tcPr/>
+                </a:tc>
+              </a:tr>
+              <a:tr h="370840">
+                <a:tc>
+                  <a:txBody>
+                    <a:bodyPr/>
+                    <a:lstStyle/>
+                    <a:p>
+                      <a:r>
+                        <a:rPr lang="en-US" altLang="zh-CN" sz="1400" dirty="0" smtClean="0">
+                          <a:solidFill>
+                            <a:schemeClr val="tx1">
+                              <a:lumMod val="50000"/>
+                              <a:lumOff val="50000"/>
+                            </a:schemeClr>
+                          </a:solidFill>
+                        </a:rPr>
+                        <a:t>O’Connor et al. (2013)</a:t>
+                      </a:r>
+                      <a:endParaRPr lang="zh-CN" altLang="en-US" sz="1400" dirty="0">
+                        <a:solidFill>
+                          <a:schemeClr val="tx1">
+                            <a:lumMod val="50000"/>
+                            <a:lumOff val="50000"/>
+                          </a:schemeClr>
+                        </a:solidFill>
+                      </a:endParaRPr>
+                    </a:p>
+                  </a:txBody>
+                  <a:tcPr/>
+                </a:tc>
+                <a:tc>
+                  <a:txBody>
+                    <a:bodyPr/>
+                    <a:lstStyle/>
+                    <a:p>
+                      <a:r>
+                        <a:rPr lang="en-US" altLang="zh-CN" sz="1400" dirty="0" err="1" smtClean="0">
+                          <a:solidFill>
+                            <a:schemeClr val="tx1">
+                              <a:lumMod val="50000"/>
+                              <a:lumOff val="50000"/>
+                            </a:schemeClr>
+                          </a:solidFill>
+                        </a:rPr>
+                        <a:t>Poissonian</a:t>
+                      </a:r>
+                      <a:endParaRPr lang="en-US" altLang="zh-CN" sz="1400" dirty="0" smtClean="0">
+                        <a:solidFill>
+                          <a:schemeClr val="tx1">
+                            <a:lumMod val="50000"/>
+                            <a:lumOff val="50000"/>
+                          </a:schemeClr>
+                        </a:solidFill>
+                      </a:endParaRPr>
+                    </a:p>
+                    <a:p>
+                      <a:r>
+                        <a:rPr lang="en-US" altLang="zh-CN" sz="1400" dirty="0" smtClean="0">
+                          <a:solidFill>
+                            <a:schemeClr val="tx1">
+                              <a:lumMod val="50000"/>
+                              <a:lumOff val="50000"/>
+                            </a:schemeClr>
+                          </a:solidFill>
+                        </a:rPr>
+                        <a:t>Spiking</a:t>
+                      </a:r>
+                      <a:r>
+                        <a:rPr lang="en-US" altLang="zh-CN" sz="1400" baseline="0" dirty="0" smtClean="0">
+                          <a:solidFill>
+                            <a:schemeClr val="tx1">
+                              <a:lumMod val="50000"/>
+                              <a:lumOff val="50000"/>
+                            </a:schemeClr>
+                          </a:solidFill>
+                        </a:rPr>
+                        <a:t> MNIST</a:t>
+                      </a:r>
+                      <a:endParaRPr lang="zh-CN" altLang="en-US" sz="1400" dirty="0">
+                        <a:solidFill>
+                          <a:schemeClr val="tx1">
+                            <a:lumMod val="50000"/>
+                            <a:lumOff val="50000"/>
+                          </a:schemeClr>
+                        </a:solidFill>
+                      </a:endParaRPr>
+                    </a:p>
+                  </a:txBody>
+                  <a:tcPr/>
+                </a:tc>
+                <a:tc>
+                  <a:txBody>
+                    <a:bodyPr/>
+                    <a:lstStyle/>
+                    <a:p>
+                      <a:pPr algn="ctr"/>
+                      <a:r>
+                        <a:rPr lang="en-US" altLang="zh-CN" sz="1400" dirty="0" smtClean="0">
+                          <a:solidFill>
+                            <a:schemeClr val="tx1">
+                              <a:lumMod val="50000"/>
+                              <a:lumOff val="50000"/>
+                            </a:schemeClr>
+                          </a:solidFill>
+                        </a:rPr>
+                        <a:t>95.0%</a:t>
+                      </a:r>
+                      <a:endParaRPr lang="zh-CN" altLang="en-US" sz="1400" dirty="0">
+                        <a:solidFill>
+                          <a:schemeClr val="tx1">
+                            <a:lumMod val="50000"/>
+                            <a:lumOff val="50000"/>
+                          </a:schemeClr>
+                        </a:solidFill>
+                      </a:endParaRPr>
+                    </a:p>
+                  </a:txBody>
+                  <a:tcPr/>
+                </a:tc>
+              </a:tr>
+              <a:tr h="370840">
+                <a:tc>
+                  <a:txBody>
+                    <a:bodyPr/>
+                    <a:lstStyle/>
+                    <a:p>
+                      <a:r>
+                        <a:rPr lang="en-US" altLang="zh-CN" sz="1400" dirty="0" err="1" smtClean="0">
+                          <a:solidFill>
+                            <a:schemeClr val="tx1">
+                              <a:lumMod val="50000"/>
+                              <a:lumOff val="50000"/>
+                            </a:schemeClr>
+                          </a:solidFill>
+                        </a:rPr>
+                        <a:t>Bichler</a:t>
+                      </a:r>
+                      <a:r>
+                        <a:rPr lang="en-US" altLang="zh-CN" sz="1400" dirty="0" smtClean="0">
+                          <a:solidFill>
+                            <a:schemeClr val="tx1">
+                              <a:lumMod val="50000"/>
+                              <a:lumOff val="50000"/>
+                            </a:schemeClr>
+                          </a:solidFill>
+                        </a:rPr>
+                        <a:t> et al.</a:t>
+                      </a:r>
+                    </a:p>
+                    <a:p>
+                      <a:r>
+                        <a:rPr lang="en-US" altLang="zh-CN" sz="1400" dirty="0" smtClean="0">
+                          <a:solidFill>
+                            <a:schemeClr val="tx1">
+                              <a:lumMod val="50000"/>
+                              <a:lumOff val="50000"/>
+                            </a:schemeClr>
+                          </a:solidFill>
+                        </a:rPr>
+                        <a:t>(2012)</a:t>
+                      </a:r>
+                      <a:endParaRPr lang="zh-CN" altLang="en-US" sz="1400" dirty="0">
+                        <a:solidFill>
+                          <a:schemeClr val="tx1">
+                            <a:lumMod val="50000"/>
+                            <a:lumOff val="50000"/>
+                          </a:schemeClr>
+                        </a:solidFill>
+                      </a:endParaRPr>
+                    </a:p>
+                  </a:txBody>
+                  <a:tcPr/>
+                </a:tc>
+                <a:tc>
+                  <a:txBody>
+                    <a:bodyPr/>
+                    <a:lstStyle/>
+                    <a:p>
+                      <a:r>
+                        <a:rPr lang="en-US" altLang="zh-CN" sz="1400" dirty="0" smtClean="0">
+                          <a:solidFill>
+                            <a:schemeClr val="tx1">
+                              <a:lumMod val="50000"/>
+                              <a:lumOff val="50000"/>
+                            </a:schemeClr>
+                          </a:solidFill>
+                        </a:rPr>
+                        <a:t>DVS recorded</a:t>
+                      </a:r>
+                    </a:p>
+                    <a:p>
+                      <a:r>
+                        <a:rPr lang="en-US" altLang="zh-CN" sz="1400" dirty="0" smtClean="0">
+                          <a:solidFill>
+                            <a:schemeClr val="tx1">
+                              <a:lumMod val="50000"/>
+                              <a:lumOff val="50000"/>
+                            </a:schemeClr>
+                          </a:solidFill>
+                        </a:rPr>
+                        <a:t>Car</a:t>
+                      </a:r>
+                      <a:r>
+                        <a:rPr lang="en-US" altLang="zh-CN" sz="1400" baseline="0" dirty="0" smtClean="0">
+                          <a:solidFill>
+                            <a:schemeClr val="tx1">
+                              <a:lumMod val="50000"/>
+                              <a:lumOff val="50000"/>
+                            </a:schemeClr>
+                          </a:solidFill>
+                        </a:rPr>
+                        <a:t> trajectories</a:t>
+                      </a:r>
+                      <a:endParaRPr lang="zh-CN" altLang="en-US" sz="1400" dirty="0">
+                        <a:solidFill>
+                          <a:schemeClr val="tx1">
+                            <a:lumMod val="50000"/>
+                            <a:lumOff val="50000"/>
+                          </a:schemeClr>
+                        </a:solidFill>
+                      </a:endParaRPr>
+                    </a:p>
+                  </a:txBody>
+                  <a:tcPr/>
+                </a:tc>
+                <a:tc>
+                  <a:txBody>
+                    <a:bodyPr/>
+                    <a:lstStyle/>
+                    <a:p>
+                      <a:pPr algn="ctr"/>
+                      <a:r>
+                        <a:rPr lang="en-US" altLang="zh-CN" sz="1400" dirty="0" smtClean="0">
+                          <a:solidFill>
+                            <a:schemeClr val="tx1">
+                              <a:lumMod val="50000"/>
+                              <a:lumOff val="50000"/>
+                            </a:schemeClr>
+                          </a:solidFill>
+                        </a:rPr>
+                        <a:t>98%</a:t>
+                      </a:r>
+                      <a:endParaRPr lang="zh-CN" altLang="en-US" sz="1400" dirty="0">
+                        <a:solidFill>
+                          <a:schemeClr val="tx1">
+                            <a:lumMod val="50000"/>
+                            <a:lumOff val="50000"/>
+                          </a:schemeClr>
+                        </a:solidFill>
+                      </a:endParaRPr>
+                    </a:p>
+                  </a:txBody>
+                  <a:tcPr/>
+                </a:tc>
+              </a:tr>
+              <a:tr h="370840">
+                <a:tc>
+                  <a:txBody>
+                    <a:bodyPr/>
+                    <a:lstStyle/>
+                    <a:p>
+                      <a:r>
+                        <a:rPr lang="en-US" altLang="zh-CN" sz="1400" dirty="0" smtClean="0">
+                          <a:solidFill>
+                            <a:schemeClr val="tx1">
+                              <a:lumMod val="50000"/>
+                              <a:lumOff val="50000"/>
+                            </a:schemeClr>
+                          </a:solidFill>
+                        </a:rPr>
+                        <a:t>Zhao et al.</a:t>
+                      </a:r>
+                    </a:p>
+                    <a:p>
+                      <a:r>
+                        <a:rPr lang="en-US" altLang="zh-CN" sz="1400" dirty="0" smtClean="0">
+                          <a:solidFill>
+                            <a:schemeClr val="tx1">
+                              <a:lumMod val="50000"/>
+                              <a:lumOff val="50000"/>
+                            </a:schemeClr>
+                          </a:solidFill>
+                        </a:rPr>
+                        <a:t>(2015)</a:t>
+                      </a:r>
+                      <a:endParaRPr lang="zh-CN" altLang="en-US" sz="1400" dirty="0">
+                        <a:solidFill>
+                          <a:schemeClr val="tx1">
+                            <a:lumMod val="50000"/>
+                            <a:lumOff val="50000"/>
+                          </a:schemeClr>
+                        </a:solidFill>
+                      </a:endParaRPr>
+                    </a:p>
+                  </a:txBody>
+                  <a:tcPr/>
+                </a:tc>
+                <a:tc>
+                  <a:txBody>
+                    <a:bodyPr/>
+                    <a:lstStyle/>
+                    <a:p>
+                      <a:r>
+                        <a:rPr lang="en-US" altLang="zh-CN" sz="1400" dirty="0" smtClean="0">
+                          <a:solidFill>
+                            <a:schemeClr val="tx1">
+                              <a:lumMod val="50000"/>
+                              <a:lumOff val="50000"/>
+                            </a:schemeClr>
+                          </a:solidFill>
+                        </a:rPr>
+                        <a:t>DVS</a:t>
+                      </a:r>
+                      <a:r>
+                        <a:rPr lang="en-US" altLang="zh-CN" sz="1400" baseline="0" dirty="0" smtClean="0">
+                          <a:solidFill>
+                            <a:schemeClr val="tx1">
+                              <a:lumMod val="50000"/>
+                              <a:lumOff val="50000"/>
+                            </a:schemeClr>
+                          </a:solidFill>
+                        </a:rPr>
+                        <a:t> recorded</a:t>
+                      </a:r>
+                    </a:p>
+                    <a:p>
+                      <a:r>
+                        <a:rPr lang="en-US" altLang="zh-CN" sz="1400" baseline="0" dirty="0" smtClean="0">
+                          <a:solidFill>
+                            <a:schemeClr val="tx1">
+                              <a:lumMod val="50000"/>
+                              <a:lumOff val="50000"/>
+                            </a:schemeClr>
+                          </a:solidFill>
+                        </a:rPr>
+                        <a:t>Three postures</a:t>
+                      </a:r>
+                      <a:endParaRPr lang="zh-CN" altLang="en-US" sz="1400" dirty="0">
+                        <a:solidFill>
+                          <a:schemeClr val="tx1">
+                            <a:lumMod val="50000"/>
+                            <a:lumOff val="50000"/>
+                          </a:schemeClr>
+                        </a:solidFill>
+                      </a:endParaRPr>
+                    </a:p>
+                  </a:txBody>
+                  <a:tcPr/>
+                </a:tc>
+                <a:tc>
+                  <a:txBody>
+                    <a:bodyPr/>
+                    <a:lstStyle/>
+                    <a:p>
+                      <a:pPr algn="ctr"/>
+                      <a:r>
+                        <a:rPr lang="en-US" altLang="zh-CN" sz="1400" dirty="0" smtClean="0">
+                          <a:solidFill>
+                            <a:schemeClr val="tx1">
+                              <a:lumMod val="50000"/>
+                              <a:lumOff val="50000"/>
+                            </a:schemeClr>
+                          </a:solidFill>
+                        </a:rPr>
+                        <a:t>99.48%</a:t>
+                      </a:r>
+                      <a:endParaRPr lang="zh-CN" altLang="en-US" sz="1400" dirty="0">
+                        <a:solidFill>
+                          <a:schemeClr val="tx1">
+                            <a:lumMod val="50000"/>
+                            <a:lumOff val="50000"/>
+                          </a:schemeClr>
+                        </a:solidFill>
+                      </a:endParaRPr>
+                    </a:p>
+                  </a:txBody>
+                  <a:tcPr/>
+                </a:tc>
+              </a:tr>
+              <a:tr h="370840">
+                <a:tc>
+                  <a:txBody>
+                    <a:bodyPr/>
+                    <a:lstStyle/>
+                    <a:p>
+                      <a:r>
+                        <a:rPr lang="en-US" altLang="zh-CN" sz="1400" dirty="0" smtClean="0">
+                          <a:solidFill>
+                            <a:schemeClr val="tx1">
+                              <a:lumMod val="50000"/>
+                              <a:lumOff val="50000"/>
+                            </a:schemeClr>
+                          </a:solidFill>
+                        </a:rPr>
+                        <a:t>…</a:t>
+                      </a:r>
+                      <a:endParaRPr lang="zh-CN" altLang="en-US" sz="1400" dirty="0">
+                        <a:solidFill>
+                          <a:schemeClr val="tx1">
+                            <a:lumMod val="50000"/>
+                            <a:lumOff val="50000"/>
+                          </a:schemeClr>
+                        </a:solidFill>
+                      </a:endParaRPr>
+                    </a:p>
+                  </a:txBody>
+                  <a:tcPr/>
+                </a:tc>
+                <a:tc>
+                  <a:txBody>
+                    <a:bodyPr/>
+                    <a:lstStyle/>
+                    <a:p>
+                      <a:r>
+                        <a:rPr lang="en-US" altLang="zh-CN" sz="1400" dirty="0" smtClean="0">
+                          <a:solidFill>
+                            <a:schemeClr val="tx1">
+                              <a:lumMod val="50000"/>
+                              <a:lumOff val="50000"/>
+                            </a:schemeClr>
+                          </a:solidFill>
+                        </a:rPr>
+                        <a:t>…</a:t>
+                      </a:r>
+                      <a:endParaRPr lang="zh-CN" altLang="en-US" sz="1400" dirty="0">
+                        <a:solidFill>
+                          <a:schemeClr val="tx1">
+                            <a:lumMod val="50000"/>
+                            <a:lumOff val="50000"/>
+                          </a:schemeClr>
+                        </a:solidFill>
+                      </a:endParaRPr>
+                    </a:p>
+                  </a:txBody>
+                  <a:tcPr/>
+                </a:tc>
+                <a:tc>
+                  <a:txBody>
+                    <a:bodyPr/>
+                    <a:lstStyle/>
+                    <a:p>
+                      <a:pPr algn="ctr"/>
+                      <a:r>
+                        <a:rPr lang="en-US" altLang="zh-CN" sz="1400" dirty="0" smtClean="0">
+                          <a:solidFill>
+                            <a:schemeClr val="tx1">
+                              <a:lumMod val="50000"/>
+                              <a:lumOff val="50000"/>
+                            </a:schemeClr>
+                          </a:solidFill>
+                        </a:rPr>
+                        <a:t>…</a:t>
+                      </a:r>
+                      <a:endParaRPr lang="zh-CN" altLang="en-US" sz="1400" dirty="0">
+                        <a:solidFill>
+                          <a:schemeClr val="tx1">
+                            <a:lumMod val="50000"/>
+                            <a:lumOff val="50000"/>
+                          </a:schemeClr>
+                        </a:solidFill>
+                      </a:endParaRPr>
+                    </a:p>
+                  </a:txBody>
+                  <a:tcPr/>
+                </a:tc>
+              </a:tr>
+            </a:tbl>
+          </a:graphicData>
+        </a:graphic>
+      </p:graphicFrame>
     </p:spTree>
+    <p:extLst>
+      <p:ext uri="{BB962C8B-B14F-4D97-AF65-F5344CB8AC3E}">
+        <p14:creationId xmlns:p14="http://schemas.microsoft.com/office/powerpoint/2010/main" val="1753964215"/>
+      </p:ext>
+    </p:extLst>
   </p:cSld>
   <p:clrMapOvr>
     <a:masterClrMapping/>
@@ -11280,7 +14507,7 @@
 </p:sld>
 </file>
 
-<file path=ppt/slides/slide3.xml><?xml version="1.0" encoding="utf-8"?>
+<file path=ppt/slides/slide4.xml><?xml version="1.0" encoding="utf-8"?>
 <p:sld xmlns:a="http://schemas.openxmlformats.org/drawingml/2006/main" xmlns:r="http://schemas.openxmlformats.org/officeDocument/2006/relationships" xmlns:p="http://schemas.openxmlformats.org/presentationml/2006/main">
   <p:cSld>
     <p:bg>
@@ -11305,6 +14532,47 @@
           <a:chExt cx="0" cy="0"/>
         </a:xfrm>
       </p:grpSpPr>
+      <p:pic>
+        <p:nvPicPr>
+          <p:cNvPr id="1026" name="Picture 2" descr="E:\github\benchmarking\ne_submit\jpeg-tobefix\zero.jpg"/>
+          <p:cNvPicPr>
+            <a:picLocks noChangeAspect="1" noChangeArrowheads="1"/>
+          </p:cNvPicPr>
+          <p:nvPr/>
+        </p:nvPicPr>
+        <p:blipFill>
+          <a:blip r:embed="rId4" cstate="screen">
+            <a:extLst>
+              <a:ext uri="{28A0092B-C50C-407E-A947-70E740481C1C}">
+                <a14:useLocalDpi xmlns:a14="http://schemas.microsoft.com/office/drawing/2010/main"/>
+              </a:ext>
+            </a:extLst>
+          </a:blip>
+          <a:srcRect/>
+          <a:stretch>
+            <a:fillRect/>
+          </a:stretch>
+        </p:blipFill>
+        <p:spPr bwMode="auto">
+          <a:xfrm>
+            <a:off x="3896119" y="4725144"/>
+            <a:ext cx="4458591" cy="1656184"/>
+          </a:xfrm>
+          <a:prstGeom prst="rect">
+            <a:avLst/>
+          </a:prstGeom>
+          <a:noFill/>
+          <a:extLst>
+            <a:ext uri="{909E8E84-426E-40DD-AFC4-6F175D3DCCD1}">
+              <a14:hiddenFill xmlns:a14="http://schemas.microsoft.com/office/drawing/2010/main">
+                <a:solidFill>
+                  <a:srgbClr val="FFFFFF"/>
+                </a:solidFill>
+              </a14:hiddenFill>
+            </a:ext>
+          </a:extLst>
+        </p:spPr>
+      </p:pic>
       <p:sp>
         <p:nvSpPr>
           <p:cNvPr id="124" name="CustomShape 1"/>
@@ -11379,62 +14647,6 @@
         <p:txBody>
           <a:bodyPr lIns="90000" tIns="45000" rIns="90000" bIns="45000"/>
           <a:lstStyle/>
-          <a:p>
-            <a:pPr>
-              <a:buFont typeface="Arial"/>
-              <a:buChar char="•"/>
-            </a:pPr>
-            <a:r>
-              <a:rPr lang="en-GB" sz="2800" dirty="0">
-                <a:solidFill>
-                  <a:srgbClr val="000000"/>
-                </a:solidFill>
-                <a:latin typeface="Arial"/>
-              </a:rPr>
-              <a:t> </a:t>
-            </a:r>
-            <a:r>
-              <a:rPr lang="en-GB" altLang="zh-CN" sz="2800" dirty="0" smtClean="0">
-                <a:solidFill>
-                  <a:srgbClr val="000000"/>
-                </a:solidFill>
-              </a:rPr>
-              <a:t>AER format</a:t>
-            </a:r>
-          </a:p>
-          <a:p>
-            <a:pPr>
-              <a:buFont typeface="Arial"/>
-              <a:buChar char="•"/>
-            </a:pPr>
-            <a:r>
-              <a:rPr lang="en-GB" sz="2800" dirty="0">
-                <a:solidFill>
-                  <a:srgbClr val="000000"/>
-                </a:solidFill>
-                <a:latin typeface="Arial"/>
-              </a:rPr>
-              <a:t> </a:t>
-            </a:r>
-            <a:r>
-              <a:rPr lang="en-GB" sz="2800" dirty="0" err="1" smtClean="0">
-                <a:solidFill>
-                  <a:srgbClr val="000000"/>
-                </a:solidFill>
-                <a:latin typeface="Arial"/>
-              </a:rPr>
-              <a:t>jAER</a:t>
-            </a:r>
-            <a:r>
-              <a:rPr lang="en-GB" sz="2800" dirty="0" smtClean="0">
-                <a:solidFill>
-                  <a:srgbClr val="000000"/>
-                </a:solidFill>
-                <a:latin typeface="Arial"/>
-              </a:rPr>
-              <a:t> support code</a:t>
-            </a:r>
-          </a:p>
           <a:p>
             <a:pPr>
               <a:lnSpc>
@@ -11444,28 +14656,77 @@
               <a:buChar char="•"/>
             </a:pPr>
             <a:r>
-              <a:rPr lang="en-GB" sz="2800" dirty="0" smtClean="0">
+              <a:rPr lang="en-GB" sz="2800" dirty="0">
                 <a:solidFill>
                   <a:srgbClr val="000000"/>
                 </a:solidFill>
                 <a:latin typeface="Arial"/>
               </a:rPr>
-              <a:t> 4 subsets</a:t>
-            </a:r>
-          </a:p>
-          <a:p>
-            <a:pPr lvl="1">
-              <a:buFont typeface="Arial"/>
-              <a:buChar char="•"/>
-            </a:pPr>
-            <a:r>
-              <a:rPr lang="en-GB" sz="2400" dirty="0">
+              <a:t> </a:t>
+            </a:r>
+            <a:r>
+              <a:rPr lang="en-GB" altLang="zh-CN" sz="2800" dirty="0">
                 <a:solidFill>
                   <a:srgbClr val="000000"/>
                 </a:solidFill>
+              </a:rPr>
+              <a:t>Unified spiking </a:t>
+            </a:r>
+            <a:r>
+              <a:rPr lang="en-GB" altLang="zh-CN" sz="2800" dirty="0" smtClean="0">
+                <a:solidFill>
+                  <a:srgbClr val="000000"/>
+                </a:solidFill>
+              </a:rPr>
+              <a:t>data</a:t>
+            </a:r>
+            <a:endParaRPr lang="en-GB" sz="2800" dirty="0" smtClean="0">
+              <a:solidFill>
+                <a:srgbClr val="000000"/>
+              </a:solidFill>
+              <a:latin typeface="Arial"/>
+            </a:endParaRPr>
+          </a:p>
+          <a:p>
+            <a:pPr lvl="1"/>
+            <a:r>
+              <a:rPr lang="en-GB" sz="2400" dirty="0" smtClean="0">
+                <a:solidFill>
+                  <a:srgbClr val="000000"/>
+                </a:solidFill>
                 <a:latin typeface="Arial"/>
               </a:rPr>
-              <a:t> </a:t>
+              <a:t>- Poisson</a:t>
+            </a:r>
+            <a:r>
+              <a:rPr lang="en-US" altLang="zh-CN" sz="2400" dirty="0" err="1" smtClean="0">
+                <a:solidFill>
+                  <a:srgbClr val="000000"/>
+                </a:solidFill>
+                <a:latin typeface="Arial"/>
+              </a:rPr>
+              <a:t>ian</a:t>
+            </a:r>
+            <a:r>
+              <a:rPr lang="en-US" altLang="zh-CN" sz="2400" dirty="0" smtClean="0">
+                <a:solidFill>
+                  <a:srgbClr val="000000"/>
+                </a:solidFill>
+                <a:latin typeface="Arial"/>
+              </a:rPr>
+              <a:t> generator</a:t>
+            </a:r>
+          </a:p>
+          <a:p>
+            <a:pPr lvl="1"/>
+            <a:r>
+              <a:rPr lang="en-US" altLang="zh-CN" sz="2400" dirty="0" smtClean="0">
+                <a:solidFill>
+                  <a:srgbClr val="000000"/>
+                </a:solidFill>
+                <a:latin typeface="Arial"/>
+              </a:rPr>
+              <a:t>-</a:t>
             </a:r>
             <a:r>
               <a:rPr lang="en-GB" sz="2400" dirty="0" smtClean="0">
@@ -11474,14 +14735,20 @@
                 </a:solidFill>
                 <a:latin typeface="Arial"/>
               </a:rPr>
-              <a:t>Poisson: unified data generation</a:t>
-            </a:r>
-          </a:p>
-          <a:p>
-            <a:pPr lvl="1">
-              <a:buFont typeface="Arial"/>
-              <a:buChar char="•"/>
-            </a:pPr>
+              <a:t> Rank order coding generator</a:t>
+            </a:r>
+          </a:p>
+          <a:p>
+            <a:pPr lvl="1"/>
+            <a:r>
+              <a:rPr lang="en-US" altLang="zh-CN" sz="2400" dirty="0" smtClean="0">
+                <a:solidFill>
+                  <a:srgbClr val="000000"/>
+                </a:solidFill>
+                <a:latin typeface="Arial"/>
+              </a:rPr>
+              <a:t>-</a:t>
+            </a:r>
             <a:r>
               <a:rPr lang="en-GB" sz="2400" dirty="0" smtClean="0">
                 <a:solidFill>
@@ -11489,16 +14756,19 @@
                 </a:solidFill>
                 <a:latin typeface="Arial"/>
               </a:rPr>
-              <a:t> </a:t>
-            </a:r>
-            <a:r>
-              <a:rPr lang="en-GB" sz="2400" dirty="0" err="1" smtClean="0">
+              <a:t> DVS recorded flashing image</a:t>
+            </a:r>
+          </a:p>
+          <a:p>
+            <a:pPr lvl="1"/>
+            <a:r>
+              <a:rPr lang="en-US" altLang="zh-CN" sz="2400" dirty="0" smtClean="0">
                 <a:solidFill>
                   <a:srgbClr val="000000"/>
                 </a:solidFill>
                 <a:latin typeface="Arial"/>
               </a:rPr>
-              <a:t>FoCal</a:t>
+              <a:t>-</a:t>
             </a:r>
             <a:r>
               <a:rPr lang="en-GB" sz="2400" dirty="0" smtClean="0">
@@ -11507,63 +14777,8 @@
                 </a:solidFill>
                 <a:latin typeface="Arial"/>
               </a:rPr>
-              <a:t>: Rank-Order-Coding</a:t>
-            </a:r>
-          </a:p>
-          <a:p>
-            <a:pPr lvl="1">
-              <a:buFont typeface="Arial"/>
-              <a:buChar char="•"/>
-            </a:pPr>
-            <a:r>
-              <a:rPr lang="en-GB" sz="2400" dirty="0">
-                <a:solidFill>
-                  <a:srgbClr val="000000"/>
-                </a:solidFill>
-                <a:latin typeface="Arial"/>
-              </a:rPr>
-              <a:t> </a:t>
-            </a:r>
-            <a:r>
-              <a:rPr lang="en-GB" sz="2400" dirty="0" smtClean="0">
-                <a:solidFill>
-                  <a:srgbClr val="000000"/>
-                </a:solidFill>
-                <a:latin typeface="Arial"/>
-              </a:rPr>
-              <a:t>Flash: fast recognition</a:t>
-            </a:r>
-          </a:p>
-          <a:p>
-            <a:pPr lvl="1">
-              <a:buFont typeface="Arial"/>
-              <a:buChar char="•"/>
-            </a:pPr>
-            <a:r>
-              <a:rPr lang="en-GB" sz="2400" dirty="0">
-                <a:solidFill>
-                  <a:srgbClr val="000000"/>
-                </a:solidFill>
-                <a:latin typeface="Arial"/>
-              </a:rPr>
-              <a:t> </a:t>
-            </a:r>
-            <a:r>
-              <a:rPr lang="en-GB" sz="2400" dirty="0" smtClean="0">
-                <a:solidFill>
-                  <a:srgbClr val="000000"/>
-                </a:solidFill>
-                <a:latin typeface="Arial"/>
-              </a:rPr>
-              <a:t>Moving: invariant recognition</a:t>
-            </a:r>
-          </a:p>
-          <a:p>
-            <a:pPr>
-              <a:lnSpc>
-                <a:spcPct val="100000"/>
-              </a:lnSpc>
-            </a:pPr>
+              <a:t> DVS recorded moving image</a:t>
+            </a:r>
             <a:endParaRPr lang="en-GB" sz="2800" dirty="0" smtClean="0">
               <a:solidFill>
                 <a:srgbClr val="000000"/>
@@ -11588,355 +14803,90 @@
           </a:p>
         </p:txBody>
       </p:sp>
+      <p:pic>
+        <p:nvPicPr>
+          <p:cNvPr id="1027" name="Picture 3" descr="E:\github\benchmarking\ne_submit\jpeg-tobefix\zero-28-2.jpg"/>
+          <p:cNvPicPr>
+            <a:picLocks noChangeAspect="1" noChangeArrowheads="1"/>
+          </p:cNvPicPr>
+          <p:nvPr/>
+        </p:nvPicPr>
+        <p:blipFill>
+          <a:blip r:embed="rId5">
+            <a:extLst>
+              <a:ext uri="{28A0092B-C50C-407E-A947-70E740481C1C}">
+                <a14:useLocalDpi xmlns:a14="http://schemas.microsoft.com/office/drawing/2010/main" val="0"/>
+              </a:ext>
+            </a:extLst>
+          </a:blip>
+          <a:srcRect/>
+          <a:stretch>
+            <a:fillRect/>
+          </a:stretch>
+        </p:blipFill>
+        <p:spPr bwMode="auto">
+          <a:xfrm>
+            <a:off x="6599187" y="2972525"/>
+            <a:ext cx="1573213" cy="1527175"/>
+          </a:xfrm>
+          <a:prstGeom prst="rect">
+            <a:avLst/>
+          </a:prstGeom>
+          <a:noFill/>
+          <a:extLst>
+            <a:ext uri="{909E8E84-426E-40DD-AFC4-6F175D3DCCD1}">
+              <a14:hiddenFill xmlns:a14="http://schemas.microsoft.com/office/drawing/2010/main">
+                <a:solidFill>
+                  <a:srgbClr val="FFFFFF"/>
+                </a:solidFill>
+              </a14:hiddenFill>
+            </a:ext>
+          </a:extLst>
+        </p:spPr>
+      </p:pic>
+      <p:pic>
+        <p:nvPicPr>
+          <p:cNvPr id="1028" name="Picture 4" descr="E:\github\benchmarking\ne_submit\jpeg-tobefix\original_21-0.jpg"/>
+          <p:cNvPicPr>
+            <a:picLocks noChangeAspect="1" noChangeArrowheads="1"/>
+          </p:cNvPicPr>
+          <p:nvPr/>
+        </p:nvPicPr>
+        <p:blipFill rotWithShape="1">
+          <a:blip r:embed="rId6" cstate="print">
+            <a:extLst>
+              <a:ext uri="{28A0092B-C50C-407E-A947-70E740481C1C}">
+                <a14:useLocalDpi xmlns:a14="http://schemas.microsoft.com/office/drawing/2010/main" val="0"/>
+              </a:ext>
+            </a:extLst>
+          </a:blip>
+          <a:srcRect t="7225" r="8393"/>
+          <a:stretch/>
+        </p:blipFill>
+        <p:spPr bwMode="auto">
+          <a:xfrm>
+            <a:off x="5148064" y="3080896"/>
+            <a:ext cx="1400940" cy="1418804"/>
+          </a:xfrm>
+          <a:prstGeom prst="rect">
+            <a:avLst/>
+          </a:prstGeom>
+          <a:noFill/>
+          <a:extLst>
+            <a:ext uri="{909E8E84-426E-40DD-AFC4-6F175D3DCCD1}">
+              <a14:hiddenFill xmlns:a14="http://schemas.microsoft.com/office/drawing/2010/main">
+                <a:solidFill>
+                  <a:srgbClr val="FFFFFF"/>
+                </a:solidFill>
+              </a14:hiddenFill>
+            </a:ext>
+          </a:extLst>
+        </p:spPr>
+      </p:pic>
     </p:spTree>
   </p:cSld>
   <p:clrMapOvr>
     <a:overrideClrMapping bg1="lt1" tx1="dk1" bg2="lt2" tx2="dk2" accent1="accent1" accent2="accent2" accent3="accent3" accent4="accent4" accent5="accent5" accent6="accent6" hlink="hlink" folHlink="folHlink"/>
-  </p:clrMapOvr>
-  <p:timing>
-    <p:tnLst>
-      <p:par>
-        <p:cTn id="1" dur="indefinite" restart="never" nodeType="tmRoot">
-          <p:childTnLst>
-            <p:seq>
-              <p:cTn id="2" nodeType="mainSeq"/>
-              <p:prevCondLst>
-                <p:cond evt="onPrev" delay="0">
-                  <p:tgtEl>
-                    <p:sldTgt/>
-                  </p:tgtEl>
-                </p:cond>
-              </p:prevCondLst>
-              <p:nextCondLst>
-                <p:cond evt="onNext" delay="0">
-                  <p:tgtEl>
-                    <p:sldTgt/>
-                  </p:tgtEl>
-                </p:cond>
-              </p:nextCondLst>
-            </p:seq>
-          </p:childTnLst>
-        </p:cTn>
-      </p:par>
-    </p:tnLst>
-  </p:timing>
-</p:sld>
-</file>
-
-<file path=ppt/slides/slide4.xml><?xml version="1.0" encoding="utf-8"?>
-<p:sld xmlns:a="http://schemas.openxmlformats.org/drawingml/2006/main" xmlns:r="http://schemas.openxmlformats.org/officeDocument/2006/relationships" xmlns:p="http://schemas.openxmlformats.org/presentationml/2006/main">
-  <p:cSld>
-    <p:spTree>
-      <p:nvGrpSpPr>
-        <p:cNvPr id="1" name=""/>
-        <p:cNvGrpSpPr/>
-        <p:nvPr/>
-      </p:nvGrpSpPr>
-      <p:grpSpPr>
-        <a:xfrm>
-          <a:off x="0" y="0"/>
-          <a:ext cx="0" cy="0"/>
-          <a:chOff x="0" y="0"/>
-          <a:chExt cx="0" cy="0"/>
-        </a:xfrm>
-      </p:grpSpPr>
-      <p:sp>
-        <p:nvSpPr>
-          <p:cNvPr id="126" name="CustomShape 1"/>
-          <p:cNvSpPr/>
-          <p:nvPr/>
-        </p:nvSpPr>
-        <p:spPr>
-          <a:xfrm>
-            <a:off x="405720" y="1268640"/>
-            <a:ext cx="5842440" cy="1142280"/>
-          </a:xfrm>
-          <a:prstGeom prst="rect">
-            <a:avLst/>
-          </a:prstGeom>
-          <a:noFill/>
-          <a:ln>
-            <a:noFill/>
-          </a:ln>
-        </p:spPr>
-        <p:txBody>
-          <a:bodyPr lIns="90000" tIns="45000" rIns="90000" bIns="45000" anchor="ctr"/>
-          <a:lstStyle/>
-          <a:p>
-            <a:pPr>
-              <a:lnSpc>
-                <a:spcPct val="100000"/>
-              </a:lnSpc>
-            </a:pPr>
-            <a:r>
-              <a:rPr lang="en-GB" altLang="zh-CN" sz="3200" b="1" dirty="0" smtClean="0">
-                <a:solidFill>
-                  <a:srgbClr val="595959"/>
-                </a:solidFill>
-              </a:rPr>
-              <a:t>Evaluation</a:t>
-            </a:r>
-            <a:endParaRPr lang="en-GB" altLang="zh-CN" sz="3200" b="1" dirty="0">
-              <a:solidFill>
-                <a:srgbClr val="595959"/>
-              </a:solidFill>
-            </a:endParaRPr>
-          </a:p>
-        </p:txBody>
-      </p:sp>
-      <p:sp>
-        <p:nvSpPr>
-          <p:cNvPr id="127" name="CustomShape 2"/>
-          <p:cNvSpPr/>
-          <p:nvPr/>
-        </p:nvSpPr>
-        <p:spPr>
-          <a:xfrm>
-            <a:off x="395640" y="2493000"/>
-            <a:ext cx="8228880" cy="3632400"/>
-          </a:xfrm>
-          <a:prstGeom prst="rect">
-            <a:avLst/>
-          </a:prstGeom>
-          <a:noFill/>
-          <a:ln>
-            <a:noFill/>
-          </a:ln>
-        </p:spPr>
-        <p:txBody>
-          <a:bodyPr lIns="90000" tIns="45000" rIns="90000" bIns="45000"/>
-          <a:lstStyle/>
-          <a:p>
-            <a:pPr>
-              <a:lnSpc>
-                <a:spcPct val="100000"/>
-              </a:lnSpc>
-              <a:buFont typeface="Arial"/>
-              <a:buChar char="•"/>
-            </a:pPr>
-            <a:r>
-              <a:rPr lang="en-GB" sz="2800" dirty="0" smtClean="0">
-                <a:solidFill>
-                  <a:srgbClr val="000000"/>
-                </a:solidFill>
-                <a:latin typeface="Arial"/>
-              </a:rPr>
-              <a:t> </a:t>
-            </a:r>
-            <a:r>
-              <a:rPr lang="en-GB" sz="2800" dirty="0" smtClean="0">
-                <a:solidFill>
-                  <a:srgbClr val="FF0000"/>
-                </a:solidFill>
-                <a:latin typeface="Arial"/>
-              </a:rPr>
-              <a:t>SNN models</a:t>
-            </a:r>
-          </a:p>
-          <a:p>
-            <a:pPr lvl="1">
-              <a:buFont typeface="Arial"/>
-              <a:buChar char="•"/>
-            </a:pPr>
-            <a:r>
-              <a:rPr lang="en-GB" sz="2400" dirty="0">
-                <a:solidFill>
-                  <a:srgbClr val="000000"/>
-                </a:solidFill>
-                <a:latin typeface="Arial"/>
-              </a:rPr>
-              <a:t> </a:t>
-            </a:r>
-            <a:r>
-              <a:rPr lang="en-GB" sz="2400" dirty="0" smtClean="0">
-                <a:solidFill>
-                  <a:srgbClr val="000000"/>
-                </a:solidFill>
-                <a:latin typeface="Arial"/>
-              </a:rPr>
-              <a:t>biological training time</a:t>
-            </a:r>
-          </a:p>
-          <a:p>
-            <a:pPr lvl="1">
-              <a:buFont typeface="Arial"/>
-              <a:buChar char="•"/>
-            </a:pPr>
-            <a:r>
-              <a:rPr lang="en-GB" sz="2400" dirty="0">
-                <a:solidFill>
-                  <a:srgbClr val="000000"/>
-                </a:solidFill>
-                <a:latin typeface="Arial"/>
-              </a:rPr>
-              <a:t> </a:t>
-            </a:r>
-            <a:r>
-              <a:rPr lang="en-GB" sz="2400" dirty="0" smtClean="0">
-                <a:solidFill>
-                  <a:srgbClr val="000000"/>
-                </a:solidFill>
-                <a:latin typeface="Arial"/>
-              </a:rPr>
-              <a:t>biological testing time</a:t>
-            </a:r>
-          </a:p>
-          <a:p>
-            <a:pPr lvl="1">
-              <a:buFont typeface="Arial"/>
-              <a:buChar char="•"/>
-            </a:pPr>
-            <a:r>
-              <a:rPr lang="en-GB" sz="2400" dirty="0">
-                <a:solidFill>
-                  <a:srgbClr val="000000"/>
-                </a:solidFill>
-                <a:latin typeface="Arial"/>
-              </a:rPr>
-              <a:t> </a:t>
-            </a:r>
-            <a:r>
-              <a:rPr lang="en-GB" sz="2400" dirty="0" smtClean="0">
-                <a:solidFill>
-                  <a:srgbClr val="000000"/>
-                </a:solidFill>
-                <a:latin typeface="Arial"/>
-              </a:rPr>
-              <a:t>response latency</a:t>
-            </a:r>
-            <a:endParaRPr lang="en-GB" sz="2400" dirty="0" smtClean="0">
-              <a:solidFill>
-                <a:srgbClr val="000000"/>
-              </a:solidFill>
-              <a:latin typeface="Arial"/>
-            </a:endParaRPr>
-          </a:p>
-          <a:p>
-            <a:pPr>
-              <a:lnSpc>
-                <a:spcPct val="100000"/>
-              </a:lnSpc>
-              <a:buFont typeface="Arial"/>
-              <a:buChar char="•"/>
-            </a:pPr>
-            <a:r>
-              <a:rPr lang="en-GB" sz="2800" dirty="0" smtClean="0">
-                <a:solidFill>
-                  <a:srgbClr val="000000"/>
-                </a:solidFill>
-                <a:latin typeface="Arial"/>
-              </a:rPr>
-              <a:t> </a:t>
-            </a:r>
-            <a:r>
-              <a:rPr lang="en-US" sz="2800" dirty="0" smtClean="0">
-                <a:solidFill>
-                  <a:srgbClr val="000000"/>
-                </a:solidFill>
-                <a:latin typeface="Arial"/>
-              </a:rPr>
-              <a:t>H/W platforms</a:t>
-            </a:r>
-          </a:p>
-          <a:p>
-            <a:pPr lvl="1">
-              <a:buFont typeface="Arial"/>
-              <a:buChar char="•"/>
-            </a:pPr>
-            <a:r>
-              <a:rPr lang="en-US" sz="2400" dirty="0">
-                <a:solidFill>
-                  <a:srgbClr val="000000"/>
-                </a:solidFill>
-                <a:latin typeface="Arial"/>
-              </a:rPr>
-              <a:t> </a:t>
-            </a:r>
-            <a:r>
-              <a:rPr lang="en-US" sz="2400" dirty="0" smtClean="0">
-                <a:solidFill>
-                  <a:srgbClr val="000000"/>
-                </a:solidFill>
-                <a:latin typeface="Arial"/>
-              </a:rPr>
-              <a:t>feasibility due to H/W limits</a:t>
-            </a:r>
-          </a:p>
-          <a:p>
-            <a:pPr lvl="1">
-              <a:buFont typeface="Arial"/>
-              <a:buChar char="•"/>
-            </a:pPr>
-            <a:r>
-              <a:rPr lang="en-US" sz="2400" dirty="0">
-                <a:solidFill>
-                  <a:srgbClr val="000000"/>
-                </a:solidFill>
-                <a:latin typeface="Arial"/>
-              </a:rPr>
-              <a:t> </a:t>
-            </a:r>
-            <a:r>
-              <a:rPr lang="en-US" sz="2400" dirty="0" smtClean="0">
-                <a:solidFill>
-                  <a:srgbClr val="000000"/>
-                </a:solidFill>
-                <a:latin typeface="Arial"/>
-              </a:rPr>
-              <a:t>simulation time</a:t>
-            </a:r>
-          </a:p>
-          <a:p>
-            <a:pPr lvl="1">
-              <a:buFont typeface="Arial"/>
-              <a:buChar char="•"/>
-            </a:pPr>
-            <a:r>
-              <a:rPr lang="en-US" sz="2400" dirty="0">
-                <a:solidFill>
-                  <a:srgbClr val="000000"/>
-                </a:solidFill>
-                <a:latin typeface="Arial"/>
-              </a:rPr>
-              <a:t> </a:t>
-            </a:r>
-            <a:r>
-              <a:rPr lang="en-US" sz="2400" dirty="0" smtClean="0">
-                <a:solidFill>
-                  <a:srgbClr val="000000"/>
-                </a:solidFill>
-                <a:latin typeface="Arial"/>
-              </a:rPr>
-              <a:t>energy use</a:t>
-            </a:r>
-          </a:p>
-          <a:p>
-            <a:pPr>
-              <a:lnSpc>
-                <a:spcPct val="100000"/>
-              </a:lnSpc>
-            </a:pPr>
-            <a:endParaRPr dirty="0"/>
-          </a:p>
-          <a:p>
-            <a:pPr>
-              <a:lnSpc>
-                <a:spcPct val="100000"/>
-              </a:lnSpc>
-            </a:pPr>
-            <a:endParaRPr dirty="0"/>
-          </a:p>
-        </p:txBody>
-      </p:sp>
-    </p:spTree>
-    <p:extLst>
-      <p:ext uri="{BB962C8B-B14F-4D97-AF65-F5344CB8AC3E}">
-        <p14:creationId xmlns:p14="http://schemas.microsoft.com/office/powerpoint/2010/main" val="4031871773"/>
-      </p:ext>
-    </p:extLst>
-  </p:cSld>
-  <p:clrMapOvr>
-    <a:masterClrMapping/>
   </p:clrMapOvr>
   <p:timing>
     <p:tnLst>
@@ -11987,364 +14937,265 @@
       </p:grpSpPr>
       <p:sp>
         <p:nvSpPr>
-          <p:cNvPr id="2" name="标题 1"/>
-          <p:cNvSpPr>
-            <a:spLocks noGrp="1"/>
-          </p:cNvSpPr>
-          <p:nvPr>
-            <p:ph type="title"/>
-          </p:nvPr>
-        </p:nvSpPr>
-        <p:spPr/>
-        <p:txBody>
-          <a:bodyPr/>
-          <a:lstStyle/>
-          <a:p>
-            <a:endParaRPr lang="zh-CN" altLang="en-US"/>
-          </a:p>
-        </p:txBody>
-      </p:sp>
-      <p:sp>
-        <p:nvSpPr>
-          <p:cNvPr id="3" name="副标题 2"/>
-          <p:cNvSpPr>
-            <a:spLocks noGrp="1"/>
-          </p:cNvSpPr>
-          <p:nvPr>
-            <p:ph type="subTitle"/>
-          </p:nvPr>
-        </p:nvSpPr>
-        <p:spPr/>
-        <p:txBody>
-          <a:bodyPr/>
-          <a:lstStyle/>
-          <a:p>
-            <a:endParaRPr lang="zh-CN" altLang="en-US"/>
-          </a:p>
-        </p:txBody>
-      </p:sp>
-      <p:pic>
-        <p:nvPicPr>
-          <p:cNvPr id="1026" name="Picture 2"/>
-          <p:cNvPicPr>
-            <a:picLocks noChangeAspect="1" noChangeArrowheads="1"/>
-          </p:cNvPicPr>
+          <p:cNvPr id="124" name="CustomShape 1"/>
+          <p:cNvSpPr/>
           <p:nvPr/>
-        </p:nvPicPr>
-        <p:blipFill>
-          <a:blip r:embed="rId2" cstate="print">
-            <a:extLst>
-              <a:ext uri="{28A0092B-C50C-407E-A947-70E740481C1C}">
-                <a14:useLocalDpi xmlns:a14="http://schemas.microsoft.com/office/drawing/2010/main" val="0"/>
-              </a:ext>
-            </a:extLst>
-          </a:blip>
-          <a:stretch>
-            <a:fillRect/>
-          </a:stretch>
-        </p:blipFill>
-        <p:spPr bwMode="auto">
-          <a:xfrm>
-            <a:off x="395536" y="260648"/>
-            <a:ext cx="8388424" cy="6003912"/>
-          </a:xfrm>
-          <a:prstGeom prst="rect">
-            <a:avLst/>
-          </a:prstGeom>
-          <a:solidFill>
-            <a:srgbClr val="FF0000"/>
-          </a:solidFill>
+        </p:nvSpPr>
+        <p:spPr>
+          <a:xfrm>
+            <a:off x="405720" y="1268640"/>
+            <a:ext cx="5842440" cy="1142280"/>
+          </a:xfrm>
+          <a:prstGeom prst="rect">
+            <a:avLst/>
+          </a:prstGeom>
+          <a:noFill/>
           <a:ln>
             <a:noFill/>
           </a:ln>
         </p:spPr>
-      </p:pic>
-      <p:sp>
-        <p:nvSpPr>
-          <p:cNvPr id="5" name="矩形 4"/>
+        <p:txBody>
+          <a:bodyPr lIns="90000" tIns="45000" rIns="90000" bIns="45000" anchor="ctr"/>
+          <a:lstStyle/>
+          <a:p>
+            <a:pPr>
+              <a:lnSpc>
+                <a:spcPct val="100000"/>
+              </a:lnSpc>
+            </a:pPr>
+            <a:r>
+              <a:rPr lang="en-GB" sz="3200" b="1" dirty="0">
+                <a:solidFill>
+                  <a:srgbClr val="595959"/>
+                </a:solidFill>
+              </a:rPr>
+              <a:t>A Dataset: </a:t>
+            </a:r>
+            <a:r>
+              <a:rPr lang="en-GB" sz="3200" b="1" dirty="0" smtClean="0">
+                <a:solidFill>
+                  <a:srgbClr val="595959"/>
+                </a:solidFill>
+              </a:rPr>
+              <a:t>NE15-MNIST</a:t>
+            </a:r>
+            <a:endParaRPr lang="en-GB" sz="3200" b="1" dirty="0">
+              <a:solidFill>
+                <a:srgbClr val="595959"/>
+              </a:solidFill>
+            </a:endParaRPr>
+          </a:p>
+        </p:txBody>
+      </p:sp>
+      <p:sp>
+        <p:nvSpPr>
+          <p:cNvPr id="125" name="CustomShape 2"/>
           <p:cNvSpPr/>
           <p:nvPr/>
         </p:nvSpPr>
         <p:spPr>
           <a:xfrm>
-            <a:off x="7164288" y="1988840"/>
-            <a:ext cx="1368152" cy="216024"/>
+            <a:off x="395640" y="2493000"/>
+            <a:ext cx="8228880" cy="3632400"/>
           </a:xfrm>
           <a:prstGeom prst="rect">
             <a:avLst/>
           </a:prstGeom>
           <a:noFill/>
           <a:ln>
-            <a:solidFill>
-              <a:srgbClr val="FF0000"/>
-            </a:solidFill>
+            <a:noFill/>
           </a:ln>
         </p:spPr>
-        <p:style>
-          <a:lnRef idx="2">
-            <a:schemeClr val="accent1">
-              <a:shade val="50000"/>
-            </a:schemeClr>
-          </a:lnRef>
-          <a:fillRef idx="1">
-            <a:schemeClr val="accent1"/>
-          </a:fillRef>
-          <a:effectRef idx="0">
-            <a:schemeClr val="accent1"/>
-          </a:effectRef>
-          <a:fontRef idx="minor">
-            <a:schemeClr val="lt1"/>
-          </a:fontRef>
-        </p:style>
-        <p:txBody>
-          <a:bodyPr rtlCol="0" anchor="ctr"/>
-          <a:lstStyle/>
-          <a:p>
-            <a:pPr algn="ctr"/>
-            <a:endParaRPr lang="zh-CN" altLang="en-US"/>
-          </a:p>
-        </p:txBody>
-      </p:sp>
-      <p:sp>
-        <p:nvSpPr>
-          <p:cNvPr id="7" name="矩形 6"/>
-          <p:cNvSpPr/>
-          <p:nvPr/>
-        </p:nvSpPr>
-        <p:spPr>
-          <a:xfrm>
-            <a:off x="5220072" y="4077072"/>
-            <a:ext cx="1368152" cy="432048"/>
-          </a:xfrm>
-          <a:prstGeom prst="rect">
-            <a:avLst/>
-          </a:prstGeom>
-          <a:noFill/>
-          <a:ln>
-            <a:solidFill>
-              <a:srgbClr val="FF0000"/>
-            </a:solidFill>
-          </a:ln>
-        </p:spPr>
-        <p:style>
-          <a:lnRef idx="2">
-            <a:schemeClr val="accent1">
-              <a:shade val="50000"/>
-            </a:schemeClr>
-          </a:lnRef>
-          <a:fillRef idx="1">
-            <a:schemeClr val="accent1"/>
-          </a:fillRef>
-          <a:effectRef idx="0">
-            <a:schemeClr val="accent1"/>
-          </a:effectRef>
-          <a:fontRef idx="minor">
-            <a:schemeClr val="lt1"/>
-          </a:fontRef>
-        </p:style>
-        <p:txBody>
-          <a:bodyPr rtlCol="0" anchor="ctr"/>
-          <a:lstStyle/>
-          <a:p>
-            <a:pPr algn="ctr"/>
-            <a:endParaRPr lang="zh-CN" altLang="en-US"/>
-          </a:p>
-        </p:txBody>
-      </p:sp>
-      <p:sp>
-        <p:nvSpPr>
-          <p:cNvPr id="8" name="矩形 7"/>
-          <p:cNvSpPr/>
-          <p:nvPr/>
-        </p:nvSpPr>
-        <p:spPr>
-          <a:xfrm>
-            <a:off x="7164288" y="2924944"/>
-            <a:ext cx="1368152" cy="216024"/>
-          </a:xfrm>
-          <a:prstGeom prst="rect">
-            <a:avLst/>
-          </a:prstGeom>
-          <a:noFill/>
-          <a:ln>
-            <a:solidFill>
-              <a:srgbClr val="FF0000"/>
-            </a:solidFill>
-          </a:ln>
-        </p:spPr>
-        <p:style>
-          <a:lnRef idx="2">
-            <a:schemeClr val="accent1">
-              <a:shade val="50000"/>
-            </a:schemeClr>
-          </a:lnRef>
-          <a:fillRef idx="1">
-            <a:schemeClr val="accent1"/>
-          </a:fillRef>
-          <a:effectRef idx="0">
-            <a:schemeClr val="accent1"/>
-          </a:effectRef>
-          <a:fontRef idx="minor">
-            <a:schemeClr val="lt1"/>
-          </a:fontRef>
-        </p:style>
-        <p:txBody>
-          <a:bodyPr rtlCol="0" anchor="ctr"/>
-          <a:lstStyle/>
-          <a:p>
-            <a:pPr algn="ctr"/>
-            <a:endParaRPr lang="zh-CN" altLang="en-US"/>
-          </a:p>
-        </p:txBody>
-      </p:sp>
-      <p:sp>
-        <p:nvSpPr>
-          <p:cNvPr id="9" name="矩形 8"/>
-          <p:cNvSpPr/>
-          <p:nvPr/>
-        </p:nvSpPr>
-        <p:spPr>
-          <a:xfrm>
-            <a:off x="7164288" y="5085184"/>
-            <a:ext cx="1368152" cy="216024"/>
-          </a:xfrm>
-          <a:prstGeom prst="rect">
-            <a:avLst/>
-          </a:prstGeom>
-          <a:noFill/>
-          <a:ln>
-            <a:solidFill>
-              <a:srgbClr val="FF0000"/>
-            </a:solidFill>
-          </a:ln>
-        </p:spPr>
-        <p:style>
-          <a:lnRef idx="2">
-            <a:schemeClr val="accent1">
-              <a:shade val="50000"/>
-            </a:schemeClr>
-          </a:lnRef>
-          <a:fillRef idx="1">
-            <a:schemeClr val="accent1"/>
-          </a:fillRef>
-          <a:effectRef idx="0">
-            <a:schemeClr val="accent1"/>
-          </a:effectRef>
-          <a:fontRef idx="minor">
-            <a:schemeClr val="lt1"/>
-          </a:fontRef>
-        </p:style>
-        <p:txBody>
-          <a:bodyPr rtlCol="0" anchor="ctr"/>
-          <a:lstStyle/>
-          <a:p>
-            <a:pPr algn="ctr"/>
-            <a:endParaRPr lang="zh-CN" altLang="en-US"/>
-          </a:p>
-        </p:txBody>
-      </p:sp>
-      <p:sp>
-        <p:nvSpPr>
-          <p:cNvPr id="10" name="矩形 9"/>
-          <p:cNvSpPr/>
-          <p:nvPr/>
-        </p:nvSpPr>
-        <p:spPr>
-          <a:xfrm>
-            <a:off x="7704856" y="5589240"/>
-            <a:ext cx="1043608" cy="216024"/>
-          </a:xfrm>
-          <a:prstGeom prst="rect">
-            <a:avLst/>
-          </a:prstGeom>
-          <a:noFill/>
-          <a:ln>
-            <a:solidFill>
-              <a:srgbClr val="FF0000"/>
-            </a:solidFill>
-          </a:ln>
-        </p:spPr>
-        <p:style>
-          <a:lnRef idx="2">
-            <a:schemeClr val="accent1">
-              <a:shade val="50000"/>
-            </a:schemeClr>
-          </a:lnRef>
-          <a:fillRef idx="1">
-            <a:schemeClr val="accent1"/>
-          </a:fillRef>
-          <a:effectRef idx="0">
-            <a:schemeClr val="accent1"/>
-          </a:effectRef>
-          <a:fontRef idx="minor">
-            <a:schemeClr val="lt1"/>
-          </a:fontRef>
-        </p:style>
-        <p:txBody>
-          <a:bodyPr rtlCol="0" anchor="ctr"/>
-          <a:lstStyle/>
-          <a:p>
-            <a:pPr algn="ctr"/>
-            <a:endParaRPr lang="zh-CN" altLang="en-US"/>
-          </a:p>
-        </p:txBody>
-      </p:sp>
-      <p:sp>
-        <p:nvSpPr>
-          <p:cNvPr id="12" name="矩形 11"/>
-          <p:cNvSpPr/>
-          <p:nvPr/>
-        </p:nvSpPr>
-        <p:spPr>
-          <a:xfrm>
-            <a:off x="7704856" y="6021288"/>
-            <a:ext cx="1043608" cy="216024"/>
-          </a:xfrm>
-          <a:prstGeom prst="rect">
-            <a:avLst/>
-          </a:prstGeom>
-          <a:noFill/>
-          <a:ln>
-            <a:solidFill>
-              <a:srgbClr val="FF0000"/>
-            </a:solidFill>
-          </a:ln>
-        </p:spPr>
-        <p:style>
-          <a:lnRef idx="2">
-            <a:schemeClr val="accent1">
-              <a:shade val="50000"/>
-            </a:schemeClr>
-          </a:lnRef>
-          <a:fillRef idx="1">
-            <a:schemeClr val="accent1"/>
-          </a:fillRef>
-          <a:effectRef idx="0">
-            <a:schemeClr val="accent1"/>
-          </a:effectRef>
-          <a:fontRef idx="minor">
-            <a:schemeClr val="lt1"/>
-          </a:fontRef>
-        </p:style>
-        <p:txBody>
-          <a:bodyPr rtlCol="0" anchor="ctr"/>
-          <a:lstStyle/>
-          <a:p>
-            <a:pPr algn="ctr"/>
-            <a:endParaRPr lang="zh-CN" altLang="en-US"/>
+        <p:txBody>
+          <a:bodyPr lIns="90000" tIns="45000" rIns="90000" bIns="45000"/>
+          <a:lstStyle/>
+          <a:p>
+            <a:pPr>
+              <a:lnSpc>
+                <a:spcPct val="100000"/>
+              </a:lnSpc>
+              <a:buFont typeface="Arial"/>
+              <a:buChar char="•"/>
+            </a:pPr>
+            <a:r>
+              <a:rPr lang="en-GB" sz="2800" dirty="0">
+                <a:solidFill>
+                  <a:srgbClr val="000000"/>
+                </a:solidFill>
+                <a:latin typeface="Arial"/>
+              </a:rPr>
+              <a:t> </a:t>
+            </a:r>
+            <a:r>
+              <a:rPr lang="en-GB" altLang="zh-CN" sz="2800" dirty="0">
+                <a:solidFill>
+                  <a:srgbClr val="000000"/>
+                </a:solidFill>
+              </a:rPr>
+              <a:t>Meaningful </a:t>
+            </a:r>
+            <a:r>
+              <a:rPr lang="en-US" altLang="zh-CN" sz="2800" dirty="0">
+                <a:solidFill>
+                  <a:srgbClr val="000000"/>
+                </a:solidFill>
+              </a:rPr>
+              <a:t>comparisons</a:t>
+            </a:r>
+            <a:endParaRPr lang="en-GB" sz="2800" dirty="0" smtClean="0">
+              <a:solidFill>
+                <a:srgbClr val="000000"/>
+              </a:solidFill>
+              <a:latin typeface="Arial"/>
+            </a:endParaRPr>
+          </a:p>
+          <a:p>
+            <a:pPr lvl="1"/>
+            <a:r>
+              <a:rPr lang="en-GB" sz="2400" dirty="0" smtClean="0">
+                <a:solidFill>
+                  <a:srgbClr val="000000"/>
+                </a:solidFill>
+                <a:latin typeface="Arial"/>
+              </a:rPr>
+              <a:t>- </a:t>
+            </a:r>
+            <a:r>
+              <a:rPr lang="en-US" sz="2400" dirty="0" smtClean="0">
+                <a:solidFill>
+                  <a:srgbClr val="000000"/>
+                </a:solidFill>
+                <a:latin typeface="Arial"/>
+              </a:rPr>
+              <a:t>On the same data</a:t>
+            </a:r>
+            <a:endParaRPr lang="en-US" altLang="zh-CN" sz="2400" dirty="0" smtClean="0">
+              <a:solidFill>
+                <a:srgbClr val="000000"/>
+              </a:solidFill>
+              <a:latin typeface="Arial"/>
+            </a:endParaRPr>
+          </a:p>
+          <a:p>
+            <a:pPr lvl="1"/>
+            <a:r>
+              <a:rPr lang="en-US" altLang="zh-CN" sz="2400" dirty="0" smtClean="0">
+                <a:solidFill>
+                  <a:srgbClr val="000000"/>
+                </a:solidFill>
+                <a:latin typeface="Arial"/>
+              </a:rPr>
+              <a:t>-</a:t>
+            </a:r>
+            <a:r>
+              <a:rPr lang="en-GB" sz="2400" dirty="0" smtClean="0">
+                <a:solidFill>
+                  <a:srgbClr val="000000"/>
+                </a:solidFill>
+                <a:latin typeface="Arial"/>
+              </a:rPr>
+              <a:t> Among </a:t>
+            </a:r>
+            <a:r>
+              <a:rPr lang="en-GB" sz="2400" dirty="0" smtClean="0">
+                <a:solidFill>
+                  <a:srgbClr val="000000"/>
+                </a:solidFill>
+                <a:latin typeface="Arial"/>
+              </a:rPr>
+              <a:t>SNNs</a:t>
+            </a:r>
+            <a:endParaRPr lang="en-GB" sz="2400" dirty="0" smtClean="0">
+              <a:solidFill>
+                <a:srgbClr val="000000"/>
+              </a:solidFill>
+              <a:latin typeface="Arial"/>
+            </a:endParaRPr>
+          </a:p>
+          <a:p>
+            <a:pPr lvl="1"/>
+            <a:r>
+              <a:rPr lang="en-US" altLang="zh-CN" sz="2400" dirty="0" smtClean="0">
+                <a:solidFill>
+                  <a:srgbClr val="000000"/>
+                </a:solidFill>
+                <a:latin typeface="Arial"/>
+              </a:rPr>
+              <a:t>-</a:t>
+            </a:r>
+            <a:r>
+              <a:rPr lang="en-GB" sz="2400" dirty="0" smtClean="0">
+                <a:solidFill>
+                  <a:srgbClr val="000000"/>
+                </a:solidFill>
+                <a:latin typeface="Arial"/>
+              </a:rPr>
+              <a:t> vs. conventional algorithms</a:t>
+            </a:r>
+          </a:p>
+          <a:p>
+            <a:pPr lvl="1"/>
+            <a:endParaRPr lang="en-GB" sz="2800" dirty="0" smtClean="0">
+              <a:solidFill>
+                <a:srgbClr val="000000"/>
+              </a:solidFill>
+              <a:latin typeface="Arial"/>
+            </a:endParaRPr>
+          </a:p>
+          <a:p>
+            <a:pPr>
+              <a:lnSpc>
+                <a:spcPct val="100000"/>
+              </a:lnSpc>
+              <a:buFont typeface="Arial"/>
+              <a:buChar char="•"/>
+            </a:pPr>
+            <a:endParaRPr lang="en-GB" sz="2800" dirty="0" smtClean="0">
+              <a:solidFill>
+                <a:srgbClr val="000000"/>
+              </a:solidFill>
+              <a:latin typeface="Arial"/>
+            </a:endParaRPr>
           </a:p>
         </p:txBody>
       </p:sp>
     </p:spTree>
     <p:extLst>
       <p:ext uri="{BB962C8B-B14F-4D97-AF65-F5344CB8AC3E}">
-        <p14:creationId xmlns:p14="http://schemas.microsoft.com/office/powerpoint/2010/main" val="1893679748"/>
+        <p14:creationId xmlns:p14="http://schemas.microsoft.com/office/powerpoint/2010/main" val="3067283834"/>
       </p:ext>
     </p:extLst>
   </p:cSld>
   <p:clrMapOvr>
     <a:masterClrMapping/>
   </p:clrMapOvr>
+  <p:timing>
+    <p:tnLst>
+      <p:par>
+        <p:cTn id="1" dur="indefinite" restart="never" nodeType="tmRoot">
+          <p:childTnLst>
+            <p:seq>
+              <p:cTn id="2" nodeType="mainSeq"/>
+              <p:prevCondLst>
+                <p:cond evt="onPrev" delay="0">
+                  <p:tgtEl>
+                    <p:sldTgt/>
+                  </p:tgtEl>
+                </p:cond>
+              </p:prevCondLst>
+              <p:nextCondLst>
+                <p:cond evt="onNext" delay="0">
+                  <p:tgtEl>
+                    <p:sldTgt/>
+                  </p:tgtEl>
+                </p:cond>
+              </p:nextCondLst>
+            </p:seq>
+          </p:childTnLst>
+        </p:cTn>
+      </p:par>
+    </p:tnLst>
+  </p:timing>
 </p:sld>
 </file>
 
@@ -12367,7 +15218,7 @@
       </p:grpSpPr>
       <p:sp>
         <p:nvSpPr>
-          <p:cNvPr id="126" name="CustomShape 1"/>
+          <p:cNvPr id="124" name="CustomShape 1"/>
           <p:cNvSpPr/>
           <p:nvPr/>
         </p:nvSpPr>
@@ -12394,14 +15245,22 @@
               </a:lnSpc>
             </a:pPr>
             <a:r>
-              <a:rPr lang="en-GB" altLang="zh-CN" sz="3200" b="1" dirty="0" smtClean="0">
+              <a:rPr lang="en-GB" sz="3200" b="1" dirty="0">
                 <a:solidFill>
                   <a:srgbClr val="595959"/>
                 </a:solidFill>
               </a:rPr>
-              <a:t>Evaluation</a:t>
-            </a:r>
-            <a:endParaRPr lang="en-GB" altLang="zh-CN" sz="3200" b="1" dirty="0">
+              <a:t>A Dataset: </a:t>
+            </a:r>
+            <a:r>
+              <a:rPr lang="en-GB" sz="3200" b="1" dirty="0" smtClean="0">
+                <a:solidFill>
+                  <a:srgbClr val="595959"/>
+                </a:solidFill>
+              </a:rPr>
+              <a:t>NE15-MNIST</a:t>
+            </a:r>
+            <a:endParaRPr lang="en-GB" sz="3200" b="1" dirty="0">
               <a:solidFill>
                 <a:srgbClr val="595959"/>
               </a:solidFill>
@@ -12411,7 +15270,7 @@
       </p:sp>
       <p:sp>
         <p:nvSpPr>
-          <p:cNvPr id="127" name="CustomShape 2"/>
+          <p:cNvPr id="125" name="CustomShape 2"/>
           <p:cNvSpPr/>
           <p:nvPr/>
         </p:nvSpPr>
@@ -12440,87 +15299,226 @@
               <a:buChar char="•"/>
             </a:pPr>
             <a:r>
-              <a:rPr lang="en-GB" sz="2800" dirty="0" smtClean="0">
+              <a:rPr lang="en-GB" sz="2800" dirty="0">
                 <a:solidFill>
                   <a:srgbClr val="000000"/>
                 </a:solidFill>
                 <a:latin typeface="Arial"/>
               </a:rPr>
-              <a:t> SNN models</a:t>
-            </a:r>
-          </a:p>
-          <a:p>
-            <a:pPr lvl="1">
-              <a:buFont typeface="Arial"/>
-              <a:buChar char="•"/>
-            </a:pPr>
-            <a:r>
-              <a:rPr lang="en-GB" sz="2400" dirty="0">
+              <a:t> </a:t>
+            </a:r>
+            <a:r>
+              <a:rPr lang="en-GB" altLang="zh-CN" sz="2800" dirty="0">
                 <a:solidFill>
                   <a:srgbClr val="000000"/>
                 </a:solidFill>
-                <a:latin typeface="Arial"/>
+              </a:rPr>
+              <a:t>Promoting future research</a:t>
+            </a:r>
+            <a:endParaRPr lang="en-GB" sz="2800" dirty="0" smtClean="0">
+              <a:solidFill>
+                <a:srgbClr val="000000"/>
+              </a:solidFill>
+              <a:latin typeface="Arial"/>
+            </a:endParaRPr>
+          </a:p>
+          <a:p>
+            <a:pPr lvl="1"/>
+            <a:r>
+              <a:rPr lang="en-GB" altLang="zh-CN" sz="2400" dirty="0" smtClean="0">
+                <a:solidFill>
+                  <a:srgbClr val="000000"/>
+                </a:solidFill>
+              </a:rPr>
+              <a:t>- </a:t>
+            </a:r>
+            <a:r>
+              <a:rPr lang="en-GB" altLang="zh-CN" sz="2400" dirty="0">
+                <a:solidFill>
+                  <a:schemeClr val="tx1">
+                    <a:lumMod val="50000"/>
+                    <a:lumOff val="50000"/>
+                  </a:schemeClr>
+                </a:solidFill>
+              </a:rPr>
+              <a:t>Poisson</a:t>
+            </a:r>
+            <a:r>
+              <a:rPr lang="en-US" altLang="zh-CN" sz="2400" dirty="0" err="1" smtClean="0">
+                <a:solidFill>
+                  <a:schemeClr val="tx1">
+                    <a:lumMod val="50000"/>
+                    <a:lumOff val="50000"/>
+                  </a:schemeClr>
+                </a:solidFill>
+              </a:rPr>
+              <a:t>ian</a:t>
+            </a:r>
+            <a:r>
+              <a:rPr lang="en-US" altLang="zh-CN" sz="2400" dirty="0" smtClean="0">
+                <a:solidFill>
+                  <a:schemeClr val="tx1">
+                    <a:lumMod val="50000"/>
+                    <a:lumOff val="50000"/>
+                  </a:schemeClr>
+                </a:solidFill>
+              </a:rPr>
+              <a:t>: </a:t>
+            </a:r>
+            <a:r>
+              <a:rPr lang="en-US" altLang="zh-CN" sz="2400" dirty="0" smtClean="0">
+                <a:solidFill>
+                  <a:srgbClr val="000000"/>
+                </a:solidFill>
+              </a:rPr>
+              <a:t>easier accessible</a:t>
+            </a:r>
+            <a:endParaRPr lang="en-US" altLang="zh-CN" sz="2400" dirty="0">
+              <a:solidFill>
+                <a:srgbClr val="000000"/>
+              </a:solidFill>
+            </a:endParaRPr>
+          </a:p>
+          <a:p>
+            <a:pPr lvl="1"/>
+            <a:r>
+              <a:rPr lang="en-US" altLang="zh-CN" sz="2400" dirty="0">
+                <a:solidFill>
+                  <a:srgbClr val="000000"/>
+                </a:solidFill>
+              </a:rPr>
+              <a:t>-</a:t>
+            </a:r>
+            <a:r>
+              <a:rPr lang="en-GB" altLang="zh-CN" sz="2400" dirty="0">
+                <a:solidFill>
+                  <a:srgbClr val="000000"/>
+                </a:solidFill>
               </a:rPr>
               <a:t> </a:t>
             </a:r>
             <a:r>
-              <a:rPr lang="en-GB" sz="2400" dirty="0" smtClean="0">
+              <a:rPr lang="en-GB" altLang="zh-CN" sz="2400" dirty="0" smtClean="0">
+                <a:solidFill>
+                  <a:schemeClr val="tx1">
+                    <a:lumMod val="50000"/>
+                    <a:lumOff val="50000"/>
+                  </a:schemeClr>
+                </a:solidFill>
+              </a:rPr>
+              <a:t>ROC: </a:t>
+            </a:r>
+            <a:r>
+              <a:rPr lang="en-GB" altLang="zh-CN" sz="2400" dirty="0" err="1" smtClean="0">
                 <a:solidFill>
                   <a:srgbClr val="000000"/>
                 </a:solidFill>
-                <a:latin typeface="Arial"/>
-              </a:rPr>
-              <a:t>biological training time</a:t>
-            </a:r>
-          </a:p>
-          <a:p>
-            <a:pPr lvl="1">
-              <a:buFont typeface="Arial"/>
-              <a:buChar char="•"/>
-            </a:pPr>
-            <a:r>
-              <a:rPr lang="en-GB" sz="2400" dirty="0">
+              </a:rPr>
+              <a:t>spatio</a:t>
+            </a:r>
+            <a:r>
+              <a:rPr lang="en-GB" altLang="zh-CN" sz="2400" dirty="0" smtClean="0">
                 <a:solidFill>
                   <a:srgbClr val="000000"/>
                 </a:solidFill>
-                <a:latin typeface="Arial"/>
+              </a:rPr>
+              <a:t>-temporal pattern recognition</a:t>
+            </a:r>
+          </a:p>
+          <a:p>
+            <a:pPr lvl="1"/>
+            <a:r>
+              <a:rPr lang="en-US" altLang="zh-CN" sz="2400" dirty="0" smtClean="0">
+                <a:solidFill>
+                  <a:srgbClr val="000000"/>
+                </a:solidFill>
+              </a:rPr>
+              <a:t>-</a:t>
+            </a:r>
+            <a:r>
+              <a:rPr lang="en-GB" altLang="zh-CN" sz="2400" dirty="0" smtClean="0">
+                <a:solidFill>
+                  <a:srgbClr val="000000"/>
+                </a:solidFill>
               </a:rPr>
               <a:t> </a:t>
             </a:r>
             <a:r>
-              <a:rPr lang="en-GB" sz="2400" dirty="0" smtClean="0">
+              <a:rPr lang="en-GB" altLang="zh-CN" sz="2400" dirty="0" smtClean="0">
+                <a:solidFill>
+                  <a:schemeClr val="tx1">
+                    <a:lumMod val="50000"/>
+                    <a:lumOff val="50000"/>
+                  </a:schemeClr>
+                </a:solidFill>
+              </a:rPr>
+              <a:t>Flashing image: </a:t>
+            </a:r>
+            <a:r>
+              <a:rPr lang="en-GB" altLang="zh-CN" sz="2400" dirty="0" smtClean="0">
                 <a:solidFill>
                   <a:srgbClr val="000000"/>
                 </a:solidFill>
-                <a:latin typeface="Arial"/>
-              </a:rPr>
-              <a:t>biological testing time</a:t>
-            </a:r>
-          </a:p>
-          <a:p>
-            <a:pPr lvl="1">
-              <a:buFont typeface="Arial"/>
-              <a:buChar char="•"/>
-            </a:pPr>
-            <a:r>
-              <a:rPr lang="en-GB" sz="2400" dirty="0">
+              </a:rPr>
+              <a:t>fast recognition</a:t>
+            </a:r>
+          </a:p>
+          <a:p>
+            <a:pPr lvl="1"/>
+            <a:r>
+              <a:rPr lang="en-US" altLang="zh-CN" sz="2400" dirty="0" smtClean="0">
                 <a:solidFill>
                   <a:srgbClr val="000000"/>
                 </a:solidFill>
-                <a:latin typeface="Arial"/>
+              </a:rPr>
+              <a:t>-</a:t>
+            </a:r>
+            <a:r>
+              <a:rPr lang="en-GB" altLang="zh-CN" sz="2400" dirty="0" smtClean="0">
+                <a:solidFill>
+                  <a:srgbClr val="000000"/>
+                </a:solidFill>
               </a:rPr>
               <a:t> </a:t>
             </a:r>
             <a:r>
-              <a:rPr lang="en-GB" sz="2400" dirty="0" smtClean="0">
-                <a:solidFill>
-                  <a:srgbClr val="000000"/>
-                </a:solidFill>
-                <a:latin typeface="Arial"/>
-              </a:rPr>
-              <a:t>response latency</a:t>
-            </a:r>
-            <a:endParaRPr lang="en-GB" sz="2400" dirty="0" smtClean="0">
+              <a:rPr lang="en-GB" altLang="zh-CN" sz="2400" dirty="0" smtClean="0">
+                <a:solidFill>
+                  <a:schemeClr val="tx1">
+                    <a:lumMod val="50000"/>
+                    <a:lumOff val="50000"/>
+                  </a:schemeClr>
+                </a:solidFill>
+              </a:rPr>
+              <a:t>Moving image</a:t>
+            </a:r>
+            <a:r>
+              <a:rPr lang="en-GB" altLang="zh-CN" sz="2400" dirty="0">
+                <a:solidFill>
+                  <a:schemeClr val="tx1">
+                    <a:lumMod val="50000"/>
+                    <a:lumOff val="50000"/>
+                  </a:schemeClr>
+                </a:solidFill>
+              </a:rPr>
+              <a:t>: </a:t>
+            </a:r>
+            <a:r>
+              <a:rPr lang="en-GB" altLang="zh-CN" sz="2400" dirty="0" smtClean="0"/>
+              <a:t>invariant recognition</a:t>
+            </a:r>
+            <a:endParaRPr lang="en-GB" altLang="zh-CN" sz="2800" dirty="0">
+              <a:solidFill>
+                <a:schemeClr val="tx1">
+                  <a:lumMod val="50000"/>
+                  <a:lumOff val="50000"/>
+                </a:schemeClr>
+              </a:solidFill>
+            </a:endParaRPr>
+          </a:p>
+          <a:p>
+            <a:pPr lvl="1"/>
+            <a:endParaRPr lang="en-GB" sz="2800" dirty="0" smtClean="0">
               <a:solidFill>
                 <a:srgbClr val="000000"/>
               </a:solidFill>
@@ -12535,119 +15533,101 @@
               <a:buFont typeface="Arial"/>
               <a:buChar char="•"/>
             </a:pPr>
-            <a:r>
-              <a:rPr lang="en-GB" sz="2800" dirty="0" smtClean="0">
-                <a:solidFill>
-                  <a:srgbClr val="000000"/>
-                </a:solidFill>
-                <a:latin typeface="Arial"/>
-              </a:rPr>
-              <a:t> </a:t>
-            </a:r>
-            <a:r>
-              <a:rPr lang="en-US" sz="2800" dirty="0" smtClean="0">
-                <a:solidFill>
-                  <a:srgbClr val="FF0000"/>
-                </a:solidFill>
-                <a:latin typeface="Arial"/>
-              </a:rPr>
-              <a:t>H/W platforms</a:t>
-            </a:r>
-          </a:p>
-          <a:p>
-            <a:pPr lvl="1">
-              <a:buFont typeface="Arial"/>
-              <a:buChar char="•"/>
-            </a:pPr>
-            <a:r>
-              <a:rPr lang="en-US" sz="2400" dirty="0">
-                <a:solidFill>
-                  <a:srgbClr val="000000"/>
-                </a:solidFill>
-                <a:latin typeface="Arial"/>
-              </a:rPr>
-              <a:t> </a:t>
-            </a:r>
-            <a:r>
-              <a:rPr lang="en-US" sz="2400" dirty="0" smtClean="0">
-                <a:solidFill>
-                  <a:srgbClr val="000000"/>
-                </a:solidFill>
-                <a:latin typeface="Arial"/>
-              </a:rPr>
-              <a:t>feasibility due to H/W limits</a:t>
-            </a:r>
-          </a:p>
-          <a:p>
-            <a:pPr lvl="1">
-              <a:buFont typeface="Arial"/>
-              <a:buChar char="•"/>
-            </a:pPr>
-            <a:r>
-              <a:rPr lang="en-US" sz="2400" dirty="0">
-                <a:solidFill>
-                  <a:srgbClr val="000000"/>
-                </a:solidFill>
-                <a:latin typeface="Arial"/>
-              </a:rPr>
-              <a:t> </a:t>
-            </a:r>
-            <a:r>
-              <a:rPr lang="en-US" sz="2400" dirty="0" smtClean="0">
-                <a:solidFill>
-                  <a:srgbClr val="000000"/>
-                </a:solidFill>
-                <a:latin typeface="Arial"/>
-              </a:rPr>
-              <a:t>simulation time</a:t>
-            </a:r>
-          </a:p>
-          <a:p>
-            <a:pPr lvl="1">
-              <a:buFont typeface="Arial"/>
-              <a:buChar char="•"/>
-            </a:pPr>
-            <a:r>
-              <a:rPr lang="en-US" sz="2400" dirty="0">
-                <a:solidFill>
-                  <a:srgbClr val="000000"/>
-                </a:solidFill>
-                <a:latin typeface="Arial"/>
-              </a:rPr>
-              <a:t> </a:t>
-            </a:r>
-            <a:r>
-              <a:rPr lang="en-US" sz="2400" dirty="0" smtClean="0">
-                <a:solidFill>
-                  <a:srgbClr val="000000"/>
-                </a:solidFill>
-                <a:latin typeface="Arial"/>
-              </a:rPr>
-              <a:t>energy use</a:t>
-            </a:r>
-          </a:p>
-          <a:p>
-            <a:pPr>
-              <a:lnSpc>
-                <a:spcPct val="100000"/>
-              </a:lnSpc>
-            </a:pPr>
-            <a:endParaRPr dirty="0"/>
-          </a:p>
-          <a:p>
-            <a:pPr>
-              <a:lnSpc>
-                <a:spcPct val="100000"/>
-              </a:lnSpc>
-            </a:pPr>
-            <a:endParaRPr dirty="0"/>
-          </a:p>
-        </p:txBody>
-      </p:sp>
+            <a:endParaRPr lang="en-GB" sz="2800" dirty="0" smtClean="0">
+              <a:solidFill>
+                <a:srgbClr val="000000"/>
+              </a:solidFill>
+              <a:latin typeface="Arial"/>
+            </a:endParaRPr>
+          </a:p>
+        </p:txBody>
+      </p:sp>
+      <p:pic>
+        <p:nvPicPr>
+          <p:cNvPr id="1026" name="Picture 2" descr="C:\Users\Administrator\Desktop\pattern.png"/>
+          <p:cNvPicPr>
+            <a:picLocks noChangeAspect="1" noChangeArrowheads="1"/>
+          </p:cNvPicPr>
+          <p:nvPr/>
+        </p:nvPicPr>
+        <p:blipFill>
+          <a:blip r:embed="rId3" cstate="print">
+            <a:extLst>
+              <a:ext uri="{28A0092B-C50C-407E-A947-70E740481C1C}">
+                <a14:useLocalDpi xmlns:a14="http://schemas.microsoft.com/office/drawing/2010/main" val="0"/>
+              </a:ext>
+            </a:extLst>
+          </a:blip>
+          <a:srcRect/>
+          <a:stretch>
+            <a:fillRect/>
+          </a:stretch>
+        </p:blipFill>
+        <p:spPr bwMode="auto">
+          <a:xfrm>
+            <a:off x="1043608" y="4581128"/>
+            <a:ext cx="2713162" cy="1858936"/>
+          </a:xfrm>
+          <a:prstGeom prst="rect">
+            <a:avLst/>
+          </a:prstGeom>
+          <a:noFill/>
+          <a:extLst>
+            <a:ext uri="{909E8E84-426E-40DD-AFC4-6F175D3DCCD1}">
+              <a14:hiddenFill xmlns:a14="http://schemas.microsoft.com/office/drawing/2010/main">
+                <a:solidFill>
+                  <a:srgbClr val="FFFFFF"/>
+                </a:solidFill>
+              </a14:hiddenFill>
+            </a:ext>
+          </a:extLst>
+        </p:spPr>
+      </p:pic>
+      <p:pic>
+        <p:nvPicPr>
+          <p:cNvPr id="1027" name="Picture 3" descr="E:\github\benchmarking\ne_submit\jpeg-tobefix\flash_full.jpg"/>
+          <p:cNvPicPr>
+            <a:picLocks noChangeAspect="1" noChangeArrowheads="1"/>
+          </p:cNvPicPr>
+          <p:nvPr/>
+        </p:nvPicPr>
+        <p:blipFill>
+          <a:blip r:embed="rId4" cstate="print">
+            <a:extLst>
+              <a:ext uri="{28A0092B-C50C-407E-A947-70E740481C1C}">
+                <a14:useLocalDpi xmlns:a14="http://schemas.microsoft.com/office/drawing/2010/main" val="0"/>
+              </a:ext>
+            </a:extLst>
+          </a:blip>
+          <a:srcRect/>
+          <a:stretch>
+            <a:fillRect/>
+          </a:stretch>
+        </p:blipFill>
+        <p:spPr bwMode="auto">
+          <a:xfrm>
+            <a:off x="3975999" y="4632689"/>
+            <a:ext cx="4118086" cy="1842399"/>
+          </a:xfrm>
+          <a:prstGeom prst="rect">
+            <a:avLst/>
+          </a:prstGeom>
+          <a:noFill/>
+          <a:extLst>
+            <a:ext uri="{909E8E84-426E-40DD-AFC4-6F175D3DCCD1}">
+              <a14:hiddenFill xmlns:a14="http://schemas.microsoft.com/office/drawing/2010/main">
+                <a:solidFill>
+                  <a:srgbClr val="FFFFFF"/>
+                </a:solidFill>
+              </a14:hiddenFill>
+            </a:ext>
+          </a:extLst>
+        </p:spPr>
+      </p:pic>
     </p:spTree>
     <p:extLst>
       <p:ext uri="{BB962C8B-B14F-4D97-AF65-F5344CB8AC3E}">
-        <p14:creationId xmlns:p14="http://schemas.microsoft.com/office/powerpoint/2010/main" val="1811760073"/>
+        <p14:creationId xmlns:p14="http://schemas.microsoft.com/office/powerpoint/2010/main" val="1896403696"/>
       </p:ext>
     </p:extLst>
   </p:cSld>
@@ -12703,26 +15683,151 @@
       </p:grpSpPr>
       <p:sp>
         <p:nvSpPr>
-          <p:cNvPr id="3" name="副标题 2"/>
-          <p:cNvSpPr>
-            <a:spLocks noGrp="1"/>
-          </p:cNvSpPr>
-          <p:nvPr>
-            <p:ph type="subTitle"/>
-          </p:nvPr>
-        </p:nvSpPr>
-        <p:spPr/>
-        <p:txBody>
-          <a:bodyPr/>
-          <a:lstStyle/>
-          <a:p>
-            <a:endParaRPr lang="zh-CN" altLang="en-US"/>
+          <p:cNvPr id="126" name="CustomShape 1"/>
+          <p:cNvSpPr/>
+          <p:nvPr/>
+        </p:nvSpPr>
+        <p:spPr>
+          <a:xfrm>
+            <a:off x="405720" y="1268640"/>
+            <a:ext cx="8414752" cy="1142280"/>
+          </a:xfrm>
+          <a:prstGeom prst="rect">
+            <a:avLst/>
+          </a:prstGeom>
+          <a:noFill/>
+          <a:ln>
+            <a:noFill/>
+          </a:ln>
+        </p:spPr>
+        <p:txBody>
+          <a:bodyPr lIns="90000" tIns="45000" rIns="90000" bIns="45000" anchor="ctr"/>
+          <a:lstStyle/>
+          <a:p>
+            <a:pPr>
+              <a:lnSpc>
+                <a:spcPct val="100000"/>
+              </a:lnSpc>
+            </a:pPr>
+            <a:r>
+              <a:rPr lang="en-GB" altLang="zh-CN" sz="3200" b="1" dirty="0" smtClean="0">
+                <a:solidFill>
+                  <a:srgbClr val="595959"/>
+                </a:solidFill>
+              </a:rPr>
+              <a:t>Evaluation on Spiking Vision Recognition</a:t>
+            </a:r>
+            <a:endParaRPr lang="en-GB" altLang="zh-CN" sz="3200" b="1" dirty="0">
+              <a:solidFill>
+                <a:srgbClr val="595959"/>
+              </a:solidFill>
+            </a:endParaRPr>
+          </a:p>
+        </p:txBody>
+      </p:sp>
+      <p:sp>
+        <p:nvSpPr>
+          <p:cNvPr id="127" name="CustomShape 2"/>
+          <p:cNvSpPr/>
+          <p:nvPr/>
+        </p:nvSpPr>
+        <p:spPr>
+          <a:xfrm>
+            <a:off x="395640" y="2493000"/>
+            <a:ext cx="8228880" cy="3632400"/>
+          </a:xfrm>
+          <a:prstGeom prst="rect">
+            <a:avLst/>
+          </a:prstGeom>
+          <a:noFill/>
+          <a:ln>
+            <a:noFill/>
+          </a:ln>
+        </p:spPr>
+        <p:txBody>
+          <a:bodyPr lIns="90000" tIns="45000" rIns="90000" bIns="45000"/>
+          <a:lstStyle/>
+          <a:p>
+            <a:pPr>
+              <a:lnSpc>
+                <a:spcPct val="100000"/>
+              </a:lnSpc>
+              <a:buFont typeface="Arial"/>
+              <a:buChar char="•"/>
+            </a:pPr>
+            <a:r>
+              <a:rPr lang="en-GB" sz="2800" dirty="0" smtClean="0">
+                <a:solidFill>
+                  <a:srgbClr val="000000"/>
+                </a:solidFill>
+                <a:latin typeface="Arial"/>
+              </a:rPr>
+              <a:t> Metrics on </a:t>
+            </a:r>
+            <a:r>
+              <a:rPr lang="en-GB" sz="2800" dirty="0" smtClean="0">
+                <a:latin typeface="Arial"/>
+              </a:rPr>
+              <a:t>SNN models</a:t>
+            </a:r>
+          </a:p>
+          <a:p>
+            <a:pPr lvl="1"/>
+            <a:r>
+              <a:rPr lang="en-GB" sz="2400" dirty="0" smtClean="0">
+                <a:solidFill>
+                  <a:srgbClr val="000000"/>
+                </a:solidFill>
+                <a:latin typeface="Arial"/>
+              </a:rPr>
+              <a:t>- Biological training time</a:t>
+            </a:r>
+          </a:p>
+          <a:p>
+            <a:pPr lvl="1"/>
+            <a:r>
+              <a:rPr lang="en-GB" sz="2400" dirty="0" smtClean="0">
+                <a:solidFill>
+                  <a:srgbClr val="000000"/>
+                </a:solidFill>
+                <a:latin typeface="Arial"/>
+              </a:rPr>
+              <a:t>- Biological testing time</a:t>
+            </a:r>
+          </a:p>
+          <a:p>
+            <a:pPr lvl="1"/>
+            <a:r>
+              <a:rPr lang="en-GB" sz="2400" dirty="0" smtClean="0">
+                <a:solidFill>
+                  <a:srgbClr val="000000"/>
+                </a:solidFill>
+                <a:latin typeface="Arial"/>
+              </a:rPr>
+              <a:t>- Response latency</a:t>
+            </a:r>
+          </a:p>
+          <a:p>
+            <a:pPr>
+              <a:lnSpc>
+                <a:spcPct val="100000"/>
+              </a:lnSpc>
+            </a:pPr>
+            <a:endParaRPr dirty="0"/>
+          </a:p>
+          <a:p>
+            <a:pPr>
+              <a:lnSpc>
+                <a:spcPct val="100000"/>
+              </a:lnSpc>
+            </a:pPr>
+            <a:endParaRPr dirty="0"/>
           </a:p>
         </p:txBody>
       </p:sp>
       <p:pic>
         <p:nvPicPr>
-          <p:cNvPr id="2050" name="Picture 2"/>
+          <p:cNvPr id="2050" name="Picture 2" descr="C:\Users\Administrator\Desktop\neuron.jpg"/>
           <p:cNvPicPr>
             <a:picLocks noChangeAspect="1" noChangeArrowheads="1"/>
           </p:cNvPicPr>
@@ -12743,149 +15848,41 @@
         </p:blipFill>
         <p:spPr bwMode="auto">
           <a:xfrm>
-            <a:off x="306635" y="332656"/>
-            <a:ext cx="8582025" cy="5638800"/>
+            <a:off x="2411760" y="4293096"/>
+            <a:ext cx="5345113" cy="1995487"/>
           </a:xfrm>
           <a:prstGeom prst="rect">
             <a:avLst/>
           </a:prstGeom>
           <a:noFill/>
-          <a:ln>
-            <a:noFill/>
-          </a:ln>
-          <a:effectLst/>
           <a:extLst>
             <a:ext uri="{909E8E84-426E-40DD-AFC4-6F175D3DCCD1}">
               <a14:hiddenFill xmlns:a14="http://schemas.microsoft.com/office/drawing/2010/main">
                 <a:solidFill>
-                  <a:schemeClr val="accent1"/>
+                  <a:srgbClr val="FFFFFF"/>
                 </a:solidFill>
               </a14:hiddenFill>
             </a:ext>
-            <a:ext uri="{91240B29-F687-4F45-9708-019B960494DF}">
-              <a14:hiddenLine xmlns:a14="http://schemas.microsoft.com/office/drawing/2010/main" w="9525">
-                <a:solidFill>
-                  <a:schemeClr val="tx1"/>
-                </a:solidFill>
-                <a:miter lim="800000"/>
-                <a:headEnd/>
-                <a:tailEnd/>
-              </a14:hiddenLine>
-            </a:ext>
-            <a:ext uri="{AF507438-7753-43E0-B8FC-AC1667EBCBE1}">
-              <a14:hiddenEffects xmlns:a14="http://schemas.microsoft.com/office/drawing/2010/main">
-                <a:effectLst>
-                  <a:outerShdw dist="35921" dir="2700000" algn="ctr" rotWithShape="0">
-                    <a:schemeClr val="bg2"/>
-                  </a:outerShdw>
-                </a:effectLst>
-              </a14:hiddenEffects>
-            </a:ext>
           </a:extLst>
         </p:spPr>
       </p:pic>
-      <p:sp>
-        <p:nvSpPr>
-          <p:cNvPr id="5" name="矩形 4"/>
-          <p:cNvSpPr/>
-          <p:nvPr/>
-        </p:nvSpPr>
-        <p:spPr>
-          <a:xfrm>
-            <a:off x="7524328" y="332656"/>
-            <a:ext cx="1368152" cy="5638800"/>
-          </a:xfrm>
-          <a:prstGeom prst="rect">
-            <a:avLst/>
-          </a:prstGeom>
-          <a:noFill/>
-          <a:ln>
-            <a:solidFill>
-              <a:srgbClr val="FF0000"/>
-            </a:solidFill>
-          </a:ln>
-        </p:spPr>
-        <p:style>
-          <a:lnRef idx="2">
-            <a:schemeClr val="accent1">
-              <a:shade val="50000"/>
-            </a:schemeClr>
-          </a:lnRef>
-          <a:fillRef idx="1">
-            <a:schemeClr val="accent1"/>
-          </a:fillRef>
-          <a:effectRef idx="0">
-            <a:schemeClr val="accent1"/>
-          </a:effectRef>
-          <a:fontRef idx="minor">
-            <a:schemeClr val="lt1"/>
-          </a:fontRef>
-        </p:style>
-        <p:txBody>
-          <a:bodyPr rtlCol="0" anchor="ctr"/>
-          <a:lstStyle/>
-          <a:p>
-            <a:pPr algn="ctr"/>
-            <a:endParaRPr lang="zh-CN" altLang="en-US"/>
-          </a:p>
-        </p:txBody>
-      </p:sp>
-      <p:sp>
-        <p:nvSpPr>
-          <p:cNvPr id="7" name="矩形 6"/>
-          <p:cNvSpPr/>
-          <p:nvPr/>
-        </p:nvSpPr>
-        <p:spPr>
-          <a:xfrm>
-            <a:off x="6156176" y="332656"/>
-            <a:ext cx="1368152" cy="5638800"/>
-          </a:xfrm>
-          <a:prstGeom prst="rect">
-            <a:avLst/>
-          </a:prstGeom>
-          <a:noFill/>
-          <a:ln>
-            <a:solidFill>
-              <a:srgbClr val="FF0000"/>
-            </a:solidFill>
-          </a:ln>
-        </p:spPr>
-        <p:style>
-          <a:lnRef idx="2">
-            <a:schemeClr val="accent1">
-              <a:shade val="50000"/>
-            </a:schemeClr>
-          </a:lnRef>
-          <a:fillRef idx="1">
-            <a:schemeClr val="accent1"/>
-          </a:fillRef>
-          <a:effectRef idx="0">
-            <a:schemeClr val="accent1"/>
-          </a:effectRef>
-          <a:fontRef idx="minor">
-            <a:schemeClr val="lt1"/>
-          </a:fontRef>
-        </p:style>
-        <p:txBody>
-          <a:bodyPr rtlCol="0" anchor="ctr"/>
-          <a:lstStyle/>
-          <a:p>
-            <a:pPr algn="ctr"/>
-            <a:endParaRPr lang="zh-CN" altLang="en-US"/>
-          </a:p>
-        </p:txBody>
-      </p:sp>
     </p:spTree>
     <p:extLst>
       <p:ext uri="{BB962C8B-B14F-4D97-AF65-F5344CB8AC3E}">
-        <p14:creationId xmlns:p14="http://schemas.microsoft.com/office/powerpoint/2010/main" val="1441639391"/>
+        <p14:creationId xmlns:p14="http://schemas.microsoft.com/office/powerpoint/2010/main" val="4031871773"/>
       </p:ext>
     </p:extLst>
   </p:cSld>
   <p:clrMapOvr>
     <a:masterClrMapping/>
   </p:clrMapOvr>
+  <p:timing>
+    <p:tnLst>
+      <p:par>
+        <p:cTn id="1" dur="indefinite" restart="never" nodeType="tmRoot"/>
+      </p:par>
+    </p:tnLst>
+  </p:timing>
 </p:sld>
 </file>
 
@@ -12908,383 +15905,358 @@
       </p:grpSpPr>
       <p:sp>
         <p:nvSpPr>
-          <p:cNvPr id="126" name="CustomShape 1"/>
-          <p:cNvSpPr/>
+          <p:cNvPr id="2" name="标题 1"/>
+          <p:cNvSpPr>
+            <a:spLocks noGrp="1"/>
+          </p:cNvSpPr>
+          <p:nvPr>
+            <p:ph type="title"/>
+          </p:nvPr>
+        </p:nvSpPr>
+        <p:spPr/>
+        <p:txBody>
+          <a:bodyPr/>
+          <a:lstStyle/>
+          <a:p>
+            <a:endParaRPr lang="zh-CN" altLang="en-US"/>
+          </a:p>
+        </p:txBody>
+      </p:sp>
+      <p:sp>
+        <p:nvSpPr>
+          <p:cNvPr id="3" name="副标题 2"/>
+          <p:cNvSpPr>
+            <a:spLocks noGrp="1"/>
+          </p:cNvSpPr>
+          <p:nvPr>
+            <p:ph type="subTitle"/>
+          </p:nvPr>
+        </p:nvSpPr>
+        <p:spPr/>
+        <p:txBody>
+          <a:bodyPr/>
+          <a:lstStyle/>
+          <a:p>
+            <a:endParaRPr lang="zh-CN" altLang="en-US"/>
+          </a:p>
+        </p:txBody>
+      </p:sp>
+      <p:pic>
+        <p:nvPicPr>
+          <p:cNvPr id="1026" name="Picture 2"/>
+          <p:cNvPicPr>
+            <a:picLocks noChangeAspect="1" noChangeArrowheads="1"/>
+          </p:cNvPicPr>
           <p:nvPr/>
-        </p:nvSpPr>
-        <p:spPr>
-          <a:xfrm>
-            <a:off x="405720" y="1268640"/>
-            <a:ext cx="5842440" cy="1142280"/>
-          </a:xfrm>
-          <a:prstGeom prst="rect">
-            <a:avLst/>
-          </a:prstGeom>
-          <a:noFill/>
+        </p:nvPicPr>
+        <p:blipFill>
+          <a:blip r:embed="rId2" cstate="print">
+            <a:extLst>
+              <a:ext uri="{28A0092B-C50C-407E-A947-70E740481C1C}">
+                <a14:useLocalDpi xmlns:a14="http://schemas.microsoft.com/office/drawing/2010/main" val="0"/>
+              </a:ext>
+            </a:extLst>
+          </a:blip>
+          <a:stretch>
+            <a:fillRect/>
+          </a:stretch>
+        </p:blipFill>
+        <p:spPr bwMode="auto">
+          <a:xfrm>
+            <a:off x="395536" y="260648"/>
+            <a:ext cx="8388424" cy="6003912"/>
+          </a:xfrm>
+          <a:prstGeom prst="rect">
+            <a:avLst/>
+          </a:prstGeom>
+          <a:solidFill>
+            <a:srgbClr val="FF0000"/>
+          </a:solidFill>
           <a:ln>
             <a:noFill/>
           </a:ln>
         </p:spPr>
-        <p:txBody>
-          <a:bodyPr lIns="90000" tIns="45000" rIns="90000" bIns="45000" anchor="ctr"/>
-          <a:lstStyle/>
-          <a:p>
-            <a:pPr>
-              <a:lnSpc>
-                <a:spcPct val="100000"/>
-              </a:lnSpc>
-            </a:pPr>
-            <a:r>
-              <a:rPr lang="en-GB" altLang="zh-CN" sz="3200" b="1" dirty="0" smtClean="0">
-                <a:solidFill>
-                  <a:srgbClr val="595959"/>
-                </a:solidFill>
-              </a:rPr>
-              <a:t>Algorithms</a:t>
-            </a:r>
-            <a:endParaRPr lang="en-GB" altLang="zh-CN" sz="3200" b="1" dirty="0">
-              <a:solidFill>
-                <a:srgbClr val="595959"/>
-              </a:solidFill>
-            </a:endParaRPr>
-          </a:p>
-        </p:txBody>
-      </p:sp>
-      <p:sp>
-        <p:nvSpPr>
-          <p:cNvPr id="127" name="CustomShape 2"/>
+      </p:pic>
+      <p:sp>
+        <p:nvSpPr>
+          <p:cNvPr id="5" name="矩形 4"/>
           <p:cNvSpPr/>
           <p:nvPr/>
         </p:nvSpPr>
         <p:spPr>
           <a:xfrm>
-            <a:off x="395640" y="2493000"/>
-            <a:ext cx="8228880" cy="3632400"/>
+            <a:off x="7164288" y="1988840"/>
+            <a:ext cx="1368152" cy="216024"/>
           </a:xfrm>
           <a:prstGeom prst="rect">
             <a:avLst/>
           </a:prstGeom>
           <a:noFill/>
           <a:ln>
-            <a:noFill/>
+            <a:solidFill>
+              <a:srgbClr val="FF0000"/>
+            </a:solidFill>
           </a:ln>
         </p:spPr>
-        <p:txBody>
-          <a:bodyPr lIns="90000" tIns="45000" rIns="90000" bIns="45000"/>
-          <a:lstStyle/>
-          <a:p>
-            <a:pPr>
-              <a:lnSpc>
-                <a:spcPct val="100000"/>
-              </a:lnSpc>
-              <a:buFont typeface="Arial"/>
-              <a:buChar char="•"/>
-            </a:pPr>
-            <a:r>
-              <a:rPr lang="en-GB" sz="2800" dirty="0" smtClean="0">
-                <a:solidFill>
-                  <a:srgbClr val="000000"/>
-                </a:solidFill>
-                <a:latin typeface="Arial"/>
-              </a:rPr>
-              <a:t> state-of-the-art</a:t>
-            </a:r>
-          </a:p>
-          <a:p>
-            <a:pPr lvl="1">
-              <a:buFont typeface="Arial"/>
-              <a:buChar char="•"/>
-            </a:pPr>
-            <a:r>
-              <a:rPr lang="en-GB" sz="2400" dirty="0">
-                <a:solidFill>
-                  <a:srgbClr val="000000"/>
-                </a:solidFill>
-              </a:rPr>
-              <a:t> 2-Layer </a:t>
-            </a:r>
-            <a:r>
-              <a:rPr lang="en-GB" sz="2400" dirty="0" smtClean="0">
-                <a:solidFill>
-                  <a:srgbClr val="000000"/>
-                </a:solidFill>
-              </a:rPr>
-              <a:t>STDP learned</a:t>
-            </a:r>
-            <a:endParaRPr lang="en-GB" sz="2400" dirty="0">
-              <a:solidFill>
-                <a:srgbClr val="000000"/>
-              </a:solidFill>
-            </a:endParaRPr>
-          </a:p>
-          <a:p>
-            <a:pPr lvl="1">
-              <a:buFont typeface="Arial"/>
-              <a:buChar char="•"/>
-            </a:pPr>
-            <a:r>
-              <a:rPr lang="en-GB" sz="2400" dirty="0" smtClean="0">
-                <a:solidFill>
-                  <a:srgbClr val="000000"/>
-                </a:solidFill>
-                <a:latin typeface="Arial"/>
-              </a:rPr>
-              <a:t> </a:t>
-            </a:r>
-            <a:r>
-              <a:rPr lang="en-GB" altLang="zh-CN" sz="2400" dirty="0">
-                <a:solidFill>
-                  <a:srgbClr val="000000"/>
-                </a:solidFill>
-              </a:rPr>
-              <a:t>Spiking </a:t>
-            </a:r>
-            <a:r>
-              <a:rPr lang="en-GB" altLang="zh-CN" sz="2400" dirty="0" err="1" smtClean="0">
-                <a:solidFill>
-                  <a:srgbClr val="000000"/>
-                </a:solidFill>
-              </a:rPr>
-              <a:t>ConvNet</a:t>
-            </a:r>
-            <a:r>
-              <a:rPr lang="en-GB" altLang="zh-CN" sz="2400" dirty="0" smtClean="0">
-                <a:solidFill>
-                  <a:srgbClr val="000000"/>
-                </a:solidFill>
-              </a:rPr>
-              <a:t> (off-line training)</a:t>
-            </a:r>
-            <a:endParaRPr lang="en-GB" sz="2400" dirty="0" smtClean="0">
-              <a:solidFill>
-                <a:srgbClr val="000000"/>
-              </a:solidFill>
-              <a:latin typeface="Arial"/>
-            </a:endParaRPr>
-          </a:p>
-          <a:p>
-            <a:pPr lvl="1">
-              <a:buFont typeface="Arial"/>
-              <a:buChar char="•"/>
-            </a:pPr>
-            <a:r>
-              <a:rPr lang="en-GB" sz="2400" dirty="0" smtClean="0">
-                <a:solidFill>
-                  <a:srgbClr val="000000"/>
-                </a:solidFill>
-                <a:latin typeface="Arial"/>
-              </a:rPr>
-              <a:t> </a:t>
-            </a:r>
-            <a:r>
-              <a:rPr lang="en-GB" altLang="zh-CN" sz="2400" dirty="0">
-                <a:solidFill>
-                  <a:srgbClr val="000000"/>
-                </a:solidFill>
-              </a:rPr>
-              <a:t>Spiking </a:t>
-            </a:r>
-            <a:r>
-              <a:rPr lang="en-GB" altLang="zh-CN" sz="2400" dirty="0" smtClean="0">
-                <a:solidFill>
-                  <a:srgbClr val="000000"/>
-                </a:solidFill>
-              </a:rPr>
-              <a:t>DBN </a:t>
-            </a:r>
-            <a:r>
-              <a:rPr lang="en-GB" altLang="zh-CN" sz="2400" dirty="0">
-                <a:solidFill>
-                  <a:srgbClr val="000000"/>
-                </a:solidFill>
-              </a:rPr>
-              <a:t>(off-line training</a:t>
-            </a:r>
-            <a:r>
-              <a:rPr lang="en-GB" altLang="zh-CN" sz="2400" dirty="0" smtClean="0">
-                <a:solidFill>
-                  <a:srgbClr val="000000"/>
-                </a:solidFill>
-              </a:rPr>
-              <a:t>)</a:t>
-            </a:r>
-            <a:endParaRPr lang="en-GB" sz="2400" dirty="0" smtClean="0">
-              <a:solidFill>
-                <a:srgbClr val="000000"/>
-              </a:solidFill>
-              <a:latin typeface="Arial"/>
-            </a:endParaRPr>
-          </a:p>
-          <a:p>
-            <a:pPr>
-              <a:lnSpc>
-                <a:spcPct val="100000"/>
-              </a:lnSpc>
-              <a:buFont typeface="Arial"/>
-              <a:buChar char="•"/>
-            </a:pPr>
-            <a:r>
-              <a:rPr lang="en-GB" sz="2800" dirty="0" smtClean="0">
-                <a:solidFill>
-                  <a:srgbClr val="000000"/>
-                </a:solidFill>
-                <a:latin typeface="Arial"/>
-              </a:rPr>
-              <a:t> </a:t>
-            </a:r>
-            <a:r>
-              <a:rPr lang="en-US" sz="2800" dirty="0" smtClean="0">
-                <a:solidFill>
-                  <a:srgbClr val="FF0000"/>
-                </a:solidFill>
-                <a:latin typeface="Arial"/>
-              </a:rPr>
-              <a:t>Case studies</a:t>
-            </a:r>
-            <a:endParaRPr lang="en-US" sz="2800" dirty="0" smtClean="0">
-              <a:solidFill>
-                <a:srgbClr val="FF0000"/>
-              </a:solidFill>
-              <a:latin typeface="Arial"/>
-            </a:endParaRPr>
-          </a:p>
-          <a:p>
-            <a:pPr lvl="1">
-              <a:buFont typeface="Arial"/>
-              <a:buChar char="•"/>
-            </a:pPr>
-            <a:r>
-              <a:rPr lang="en-US" sz="2400" dirty="0" smtClean="0">
-                <a:solidFill>
-                  <a:srgbClr val="000000"/>
-                </a:solidFill>
-                <a:latin typeface="Arial"/>
-              </a:rPr>
-              <a:t> STDP online training on </a:t>
-            </a:r>
-            <a:r>
-              <a:rPr lang="en-US" sz="2400" dirty="0" err="1" smtClean="0">
-                <a:solidFill>
-                  <a:srgbClr val="000000"/>
-                </a:solidFill>
-                <a:latin typeface="Arial"/>
-              </a:rPr>
-              <a:t>SpiNNaker</a:t>
-            </a:r>
-            <a:endParaRPr lang="en-US" sz="2400" dirty="0" smtClean="0">
-              <a:solidFill>
-                <a:srgbClr val="000000"/>
-              </a:solidFill>
-              <a:latin typeface="Arial"/>
-            </a:endParaRPr>
-          </a:p>
-          <a:p>
-            <a:pPr lvl="1">
-              <a:buFont typeface="Arial"/>
-              <a:buChar char="•"/>
-            </a:pPr>
-            <a:r>
-              <a:rPr lang="en-US" sz="2400" dirty="0" smtClean="0">
-                <a:solidFill>
-                  <a:srgbClr val="000000"/>
-                </a:solidFill>
-                <a:latin typeface="Arial"/>
-              </a:rPr>
-              <a:t> </a:t>
-            </a:r>
-            <a:r>
-              <a:rPr lang="en-GB" altLang="zh-CN" sz="2400" dirty="0">
-                <a:solidFill>
-                  <a:srgbClr val="000000"/>
-                </a:solidFill>
-              </a:rPr>
-              <a:t>Spiking </a:t>
-            </a:r>
-            <a:r>
-              <a:rPr lang="en-GB" altLang="zh-CN" sz="2400" dirty="0" smtClean="0">
-                <a:solidFill>
-                  <a:srgbClr val="000000"/>
-                </a:solidFill>
-              </a:rPr>
-              <a:t>DBN on </a:t>
-            </a:r>
-            <a:r>
-              <a:rPr lang="en-GB" altLang="zh-CN" sz="2400" dirty="0" err="1" smtClean="0">
-                <a:solidFill>
-                  <a:srgbClr val="000000"/>
-                </a:solidFill>
-              </a:rPr>
-              <a:t>SpiNNaker</a:t>
-            </a:r>
-            <a:r>
-              <a:rPr lang="en-GB" altLang="zh-CN" sz="2400" dirty="0" smtClean="0">
-                <a:solidFill>
-                  <a:srgbClr val="000000"/>
-                </a:solidFill>
-              </a:rPr>
-              <a:t> (</a:t>
-            </a:r>
-            <a:r>
-              <a:rPr lang="en-GB" altLang="zh-CN" sz="2400" dirty="0" err="1" smtClean="0">
-                <a:solidFill>
-                  <a:srgbClr val="000000"/>
-                </a:solidFill>
-              </a:rPr>
-              <a:t>Evangelos</a:t>
-            </a:r>
-            <a:r>
-              <a:rPr lang="en-GB" altLang="zh-CN" sz="2400" dirty="0" smtClean="0">
-                <a:solidFill>
-                  <a:srgbClr val="000000"/>
-                </a:solidFill>
-              </a:rPr>
-              <a:t> </a:t>
-            </a:r>
-            <a:r>
-              <a:rPr lang="en-GB" altLang="zh-CN" sz="2400" dirty="0" err="1" smtClean="0">
-                <a:solidFill>
-                  <a:srgbClr val="000000"/>
-                </a:solidFill>
-              </a:rPr>
-              <a:t>Stromatias</a:t>
-            </a:r>
-            <a:r>
-              <a:rPr lang="en-GB" altLang="zh-CN" sz="2400" dirty="0" smtClean="0">
-                <a:solidFill>
-                  <a:srgbClr val="000000"/>
-                </a:solidFill>
-              </a:rPr>
-              <a:t>)</a:t>
-            </a:r>
-            <a:endParaRPr lang="en-US" sz="2400" dirty="0" smtClean="0">
-              <a:solidFill>
-                <a:srgbClr val="000000"/>
-              </a:solidFill>
-              <a:latin typeface="Arial"/>
-            </a:endParaRPr>
-          </a:p>
-          <a:p>
-            <a:pPr>
-              <a:lnSpc>
-                <a:spcPct val="100000"/>
-              </a:lnSpc>
-            </a:pPr>
-            <a:endParaRPr dirty="0"/>
-          </a:p>
-          <a:p>
-            <a:pPr>
-              <a:lnSpc>
-                <a:spcPct val="100000"/>
-              </a:lnSpc>
-            </a:pPr>
-            <a:endParaRPr dirty="0"/>
+        <p:style>
+          <a:lnRef idx="2">
+            <a:schemeClr val="accent1">
+              <a:shade val="50000"/>
+            </a:schemeClr>
+          </a:lnRef>
+          <a:fillRef idx="1">
+            <a:schemeClr val="accent1"/>
+          </a:fillRef>
+          <a:effectRef idx="0">
+            <a:schemeClr val="accent1"/>
+          </a:effectRef>
+          <a:fontRef idx="minor">
+            <a:schemeClr val="lt1"/>
+          </a:fontRef>
+        </p:style>
+        <p:txBody>
+          <a:bodyPr rtlCol="0" anchor="ctr"/>
+          <a:lstStyle/>
+          <a:p>
+            <a:pPr algn="ctr"/>
+            <a:endParaRPr lang="zh-CN" altLang="en-US"/>
+          </a:p>
+        </p:txBody>
+      </p:sp>
+      <p:sp>
+        <p:nvSpPr>
+          <p:cNvPr id="7" name="矩形 6"/>
+          <p:cNvSpPr/>
+          <p:nvPr/>
+        </p:nvSpPr>
+        <p:spPr>
+          <a:xfrm>
+            <a:off x="5220072" y="4077072"/>
+            <a:ext cx="1368152" cy="432048"/>
+          </a:xfrm>
+          <a:prstGeom prst="rect">
+            <a:avLst/>
+          </a:prstGeom>
+          <a:noFill/>
+          <a:ln>
+            <a:solidFill>
+              <a:srgbClr val="FF0000"/>
+            </a:solidFill>
+          </a:ln>
+        </p:spPr>
+        <p:style>
+          <a:lnRef idx="2">
+            <a:schemeClr val="accent1">
+              <a:shade val="50000"/>
+            </a:schemeClr>
+          </a:lnRef>
+          <a:fillRef idx="1">
+            <a:schemeClr val="accent1"/>
+          </a:fillRef>
+          <a:effectRef idx="0">
+            <a:schemeClr val="accent1"/>
+          </a:effectRef>
+          <a:fontRef idx="minor">
+            <a:schemeClr val="lt1"/>
+          </a:fontRef>
+        </p:style>
+        <p:txBody>
+          <a:bodyPr rtlCol="0" anchor="ctr"/>
+          <a:lstStyle/>
+          <a:p>
+            <a:pPr algn="ctr"/>
+            <a:endParaRPr lang="zh-CN" altLang="en-US"/>
+          </a:p>
+        </p:txBody>
+      </p:sp>
+      <p:sp>
+        <p:nvSpPr>
+          <p:cNvPr id="8" name="矩形 7"/>
+          <p:cNvSpPr/>
+          <p:nvPr/>
+        </p:nvSpPr>
+        <p:spPr>
+          <a:xfrm>
+            <a:off x="7164288" y="2924944"/>
+            <a:ext cx="1368152" cy="216024"/>
+          </a:xfrm>
+          <a:prstGeom prst="rect">
+            <a:avLst/>
+          </a:prstGeom>
+          <a:noFill/>
+          <a:ln>
+            <a:solidFill>
+              <a:srgbClr val="FF0000"/>
+            </a:solidFill>
+          </a:ln>
+        </p:spPr>
+        <p:style>
+          <a:lnRef idx="2">
+            <a:schemeClr val="accent1">
+              <a:shade val="50000"/>
+            </a:schemeClr>
+          </a:lnRef>
+          <a:fillRef idx="1">
+            <a:schemeClr val="accent1"/>
+          </a:fillRef>
+          <a:effectRef idx="0">
+            <a:schemeClr val="accent1"/>
+          </a:effectRef>
+          <a:fontRef idx="minor">
+            <a:schemeClr val="lt1"/>
+          </a:fontRef>
+        </p:style>
+        <p:txBody>
+          <a:bodyPr rtlCol="0" anchor="ctr"/>
+          <a:lstStyle/>
+          <a:p>
+            <a:pPr algn="ctr"/>
+            <a:endParaRPr lang="zh-CN" altLang="en-US"/>
+          </a:p>
+        </p:txBody>
+      </p:sp>
+      <p:sp>
+        <p:nvSpPr>
+          <p:cNvPr id="9" name="矩形 8"/>
+          <p:cNvSpPr/>
+          <p:nvPr/>
+        </p:nvSpPr>
+        <p:spPr>
+          <a:xfrm>
+            <a:off x="7164288" y="5085184"/>
+            <a:ext cx="1368152" cy="216024"/>
+          </a:xfrm>
+          <a:prstGeom prst="rect">
+            <a:avLst/>
+          </a:prstGeom>
+          <a:noFill/>
+          <a:ln>
+            <a:solidFill>
+              <a:srgbClr val="FF0000"/>
+            </a:solidFill>
+          </a:ln>
+        </p:spPr>
+        <p:style>
+          <a:lnRef idx="2">
+            <a:schemeClr val="accent1">
+              <a:shade val="50000"/>
+            </a:schemeClr>
+          </a:lnRef>
+          <a:fillRef idx="1">
+            <a:schemeClr val="accent1"/>
+          </a:fillRef>
+          <a:effectRef idx="0">
+            <a:schemeClr val="accent1"/>
+          </a:effectRef>
+          <a:fontRef idx="minor">
+            <a:schemeClr val="lt1"/>
+          </a:fontRef>
+        </p:style>
+        <p:txBody>
+          <a:bodyPr rtlCol="0" anchor="ctr"/>
+          <a:lstStyle/>
+          <a:p>
+            <a:pPr algn="ctr"/>
+            <a:endParaRPr lang="zh-CN" altLang="en-US"/>
+          </a:p>
+        </p:txBody>
+      </p:sp>
+      <p:sp>
+        <p:nvSpPr>
+          <p:cNvPr id="10" name="矩形 9"/>
+          <p:cNvSpPr/>
+          <p:nvPr/>
+        </p:nvSpPr>
+        <p:spPr>
+          <a:xfrm>
+            <a:off x="7704856" y="5589240"/>
+            <a:ext cx="1043608" cy="216024"/>
+          </a:xfrm>
+          <a:prstGeom prst="rect">
+            <a:avLst/>
+          </a:prstGeom>
+          <a:noFill/>
+          <a:ln>
+            <a:solidFill>
+              <a:srgbClr val="FF0000"/>
+            </a:solidFill>
+          </a:ln>
+        </p:spPr>
+        <p:style>
+          <a:lnRef idx="2">
+            <a:schemeClr val="accent1">
+              <a:shade val="50000"/>
+            </a:schemeClr>
+          </a:lnRef>
+          <a:fillRef idx="1">
+            <a:schemeClr val="accent1"/>
+          </a:fillRef>
+          <a:effectRef idx="0">
+            <a:schemeClr val="accent1"/>
+          </a:effectRef>
+          <a:fontRef idx="minor">
+            <a:schemeClr val="lt1"/>
+          </a:fontRef>
+        </p:style>
+        <p:txBody>
+          <a:bodyPr rtlCol="0" anchor="ctr"/>
+          <a:lstStyle/>
+          <a:p>
+            <a:pPr algn="ctr"/>
+            <a:endParaRPr lang="zh-CN" altLang="en-US"/>
+          </a:p>
+        </p:txBody>
+      </p:sp>
+      <p:sp>
+        <p:nvSpPr>
+          <p:cNvPr id="12" name="矩形 11"/>
+          <p:cNvSpPr/>
+          <p:nvPr/>
+        </p:nvSpPr>
+        <p:spPr>
+          <a:xfrm>
+            <a:off x="7704856" y="6021288"/>
+            <a:ext cx="1043608" cy="216024"/>
+          </a:xfrm>
+          <a:prstGeom prst="rect">
+            <a:avLst/>
+          </a:prstGeom>
+          <a:noFill/>
+          <a:ln>
+            <a:solidFill>
+              <a:srgbClr val="FF0000"/>
+            </a:solidFill>
+          </a:ln>
+        </p:spPr>
+        <p:style>
+          <a:lnRef idx="2">
+            <a:schemeClr val="accent1">
+              <a:shade val="50000"/>
+            </a:schemeClr>
+          </a:lnRef>
+          <a:fillRef idx="1">
+            <a:schemeClr val="accent1"/>
+          </a:fillRef>
+          <a:effectRef idx="0">
+            <a:schemeClr val="accent1"/>
+          </a:effectRef>
+          <a:fontRef idx="minor">
+            <a:schemeClr val="lt1"/>
+          </a:fontRef>
+        </p:style>
+        <p:txBody>
+          <a:bodyPr rtlCol="0" anchor="ctr"/>
+          <a:lstStyle/>
+          <a:p>
+            <a:pPr algn="ctr"/>
+            <a:endParaRPr lang="zh-CN" altLang="en-US"/>
           </a:p>
         </p:txBody>
       </p:sp>
     </p:spTree>
     <p:extLst>
       <p:ext uri="{BB962C8B-B14F-4D97-AF65-F5344CB8AC3E}">
-        <p14:creationId xmlns:p14="http://schemas.microsoft.com/office/powerpoint/2010/main" val="3557542079"/>
+        <p14:creationId xmlns:p14="http://schemas.microsoft.com/office/powerpoint/2010/main" val="1893679748"/>
       </p:ext>
     </p:extLst>
   </p:cSld>
@@ -13294,27 +16266,7 @@
   <p:timing>
     <p:tnLst>
       <p:par>
-        <p:cTn id="1" dur="indefinite" restart="never" nodeType="tmRoot">
-          <p:childTnLst>
-            <p:seq>
-              <p:cTn id="2" nodeType="mainSeq"/>
-              <p:prevCondLst>
-                <p:cond evt="onPrev" delay="0">
-                  <p:tgtEl>
-                    <p:sldTgt/>
-                  </p:tgtEl>
-                </p:cond>
-              </p:prevCondLst>
-              <p:nextCondLst>
-                <p:cond evt="onNext" delay="0">
-                  <p:tgtEl>
-                    <p:sldTgt/>
-                  </p:tgtEl>
-                </p:cond>
-              </p:nextCondLst>
-            </p:seq>
-          </p:childTnLst>
-        </p:cTn>
+        <p:cTn id="1" dur="indefinite" restart="never" nodeType="tmRoot"/>
       </p:par>
     </p:tnLst>
   </p:timing>
@@ -13338,47 +16290,6 @@
           <a:chExt cx="0" cy="0"/>
         </a:xfrm>
       </p:grpSpPr>
-      <p:pic>
-        <p:nvPicPr>
-          <p:cNvPr id="3074" name="Picture 2" descr="E:\github\benchmarking\ne_submit\jpeg-tobefix\training.jpg"/>
-          <p:cNvPicPr>
-            <a:picLocks noChangeAspect="1" noChangeArrowheads="1"/>
-          </p:cNvPicPr>
-          <p:nvPr/>
-        </p:nvPicPr>
-        <p:blipFill>
-          <a:blip r:embed="rId3" cstate="print">
-            <a:extLst>
-              <a:ext uri="{28A0092B-C50C-407E-A947-70E740481C1C}">
-                <a14:useLocalDpi xmlns:a14="http://schemas.microsoft.com/office/drawing/2010/main" val="0"/>
-              </a:ext>
-            </a:extLst>
-          </a:blip>
-          <a:srcRect/>
-          <a:stretch>
-            <a:fillRect/>
-          </a:stretch>
-        </p:blipFill>
-        <p:spPr bwMode="auto">
-          <a:xfrm>
-            <a:off x="3084512" y="2608312"/>
-            <a:ext cx="6059487" cy="1828800"/>
-          </a:xfrm>
-          <a:prstGeom prst="rect">
-            <a:avLst/>
-          </a:prstGeom>
-          <a:noFill/>
-          <a:extLst>
-            <a:ext uri="{909E8E84-426E-40DD-AFC4-6F175D3DCCD1}">
-              <a14:hiddenFill xmlns:a14="http://schemas.microsoft.com/office/drawing/2010/main">
-                <a:solidFill>
-                  <a:srgbClr val="FFFFFF"/>
-                </a:solidFill>
-              </a14:hiddenFill>
-            </a:ext>
-          </a:extLst>
-        </p:spPr>
-      </p:pic>
       <p:sp>
         <p:nvSpPr>
           <p:cNvPr id="126" name="CustomShape 1"/>
@@ -13388,7 +16299,7 @@
         <p:spPr>
           <a:xfrm>
             <a:off x="405720" y="1268640"/>
-            <a:ext cx="5842440" cy="1142280"/>
+            <a:ext cx="8342744" cy="1142280"/>
           </a:xfrm>
           <a:prstGeom prst="rect">
             <a:avLst/>
@@ -13408,18 +16319,13 @@
               </a:lnSpc>
             </a:pPr>
             <a:r>
-              <a:rPr lang="en-GB" altLang="zh-CN" sz="3200" b="1" dirty="0" smtClean="0">
+              <a:rPr lang="en-GB" altLang="zh-CN" sz="3200" b="1" dirty="0">
                 <a:solidFill>
                   <a:srgbClr val="595959"/>
                 </a:solidFill>
               </a:rPr>
-              <a:t>Case Study I: 2-layer STDP</a:t>
-            </a:r>
-            <a:endParaRPr lang="en-GB" altLang="zh-CN" sz="3200" b="1" dirty="0">
-              <a:solidFill>
-                <a:srgbClr val="595959"/>
-              </a:solidFill>
-            </a:endParaRPr>
+              <a:t>Evaluation on Spiking Vision Recognition</a:t>
+            </a:r>
           </a:p>
         </p:txBody>
       </p:sp>
@@ -13454,74 +16360,47 @@
               <a:buChar char="•"/>
             </a:pPr>
             <a:r>
-              <a:rPr lang="en-GB" sz="2800" dirty="0" smtClean="0">
+              <a:rPr lang="en-US" sz="2800" dirty="0" smtClean="0">
+                <a:latin typeface="Arial"/>
+              </a:rPr>
+              <a:t> Metrics on H/W platforms</a:t>
+            </a:r>
+          </a:p>
+          <a:p>
+            <a:pPr lvl="1"/>
+            <a:r>
+              <a:rPr lang="en-US" sz="2400" dirty="0" smtClean="0">
                 <a:solidFill>
                   <a:srgbClr val="000000"/>
                 </a:solidFill>
                 <a:latin typeface="Arial"/>
               </a:rPr>
-              <a:t> </a:t>
-            </a:r>
-            <a:r>
-              <a:rPr lang="en-US" sz="2800" dirty="0" smtClean="0">
+              <a:t>- Feasibility due to H/W limits</a:t>
+            </a:r>
+          </a:p>
+          <a:p>
+            <a:pPr lvl="1"/>
+            <a:r>
+              <a:rPr lang="en-US" sz="2400" dirty="0" smtClean="0">
                 <a:solidFill>
                   <a:srgbClr val="000000"/>
                 </a:solidFill>
                 <a:latin typeface="Arial"/>
               </a:rPr>
-              <a:t>a simple model</a:t>
-            </a:r>
-          </a:p>
-          <a:p>
-            <a:pPr>
-              <a:lnSpc>
-                <a:spcPct val="100000"/>
-              </a:lnSpc>
-              <a:buFont typeface="Arial"/>
-              <a:buChar char="•"/>
-            </a:pPr>
-            <a:r>
-              <a:rPr lang="en-US" sz="2800" dirty="0" smtClean="0">
+              <a:t>- Simulation time</a:t>
+            </a:r>
+          </a:p>
+          <a:p>
+            <a:pPr lvl="1"/>
+            <a:r>
+              <a:rPr lang="en-US" sz="2400" dirty="0" smtClean="0">
                 <a:solidFill>
                   <a:srgbClr val="000000"/>
                 </a:solidFill>
                 <a:latin typeface="Arial"/>
               </a:rPr>
-              <a:t> fast training</a:t>
-            </a:r>
-          </a:p>
-          <a:p>
-            <a:pPr>
-              <a:lnSpc>
-                <a:spcPct val="100000"/>
-              </a:lnSpc>
-              <a:buFont typeface="Arial"/>
-              <a:buChar char="•"/>
-            </a:pPr>
-            <a:r>
-              <a:rPr lang="en-US" sz="2800" dirty="0">
-                <a:solidFill>
-                  <a:srgbClr val="000000"/>
-                </a:solidFill>
-                <a:latin typeface="Arial"/>
-              </a:rPr>
-              <a:t> </a:t>
-            </a:r>
-            <a:r>
-              <a:rPr lang="en-US" sz="2800" dirty="0" smtClean="0">
-                <a:solidFill>
-                  <a:srgbClr val="000000"/>
-                </a:solidFill>
-                <a:latin typeface="Arial"/>
-              </a:rPr>
-              <a:t>short latency</a:t>
-            </a:r>
-            <a:endParaRPr lang="en-US" sz="2400" dirty="0" smtClean="0">
-              <a:solidFill>
-                <a:srgbClr val="000000"/>
-              </a:solidFill>
-              <a:latin typeface="Arial"/>
-            </a:endParaRPr>
+              <a:t>- Energy use</a:t>
+            </a:r>
           </a:p>
           <a:p>
             <a:pPr>
@@ -13541,51 +16420,10 @@
           </a:p>
         </p:txBody>
       </p:sp>
-      <p:pic>
-        <p:nvPicPr>
-          <p:cNvPr id="3075" name="Picture 3" descr="E:\github\benchmarking\ne_submit\jpeg-tobefix\testing.jpg"/>
-          <p:cNvPicPr>
-            <a:picLocks noChangeAspect="1" noChangeArrowheads="1"/>
-          </p:cNvPicPr>
-          <p:nvPr/>
-        </p:nvPicPr>
-        <p:blipFill>
-          <a:blip r:embed="rId4" cstate="print">
-            <a:extLst>
-              <a:ext uri="{28A0092B-C50C-407E-A947-70E740481C1C}">
-                <a14:useLocalDpi xmlns:a14="http://schemas.microsoft.com/office/drawing/2010/main" val="0"/>
-              </a:ext>
-            </a:extLst>
-          </a:blip>
-          <a:srcRect/>
-          <a:stretch>
-            <a:fillRect/>
-          </a:stretch>
-        </p:blipFill>
-        <p:spPr bwMode="auto">
-          <a:xfrm>
-            <a:off x="2783904" y="4653136"/>
-            <a:ext cx="6324600" cy="1968500"/>
-          </a:xfrm>
-          <a:prstGeom prst="rect">
-            <a:avLst/>
-          </a:prstGeom>
-          <a:noFill/>
-          <a:extLst>
-            <a:ext uri="{909E8E84-426E-40DD-AFC4-6F175D3DCCD1}">
-              <a14:hiddenFill xmlns:a14="http://schemas.microsoft.com/office/drawing/2010/main">
-                <a:solidFill>
-                  <a:srgbClr val="FFFFFF"/>
-                </a:solidFill>
-              </a14:hiddenFill>
-            </a:ext>
-          </a:extLst>
-        </p:spPr>
-      </p:pic>
     </p:spTree>
     <p:extLst>
       <p:ext uri="{BB962C8B-B14F-4D97-AF65-F5344CB8AC3E}">
-        <p14:creationId xmlns:p14="http://schemas.microsoft.com/office/powerpoint/2010/main" val="2326991781"/>
+        <p14:creationId xmlns:p14="http://schemas.microsoft.com/office/powerpoint/2010/main" val="1811760073"/>
       </p:ext>
     </p:extLst>
   </p:cSld>

--- a/2nd_year_int.pptx
+++ b/2nd_year_int.pptx
@@ -1950,11 +1950,7 @@
             </a:r>
             <a:r>
               <a:rPr lang="en-US" altLang="zh-CN" baseline="0" dirty="0" smtClean="0"/>
-              <a:t> not specific </a:t>
-            </a:r>
-            <a:r>
-              <a:rPr lang="en-US" altLang="zh-CN" baseline="0" dirty="0" smtClean="0"/>
-              <a:t>evaluation</a:t>
+              <a:t> not specific evaluation</a:t>
             </a:r>
           </a:p>
           <a:p>
@@ -7200,29 +7196,20 @@
               <a:rPr lang="en-US" sz="2800" dirty="0" smtClean="0">
                 <a:latin typeface="Arial"/>
               </a:rPr>
-              <a:t>Case studies on </a:t>
+              <a:t>Case studies on H/W (</a:t>
+            </a:r>
+            <a:r>
+              <a:rPr lang="en-US" sz="2800" dirty="0" err="1" smtClean="0">
+                <a:latin typeface="Arial"/>
+              </a:rPr>
+              <a:t>SpiNNaker</a:t>
             </a:r>
             <a:r>
               <a:rPr lang="en-US" sz="2800" dirty="0" smtClean="0">
                 <a:latin typeface="Arial"/>
               </a:rPr>
-              <a:t>H/W (</a:t>
-            </a:r>
-            <a:r>
-              <a:rPr lang="en-US" sz="2800" dirty="0" err="1" smtClean="0">
-                <a:latin typeface="Arial"/>
-              </a:rPr>
-              <a:t>SpiNNaker</a:t>
-            </a:r>
-            <a:r>
-              <a:rPr lang="en-US" sz="2800" dirty="0" smtClean="0">
-                <a:latin typeface="Arial"/>
-              </a:rPr>
               <a:t>)</a:t>
             </a:r>
-            <a:endParaRPr lang="en-US" sz="2800" dirty="0" smtClean="0">
-              <a:latin typeface="Arial"/>
-            </a:endParaRPr>
           </a:p>
           <a:p>
             <a:pPr lvl="1"/>
@@ -7769,7 +7756,7 @@
       </p:grpSpPr>
       <p:pic>
         <p:nvPicPr>
-          <p:cNvPr id="3076" name="Picture 4"/>
+          <p:cNvPr id="1026" name="Picture 2"/>
           <p:cNvPicPr>
             <a:picLocks noChangeAspect="1" noChangeArrowheads="1"/>
           </p:cNvPicPr>
@@ -7790,8 +7777,8 @@
         </p:blipFill>
         <p:spPr bwMode="auto">
           <a:xfrm>
-            <a:off x="1636450" y="4602633"/>
-            <a:ext cx="7184022" cy="2066727"/>
+            <a:off x="1569056" y="4612884"/>
+            <a:ext cx="7264860" cy="1966477"/>
           </a:xfrm>
           <a:prstGeom prst="rect">
             <a:avLst/>
@@ -8215,8 +8202,8 @@
         </p:nvSpPr>
         <p:spPr>
           <a:xfrm>
-            <a:off x="4788024" y="6237312"/>
-            <a:ext cx="1008112" cy="216024"/>
+            <a:off x="4716016" y="6165303"/>
+            <a:ext cx="1152128" cy="340295"/>
           </a:xfrm>
           <a:prstGeom prst="rect">
             <a:avLst/>
@@ -15094,23 +15081,8 @@
                 </a:solidFill>
                 <a:latin typeface="Arial"/>
               </a:rPr>
-              <a:t> Among </a:t>
-            </a:r>
-            <a:r>
-              <a:rPr lang="en-GB" sz="2400" dirty="0" smtClean="0">
-                <a:solidFill>
-                  <a:srgbClr val="000000"/>
-                </a:solidFill>
-                <a:latin typeface="Arial"/>
-              </a:rPr>
-              <a:t>SNNs</a:t>
-            </a:r>
-            <a:endParaRPr lang="en-GB" sz="2400" dirty="0" smtClean="0">
-              <a:solidFill>
-                <a:srgbClr val="000000"/>
-              </a:solidFill>
-              <a:latin typeface="Arial"/>
-            </a:endParaRPr>
+              <a:t> Among SNNs</a:t>
+            </a:r>
           </a:p>
           <a:p>
             <a:pPr lvl="1"/>
